--- a/W3/3. W3S3 final/W3S3.pptx
+++ b/W3/3. W3S3 final/W3S3.pptx
@@ -5,7 +5,7 @@
     <p:sldMasterId id="2147483648" r:id="rId1"/>
   </p:sldMasterIdLst>
   <p:notesMasterIdLst>
-    <p:notesMasterId r:id="rId55"/>
+    <p:notesMasterId r:id="rId59"/>
   </p:notesMasterIdLst>
   <p:sldIdLst>
     <p:sldId id="377" r:id="rId2"/>
@@ -34,33 +34,37 @@
     <p:sldId id="802" r:id="rId25"/>
     <p:sldId id="801" r:id="rId26"/>
     <p:sldId id="804" r:id="rId27"/>
-    <p:sldId id="805" r:id="rId28"/>
-    <p:sldId id="803" r:id="rId29"/>
-    <p:sldId id="806" r:id="rId30"/>
-    <p:sldId id="807" r:id="rId31"/>
-    <p:sldId id="808" r:id="rId32"/>
-    <p:sldId id="809" r:id="rId33"/>
-    <p:sldId id="810" r:id="rId34"/>
-    <p:sldId id="811" r:id="rId35"/>
-    <p:sldId id="812" r:id="rId36"/>
-    <p:sldId id="402" r:id="rId37"/>
-    <p:sldId id="814" r:id="rId38"/>
-    <p:sldId id="813" r:id="rId39"/>
-    <p:sldId id="815" r:id="rId40"/>
-    <p:sldId id="401" r:id="rId41"/>
-    <p:sldId id="816" r:id="rId42"/>
-    <p:sldId id="817" r:id="rId43"/>
-    <p:sldId id="818" r:id="rId44"/>
-    <p:sldId id="820" r:id="rId45"/>
-    <p:sldId id="403" r:id="rId46"/>
-    <p:sldId id="819" r:id="rId47"/>
-    <p:sldId id="821" r:id="rId48"/>
-    <p:sldId id="822" r:id="rId49"/>
-    <p:sldId id="823" r:id="rId50"/>
-    <p:sldId id="824" r:id="rId51"/>
-    <p:sldId id="825" r:id="rId52"/>
-    <p:sldId id="346" r:id="rId53"/>
-    <p:sldId id="826" r:id="rId54"/>
+    <p:sldId id="827" r:id="rId28"/>
+    <p:sldId id="805" r:id="rId29"/>
+    <p:sldId id="803" r:id="rId30"/>
+    <p:sldId id="806" r:id="rId31"/>
+    <p:sldId id="807" r:id="rId32"/>
+    <p:sldId id="808" r:id="rId33"/>
+    <p:sldId id="809" r:id="rId34"/>
+    <p:sldId id="810" r:id="rId35"/>
+    <p:sldId id="811" r:id="rId36"/>
+    <p:sldId id="812" r:id="rId37"/>
+    <p:sldId id="402" r:id="rId38"/>
+    <p:sldId id="828" r:id="rId39"/>
+    <p:sldId id="814" r:id="rId40"/>
+    <p:sldId id="813" r:id="rId41"/>
+    <p:sldId id="815" r:id="rId42"/>
+    <p:sldId id="401" r:id="rId43"/>
+    <p:sldId id="829" r:id="rId44"/>
+    <p:sldId id="816" r:id="rId45"/>
+    <p:sldId id="817" r:id="rId46"/>
+    <p:sldId id="818" r:id="rId47"/>
+    <p:sldId id="830" r:id="rId48"/>
+    <p:sldId id="820" r:id="rId49"/>
+    <p:sldId id="403" r:id="rId50"/>
+    <p:sldId id="819" r:id="rId51"/>
+    <p:sldId id="821" r:id="rId52"/>
+    <p:sldId id="822" r:id="rId53"/>
+    <p:sldId id="823" r:id="rId54"/>
+    <p:sldId id="824" r:id="rId55"/>
+    <p:sldId id="825" r:id="rId56"/>
+    <p:sldId id="346" r:id="rId57"/>
+    <p:sldId id="826" r:id="rId58"/>
   </p:sldIdLst>
   <p:sldSz cx="12192000" cy="6858000"/>
   <p:notesSz cx="6858000" cy="9144000"/>
@@ -210,6 +214,7 @@
             <p14:sldId id="802"/>
             <p14:sldId id="801"/>
             <p14:sldId id="804"/>
+            <p14:sldId id="827"/>
             <p14:sldId id="805"/>
           </p14:sldIdLst>
         </p14:section>
@@ -228,6 +233,7 @@
           <p14:sldIdLst>
             <p14:sldId id="812"/>
             <p14:sldId id="402"/>
+            <p14:sldId id="828"/>
             <p14:sldId id="814"/>
             <p14:sldId id="813"/>
             <p14:sldId id="815"/>
@@ -236,9 +242,11 @@
         <p14:section name="VII.4. Demo - Writing custom Layers and Blocks" id="{F7361A3F-5077-458D-B652-9816D9CE48F5}">
           <p14:sldIdLst>
             <p14:sldId id="401"/>
+            <p14:sldId id="829"/>
             <p14:sldId id="816"/>
             <p14:sldId id="817"/>
             <p14:sldId id="818"/>
+            <p14:sldId id="830"/>
           </p14:sldIdLst>
         </p14:section>
         <p14:section name="VII.5. Demo - Training a Deep Neural Network" id="{477257E7-571E-4412-9E06-E0B848366484}">
@@ -276,6 +284,7 @@
 <p1510:revInfo xmlns:a="http://schemas.openxmlformats.org/drawingml/2006/main" xmlns:r="http://schemas.openxmlformats.org/officeDocument/2006/relationships" xmlns:p1510="http://schemas.microsoft.com/office/powerpoint/2015/10/main">
   <p1510:revLst>
     <p1510:client id="{D2FDBEB2-E663-41FC-8A3C-AC79657DF6AB}" v="1281" dt="2023-02-07T06:52:15.899"/>
+    <p1510:client id="{FEF7EEA1-64D9-4B2F-A3EA-AA797BDA10B0}" v="168" dt="2023-02-08T04:42:16.409"/>
   </p1510:revLst>
 </p1510:revInfo>
 </file>
@@ -5750,6 +5759,388 @@
       </pc:sldMasterChg>
     </pc:docChg>
   </pc:docChgLst>
+  <pc:docChgLst>
+    <pc:chgData name="Matthieu De Mari" userId="dfb708c9-d8dc-439f-9a3b-c772bf4a311c" providerId="ADAL" clId="{FEF7EEA1-64D9-4B2F-A3EA-AA797BDA10B0}"/>
+    <pc:docChg chg="custSel addSld modSld modSection">
+      <pc:chgData name="Matthieu De Mari" userId="dfb708c9-d8dc-439f-9a3b-c772bf4a311c" providerId="ADAL" clId="{FEF7EEA1-64D9-4B2F-A3EA-AA797BDA10B0}" dt="2023-02-08T04:46:24.485" v="663" actId="20577"/>
+      <pc:docMkLst>
+        <pc:docMk/>
+      </pc:docMkLst>
+      <pc:sldChg chg="modSp mod modClrScheme chgLayout">
+        <pc:chgData name="Matthieu De Mari" userId="dfb708c9-d8dc-439f-9a3b-c772bf4a311c" providerId="ADAL" clId="{FEF7EEA1-64D9-4B2F-A3EA-AA797BDA10B0}" dt="2023-02-08T04:26:29.346" v="5" actId="20577"/>
+        <pc:sldMkLst>
+          <pc:docMk/>
+          <pc:sldMk cId="1458730680" sldId="396"/>
+        </pc:sldMkLst>
+        <pc:spChg chg="mod ord">
+          <ac:chgData name="Matthieu De Mari" userId="dfb708c9-d8dc-439f-9a3b-c772bf4a311c" providerId="ADAL" clId="{FEF7EEA1-64D9-4B2F-A3EA-AA797BDA10B0}" dt="2023-02-08T04:26:26.226" v="4" actId="700"/>
+          <ac:spMkLst>
+            <pc:docMk/>
+            <pc:sldMk cId="1458730680" sldId="396"/>
+            <ac:spMk id="2" creationId="{AB0F840A-9158-1C9B-1451-026D2AA9FE34}"/>
+          </ac:spMkLst>
+        </pc:spChg>
+        <pc:spChg chg="mod ord">
+          <ac:chgData name="Matthieu De Mari" userId="dfb708c9-d8dc-439f-9a3b-c772bf4a311c" providerId="ADAL" clId="{FEF7EEA1-64D9-4B2F-A3EA-AA797BDA10B0}" dt="2023-02-08T04:26:29.346" v="5" actId="20577"/>
+          <ac:spMkLst>
+            <pc:docMk/>
+            <pc:sldMk cId="1458730680" sldId="396"/>
+            <ac:spMk id="3" creationId="{54C2D511-85EE-1F9B-89D9-7815B51B2B8B}"/>
+          </ac:spMkLst>
+        </pc:spChg>
+      </pc:sldChg>
+      <pc:sldChg chg="delSp modSp mod modClrScheme chgLayout">
+        <pc:chgData name="Matthieu De Mari" userId="dfb708c9-d8dc-439f-9a3b-c772bf4a311c" providerId="ADAL" clId="{FEF7EEA1-64D9-4B2F-A3EA-AA797BDA10B0}" dt="2023-02-08T04:43:19.572" v="529" actId="478"/>
+        <pc:sldMkLst>
+          <pc:docMk/>
+          <pc:sldMk cId="4039171501" sldId="401"/>
+        </pc:sldMkLst>
+        <pc:spChg chg="mod ord">
+          <ac:chgData name="Matthieu De Mari" userId="dfb708c9-d8dc-439f-9a3b-c772bf4a311c" providerId="ADAL" clId="{FEF7EEA1-64D9-4B2F-A3EA-AA797BDA10B0}" dt="2023-02-08T04:43:17.016" v="527" actId="700"/>
+          <ac:spMkLst>
+            <pc:docMk/>
+            <pc:sldMk cId="4039171501" sldId="401"/>
+            <ac:spMk id="2" creationId="{AC1D82E3-0CF1-4CB6-B079-94D3470FB21B}"/>
+          </ac:spMkLst>
+        </pc:spChg>
+        <pc:spChg chg="mod ord">
+          <ac:chgData name="Matthieu De Mari" userId="dfb708c9-d8dc-439f-9a3b-c772bf4a311c" providerId="ADAL" clId="{FEF7EEA1-64D9-4B2F-A3EA-AA797BDA10B0}" dt="2023-02-08T04:43:17.029" v="528" actId="27636"/>
+          <ac:spMkLst>
+            <pc:docMk/>
+            <pc:sldMk cId="4039171501" sldId="401"/>
+            <ac:spMk id="3" creationId="{63E638E1-0E19-7F02-7FE0-49EBCE47EBFA}"/>
+          </ac:spMkLst>
+        </pc:spChg>
+        <pc:spChg chg="del mod ord">
+          <ac:chgData name="Matthieu De Mari" userId="dfb708c9-d8dc-439f-9a3b-c772bf4a311c" providerId="ADAL" clId="{FEF7EEA1-64D9-4B2F-A3EA-AA797BDA10B0}" dt="2023-02-08T04:43:19.572" v="529" actId="478"/>
+          <ac:spMkLst>
+            <pc:docMk/>
+            <pc:sldMk cId="4039171501" sldId="401"/>
+            <ac:spMk id="4" creationId="{77147CE6-9948-1412-0650-A43164C7A53D}"/>
+          </ac:spMkLst>
+        </pc:spChg>
+      </pc:sldChg>
+      <pc:sldChg chg="modSp mod">
+        <pc:chgData name="Matthieu De Mari" userId="dfb708c9-d8dc-439f-9a3b-c772bf4a311c" providerId="ADAL" clId="{FEF7EEA1-64D9-4B2F-A3EA-AA797BDA10B0}" dt="2023-02-08T04:40:20.259" v="358" actId="113"/>
+        <pc:sldMkLst>
+          <pc:docMk/>
+          <pc:sldMk cId="3163596145" sldId="402"/>
+        </pc:sldMkLst>
+        <pc:spChg chg="mod">
+          <ac:chgData name="Matthieu De Mari" userId="dfb708c9-d8dc-439f-9a3b-c772bf4a311c" providerId="ADAL" clId="{FEF7EEA1-64D9-4B2F-A3EA-AA797BDA10B0}" dt="2023-02-08T04:40:20.259" v="358" actId="113"/>
+          <ac:spMkLst>
+            <pc:docMk/>
+            <pc:sldMk cId="3163596145" sldId="402"/>
+            <ac:spMk id="3" creationId="{CF1D478A-0975-EE46-490C-B98DC55AC938}"/>
+          </ac:spMkLst>
+        </pc:spChg>
+      </pc:sldChg>
+      <pc:sldChg chg="modSp mod">
+        <pc:chgData name="Matthieu De Mari" userId="dfb708c9-d8dc-439f-9a3b-c772bf4a311c" providerId="ADAL" clId="{FEF7EEA1-64D9-4B2F-A3EA-AA797BDA10B0}" dt="2023-02-08T04:26:41.546" v="6"/>
+        <pc:sldMkLst>
+          <pc:docMk/>
+          <pc:sldMk cId="3381120192" sldId="788"/>
+        </pc:sldMkLst>
+        <pc:spChg chg="mod">
+          <ac:chgData name="Matthieu De Mari" userId="dfb708c9-d8dc-439f-9a3b-c772bf4a311c" providerId="ADAL" clId="{FEF7EEA1-64D9-4B2F-A3EA-AA797BDA10B0}" dt="2023-02-08T04:26:41.546" v="6"/>
+          <ac:spMkLst>
+            <pc:docMk/>
+            <pc:sldMk cId="3381120192" sldId="788"/>
+            <ac:spMk id="8" creationId="{668F32F8-5E46-06D2-D714-2FC1D4FB60B1}"/>
+          </ac:spMkLst>
+        </pc:spChg>
+      </pc:sldChg>
+      <pc:sldChg chg="modSp mod">
+        <pc:chgData name="Matthieu De Mari" userId="dfb708c9-d8dc-439f-9a3b-c772bf4a311c" providerId="ADAL" clId="{FEF7EEA1-64D9-4B2F-A3EA-AA797BDA10B0}" dt="2023-02-08T04:32:23.895" v="22" actId="20577"/>
+        <pc:sldMkLst>
+          <pc:docMk/>
+          <pc:sldMk cId="473408429" sldId="789"/>
+        </pc:sldMkLst>
+        <pc:spChg chg="mod">
+          <ac:chgData name="Matthieu De Mari" userId="dfb708c9-d8dc-439f-9a3b-c772bf4a311c" providerId="ADAL" clId="{FEF7EEA1-64D9-4B2F-A3EA-AA797BDA10B0}" dt="2023-02-08T04:32:23.895" v="22" actId="20577"/>
+          <ac:spMkLst>
+            <pc:docMk/>
+            <pc:sldMk cId="473408429" sldId="789"/>
+            <ac:spMk id="3" creationId="{BA2A0416-0B18-CDD3-9A37-B441AE8FAEC0}"/>
+          </ac:spMkLst>
+        </pc:spChg>
+      </pc:sldChg>
+      <pc:sldChg chg="modSp mod">
+        <pc:chgData name="Matthieu De Mari" userId="dfb708c9-d8dc-439f-9a3b-c772bf4a311c" providerId="ADAL" clId="{FEF7EEA1-64D9-4B2F-A3EA-AA797BDA10B0}" dt="2023-02-08T04:34:35.142" v="135" actId="20577"/>
+        <pc:sldMkLst>
+          <pc:docMk/>
+          <pc:sldMk cId="253262496" sldId="802"/>
+        </pc:sldMkLst>
+        <pc:spChg chg="mod">
+          <ac:chgData name="Matthieu De Mari" userId="dfb708c9-d8dc-439f-9a3b-c772bf4a311c" providerId="ADAL" clId="{FEF7EEA1-64D9-4B2F-A3EA-AA797BDA10B0}" dt="2023-02-08T04:33:56.870" v="89" actId="20577"/>
+          <ac:spMkLst>
+            <pc:docMk/>
+            <pc:sldMk cId="253262496" sldId="802"/>
+            <ac:spMk id="3" creationId="{F0814AA9-339A-72D8-E8A9-C066A3ED5800}"/>
+          </ac:spMkLst>
+        </pc:spChg>
+        <pc:spChg chg="mod">
+          <ac:chgData name="Matthieu De Mari" userId="dfb708c9-d8dc-439f-9a3b-c772bf4a311c" providerId="ADAL" clId="{FEF7EEA1-64D9-4B2F-A3EA-AA797BDA10B0}" dt="2023-02-08T04:34:35.142" v="135" actId="20577"/>
+          <ac:spMkLst>
+            <pc:docMk/>
+            <pc:sldMk cId="253262496" sldId="802"/>
+            <ac:spMk id="4" creationId="{3D8906E9-3F26-1680-6CF9-CC0314375949}"/>
+          </ac:spMkLst>
+        </pc:spChg>
+      </pc:sldChg>
+      <pc:sldChg chg="delSp modSp mod modClrScheme chgLayout">
+        <pc:chgData name="Matthieu De Mari" userId="dfb708c9-d8dc-439f-9a3b-c772bf4a311c" providerId="ADAL" clId="{FEF7EEA1-64D9-4B2F-A3EA-AA797BDA10B0}" dt="2023-02-08T04:34:57.975" v="139" actId="478"/>
+        <pc:sldMkLst>
+          <pc:docMk/>
+          <pc:sldMk cId="165715628" sldId="804"/>
+        </pc:sldMkLst>
+        <pc:spChg chg="mod ord">
+          <ac:chgData name="Matthieu De Mari" userId="dfb708c9-d8dc-439f-9a3b-c772bf4a311c" providerId="ADAL" clId="{FEF7EEA1-64D9-4B2F-A3EA-AA797BDA10B0}" dt="2023-02-08T04:34:53.927" v="137" actId="700"/>
+          <ac:spMkLst>
+            <pc:docMk/>
+            <pc:sldMk cId="165715628" sldId="804"/>
+            <ac:spMk id="2" creationId="{A8C99902-2A36-9C91-5F2C-9819DE23FB0C}"/>
+          </ac:spMkLst>
+        </pc:spChg>
+        <pc:spChg chg="mod ord">
+          <ac:chgData name="Matthieu De Mari" userId="dfb708c9-d8dc-439f-9a3b-c772bf4a311c" providerId="ADAL" clId="{FEF7EEA1-64D9-4B2F-A3EA-AA797BDA10B0}" dt="2023-02-08T04:34:54.458" v="138" actId="27636"/>
+          <ac:spMkLst>
+            <pc:docMk/>
+            <pc:sldMk cId="165715628" sldId="804"/>
+            <ac:spMk id="3" creationId="{F0814AA9-339A-72D8-E8A9-C066A3ED5800}"/>
+          </ac:spMkLst>
+        </pc:spChg>
+        <pc:spChg chg="del mod ord">
+          <ac:chgData name="Matthieu De Mari" userId="dfb708c9-d8dc-439f-9a3b-c772bf4a311c" providerId="ADAL" clId="{FEF7EEA1-64D9-4B2F-A3EA-AA797BDA10B0}" dt="2023-02-08T04:34:57.975" v="139" actId="478"/>
+          <ac:spMkLst>
+            <pc:docMk/>
+            <pc:sldMk cId="165715628" sldId="804"/>
+            <ac:spMk id="4" creationId="{73645EA5-24B1-2D96-6660-3C5A2AEA5B3E}"/>
+          </ac:spMkLst>
+        </pc:spChg>
+      </pc:sldChg>
+      <pc:sldChg chg="modSp mod">
+        <pc:chgData name="Matthieu De Mari" userId="dfb708c9-d8dc-439f-9a3b-c772bf4a311c" providerId="ADAL" clId="{FEF7EEA1-64D9-4B2F-A3EA-AA797BDA10B0}" dt="2023-02-08T04:36:35.088" v="279" actId="20577"/>
+        <pc:sldMkLst>
+          <pc:docMk/>
+          <pc:sldMk cId="1145967515" sldId="805"/>
+        </pc:sldMkLst>
+        <pc:spChg chg="mod">
+          <ac:chgData name="Matthieu De Mari" userId="dfb708c9-d8dc-439f-9a3b-c772bf4a311c" providerId="ADAL" clId="{FEF7EEA1-64D9-4B2F-A3EA-AA797BDA10B0}" dt="2023-02-08T04:35:31.325" v="149" actId="5793"/>
+          <ac:spMkLst>
+            <pc:docMk/>
+            <pc:sldMk cId="1145967515" sldId="805"/>
+            <ac:spMk id="3" creationId="{F0814AA9-339A-72D8-E8A9-C066A3ED5800}"/>
+          </ac:spMkLst>
+        </pc:spChg>
+        <pc:spChg chg="mod">
+          <ac:chgData name="Matthieu De Mari" userId="dfb708c9-d8dc-439f-9a3b-c772bf4a311c" providerId="ADAL" clId="{FEF7EEA1-64D9-4B2F-A3EA-AA797BDA10B0}" dt="2023-02-08T04:36:35.088" v="279" actId="20577"/>
+          <ac:spMkLst>
+            <pc:docMk/>
+            <pc:sldMk cId="1145967515" sldId="805"/>
+            <ac:spMk id="4" creationId="{73645EA5-24B1-2D96-6660-3C5A2AEA5B3E}"/>
+          </ac:spMkLst>
+        </pc:spChg>
+      </pc:sldChg>
+      <pc:sldChg chg="modSp mod">
+        <pc:chgData name="Matthieu De Mari" userId="dfb708c9-d8dc-439f-9a3b-c772bf4a311c" providerId="ADAL" clId="{FEF7EEA1-64D9-4B2F-A3EA-AA797BDA10B0}" dt="2023-02-08T04:37:28.837" v="302" actId="20577"/>
+        <pc:sldMkLst>
+          <pc:docMk/>
+          <pc:sldMk cId="609329699" sldId="807"/>
+        </pc:sldMkLst>
+        <pc:spChg chg="mod">
+          <ac:chgData name="Matthieu De Mari" userId="dfb708c9-d8dc-439f-9a3b-c772bf4a311c" providerId="ADAL" clId="{FEF7EEA1-64D9-4B2F-A3EA-AA797BDA10B0}" dt="2023-02-08T04:37:28.837" v="302" actId="20577"/>
+          <ac:spMkLst>
+            <pc:docMk/>
+            <pc:sldMk cId="609329699" sldId="807"/>
+            <ac:spMk id="3" creationId="{F0814AA9-339A-72D8-E8A9-C066A3ED5800}"/>
+          </ac:spMkLst>
+        </pc:spChg>
+      </pc:sldChg>
+      <pc:sldChg chg="modSp mod">
+        <pc:chgData name="Matthieu De Mari" userId="dfb708c9-d8dc-439f-9a3b-c772bf4a311c" providerId="ADAL" clId="{FEF7EEA1-64D9-4B2F-A3EA-AA797BDA10B0}" dt="2023-02-08T04:38:42.169" v="344" actId="20577"/>
+        <pc:sldMkLst>
+          <pc:docMk/>
+          <pc:sldMk cId="3415879044" sldId="810"/>
+        </pc:sldMkLst>
+        <pc:spChg chg="mod">
+          <ac:chgData name="Matthieu De Mari" userId="dfb708c9-d8dc-439f-9a3b-c772bf4a311c" providerId="ADAL" clId="{FEF7EEA1-64D9-4B2F-A3EA-AA797BDA10B0}" dt="2023-02-08T04:38:42.169" v="344" actId="20577"/>
+          <ac:spMkLst>
+            <pc:docMk/>
+            <pc:sldMk cId="3415879044" sldId="810"/>
+            <ac:spMk id="3" creationId="{F03B80B8-F02F-81A4-905C-A12A73155D58}"/>
+          </ac:spMkLst>
+        </pc:spChg>
+      </pc:sldChg>
+      <pc:sldChg chg="modSp mod">
+        <pc:chgData name="Matthieu De Mari" userId="dfb708c9-d8dc-439f-9a3b-c772bf4a311c" providerId="ADAL" clId="{FEF7EEA1-64D9-4B2F-A3EA-AA797BDA10B0}" dt="2023-02-08T04:39:01.905" v="347" actId="115"/>
+        <pc:sldMkLst>
+          <pc:docMk/>
+          <pc:sldMk cId="2804082923" sldId="811"/>
+        </pc:sldMkLst>
+        <pc:spChg chg="mod">
+          <ac:chgData name="Matthieu De Mari" userId="dfb708c9-d8dc-439f-9a3b-c772bf4a311c" providerId="ADAL" clId="{FEF7EEA1-64D9-4B2F-A3EA-AA797BDA10B0}" dt="2023-02-08T04:39:01.905" v="347" actId="115"/>
+          <ac:spMkLst>
+            <pc:docMk/>
+            <pc:sldMk cId="2804082923" sldId="811"/>
+            <ac:spMk id="5" creationId="{0ABFA246-AA73-67B0-2D31-98CDFA32F1EB}"/>
+          </ac:spMkLst>
+        </pc:spChg>
+      </pc:sldChg>
+      <pc:sldChg chg="modSp mod">
+        <pc:chgData name="Matthieu De Mari" userId="dfb708c9-d8dc-439f-9a3b-c772bf4a311c" providerId="ADAL" clId="{FEF7EEA1-64D9-4B2F-A3EA-AA797BDA10B0}" dt="2023-02-08T04:43:06.268" v="525" actId="113"/>
+        <pc:sldMkLst>
+          <pc:docMk/>
+          <pc:sldMk cId="507741553" sldId="815"/>
+        </pc:sldMkLst>
+        <pc:spChg chg="mod">
+          <ac:chgData name="Matthieu De Mari" userId="dfb708c9-d8dc-439f-9a3b-c772bf4a311c" providerId="ADAL" clId="{FEF7EEA1-64D9-4B2F-A3EA-AA797BDA10B0}" dt="2023-02-08T04:43:06.268" v="525" actId="113"/>
+          <ac:spMkLst>
+            <pc:docMk/>
+            <pc:sldMk cId="507741553" sldId="815"/>
+            <ac:spMk id="5" creationId="{FD741876-3C5F-A683-C589-99A3ED536B4B}"/>
+          </ac:spMkLst>
+        </pc:spChg>
+      </pc:sldChg>
+      <pc:sldChg chg="modSp mod">
+        <pc:chgData name="Matthieu De Mari" userId="dfb708c9-d8dc-439f-9a3b-c772bf4a311c" providerId="ADAL" clId="{FEF7EEA1-64D9-4B2F-A3EA-AA797BDA10B0}" dt="2023-02-08T04:44:08.197" v="574" actId="27636"/>
+        <pc:sldMkLst>
+          <pc:docMk/>
+          <pc:sldMk cId="1946753280" sldId="816"/>
+        </pc:sldMkLst>
+        <pc:spChg chg="mod">
+          <ac:chgData name="Matthieu De Mari" userId="dfb708c9-d8dc-439f-9a3b-c772bf4a311c" providerId="ADAL" clId="{FEF7EEA1-64D9-4B2F-A3EA-AA797BDA10B0}" dt="2023-02-08T04:44:08.197" v="574" actId="27636"/>
+          <ac:spMkLst>
+            <pc:docMk/>
+            <pc:sldMk cId="1946753280" sldId="816"/>
+            <ac:spMk id="3" creationId="{63E638E1-0E19-7F02-7FE0-49EBCE47EBFA}"/>
+          </ac:spMkLst>
+        </pc:spChg>
+      </pc:sldChg>
+      <pc:sldChg chg="modSp mod">
+        <pc:chgData name="Matthieu De Mari" userId="dfb708c9-d8dc-439f-9a3b-c772bf4a311c" providerId="ADAL" clId="{FEF7EEA1-64D9-4B2F-A3EA-AA797BDA10B0}" dt="2023-02-08T04:44:43.502" v="577" actId="27636"/>
+        <pc:sldMkLst>
+          <pc:docMk/>
+          <pc:sldMk cId="182983479" sldId="818"/>
+        </pc:sldMkLst>
+        <pc:spChg chg="mod">
+          <ac:chgData name="Matthieu De Mari" userId="dfb708c9-d8dc-439f-9a3b-c772bf4a311c" providerId="ADAL" clId="{FEF7EEA1-64D9-4B2F-A3EA-AA797BDA10B0}" dt="2023-02-08T04:44:43.502" v="577" actId="27636"/>
+          <ac:spMkLst>
+            <pc:docMk/>
+            <pc:sldMk cId="182983479" sldId="818"/>
+            <ac:spMk id="3" creationId="{63E638E1-0E19-7F02-7FE0-49EBCE47EBFA}"/>
+          </ac:spMkLst>
+        </pc:spChg>
+      </pc:sldChg>
+      <pc:sldChg chg="modSp mod">
+        <pc:chgData name="Matthieu De Mari" userId="dfb708c9-d8dc-439f-9a3b-c772bf4a311c" providerId="ADAL" clId="{FEF7EEA1-64D9-4B2F-A3EA-AA797BDA10B0}" dt="2023-02-08T04:46:24.485" v="663" actId="20577"/>
+        <pc:sldMkLst>
+          <pc:docMk/>
+          <pc:sldMk cId="3100375267" sldId="826"/>
+        </pc:sldMkLst>
+        <pc:spChg chg="mod">
+          <ac:chgData name="Matthieu De Mari" userId="dfb708c9-d8dc-439f-9a3b-c772bf4a311c" providerId="ADAL" clId="{FEF7EEA1-64D9-4B2F-A3EA-AA797BDA10B0}" dt="2023-02-08T04:46:24.485" v="663" actId="20577"/>
+          <ac:spMkLst>
+            <pc:docMk/>
+            <pc:sldMk cId="3100375267" sldId="826"/>
+            <ac:spMk id="5" creationId="{7ACD5660-3AA0-1773-354B-1B2326A4442B}"/>
+          </ac:spMkLst>
+        </pc:spChg>
+      </pc:sldChg>
+      <pc:sldChg chg="delSp modSp add mod modClrScheme chgLayout">
+        <pc:chgData name="Matthieu De Mari" userId="dfb708c9-d8dc-439f-9a3b-c772bf4a311c" providerId="ADAL" clId="{FEF7EEA1-64D9-4B2F-A3EA-AA797BDA10B0}" dt="2023-02-08T04:35:16.547" v="148" actId="5793"/>
+        <pc:sldMkLst>
+          <pc:docMk/>
+          <pc:sldMk cId="386474252" sldId="827"/>
+        </pc:sldMkLst>
+        <pc:spChg chg="mod ord">
+          <ac:chgData name="Matthieu De Mari" userId="dfb708c9-d8dc-439f-9a3b-c772bf4a311c" providerId="ADAL" clId="{FEF7EEA1-64D9-4B2F-A3EA-AA797BDA10B0}" dt="2023-02-08T04:35:10.227" v="146" actId="700"/>
+          <ac:spMkLst>
+            <pc:docMk/>
+            <pc:sldMk cId="386474252" sldId="827"/>
+            <ac:spMk id="2" creationId="{A8C99902-2A36-9C91-5F2C-9819DE23FB0C}"/>
+          </ac:spMkLst>
+        </pc:spChg>
+        <pc:spChg chg="mod ord">
+          <ac:chgData name="Matthieu De Mari" userId="dfb708c9-d8dc-439f-9a3b-c772bf4a311c" providerId="ADAL" clId="{FEF7EEA1-64D9-4B2F-A3EA-AA797BDA10B0}" dt="2023-02-08T04:35:16.547" v="148" actId="5793"/>
+          <ac:spMkLst>
+            <pc:docMk/>
+            <pc:sldMk cId="386474252" sldId="827"/>
+            <ac:spMk id="3" creationId="{F0814AA9-339A-72D8-E8A9-C066A3ED5800}"/>
+          </ac:spMkLst>
+        </pc:spChg>
+        <pc:spChg chg="del mod">
+          <ac:chgData name="Matthieu De Mari" userId="dfb708c9-d8dc-439f-9a3b-c772bf4a311c" providerId="ADAL" clId="{FEF7EEA1-64D9-4B2F-A3EA-AA797BDA10B0}" dt="2023-02-08T04:35:10.227" v="146" actId="700"/>
+          <ac:spMkLst>
+            <pc:docMk/>
+            <pc:sldMk cId="386474252" sldId="827"/>
+            <ac:spMk id="4" creationId="{73645EA5-24B1-2D96-6660-3C5A2AEA5B3E}"/>
+          </ac:spMkLst>
+        </pc:spChg>
+      </pc:sldChg>
+      <pc:sldChg chg="modSp add mod">
+        <pc:chgData name="Matthieu De Mari" userId="dfb708c9-d8dc-439f-9a3b-c772bf4a311c" providerId="ADAL" clId="{FEF7EEA1-64D9-4B2F-A3EA-AA797BDA10B0}" dt="2023-02-08T04:42:16.409" v="473" actId="20577"/>
+        <pc:sldMkLst>
+          <pc:docMk/>
+          <pc:sldMk cId="2986862345" sldId="828"/>
+        </pc:sldMkLst>
+        <pc:spChg chg="mod">
+          <ac:chgData name="Matthieu De Mari" userId="dfb708c9-d8dc-439f-9a3b-c772bf4a311c" providerId="ADAL" clId="{FEF7EEA1-64D9-4B2F-A3EA-AA797BDA10B0}" dt="2023-02-08T04:42:16.409" v="473" actId="20577"/>
+          <ac:spMkLst>
+            <pc:docMk/>
+            <pc:sldMk cId="2986862345" sldId="828"/>
+            <ac:spMk id="3" creationId="{CF1D478A-0975-EE46-490C-B98DC55AC938}"/>
+          </ac:spMkLst>
+        </pc:spChg>
+      </pc:sldChg>
+      <pc:sldChg chg="delSp modSp add mod modClrScheme chgLayout">
+        <pc:chgData name="Matthieu De Mari" userId="dfb708c9-d8dc-439f-9a3b-c772bf4a311c" providerId="ADAL" clId="{FEF7EEA1-64D9-4B2F-A3EA-AA797BDA10B0}" dt="2023-02-08T04:43:28.633" v="539" actId="27636"/>
+        <pc:sldMkLst>
+          <pc:docMk/>
+          <pc:sldMk cId="2441798468" sldId="829"/>
+        </pc:sldMkLst>
+        <pc:spChg chg="mod ord">
+          <ac:chgData name="Matthieu De Mari" userId="dfb708c9-d8dc-439f-9a3b-c772bf4a311c" providerId="ADAL" clId="{FEF7EEA1-64D9-4B2F-A3EA-AA797BDA10B0}" dt="2023-02-08T04:43:28.617" v="538" actId="700"/>
+          <ac:spMkLst>
+            <pc:docMk/>
+            <pc:sldMk cId="2441798468" sldId="829"/>
+            <ac:spMk id="2" creationId="{AC1D82E3-0CF1-4CB6-B079-94D3470FB21B}"/>
+          </ac:spMkLst>
+        </pc:spChg>
+        <pc:spChg chg="mod ord">
+          <ac:chgData name="Matthieu De Mari" userId="dfb708c9-d8dc-439f-9a3b-c772bf4a311c" providerId="ADAL" clId="{FEF7EEA1-64D9-4B2F-A3EA-AA797BDA10B0}" dt="2023-02-08T04:43:28.633" v="539" actId="27636"/>
+          <ac:spMkLst>
+            <pc:docMk/>
+            <pc:sldMk cId="2441798468" sldId="829"/>
+            <ac:spMk id="3" creationId="{63E638E1-0E19-7F02-7FE0-49EBCE47EBFA}"/>
+          </ac:spMkLst>
+        </pc:spChg>
+        <pc:spChg chg="del mod">
+          <ac:chgData name="Matthieu De Mari" userId="dfb708c9-d8dc-439f-9a3b-c772bf4a311c" providerId="ADAL" clId="{FEF7EEA1-64D9-4B2F-A3EA-AA797BDA10B0}" dt="2023-02-08T04:43:25.431" v="537" actId="478"/>
+          <ac:spMkLst>
+            <pc:docMk/>
+            <pc:sldMk cId="2441798468" sldId="829"/>
+            <ac:spMk id="4" creationId="{77147CE6-9948-1412-0650-A43164C7A53D}"/>
+          </ac:spMkLst>
+        </pc:spChg>
+      </pc:sldChg>
+      <pc:sldChg chg="modSp add mod">
+        <pc:chgData name="Matthieu De Mari" userId="dfb708c9-d8dc-439f-9a3b-c772bf4a311c" providerId="ADAL" clId="{FEF7EEA1-64D9-4B2F-A3EA-AA797BDA10B0}" dt="2023-02-08T04:45:33.607" v="646" actId="20577"/>
+        <pc:sldMkLst>
+          <pc:docMk/>
+          <pc:sldMk cId="491711875" sldId="830"/>
+        </pc:sldMkLst>
+        <pc:spChg chg="mod">
+          <ac:chgData name="Matthieu De Mari" userId="dfb708c9-d8dc-439f-9a3b-c772bf4a311c" providerId="ADAL" clId="{FEF7EEA1-64D9-4B2F-A3EA-AA797BDA10B0}" dt="2023-02-08T04:45:33.607" v="646" actId="20577"/>
+          <ac:spMkLst>
+            <pc:docMk/>
+            <pc:sldMk cId="491711875" sldId="830"/>
+            <ac:spMk id="3" creationId="{63E638E1-0E19-7F02-7FE0-49EBCE47EBFA}"/>
+          </ac:spMkLst>
+        </pc:spChg>
+      </pc:sldChg>
+    </pc:docChg>
+  </pc:docChgLst>
 </pc:chgInfo>
 </file>
 
@@ -5835,7 +6226,7 @@
           <a:p>
             <a:fld id="{61478373-EB31-4867-8CF0-FA31364748A5}" type="datetimeFigureOut">
               <a:rPr lang="en-GB" smtClean="0"/>
-              <a:t>07/02/2023</a:t>
+              <a:t>08/02/2023</a:t>
             </a:fld>
             <a:endParaRPr lang="en-GB"/>
           </a:p>
@@ -6252,7 +6643,7 @@
           <a:p>
             <a:fld id="{E85DF616-B21E-4EF6-A6A5-95E2FB3EB1A1}" type="datetimeFigureOut">
               <a:rPr lang="en-GB" smtClean="0"/>
-              <a:t>07/02/2023</a:t>
+              <a:t>08/02/2023</a:t>
             </a:fld>
             <a:endParaRPr lang="en-GB"/>
           </a:p>
@@ -6452,7 +6843,7 @@
           <a:p>
             <a:fld id="{E85DF616-B21E-4EF6-A6A5-95E2FB3EB1A1}" type="datetimeFigureOut">
               <a:rPr lang="en-GB" smtClean="0"/>
-              <a:t>07/02/2023</a:t>
+              <a:t>08/02/2023</a:t>
             </a:fld>
             <a:endParaRPr lang="en-GB"/>
           </a:p>
@@ -6662,7 +7053,7 @@
           <a:p>
             <a:fld id="{E85DF616-B21E-4EF6-A6A5-95E2FB3EB1A1}" type="datetimeFigureOut">
               <a:rPr lang="en-GB" smtClean="0"/>
-              <a:t>07/02/2023</a:t>
+              <a:t>08/02/2023</a:t>
             </a:fld>
             <a:endParaRPr lang="en-GB"/>
           </a:p>
@@ -6862,7 +7253,7 @@
           <a:p>
             <a:fld id="{E85DF616-B21E-4EF6-A6A5-95E2FB3EB1A1}" type="datetimeFigureOut">
               <a:rPr lang="en-GB" smtClean="0"/>
-              <a:t>07/02/2023</a:t>
+              <a:t>08/02/2023</a:t>
             </a:fld>
             <a:endParaRPr lang="en-GB"/>
           </a:p>
@@ -7138,7 +7529,7 @@
           <a:p>
             <a:fld id="{E85DF616-B21E-4EF6-A6A5-95E2FB3EB1A1}" type="datetimeFigureOut">
               <a:rPr lang="en-GB" smtClean="0"/>
-              <a:t>07/02/2023</a:t>
+              <a:t>08/02/2023</a:t>
             </a:fld>
             <a:endParaRPr lang="en-GB"/>
           </a:p>
@@ -7406,7 +7797,7 @@
           <a:p>
             <a:fld id="{E85DF616-B21E-4EF6-A6A5-95E2FB3EB1A1}" type="datetimeFigureOut">
               <a:rPr lang="en-GB" smtClean="0"/>
-              <a:t>07/02/2023</a:t>
+              <a:t>08/02/2023</a:t>
             </a:fld>
             <a:endParaRPr lang="en-GB"/>
           </a:p>
@@ -7821,7 +8212,7 @@
           <a:p>
             <a:fld id="{E85DF616-B21E-4EF6-A6A5-95E2FB3EB1A1}" type="datetimeFigureOut">
               <a:rPr lang="en-GB" smtClean="0"/>
-              <a:t>07/02/2023</a:t>
+              <a:t>08/02/2023</a:t>
             </a:fld>
             <a:endParaRPr lang="en-GB"/>
           </a:p>
@@ -7963,7 +8354,7 @@
           <a:p>
             <a:fld id="{E85DF616-B21E-4EF6-A6A5-95E2FB3EB1A1}" type="datetimeFigureOut">
               <a:rPr lang="en-GB" smtClean="0"/>
-              <a:t>07/02/2023</a:t>
+              <a:t>08/02/2023</a:t>
             </a:fld>
             <a:endParaRPr lang="en-GB"/>
           </a:p>
@@ -8076,7 +8467,7 @@
           <a:p>
             <a:fld id="{E85DF616-B21E-4EF6-A6A5-95E2FB3EB1A1}" type="datetimeFigureOut">
               <a:rPr lang="en-GB" smtClean="0"/>
-              <a:t>07/02/2023</a:t>
+              <a:t>08/02/2023</a:t>
             </a:fld>
             <a:endParaRPr lang="en-GB"/>
           </a:p>
@@ -8389,7 +8780,7 @@
           <a:p>
             <a:fld id="{E85DF616-B21E-4EF6-A6A5-95E2FB3EB1A1}" type="datetimeFigureOut">
               <a:rPr lang="en-GB" smtClean="0"/>
-              <a:t>07/02/2023</a:t>
+              <a:t>08/02/2023</a:t>
             </a:fld>
             <a:endParaRPr lang="en-GB"/>
           </a:p>
@@ -8678,7 +9069,7 @@
           <a:p>
             <a:fld id="{E85DF616-B21E-4EF6-A6A5-95E2FB3EB1A1}" type="datetimeFigureOut">
               <a:rPr lang="en-GB" smtClean="0"/>
-              <a:t>07/02/2023</a:t>
+              <a:t>08/02/2023</a:t>
             </a:fld>
             <a:endParaRPr lang="en-GB"/>
           </a:p>
@@ -8921,7 +9312,7 @@
           <a:p>
             <a:fld id="{E85DF616-B21E-4EF6-A6A5-95E2FB3EB1A1}" type="datetimeFigureOut">
               <a:rPr lang="en-GB" smtClean="0"/>
-              <a:t>07/02/2023</a:t>
+              <a:t>08/02/2023</a:t>
             </a:fld>
             <a:endParaRPr lang="en-GB"/>
           </a:p>
@@ -9931,13 +10322,13 @@
           <a:p>
             <a:r>
               <a:rPr lang="en-GB" dirty="0"/>
-              <a:t>Features include the size of the house (in square feet), the number of bedrooms and bathrooms, the year the house was built, and more. It also includes the sale price for each house.</a:t>
-            </a:r>
-          </a:p>
-          <a:p>
-            <a:r>
-              <a:rPr lang="en-GB" dirty="0"/>
-              <a:t>The Ames Housing Dataset is a popular choice for machine learning projects, and it has been used to build models for predicting house prices based on various features.</a:t>
+              <a:t>Features include the size of the house (in square feet), the number of bedrooms and bathrooms, and many more. It also includes the sale price for each house.</a:t>
+            </a:r>
+          </a:p>
+          <a:p>
+            <a:r>
+              <a:rPr lang="en-GB" dirty="0"/>
+              <a:t>The Ames Housing Dataset is a popular choice for machine learning projects, and it has been used to build AI models for predicting house prices, based on various house features.</a:t>
             </a:r>
           </a:p>
           <a:p>
@@ -13415,8 +13806,17 @@
               <a:buNone/>
             </a:pPr>
             <a:r>
-              <a:rPr lang="en-GB" dirty="0"/>
-              <a:t>In general, it is good to do the following:</a:t>
+              <a:rPr lang="en-GB" b="1" dirty="0"/>
+              <a:t>Good practice: normalize your data!</a:t>
+            </a:r>
+          </a:p>
+          <a:p>
+            <a:pPr marL="0" indent="0">
+              <a:buNone/>
+            </a:pPr>
+            <a:r>
+              <a:rPr lang="en-GB" dirty="0"/>
+              <a:t>In general, do the following:</a:t>
             </a:r>
           </a:p>
           <a:p>
@@ -13428,7 +13828,7 @@
           <a:p>
             <a:r>
               <a:rPr lang="en-GB" dirty="0"/>
-              <a:t>Normalize the data to have zero mean and unit standard deviation.</a:t>
+              <a:t>Normalize to have zero mean and unit standard deviation.</a:t>
             </a:r>
           </a:p>
         </p:txBody>
@@ -13466,7 +13866,7 @@
             </a:pPr>
             <a:r>
               <a:rPr lang="en-GB" dirty="0"/>
-              <a:t>We will then subtract a mean of 0.1307 and divide by a standard deviation of 0.3081. </a:t>
+              <a:t>In MNIST, we will then subtract a mean of 0.1307 and divide by a standard deviation of 0.3081. </a:t>
             </a:r>
           </a:p>
           <a:p>
@@ -13475,7 +13875,7 @@
             </a:pPr>
             <a:r>
               <a:rPr lang="en-GB" dirty="0"/>
-              <a:t>These values are basically the mean and the standard deviation of the dataset divided by 255 (original max pixel value).</a:t>
+              <a:t>These values are the original mean and standard deviation of the dataset before normalization!</a:t>
             </a:r>
             <a:endParaRPr lang="en-SG" dirty="0"/>
           </a:p>
@@ -13678,18 +14078,13 @@
                 <a:spLocks noGrp="1"/>
               </p:cNvSpPr>
               <p:nvPr>
-                <p:ph sz="half" idx="1"/>
+                <p:ph idx="1"/>
               </p:nvPr>
             </p:nvSpPr>
-            <p:spPr>
-              <a:xfrm>
-                <a:off x="838200" y="1825624"/>
-                <a:ext cx="5181600" cy="5032375"/>
-              </a:xfrm>
-            </p:spPr>
+            <p:spPr/>
             <p:txBody>
               <a:bodyPr>
-                <a:normAutofit fontScale="92500"/>
+                <a:normAutofit/>
               </a:bodyPr>
               <a:lstStyle/>
               <a:p>
@@ -13864,447 +14259,14 @@
                 <a:spLocks noGrp="1" noRot="1" noChangeAspect="1" noMove="1" noResize="1" noEditPoints="1" noAdjustHandles="1" noChangeArrowheads="1" noChangeShapeType="1" noTextEdit="1"/>
               </p:cNvSpPr>
               <p:nvPr>
-                <p:ph sz="half" idx="1"/>
+                <p:ph idx="1"/>
               </p:nvPr>
             </p:nvSpPr>
             <p:spPr>
-              <a:xfrm>
-                <a:off x="838200" y="1825624"/>
-                <a:ext cx="5181600" cy="5032375"/>
-              </a:xfrm>
               <a:blipFill>
                 <a:blip r:embed="rId2"/>
                 <a:stretch>
-                  <a:fillRect l="-2118" t="-1816" r="-2000"/>
-                </a:stretch>
-              </a:blipFill>
-            </p:spPr>
-            <p:txBody>
-              <a:bodyPr/>
-              <a:lstStyle/>
-              <a:p>
-                <a:r>
-                  <a:rPr lang="en-SG">
-                    <a:noFill/>
-                  </a:rPr>
-                  <a:t> </a:t>
-                </a:r>
-              </a:p>
-            </p:txBody>
-          </p:sp>
-        </mc:Fallback>
-      </mc:AlternateContent>
-      <mc:AlternateContent xmlns:mc="http://schemas.openxmlformats.org/markup-compatibility/2006">
-        <mc:Choice xmlns:a14="http://schemas.microsoft.com/office/drawing/2010/main" Requires="a14">
-          <p:sp>
-            <p:nvSpPr>
-              <p:cNvPr id="4" name="Content Placeholder 3">
-                <a:extLst>
-                  <a:ext uri="{FF2B5EF4-FFF2-40B4-BE49-F238E27FC236}">
-                    <a16:creationId xmlns:a16="http://schemas.microsoft.com/office/drawing/2014/main" id="{73645EA5-24B1-2D96-6660-3C5A2AEA5B3E}"/>
-                  </a:ext>
-                </a:extLst>
-              </p:cNvPr>
-              <p:cNvSpPr>
-                <a:spLocks noGrp="1"/>
-              </p:cNvSpPr>
-              <p:nvPr>
-                <p:ph sz="half" idx="2"/>
-              </p:nvPr>
-            </p:nvSpPr>
-            <p:spPr>
-              <a:xfrm>
-                <a:off x="6172200" y="1825624"/>
-                <a:ext cx="5181600" cy="5032375"/>
-              </a:xfrm>
-            </p:spPr>
-            <p:txBody>
-              <a:bodyPr>
-                <a:normAutofit fontScale="92500"/>
-              </a:bodyPr>
-              <a:lstStyle/>
-              <a:p>
-                <a:r>
-                  <a:rPr lang="en-GB" dirty="0"/>
-                  <a:t>Unfortunately, when we have more than 2 classes, </a:t>
-                </a:r>
-                <a:r>
-                  <a:rPr lang="en-GB" b="1" dirty="0"/>
-                  <a:t>we can no longer rely on a single output value </a:t>
-                </a:r>
-                <a14:m>
-                  <m:oMath xmlns:m="http://schemas.openxmlformats.org/officeDocument/2006/math">
-                    <m:r>
-                      <a:rPr lang="en-GB" b="1" i="1" dirty="0" smtClean="0">
-                        <a:latin typeface="Cambria Math" panose="02040503050406030204" pitchFamily="18" charset="0"/>
-                      </a:rPr>
-                      <m:t>𝒑</m:t>
-                    </m:r>
-                  </m:oMath>
-                </a14:m>
-                <a:r>
-                  <a:rPr lang="en-GB" dirty="0"/>
-                  <a:t>.</a:t>
-                </a:r>
-              </a:p>
-              <a:p>
-                <a:r>
-                  <a:rPr lang="en-GB" dirty="0"/>
-                  <a:t>Instead, it is often preferable to have the model output </a:t>
-                </a:r>
-                <a:r>
-                  <a:rPr lang="en-GB" b="1" dirty="0"/>
-                  <a:t>10 values</a:t>
-                </a:r>
-                <a:r>
-                  <a:rPr lang="en-GB" dirty="0"/>
-                  <a:t>:</a:t>
-                </a:r>
-              </a:p>
-              <a:p>
-                <a:pPr marL="0" indent="0">
-                  <a:buNone/>
-                </a:pPr>
-                <a14:m>
-                  <m:oMathPara xmlns:m="http://schemas.openxmlformats.org/officeDocument/2006/math">
-                    <m:oMathParaPr>
-                      <m:jc m:val="centerGroup"/>
-                    </m:oMathParaPr>
-                    <m:oMath xmlns:m="http://schemas.openxmlformats.org/officeDocument/2006/math">
-                      <m:r>
-                        <a:rPr lang="en-GB" i="1" dirty="0" smtClean="0">
-                          <a:latin typeface="Cambria Math" panose="02040503050406030204" pitchFamily="18" charset="0"/>
-                        </a:rPr>
-                        <m:t> (</m:t>
-                      </m:r>
-                      <m:sSub>
-                        <m:sSubPr>
-                          <m:ctrlPr>
-                            <a:rPr lang="en-GB" i="1" dirty="0" smtClean="0">
-                              <a:latin typeface="Cambria Math" panose="02040503050406030204" pitchFamily="18" charset="0"/>
-                            </a:rPr>
-                          </m:ctrlPr>
-                        </m:sSubPr>
-                        <m:e>
-                          <m:r>
-                            <a:rPr lang="en-GB" i="1" dirty="0" smtClean="0">
-                              <a:latin typeface="Cambria Math" panose="02040503050406030204" pitchFamily="18" charset="0"/>
-                            </a:rPr>
-                            <m:t>𝑝</m:t>
-                          </m:r>
-                        </m:e>
-                        <m:sub>
-                          <m:r>
-                            <a:rPr lang="en-GB" i="1" dirty="0" smtClean="0">
-                              <a:latin typeface="Cambria Math" panose="02040503050406030204" pitchFamily="18" charset="0"/>
-                            </a:rPr>
-                            <m:t>0</m:t>
-                          </m:r>
-                        </m:sub>
-                      </m:sSub>
-                      <m:r>
-                        <a:rPr lang="en-GB" i="1" dirty="0" smtClean="0">
-                          <a:latin typeface="Cambria Math" panose="02040503050406030204" pitchFamily="18" charset="0"/>
-                        </a:rPr>
-                        <m:t>, </m:t>
-                      </m:r>
-                      <m:sSub>
-                        <m:sSubPr>
-                          <m:ctrlPr>
-                            <a:rPr lang="en-GB" i="1" dirty="0" smtClean="0">
-                              <a:latin typeface="Cambria Math" panose="02040503050406030204" pitchFamily="18" charset="0"/>
-                            </a:rPr>
-                          </m:ctrlPr>
-                        </m:sSubPr>
-                        <m:e>
-                          <m:r>
-                            <a:rPr lang="en-GB" i="1" dirty="0" smtClean="0">
-                              <a:latin typeface="Cambria Math" panose="02040503050406030204" pitchFamily="18" charset="0"/>
-                            </a:rPr>
-                            <m:t>𝑝</m:t>
-                          </m:r>
-                        </m:e>
-                        <m:sub>
-                          <m:r>
-                            <a:rPr lang="en-GB" i="1" dirty="0" smtClean="0">
-                              <a:latin typeface="Cambria Math" panose="02040503050406030204" pitchFamily="18" charset="0"/>
-                            </a:rPr>
-                            <m:t>1</m:t>
-                          </m:r>
-                        </m:sub>
-                      </m:sSub>
-                      <m:r>
-                        <a:rPr lang="en-GB" i="1" dirty="0" smtClean="0">
-                          <a:latin typeface="Cambria Math" panose="02040503050406030204" pitchFamily="18" charset="0"/>
-                        </a:rPr>
-                        <m:t>, </m:t>
-                      </m:r>
-                      <m:sSub>
-                        <m:sSubPr>
-                          <m:ctrlPr>
-                            <a:rPr lang="en-GB" i="1" dirty="0" smtClean="0">
-                              <a:latin typeface="Cambria Math" panose="02040503050406030204" pitchFamily="18" charset="0"/>
-                            </a:rPr>
-                          </m:ctrlPr>
-                        </m:sSubPr>
-                        <m:e>
-                          <m:r>
-                            <a:rPr lang="en-GB" i="1" dirty="0" smtClean="0">
-                              <a:latin typeface="Cambria Math" panose="02040503050406030204" pitchFamily="18" charset="0"/>
-                            </a:rPr>
-                            <m:t>𝑝</m:t>
-                          </m:r>
-                        </m:e>
-                        <m:sub>
-                          <m:r>
-                            <a:rPr lang="en-GB" i="1" dirty="0" smtClean="0">
-                              <a:latin typeface="Cambria Math" panose="02040503050406030204" pitchFamily="18" charset="0"/>
-                            </a:rPr>
-                            <m:t>2</m:t>
-                          </m:r>
-                        </m:sub>
-                      </m:sSub>
-                      <m:r>
-                        <a:rPr lang="en-GB" i="1" dirty="0" smtClean="0">
-                          <a:latin typeface="Cambria Math" panose="02040503050406030204" pitchFamily="18" charset="0"/>
-                        </a:rPr>
-                        <m:t>, … </m:t>
-                      </m:r>
-                      <m:sSub>
-                        <m:sSubPr>
-                          <m:ctrlPr>
-                            <a:rPr lang="en-GB" i="1" dirty="0" smtClean="0">
-                              <a:latin typeface="Cambria Math" panose="02040503050406030204" pitchFamily="18" charset="0"/>
-                            </a:rPr>
-                          </m:ctrlPr>
-                        </m:sSubPr>
-                        <m:e>
-                          <m:r>
-                            <a:rPr lang="en-GB" i="1" dirty="0" smtClean="0">
-                              <a:latin typeface="Cambria Math" panose="02040503050406030204" pitchFamily="18" charset="0"/>
-                            </a:rPr>
-                            <m:t>𝑝</m:t>
-                          </m:r>
-                        </m:e>
-                        <m:sub>
-                          <m:r>
-                            <a:rPr lang="en-GB" i="1" dirty="0" smtClean="0">
-                              <a:latin typeface="Cambria Math" panose="02040503050406030204" pitchFamily="18" charset="0"/>
-                            </a:rPr>
-                            <m:t>9</m:t>
-                          </m:r>
-                        </m:sub>
-                      </m:sSub>
-                      <m:r>
-                        <a:rPr lang="en-GB" i="1" dirty="0" smtClean="0">
-                          <a:latin typeface="Cambria Math" panose="02040503050406030204" pitchFamily="18" charset="0"/>
-                        </a:rPr>
-                        <m:t>)</m:t>
-                      </m:r>
-                    </m:oMath>
-                  </m:oMathPara>
-                </a14:m>
-                <a:endParaRPr lang="en-GB" dirty="0"/>
-              </a:p>
-              <a:p>
-                <a:r>
-                  <a:rPr lang="en-GB" dirty="0"/>
-                  <a:t>Where each </a:t>
-                </a:r>
-                <a14:m>
-                  <m:oMath xmlns:m="http://schemas.openxmlformats.org/officeDocument/2006/math">
-                    <m:sSub>
-                      <m:sSubPr>
-                        <m:ctrlPr>
-                          <a:rPr lang="en-GB" b="1" i="1" dirty="0" smtClean="0">
-                            <a:latin typeface="Cambria Math" panose="02040503050406030204" pitchFamily="18" charset="0"/>
-                          </a:rPr>
-                        </m:ctrlPr>
-                      </m:sSubPr>
-                      <m:e>
-                        <m:r>
-                          <a:rPr lang="en-GB" b="1" i="1" dirty="0" smtClean="0">
-                            <a:latin typeface="Cambria Math" panose="02040503050406030204" pitchFamily="18" charset="0"/>
-                          </a:rPr>
-                          <m:t>𝒑</m:t>
-                        </m:r>
-                      </m:e>
-                      <m:sub>
-                        <m:r>
-                          <a:rPr lang="en-GB" b="1" i="1" dirty="0" smtClean="0">
-                            <a:latin typeface="Cambria Math" panose="02040503050406030204" pitchFamily="18" charset="0"/>
-                          </a:rPr>
-                          <m:t>𝒊</m:t>
-                        </m:r>
-                      </m:sub>
-                    </m:sSub>
-                  </m:oMath>
-                </a14:m>
-                <a:r>
-                  <a:rPr lang="en-GB" dirty="0"/>
-                  <a:t> corresponds to the </a:t>
-                </a:r>
-                <a:r>
-                  <a:rPr lang="en-GB" b="1" dirty="0"/>
-                  <a:t>probability of being of class </a:t>
-                </a:r>
-                <a14:m>
-                  <m:oMath xmlns:m="http://schemas.openxmlformats.org/officeDocument/2006/math">
-                    <m:r>
-                      <a:rPr lang="en-GB" b="1" i="1" dirty="0" smtClean="0">
-                        <a:latin typeface="Cambria Math" panose="02040503050406030204" pitchFamily="18" charset="0"/>
-                      </a:rPr>
-                      <m:t>𝒊</m:t>
-                    </m:r>
-                  </m:oMath>
-                </a14:m>
-                <a:r>
-                  <a:rPr lang="en-GB" dirty="0"/>
-                  <a:t>. </a:t>
-                </a:r>
-              </a:p>
-              <a:p>
-                <a:r>
-                  <a:rPr lang="en-GB" dirty="0"/>
-                  <a:t>This could typically be done by asking for </a:t>
-                </a:r>
-                <a:r>
-                  <a:rPr lang="en-GB" b="1" dirty="0"/>
-                  <a:t>the final layer to produce </a:t>
-                </a:r>
-                <a14:m>
-                  <m:oMath xmlns:m="http://schemas.openxmlformats.org/officeDocument/2006/math">
-                    <m:sSub>
-                      <m:sSubPr>
-                        <m:ctrlPr>
-                          <a:rPr lang="en-GB" b="1" i="1" dirty="0" smtClean="0">
-                            <a:latin typeface="Cambria Math" panose="02040503050406030204" pitchFamily="18" charset="0"/>
-                          </a:rPr>
-                        </m:ctrlPr>
-                      </m:sSubPr>
-                      <m:e>
-                        <m:r>
-                          <a:rPr lang="en-GB" b="1" i="1" dirty="0" smtClean="0">
-                            <a:latin typeface="Cambria Math" panose="02040503050406030204" pitchFamily="18" charset="0"/>
-                          </a:rPr>
-                          <m:t>𝒏</m:t>
-                        </m:r>
-                      </m:e>
-                      <m:sub>
-                        <m:r>
-                          <a:rPr lang="en-GB" b="1" i="1" dirty="0" smtClean="0">
-                            <a:latin typeface="Cambria Math" panose="02040503050406030204" pitchFamily="18" charset="0"/>
-                          </a:rPr>
-                          <m:t>𝒚</m:t>
-                        </m:r>
-                      </m:sub>
-                    </m:sSub>
-                    <m:r>
-                      <a:rPr lang="en-GB" b="1" i="1" dirty="0" smtClean="0">
-                        <a:latin typeface="Cambria Math" panose="02040503050406030204" pitchFamily="18" charset="0"/>
-                      </a:rPr>
-                      <m:t>=</m:t>
-                    </m:r>
-                    <m:r>
-                      <a:rPr lang="en-GB" b="1" i="1" dirty="0" smtClean="0">
-                        <a:latin typeface="Cambria Math" panose="02040503050406030204" pitchFamily="18" charset="0"/>
-                      </a:rPr>
-                      <m:t>𝟏𝟎</m:t>
-                    </m:r>
-                    <m:r>
-                      <a:rPr lang="en-GB" b="1" i="1" dirty="0" smtClean="0">
-                        <a:latin typeface="Cambria Math" panose="02040503050406030204" pitchFamily="18" charset="0"/>
-                      </a:rPr>
-                      <m:t> </m:t>
-                    </m:r>
-                  </m:oMath>
-                </a14:m>
-                <a:r>
-                  <a:rPr lang="en-GB" b="1" dirty="0"/>
-                  <a:t>values </a:t>
-                </a:r>
-                <a:r>
-                  <a:rPr lang="en-GB" dirty="0"/>
-                  <a:t>instead of just a single </a:t>
-                </a:r>
-                <a14:m>
-                  <m:oMath xmlns:m="http://schemas.openxmlformats.org/officeDocument/2006/math">
-                    <m:sSub>
-                      <m:sSubPr>
-                        <m:ctrlPr>
-                          <a:rPr lang="en-GB" b="0" i="1" dirty="0" smtClean="0">
-                            <a:latin typeface="Cambria Math" panose="02040503050406030204" pitchFamily="18" charset="0"/>
-                          </a:rPr>
-                        </m:ctrlPr>
-                      </m:sSubPr>
-                      <m:e>
-                        <m:r>
-                          <a:rPr lang="en-GB" b="0" i="1" dirty="0" smtClean="0">
-                            <a:latin typeface="Cambria Math" panose="02040503050406030204" pitchFamily="18" charset="0"/>
-                          </a:rPr>
-                          <m:t>𝑛</m:t>
-                        </m:r>
-                      </m:e>
-                      <m:sub>
-                        <m:r>
-                          <a:rPr lang="en-GB" b="0" i="1" dirty="0" smtClean="0">
-                            <a:latin typeface="Cambria Math" panose="02040503050406030204" pitchFamily="18" charset="0"/>
-                          </a:rPr>
-                          <m:t>𝑦</m:t>
-                        </m:r>
-                      </m:sub>
-                    </m:sSub>
-                    <m:r>
-                      <a:rPr lang="en-GB" b="0" i="1" dirty="0" smtClean="0">
-                        <a:latin typeface="Cambria Math" panose="02040503050406030204" pitchFamily="18" charset="0"/>
-                      </a:rPr>
-                      <m:t>=</m:t>
-                    </m:r>
-                    <m:r>
-                      <a:rPr lang="en-GB" i="1" dirty="0" smtClean="0">
-                        <a:latin typeface="Cambria Math" panose="02040503050406030204" pitchFamily="18" charset="0"/>
-                      </a:rPr>
-                      <m:t>1</m:t>
-                    </m:r>
-                  </m:oMath>
-                </a14:m>
-                <a:r>
-                  <a:rPr lang="en-GB" dirty="0"/>
-                  <a:t> value.</a:t>
-                </a:r>
-              </a:p>
-              <a:p>
-                <a:endParaRPr lang="en-SG" dirty="0"/>
-              </a:p>
-            </p:txBody>
-          </p:sp>
-        </mc:Choice>
-        <mc:Fallback>
-          <p:sp>
-            <p:nvSpPr>
-              <p:cNvPr id="4" name="Content Placeholder 3">
-                <a:extLst>
-                  <a:ext uri="{FF2B5EF4-FFF2-40B4-BE49-F238E27FC236}">
-                    <a16:creationId xmlns:a16="http://schemas.microsoft.com/office/drawing/2014/main" id="{73645EA5-24B1-2D96-6660-3C5A2AEA5B3E}"/>
-                  </a:ext>
-                </a:extLst>
-              </p:cNvPr>
-              <p:cNvSpPr>
-                <a:spLocks noGrp="1" noRot="1" noChangeAspect="1" noMove="1" noResize="1" noEditPoints="1" noAdjustHandles="1" noChangeArrowheads="1" noChangeShapeType="1" noTextEdit="1"/>
-              </p:cNvSpPr>
-              <p:nvPr>
-                <p:ph sz="half" idx="2"/>
-              </p:nvPr>
-            </p:nvSpPr>
-            <p:spPr>
-              <a:xfrm>
-                <a:off x="6172200" y="1825624"/>
-                <a:ext cx="5181600" cy="5032375"/>
-              </a:xfrm>
-              <a:blipFill>
-                <a:blip r:embed="rId3"/>
-                <a:stretch>
-                  <a:fillRect l="-1882" t="-1816" r="-3059"/>
+                  <a:fillRect l="-1217" t="-2241"/>
                 </a:stretch>
               </a:blipFill>
             </p:spPr>
@@ -14397,6 +14359,482 @@
                 <a:spLocks noGrp="1"/>
               </p:cNvSpPr>
               <p:nvPr>
+                <p:ph idx="1"/>
+              </p:nvPr>
+            </p:nvSpPr>
+            <p:spPr/>
+            <p:txBody>
+              <a:bodyPr>
+                <a:normAutofit/>
+              </a:bodyPr>
+              <a:lstStyle/>
+              <a:p>
+                <a:pPr marL="0" indent="0">
+                  <a:buNone/>
+                </a:pPr>
+                <a:r>
+                  <a:rPr lang="en-GB" dirty="0"/>
+                  <a:t>Unfortunately, when we have more than 2 classes, </a:t>
+                </a:r>
+                <a:r>
+                  <a:rPr lang="en-GB" b="1" dirty="0"/>
+                  <a:t>we can no longer rely on a single output value </a:t>
+                </a:r>
+                <a14:m>
+                  <m:oMath xmlns:m="http://schemas.openxmlformats.org/officeDocument/2006/math">
+                    <m:r>
+                      <a:rPr lang="en-GB" b="1" i="1" dirty="0">
+                        <a:latin typeface="Cambria Math" panose="02040503050406030204" pitchFamily="18" charset="0"/>
+                      </a:rPr>
+                      <m:t>𝒑</m:t>
+                    </m:r>
+                  </m:oMath>
+                </a14:m>
+                <a:r>
+                  <a:rPr lang="en-GB" dirty="0"/>
+                  <a:t>.</a:t>
+                </a:r>
+              </a:p>
+              <a:p>
+                <a:r>
+                  <a:rPr lang="en-GB" dirty="0"/>
+                  <a:t>Instead, it is often preferable to have the model output </a:t>
+                </a:r>
+                <a:r>
+                  <a:rPr lang="en-GB" b="1" dirty="0"/>
+                  <a:t>10 values</a:t>
+                </a:r>
+                <a:r>
+                  <a:rPr lang="en-GB" dirty="0"/>
+                  <a:t>:</a:t>
+                </a:r>
+              </a:p>
+              <a:p>
+                <a:pPr marL="0" indent="0">
+                  <a:buNone/>
+                </a:pPr>
+                <a14:m>
+                  <m:oMathPara xmlns:m="http://schemas.openxmlformats.org/officeDocument/2006/math">
+                    <m:oMathParaPr>
+                      <m:jc m:val="centerGroup"/>
+                    </m:oMathParaPr>
+                    <m:oMath xmlns:m="http://schemas.openxmlformats.org/officeDocument/2006/math">
+                      <m:r>
+                        <a:rPr lang="en-GB" i="1" dirty="0">
+                          <a:latin typeface="Cambria Math" panose="02040503050406030204" pitchFamily="18" charset="0"/>
+                        </a:rPr>
+                        <m:t> (</m:t>
+                      </m:r>
+                      <m:sSub>
+                        <m:sSubPr>
+                          <m:ctrlPr>
+                            <a:rPr lang="en-GB" i="1" dirty="0">
+                              <a:latin typeface="Cambria Math" panose="02040503050406030204" pitchFamily="18" charset="0"/>
+                            </a:rPr>
+                          </m:ctrlPr>
+                        </m:sSubPr>
+                        <m:e>
+                          <m:r>
+                            <a:rPr lang="en-GB" i="1" dirty="0">
+                              <a:latin typeface="Cambria Math" panose="02040503050406030204" pitchFamily="18" charset="0"/>
+                            </a:rPr>
+                            <m:t>𝑝</m:t>
+                          </m:r>
+                        </m:e>
+                        <m:sub>
+                          <m:r>
+                            <a:rPr lang="en-GB" i="1" dirty="0">
+                              <a:latin typeface="Cambria Math" panose="02040503050406030204" pitchFamily="18" charset="0"/>
+                            </a:rPr>
+                            <m:t>0</m:t>
+                          </m:r>
+                        </m:sub>
+                      </m:sSub>
+                      <m:r>
+                        <a:rPr lang="en-GB" i="1" dirty="0">
+                          <a:latin typeface="Cambria Math" panose="02040503050406030204" pitchFamily="18" charset="0"/>
+                        </a:rPr>
+                        <m:t>, </m:t>
+                      </m:r>
+                      <m:sSub>
+                        <m:sSubPr>
+                          <m:ctrlPr>
+                            <a:rPr lang="en-GB" i="1" dirty="0">
+                              <a:latin typeface="Cambria Math" panose="02040503050406030204" pitchFamily="18" charset="0"/>
+                            </a:rPr>
+                          </m:ctrlPr>
+                        </m:sSubPr>
+                        <m:e>
+                          <m:r>
+                            <a:rPr lang="en-GB" i="1" dirty="0">
+                              <a:latin typeface="Cambria Math" panose="02040503050406030204" pitchFamily="18" charset="0"/>
+                            </a:rPr>
+                            <m:t>𝑝</m:t>
+                          </m:r>
+                        </m:e>
+                        <m:sub>
+                          <m:r>
+                            <a:rPr lang="en-GB" i="1" dirty="0">
+                              <a:latin typeface="Cambria Math" panose="02040503050406030204" pitchFamily="18" charset="0"/>
+                            </a:rPr>
+                            <m:t>1</m:t>
+                          </m:r>
+                        </m:sub>
+                      </m:sSub>
+                      <m:r>
+                        <a:rPr lang="en-GB" i="1" dirty="0">
+                          <a:latin typeface="Cambria Math" panose="02040503050406030204" pitchFamily="18" charset="0"/>
+                        </a:rPr>
+                        <m:t>, </m:t>
+                      </m:r>
+                      <m:sSub>
+                        <m:sSubPr>
+                          <m:ctrlPr>
+                            <a:rPr lang="en-GB" i="1" dirty="0">
+                              <a:latin typeface="Cambria Math" panose="02040503050406030204" pitchFamily="18" charset="0"/>
+                            </a:rPr>
+                          </m:ctrlPr>
+                        </m:sSubPr>
+                        <m:e>
+                          <m:r>
+                            <a:rPr lang="en-GB" i="1" dirty="0">
+                              <a:latin typeface="Cambria Math" panose="02040503050406030204" pitchFamily="18" charset="0"/>
+                            </a:rPr>
+                            <m:t>𝑝</m:t>
+                          </m:r>
+                        </m:e>
+                        <m:sub>
+                          <m:r>
+                            <a:rPr lang="en-GB" i="1" dirty="0">
+                              <a:latin typeface="Cambria Math" panose="02040503050406030204" pitchFamily="18" charset="0"/>
+                            </a:rPr>
+                            <m:t>2</m:t>
+                          </m:r>
+                        </m:sub>
+                      </m:sSub>
+                      <m:r>
+                        <a:rPr lang="en-GB" i="1" dirty="0">
+                          <a:latin typeface="Cambria Math" panose="02040503050406030204" pitchFamily="18" charset="0"/>
+                        </a:rPr>
+                        <m:t>, … </m:t>
+                      </m:r>
+                      <m:sSub>
+                        <m:sSubPr>
+                          <m:ctrlPr>
+                            <a:rPr lang="en-GB" i="1" dirty="0">
+                              <a:latin typeface="Cambria Math" panose="02040503050406030204" pitchFamily="18" charset="0"/>
+                            </a:rPr>
+                          </m:ctrlPr>
+                        </m:sSubPr>
+                        <m:e>
+                          <m:r>
+                            <a:rPr lang="en-GB" i="1" dirty="0">
+                              <a:latin typeface="Cambria Math" panose="02040503050406030204" pitchFamily="18" charset="0"/>
+                            </a:rPr>
+                            <m:t>𝑝</m:t>
+                          </m:r>
+                        </m:e>
+                        <m:sub>
+                          <m:r>
+                            <a:rPr lang="en-GB" i="1" dirty="0">
+                              <a:latin typeface="Cambria Math" panose="02040503050406030204" pitchFamily="18" charset="0"/>
+                            </a:rPr>
+                            <m:t>9</m:t>
+                          </m:r>
+                        </m:sub>
+                      </m:sSub>
+                      <m:r>
+                        <a:rPr lang="en-GB" i="1" dirty="0">
+                          <a:latin typeface="Cambria Math" panose="02040503050406030204" pitchFamily="18" charset="0"/>
+                        </a:rPr>
+                        <m:t>)</m:t>
+                      </m:r>
+                    </m:oMath>
+                  </m:oMathPara>
+                </a14:m>
+                <a:endParaRPr lang="en-GB" dirty="0"/>
+              </a:p>
+              <a:p>
+                <a:r>
+                  <a:rPr lang="en-GB" dirty="0"/>
+                  <a:t>Where each </a:t>
+                </a:r>
+                <a14:m>
+                  <m:oMath xmlns:m="http://schemas.openxmlformats.org/officeDocument/2006/math">
+                    <m:sSub>
+                      <m:sSubPr>
+                        <m:ctrlPr>
+                          <a:rPr lang="en-GB" b="1" i="1" dirty="0">
+                            <a:latin typeface="Cambria Math" panose="02040503050406030204" pitchFamily="18" charset="0"/>
+                          </a:rPr>
+                        </m:ctrlPr>
+                      </m:sSubPr>
+                      <m:e>
+                        <m:r>
+                          <a:rPr lang="en-GB" b="1" i="1" dirty="0">
+                            <a:latin typeface="Cambria Math" panose="02040503050406030204" pitchFamily="18" charset="0"/>
+                          </a:rPr>
+                          <m:t>𝒑</m:t>
+                        </m:r>
+                      </m:e>
+                      <m:sub>
+                        <m:r>
+                          <a:rPr lang="en-GB" b="1" i="1" dirty="0">
+                            <a:latin typeface="Cambria Math" panose="02040503050406030204" pitchFamily="18" charset="0"/>
+                          </a:rPr>
+                          <m:t>𝒊</m:t>
+                        </m:r>
+                      </m:sub>
+                    </m:sSub>
+                  </m:oMath>
+                </a14:m>
+                <a:r>
+                  <a:rPr lang="en-GB" dirty="0"/>
+                  <a:t> corresponds to the </a:t>
+                </a:r>
+                <a:r>
+                  <a:rPr lang="en-GB" b="1" dirty="0"/>
+                  <a:t>probability of being of class </a:t>
+                </a:r>
+                <a14:m>
+                  <m:oMath xmlns:m="http://schemas.openxmlformats.org/officeDocument/2006/math">
+                    <m:r>
+                      <a:rPr lang="en-GB" b="1" i="1" dirty="0">
+                        <a:latin typeface="Cambria Math" panose="02040503050406030204" pitchFamily="18" charset="0"/>
+                      </a:rPr>
+                      <m:t>𝒊</m:t>
+                    </m:r>
+                  </m:oMath>
+                </a14:m>
+                <a:r>
+                  <a:rPr lang="en-GB" dirty="0"/>
+                  <a:t>. </a:t>
+                </a:r>
+              </a:p>
+              <a:p>
+                <a:r>
+                  <a:rPr lang="en-GB" dirty="0"/>
+                  <a:t>This could typically be done by asking for </a:t>
+                </a:r>
+                <a:r>
+                  <a:rPr lang="en-GB" b="1" dirty="0"/>
+                  <a:t>the final layer to produce </a:t>
+                </a:r>
+                <a14:m>
+                  <m:oMath xmlns:m="http://schemas.openxmlformats.org/officeDocument/2006/math">
+                    <m:sSub>
+                      <m:sSubPr>
+                        <m:ctrlPr>
+                          <a:rPr lang="en-GB" b="1" i="1" dirty="0">
+                            <a:latin typeface="Cambria Math" panose="02040503050406030204" pitchFamily="18" charset="0"/>
+                          </a:rPr>
+                        </m:ctrlPr>
+                      </m:sSubPr>
+                      <m:e>
+                        <m:r>
+                          <a:rPr lang="en-GB" b="1" i="1" dirty="0">
+                            <a:latin typeface="Cambria Math" panose="02040503050406030204" pitchFamily="18" charset="0"/>
+                          </a:rPr>
+                          <m:t>𝒏</m:t>
+                        </m:r>
+                      </m:e>
+                      <m:sub>
+                        <m:r>
+                          <a:rPr lang="en-GB" b="1" i="1" dirty="0">
+                            <a:latin typeface="Cambria Math" panose="02040503050406030204" pitchFamily="18" charset="0"/>
+                          </a:rPr>
+                          <m:t>𝒚</m:t>
+                        </m:r>
+                      </m:sub>
+                    </m:sSub>
+                    <m:r>
+                      <a:rPr lang="en-GB" b="1" i="1" dirty="0">
+                        <a:latin typeface="Cambria Math" panose="02040503050406030204" pitchFamily="18" charset="0"/>
+                      </a:rPr>
+                      <m:t>=</m:t>
+                    </m:r>
+                    <m:r>
+                      <a:rPr lang="en-GB" b="1" i="1" dirty="0">
+                        <a:latin typeface="Cambria Math" panose="02040503050406030204" pitchFamily="18" charset="0"/>
+                      </a:rPr>
+                      <m:t>𝟏𝟎</m:t>
+                    </m:r>
+                    <m:r>
+                      <a:rPr lang="en-GB" b="1" i="1" dirty="0">
+                        <a:latin typeface="Cambria Math" panose="02040503050406030204" pitchFamily="18" charset="0"/>
+                      </a:rPr>
+                      <m:t> </m:t>
+                    </m:r>
+                  </m:oMath>
+                </a14:m>
+                <a:r>
+                  <a:rPr lang="en-GB" b="1" dirty="0"/>
+                  <a:t>values </a:t>
+                </a:r>
+                <a:r>
+                  <a:rPr lang="en-GB" dirty="0"/>
+                  <a:t>instead of just a single </a:t>
+                </a:r>
+                <a14:m>
+                  <m:oMath xmlns:m="http://schemas.openxmlformats.org/officeDocument/2006/math">
+                    <m:sSub>
+                      <m:sSubPr>
+                        <m:ctrlPr>
+                          <a:rPr lang="en-GB" i="1" dirty="0">
+                            <a:latin typeface="Cambria Math" panose="02040503050406030204" pitchFamily="18" charset="0"/>
+                          </a:rPr>
+                        </m:ctrlPr>
+                      </m:sSubPr>
+                      <m:e>
+                        <m:r>
+                          <a:rPr lang="en-GB" i="1" dirty="0">
+                            <a:latin typeface="Cambria Math" panose="02040503050406030204" pitchFamily="18" charset="0"/>
+                          </a:rPr>
+                          <m:t>𝑛</m:t>
+                        </m:r>
+                      </m:e>
+                      <m:sub>
+                        <m:r>
+                          <a:rPr lang="en-GB" i="1" dirty="0">
+                            <a:latin typeface="Cambria Math" panose="02040503050406030204" pitchFamily="18" charset="0"/>
+                          </a:rPr>
+                          <m:t>𝑦</m:t>
+                        </m:r>
+                      </m:sub>
+                    </m:sSub>
+                    <m:r>
+                      <a:rPr lang="en-GB" i="1" dirty="0">
+                        <a:latin typeface="Cambria Math" panose="02040503050406030204" pitchFamily="18" charset="0"/>
+                      </a:rPr>
+                      <m:t>=1</m:t>
+                    </m:r>
+                  </m:oMath>
+                </a14:m>
+                <a:r>
+                  <a:rPr lang="en-GB" dirty="0"/>
+                  <a:t> value.</a:t>
+                </a:r>
+              </a:p>
+              <a:p>
+                <a:endParaRPr lang="en-SG" dirty="0"/>
+              </a:p>
+            </p:txBody>
+          </p:sp>
+        </mc:Choice>
+        <mc:Fallback>
+          <p:sp>
+            <p:nvSpPr>
+              <p:cNvPr id="3" name="Content Placeholder 2">
+                <a:extLst>
+                  <a:ext uri="{FF2B5EF4-FFF2-40B4-BE49-F238E27FC236}">
+                    <a16:creationId xmlns:a16="http://schemas.microsoft.com/office/drawing/2014/main" id="{F0814AA9-339A-72D8-E8A9-C066A3ED5800}"/>
+                  </a:ext>
+                </a:extLst>
+              </p:cNvPr>
+              <p:cNvSpPr>
+                <a:spLocks noGrp="1" noRot="1" noChangeAspect="1" noMove="1" noResize="1" noEditPoints="1" noAdjustHandles="1" noChangeArrowheads="1" noChangeShapeType="1" noTextEdit="1"/>
+              </p:cNvSpPr>
+              <p:nvPr>
+                <p:ph idx="1"/>
+              </p:nvPr>
+            </p:nvSpPr>
+            <p:spPr>
+              <a:blipFill>
+                <a:blip r:embed="rId2"/>
+                <a:stretch>
+                  <a:fillRect l="-1217" t="-2241"/>
+                </a:stretch>
+              </a:blipFill>
+            </p:spPr>
+            <p:txBody>
+              <a:bodyPr/>
+              <a:lstStyle/>
+              <a:p>
+                <a:r>
+                  <a:rPr lang="en-SG">
+                    <a:noFill/>
+                  </a:rPr>
+                  <a:t> </a:t>
+                </a:r>
+              </a:p>
+            </p:txBody>
+          </p:sp>
+        </mc:Fallback>
+      </mc:AlternateContent>
+    </p:spTree>
+    <p:extLst>
+      <p:ext uri="{BB962C8B-B14F-4D97-AF65-F5344CB8AC3E}">
+        <p14:creationId xmlns:p14="http://schemas.microsoft.com/office/powerpoint/2010/main" val="386474252"/>
+      </p:ext>
+    </p:extLst>
+  </p:cSld>
+  <p:clrMapOvr>
+    <a:masterClrMapping/>
+  </p:clrMapOvr>
+</p:sld>
+</file>
+
+<file path=ppt/slides/slide28.xml><?xml version="1.0" encoding="utf-8"?>
+<p:sld xmlns:a="http://schemas.openxmlformats.org/drawingml/2006/main" xmlns:r="http://schemas.openxmlformats.org/officeDocument/2006/relationships" xmlns:p="http://schemas.openxmlformats.org/presentationml/2006/main">
+  <p:cSld>
+    <p:spTree>
+      <p:nvGrpSpPr>
+        <p:cNvPr id="1" name=""/>
+        <p:cNvGrpSpPr/>
+        <p:nvPr/>
+      </p:nvGrpSpPr>
+      <p:grpSpPr>
+        <a:xfrm>
+          <a:off x="0" y="0"/>
+          <a:ext cx="0" cy="0"/>
+          <a:chOff x="0" y="0"/>
+          <a:chExt cx="0" cy="0"/>
+        </a:xfrm>
+      </p:grpSpPr>
+      <p:sp>
+        <p:nvSpPr>
+          <p:cNvPr id="2" name="Title 1">
+            <a:extLst>
+              <a:ext uri="{FF2B5EF4-FFF2-40B4-BE49-F238E27FC236}">
+                <a16:creationId xmlns:a16="http://schemas.microsoft.com/office/drawing/2014/main" id="{A8C99902-2A36-9C91-5F2C-9819DE23FB0C}"/>
+              </a:ext>
+            </a:extLst>
+          </p:cNvPr>
+          <p:cNvSpPr>
+            <a:spLocks noGrp="1"/>
+          </p:cNvSpPr>
+          <p:nvPr>
+            <p:ph type="title"/>
+          </p:nvPr>
+        </p:nvSpPr>
+        <p:spPr/>
+        <p:txBody>
+          <a:bodyPr/>
+          <a:lstStyle/>
+          <a:p>
+            <a:r>
+              <a:rPr lang="en-GB" dirty="0"/>
+              <a:t>From binary to multi-class classification</a:t>
+            </a:r>
+            <a:endParaRPr lang="en-SG" dirty="0"/>
+          </a:p>
+        </p:txBody>
+      </p:sp>
+      <mc:AlternateContent xmlns:mc="http://schemas.openxmlformats.org/markup-compatibility/2006">
+        <mc:Choice xmlns:a14="http://schemas.microsoft.com/office/drawing/2010/main" Requires="a14">
+          <p:sp>
+            <p:nvSpPr>
+              <p:cNvPr id="3" name="Content Placeholder 2">
+                <a:extLst>
+                  <a:ext uri="{FF2B5EF4-FFF2-40B4-BE49-F238E27FC236}">
+                    <a16:creationId xmlns:a16="http://schemas.microsoft.com/office/drawing/2014/main" id="{F0814AA9-339A-72D8-E8A9-C066A3ED5800}"/>
+                  </a:ext>
+                </a:extLst>
+              </p:cNvPr>
+              <p:cNvSpPr>
+                <a:spLocks noGrp="1"/>
+              </p:cNvSpPr>
+              <p:nvPr>
                 <p:ph sz="half" idx="1"/>
               </p:nvPr>
             </p:nvSpPr>
@@ -14412,6 +14850,9 @@
               </a:bodyPr>
               <a:lstStyle/>
               <a:p>
+                <a:pPr marL="0" indent="0">
+                  <a:buNone/>
+                </a:pPr>
                 <a:r>
                   <a:rPr lang="en-GB" dirty="0"/>
                   <a:t>Unfortunately, this is not good enough.</a:t>
@@ -14571,15 +15012,7 @@
                 </a:r>
                 <a:r>
                   <a:rPr lang="en-GB" dirty="0"/>
-                  <a:t> </a:t>
-                </a:r>
-                <a:r>
-                  <a:rPr lang="en-GB"/>
-                  <a:t>(WX + b) is </a:t>
-                </a:r>
-                <a:r>
-                  <a:rPr lang="en-GB" dirty="0"/>
-                  <a:t>not smart enough to do that on its own: it might produce values that may not sum up to 1.</a:t>
+                  <a:t> (WX + b) is not smart enough to do that on its own: it might produce values that may not sum up to 1.</a:t>
                 </a:r>
               </a:p>
             </p:txBody>
@@ -14610,7 +15043,7 @@
               <a:blipFill>
                 <a:blip r:embed="rId2"/>
                 <a:stretch>
-                  <a:fillRect l="-2118" t="-1937" r="-3647"/>
+                  <a:fillRect l="-2471" t="-1937" r="-3647"/>
                 </a:stretch>
               </a:blipFill>
             </p:spPr>
@@ -14629,53 +15062,215 @@
           </p:sp>
         </mc:Fallback>
       </mc:AlternateContent>
-      <p:sp>
-        <p:nvSpPr>
-          <p:cNvPr id="4" name="Content Placeholder 3">
-            <a:extLst>
-              <a:ext uri="{FF2B5EF4-FFF2-40B4-BE49-F238E27FC236}">
-                <a16:creationId xmlns:a16="http://schemas.microsoft.com/office/drawing/2014/main" id="{73645EA5-24B1-2D96-6660-3C5A2AEA5B3E}"/>
-              </a:ext>
-            </a:extLst>
-          </p:cNvPr>
-          <p:cNvSpPr>
-            <a:spLocks noGrp="1"/>
-          </p:cNvSpPr>
-          <p:nvPr>
-            <p:ph sz="half" idx="2"/>
-          </p:nvPr>
-        </p:nvSpPr>
-        <p:spPr>
-          <a:xfrm>
-            <a:off x="6172200" y="1825625"/>
-            <a:ext cx="5181600" cy="5032374"/>
-          </a:xfrm>
-        </p:spPr>
-        <p:txBody>
-          <a:bodyPr>
-            <a:normAutofit/>
-          </a:bodyPr>
-          <a:lstStyle/>
-          <a:p>
-            <a:r>
-              <a:rPr lang="en-GB" dirty="0"/>
-              <a:t>To normalize the outputs produced by the final fully connected layer, we will use the </a:t>
-            </a:r>
-            <a:r>
-              <a:rPr lang="en-GB" b="1" dirty="0" err="1">
-                <a:solidFill>
-                  <a:srgbClr val="00B050"/>
-                </a:solidFill>
-              </a:rPr>
-              <a:t>softmax</a:t>
-            </a:r>
-            <a:r>
-              <a:rPr lang="en-GB" dirty="0"/>
-              <a:t> operation, which is a special activation function.</a:t>
-            </a:r>
-          </a:p>
-        </p:txBody>
-      </p:sp>
+      <mc:AlternateContent xmlns:mc="http://schemas.openxmlformats.org/markup-compatibility/2006">
+        <mc:Choice xmlns:a14="http://schemas.microsoft.com/office/drawing/2010/main" Requires="a14">
+          <p:sp>
+            <p:nvSpPr>
+              <p:cNvPr id="4" name="Content Placeholder 3">
+                <a:extLst>
+                  <a:ext uri="{FF2B5EF4-FFF2-40B4-BE49-F238E27FC236}">
+                    <a16:creationId xmlns:a16="http://schemas.microsoft.com/office/drawing/2014/main" id="{73645EA5-24B1-2D96-6660-3C5A2AEA5B3E}"/>
+                  </a:ext>
+                </a:extLst>
+              </p:cNvPr>
+              <p:cNvSpPr>
+                <a:spLocks noGrp="1"/>
+              </p:cNvSpPr>
+              <p:nvPr>
+                <p:ph sz="half" idx="2"/>
+              </p:nvPr>
+            </p:nvSpPr>
+            <p:spPr>
+              <a:xfrm>
+                <a:off x="6172200" y="1825625"/>
+                <a:ext cx="5181600" cy="5032374"/>
+              </a:xfrm>
+            </p:spPr>
+            <p:txBody>
+              <a:bodyPr>
+                <a:normAutofit/>
+              </a:bodyPr>
+              <a:lstStyle/>
+              <a:p>
+                <a:pPr marL="0" indent="0">
+                  <a:buNone/>
+                </a:pPr>
+                <a:r>
+                  <a:rPr lang="en-GB" dirty="0"/>
+                  <a:t>To normalize the outputs produced by the final fully connected layer, we will use the </a:t>
+                </a:r>
+                <a:r>
+                  <a:rPr lang="en-GB" b="1" dirty="0" err="1">
+                    <a:solidFill>
+                      <a:srgbClr val="00B050"/>
+                    </a:solidFill>
+                  </a:rPr>
+                  <a:t>softmax</a:t>
+                </a:r>
+                <a:r>
+                  <a:rPr lang="en-GB" dirty="0"/>
+                  <a:t> operation, which is a special activation function.</a:t>
+                </a:r>
+              </a:p>
+              <a:p>
+                <a:r>
+                  <a:rPr lang="en-GB" dirty="0"/>
+                  <a:t>It will force the values of the </a:t>
+                </a:r>
+                <a14:m>
+                  <m:oMath xmlns:m="http://schemas.openxmlformats.org/officeDocument/2006/math">
+                    <m:sSub>
+                      <m:sSubPr>
+                        <m:ctrlPr>
+                          <a:rPr lang="en-GB" i="1" dirty="0" smtClean="0">
+                            <a:latin typeface="Cambria Math" panose="02040503050406030204" pitchFamily="18" charset="0"/>
+                          </a:rPr>
+                        </m:ctrlPr>
+                      </m:sSubPr>
+                      <m:e>
+                        <m:r>
+                          <a:rPr lang="en-GB" i="1" dirty="0" smtClean="0">
+                            <a:latin typeface="Cambria Math" panose="02040503050406030204" pitchFamily="18" charset="0"/>
+                          </a:rPr>
+                          <m:t>𝑝</m:t>
+                        </m:r>
+                      </m:e>
+                      <m:sub>
+                        <m:r>
+                          <a:rPr lang="en-GB" i="1" dirty="0" err="1" smtClean="0">
+                            <a:latin typeface="Cambria Math" panose="02040503050406030204" pitchFamily="18" charset="0"/>
+                          </a:rPr>
+                          <m:t>𝑖</m:t>
+                        </m:r>
+                      </m:sub>
+                    </m:sSub>
+                  </m:oMath>
+                </a14:m>
+                <a:r>
+                  <a:rPr lang="en-GB" dirty="0"/>
+                  <a:t> to fall in the range of [0, 1].</a:t>
+                </a:r>
+              </a:p>
+              <a:p>
+                <a:r>
+                  <a:rPr lang="en-GB" dirty="0"/>
+                  <a:t>And force their sum to be equal to 1, that is </a:t>
+                </a:r>
+                <a14:m>
+                  <m:oMath xmlns:m="http://schemas.openxmlformats.org/officeDocument/2006/math">
+                    <m:nary>
+                      <m:naryPr>
+                        <m:chr m:val="∑"/>
+                        <m:ctrlPr>
+                          <a:rPr lang="en-GB" b="0" i="1" dirty="0" smtClean="0">
+                            <a:latin typeface="Cambria Math" panose="02040503050406030204" pitchFamily="18" charset="0"/>
+                          </a:rPr>
+                        </m:ctrlPr>
+                      </m:naryPr>
+                      <m:sub>
+                        <m:r>
+                          <a:rPr lang="en-GB" b="0" i="1" dirty="0" smtClean="0">
+                            <a:latin typeface="Cambria Math" panose="02040503050406030204" pitchFamily="18" charset="0"/>
+                          </a:rPr>
+                          <m:t>𝑖</m:t>
+                        </m:r>
+                      </m:sub>
+                      <m:sup>
+                        <m:r>
+                          <a:rPr lang="en-GB" i="1" dirty="0">
+                            <a:latin typeface="Cambria Math" panose="02040503050406030204" pitchFamily="18" charset="0"/>
+                          </a:rPr>
+                          <m:t>9</m:t>
+                        </m:r>
+                      </m:sup>
+                      <m:e>
+                        <m:sSub>
+                          <m:sSubPr>
+                            <m:ctrlPr>
+                              <a:rPr lang="en-GB" i="1" dirty="0">
+                                <a:latin typeface="Cambria Math" panose="02040503050406030204" pitchFamily="18" charset="0"/>
+                              </a:rPr>
+                            </m:ctrlPr>
+                          </m:sSubPr>
+                          <m:e>
+                            <m:r>
+                              <a:rPr lang="en-GB" i="1" dirty="0">
+                                <a:latin typeface="Cambria Math" panose="02040503050406030204" pitchFamily="18" charset="0"/>
+                              </a:rPr>
+                              <m:t>𝑝</m:t>
+                            </m:r>
+                          </m:e>
+                          <m:sub>
+                            <m:r>
+                              <a:rPr lang="en-GB" i="1" dirty="0">
+                                <a:latin typeface="Cambria Math" panose="02040503050406030204" pitchFamily="18" charset="0"/>
+                              </a:rPr>
+                              <m:t>𝑖</m:t>
+                            </m:r>
+                          </m:sub>
+                        </m:sSub>
+                      </m:e>
+                    </m:nary>
+                    <m:r>
+                      <a:rPr lang="en-GB" i="1" dirty="0">
+                        <a:latin typeface="Cambria Math" panose="02040503050406030204" pitchFamily="18" charset="0"/>
+                      </a:rPr>
+                      <m:t>= 1</m:t>
+                    </m:r>
+                  </m:oMath>
+                </a14:m>
+                <a:r>
+                  <a:rPr lang="en-GB" dirty="0"/>
+                  <a:t>.</a:t>
+                </a:r>
+              </a:p>
+            </p:txBody>
+          </p:sp>
+        </mc:Choice>
+        <mc:Fallback>
+          <p:sp>
+            <p:nvSpPr>
+              <p:cNvPr id="4" name="Content Placeholder 3">
+                <a:extLst>
+                  <a:ext uri="{FF2B5EF4-FFF2-40B4-BE49-F238E27FC236}">
+                    <a16:creationId xmlns:a16="http://schemas.microsoft.com/office/drawing/2014/main" id="{73645EA5-24B1-2D96-6660-3C5A2AEA5B3E}"/>
+                  </a:ext>
+                </a:extLst>
+              </p:cNvPr>
+              <p:cNvSpPr>
+                <a:spLocks noGrp="1" noRot="1" noChangeAspect="1" noMove="1" noResize="1" noEditPoints="1" noAdjustHandles="1" noChangeArrowheads="1" noChangeShapeType="1" noTextEdit="1"/>
+              </p:cNvSpPr>
+              <p:nvPr>
+                <p:ph sz="half" idx="2"/>
+              </p:nvPr>
+            </p:nvSpPr>
+            <p:spPr>
+              <a:xfrm>
+                <a:off x="6172200" y="1825625"/>
+                <a:ext cx="5181600" cy="5032374"/>
+              </a:xfrm>
+              <a:blipFill>
+                <a:blip r:embed="rId3"/>
+                <a:stretch>
+                  <a:fillRect l="-2471" t="-1937"/>
+                </a:stretch>
+              </a:blipFill>
+            </p:spPr>
+            <p:txBody>
+              <a:bodyPr/>
+              <a:lstStyle/>
+              <a:p>
+                <a:r>
+                  <a:rPr lang="en-SG">
+                    <a:noFill/>
+                  </a:rPr>
+                  <a:t> </a:t>
+                </a:r>
+              </a:p>
+            </p:txBody>
+          </p:sp>
+        </mc:Fallback>
+      </mc:AlternateContent>
     </p:spTree>
     <p:extLst>
       <p:ext uri="{BB962C8B-B14F-4D97-AF65-F5344CB8AC3E}">
@@ -14689,7 +15284,7 @@
 </p:sld>
 </file>
 
-<file path=ppt/slides/slide28.xml><?xml version="1.0" encoding="utf-8"?>
+<file path=ppt/slides/slide29.xml><?xml version="1.0" encoding="utf-8"?>
 <p:sld xmlns:a="http://schemas.openxmlformats.org/drawingml/2006/main" xmlns:r="http://schemas.openxmlformats.org/officeDocument/2006/relationships" xmlns:p="http://schemas.openxmlformats.org/presentationml/2006/main">
   <p:cSld>
     <p:spTree>
@@ -14739,8 +15334,8 @@
           </a:p>
         </p:txBody>
       </p:sp>
-      <mc:AlternateContent xmlns:mc="http://schemas.openxmlformats.org/markup-compatibility/2006">
-        <mc:Choice xmlns:a14="http://schemas.microsoft.com/office/drawing/2010/main" Requires="a14">
+      <mc:AlternateContent xmlns:mc="http://schemas.openxmlformats.org/markup-compatibility/2006" xmlns:a14="http://schemas.microsoft.com/office/drawing/2010/main">
+        <mc:Choice Requires="a14">
           <p:sp>
             <p:nvSpPr>
               <p:cNvPr id="3" name="Content Placeholder 2">
@@ -15270,7 +15865,7 @@
             </p:txBody>
           </p:sp>
         </mc:Choice>
-        <mc:Fallback>
+        <mc:Fallback xmlns="">
           <p:sp>
             <p:nvSpPr>
               <p:cNvPr id="3" name="Content Placeholder 2">
@@ -15314,8 +15909,8 @@
           </p:sp>
         </mc:Fallback>
       </mc:AlternateContent>
-      <mc:AlternateContent xmlns:mc="http://schemas.openxmlformats.org/markup-compatibility/2006">
-        <mc:Choice xmlns:a14="http://schemas.microsoft.com/office/drawing/2010/main" Requires="a14">
+      <mc:AlternateContent xmlns:mc="http://schemas.openxmlformats.org/markup-compatibility/2006" xmlns:a14="http://schemas.microsoft.com/office/drawing/2010/main">
+        <mc:Choice Requires="a14">
           <p:sp>
             <p:nvSpPr>
               <p:cNvPr id="5" name="Content Placeholder 4">
@@ -16025,13 +16620,7 @@
                         <a:rPr lang="en-GB" b="0" i="1" dirty="0" smtClean="0">
                           <a:latin typeface="Cambria Math" panose="02040503050406030204" pitchFamily="18" charset="0"/>
                         </a:rPr>
-                        <m:t>,</m:t>
-                      </m:r>
-                      <m:r>
-                        <a:rPr lang="en-GB" b="0" i="1" dirty="0" smtClean="0">
-                          <a:latin typeface="Cambria Math" panose="02040503050406030204" pitchFamily="18" charset="0"/>
-                        </a:rPr>
-                        <m:t> </m:t>
+                        <m:t>, </m:t>
                       </m:r>
                       <m:sSub>
                         <m:sSubPr>
@@ -16115,7 +16704,7 @@
             </p:txBody>
           </p:sp>
         </mc:Choice>
-        <mc:Fallback>
+        <mc:Fallback xmlns="">
           <p:sp>
             <p:nvSpPr>
               <p:cNvPr id="5" name="Content Placeholder 4">
@@ -16172,7 +16761,396 @@
 </p:sld>
 </file>
 
-<file path=ppt/slides/slide29.xml><?xml version="1.0" encoding="utf-8"?>
+<file path=ppt/slides/slide3.xml><?xml version="1.0" encoding="utf-8"?>
+<p:sld xmlns:a="http://schemas.openxmlformats.org/drawingml/2006/main" xmlns:r="http://schemas.openxmlformats.org/officeDocument/2006/relationships" xmlns:p="http://schemas.openxmlformats.org/presentationml/2006/main">
+  <p:cSld>
+    <p:spTree>
+      <p:nvGrpSpPr>
+        <p:cNvPr id="1" name=""/>
+        <p:cNvGrpSpPr/>
+        <p:nvPr/>
+      </p:nvGrpSpPr>
+      <p:grpSpPr>
+        <a:xfrm>
+          <a:off x="0" y="0"/>
+          <a:ext cx="0" cy="0"/>
+          <a:chOff x="0" y="0"/>
+          <a:chExt cx="0" cy="0"/>
+        </a:xfrm>
+      </p:grpSpPr>
+      <p:sp>
+        <p:nvSpPr>
+          <p:cNvPr id="2" name="Title 1">
+            <a:extLst>
+              <a:ext uri="{FF2B5EF4-FFF2-40B4-BE49-F238E27FC236}">
+                <a16:creationId xmlns:a16="http://schemas.microsoft.com/office/drawing/2014/main" id="{3F88AB3E-DF60-4411-7415-7A8708334829}"/>
+              </a:ext>
+            </a:extLst>
+          </p:cNvPr>
+          <p:cNvSpPr>
+            <a:spLocks noGrp="1"/>
+          </p:cNvSpPr>
+          <p:nvPr>
+            <p:ph type="title"/>
+          </p:nvPr>
+        </p:nvSpPr>
+        <p:spPr/>
+        <p:txBody>
+          <a:bodyPr/>
+          <a:lstStyle/>
+          <a:p>
+            <a:r>
+              <a:rPr lang="en-GB" dirty="0"/>
+              <a:t>Introduction (Week 3)</a:t>
+            </a:r>
+            <a:endParaRPr lang="en-SG" dirty="0"/>
+          </a:p>
+        </p:txBody>
+      </p:sp>
+      <p:sp>
+        <p:nvSpPr>
+          <p:cNvPr id="3" name="Content Placeholder 2">
+            <a:extLst>
+              <a:ext uri="{FF2B5EF4-FFF2-40B4-BE49-F238E27FC236}">
+                <a16:creationId xmlns:a16="http://schemas.microsoft.com/office/drawing/2014/main" id="{65B58308-C101-BC04-E972-00C74DE5080B}"/>
+              </a:ext>
+            </a:extLst>
+          </p:cNvPr>
+          <p:cNvSpPr>
+            <a:spLocks noGrp="1"/>
+          </p:cNvSpPr>
+          <p:nvPr>
+            <p:ph idx="1"/>
+          </p:nvPr>
+        </p:nvSpPr>
+        <p:spPr>
+          <a:xfrm>
+            <a:off x="838200" y="1825624"/>
+            <a:ext cx="10515600" cy="5032375"/>
+          </a:xfrm>
+        </p:spPr>
+        <p:txBody>
+          <a:bodyPr>
+            <a:normAutofit lnSpcReduction="10000"/>
+          </a:bodyPr>
+          <a:lstStyle/>
+          <a:p>
+            <a:pPr marL="514350" indent="-514350">
+              <a:buFont typeface="+mj-lt"/>
+              <a:buAutoNum type="arabicPeriod" startAt="9"/>
+            </a:pPr>
+            <a:r>
+              <a:rPr lang="en-GB" dirty="0"/>
+              <a:t>What is the </a:t>
+            </a:r>
+            <a:r>
+              <a:rPr lang="en-GB" b="1" dirty="0" err="1"/>
+              <a:t>autograd</a:t>
+            </a:r>
+            <a:r>
+              <a:rPr lang="en-GB" dirty="0"/>
+              <a:t>/</a:t>
+            </a:r>
+            <a:r>
+              <a:rPr lang="en-GB" b="1" dirty="0"/>
+              <a:t>backprop</a:t>
+            </a:r>
+            <a:r>
+              <a:rPr lang="en-GB" dirty="0"/>
+              <a:t> module in </a:t>
+            </a:r>
+            <a:r>
+              <a:rPr lang="en-GB" dirty="0" err="1"/>
+              <a:t>PyTorch</a:t>
+            </a:r>
+            <a:r>
+              <a:rPr lang="en-GB" dirty="0"/>
+              <a:t>, and how does it use a </a:t>
+            </a:r>
+            <a:r>
+              <a:rPr lang="en-GB" b="1" dirty="0"/>
+              <a:t>computational</a:t>
+            </a:r>
+            <a:r>
+              <a:rPr lang="en-GB" dirty="0"/>
+              <a:t> </a:t>
+            </a:r>
+            <a:r>
+              <a:rPr lang="en-GB" b="1" dirty="0"/>
+              <a:t>graph</a:t>
+            </a:r>
+            <a:r>
+              <a:rPr lang="en-GB" dirty="0"/>
+              <a:t> to </a:t>
+            </a:r>
+            <a:r>
+              <a:rPr lang="en-GB" b="1" dirty="0"/>
+              <a:t>compute</a:t>
+            </a:r>
+            <a:r>
+              <a:rPr lang="en-GB" dirty="0"/>
+              <a:t> </a:t>
+            </a:r>
+            <a:r>
+              <a:rPr lang="en-GB" b="1" dirty="0"/>
+              <a:t>all</a:t>
+            </a:r>
+            <a:r>
+              <a:rPr lang="en-GB" dirty="0"/>
+              <a:t> </a:t>
+            </a:r>
+            <a:r>
+              <a:rPr lang="en-GB" b="1" dirty="0"/>
+              <a:t>derivatives</a:t>
+            </a:r>
+            <a:r>
+              <a:rPr lang="en-GB" dirty="0"/>
+              <a:t>? </a:t>
+            </a:r>
+          </a:p>
+          <a:p>
+            <a:pPr marL="514350" indent="-514350">
+              <a:buFont typeface="+mj-lt"/>
+              <a:buAutoNum type="arabicPeriod" startAt="9"/>
+            </a:pPr>
+            <a:r>
+              <a:rPr lang="en-GB" dirty="0"/>
+              <a:t>How to use the </a:t>
+            </a:r>
+            <a:r>
+              <a:rPr lang="en-GB" b="1" dirty="0" err="1"/>
+              <a:t>autograd</a:t>
+            </a:r>
+            <a:r>
+              <a:rPr lang="en-GB" dirty="0"/>
+              <a:t> to implement </a:t>
+            </a:r>
+            <a:r>
+              <a:rPr lang="en-GB" b="1" dirty="0"/>
+              <a:t>derivatives</a:t>
+            </a:r>
+            <a:r>
+              <a:rPr lang="en-GB" dirty="0"/>
+              <a:t> and a </a:t>
+            </a:r>
+            <a:r>
+              <a:rPr lang="en-GB" b="1" dirty="0"/>
+              <a:t>vanilla</a:t>
+            </a:r>
+            <a:r>
+              <a:rPr lang="en-GB" dirty="0"/>
+              <a:t> </a:t>
+            </a:r>
+            <a:r>
+              <a:rPr lang="en-GB" b="1" dirty="0"/>
+              <a:t>gradient</a:t>
+            </a:r>
+            <a:r>
+              <a:rPr lang="en-GB" dirty="0"/>
+              <a:t> </a:t>
+            </a:r>
+            <a:r>
+              <a:rPr lang="en-GB" b="1" dirty="0"/>
+              <a:t>descent</a:t>
+            </a:r>
+            <a:r>
+              <a:rPr lang="en-GB" dirty="0"/>
+              <a:t>?</a:t>
+            </a:r>
+          </a:p>
+          <a:p>
+            <a:pPr marL="514350" indent="-514350">
+              <a:buFont typeface="+mj-lt"/>
+              <a:buAutoNum type="arabicPeriod" startAt="9"/>
+            </a:pPr>
+            <a:r>
+              <a:rPr lang="en-GB" dirty="0"/>
+              <a:t>How to implement </a:t>
+            </a:r>
+            <a:r>
+              <a:rPr lang="en-GB" b="1" dirty="0"/>
+              <a:t>backprop</a:t>
+            </a:r>
+            <a:r>
+              <a:rPr lang="en-GB" dirty="0"/>
+              <a:t> in </a:t>
+            </a:r>
+            <a:r>
+              <a:rPr lang="en-GB" dirty="0" err="1"/>
+              <a:t>PyTorch</a:t>
+            </a:r>
+            <a:r>
+              <a:rPr lang="en-GB" dirty="0"/>
+              <a:t> for our </a:t>
+            </a:r>
+            <a:r>
+              <a:rPr lang="en-GB" b="1" dirty="0"/>
+              <a:t>shallow</a:t>
+            </a:r>
+            <a:r>
+              <a:rPr lang="en-GB" dirty="0"/>
+              <a:t> </a:t>
+            </a:r>
+            <a:r>
+              <a:rPr lang="en-GB" b="1" dirty="0"/>
+              <a:t>Neural</a:t>
+            </a:r>
+            <a:r>
+              <a:rPr lang="en-GB" dirty="0"/>
+              <a:t> </a:t>
+            </a:r>
+            <a:r>
+              <a:rPr lang="en-GB" b="1" dirty="0"/>
+              <a:t>Network</a:t>
+            </a:r>
+            <a:r>
+              <a:rPr lang="en-GB" dirty="0"/>
+              <a:t> class?</a:t>
+            </a:r>
+          </a:p>
+          <a:p>
+            <a:pPr marL="514350" indent="-514350">
+              <a:buFont typeface="+mj-lt"/>
+              <a:buAutoNum type="arabicPeriod" startAt="9"/>
+            </a:pPr>
+            <a:r>
+              <a:rPr lang="en-GB" dirty="0"/>
+              <a:t>How to use </a:t>
+            </a:r>
+            <a:r>
+              <a:rPr lang="en-GB" b="1" dirty="0" err="1"/>
+              <a:t>PyTorch</a:t>
+            </a:r>
+            <a:r>
+              <a:rPr lang="en-GB" dirty="0"/>
+              <a:t> to implement </a:t>
+            </a:r>
+            <a:r>
+              <a:rPr lang="en-GB" b="1" dirty="0"/>
+              <a:t>advanced</a:t>
+            </a:r>
+            <a:r>
+              <a:rPr lang="en-GB" dirty="0"/>
+              <a:t> </a:t>
+            </a:r>
+            <a:r>
+              <a:rPr lang="en-GB" b="1" dirty="0"/>
+              <a:t>optimizers</a:t>
+            </a:r>
+            <a:r>
+              <a:rPr lang="en-GB" dirty="0"/>
+              <a:t>?</a:t>
+            </a:r>
+          </a:p>
+          <a:p>
+            <a:pPr marL="514350" indent="-514350">
+              <a:buFont typeface="+mj-lt"/>
+              <a:buAutoNum type="arabicPeriod" startAt="9"/>
+            </a:pPr>
+            <a:r>
+              <a:rPr lang="en-GB" dirty="0"/>
+              <a:t>How to use </a:t>
+            </a:r>
+            <a:r>
+              <a:rPr lang="en-GB" b="1" dirty="0" err="1"/>
+              <a:t>PyTorch</a:t>
+            </a:r>
+            <a:r>
+              <a:rPr lang="en-GB" dirty="0"/>
+              <a:t> to implement </a:t>
+            </a:r>
+            <a:r>
+              <a:rPr lang="en-GB" b="1" dirty="0"/>
+              <a:t>advanced</a:t>
+            </a:r>
+            <a:r>
+              <a:rPr lang="en-GB" dirty="0"/>
+              <a:t> </a:t>
+            </a:r>
+            <a:r>
+              <a:rPr lang="en-GB" b="1" dirty="0"/>
+              <a:t>initializers</a:t>
+            </a:r>
+            <a:r>
+              <a:rPr lang="en-GB" dirty="0"/>
+              <a:t>?</a:t>
+            </a:r>
+          </a:p>
+          <a:p>
+            <a:pPr marL="514350" indent="-514350">
+              <a:buFont typeface="+mj-lt"/>
+              <a:buAutoNum type="arabicPeriod" startAt="9"/>
+            </a:pPr>
+            <a:r>
+              <a:rPr lang="en-GB" dirty="0"/>
+              <a:t>How to use </a:t>
+            </a:r>
+            <a:r>
+              <a:rPr lang="en-GB" b="1" dirty="0" err="1"/>
+              <a:t>PyTorch</a:t>
+            </a:r>
+            <a:r>
+              <a:rPr lang="en-GB" dirty="0"/>
+              <a:t> to implement </a:t>
+            </a:r>
+            <a:r>
+              <a:rPr lang="en-GB" b="1" dirty="0"/>
+              <a:t>regularization</a:t>
+            </a:r>
+            <a:r>
+              <a:rPr lang="en-GB" dirty="0"/>
+              <a:t>?</a:t>
+            </a:r>
+          </a:p>
+          <a:p>
+            <a:pPr marL="514350" indent="-514350">
+              <a:buFont typeface="+mj-lt"/>
+              <a:buAutoNum type="arabicPeriod" startAt="9"/>
+            </a:pPr>
+            <a:r>
+              <a:rPr lang="en-GB" dirty="0"/>
+              <a:t>How to finally revise our </a:t>
+            </a:r>
+            <a:r>
+              <a:rPr lang="en-GB" b="1" dirty="0"/>
+              <a:t>trainer</a:t>
+            </a:r>
+            <a:r>
+              <a:rPr lang="en-GB" dirty="0"/>
+              <a:t> function to obtain a minimal, yet complete Neural Network in </a:t>
+            </a:r>
+            <a:r>
+              <a:rPr lang="en-GB" dirty="0" err="1"/>
+              <a:t>PyTorch</a:t>
+            </a:r>
+            <a:r>
+              <a:rPr lang="en-GB" dirty="0"/>
+              <a:t>?</a:t>
+            </a:r>
+          </a:p>
+          <a:p>
+            <a:pPr marL="514350" indent="-514350">
+              <a:buFont typeface="+mj-lt"/>
+              <a:buAutoNum type="arabicPeriod" startAt="9"/>
+            </a:pPr>
+            <a:endParaRPr lang="en-SG" dirty="0"/>
+          </a:p>
+        </p:txBody>
+      </p:sp>
+    </p:spTree>
+    <p:extLst>
+      <p:ext uri="{BB962C8B-B14F-4D97-AF65-F5344CB8AC3E}">
+        <p14:creationId xmlns:p14="http://schemas.microsoft.com/office/powerpoint/2010/main" val="2670805330"/>
+      </p:ext>
+    </p:extLst>
+  </p:cSld>
+  <p:clrMapOvr>
+    <a:masterClrMapping/>
+  </p:clrMapOvr>
+</p:sld>
+</file>
+
+<file path=ppt/slides/slide30.xml><?xml version="1.0" encoding="utf-8"?>
 <p:sld xmlns:a="http://schemas.openxmlformats.org/drawingml/2006/main" xmlns:r="http://schemas.openxmlformats.org/officeDocument/2006/relationships" xmlns:p="http://schemas.openxmlformats.org/presentationml/2006/main">
   <p:cSld>
     <p:spTree>
@@ -16363,396 +17341,7 @@
 </p:sld>
 </file>
 
-<file path=ppt/slides/slide3.xml><?xml version="1.0" encoding="utf-8"?>
-<p:sld xmlns:a="http://schemas.openxmlformats.org/drawingml/2006/main" xmlns:r="http://schemas.openxmlformats.org/officeDocument/2006/relationships" xmlns:p="http://schemas.openxmlformats.org/presentationml/2006/main">
-  <p:cSld>
-    <p:spTree>
-      <p:nvGrpSpPr>
-        <p:cNvPr id="1" name=""/>
-        <p:cNvGrpSpPr/>
-        <p:nvPr/>
-      </p:nvGrpSpPr>
-      <p:grpSpPr>
-        <a:xfrm>
-          <a:off x="0" y="0"/>
-          <a:ext cx="0" cy="0"/>
-          <a:chOff x="0" y="0"/>
-          <a:chExt cx="0" cy="0"/>
-        </a:xfrm>
-      </p:grpSpPr>
-      <p:sp>
-        <p:nvSpPr>
-          <p:cNvPr id="2" name="Title 1">
-            <a:extLst>
-              <a:ext uri="{FF2B5EF4-FFF2-40B4-BE49-F238E27FC236}">
-                <a16:creationId xmlns:a16="http://schemas.microsoft.com/office/drawing/2014/main" id="{3F88AB3E-DF60-4411-7415-7A8708334829}"/>
-              </a:ext>
-            </a:extLst>
-          </p:cNvPr>
-          <p:cNvSpPr>
-            <a:spLocks noGrp="1"/>
-          </p:cNvSpPr>
-          <p:nvPr>
-            <p:ph type="title"/>
-          </p:nvPr>
-        </p:nvSpPr>
-        <p:spPr/>
-        <p:txBody>
-          <a:bodyPr/>
-          <a:lstStyle/>
-          <a:p>
-            <a:r>
-              <a:rPr lang="en-GB" dirty="0"/>
-              <a:t>Introduction (Week 3)</a:t>
-            </a:r>
-            <a:endParaRPr lang="en-SG" dirty="0"/>
-          </a:p>
-        </p:txBody>
-      </p:sp>
-      <p:sp>
-        <p:nvSpPr>
-          <p:cNvPr id="3" name="Content Placeholder 2">
-            <a:extLst>
-              <a:ext uri="{FF2B5EF4-FFF2-40B4-BE49-F238E27FC236}">
-                <a16:creationId xmlns:a16="http://schemas.microsoft.com/office/drawing/2014/main" id="{65B58308-C101-BC04-E972-00C74DE5080B}"/>
-              </a:ext>
-            </a:extLst>
-          </p:cNvPr>
-          <p:cNvSpPr>
-            <a:spLocks noGrp="1"/>
-          </p:cNvSpPr>
-          <p:nvPr>
-            <p:ph idx="1"/>
-          </p:nvPr>
-        </p:nvSpPr>
-        <p:spPr>
-          <a:xfrm>
-            <a:off x="838200" y="1825624"/>
-            <a:ext cx="10515600" cy="5032375"/>
-          </a:xfrm>
-        </p:spPr>
-        <p:txBody>
-          <a:bodyPr>
-            <a:normAutofit lnSpcReduction="10000"/>
-          </a:bodyPr>
-          <a:lstStyle/>
-          <a:p>
-            <a:pPr marL="514350" indent="-514350">
-              <a:buFont typeface="+mj-lt"/>
-              <a:buAutoNum type="arabicPeriod" startAt="9"/>
-            </a:pPr>
-            <a:r>
-              <a:rPr lang="en-GB" dirty="0"/>
-              <a:t>What is the </a:t>
-            </a:r>
-            <a:r>
-              <a:rPr lang="en-GB" b="1" dirty="0" err="1"/>
-              <a:t>autograd</a:t>
-            </a:r>
-            <a:r>
-              <a:rPr lang="en-GB" dirty="0"/>
-              <a:t>/</a:t>
-            </a:r>
-            <a:r>
-              <a:rPr lang="en-GB" b="1" dirty="0"/>
-              <a:t>backprop</a:t>
-            </a:r>
-            <a:r>
-              <a:rPr lang="en-GB" dirty="0"/>
-              <a:t> module in </a:t>
-            </a:r>
-            <a:r>
-              <a:rPr lang="en-GB" dirty="0" err="1"/>
-              <a:t>PyTorch</a:t>
-            </a:r>
-            <a:r>
-              <a:rPr lang="en-GB" dirty="0"/>
-              <a:t>, and how does it use a </a:t>
-            </a:r>
-            <a:r>
-              <a:rPr lang="en-GB" b="1" dirty="0"/>
-              <a:t>computational</a:t>
-            </a:r>
-            <a:r>
-              <a:rPr lang="en-GB" dirty="0"/>
-              <a:t> </a:t>
-            </a:r>
-            <a:r>
-              <a:rPr lang="en-GB" b="1" dirty="0"/>
-              <a:t>graph</a:t>
-            </a:r>
-            <a:r>
-              <a:rPr lang="en-GB" dirty="0"/>
-              <a:t> to </a:t>
-            </a:r>
-            <a:r>
-              <a:rPr lang="en-GB" b="1" dirty="0"/>
-              <a:t>compute</a:t>
-            </a:r>
-            <a:r>
-              <a:rPr lang="en-GB" dirty="0"/>
-              <a:t> </a:t>
-            </a:r>
-            <a:r>
-              <a:rPr lang="en-GB" b="1" dirty="0"/>
-              <a:t>all</a:t>
-            </a:r>
-            <a:r>
-              <a:rPr lang="en-GB" dirty="0"/>
-              <a:t> </a:t>
-            </a:r>
-            <a:r>
-              <a:rPr lang="en-GB" b="1" dirty="0"/>
-              <a:t>derivatives</a:t>
-            </a:r>
-            <a:r>
-              <a:rPr lang="en-GB" dirty="0"/>
-              <a:t>? </a:t>
-            </a:r>
-          </a:p>
-          <a:p>
-            <a:pPr marL="514350" indent="-514350">
-              <a:buFont typeface="+mj-lt"/>
-              <a:buAutoNum type="arabicPeriod" startAt="9"/>
-            </a:pPr>
-            <a:r>
-              <a:rPr lang="en-GB" dirty="0"/>
-              <a:t>How to use the </a:t>
-            </a:r>
-            <a:r>
-              <a:rPr lang="en-GB" b="1" dirty="0" err="1"/>
-              <a:t>autograd</a:t>
-            </a:r>
-            <a:r>
-              <a:rPr lang="en-GB" dirty="0"/>
-              <a:t> to implement </a:t>
-            </a:r>
-            <a:r>
-              <a:rPr lang="en-GB" b="1" dirty="0"/>
-              <a:t>derivatives</a:t>
-            </a:r>
-            <a:r>
-              <a:rPr lang="en-GB" dirty="0"/>
-              <a:t> and a </a:t>
-            </a:r>
-            <a:r>
-              <a:rPr lang="en-GB" b="1" dirty="0"/>
-              <a:t>vanilla</a:t>
-            </a:r>
-            <a:r>
-              <a:rPr lang="en-GB" dirty="0"/>
-              <a:t> </a:t>
-            </a:r>
-            <a:r>
-              <a:rPr lang="en-GB" b="1" dirty="0"/>
-              <a:t>gradient</a:t>
-            </a:r>
-            <a:r>
-              <a:rPr lang="en-GB" dirty="0"/>
-              <a:t> </a:t>
-            </a:r>
-            <a:r>
-              <a:rPr lang="en-GB" b="1" dirty="0"/>
-              <a:t>descent</a:t>
-            </a:r>
-            <a:r>
-              <a:rPr lang="en-GB" dirty="0"/>
-              <a:t>?</a:t>
-            </a:r>
-          </a:p>
-          <a:p>
-            <a:pPr marL="514350" indent="-514350">
-              <a:buFont typeface="+mj-lt"/>
-              <a:buAutoNum type="arabicPeriod" startAt="9"/>
-            </a:pPr>
-            <a:r>
-              <a:rPr lang="en-GB" dirty="0"/>
-              <a:t>How to implement </a:t>
-            </a:r>
-            <a:r>
-              <a:rPr lang="en-GB" b="1" dirty="0"/>
-              <a:t>backprop</a:t>
-            </a:r>
-            <a:r>
-              <a:rPr lang="en-GB" dirty="0"/>
-              <a:t> in </a:t>
-            </a:r>
-            <a:r>
-              <a:rPr lang="en-GB" dirty="0" err="1"/>
-              <a:t>PyTorch</a:t>
-            </a:r>
-            <a:r>
-              <a:rPr lang="en-GB" dirty="0"/>
-              <a:t> for our </a:t>
-            </a:r>
-            <a:r>
-              <a:rPr lang="en-GB" b="1" dirty="0"/>
-              <a:t>shallow</a:t>
-            </a:r>
-            <a:r>
-              <a:rPr lang="en-GB" dirty="0"/>
-              <a:t> </a:t>
-            </a:r>
-            <a:r>
-              <a:rPr lang="en-GB" b="1" dirty="0"/>
-              <a:t>Neural</a:t>
-            </a:r>
-            <a:r>
-              <a:rPr lang="en-GB" dirty="0"/>
-              <a:t> </a:t>
-            </a:r>
-            <a:r>
-              <a:rPr lang="en-GB" b="1" dirty="0"/>
-              <a:t>Network</a:t>
-            </a:r>
-            <a:r>
-              <a:rPr lang="en-GB" dirty="0"/>
-              <a:t> class?</a:t>
-            </a:r>
-          </a:p>
-          <a:p>
-            <a:pPr marL="514350" indent="-514350">
-              <a:buFont typeface="+mj-lt"/>
-              <a:buAutoNum type="arabicPeriod" startAt="9"/>
-            </a:pPr>
-            <a:r>
-              <a:rPr lang="en-GB" dirty="0"/>
-              <a:t>How to use </a:t>
-            </a:r>
-            <a:r>
-              <a:rPr lang="en-GB" b="1" dirty="0" err="1"/>
-              <a:t>PyTorch</a:t>
-            </a:r>
-            <a:r>
-              <a:rPr lang="en-GB" dirty="0"/>
-              <a:t> to implement </a:t>
-            </a:r>
-            <a:r>
-              <a:rPr lang="en-GB" b="1" dirty="0"/>
-              <a:t>advanced</a:t>
-            </a:r>
-            <a:r>
-              <a:rPr lang="en-GB" dirty="0"/>
-              <a:t> </a:t>
-            </a:r>
-            <a:r>
-              <a:rPr lang="en-GB" b="1" dirty="0"/>
-              <a:t>optimizers</a:t>
-            </a:r>
-            <a:r>
-              <a:rPr lang="en-GB" dirty="0"/>
-              <a:t>?</a:t>
-            </a:r>
-          </a:p>
-          <a:p>
-            <a:pPr marL="514350" indent="-514350">
-              <a:buFont typeface="+mj-lt"/>
-              <a:buAutoNum type="arabicPeriod" startAt="9"/>
-            </a:pPr>
-            <a:r>
-              <a:rPr lang="en-GB" dirty="0"/>
-              <a:t>How to use </a:t>
-            </a:r>
-            <a:r>
-              <a:rPr lang="en-GB" b="1" dirty="0" err="1"/>
-              <a:t>PyTorch</a:t>
-            </a:r>
-            <a:r>
-              <a:rPr lang="en-GB" dirty="0"/>
-              <a:t> to implement </a:t>
-            </a:r>
-            <a:r>
-              <a:rPr lang="en-GB" b="1" dirty="0"/>
-              <a:t>advanced</a:t>
-            </a:r>
-            <a:r>
-              <a:rPr lang="en-GB" dirty="0"/>
-              <a:t> </a:t>
-            </a:r>
-            <a:r>
-              <a:rPr lang="en-GB" b="1" dirty="0"/>
-              <a:t>initializers</a:t>
-            </a:r>
-            <a:r>
-              <a:rPr lang="en-GB" dirty="0"/>
-              <a:t>?</a:t>
-            </a:r>
-          </a:p>
-          <a:p>
-            <a:pPr marL="514350" indent="-514350">
-              <a:buFont typeface="+mj-lt"/>
-              <a:buAutoNum type="arabicPeriod" startAt="9"/>
-            </a:pPr>
-            <a:r>
-              <a:rPr lang="en-GB" dirty="0"/>
-              <a:t>How to use </a:t>
-            </a:r>
-            <a:r>
-              <a:rPr lang="en-GB" b="1" dirty="0" err="1"/>
-              <a:t>PyTorch</a:t>
-            </a:r>
-            <a:r>
-              <a:rPr lang="en-GB" dirty="0"/>
-              <a:t> to implement </a:t>
-            </a:r>
-            <a:r>
-              <a:rPr lang="en-GB" b="1" dirty="0"/>
-              <a:t>regularization</a:t>
-            </a:r>
-            <a:r>
-              <a:rPr lang="en-GB" dirty="0"/>
-              <a:t>?</a:t>
-            </a:r>
-          </a:p>
-          <a:p>
-            <a:pPr marL="514350" indent="-514350">
-              <a:buFont typeface="+mj-lt"/>
-              <a:buAutoNum type="arabicPeriod" startAt="9"/>
-            </a:pPr>
-            <a:r>
-              <a:rPr lang="en-GB" dirty="0"/>
-              <a:t>How to finally revise our </a:t>
-            </a:r>
-            <a:r>
-              <a:rPr lang="en-GB" b="1" dirty="0"/>
-              <a:t>trainer</a:t>
-            </a:r>
-            <a:r>
-              <a:rPr lang="en-GB" dirty="0"/>
-              <a:t> function to obtain a minimal, yet complete Neural Network in </a:t>
-            </a:r>
-            <a:r>
-              <a:rPr lang="en-GB" dirty="0" err="1"/>
-              <a:t>PyTorch</a:t>
-            </a:r>
-            <a:r>
-              <a:rPr lang="en-GB" dirty="0"/>
-              <a:t>?</a:t>
-            </a:r>
-          </a:p>
-          <a:p>
-            <a:pPr marL="514350" indent="-514350">
-              <a:buFont typeface="+mj-lt"/>
-              <a:buAutoNum type="arabicPeriod" startAt="9"/>
-            </a:pPr>
-            <a:endParaRPr lang="en-SG" dirty="0"/>
-          </a:p>
-        </p:txBody>
-      </p:sp>
-    </p:spTree>
-    <p:extLst>
-      <p:ext uri="{BB962C8B-B14F-4D97-AF65-F5344CB8AC3E}">
-        <p14:creationId xmlns:p14="http://schemas.microsoft.com/office/powerpoint/2010/main" val="2670805330"/>
-      </p:ext>
-    </p:extLst>
-  </p:cSld>
-  <p:clrMapOvr>
-    <a:masterClrMapping/>
-  </p:clrMapOvr>
-</p:sld>
-</file>
-
-<file path=ppt/slides/slide30.xml><?xml version="1.0" encoding="utf-8"?>
+<file path=ppt/slides/slide31.xml><?xml version="1.0" encoding="utf-8"?>
 <p:sld xmlns:a="http://schemas.openxmlformats.org/drawingml/2006/main" xmlns:r="http://schemas.openxmlformats.org/officeDocument/2006/relationships" xmlns:p="http://schemas.openxmlformats.org/presentationml/2006/main">
   <p:cSld>
     <p:spTree>
@@ -16845,7 +17434,15 @@
                 </a:r>
                 <a:r>
                   <a:rPr lang="en-GB" dirty="0"/>
-                  <a:t> operation as the final activation after the last fully connected layer.</a:t>
+                  <a:t> operation </a:t>
+                </a:r>
+                <a:r>
+                  <a:rPr lang="en-GB" b="1" dirty="0"/>
+                  <a:t>as the final activation after the last fully connected layer</a:t>
+                </a:r>
+                <a:r>
+                  <a:rPr lang="en-GB" dirty="0"/>
+                  <a:t>.</a:t>
                 </a:r>
               </a:p>
               <a:p>
@@ -17050,7 +17647,15 @@
                 </a:pPr>
                 <a:r>
                   <a:rPr lang="en-GB" dirty="0"/>
-                  <a:t>The predicted class 𝑝𝑟𝑒𝑑 will be the index </a:t>
+                  <a:t>The </a:t>
+                </a:r>
+                <a:r>
+                  <a:rPr lang="en-GB" b="1" dirty="0"/>
+                  <a:t>predicted class 𝑝𝑟𝑒𝑑 </a:t>
+                </a:r>
+                <a:r>
+                  <a:rPr lang="en-GB" dirty="0"/>
+                  <a:t>will be the index </a:t>
                 </a:r>
                 <a14:m>
                   <m:oMath xmlns:m="http://schemas.openxmlformats.org/officeDocument/2006/math">
@@ -17064,7 +17669,7 @@
                 </a14:m>
                 <a:r>
                   <a:rPr lang="en-GB" dirty="0"/>
-                  <a:t> of the highest </a:t>
+                  <a:t> of the highest probability value </a:t>
                 </a:r>
                 <a14:m>
                   <m:oMath xmlns:m="http://schemas.openxmlformats.org/officeDocument/2006/math">
@@ -17097,7 +17702,7 @@
                 </a14:m>
                 <a:r>
                   <a:rPr lang="en-GB" dirty="0"/>
-                  <a:t> value, i.e.</a:t>
+                  <a:t>, i.e.</a:t>
                 </a:r>
               </a:p>
               <a:p>
@@ -17287,7 +17892,7 @@
 </p:sld>
 </file>
 
-<file path=ppt/slides/slide31.xml><?xml version="1.0" encoding="utf-8"?>
+<file path=ppt/slides/slide32.xml><?xml version="1.0" encoding="utf-8"?>
 <p:sld xmlns:a="http://schemas.openxmlformats.org/drawingml/2006/main" xmlns:r="http://schemas.openxmlformats.org/officeDocument/2006/relationships" xmlns:p="http://schemas.openxmlformats.org/presentationml/2006/main">
   <p:cSld>
     <p:spTree>
@@ -17337,8 +17942,8 @@
           </a:p>
         </p:txBody>
       </p:sp>
-      <mc:AlternateContent xmlns:mc="http://schemas.openxmlformats.org/markup-compatibility/2006">
-        <mc:Choice xmlns:a14="http://schemas.microsoft.com/office/drawing/2010/main" Requires="a14">
+      <mc:AlternateContent xmlns:mc="http://schemas.openxmlformats.org/markup-compatibility/2006" xmlns:a14="http://schemas.microsoft.com/office/drawing/2010/main">
+        <mc:Choice Requires="a14">
           <p:sp>
             <p:nvSpPr>
               <p:cNvPr id="3" name="Content Placeholder 2">
@@ -17456,7 +18061,7 @@
             </p:txBody>
           </p:sp>
         </mc:Choice>
-        <mc:Fallback>
+        <mc:Fallback xmlns="">
           <p:sp>
             <p:nvSpPr>
               <p:cNvPr id="3" name="Content Placeholder 2">
@@ -17543,7 +18148,7 @@
 </p:sld>
 </file>
 
-<file path=ppt/slides/slide32.xml><?xml version="1.0" encoding="utf-8"?>
+<file path=ppt/slides/slide33.xml><?xml version="1.0" encoding="utf-8"?>
 <p:sld xmlns:a="http://schemas.openxmlformats.org/drawingml/2006/main" xmlns:r="http://schemas.openxmlformats.org/officeDocument/2006/relationships" xmlns:p="http://schemas.openxmlformats.org/presentationml/2006/main">
   <p:cSld>
     <p:spTree>
@@ -17739,7 +18344,7 @@
 </p:sld>
 </file>
 
-<file path=ppt/slides/slide33.xml><?xml version="1.0" encoding="utf-8"?>
+<file path=ppt/slides/slide34.xml><?xml version="1.0" encoding="utf-8"?>
 <p:sld xmlns:a="http://schemas.openxmlformats.org/drawingml/2006/main" xmlns:r="http://schemas.openxmlformats.org/officeDocument/2006/relationships" xmlns:p="http://schemas.openxmlformats.org/presentationml/2006/main">
   <p:cSld>
     <p:spTree>
@@ -17807,8 +18412,8 @@
         </p:nvSpPr>
         <p:spPr>
           <a:xfrm>
-            <a:off x="838200" y="1825624"/>
-            <a:ext cx="5181600" cy="5032375"/>
+            <a:off x="593969" y="1825624"/>
+            <a:ext cx="5425831" cy="5032375"/>
           </a:xfrm>
         </p:spPr>
         <p:txBody>
@@ -17819,7 +18424,31 @@
           <a:p>
             <a:r>
               <a:rPr lang="en-GB" dirty="0"/>
-              <a:t>Perform a forward pass through the model, storing the output in the variable out2.</a:t>
+              <a:t>Perform a forward pass through the model, storing the </a:t>
+            </a:r>
+            <a:r>
+              <a:rPr lang="en-GB" b="1" dirty="0"/>
+              <a:t>output (no </a:t>
+            </a:r>
+            <a:r>
+              <a:rPr lang="en-GB" b="1" dirty="0" err="1"/>
+              <a:t>softmax</a:t>
+            </a:r>
+            <a:r>
+              <a:rPr lang="en-GB" b="1" dirty="0"/>
+              <a:t>)</a:t>
+            </a:r>
+            <a:r>
+              <a:rPr lang="en-GB" dirty="0"/>
+              <a:t> in the variable </a:t>
+            </a:r>
+            <a:r>
+              <a:rPr lang="en-GB" b="1" dirty="0"/>
+              <a:t>out2</a:t>
+            </a:r>
+            <a:r>
+              <a:rPr lang="en-GB" dirty="0"/>
+              <a:t>.</a:t>
             </a:r>
           </a:p>
           <a:p>
@@ -17828,12 +18457,20 @@
               <a:t>Apply the </a:t>
             </a:r>
             <a:r>
-              <a:rPr lang="en-GB" dirty="0" err="1"/>
+              <a:rPr lang="en-GB" b="1" dirty="0" err="1"/>
               <a:t>softmax</a:t>
             </a:r>
             <a:r>
               <a:rPr lang="en-GB" dirty="0"/>
-              <a:t> operation on out2., </a:t>
+              <a:t> operation on </a:t>
+            </a:r>
+            <a:r>
+              <a:rPr lang="en-GB" b="1" dirty="0"/>
+              <a:t>out2</a:t>
+            </a:r>
+            <a:r>
+              <a:rPr lang="en-GB" dirty="0"/>
+              <a:t>. </a:t>
             </a:r>
             <a:r>
               <a:rPr lang="en-GB" dirty="0" err="1"/>
@@ -17841,7 +18478,15 @@
             </a:r>
             <a:r>
               <a:rPr lang="en-GB" dirty="0"/>
-              <a:t> offers a functional implementation of the </a:t>
+              <a:t> offers a functional </a:t>
+            </a:r>
+            <a:r>
+              <a:rPr lang="en-GB" dirty="0" err="1"/>
+              <a:t>implmentation</a:t>
+            </a:r>
+            <a:r>
+              <a:rPr lang="en-GB" dirty="0"/>
+              <a:t> of the </a:t>
             </a:r>
             <a:r>
               <a:rPr lang="en-GB" dirty="0" err="1"/>
@@ -17871,12 +18516,16 @@
               <a:t>We can then verify that </a:t>
             </a:r>
             <a:r>
-              <a:rPr lang="en-GB" dirty="0" err="1"/>
+              <a:rPr lang="en-GB" b="1" dirty="0" err="1"/>
               <a:t>softmax</a:t>
             </a:r>
             <a:r>
-              <a:rPr lang="en-GB" dirty="0"/>
-              <a:t> will adjust the output of the neural network so that it is now summing up to 1.</a:t>
+              <a:rPr lang="en-GB" b="1" dirty="0"/>
+              <a:t> will adjust the output of the neural network correctly</a:t>
+            </a:r>
+            <a:r>
+              <a:rPr lang="en-GB" dirty="0"/>
+              <a:t>.</a:t>
             </a:r>
             <a:endParaRPr lang="en-SG" dirty="0"/>
           </a:p>
@@ -17916,211 +18565,6 @@
     <p:extLst>
       <p:ext uri="{BB962C8B-B14F-4D97-AF65-F5344CB8AC3E}">
         <p14:creationId xmlns:p14="http://schemas.microsoft.com/office/powerpoint/2010/main" val="3415879044"/>
-      </p:ext>
-    </p:extLst>
-  </p:cSld>
-  <p:clrMapOvr>
-    <a:masterClrMapping/>
-  </p:clrMapOvr>
-</p:sld>
-</file>
-
-<file path=ppt/slides/slide34.xml><?xml version="1.0" encoding="utf-8"?>
-<p:sld xmlns:a="http://schemas.openxmlformats.org/drawingml/2006/main" xmlns:r="http://schemas.openxmlformats.org/officeDocument/2006/relationships" xmlns:p="http://schemas.openxmlformats.org/presentationml/2006/main">
-  <p:cSld>
-    <p:spTree>
-      <p:nvGrpSpPr>
-        <p:cNvPr id="1" name=""/>
-        <p:cNvGrpSpPr/>
-        <p:nvPr/>
-      </p:nvGrpSpPr>
-      <p:grpSpPr>
-        <a:xfrm>
-          <a:off x="0" y="0"/>
-          <a:ext cx="0" cy="0"/>
-          <a:chOff x="0" y="0"/>
-          <a:chExt cx="0" cy="0"/>
-        </a:xfrm>
-      </p:grpSpPr>
-      <p:sp>
-        <p:nvSpPr>
-          <p:cNvPr id="4" name="Title 3">
-            <a:extLst>
-              <a:ext uri="{FF2B5EF4-FFF2-40B4-BE49-F238E27FC236}">
-                <a16:creationId xmlns:a16="http://schemas.microsoft.com/office/drawing/2014/main" id="{84852659-0D91-C13B-6A9F-B688CF7A081D}"/>
-              </a:ext>
-            </a:extLst>
-          </p:cNvPr>
-          <p:cNvSpPr>
-            <a:spLocks noGrp="1"/>
-          </p:cNvSpPr>
-          <p:nvPr>
-            <p:ph type="title"/>
-          </p:nvPr>
-        </p:nvSpPr>
-        <p:spPr/>
-        <p:txBody>
-          <a:bodyPr/>
-          <a:lstStyle/>
-          <a:p>
-            <a:r>
-              <a:rPr lang="en-GB" dirty="0"/>
-              <a:t>Forward implementation</a:t>
-            </a:r>
-            <a:endParaRPr lang="en-SG" dirty="0"/>
-          </a:p>
-        </p:txBody>
-      </p:sp>
-      <p:sp>
-        <p:nvSpPr>
-          <p:cNvPr id="5" name="Content Placeholder 4">
-            <a:extLst>
-              <a:ext uri="{FF2B5EF4-FFF2-40B4-BE49-F238E27FC236}">
-                <a16:creationId xmlns:a16="http://schemas.microsoft.com/office/drawing/2014/main" id="{0ABFA246-AA73-67B0-2D31-98CDFA32F1EB}"/>
-              </a:ext>
-            </a:extLst>
-          </p:cNvPr>
-          <p:cNvSpPr>
-            <a:spLocks noGrp="1"/>
-          </p:cNvSpPr>
-          <p:nvPr>
-            <p:ph sz="half" idx="1"/>
-          </p:nvPr>
-        </p:nvSpPr>
-        <p:spPr>
-          <a:xfrm>
-            <a:off x="838200" y="1825624"/>
-            <a:ext cx="5181600" cy="5032375"/>
-          </a:xfrm>
-        </p:spPr>
-        <p:txBody>
-          <a:bodyPr>
-            <a:normAutofit/>
-          </a:bodyPr>
-          <a:lstStyle/>
-          <a:p>
-            <a:r>
-              <a:rPr lang="en-GB" dirty="0"/>
-              <a:t>Our model is however the same as before.</a:t>
-            </a:r>
-          </a:p>
-          <a:p>
-            <a:endParaRPr lang="en-GB" dirty="0"/>
-          </a:p>
-          <a:p>
-            <a:pPr marL="0" indent="0" algn="ctr">
-              <a:buNone/>
-            </a:pPr>
-            <a:r>
-              <a:rPr lang="en-GB" b="1" u="sng" dirty="0">
-                <a:solidFill>
-                  <a:srgbClr val="7030A0"/>
-                </a:solidFill>
-              </a:rPr>
-              <a:t>We do not use the </a:t>
-            </a:r>
-            <a:r>
-              <a:rPr lang="en-GB" b="1" u="sng" dirty="0" err="1">
-                <a:solidFill>
-                  <a:srgbClr val="7030A0"/>
-                </a:solidFill>
-              </a:rPr>
-              <a:t>softmax</a:t>
-            </a:r>
-            <a:r>
-              <a:rPr lang="en-GB" b="1" u="sng" dirty="0">
-                <a:solidFill>
-                  <a:srgbClr val="7030A0"/>
-                </a:solidFill>
-              </a:rPr>
-              <a:t> operation in the forward.</a:t>
-            </a:r>
-          </a:p>
-          <a:p>
-            <a:endParaRPr lang="en-GB" dirty="0"/>
-          </a:p>
-          <a:p>
-            <a:r>
-              <a:rPr lang="en-GB" dirty="0"/>
-              <a:t>This is normal as </a:t>
-            </a:r>
-            <a:r>
-              <a:rPr lang="en-GB" b="1" dirty="0"/>
-              <a:t>the </a:t>
-            </a:r>
-            <a:r>
-              <a:rPr lang="en-GB" b="1" dirty="0" err="1"/>
-              <a:t>softmax</a:t>
-            </a:r>
-            <a:r>
-              <a:rPr lang="en-GB" b="1" dirty="0"/>
-              <a:t> operation will be used </a:t>
-            </a:r>
-            <a:r>
-              <a:rPr lang="en-GB" b="1" u="sng" dirty="0"/>
-              <a:t>in</a:t>
-            </a:r>
-            <a:r>
-              <a:rPr lang="en-GB" b="1" dirty="0"/>
-              <a:t> the loss function</a:t>
-            </a:r>
-            <a:r>
-              <a:rPr lang="en-GB" dirty="0"/>
-              <a:t>, </a:t>
-            </a:r>
-            <a:r>
-              <a:rPr lang="en-GB" b="1" dirty="0" err="1"/>
-              <a:t>cross_entropy</a:t>
-            </a:r>
-            <a:r>
-              <a:rPr lang="en-GB" dirty="0"/>
-              <a:t>, which will be used in the </a:t>
-            </a:r>
-            <a:r>
-              <a:rPr lang="en-GB" b="1" dirty="0"/>
-              <a:t>trainer</a:t>
-            </a:r>
-            <a:r>
-              <a:rPr lang="en-GB" dirty="0"/>
-              <a:t>() function later.</a:t>
-            </a:r>
-          </a:p>
-        </p:txBody>
-      </p:sp>
-      <p:pic>
-        <p:nvPicPr>
-          <p:cNvPr id="7" name="Picture 6">
-            <a:extLst>
-              <a:ext uri="{FF2B5EF4-FFF2-40B4-BE49-F238E27FC236}">
-                <a16:creationId xmlns:a16="http://schemas.microsoft.com/office/drawing/2014/main" id="{C455250B-5390-28A6-504E-461FA80121B1}"/>
-              </a:ext>
-            </a:extLst>
-          </p:cNvPr>
-          <p:cNvPicPr>
-            <a:picLocks noChangeAspect="1"/>
-          </p:cNvPicPr>
-          <p:nvPr/>
-        </p:nvPicPr>
-        <p:blipFill>
-          <a:blip r:embed="rId2"/>
-          <a:stretch>
-            <a:fillRect/>
-          </a:stretch>
-        </p:blipFill>
-        <p:spPr>
-          <a:xfrm>
-            <a:off x="6096000" y="2154467"/>
-            <a:ext cx="6030167" cy="3705742"/>
-          </a:xfrm>
-          <a:prstGeom prst="rect">
-            <a:avLst/>
-          </a:prstGeom>
-        </p:spPr>
-      </p:pic>
-    </p:spTree>
-    <p:extLst>
-      <p:ext uri="{BB962C8B-B14F-4D97-AF65-F5344CB8AC3E}">
-        <p14:creationId xmlns:p14="http://schemas.microsoft.com/office/powerpoint/2010/main" val="2804082923"/>
       </p:ext>
     </p:extLst>
   </p:cSld>
@@ -18170,14 +18614,219 @@
           <a:p>
             <a:r>
               <a:rPr lang="en-GB" dirty="0"/>
-              <a:t>From binary cross entropy…</a:t>
+              <a:t>Forward implementation</a:t>
             </a:r>
             <a:endParaRPr lang="en-SG" dirty="0"/>
           </a:p>
         </p:txBody>
       </p:sp>
-      <mc:AlternateContent xmlns:mc="http://schemas.openxmlformats.org/markup-compatibility/2006">
-        <mc:Choice xmlns:a14="http://schemas.microsoft.com/office/drawing/2010/main" Requires="a14">
+      <p:sp>
+        <p:nvSpPr>
+          <p:cNvPr id="5" name="Content Placeholder 4">
+            <a:extLst>
+              <a:ext uri="{FF2B5EF4-FFF2-40B4-BE49-F238E27FC236}">
+                <a16:creationId xmlns:a16="http://schemas.microsoft.com/office/drawing/2014/main" id="{0ABFA246-AA73-67B0-2D31-98CDFA32F1EB}"/>
+              </a:ext>
+            </a:extLst>
+          </p:cNvPr>
+          <p:cNvSpPr>
+            <a:spLocks noGrp="1"/>
+          </p:cNvSpPr>
+          <p:nvPr>
+            <p:ph sz="half" idx="1"/>
+          </p:nvPr>
+        </p:nvSpPr>
+        <p:spPr>
+          <a:xfrm>
+            <a:off x="838200" y="1825624"/>
+            <a:ext cx="5181600" cy="5032375"/>
+          </a:xfrm>
+        </p:spPr>
+        <p:txBody>
+          <a:bodyPr>
+            <a:normAutofit/>
+          </a:bodyPr>
+          <a:lstStyle/>
+          <a:p>
+            <a:r>
+              <a:rPr lang="en-GB" dirty="0"/>
+              <a:t>Our model is however the same as before.</a:t>
+            </a:r>
+          </a:p>
+          <a:p>
+            <a:endParaRPr lang="en-GB" dirty="0"/>
+          </a:p>
+          <a:p>
+            <a:pPr marL="0" indent="0" algn="ctr">
+              <a:buNone/>
+            </a:pPr>
+            <a:r>
+              <a:rPr lang="en-GB" b="1" u="sng" dirty="0">
+                <a:solidFill>
+                  <a:srgbClr val="7030A0"/>
+                </a:solidFill>
+              </a:rPr>
+              <a:t>We do not use the </a:t>
+            </a:r>
+            <a:r>
+              <a:rPr lang="en-GB" b="1" u="sng" dirty="0" err="1">
+                <a:solidFill>
+                  <a:srgbClr val="7030A0"/>
+                </a:solidFill>
+              </a:rPr>
+              <a:t>softmax</a:t>
+            </a:r>
+            <a:r>
+              <a:rPr lang="en-GB" b="1" u="sng" dirty="0">
+                <a:solidFill>
+                  <a:srgbClr val="7030A0"/>
+                </a:solidFill>
+              </a:rPr>
+              <a:t> operation in the forward.</a:t>
+            </a:r>
+          </a:p>
+          <a:p>
+            <a:endParaRPr lang="en-GB" dirty="0"/>
+          </a:p>
+          <a:p>
+            <a:r>
+              <a:rPr lang="en-GB" dirty="0"/>
+              <a:t>This is normal as </a:t>
+            </a:r>
+            <a:r>
+              <a:rPr lang="en-GB" b="1" dirty="0"/>
+              <a:t>the </a:t>
+            </a:r>
+            <a:r>
+              <a:rPr lang="en-GB" b="1" dirty="0" err="1"/>
+              <a:t>softmax</a:t>
+            </a:r>
+            <a:r>
+              <a:rPr lang="en-GB" b="1" dirty="0"/>
+              <a:t> operation </a:t>
+            </a:r>
+            <a:r>
+              <a:rPr lang="en-GB" dirty="0"/>
+              <a:t>will be used </a:t>
+            </a:r>
+            <a:r>
+              <a:rPr lang="en-GB" b="1" u="sng" dirty="0"/>
+              <a:t>in the loss function</a:t>
+            </a:r>
+            <a:r>
+              <a:rPr lang="en-GB" dirty="0"/>
+              <a:t>, </a:t>
+            </a:r>
+            <a:r>
+              <a:rPr lang="en-GB" b="1" dirty="0" err="1"/>
+              <a:t>cross_entropy</a:t>
+            </a:r>
+            <a:r>
+              <a:rPr lang="en-GB" dirty="0"/>
+              <a:t>, which will be used in the </a:t>
+            </a:r>
+            <a:r>
+              <a:rPr lang="en-GB" b="1" dirty="0"/>
+              <a:t>trainer</a:t>
+            </a:r>
+            <a:r>
+              <a:rPr lang="en-GB" dirty="0"/>
+              <a:t>() function later.</a:t>
+            </a:r>
+          </a:p>
+        </p:txBody>
+      </p:sp>
+      <p:pic>
+        <p:nvPicPr>
+          <p:cNvPr id="7" name="Picture 6">
+            <a:extLst>
+              <a:ext uri="{FF2B5EF4-FFF2-40B4-BE49-F238E27FC236}">
+                <a16:creationId xmlns:a16="http://schemas.microsoft.com/office/drawing/2014/main" id="{C455250B-5390-28A6-504E-461FA80121B1}"/>
+              </a:ext>
+            </a:extLst>
+          </p:cNvPr>
+          <p:cNvPicPr>
+            <a:picLocks noChangeAspect="1"/>
+          </p:cNvPicPr>
+          <p:nvPr/>
+        </p:nvPicPr>
+        <p:blipFill>
+          <a:blip r:embed="rId2"/>
+          <a:stretch>
+            <a:fillRect/>
+          </a:stretch>
+        </p:blipFill>
+        <p:spPr>
+          <a:xfrm>
+            <a:off x="6096000" y="2154467"/>
+            <a:ext cx="6030167" cy="3705742"/>
+          </a:xfrm>
+          <a:prstGeom prst="rect">
+            <a:avLst/>
+          </a:prstGeom>
+        </p:spPr>
+      </p:pic>
+    </p:spTree>
+    <p:extLst>
+      <p:ext uri="{BB962C8B-B14F-4D97-AF65-F5344CB8AC3E}">
+        <p14:creationId xmlns:p14="http://schemas.microsoft.com/office/powerpoint/2010/main" val="2804082923"/>
+      </p:ext>
+    </p:extLst>
+  </p:cSld>
+  <p:clrMapOvr>
+    <a:masterClrMapping/>
+  </p:clrMapOvr>
+</p:sld>
+</file>
+
+<file path=ppt/slides/slide36.xml><?xml version="1.0" encoding="utf-8"?>
+<p:sld xmlns:a="http://schemas.openxmlformats.org/drawingml/2006/main" xmlns:r="http://schemas.openxmlformats.org/officeDocument/2006/relationships" xmlns:p="http://schemas.openxmlformats.org/presentationml/2006/main">
+  <p:cSld>
+    <p:spTree>
+      <p:nvGrpSpPr>
+        <p:cNvPr id="1" name=""/>
+        <p:cNvGrpSpPr/>
+        <p:nvPr/>
+      </p:nvGrpSpPr>
+      <p:grpSpPr>
+        <a:xfrm>
+          <a:off x="0" y="0"/>
+          <a:ext cx="0" cy="0"/>
+          <a:chOff x="0" y="0"/>
+          <a:chExt cx="0" cy="0"/>
+        </a:xfrm>
+      </p:grpSpPr>
+      <p:sp>
+        <p:nvSpPr>
+          <p:cNvPr id="4" name="Title 3">
+            <a:extLst>
+              <a:ext uri="{FF2B5EF4-FFF2-40B4-BE49-F238E27FC236}">
+                <a16:creationId xmlns:a16="http://schemas.microsoft.com/office/drawing/2014/main" id="{84852659-0D91-C13B-6A9F-B688CF7A081D}"/>
+              </a:ext>
+            </a:extLst>
+          </p:cNvPr>
+          <p:cNvSpPr>
+            <a:spLocks noGrp="1"/>
+          </p:cNvSpPr>
+          <p:nvPr>
+            <p:ph type="title"/>
+          </p:nvPr>
+        </p:nvSpPr>
+        <p:spPr/>
+        <p:txBody>
+          <a:bodyPr/>
+          <a:lstStyle/>
+          <a:p>
+            <a:r>
+              <a:rPr lang="en-GB" dirty="0"/>
+              <a:t>From binary cross entropy…</a:t>
+            </a:r>
+            <a:endParaRPr lang="en-SG" dirty="0"/>
+          </a:p>
+        </p:txBody>
+      </p:sp>
+      <mc:AlternateContent xmlns:mc="http://schemas.openxmlformats.org/markup-compatibility/2006" xmlns:a14="http://schemas.microsoft.com/office/drawing/2010/main">
+        <mc:Choice Requires="a14">
           <p:sp>
             <p:nvSpPr>
               <p:cNvPr id="5" name="Content Placeholder 4">
@@ -18604,7 +19253,7 @@
             </p:txBody>
           </p:sp>
         </mc:Choice>
-        <mc:Fallback>
+        <mc:Fallback xmlns="">
           <p:sp>
             <p:nvSpPr>
               <p:cNvPr id="5" name="Content Placeholder 4">
@@ -18661,7 +19310,7 @@
 </p:sld>
 </file>
 
-<file path=ppt/slides/slide36.xml><?xml version="1.0" encoding="utf-8"?>
+<file path=ppt/slides/slide37.xml><?xml version="1.0" encoding="utf-8"?>
 <p:sld xmlns:a="http://schemas.openxmlformats.org/drawingml/2006/main" xmlns:r="http://schemas.openxmlformats.org/officeDocument/2006/relationships" xmlns:p="http://schemas.openxmlformats.org/presentationml/2006/main">
   <p:cSld>
     <p:spTree>
@@ -18737,6 +19386,9 @@
               </a:bodyPr>
               <a:lstStyle/>
               <a:p>
+                <a:pPr marL="0" indent="0">
+                  <a:buNone/>
+                </a:pPr>
                 <a:r>
                   <a:rPr lang="en-GB" dirty="0"/>
                   <a:t>The adjustment is actually quite simple, and the </a:t>
@@ -19030,6 +19682,12 @@
                 <a:pPr marL="0" indent="0">
                   <a:buNone/>
                 </a:pPr>
+                <a:endParaRPr lang="en-GB" dirty="0"/>
+              </a:p>
+              <a:p>
+                <a:pPr marL="0" indent="0">
+                  <a:buNone/>
+                </a:pPr>
                 <a:r>
                   <a:rPr lang="en-GB" dirty="0"/>
                   <a:t>In the formula above, </a:t>
@@ -19210,409 +19868,28 @@
                         </m:r>
                       </m:sub>
                     </m:sSub>
-                    <m:r>
-                      <a:rPr lang="en-GB" i="1" dirty="0" smtClean="0">
-                        <a:latin typeface="Cambria Math" panose="02040503050406030204" pitchFamily="18" charset="0"/>
-                      </a:rPr>
-                      <m:t> </m:t>
-                    </m:r>
                   </m:oMath>
                 </a14:m>
                 <a:r>
                   <a:rPr lang="en-GB" dirty="0"/>
+                  <a:t>, </a:t>
+                </a:r>
+                <a:r>
+                  <a:rPr lang="en-GB" b="1" dirty="0"/>
                   <a:t>after </a:t>
                 </a:r>
                 <a:r>
-                  <a:rPr lang="en-GB" dirty="0" err="1"/>
+                  <a:rPr lang="en-GB" b="1" dirty="0" err="1"/>
                   <a:t>softmax</a:t>
                 </a:r>
                 <a:r>
-                  <a:rPr lang="en-GB" dirty="0"/>
-                  <a:t> has been applied.</a:t>
+                  <a:rPr lang="en-GB" b="1" dirty="0"/>
+                  <a:t> has been applied</a:t>
                 </a:r>
-              </a:p>
-              <a:p>
-                <a:pPr marL="0" indent="0">
-                  <a:buNone/>
-                </a:pPr>
                 <a:r>
                   <a:rPr lang="en-GB" dirty="0"/>
-                  <a:t>The value </a:t>
+                  <a:t>.</a:t>
                 </a:r>
-                <a14:m>
-                  <m:oMath xmlns:m="http://schemas.openxmlformats.org/officeDocument/2006/math">
-                    <m:sSubSup>
-                      <m:sSubSupPr>
-                        <m:ctrlPr>
-                          <a:rPr lang="en-GB" i="1" dirty="0" smtClean="0">
-                            <a:latin typeface="Cambria Math" panose="02040503050406030204" pitchFamily="18" charset="0"/>
-                          </a:rPr>
-                        </m:ctrlPr>
-                      </m:sSubSupPr>
-                      <m:e>
-                        <m:r>
-                          <a:rPr lang="en-GB" i="1" dirty="0" smtClean="0">
-                            <a:latin typeface="Cambria Math" panose="02040503050406030204" pitchFamily="18" charset="0"/>
-                          </a:rPr>
-                          <m:t>𝑦</m:t>
-                        </m:r>
-                      </m:e>
-                      <m:sub>
-                        <m:r>
-                          <a:rPr lang="en-GB" i="1" dirty="0" smtClean="0">
-                            <a:latin typeface="Cambria Math" panose="02040503050406030204" pitchFamily="18" charset="0"/>
-                          </a:rPr>
-                          <m:t>𝑘</m:t>
-                        </m:r>
-                      </m:sub>
-                      <m:sup>
-                        <m:r>
-                          <a:rPr lang="en-GB" i="1" dirty="0" smtClean="0">
-                            <a:latin typeface="Cambria Math" panose="02040503050406030204" pitchFamily="18" charset="0"/>
-                          </a:rPr>
-                          <m:t>𝑖</m:t>
-                        </m:r>
-                      </m:sup>
-                    </m:sSubSup>
-                  </m:oMath>
-                </a14:m>
-                <a:r>
-                  <a:rPr lang="en-GB" dirty="0"/>
-                  <a:t> is the ground truth value for the probability of being of class </a:t>
-                </a:r>
-                <a14:m>
-                  <m:oMath xmlns:m="http://schemas.openxmlformats.org/officeDocument/2006/math">
-                    <m:r>
-                      <a:rPr lang="en-GB" b="0" i="1" dirty="0" smtClean="0">
-                        <a:latin typeface="Cambria Math" panose="02040503050406030204" pitchFamily="18" charset="0"/>
-                      </a:rPr>
-                      <m:t>𝑖</m:t>
-                    </m:r>
-                  </m:oMath>
-                </a14:m>
-                <a:r>
-                  <a:rPr lang="en-GB" dirty="0"/>
-                  <a:t> for sample</a:t>
-                </a:r>
-                <a14:m>
-                  <m:oMath xmlns:m="http://schemas.openxmlformats.org/officeDocument/2006/math">
-                    <m:r>
-                      <a:rPr lang="en-GB" i="1" dirty="0" smtClean="0">
-                        <a:latin typeface="Cambria Math" panose="02040503050406030204" pitchFamily="18" charset="0"/>
-                      </a:rPr>
-                      <m:t> </m:t>
-                    </m:r>
-                    <m:sSub>
-                      <m:sSubPr>
-                        <m:ctrlPr>
-                          <a:rPr lang="en-GB" i="1" dirty="0" err="1" smtClean="0">
-                            <a:latin typeface="Cambria Math" panose="02040503050406030204" pitchFamily="18" charset="0"/>
-                          </a:rPr>
-                        </m:ctrlPr>
-                      </m:sSubPr>
-                      <m:e>
-                        <m:r>
-                          <a:rPr lang="en-GB" i="1" dirty="0" err="1" smtClean="0">
-                            <a:latin typeface="Cambria Math" panose="02040503050406030204" pitchFamily="18" charset="0"/>
-                          </a:rPr>
-                          <m:t>𝑥</m:t>
-                        </m:r>
-                      </m:e>
-                      <m:sub>
-                        <m:r>
-                          <a:rPr lang="en-GB" i="1" dirty="0" err="1" smtClean="0">
-                            <a:latin typeface="Cambria Math" panose="02040503050406030204" pitchFamily="18" charset="0"/>
-                          </a:rPr>
-                          <m:t>𝑘</m:t>
-                        </m:r>
-                      </m:sub>
-                    </m:sSub>
-                  </m:oMath>
-                </a14:m>
-                <a:r>
-                  <a:rPr lang="en-GB" dirty="0"/>
-                  <a:t>. For instance, if the sample </a:t>
-                </a:r>
-                <a14:m>
-                  <m:oMath xmlns:m="http://schemas.openxmlformats.org/officeDocument/2006/math">
-                    <m:sSub>
-                      <m:sSubPr>
-                        <m:ctrlPr>
-                          <a:rPr lang="en-GB" i="1" dirty="0" smtClean="0">
-                            <a:latin typeface="Cambria Math" panose="02040503050406030204" pitchFamily="18" charset="0"/>
-                          </a:rPr>
-                        </m:ctrlPr>
-                      </m:sSubPr>
-                      <m:e>
-                        <m:r>
-                          <a:rPr lang="en-GB" i="1" dirty="0" smtClean="0">
-                            <a:latin typeface="Cambria Math" panose="02040503050406030204" pitchFamily="18" charset="0"/>
-                          </a:rPr>
-                          <m:t>𝑥</m:t>
-                        </m:r>
-                      </m:e>
-                      <m:sub>
-                        <m:r>
-                          <a:rPr lang="en-GB" i="1" dirty="0" smtClean="0">
-                            <a:latin typeface="Cambria Math" panose="02040503050406030204" pitchFamily="18" charset="0"/>
-                          </a:rPr>
-                          <m:t>𝑘</m:t>
-                        </m:r>
-                      </m:sub>
-                    </m:sSub>
-                    <m:r>
-                      <a:rPr lang="en-GB" i="1" dirty="0" smtClean="0">
-                        <a:latin typeface="Cambria Math" panose="02040503050406030204" pitchFamily="18" charset="0"/>
-                      </a:rPr>
-                      <m:t> </m:t>
-                    </m:r>
-                  </m:oMath>
-                </a14:m>
-                <a:r>
-                  <a:rPr lang="en-GB" dirty="0"/>
-                  <a:t>is of class 2:</a:t>
-                </a:r>
-              </a:p>
-              <a:p>
-                <a:pPr marL="0" indent="0">
-                  <a:buNone/>
-                </a:pPr>
-                <a14:m>
-                  <m:oMathPara xmlns:m="http://schemas.openxmlformats.org/officeDocument/2006/math">
-                    <m:oMathParaPr>
-                      <m:jc m:val="centerGroup"/>
-                    </m:oMathParaPr>
-                    <m:oMath xmlns:m="http://schemas.openxmlformats.org/officeDocument/2006/math">
-                      <m:sSub>
-                        <m:sSubPr>
-                          <m:ctrlPr>
-                            <a:rPr lang="en-GB" i="1" dirty="0" smtClean="0">
-                              <a:latin typeface="Cambria Math" panose="02040503050406030204" pitchFamily="18" charset="0"/>
-                            </a:rPr>
-                          </m:ctrlPr>
-                        </m:sSubPr>
-                        <m:e>
-                          <m:r>
-                            <a:rPr lang="en-GB" i="1" dirty="0" smtClean="0">
-                              <a:latin typeface="Cambria Math" panose="02040503050406030204" pitchFamily="18" charset="0"/>
-                            </a:rPr>
-                            <m:t>𝑌</m:t>
-                          </m:r>
-                        </m:e>
-                        <m:sub>
-                          <m:r>
-                            <a:rPr lang="en-GB" i="1" dirty="0" smtClean="0">
-                              <a:latin typeface="Cambria Math" panose="02040503050406030204" pitchFamily="18" charset="0"/>
-                            </a:rPr>
-                            <m:t>𝑘</m:t>
-                          </m:r>
-                        </m:sub>
-                      </m:sSub>
-                      <m:r>
-                        <a:rPr lang="en-GB" i="1" dirty="0" smtClean="0">
-                          <a:latin typeface="Cambria Math" panose="02040503050406030204" pitchFamily="18" charset="0"/>
-                        </a:rPr>
-                        <m:t> = (</m:t>
-                      </m:r>
-                      <m:sSubSup>
-                        <m:sSubSupPr>
-                          <m:ctrlPr>
-                            <a:rPr lang="en-GB" i="1" dirty="0" smtClean="0">
-                              <a:latin typeface="Cambria Math" panose="02040503050406030204" pitchFamily="18" charset="0"/>
-                            </a:rPr>
-                          </m:ctrlPr>
-                        </m:sSubSupPr>
-                        <m:e>
-                          <m:r>
-                            <a:rPr lang="en-GB" i="1" dirty="0" smtClean="0">
-                              <a:latin typeface="Cambria Math" panose="02040503050406030204" pitchFamily="18" charset="0"/>
-                            </a:rPr>
-                            <m:t>𝑦</m:t>
-                          </m:r>
-                        </m:e>
-                        <m:sub>
-                          <m:r>
-                            <a:rPr lang="en-GB" i="1" dirty="0" smtClean="0">
-                              <a:latin typeface="Cambria Math" panose="02040503050406030204" pitchFamily="18" charset="0"/>
-                            </a:rPr>
-                            <m:t>𝑘</m:t>
-                          </m:r>
-                        </m:sub>
-                        <m:sup>
-                          <m:r>
-                            <a:rPr lang="en-GB" i="1" dirty="0" smtClean="0">
-                              <a:latin typeface="Cambria Math" panose="02040503050406030204" pitchFamily="18" charset="0"/>
-                            </a:rPr>
-                            <m:t>0</m:t>
-                          </m:r>
-                        </m:sup>
-                      </m:sSubSup>
-                      <m:r>
-                        <a:rPr lang="en-GB" i="1" dirty="0" smtClean="0">
-                          <a:latin typeface="Cambria Math" panose="02040503050406030204" pitchFamily="18" charset="0"/>
-                        </a:rPr>
-                        <m:t>, </m:t>
-                      </m:r>
-                      <m:sSubSup>
-                        <m:sSubSupPr>
-                          <m:ctrlPr>
-                            <a:rPr lang="en-GB" i="1" dirty="0" smtClean="0">
-                              <a:latin typeface="Cambria Math" panose="02040503050406030204" pitchFamily="18" charset="0"/>
-                            </a:rPr>
-                          </m:ctrlPr>
-                        </m:sSubSupPr>
-                        <m:e>
-                          <m:r>
-                            <a:rPr lang="en-GB" i="1" dirty="0" smtClean="0">
-                              <a:latin typeface="Cambria Math" panose="02040503050406030204" pitchFamily="18" charset="0"/>
-                            </a:rPr>
-                            <m:t>𝑦</m:t>
-                          </m:r>
-                        </m:e>
-                        <m:sub>
-                          <m:r>
-                            <a:rPr lang="en-GB" i="1" dirty="0" smtClean="0">
-                              <a:latin typeface="Cambria Math" panose="02040503050406030204" pitchFamily="18" charset="0"/>
-                            </a:rPr>
-                            <m:t>𝑘</m:t>
-                          </m:r>
-                        </m:sub>
-                        <m:sup>
-                          <m:r>
-                            <a:rPr lang="en-GB" i="1" dirty="0" smtClean="0">
-                              <a:latin typeface="Cambria Math" panose="02040503050406030204" pitchFamily="18" charset="0"/>
-                            </a:rPr>
-                            <m:t>1</m:t>
-                          </m:r>
-                        </m:sup>
-                      </m:sSubSup>
-                      <m:r>
-                        <a:rPr lang="en-GB" i="1" dirty="0" smtClean="0">
-                          <a:latin typeface="Cambria Math" panose="02040503050406030204" pitchFamily="18" charset="0"/>
-                        </a:rPr>
-                        <m:t>, </m:t>
-                      </m:r>
-                      <m:sSubSup>
-                        <m:sSubSupPr>
-                          <m:ctrlPr>
-                            <a:rPr lang="en-GB" i="1" dirty="0" smtClean="0">
-                              <a:latin typeface="Cambria Math" panose="02040503050406030204" pitchFamily="18" charset="0"/>
-                            </a:rPr>
-                          </m:ctrlPr>
-                        </m:sSubSupPr>
-                        <m:e>
-                          <m:r>
-                            <a:rPr lang="en-GB" i="1" dirty="0" smtClean="0">
-                              <a:latin typeface="Cambria Math" panose="02040503050406030204" pitchFamily="18" charset="0"/>
-                            </a:rPr>
-                            <m:t>𝑦</m:t>
-                          </m:r>
-                        </m:e>
-                        <m:sub>
-                          <m:r>
-                            <a:rPr lang="en-GB" i="1" dirty="0" smtClean="0">
-                              <a:latin typeface="Cambria Math" panose="02040503050406030204" pitchFamily="18" charset="0"/>
-                            </a:rPr>
-                            <m:t>𝑘</m:t>
-                          </m:r>
-                        </m:sub>
-                        <m:sup>
-                          <m:r>
-                            <a:rPr lang="en-GB" i="1" dirty="0" smtClean="0">
-                              <a:latin typeface="Cambria Math" panose="02040503050406030204" pitchFamily="18" charset="0"/>
-                            </a:rPr>
-                            <m:t>2</m:t>
-                          </m:r>
-                        </m:sup>
-                      </m:sSubSup>
-                      <m:r>
-                        <a:rPr lang="en-GB" i="1" dirty="0" smtClean="0">
-                          <a:latin typeface="Cambria Math" panose="02040503050406030204" pitchFamily="18" charset="0"/>
-                        </a:rPr>
-                        <m:t>, </m:t>
-                      </m:r>
-                      <m:sSubSup>
-                        <m:sSubSupPr>
-                          <m:ctrlPr>
-                            <a:rPr lang="en-GB" i="1" dirty="0" smtClean="0">
-                              <a:latin typeface="Cambria Math" panose="02040503050406030204" pitchFamily="18" charset="0"/>
-                            </a:rPr>
-                          </m:ctrlPr>
-                        </m:sSubSupPr>
-                        <m:e>
-                          <m:r>
-                            <a:rPr lang="en-GB" i="1" dirty="0" smtClean="0">
-                              <a:latin typeface="Cambria Math" panose="02040503050406030204" pitchFamily="18" charset="0"/>
-                            </a:rPr>
-                            <m:t>𝑦</m:t>
-                          </m:r>
-                        </m:e>
-                        <m:sub>
-                          <m:r>
-                            <a:rPr lang="en-GB" i="1" dirty="0" smtClean="0">
-                              <a:latin typeface="Cambria Math" panose="02040503050406030204" pitchFamily="18" charset="0"/>
-                            </a:rPr>
-                            <m:t>𝑘</m:t>
-                          </m:r>
-                        </m:sub>
-                        <m:sup>
-                          <m:r>
-                            <a:rPr lang="en-GB" i="1" dirty="0" smtClean="0">
-                              <a:latin typeface="Cambria Math" panose="02040503050406030204" pitchFamily="18" charset="0"/>
-                            </a:rPr>
-                            <m:t>3</m:t>
-                          </m:r>
-                        </m:sup>
-                      </m:sSubSup>
-                      <m:r>
-                        <a:rPr lang="en-GB" i="1" dirty="0" smtClean="0">
-                          <a:latin typeface="Cambria Math" panose="02040503050406030204" pitchFamily="18" charset="0"/>
-                        </a:rPr>
-                        <m:t>, … </m:t>
-                      </m:r>
-                      <m:sSubSup>
-                        <m:sSubSupPr>
-                          <m:ctrlPr>
-                            <a:rPr lang="en-GB" i="1" dirty="0" smtClean="0">
-                              <a:latin typeface="Cambria Math" panose="02040503050406030204" pitchFamily="18" charset="0"/>
-                            </a:rPr>
-                          </m:ctrlPr>
-                        </m:sSubSupPr>
-                        <m:e>
-                          <m:r>
-                            <a:rPr lang="en-GB" i="1" dirty="0" smtClean="0">
-                              <a:latin typeface="Cambria Math" panose="02040503050406030204" pitchFamily="18" charset="0"/>
-                            </a:rPr>
-                            <m:t>𝑦</m:t>
-                          </m:r>
-                        </m:e>
-                        <m:sub>
-                          <m:r>
-                            <a:rPr lang="en-GB" i="1" dirty="0" smtClean="0">
-                              <a:latin typeface="Cambria Math" panose="02040503050406030204" pitchFamily="18" charset="0"/>
-                            </a:rPr>
-                            <m:t>𝑘</m:t>
-                          </m:r>
-                        </m:sub>
-                        <m:sup>
-                          <m:r>
-                            <a:rPr lang="en-GB" i="1" dirty="0" smtClean="0">
-                              <a:latin typeface="Cambria Math" panose="02040503050406030204" pitchFamily="18" charset="0"/>
-                            </a:rPr>
-                            <m:t>9</m:t>
-                          </m:r>
-                        </m:sup>
-                      </m:sSubSup>
-                      <m:r>
-                        <a:rPr lang="en-GB" i="1" dirty="0" smtClean="0">
-                          <a:latin typeface="Cambria Math" panose="02040503050406030204" pitchFamily="18" charset="0"/>
-                        </a:rPr>
-                        <m:t>) = (0, 0, 1, 0, …, 0).</m:t>
-                      </m:r>
-                    </m:oMath>
-                  </m:oMathPara>
-                </a14:m>
-                <a:endParaRPr lang="en-GB" dirty="0"/>
               </a:p>
               <a:p>
                 <a:endParaRPr lang="en-SG" dirty="0"/>
@@ -19677,7 +19954,978 @@
 </p:sld>
 </file>
 
-<file path=ppt/slides/slide37.xml><?xml version="1.0" encoding="utf-8"?>
+<file path=ppt/slides/slide38.xml><?xml version="1.0" encoding="utf-8"?>
+<p:sld xmlns:a="http://schemas.openxmlformats.org/drawingml/2006/main" xmlns:r="http://schemas.openxmlformats.org/officeDocument/2006/relationships" xmlns:p="http://schemas.openxmlformats.org/presentationml/2006/main">
+  <p:cSld>
+    <p:spTree>
+      <p:nvGrpSpPr>
+        <p:cNvPr id="1" name=""/>
+        <p:cNvGrpSpPr/>
+        <p:nvPr/>
+      </p:nvGrpSpPr>
+      <p:grpSpPr>
+        <a:xfrm>
+          <a:off x="0" y="0"/>
+          <a:ext cx="0" cy="0"/>
+          <a:chOff x="0" y="0"/>
+          <a:chExt cx="0" cy="0"/>
+        </a:xfrm>
+      </p:grpSpPr>
+      <p:sp>
+        <p:nvSpPr>
+          <p:cNvPr id="2" name="Title 1">
+            <a:extLst>
+              <a:ext uri="{FF2B5EF4-FFF2-40B4-BE49-F238E27FC236}">
+                <a16:creationId xmlns:a16="http://schemas.microsoft.com/office/drawing/2014/main" id="{DD4299F1-D18C-ED8D-1EF1-E2042C474C45}"/>
+              </a:ext>
+            </a:extLst>
+          </p:cNvPr>
+          <p:cNvSpPr>
+            <a:spLocks noGrp="1"/>
+          </p:cNvSpPr>
+          <p:nvPr>
+            <p:ph type="title"/>
+          </p:nvPr>
+        </p:nvSpPr>
+        <p:spPr/>
+        <p:txBody>
+          <a:bodyPr/>
+          <a:lstStyle/>
+          <a:p>
+            <a:r>
+              <a:rPr lang="en-GB" dirty="0"/>
+              <a:t>…To multi-class cross entropy!</a:t>
+            </a:r>
+            <a:endParaRPr lang="en-SG" dirty="0"/>
+          </a:p>
+        </p:txBody>
+      </p:sp>
+      <mc:AlternateContent xmlns:mc="http://schemas.openxmlformats.org/markup-compatibility/2006">
+        <mc:Choice xmlns:a14="http://schemas.microsoft.com/office/drawing/2010/main" Requires="a14">
+          <p:sp>
+            <p:nvSpPr>
+              <p:cNvPr id="3" name="Content Placeholder 2">
+                <a:extLst>
+                  <a:ext uri="{FF2B5EF4-FFF2-40B4-BE49-F238E27FC236}">
+                    <a16:creationId xmlns:a16="http://schemas.microsoft.com/office/drawing/2014/main" id="{CF1D478A-0975-EE46-490C-B98DC55AC938}"/>
+                  </a:ext>
+                </a:extLst>
+              </p:cNvPr>
+              <p:cNvSpPr>
+                <a:spLocks noGrp="1"/>
+              </p:cNvSpPr>
+              <p:nvPr>
+                <p:ph idx="1"/>
+              </p:nvPr>
+            </p:nvSpPr>
+            <p:spPr>
+              <a:xfrm>
+                <a:off x="838200" y="1825624"/>
+                <a:ext cx="10515600" cy="5032375"/>
+              </a:xfrm>
+            </p:spPr>
+            <p:txBody>
+              <a:bodyPr>
+                <a:normAutofit lnSpcReduction="10000"/>
+              </a:bodyPr>
+              <a:lstStyle/>
+              <a:p>
+                <a:pPr marL="0" indent="0">
+                  <a:buNone/>
+                </a:pPr>
+                <a:r>
+                  <a:rPr lang="en-GB" dirty="0"/>
+                  <a:t>The adjustment is actually quite simple, and the </a:t>
+                </a:r>
+                <a:r>
+                  <a:rPr lang="en-GB" b="1" dirty="0"/>
+                  <a:t>multi-class cross-entropy loss function </a:t>
+                </a:r>
+                <a:r>
+                  <a:rPr lang="en-GB" dirty="0"/>
+                  <a:t>simply rewrites as shown below:</a:t>
+                </a:r>
+              </a:p>
+              <a:p>
+                <a:pPr marL="0" indent="0">
+                  <a:buNone/>
+                </a:pPr>
+                <a14:m>
+                  <m:oMathPara xmlns:m="http://schemas.openxmlformats.org/officeDocument/2006/math">
+                    <m:oMathParaPr>
+                      <m:jc m:val="centerGroup"/>
+                    </m:oMathParaPr>
+                    <m:oMath xmlns:m="http://schemas.openxmlformats.org/officeDocument/2006/math">
+                      <m:r>
+                        <a:rPr lang="en-GB" i="1" dirty="0" smtClean="0">
+                          <a:latin typeface="Cambria Math" panose="02040503050406030204" pitchFamily="18" charset="0"/>
+                        </a:rPr>
+                        <m:t>𝐿</m:t>
+                      </m:r>
+                      <m:d>
+                        <m:dPr>
+                          <m:ctrlPr>
+                            <a:rPr lang="en-GB" i="1" dirty="0" smtClean="0">
+                              <a:latin typeface="Cambria Math" panose="02040503050406030204" pitchFamily="18" charset="0"/>
+                            </a:rPr>
+                          </m:ctrlPr>
+                        </m:dPr>
+                        <m:e>
+                          <m:r>
+                            <a:rPr lang="en-GB" i="1" dirty="0" smtClean="0">
+                              <a:latin typeface="Cambria Math" panose="02040503050406030204" pitchFamily="18" charset="0"/>
+                            </a:rPr>
+                            <m:t>𝑥</m:t>
+                          </m:r>
+                          <m:r>
+                            <a:rPr lang="en-GB" i="1" dirty="0" smtClean="0">
+                              <a:latin typeface="Cambria Math" panose="02040503050406030204" pitchFamily="18" charset="0"/>
+                            </a:rPr>
+                            <m:t>, </m:t>
+                          </m:r>
+                          <m:r>
+                            <a:rPr lang="en-GB" i="1" dirty="0" smtClean="0">
+                              <a:latin typeface="Cambria Math" panose="02040503050406030204" pitchFamily="18" charset="0"/>
+                            </a:rPr>
+                            <m:t>𝑦</m:t>
+                          </m:r>
+                        </m:e>
+                      </m:d>
+                      <m:r>
+                        <a:rPr lang="en-GB" i="1" dirty="0" smtClean="0">
+                          <a:latin typeface="Cambria Math" panose="02040503050406030204" pitchFamily="18" charset="0"/>
+                        </a:rPr>
+                        <m:t>= −</m:t>
+                      </m:r>
+                      <m:f>
+                        <m:fPr>
+                          <m:ctrlPr>
+                            <a:rPr lang="en-GB" i="1" dirty="0" smtClean="0">
+                              <a:latin typeface="Cambria Math" panose="02040503050406030204" pitchFamily="18" charset="0"/>
+                            </a:rPr>
+                          </m:ctrlPr>
+                        </m:fPr>
+                        <m:num>
+                          <m:r>
+                            <a:rPr lang="en-GB" i="1" dirty="0" smtClean="0">
+                              <a:latin typeface="Cambria Math" panose="02040503050406030204" pitchFamily="18" charset="0"/>
+                            </a:rPr>
+                            <m:t>1</m:t>
+                          </m:r>
+                        </m:num>
+                        <m:den>
+                          <m:r>
+                            <a:rPr lang="en-GB" i="1" dirty="0" smtClean="0">
+                              <a:latin typeface="Cambria Math" panose="02040503050406030204" pitchFamily="18" charset="0"/>
+                            </a:rPr>
+                            <m:t>𝑁</m:t>
+                          </m:r>
+                        </m:den>
+                      </m:f>
+                      <m:nary>
+                        <m:naryPr>
+                          <m:chr m:val="∑"/>
+                          <m:ctrlPr>
+                            <a:rPr lang="en-GB" i="1" dirty="0" smtClean="0">
+                              <a:latin typeface="Cambria Math" panose="02040503050406030204" pitchFamily="18" charset="0"/>
+                            </a:rPr>
+                          </m:ctrlPr>
+                        </m:naryPr>
+                        <m:sub>
+                          <m:r>
+                            <a:rPr lang="en-GB" i="1" dirty="0" smtClean="0">
+                              <a:latin typeface="Cambria Math" panose="02040503050406030204" pitchFamily="18" charset="0"/>
+                            </a:rPr>
+                            <m:t>𝑘</m:t>
+                          </m:r>
+                        </m:sub>
+                        <m:sup>
+                          <m:r>
+                            <a:rPr lang="en-GB" i="1" dirty="0" smtClean="0">
+                              <a:latin typeface="Cambria Math" panose="02040503050406030204" pitchFamily="18" charset="0"/>
+                            </a:rPr>
+                            <m:t>𝑁</m:t>
+                          </m:r>
+                        </m:sup>
+                        <m:e>
+                          <m:nary>
+                            <m:naryPr>
+                              <m:chr m:val="∑"/>
+                              <m:ctrlPr>
+                                <a:rPr lang="en-GB" i="1" dirty="0">
+                                  <a:latin typeface="Cambria Math" panose="02040503050406030204" pitchFamily="18" charset="0"/>
+                                </a:rPr>
+                              </m:ctrlPr>
+                            </m:naryPr>
+                            <m:sub>
+                              <m:r>
+                                <a:rPr lang="en-GB" i="1" dirty="0">
+                                  <a:latin typeface="Cambria Math" panose="02040503050406030204" pitchFamily="18" charset="0"/>
+                                </a:rPr>
+                                <m:t>𝑖</m:t>
+                              </m:r>
+                              <m:r>
+                                <a:rPr lang="en-GB" i="1" dirty="0">
+                                  <a:latin typeface="Cambria Math" panose="02040503050406030204" pitchFamily="18" charset="0"/>
+                                </a:rPr>
+                                <m:t>=0</m:t>
+                              </m:r>
+                            </m:sub>
+                            <m:sup>
+                              <m:r>
+                                <a:rPr lang="en-GB" i="1" dirty="0">
+                                  <a:latin typeface="Cambria Math" panose="02040503050406030204" pitchFamily="18" charset="0"/>
+                                </a:rPr>
+                                <m:t>9</m:t>
+                              </m:r>
+                            </m:sup>
+                            <m:e>
+                              <m:sSubSup>
+                                <m:sSubSupPr>
+                                  <m:ctrlPr>
+                                    <a:rPr lang="en-GB" i="1" dirty="0">
+                                      <a:latin typeface="Cambria Math" panose="02040503050406030204" pitchFamily="18" charset="0"/>
+                                    </a:rPr>
+                                  </m:ctrlPr>
+                                </m:sSubSupPr>
+                                <m:e>
+                                  <m:r>
+                                    <a:rPr lang="en-GB" i="1" dirty="0">
+                                      <a:latin typeface="Cambria Math" panose="02040503050406030204" pitchFamily="18" charset="0"/>
+                                    </a:rPr>
+                                    <m:t>𝑦</m:t>
+                                  </m:r>
+                                </m:e>
+                                <m:sub>
+                                  <m:r>
+                                    <a:rPr lang="en-GB" i="1" dirty="0">
+                                      <a:latin typeface="Cambria Math" panose="02040503050406030204" pitchFamily="18" charset="0"/>
+                                    </a:rPr>
+                                    <m:t>𝑘</m:t>
+                                  </m:r>
+                                </m:sub>
+                                <m:sup>
+                                  <m:r>
+                                    <a:rPr lang="en-GB" i="1" dirty="0">
+                                      <a:latin typeface="Cambria Math" panose="02040503050406030204" pitchFamily="18" charset="0"/>
+                                    </a:rPr>
+                                    <m:t>𝑖</m:t>
+                                  </m:r>
+                                </m:sup>
+                              </m:sSubSup>
+                            </m:e>
+                          </m:nary>
+                          <m:func>
+                            <m:funcPr>
+                              <m:ctrlPr>
+                                <a:rPr lang="en-GB" i="1" dirty="0">
+                                  <a:latin typeface="Cambria Math" panose="02040503050406030204" pitchFamily="18" charset="0"/>
+                                </a:rPr>
+                              </m:ctrlPr>
+                            </m:funcPr>
+                            <m:fName>
+                              <m:r>
+                                <m:rPr>
+                                  <m:sty m:val="p"/>
+                                </m:rPr>
+                                <a:rPr lang="en-GB" dirty="0">
+                                  <a:latin typeface="Cambria Math" panose="02040503050406030204" pitchFamily="18" charset="0"/>
+                                </a:rPr>
+                                <m:t>ln</m:t>
+                              </m:r>
+                            </m:fName>
+                            <m:e>
+                              <m:d>
+                                <m:dPr>
+                                  <m:ctrlPr>
+                                    <a:rPr lang="en-GB" i="1" dirty="0">
+                                      <a:latin typeface="Cambria Math" panose="02040503050406030204" pitchFamily="18" charset="0"/>
+                                    </a:rPr>
+                                  </m:ctrlPr>
+                                </m:dPr>
+                                <m:e>
+                                  <m:sSub>
+                                    <m:sSubPr>
+                                      <m:ctrlPr>
+                                        <a:rPr lang="en-GB" i="1" dirty="0">
+                                          <a:latin typeface="Cambria Math" panose="02040503050406030204" pitchFamily="18" charset="0"/>
+                                        </a:rPr>
+                                      </m:ctrlPr>
+                                    </m:sSubPr>
+                                    <m:e>
+                                      <m:r>
+                                        <a:rPr lang="en-GB" i="1" dirty="0">
+                                          <a:latin typeface="Cambria Math" panose="02040503050406030204" pitchFamily="18" charset="0"/>
+                                        </a:rPr>
+                                        <m:t>𝑝</m:t>
+                                      </m:r>
+                                    </m:e>
+                                    <m:sub>
+                                      <m:r>
+                                        <a:rPr lang="en-GB" i="1" dirty="0">
+                                          <a:latin typeface="Cambria Math" panose="02040503050406030204" pitchFamily="18" charset="0"/>
+                                        </a:rPr>
+                                        <m:t>𝑖</m:t>
+                                      </m:r>
+                                    </m:sub>
+                                  </m:sSub>
+                                  <m:d>
+                                    <m:dPr>
+                                      <m:ctrlPr>
+                                        <a:rPr lang="en-GB" i="1" dirty="0">
+                                          <a:latin typeface="Cambria Math" panose="02040503050406030204" pitchFamily="18" charset="0"/>
+                                        </a:rPr>
+                                      </m:ctrlPr>
+                                    </m:dPr>
+                                    <m:e>
+                                      <m:sSub>
+                                        <m:sSubPr>
+                                          <m:ctrlPr>
+                                            <a:rPr lang="en-GB" i="1" dirty="0" err="1">
+                                              <a:latin typeface="Cambria Math" panose="02040503050406030204" pitchFamily="18" charset="0"/>
+                                            </a:rPr>
+                                          </m:ctrlPr>
+                                        </m:sSubPr>
+                                        <m:e>
+                                          <m:r>
+                                            <a:rPr lang="en-GB" i="1" dirty="0" err="1">
+                                              <a:latin typeface="Cambria Math" panose="02040503050406030204" pitchFamily="18" charset="0"/>
+                                            </a:rPr>
+                                            <m:t>𝑥</m:t>
+                                          </m:r>
+                                        </m:e>
+                                        <m:sub>
+                                          <m:r>
+                                            <a:rPr lang="en-GB" i="1" dirty="0" err="1">
+                                              <a:latin typeface="Cambria Math" panose="02040503050406030204" pitchFamily="18" charset="0"/>
+                                            </a:rPr>
+                                            <m:t>𝑘</m:t>
+                                          </m:r>
+                                        </m:sub>
+                                      </m:sSub>
+                                    </m:e>
+                                  </m:d>
+                                </m:e>
+                              </m:d>
+                            </m:e>
+                          </m:func>
+                        </m:e>
+                      </m:nary>
+                      <m:r>
+                        <a:rPr lang="en-GB" b="0" i="1" dirty="0" smtClean="0">
+                          <a:latin typeface="Cambria Math" panose="02040503050406030204" pitchFamily="18" charset="0"/>
+                        </a:rPr>
+                        <m:t>.</m:t>
+                      </m:r>
+                    </m:oMath>
+                  </m:oMathPara>
+                </a14:m>
+                <a:endParaRPr lang="en-GB" dirty="0"/>
+              </a:p>
+              <a:p>
+                <a:pPr marL="0" indent="0">
+                  <a:buNone/>
+                </a:pPr>
+                <a:endParaRPr lang="en-GB" dirty="0"/>
+              </a:p>
+              <a:p>
+                <a:pPr marL="0" indent="0">
+                  <a:buNone/>
+                </a:pPr>
+                <a:r>
+                  <a:rPr lang="en-GB" dirty="0"/>
+                  <a:t>The value </a:t>
+                </a:r>
+                <a14:m>
+                  <m:oMath xmlns:m="http://schemas.openxmlformats.org/officeDocument/2006/math">
+                    <m:sSubSup>
+                      <m:sSubSupPr>
+                        <m:ctrlPr>
+                          <a:rPr lang="en-GB" i="1" dirty="0">
+                            <a:latin typeface="Cambria Math" panose="02040503050406030204" pitchFamily="18" charset="0"/>
+                          </a:rPr>
+                        </m:ctrlPr>
+                      </m:sSubSupPr>
+                      <m:e>
+                        <m:r>
+                          <a:rPr lang="en-GB" i="1" dirty="0">
+                            <a:latin typeface="Cambria Math" panose="02040503050406030204" pitchFamily="18" charset="0"/>
+                          </a:rPr>
+                          <m:t>𝑦</m:t>
+                        </m:r>
+                      </m:e>
+                      <m:sub>
+                        <m:r>
+                          <a:rPr lang="en-GB" i="1" dirty="0">
+                            <a:latin typeface="Cambria Math" panose="02040503050406030204" pitchFamily="18" charset="0"/>
+                          </a:rPr>
+                          <m:t>𝑘</m:t>
+                        </m:r>
+                      </m:sub>
+                      <m:sup>
+                        <m:r>
+                          <a:rPr lang="en-GB" i="1" dirty="0">
+                            <a:latin typeface="Cambria Math" panose="02040503050406030204" pitchFamily="18" charset="0"/>
+                          </a:rPr>
+                          <m:t>𝑖</m:t>
+                        </m:r>
+                      </m:sup>
+                    </m:sSubSup>
+                  </m:oMath>
+                </a14:m>
+                <a:r>
+                  <a:rPr lang="en-GB" dirty="0"/>
+                  <a:t> is the ground truth value for the probability of being of class </a:t>
+                </a:r>
+                <a14:m>
+                  <m:oMath xmlns:m="http://schemas.openxmlformats.org/officeDocument/2006/math">
+                    <m:r>
+                      <a:rPr lang="en-GB" i="1" dirty="0">
+                        <a:latin typeface="Cambria Math" panose="02040503050406030204" pitchFamily="18" charset="0"/>
+                      </a:rPr>
+                      <m:t>𝑖</m:t>
+                    </m:r>
+                  </m:oMath>
+                </a14:m>
+                <a:r>
+                  <a:rPr lang="en-GB" dirty="0"/>
+                  <a:t> for sample</a:t>
+                </a:r>
+                <a14:m>
+                  <m:oMath xmlns:m="http://schemas.openxmlformats.org/officeDocument/2006/math">
+                    <m:r>
+                      <a:rPr lang="en-GB" i="1" dirty="0">
+                        <a:latin typeface="Cambria Math" panose="02040503050406030204" pitchFamily="18" charset="0"/>
+                      </a:rPr>
+                      <m:t> </m:t>
+                    </m:r>
+                    <m:sSub>
+                      <m:sSubPr>
+                        <m:ctrlPr>
+                          <a:rPr lang="en-GB" i="1" dirty="0" err="1">
+                            <a:latin typeface="Cambria Math" panose="02040503050406030204" pitchFamily="18" charset="0"/>
+                          </a:rPr>
+                        </m:ctrlPr>
+                      </m:sSubPr>
+                      <m:e>
+                        <m:r>
+                          <a:rPr lang="en-GB" i="1" dirty="0" err="1">
+                            <a:latin typeface="Cambria Math" panose="02040503050406030204" pitchFamily="18" charset="0"/>
+                          </a:rPr>
+                          <m:t>𝑥</m:t>
+                        </m:r>
+                      </m:e>
+                      <m:sub>
+                        <m:r>
+                          <a:rPr lang="en-GB" i="1" dirty="0" err="1">
+                            <a:latin typeface="Cambria Math" panose="02040503050406030204" pitchFamily="18" charset="0"/>
+                          </a:rPr>
+                          <m:t>𝑘</m:t>
+                        </m:r>
+                      </m:sub>
+                    </m:sSub>
+                  </m:oMath>
+                </a14:m>
+                <a:r>
+                  <a:rPr lang="en-GB" dirty="0"/>
+                  <a:t>.</a:t>
+                </a:r>
+              </a:p>
+              <a:p>
+                <a:pPr marL="0" indent="0">
+                  <a:buNone/>
+                </a:pPr>
+                <a:r>
+                  <a:rPr lang="en-GB" dirty="0"/>
+                  <a:t>For instance, if the sample </a:t>
+                </a:r>
+                <a14:m>
+                  <m:oMath xmlns:m="http://schemas.openxmlformats.org/officeDocument/2006/math">
+                    <m:sSub>
+                      <m:sSubPr>
+                        <m:ctrlPr>
+                          <a:rPr lang="en-GB" i="1" dirty="0">
+                            <a:latin typeface="Cambria Math" panose="02040503050406030204" pitchFamily="18" charset="0"/>
+                          </a:rPr>
+                        </m:ctrlPr>
+                      </m:sSubPr>
+                      <m:e>
+                        <m:r>
+                          <a:rPr lang="en-GB" i="1" dirty="0">
+                            <a:latin typeface="Cambria Math" panose="02040503050406030204" pitchFamily="18" charset="0"/>
+                          </a:rPr>
+                          <m:t>𝑥</m:t>
+                        </m:r>
+                      </m:e>
+                      <m:sub>
+                        <m:r>
+                          <a:rPr lang="en-GB" i="1" dirty="0">
+                            <a:latin typeface="Cambria Math" panose="02040503050406030204" pitchFamily="18" charset="0"/>
+                          </a:rPr>
+                          <m:t>𝑘</m:t>
+                        </m:r>
+                      </m:sub>
+                    </m:sSub>
+                    <m:r>
+                      <a:rPr lang="en-GB" i="1" dirty="0">
+                        <a:latin typeface="Cambria Math" panose="02040503050406030204" pitchFamily="18" charset="0"/>
+                      </a:rPr>
+                      <m:t> </m:t>
+                    </m:r>
+                  </m:oMath>
+                </a14:m>
+                <a:r>
+                  <a:rPr lang="en-GB" dirty="0"/>
+                  <a:t>is of class </a:t>
+                </a:r>
+                <a14:m>
+                  <m:oMath xmlns:m="http://schemas.openxmlformats.org/officeDocument/2006/math">
+                    <m:sSub>
+                      <m:sSubPr>
+                        <m:ctrlPr>
+                          <a:rPr lang="en-GB" b="0" i="1" dirty="0" smtClean="0">
+                            <a:latin typeface="Cambria Math" panose="02040503050406030204" pitchFamily="18" charset="0"/>
+                          </a:rPr>
+                        </m:ctrlPr>
+                      </m:sSubPr>
+                      <m:e>
+                        <m:r>
+                          <a:rPr lang="en-GB" b="0" i="1" dirty="0" smtClean="0">
+                            <a:latin typeface="Cambria Math" panose="02040503050406030204" pitchFamily="18" charset="0"/>
+                          </a:rPr>
+                          <m:t>𝑦</m:t>
+                        </m:r>
+                      </m:e>
+                      <m:sub>
+                        <m:r>
+                          <a:rPr lang="en-GB" b="0" i="1" dirty="0" smtClean="0">
+                            <a:latin typeface="Cambria Math" panose="02040503050406030204" pitchFamily="18" charset="0"/>
+                          </a:rPr>
+                          <m:t>𝑘</m:t>
+                        </m:r>
+                      </m:sub>
+                    </m:sSub>
+                    <m:r>
+                      <a:rPr lang="en-GB" b="0" i="1" dirty="0" smtClean="0">
+                        <a:latin typeface="Cambria Math" panose="02040503050406030204" pitchFamily="18" charset="0"/>
+                      </a:rPr>
+                      <m:t>=</m:t>
+                    </m:r>
+                    <m:r>
+                      <a:rPr lang="en-GB" i="1" dirty="0" smtClean="0">
+                        <a:latin typeface="Cambria Math" panose="02040503050406030204" pitchFamily="18" charset="0"/>
+                      </a:rPr>
+                      <m:t>2</m:t>
+                    </m:r>
+                  </m:oMath>
+                </a14:m>
+                <a:r>
+                  <a:rPr lang="en-GB" dirty="0"/>
+                  <a:t>, we have:</a:t>
+                </a:r>
+                <a:br>
+                  <a:rPr lang="en-GB" dirty="0"/>
+                </a:br>
+                <a:endParaRPr lang="en-GB" dirty="0"/>
+              </a:p>
+              <a:p>
+                <a:pPr marL="0" indent="0">
+                  <a:buNone/>
+                </a:pPr>
+                <a14:m>
+                  <m:oMathPara xmlns:m="http://schemas.openxmlformats.org/officeDocument/2006/math">
+                    <m:oMathParaPr>
+                      <m:jc m:val="centerGroup"/>
+                    </m:oMathParaPr>
+                    <m:oMath xmlns:m="http://schemas.openxmlformats.org/officeDocument/2006/math">
+                      <m:sSub>
+                        <m:sSubPr>
+                          <m:ctrlPr>
+                            <a:rPr lang="en-GB" i="1" dirty="0">
+                              <a:latin typeface="Cambria Math" panose="02040503050406030204" pitchFamily="18" charset="0"/>
+                            </a:rPr>
+                          </m:ctrlPr>
+                        </m:sSubPr>
+                        <m:e>
+                          <m:r>
+                            <a:rPr lang="en-GB" i="1" dirty="0">
+                              <a:latin typeface="Cambria Math" panose="02040503050406030204" pitchFamily="18" charset="0"/>
+                            </a:rPr>
+                            <m:t>𝑌</m:t>
+                          </m:r>
+                        </m:e>
+                        <m:sub>
+                          <m:r>
+                            <a:rPr lang="en-GB" i="1" dirty="0">
+                              <a:latin typeface="Cambria Math" panose="02040503050406030204" pitchFamily="18" charset="0"/>
+                            </a:rPr>
+                            <m:t>𝑘</m:t>
+                          </m:r>
+                        </m:sub>
+                      </m:sSub>
+                      <m:r>
+                        <a:rPr lang="en-GB" i="1" dirty="0">
+                          <a:latin typeface="Cambria Math" panose="02040503050406030204" pitchFamily="18" charset="0"/>
+                        </a:rPr>
+                        <m:t> = (</m:t>
+                      </m:r>
+                      <m:sSubSup>
+                        <m:sSubSupPr>
+                          <m:ctrlPr>
+                            <a:rPr lang="en-GB" i="1" dirty="0">
+                              <a:latin typeface="Cambria Math" panose="02040503050406030204" pitchFamily="18" charset="0"/>
+                            </a:rPr>
+                          </m:ctrlPr>
+                        </m:sSubSupPr>
+                        <m:e>
+                          <m:r>
+                            <a:rPr lang="en-GB" i="1" dirty="0">
+                              <a:latin typeface="Cambria Math" panose="02040503050406030204" pitchFamily="18" charset="0"/>
+                            </a:rPr>
+                            <m:t>𝑦</m:t>
+                          </m:r>
+                        </m:e>
+                        <m:sub>
+                          <m:r>
+                            <a:rPr lang="en-GB" i="1" dirty="0">
+                              <a:latin typeface="Cambria Math" panose="02040503050406030204" pitchFamily="18" charset="0"/>
+                            </a:rPr>
+                            <m:t>𝑘</m:t>
+                          </m:r>
+                        </m:sub>
+                        <m:sup>
+                          <m:r>
+                            <a:rPr lang="en-GB" i="1" dirty="0">
+                              <a:latin typeface="Cambria Math" panose="02040503050406030204" pitchFamily="18" charset="0"/>
+                            </a:rPr>
+                            <m:t>0</m:t>
+                          </m:r>
+                        </m:sup>
+                      </m:sSubSup>
+                      <m:r>
+                        <a:rPr lang="en-GB" i="1" dirty="0">
+                          <a:latin typeface="Cambria Math" panose="02040503050406030204" pitchFamily="18" charset="0"/>
+                        </a:rPr>
+                        <m:t>, </m:t>
+                      </m:r>
+                      <m:sSubSup>
+                        <m:sSubSupPr>
+                          <m:ctrlPr>
+                            <a:rPr lang="en-GB" i="1" dirty="0">
+                              <a:latin typeface="Cambria Math" panose="02040503050406030204" pitchFamily="18" charset="0"/>
+                            </a:rPr>
+                          </m:ctrlPr>
+                        </m:sSubSupPr>
+                        <m:e>
+                          <m:r>
+                            <a:rPr lang="en-GB" i="1" dirty="0">
+                              <a:latin typeface="Cambria Math" panose="02040503050406030204" pitchFamily="18" charset="0"/>
+                            </a:rPr>
+                            <m:t>𝑦</m:t>
+                          </m:r>
+                        </m:e>
+                        <m:sub>
+                          <m:r>
+                            <a:rPr lang="en-GB" i="1" dirty="0">
+                              <a:latin typeface="Cambria Math" panose="02040503050406030204" pitchFamily="18" charset="0"/>
+                            </a:rPr>
+                            <m:t>𝑘</m:t>
+                          </m:r>
+                        </m:sub>
+                        <m:sup>
+                          <m:r>
+                            <a:rPr lang="en-GB" i="1" dirty="0">
+                              <a:latin typeface="Cambria Math" panose="02040503050406030204" pitchFamily="18" charset="0"/>
+                            </a:rPr>
+                            <m:t>1</m:t>
+                          </m:r>
+                        </m:sup>
+                      </m:sSubSup>
+                      <m:r>
+                        <a:rPr lang="en-GB" i="1" dirty="0">
+                          <a:latin typeface="Cambria Math" panose="02040503050406030204" pitchFamily="18" charset="0"/>
+                        </a:rPr>
+                        <m:t>, </m:t>
+                      </m:r>
+                      <m:sSubSup>
+                        <m:sSubSupPr>
+                          <m:ctrlPr>
+                            <a:rPr lang="en-GB" i="1" dirty="0">
+                              <a:latin typeface="Cambria Math" panose="02040503050406030204" pitchFamily="18" charset="0"/>
+                            </a:rPr>
+                          </m:ctrlPr>
+                        </m:sSubSupPr>
+                        <m:e>
+                          <m:r>
+                            <a:rPr lang="en-GB" i="1" dirty="0">
+                              <a:latin typeface="Cambria Math" panose="02040503050406030204" pitchFamily="18" charset="0"/>
+                            </a:rPr>
+                            <m:t>𝑦</m:t>
+                          </m:r>
+                        </m:e>
+                        <m:sub>
+                          <m:r>
+                            <a:rPr lang="en-GB" i="1" dirty="0">
+                              <a:latin typeface="Cambria Math" panose="02040503050406030204" pitchFamily="18" charset="0"/>
+                            </a:rPr>
+                            <m:t>𝑘</m:t>
+                          </m:r>
+                        </m:sub>
+                        <m:sup>
+                          <m:r>
+                            <a:rPr lang="en-GB" i="1" dirty="0">
+                              <a:latin typeface="Cambria Math" panose="02040503050406030204" pitchFamily="18" charset="0"/>
+                            </a:rPr>
+                            <m:t>2</m:t>
+                          </m:r>
+                        </m:sup>
+                      </m:sSubSup>
+                      <m:r>
+                        <a:rPr lang="en-GB" i="1" dirty="0">
+                          <a:latin typeface="Cambria Math" panose="02040503050406030204" pitchFamily="18" charset="0"/>
+                        </a:rPr>
+                        <m:t>, </m:t>
+                      </m:r>
+                      <m:sSubSup>
+                        <m:sSubSupPr>
+                          <m:ctrlPr>
+                            <a:rPr lang="en-GB" i="1" dirty="0">
+                              <a:latin typeface="Cambria Math" panose="02040503050406030204" pitchFamily="18" charset="0"/>
+                            </a:rPr>
+                          </m:ctrlPr>
+                        </m:sSubSupPr>
+                        <m:e>
+                          <m:r>
+                            <a:rPr lang="en-GB" i="1" dirty="0">
+                              <a:latin typeface="Cambria Math" panose="02040503050406030204" pitchFamily="18" charset="0"/>
+                            </a:rPr>
+                            <m:t>𝑦</m:t>
+                          </m:r>
+                        </m:e>
+                        <m:sub>
+                          <m:r>
+                            <a:rPr lang="en-GB" i="1" dirty="0">
+                              <a:latin typeface="Cambria Math" panose="02040503050406030204" pitchFamily="18" charset="0"/>
+                            </a:rPr>
+                            <m:t>𝑘</m:t>
+                          </m:r>
+                        </m:sub>
+                        <m:sup>
+                          <m:r>
+                            <a:rPr lang="en-GB" i="1" dirty="0">
+                              <a:latin typeface="Cambria Math" panose="02040503050406030204" pitchFamily="18" charset="0"/>
+                            </a:rPr>
+                            <m:t>3</m:t>
+                          </m:r>
+                        </m:sup>
+                      </m:sSubSup>
+                      <m:r>
+                        <a:rPr lang="en-GB" i="1" dirty="0">
+                          <a:latin typeface="Cambria Math" panose="02040503050406030204" pitchFamily="18" charset="0"/>
+                        </a:rPr>
+                        <m:t>, … </m:t>
+                      </m:r>
+                      <m:sSubSup>
+                        <m:sSubSupPr>
+                          <m:ctrlPr>
+                            <a:rPr lang="en-GB" i="1" dirty="0">
+                              <a:latin typeface="Cambria Math" panose="02040503050406030204" pitchFamily="18" charset="0"/>
+                            </a:rPr>
+                          </m:ctrlPr>
+                        </m:sSubSupPr>
+                        <m:e>
+                          <m:r>
+                            <a:rPr lang="en-GB" i="1" dirty="0">
+                              <a:latin typeface="Cambria Math" panose="02040503050406030204" pitchFamily="18" charset="0"/>
+                            </a:rPr>
+                            <m:t>𝑦</m:t>
+                          </m:r>
+                        </m:e>
+                        <m:sub>
+                          <m:r>
+                            <a:rPr lang="en-GB" i="1" dirty="0">
+                              <a:latin typeface="Cambria Math" panose="02040503050406030204" pitchFamily="18" charset="0"/>
+                            </a:rPr>
+                            <m:t>𝑘</m:t>
+                          </m:r>
+                        </m:sub>
+                        <m:sup>
+                          <m:r>
+                            <a:rPr lang="en-GB" i="1" dirty="0">
+                              <a:latin typeface="Cambria Math" panose="02040503050406030204" pitchFamily="18" charset="0"/>
+                            </a:rPr>
+                            <m:t>9</m:t>
+                          </m:r>
+                        </m:sup>
+                      </m:sSubSup>
+                      <m:r>
+                        <a:rPr lang="en-GB" i="1" dirty="0">
+                          <a:latin typeface="Cambria Math" panose="02040503050406030204" pitchFamily="18" charset="0"/>
+                        </a:rPr>
+                        <m:t>) = (0, 0, 1, 0, …, 0).</m:t>
+                      </m:r>
+                    </m:oMath>
+                  </m:oMathPara>
+                </a14:m>
+                <a:endParaRPr lang="en-GB" dirty="0"/>
+              </a:p>
+              <a:p>
+                <a:pPr marL="0" indent="0">
+                  <a:buNone/>
+                </a:pPr>
+                <a:r>
+                  <a:rPr lang="en-GB" dirty="0"/>
+                  <a:t>We say that </a:t>
+                </a:r>
+                <a14:m>
+                  <m:oMath xmlns:m="http://schemas.openxmlformats.org/officeDocument/2006/math">
+                    <m:sSub>
+                      <m:sSubPr>
+                        <m:ctrlPr>
+                          <a:rPr lang="en-GB" i="1" dirty="0" smtClean="0">
+                            <a:latin typeface="Cambria Math" panose="02040503050406030204" pitchFamily="18" charset="0"/>
+                          </a:rPr>
+                        </m:ctrlPr>
+                      </m:sSubPr>
+                      <m:e>
+                        <m:r>
+                          <a:rPr lang="en-GB" i="1" dirty="0">
+                            <a:latin typeface="Cambria Math" panose="02040503050406030204" pitchFamily="18" charset="0"/>
+                          </a:rPr>
+                          <m:t>𝑌</m:t>
+                        </m:r>
+                      </m:e>
+                      <m:sub>
+                        <m:r>
+                          <a:rPr lang="en-GB" i="1" dirty="0">
+                            <a:latin typeface="Cambria Math" panose="02040503050406030204" pitchFamily="18" charset="0"/>
+                          </a:rPr>
+                          <m:t>𝑘</m:t>
+                        </m:r>
+                      </m:sub>
+                    </m:sSub>
+                  </m:oMath>
+                </a14:m>
+                <a:r>
+                  <a:rPr lang="en-GB" dirty="0"/>
+                  <a:t> is the </a:t>
+                </a:r>
+                <a:r>
+                  <a:rPr lang="en-GB" b="1" dirty="0">
+                    <a:solidFill>
+                      <a:srgbClr val="00B050"/>
+                    </a:solidFill>
+                  </a:rPr>
+                  <a:t>one-hot vector </a:t>
+                </a:r>
+                <a:r>
+                  <a:rPr lang="en-GB" dirty="0"/>
+                  <a:t>for the given scalar value </a:t>
+                </a:r>
+                <a14:m>
+                  <m:oMath xmlns:m="http://schemas.openxmlformats.org/officeDocument/2006/math">
+                    <m:sSub>
+                      <m:sSubPr>
+                        <m:ctrlPr>
+                          <a:rPr lang="en-GB" b="0" i="1" dirty="0" smtClean="0">
+                            <a:latin typeface="Cambria Math" panose="02040503050406030204" pitchFamily="18" charset="0"/>
+                          </a:rPr>
+                        </m:ctrlPr>
+                      </m:sSubPr>
+                      <m:e>
+                        <m:r>
+                          <a:rPr lang="en-GB" i="1" dirty="0" smtClean="0">
+                            <a:latin typeface="Cambria Math" panose="02040503050406030204" pitchFamily="18" charset="0"/>
+                          </a:rPr>
+                          <m:t>𝑦</m:t>
+                        </m:r>
+                      </m:e>
+                      <m:sub>
+                        <m:r>
+                          <a:rPr lang="en-GB" b="0" i="1" dirty="0" smtClean="0">
+                            <a:latin typeface="Cambria Math" panose="02040503050406030204" pitchFamily="18" charset="0"/>
+                          </a:rPr>
+                          <m:t>𝑘</m:t>
+                        </m:r>
+                      </m:sub>
+                    </m:sSub>
+                    <m:r>
+                      <a:rPr lang="en-GB" i="1" dirty="0" smtClean="0">
+                        <a:latin typeface="Cambria Math" panose="02040503050406030204" pitchFamily="18" charset="0"/>
+                      </a:rPr>
+                      <m:t> = 2</m:t>
+                    </m:r>
+                  </m:oMath>
+                </a14:m>
+                <a:r>
+                  <a:rPr lang="en-GB" dirty="0"/>
+                  <a:t>.</a:t>
+                </a:r>
+              </a:p>
+              <a:p>
+                <a:endParaRPr lang="en-SG" dirty="0"/>
+              </a:p>
+            </p:txBody>
+          </p:sp>
+        </mc:Choice>
+        <mc:Fallback>
+          <p:sp>
+            <p:nvSpPr>
+              <p:cNvPr id="3" name="Content Placeholder 2">
+                <a:extLst>
+                  <a:ext uri="{FF2B5EF4-FFF2-40B4-BE49-F238E27FC236}">
+                    <a16:creationId xmlns:a16="http://schemas.microsoft.com/office/drawing/2014/main" id="{CF1D478A-0975-EE46-490C-B98DC55AC938}"/>
+                  </a:ext>
+                </a:extLst>
+              </p:cNvPr>
+              <p:cNvSpPr>
+                <a:spLocks noGrp="1" noRot="1" noChangeAspect="1" noMove="1" noResize="1" noEditPoints="1" noAdjustHandles="1" noChangeArrowheads="1" noChangeShapeType="1" noTextEdit="1"/>
+              </p:cNvSpPr>
+              <p:nvPr>
+                <p:ph idx="1"/>
+              </p:nvPr>
+            </p:nvSpPr>
+            <p:spPr>
+              <a:xfrm>
+                <a:off x="838200" y="1825624"/>
+                <a:ext cx="10515600" cy="5032375"/>
+              </a:xfrm>
+              <a:blipFill>
+                <a:blip r:embed="rId2"/>
+                <a:stretch>
+                  <a:fillRect l="-1217" t="-2663" r="-580"/>
+                </a:stretch>
+              </a:blipFill>
+            </p:spPr>
+            <p:txBody>
+              <a:bodyPr/>
+              <a:lstStyle/>
+              <a:p>
+                <a:r>
+                  <a:rPr lang="en-SG">
+                    <a:noFill/>
+                  </a:rPr>
+                  <a:t> </a:t>
+                </a:r>
+              </a:p>
+            </p:txBody>
+          </p:sp>
+        </mc:Fallback>
+      </mc:AlternateContent>
+    </p:spTree>
+    <p:extLst>
+      <p:ext uri="{BB962C8B-B14F-4D97-AF65-F5344CB8AC3E}">
+        <p14:creationId xmlns:p14="http://schemas.microsoft.com/office/powerpoint/2010/main" val="2986862345"/>
+      </p:ext>
+    </p:extLst>
+  </p:cSld>
+  <p:clrMapOvr>
+    <a:masterClrMapping/>
+  </p:clrMapOvr>
+</p:sld>
+</file>
+
+<file path=ppt/slides/slide39.xml><?xml version="1.0" encoding="utf-8"?>
 <p:sld xmlns:a="http://schemas.openxmlformats.org/drawingml/2006/main" xmlns:r="http://schemas.openxmlformats.org/officeDocument/2006/relationships" xmlns:p="http://schemas.openxmlformats.org/presentationml/2006/main">
   <p:cSld>
     <p:spTree>
@@ -19867,286 +21115,6 @@
     <p:extLst>
       <p:ext uri="{BB962C8B-B14F-4D97-AF65-F5344CB8AC3E}">
         <p14:creationId xmlns:p14="http://schemas.microsoft.com/office/powerpoint/2010/main" val="2163984957"/>
-      </p:ext>
-    </p:extLst>
-  </p:cSld>
-  <p:clrMapOvr>
-    <a:masterClrMapping/>
-  </p:clrMapOvr>
-</p:sld>
-</file>
-
-<file path=ppt/slides/slide38.xml><?xml version="1.0" encoding="utf-8"?>
-<p:sld xmlns:a="http://schemas.openxmlformats.org/drawingml/2006/main" xmlns:r="http://schemas.openxmlformats.org/officeDocument/2006/relationships" xmlns:p="http://schemas.openxmlformats.org/presentationml/2006/main">
-  <p:cSld>
-    <p:spTree>
-      <p:nvGrpSpPr>
-        <p:cNvPr id="1" name=""/>
-        <p:cNvGrpSpPr/>
-        <p:nvPr/>
-      </p:nvGrpSpPr>
-      <p:grpSpPr>
-        <a:xfrm>
-          <a:off x="0" y="0"/>
-          <a:ext cx="0" cy="0"/>
-          <a:chOff x="0" y="0"/>
-          <a:chExt cx="0" cy="0"/>
-        </a:xfrm>
-      </p:grpSpPr>
-      <p:sp>
-        <p:nvSpPr>
-          <p:cNvPr id="2" name="Title 1">
-            <a:extLst>
-              <a:ext uri="{FF2B5EF4-FFF2-40B4-BE49-F238E27FC236}">
-                <a16:creationId xmlns:a16="http://schemas.microsoft.com/office/drawing/2014/main" id="{37CAD06D-BD00-566A-9A00-21671B708034}"/>
-              </a:ext>
-            </a:extLst>
-          </p:cNvPr>
-          <p:cNvSpPr>
-            <a:spLocks noGrp="1"/>
-          </p:cNvSpPr>
-          <p:nvPr>
-            <p:ph type="title"/>
-          </p:nvPr>
-        </p:nvSpPr>
-        <p:spPr/>
-        <p:txBody>
-          <a:bodyPr/>
-          <a:lstStyle/>
-          <a:p>
-            <a:r>
-              <a:rPr lang="en-GB" dirty="0"/>
-              <a:t>Training our model with Adam GD, as before</a:t>
-            </a:r>
-            <a:endParaRPr lang="en-SG" dirty="0"/>
-          </a:p>
-        </p:txBody>
-      </p:sp>
-      <p:pic>
-        <p:nvPicPr>
-          <p:cNvPr id="9" name="Picture 8">
-            <a:extLst>
-              <a:ext uri="{FF2B5EF4-FFF2-40B4-BE49-F238E27FC236}">
-                <a16:creationId xmlns:a16="http://schemas.microsoft.com/office/drawing/2014/main" id="{A82D4A35-E555-1F2A-6430-5DE46FFA85EA}"/>
-              </a:ext>
-            </a:extLst>
-          </p:cNvPr>
-          <p:cNvPicPr>
-            <a:picLocks noChangeAspect="1"/>
-          </p:cNvPicPr>
-          <p:nvPr/>
-        </p:nvPicPr>
-        <p:blipFill>
-          <a:blip r:embed="rId2"/>
-          <a:stretch>
-            <a:fillRect/>
-          </a:stretch>
-        </p:blipFill>
-        <p:spPr>
-          <a:xfrm>
-            <a:off x="1429365" y="1436468"/>
-            <a:ext cx="9333270" cy="5421532"/>
-          </a:xfrm>
-          <a:prstGeom prst="rect">
-            <a:avLst/>
-          </a:prstGeom>
-        </p:spPr>
-      </p:pic>
-    </p:spTree>
-    <p:extLst>
-      <p:ext uri="{BB962C8B-B14F-4D97-AF65-F5344CB8AC3E}">
-        <p14:creationId xmlns:p14="http://schemas.microsoft.com/office/powerpoint/2010/main" val="1677488890"/>
-      </p:ext>
-    </p:extLst>
-  </p:cSld>
-  <p:clrMapOvr>
-    <a:masterClrMapping/>
-  </p:clrMapOvr>
-</p:sld>
-</file>
-
-<file path=ppt/slides/slide39.xml><?xml version="1.0" encoding="utf-8"?>
-<p:sld xmlns:a="http://schemas.openxmlformats.org/drawingml/2006/main" xmlns:r="http://schemas.openxmlformats.org/officeDocument/2006/relationships" xmlns:p="http://schemas.openxmlformats.org/presentationml/2006/main">
-  <p:cSld>
-    <p:spTree>
-      <p:nvGrpSpPr>
-        <p:cNvPr id="1" name=""/>
-        <p:cNvGrpSpPr/>
-        <p:nvPr/>
-      </p:nvGrpSpPr>
-      <p:grpSpPr>
-        <a:xfrm>
-          <a:off x="0" y="0"/>
-          <a:ext cx="0" cy="0"/>
-          <a:chOff x="0" y="0"/>
-          <a:chExt cx="0" cy="0"/>
-        </a:xfrm>
-      </p:grpSpPr>
-      <p:sp>
-        <p:nvSpPr>
-          <p:cNvPr id="2" name="Title 1">
-            <a:extLst>
-              <a:ext uri="{FF2B5EF4-FFF2-40B4-BE49-F238E27FC236}">
-                <a16:creationId xmlns:a16="http://schemas.microsoft.com/office/drawing/2014/main" id="{37CAD06D-BD00-566A-9A00-21671B708034}"/>
-              </a:ext>
-            </a:extLst>
-          </p:cNvPr>
-          <p:cNvSpPr>
-            <a:spLocks noGrp="1"/>
-          </p:cNvSpPr>
-          <p:nvPr>
-            <p:ph type="title"/>
-          </p:nvPr>
-        </p:nvSpPr>
-        <p:spPr/>
-        <p:txBody>
-          <a:bodyPr/>
-          <a:lstStyle/>
-          <a:p>
-            <a:r>
-              <a:rPr lang="en-GB" dirty="0"/>
-              <a:t>Eval mode and accuracy after training</a:t>
-            </a:r>
-            <a:endParaRPr lang="en-SG" dirty="0"/>
-          </a:p>
-        </p:txBody>
-      </p:sp>
-      <p:sp>
-        <p:nvSpPr>
-          <p:cNvPr id="5" name="Content Placeholder 4">
-            <a:extLst>
-              <a:ext uri="{FF2B5EF4-FFF2-40B4-BE49-F238E27FC236}">
-                <a16:creationId xmlns:a16="http://schemas.microsoft.com/office/drawing/2014/main" id="{FD741876-3C5F-A683-C589-99A3ED536B4B}"/>
-              </a:ext>
-            </a:extLst>
-          </p:cNvPr>
-          <p:cNvSpPr>
-            <a:spLocks noGrp="1"/>
-          </p:cNvSpPr>
-          <p:nvPr>
-            <p:ph sz="half" idx="1"/>
-          </p:nvPr>
-        </p:nvSpPr>
-        <p:spPr>
-          <a:xfrm>
-            <a:off x="838200" y="1825625"/>
-            <a:ext cx="5257800" cy="4351338"/>
-          </a:xfrm>
-        </p:spPr>
-        <p:txBody>
-          <a:bodyPr/>
-          <a:lstStyle/>
-          <a:p>
-            <a:pPr marL="0" indent="0">
-              <a:buNone/>
-            </a:pPr>
-            <a:r>
-              <a:rPr lang="en-GB" dirty="0"/>
-              <a:t>After training, we will evaluate our trained model.</a:t>
-            </a:r>
-          </a:p>
-          <a:p>
-            <a:r>
-              <a:rPr lang="en-GB" dirty="0"/>
-              <a:t>Set the model in </a:t>
-            </a:r>
-            <a:r>
-              <a:rPr lang="en-GB" b="1" dirty="0"/>
-              <a:t>eval() mode (good practice for later)</a:t>
-            </a:r>
-            <a:r>
-              <a:rPr lang="en-GB" dirty="0"/>
-              <a:t>.</a:t>
-            </a:r>
-          </a:p>
-          <a:p>
-            <a:r>
-              <a:rPr lang="en-GB" dirty="0"/>
-              <a:t>Predict on </a:t>
-            </a:r>
-            <a:r>
-              <a:rPr lang="en-GB" b="1" dirty="0"/>
-              <a:t>test</a:t>
-            </a:r>
-            <a:r>
-              <a:rPr lang="en-GB" dirty="0"/>
-              <a:t> </a:t>
-            </a:r>
-            <a:r>
-              <a:rPr lang="en-GB" b="1" dirty="0" err="1"/>
-              <a:t>dataloader</a:t>
-            </a:r>
-            <a:r>
-              <a:rPr lang="en-GB" dirty="0"/>
-              <a:t>.</a:t>
-            </a:r>
-          </a:p>
-          <a:p>
-            <a:r>
-              <a:rPr lang="en-GB" dirty="0"/>
-              <a:t>Calculate </a:t>
-            </a:r>
-            <a:r>
-              <a:rPr lang="en-GB" b="1" dirty="0"/>
-              <a:t>accuracy</a:t>
-            </a:r>
-            <a:r>
-              <a:rPr lang="en-GB" dirty="0"/>
-              <a:t> manually</a:t>
-            </a:r>
-            <a:br>
-              <a:rPr lang="en-GB" dirty="0"/>
-            </a:br>
-            <a:r>
-              <a:rPr lang="en-GB" dirty="0"/>
-              <a:t>(we could have probably also used a torch function to do that).</a:t>
-            </a:r>
-          </a:p>
-          <a:p>
-            <a:r>
-              <a:rPr lang="en-GB" dirty="0"/>
-              <a:t>Good trained model!</a:t>
-            </a:r>
-          </a:p>
-          <a:p>
-            <a:endParaRPr lang="en-SG" dirty="0"/>
-          </a:p>
-        </p:txBody>
-      </p:sp>
-      <p:pic>
-        <p:nvPicPr>
-          <p:cNvPr id="4" name="Picture 3">
-            <a:extLst>
-              <a:ext uri="{FF2B5EF4-FFF2-40B4-BE49-F238E27FC236}">
-                <a16:creationId xmlns:a16="http://schemas.microsoft.com/office/drawing/2014/main" id="{3F8C9528-03CA-7CE2-2FC1-C6013EF26C04}"/>
-              </a:ext>
-            </a:extLst>
-          </p:cNvPr>
-          <p:cNvPicPr>
-            <a:picLocks noChangeAspect="1"/>
-          </p:cNvPicPr>
-          <p:nvPr/>
-        </p:nvPicPr>
-        <p:blipFill>
-          <a:blip r:embed="rId2"/>
-          <a:stretch>
-            <a:fillRect/>
-          </a:stretch>
-        </p:blipFill>
-        <p:spPr>
-          <a:xfrm>
-            <a:off x="6172202" y="1769295"/>
-            <a:ext cx="5896798" cy="4629796"/>
-          </a:xfrm>
-          <a:prstGeom prst="rect">
-            <a:avLst/>
-          </a:prstGeom>
-        </p:spPr>
-      </p:pic>
-    </p:spTree>
-    <p:extLst>
-      <p:ext uri="{BB962C8B-B14F-4D97-AF65-F5344CB8AC3E}">
-        <p14:creationId xmlns:p14="http://schemas.microsoft.com/office/powerpoint/2010/main" val="507741553"/>
       </p:ext>
     </p:extLst>
   </p:cSld>
@@ -20528,7 +21496,7 @@
           <p:cNvPr id="2" name="Title 1">
             <a:extLst>
               <a:ext uri="{FF2B5EF4-FFF2-40B4-BE49-F238E27FC236}">
-                <a16:creationId xmlns:a16="http://schemas.microsoft.com/office/drawing/2014/main" id="{AC1D82E3-0CF1-4CB6-B079-94D3470FB21B}"/>
+                <a16:creationId xmlns:a16="http://schemas.microsoft.com/office/drawing/2014/main" id="{37CAD06D-BD00-566A-9A00-21671B708034}"/>
               </a:ext>
             </a:extLst>
           </p:cNvPr>
@@ -20546,7 +21514,96 @@
           <a:p>
             <a:r>
               <a:rPr lang="en-GB" dirty="0"/>
-              <a:t>It is now time…</a:t>
+              <a:t>Training our model with Adam GD, as before</a:t>
+            </a:r>
+            <a:endParaRPr lang="en-SG" dirty="0"/>
+          </a:p>
+        </p:txBody>
+      </p:sp>
+      <p:pic>
+        <p:nvPicPr>
+          <p:cNvPr id="9" name="Picture 8">
+            <a:extLst>
+              <a:ext uri="{FF2B5EF4-FFF2-40B4-BE49-F238E27FC236}">
+                <a16:creationId xmlns:a16="http://schemas.microsoft.com/office/drawing/2014/main" id="{A82D4A35-E555-1F2A-6430-5DE46FFA85EA}"/>
+              </a:ext>
+            </a:extLst>
+          </p:cNvPr>
+          <p:cNvPicPr>
+            <a:picLocks noChangeAspect="1"/>
+          </p:cNvPicPr>
+          <p:nvPr/>
+        </p:nvPicPr>
+        <p:blipFill>
+          <a:blip r:embed="rId2"/>
+          <a:stretch>
+            <a:fillRect/>
+          </a:stretch>
+        </p:blipFill>
+        <p:spPr>
+          <a:xfrm>
+            <a:off x="1429365" y="1436468"/>
+            <a:ext cx="9333270" cy="5421532"/>
+          </a:xfrm>
+          <a:prstGeom prst="rect">
+            <a:avLst/>
+          </a:prstGeom>
+        </p:spPr>
+      </p:pic>
+    </p:spTree>
+    <p:extLst>
+      <p:ext uri="{BB962C8B-B14F-4D97-AF65-F5344CB8AC3E}">
+        <p14:creationId xmlns:p14="http://schemas.microsoft.com/office/powerpoint/2010/main" val="1677488890"/>
+      </p:ext>
+    </p:extLst>
+  </p:cSld>
+  <p:clrMapOvr>
+    <a:masterClrMapping/>
+  </p:clrMapOvr>
+</p:sld>
+</file>
+
+<file path=ppt/slides/slide41.xml><?xml version="1.0" encoding="utf-8"?>
+<p:sld xmlns:a="http://schemas.openxmlformats.org/drawingml/2006/main" xmlns:r="http://schemas.openxmlformats.org/officeDocument/2006/relationships" xmlns:p="http://schemas.openxmlformats.org/presentationml/2006/main">
+  <p:cSld>
+    <p:spTree>
+      <p:nvGrpSpPr>
+        <p:cNvPr id="1" name=""/>
+        <p:cNvGrpSpPr/>
+        <p:nvPr/>
+      </p:nvGrpSpPr>
+      <p:grpSpPr>
+        <a:xfrm>
+          <a:off x="0" y="0"/>
+          <a:ext cx="0" cy="0"/>
+          <a:chOff x="0" y="0"/>
+          <a:chExt cx="0" cy="0"/>
+        </a:xfrm>
+      </p:grpSpPr>
+      <p:sp>
+        <p:nvSpPr>
+          <p:cNvPr id="2" name="Title 1">
+            <a:extLst>
+              <a:ext uri="{FF2B5EF4-FFF2-40B4-BE49-F238E27FC236}">
+                <a16:creationId xmlns:a16="http://schemas.microsoft.com/office/drawing/2014/main" id="{37CAD06D-BD00-566A-9A00-21671B708034}"/>
+              </a:ext>
+            </a:extLst>
+          </p:cNvPr>
+          <p:cNvSpPr>
+            <a:spLocks noGrp="1"/>
+          </p:cNvSpPr>
+          <p:nvPr>
+            <p:ph type="title"/>
+          </p:nvPr>
+        </p:nvSpPr>
+        <p:spPr/>
+        <p:txBody>
+          <a:bodyPr/>
+          <a:lstStyle/>
+          <a:p>
+            <a:r>
+              <a:rPr lang="en-GB" dirty="0"/>
+              <a:t>Eval mode and accuracy after training</a:t>
             </a:r>
             <a:endParaRPr lang="en-SG" dirty="0"/>
           </a:p>
@@ -20554,10 +21611,10 @@
       </p:sp>
       <p:sp>
         <p:nvSpPr>
-          <p:cNvPr id="3" name="Content Placeholder 2">
+          <p:cNvPr id="5" name="Content Placeholder 4">
             <a:extLst>
               <a:ext uri="{FF2B5EF4-FFF2-40B4-BE49-F238E27FC236}">
-                <a16:creationId xmlns:a16="http://schemas.microsoft.com/office/drawing/2014/main" id="{63E638E1-0E19-7F02-7FE0-49EBCE47EBFA}"/>
+                <a16:creationId xmlns:a16="http://schemas.microsoft.com/office/drawing/2014/main" id="{FD741876-3C5F-A683-C589-99A3ED536B4B}"/>
               </a:ext>
             </a:extLst>
           </p:cNvPr>
@@ -20570,13 +21627,13 @@
         </p:nvSpPr>
         <p:spPr>
           <a:xfrm>
-            <a:off x="838200" y="1825625"/>
-            <a:ext cx="5181600" cy="5032374"/>
+            <a:off x="838200" y="1825624"/>
+            <a:ext cx="5257800" cy="5032375"/>
           </a:xfrm>
         </p:spPr>
         <p:txBody>
           <a:bodyPr>
-            <a:normAutofit fontScale="92500" lnSpcReduction="10000"/>
+            <a:normAutofit/>
           </a:bodyPr>
           <a:lstStyle/>
           <a:p>
@@ -20585,39 +21642,39 @@
             </a:pPr>
             <a:r>
               <a:rPr lang="en-GB" dirty="0"/>
-              <a:t>It is now time for us to define and train our first </a:t>
-            </a:r>
-            <a:r>
-              <a:rPr lang="en-GB" b="1" dirty="0">
-                <a:solidFill>
-                  <a:srgbClr val="7030A0"/>
-                </a:solidFill>
-              </a:rPr>
-              <a:t>Deep</a:t>
+              <a:t>After training, we will evaluate our trained model to check its accuracy on test set.</a:t>
+            </a:r>
+          </a:p>
+          <a:p>
+            <a:r>
+              <a:rPr lang="en-GB" dirty="0"/>
+              <a:t>Set the model in </a:t>
+            </a:r>
+            <a:r>
+              <a:rPr lang="en-GB" b="1" dirty="0"/>
+              <a:t>eval() mode (good practice for later)</a:t>
+            </a:r>
+            <a:r>
+              <a:rPr lang="en-GB" dirty="0"/>
+              <a:t>.</a:t>
+            </a:r>
+          </a:p>
+          <a:p>
+            <a:r>
+              <a:rPr lang="en-GB" dirty="0"/>
+              <a:t>Predict on </a:t>
+            </a:r>
+            <a:r>
+              <a:rPr lang="en-GB" b="1" dirty="0"/>
+              <a:t>test</a:t>
             </a:r>
             <a:r>
               <a:rPr lang="en-GB" dirty="0"/>
               <a:t> </a:t>
             </a:r>
             <a:r>
-              <a:rPr lang="en-GB" b="1" dirty="0">
-                <a:solidFill>
-                  <a:srgbClr val="7030A0"/>
-                </a:solidFill>
-              </a:rPr>
-              <a:t>Neural</a:t>
-            </a:r>
-            <a:r>
-              <a:rPr lang="en-GB" dirty="0"/>
-              <a:t> </a:t>
-            </a:r>
-            <a:r>
-              <a:rPr lang="en-GB" b="1" dirty="0">
-                <a:solidFill>
-                  <a:srgbClr val="7030A0"/>
-                </a:solidFill>
-              </a:rPr>
-              <a:t>Network</a:t>
+              <a:rPr lang="en-GB" b="1" dirty="0" err="1"/>
+              <a:t>dataloader</a:t>
             </a:r>
             <a:r>
               <a:rPr lang="en-GB" dirty="0"/>
@@ -20625,192 +21682,71 @@
             </a:r>
           </a:p>
           <a:p>
-            <a:pPr marL="0" indent="0">
-              <a:buNone/>
-            </a:pPr>
-            <a:r>
-              <a:rPr lang="en-GB" b="1" dirty="0"/>
-              <a:t>By definition, a deep neural network consists of more than two layers.</a:t>
-            </a:r>
-          </a:p>
-          <a:p>
-            <a:pPr marL="0" indent="0">
-              <a:buNone/>
-            </a:pPr>
-            <a:r>
-              <a:rPr lang="en-GB" dirty="0"/>
-              <a:t>Here we will create a deep neural network with four layers:</a:t>
-            </a:r>
-          </a:p>
-          <a:p>
-            <a:r>
-              <a:rPr lang="en-GB" b="1" dirty="0"/>
-              <a:t>three</a:t>
-            </a:r>
-            <a:r>
-              <a:rPr lang="en-GB" dirty="0"/>
-              <a:t> </a:t>
-            </a:r>
-            <a:r>
-              <a:rPr lang="en-GB" b="1" dirty="0"/>
-              <a:t>linear</a:t>
-            </a:r>
-            <a:r>
-              <a:rPr lang="en-GB" dirty="0"/>
-              <a:t> </a:t>
-            </a:r>
-            <a:r>
-              <a:rPr lang="en-GB" b="1" dirty="0"/>
-              <a:t>layers</a:t>
-            </a:r>
-            <a:r>
-              <a:rPr lang="en-GB" dirty="0"/>
-              <a:t> with </a:t>
-            </a:r>
-            <a:r>
-              <a:rPr lang="en-GB" b="1" dirty="0" err="1"/>
-              <a:t>ReLU</a:t>
-            </a:r>
-            <a:r>
-              <a:rPr lang="en-GB" dirty="0"/>
-              <a:t> activation,</a:t>
-            </a:r>
-          </a:p>
-          <a:p>
-            <a:r>
-              <a:rPr lang="en-GB" dirty="0"/>
-              <a:t>followed by </a:t>
-            </a:r>
-            <a:r>
-              <a:rPr lang="en-GB" b="1" dirty="0"/>
-              <a:t>one</a:t>
-            </a:r>
-            <a:r>
-              <a:rPr lang="en-GB" dirty="0"/>
-              <a:t> </a:t>
-            </a:r>
-            <a:r>
-              <a:rPr lang="en-GB" b="1" dirty="0"/>
-              <a:t>linear</a:t>
-            </a:r>
-            <a:r>
-              <a:rPr lang="en-GB" dirty="0"/>
-              <a:t> </a:t>
-            </a:r>
-            <a:r>
-              <a:rPr lang="en-GB" b="1" dirty="0"/>
-              <a:t>layer</a:t>
-            </a:r>
-            <a:r>
-              <a:rPr lang="en-GB" dirty="0"/>
-              <a:t>, finished with a </a:t>
-            </a:r>
-            <a:r>
-              <a:rPr lang="en-GB" b="1" dirty="0" err="1"/>
-              <a:t>softmax</a:t>
-            </a:r>
-            <a:r>
-              <a:rPr lang="en-GB" dirty="0"/>
-              <a:t> </a:t>
-            </a:r>
-            <a:r>
-              <a:rPr lang="en-GB" b="1" dirty="0"/>
-              <a:t>activation</a:t>
-            </a:r>
-            <a:r>
-              <a:rPr lang="en-GB" dirty="0"/>
-              <a:t>.</a:t>
-            </a:r>
+            <a:r>
+              <a:rPr lang="en-GB" dirty="0"/>
+              <a:t>Calculate </a:t>
+            </a:r>
+            <a:r>
+              <a:rPr lang="en-GB" b="1" dirty="0"/>
+              <a:t>accuracy</a:t>
+            </a:r>
+            <a:r>
+              <a:rPr lang="en-GB" dirty="0"/>
+              <a:t> manually</a:t>
+            </a:r>
+            <a:br>
+              <a:rPr lang="en-GB" dirty="0"/>
+            </a:br>
+            <a:r>
+              <a:rPr lang="en-GB" dirty="0"/>
+              <a:t>(we could have probably also used a torch function to do that).</a:t>
+            </a:r>
+          </a:p>
+          <a:p>
+            <a:r>
+              <a:rPr lang="en-GB" b="1" dirty="0"/>
+              <a:t>97% = nicely trained model!</a:t>
+            </a:r>
+          </a:p>
+          <a:p>
+            <a:endParaRPr lang="en-SG" dirty="0"/>
           </a:p>
         </p:txBody>
       </p:sp>
-      <p:sp>
-        <p:nvSpPr>
-          <p:cNvPr id="4" name="Content Placeholder 3">
+      <p:pic>
+        <p:nvPicPr>
+          <p:cNvPr id="4" name="Picture 3">
             <a:extLst>
               <a:ext uri="{FF2B5EF4-FFF2-40B4-BE49-F238E27FC236}">
-                <a16:creationId xmlns:a16="http://schemas.microsoft.com/office/drawing/2014/main" id="{77147CE6-9948-1412-0650-A43164C7A53D}"/>
+                <a16:creationId xmlns:a16="http://schemas.microsoft.com/office/drawing/2014/main" id="{3F8C9528-03CA-7CE2-2FC1-C6013EF26C04}"/>
               </a:ext>
             </a:extLst>
           </p:cNvPr>
-          <p:cNvSpPr>
-            <a:spLocks noGrp="1"/>
-          </p:cNvSpPr>
-          <p:nvPr>
-            <p:ph sz="half" idx="2"/>
-          </p:nvPr>
-        </p:nvSpPr>
+          <p:cNvPicPr>
+            <a:picLocks noChangeAspect="1"/>
+          </p:cNvPicPr>
+          <p:nvPr/>
+        </p:nvPicPr>
+        <p:blipFill>
+          <a:blip r:embed="rId2"/>
+          <a:stretch>
+            <a:fillRect/>
+          </a:stretch>
+        </p:blipFill>
         <p:spPr>
           <a:xfrm>
-            <a:off x="6172200" y="1825624"/>
-            <a:ext cx="5636846" cy="5032375"/>
+            <a:off x="6172202" y="1769295"/>
+            <a:ext cx="5896798" cy="4629796"/>
           </a:xfrm>
+          <a:prstGeom prst="rect">
+            <a:avLst/>
+          </a:prstGeom>
         </p:spPr>
-        <p:txBody>
-          <a:bodyPr>
-            <a:normAutofit fontScale="92500" lnSpcReduction="10000"/>
-          </a:bodyPr>
-          <a:lstStyle/>
-          <a:p>
-            <a:pPr marL="0" indent="0">
-              <a:buNone/>
-            </a:pPr>
-            <a:r>
-              <a:rPr lang="en-GB" dirty="0"/>
-              <a:t>In general, </a:t>
-            </a:r>
-            <a:r>
-              <a:rPr lang="en-GB" b="1" dirty="0"/>
-              <a:t>it is good practice to have the size decrease progressively by a factor of at least 2 from one layer to another</a:t>
-            </a:r>
-            <a:r>
-              <a:rPr lang="en-GB" dirty="0"/>
-              <a:t>.</a:t>
-            </a:r>
-          </a:p>
-          <a:p>
-            <a:pPr marL="0" indent="0">
-              <a:buNone/>
-            </a:pPr>
-            <a:r>
-              <a:rPr lang="en-GB" dirty="0"/>
-              <a:t>For instance, we decided here, to have</a:t>
-            </a:r>
-          </a:p>
-          <a:p>
-            <a:r>
-              <a:rPr lang="en-GB" dirty="0"/>
-              <a:t>the first layer receive inputs of size 784 and produce outputs of size 80,</a:t>
-            </a:r>
-          </a:p>
-          <a:p>
-            <a:r>
-              <a:rPr lang="en-GB" dirty="0"/>
-              <a:t>the second layer receive inputs of size 80 and produce outputs of size 80,</a:t>
-            </a:r>
-          </a:p>
-          <a:p>
-            <a:r>
-              <a:rPr lang="en-GB" dirty="0"/>
-              <a:t>the third layer receive inputs of size 40 and produce outputs of size 40,</a:t>
-            </a:r>
-          </a:p>
-          <a:p>
-            <a:r>
-              <a:rPr lang="en-GB" dirty="0"/>
-              <a:t>and the fourth layer receive inputs of size 20 and produce outputs of size 10.</a:t>
-            </a:r>
-            <a:endParaRPr lang="en-SG" dirty="0"/>
-          </a:p>
-          <a:p>
-            <a:endParaRPr lang="en-SG" dirty="0"/>
-          </a:p>
-        </p:txBody>
-      </p:sp>
+      </p:pic>
     </p:spTree>
     <p:extLst>
       <p:ext uri="{BB962C8B-B14F-4D97-AF65-F5344CB8AC3E}">
-        <p14:creationId xmlns:p14="http://schemas.microsoft.com/office/powerpoint/2010/main" val="4039171501"/>
+        <p14:creationId xmlns:p14="http://schemas.microsoft.com/office/powerpoint/2010/main" val="507741553"/>
       </p:ext>
     </p:extLst>
   </p:cSld>
@@ -20820,7 +21756,7 @@
 </p:sld>
 </file>
 
-<file path=ppt/slides/slide41.xml><?xml version="1.0" encoding="utf-8"?>
+<file path=ppt/slides/slide42.xml><?xml version="1.0" encoding="utf-8"?>
 <p:sld xmlns:a="http://schemas.openxmlformats.org/drawingml/2006/main" xmlns:r="http://schemas.openxmlformats.org/officeDocument/2006/relationships" xmlns:p="http://schemas.openxmlformats.org/presentationml/2006/main">
   <p:cSld>
     <p:spTree>
@@ -20860,6 +21796,369 @@
           <a:p>
             <a:r>
               <a:rPr lang="en-GB" dirty="0"/>
+              <a:t>It is now time…</a:t>
+            </a:r>
+            <a:endParaRPr lang="en-SG" dirty="0"/>
+          </a:p>
+        </p:txBody>
+      </p:sp>
+      <p:sp>
+        <p:nvSpPr>
+          <p:cNvPr id="3" name="Content Placeholder 2">
+            <a:extLst>
+              <a:ext uri="{FF2B5EF4-FFF2-40B4-BE49-F238E27FC236}">
+                <a16:creationId xmlns:a16="http://schemas.microsoft.com/office/drawing/2014/main" id="{63E638E1-0E19-7F02-7FE0-49EBCE47EBFA}"/>
+              </a:ext>
+            </a:extLst>
+          </p:cNvPr>
+          <p:cNvSpPr>
+            <a:spLocks noGrp="1"/>
+          </p:cNvSpPr>
+          <p:nvPr>
+            <p:ph idx="1"/>
+          </p:nvPr>
+        </p:nvSpPr>
+        <p:spPr/>
+        <p:txBody>
+          <a:bodyPr>
+            <a:normAutofit/>
+          </a:bodyPr>
+          <a:lstStyle/>
+          <a:p>
+            <a:pPr marL="0" indent="0">
+              <a:buNone/>
+            </a:pPr>
+            <a:r>
+              <a:rPr lang="en-GB" dirty="0"/>
+              <a:t>It is now time for us to define and train our first </a:t>
+            </a:r>
+            <a:r>
+              <a:rPr lang="en-GB" b="1" dirty="0">
+                <a:solidFill>
+                  <a:srgbClr val="7030A0"/>
+                </a:solidFill>
+              </a:rPr>
+              <a:t>Deep</a:t>
+            </a:r>
+            <a:r>
+              <a:rPr lang="en-GB" dirty="0"/>
+              <a:t> </a:t>
+            </a:r>
+            <a:r>
+              <a:rPr lang="en-GB" b="1" dirty="0">
+                <a:solidFill>
+                  <a:srgbClr val="7030A0"/>
+                </a:solidFill>
+              </a:rPr>
+              <a:t>Neural</a:t>
+            </a:r>
+            <a:r>
+              <a:rPr lang="en-GB" dirty="0"/>
+              <a:t> </a:t>
+            </a:r>
+            <a:r>
+              <a:rPr lang="en-GB" b="1" dirty="0">
+                <a:solidFill>
+                  <a:srgbClr val="7030A0"/>
+                </a:solidFill>
+              </a:rPr>
+              <a:t>Network</a:t>
+            </a:r>
+            <a:r>
+              <a:rPr lang="en-GB" dirty="0"/>
+              <a:t>.</a:t>
+            </a:r>
+          </a:p>
+          <a:p>
+            <a:pPr marL="0" indent="0">
+              <a:buNone/>
+            </a:pPr>
+            <a:r>
+              <a:rPr lang="en-GB" b="1" dirty="0"/>
+              <a:t>By definition, a deep neural network consists of more than two layers.</a:t>
+            </a:r>
+          </a:p>
+          <a:p>
+            <a:pPr marL="0" indent="0">
+              <a:buNone/>
+            </a:pPr>
+            <a:r>
+              <a:rPr lang="en-GB" dirty="0"/>
+              <a:t>Here we will create a deep neural network with four layers:</a:t>
+            </a:r>
+          </a:p>
+          <a:p>
+            <a:r>
+              <a:rPr lang="en-GB" b="1" dirty="0"/>
+              <a:t>three</a:t>
+            </a:r>
+            <a:r>
+              <a:rPr lang="en-GB" dirty="0"/>
+              <a:t> </a:t>
+            </a:r>
+            <a:r>
+              <a:rPr lang="en-GB" b="1" dirty="0"/>
+              <a:t>linear</a:t>
+            </a:r>
+            <a:r>
+              <a:rPr lang="en-GB" dirty="0"/>
+              <a:t> </a:t>
+            </a:r>
+            <a:r>
+              <a:rPr lang="en-GB" b="1" dirty="0"/>
+              <a:t>layers</a:t>
+            </a:r>
+            <a:r>
+              <a:rPr lang="en-GB" dirty="0"/>
+              <a:t> with </a:t>
+            </a:r>
+            <a:r>
+              <a:rPr lang="en-GB" b="1" dirty="0" err="1"/>
+              <a:t>ReLU</a:t>
+            </a:r>
+            <a:r>
+              <a:rPr lang="en-GB" dirty="0"/>
+              <a:t> activation,</a:t>
+            </a:r>
+          </a:p>
+          <a:p>
+            <a:r>
+              <a:rPr lang="en-GB" dirty="0"/>
+              <a:t>followed by </a:t>
+            </a:r>
+            <a:r>
+              <a:rPr lang="en-GB" b="1" dirty="0"/>
+              <a:t>one</a:t>
+            </a:r>
+            <a:r>
+              <a:rPr lang="en-GB" dirty="0"/>
+              <a:t> </a:t>
+            </a:r>
+            <a:r>
+              <a:rPr lang="en-GB" b="1" dirty="0"/>
+              <a:t>linear</a:t>
+            </a:r>
+            <a:r>
+              <a:rPr lang="en-GB" dirty="0"/>
+              <a:t> </a:t>
+            </a:r>
+            <a:r>
+              <a:rPr lang="en-GB" b="1" dirty="0"/>
+              <a:t>layer</a:t>
+            </a:r>
+            <a:r>
+              <a:rPr lang="en-GB" dirty="0"/>
+              <a:t>, finished with a </a:t>
+            </a:r>
+            <a:r>
+              <a:rPr lang="en-GB" b="1" dirty="0" err="1"/>
+              <a:t>softmax</a:t>
+            </a:r>
+            <a:r>
+              <a:rPr lang="en-GB" dirty="0"/>
+              <a:t> </a:t>
+            </a:r>
+            <a:r>
+              <a:rPr lang="en-GB" b="1" dirty="0"/>
+              <a:t>activation</a:t>
+            </a:r>
+            <a:r>
+              <a:rPr lang="en-GB" dirty="0"/>
+              <a:t>.</a:t>
+            </a:r>
+          </a:p>
+        </p:txBody>
+      </p:sp>
+    </p:spTree>
+    <p:extLst>
+      <p:ext uri="{BB962C8B-B14F-4D97-AF65-F5344CB8AC3E}">
+        <p14:creationId xmlns:p14="http://schemas.microsoft.com/office/powerpoint/2010/main" val="4039171501"/>
+      </p:ext>
+    </p:extLst>
+  </p:cSld>
+  <p:clrMapOvr>
+    <a:masterClrMapping/>
+  </p:clrMapOvr>
+</p:sld>
+</file>
+
+<file path=ppt/slides/slide43.xml><?xml version="1.0" encoding="utf-8"?>
+<p:sld xmlns:a="http://schemas.openxmlformats.org/drawingml/2006/main" xmlns:r="http://schemas.openxmlformats.org/officeDocument/2006/relationships" xmlns:p="http://schemas.openxmlformats.org/presentationml/2006/main">
+  <p:cSld>
+    <p:spTree>
+      <p:nvGrpSpPr>
+        <p:cNvPr id="1" name=""/>
+        <p:cNvGrpSpPr/>
+        <p:nvPr/>
+      </p:nvGrpSpPr>
+      <p:grpSpPr>
+        <a:xfrm>
+          <a:off x="0" y="0"/>
+          <a:ext cx="0" cy="0"/>
+          <a:chOff x="0" y="0"/>
+          <a:chExt cx="0" cy="0"/>
+        </a:xfrm>
+      </p:grpSpPr>
+      <p:sp>
+        <p:nvSpPr>
+          <p:cNvPr id="2" name="Title 1">
+            <a:extLst>
+              <a:ext uri="{FF2B5EF4-FFF2-40B4-BE49-F238E27FC236}">
+                <a16:creationId xmlns:a16="http://schemas.microsoft.com/office/drawing/2014/main" id="{AC1D82E3-0CF1-4CB6-B079-94D3470FB21B}"/>
+              </a:ext>
+            </a:extLst>
+          </p:cNvPr>
+          <p:cNvSpPr>
+            <a:spLocks noGrp="1"/>
+          </p:cNvSpPr>
+          <p:nvPr>
+            <p:ph type="title"/>
+          </p:nvPr>
+        </p:nvSpPr>
+        <p:spPr/>
+        <p:txBody>
+          <a:bodyPr/>
+          <a:lstStyle/>
+          <a:p>
+            <a:r>
+              <a:rPr lang="en-GB" dirty="0"/>
+              <a:t>It is now time…</a:t>
+            </a:r>
+            <a:endParaRPr lang="en-SG" dirty="0"/>
+          </a:p>
+        </p:txBody>
+      </p:sp>
+      <p:sp>
+        <p:nvSpPr>
+          <p:cNvPr id="3" name="Content Placeholder 2">
+            <a:extLst>
+              <a:ext uri="{FF2B5EF4-FFF2-40B4-BE49-F238E27FC236}">
+                <a16:creationId xmlns:a16="http://schemas.microsoft.com/office/drawing/2014/main" id="{63E638E1-0E19-7F02-7FE0-49EBCE47EBFA}"/>
+              </a:ext>
+            </a:extLst>
+          </p:cNvPr>
+          <p:cNvSpPr>
+            <a:spLocks noGrp="1"/>
+          </p:cNvSpPr>
+          <p:nvPr>
+            <p:ph idx="1"/>
+          </p:nvPr>
+        </p:nvSpPr>
+        <p:spPr/>
+        <p:txBody>
+          <a:bodyPr>
+            <a:normAutofit fontScale="92500"/>
+          </a:bodyPr>
+          <a:lstStyle/>
+          <a:p>
+            <a:pPr marL="0" indent="0">
+              <a:buNone/>
+            </a:pPr>
+            <a:r>
+              <a:rPr lang="en-GB" dirty="0"/>
+              <a:t>In general, </a:t>
+            </a:r>
+            <a:r>
+              <a:rPr lang="en-GB" b="1" dirty="0"/>
+              <a:t>it is good practice to have the size decrease progressively by a factor of at least 2 from one layer to another</a:t>
+            </a:r>
+            <a:r>
+              <a:rPr lang="en-GB" dirty="0"/>
+              <a:t>.</a:t>
+            </a:r>
+          </a:p>
+          <a:p>
+            <a:pPr marL="0" indent="0">
+              <a:buNone/>
+            </a:pPr>
+            <a:r>
+              <a:rPr lang="en-GB" dirty="0"/>
+              <a:t>For instance, we decided here, to have</a:t>
+            </a:r>
+          </a:p>
+          <a:p>
+            <a:r>
+              <a:rPr lang="en-GB" dirty="0"/>
+              <a:t>the first layer receive inputs of size 784 and produce outputs of size 80,</a:t>
+            </a:r>
+          </a:p>
+          <a:p>
+            <a:r>
+              <a:rPr lang="en-GB" dirty="0"/>
+              <a:t>the second layer receive inputs of size 80 and produce outputs of size 40,</a:t>
+            </a:r>
+          </a:p>
+          <a:p>
+            <a:r>
+              <a:rPr lang="en-GB" dirty="0"/>
+              <a:t>the third layer receive inputs of size 40 and produce outputs of size 20,</a:t>
+            </a:r>
+          </a:p>
+          <a:p>
+            <a:r>
+              <a:rPr lang="en-GB" dirty="0"/>
+              <a:t>and the fourth layer receive inputs of size 20 and produce outputs of size 10.</a:t>
+            </a:r>
+            <a:endParaRPr lang="en-SG" dirty="0"/>
+          </a:p>
+          <a:p>
+            <a:endParaRPr lang="en-SG" dirty="0"/>
+          </a:p>
+        </p:txBody>
+      </p:sp>
+    </p:spTree>
+    <p:extLst>
+      <p:ext uri="{BB962C8B-B14F-4D97-AF65-F5344CB8AC3E}">
+        <p14:creationId xmlns:p14="http://schemas.microsoft.com/office/powerpoint/2010/main" val="2441798468"/>
+      </p:ext>
+    </p:extLst>
+  </p:cSld>
+  <p:clrMapOvr>
+    <a:masterClrMapping/>
+  </p:clrMapOvr>
+</p:sld>
+</file>
+
+<file path=ppt/slides/slide44.xml><?xml version="1.0" encoding="utf-8"?>
+<p:sld xmlns:a="http://schemas.openxmlformats.org/drawingml/2006/main" xmlns:r="http://schemas.openxmlformats.org/officeDocument/2006/relationships" xmlns:p="http://schemas.openxmlformats.org/presentationml/2006/main">
+  <p:cSld>
+    <p:spTree>
+      <p:nvGrpSpPr>
+        <p:cNvPr id="1" name=""/>
+        <p:cNvGrpSpPr/>
+        <p:nvPr/>
+      </p:nvGrpSpPr>
+      <p:grpSpPr>
+        <a:xfrm>
+          <a:off x="0" y="0"/>
+          <a:ext cx="0" cy="0"/>
+          <a:chOff x="0" y="0"/>
+          <a:chExt cx="0" cy="0"/>
+        </a:xfrm>
+      </p:grpSpPr>
+      <p:sp>
+        <p:nvSpPr>
+          <p:cNvPr id="2" name="Title 1">
+            <a:extLst>
+              <a:ext uri="{FF2B5EF4-FFF2-40B4-BE49-F238E27FC236}">
+                <a16:creationId xmlns:a16="http://schemas.microsoft.com/office/drawing/2014/main" id="{AC1D82E3-0CF1-4CB6-B079-94D3470FB21B}"/>
+              </a:ext>
+            </a:extLst>
+          </p:cNvPr>
+          <p:cNvSpPr>
+            <a:spLocks noGrp="1"/>
+          </p:cNvSpPr>
+          <p:nvPr>
+            <p:ph type="title"/>
+          </p:nvPr>
+        </p:nvSpPr>
+        <p:spPr/>
+        <p:txBody>
+          <a:bodyPr/>
+          <a:lstStyle/>
+          <a:p>
+            <a:r>
+              <a:rPr lang="en-GB" dirty="0"/>
               <a:t>Creating blocks</a:t>
             </a:r>
             <a:endParaRPr lang="en-SG" dirty="0"/>
@@ -20890,7 +22189,7 @@
         </p:spPr>
         <p:txBody>
           <a:bodyPr>
-            <a:normAutofit fontScale="92500"/>
+            <a:normAutofit lnSpcReduction="10000"/>
           </a:bodyPr>
           <a:lstStyle/>
           <a:p>
@@ -20899,7 +22198,7 @@
             </a:pPr>
             <a:r>
               <a:rPr lang="en-GB" b="1" dirty="0"/>
-              <a:t>Good practice (another one): create building blocks for modularity in your neural networks.</a:t>
+              <a:t>Good practice (another one): create building blocks for modularity.</a:t>
             </a:r>
           </a:p>
           <a:p>
@@ -20980,46 +22279,6 @@
             <a:r>
               <a:rPr lang="en-GB" b="1" dirty="0"/>
               <a:t>activation</a:t>
-            </a:r>
-            <a:r>
-              <a:rPr lang="en-GB" dirty="0"/>
-              <a:t> </a:t>
-            </a:r>
-            <a:r>
-              <a:rPr lang="en-GB" b="1" dirty="0"/>
-              <a:t>function</a:t>
-            </a:r>
-            <a:r>
-              <a:rPr lang="en-GB" dirty="0"/>
-              <a:t> </a:t>
-            </a:r>
-            <a:r>
-              <a:rPr lang="en-GB" b="1" dirty="0"/>
-              <a:t>after</a:t>
-            </a:r>
-            <a:r>
-              <a:rPr lang="en-GB" dirty="0"/>
-              <a:t> </a:t>
-            </a:r>
-            <a:r>
-              <a:rPr lang="en-GB" b="1" dirty="0"/>
-              <a:t>the</a:t>
-            </a:r>
-            <a:r>
-              <a:rPr lang="en-GB" dirty="0"/>
-              <a:t> </a:t>
-            </a:r>
-            <a:r>
-              <a:rPr lang="en-GB" b="1" dirty="0"/>
-              <a:t>linear</a:t>
-            </a:r>
-            <a:r>
-              <a:rPr lang="en-GB" dirty="0"/>
-              <a:t> </a:t>
-            </a:r>
-            <a:r>
-              <a:rPr lang="en-GB" b="1" dirty="0"/>
-              <a:t>layer</a:t>
             </a:r>
             <a:r>
               <a:rPr lang="en-GB" dirty="0"/>
@@ -21052,7 +22311,7 @@
             </a:r>
             <a:r>
               <a:rPr lang="en-GB" dirty="0"/>
-              <a:t>, for the same reason as before.</a:t>
+              <a:t> as final activation, for the same reason as before.</a:t>
             </a:r>
           </a:p>
         </p:txBody>
@@ -21100,7 +22359,7 @@
 </p:sld>
 </file>
 
-<file path=ppt/slides/slide42.xml><?xml version="1.0" encoding="utf-8"?>
+<file path=ppt/slides/slide45.xml><?xml version="1.0" encoding="utf-8"?>
 <p:sld xmlns:a="http://schemas.openxmlformats.org/drawingml/2006/main" xmlns:r="http://schemas.openxmlformats.org/officeDocument/2006/relationships" xmlns:p="http://schemas.openxmlformats.org/presentationml/2006/main">
   <p:cSld>
     <p:spTree>
@@ -21337,7 +22596,7 @@
 </p:sld>
 </file>
 
-<file path=ppt/slides/slide43.xml><?xml version="1.0" encoding="utf-8"?>
+<file path=ppt/slides/slide46.xml><?xml version="1.0" encoding="utf-8"?>
 <p:sld xmlns:a="http://schemas.openxmlformats.org/drawingml/2006/main" xmlns:r="http://schemas.openxmlformats.org/officeDocument/2006/relationships" xmlns:p="http://schemas.openxmlformats.org/presentationml/2006/main">
   <p:cSld>
     <p:spTree>
@@ -21407,7 +22666,7 @@
         </p:spPr>
         <p:txBody>
           <a:bodyPr>
-            <a:normAutofit fontScale="92500" lnSpcReduction="10000"/>
+            <a:normAutofit/>
           </a:bodyPr>
           <a:lstStyle/>
           <a:p>
@@ -21429,19 +22688,6 @@
             <a:r>
               <a:rPr lang="en-GB" dirty="0"/>
               <a:t>It is then passed through the combined layers we have assembled in Sequential().</a:t>
-            </a:r>
-          </a:p>
-          <a:p>
-            <a:pPr marL="0" indent="0">
-              <a:buNone/>
-            </a:pPr>
-            <a:r>
-              <a:rPr lang="en-GB" b="1" dirty="0">
-                <a:solidFill>
-                  <a:srgbClr val="7030A0"/>
-                </a:solidFill>
-              </a:rPr>
-              <a:t>This modular approach, defining blocks of layers and eventually assembling them in a larger network, is very common in deep neural networks, especially when the architectures are very heavy and include many layers.</a:t>
             </a:r>
           </a:p>
         </p:txBody>
@@ -21519,7 +22765,210 @@
 </p:sld>
 </file>
 
-<file path=ppt/slides/slide44.xml><?xml version="1.0" encoding="utf-8"?>
+<file path=ppt/slides/slide47.xml><?xml version="1.0" encoding="utf-8"?>
+<p:sld xmlns:a="http://schemas.openxmlformats.org/drawingml/2006/main" xmlns:r="http://schemas.openxmlformats.org/officeDocument/2006/relationships" xmlns:p="http://schemas.openxmlformats.org/presentationml/2006/main">
+  <p:cSld>
+    <p:spTree>
+      <p:nvGrpSpPr>
+        <p:cNvPr id="1" name=""/>
+        <p:cNvGrpSpPr/>
+        <p:nvPr/>
+      </p:nvGrpSpPr>
+      <p:grpSpPr>
+        <a:xfrm>
+          <a:off x="0" y="0"/>
+          <a:ext cx="0" cy="0"/>
+          <a:chOff x="0" y="0"/>
+          <a:chExt cx="0" cy="0"/>
+        </a:xfrm>
+      </p:grpSpPr>
+      <p:sp>
+        <p:nvSpPr>
+          <p:cNvPr id="2" name="Title 1">
+            <a:extLst>
+              <a:ext uri="{FF2B5EF4-FFF2-40B4-BE49-F238E27FC236}">
+                <a16:creationId xmlns:a16="http://schemas.microsoft.com/office/drawing/2014/main" id="{AC1D82E3-0CF1-4CB6-B079-94D3470FB21B}"/>
+              </a:ext>
+            </a:extLst>
+          </p:cNvPr>
+          <p:cNvSpPr>
+            <a:spLocks noGrp="1"/>
+          </p:cNvSpPr>
+          <p:nvPr>
+            <p:ph type="title"/>
+          </p:nvPr>
+        </p:nvSpPr>
+        <p:spPr/>
+        <p:txBody>
+          <a:bodyPr/>
+          <a:lstStyle/>
+          <a:p>
+            <a:r>
+              <a:rPr lang="en-GB" dirty="0"/>
+              <a:t>Creating blocks</a:t>
+            </a:r>
+            <a:endParaRPr lang="en-SG" dirty="0"/>
+          </a:p>
+        </p:txBody>
+      </p:sp>
+      <p:sp>
+        <p:nvSpPr>
+          <p:cNvPr id="3" name="Content Placeholder 2">
+            <a:extLst>
+              <a:ext uri="{FF2B5EF4-FFF2-40B4-BE49-F238E27FC236}">
+                <a16:creationId xmlns:a16="http://schemas.microsoft.com/office/drawing/2014/main" id="{63E638E1-0E19-7F02-7FE0-49EBCE47EBFA}"/>
+              </a:ext>
+            </a:extLst>
+          </p:cNvPr>
+          <p:cNvSpPr>
+            <a:spLocks noGrp="1"/>
+          </p:cNvSpPr>
+          <p:nvPr>
+            <p:ph sz="half" idx="1"/>
+          </p:nvPr>
+        </p:nvSpPr>
+        <p:spPr>
+          <a:xfrm>
+            <a:off x="838200" y="1825625"/>
+            <a:ext cx="5181600" cy="5032374"/>
+          </a:xfrm>
+        </p:spPr>
+        <p:txBody>
+          <a:bodyPr>
+            <a:normAutofit/>
+          </a:bodyPr>
+          <a:lstStyle/>
+          <a:p>
+            <a:pPr marL="0" indent="0">
+              <a:buNone/>
+            </a:pPr>
+            <a:r>
+              <a:rPr lang="en-GB" b="1" dirty="0"/>
+              <a:t>Good practice: </a:t>
+            </a:r>
+            <a:r>
+              <a:rPr lang="en-GB" dirty="0"/>
+              <a:t>This modular approach,</a:t>
+            </a:r>
+          </a:p>
+          <a:p>
+            <a:r>
+              <a:rPr lang="en-GB" b="1" dirty="0"/>
+              <a:t>defining blocks of layers,</a:t>
+            </a:r>
+          </a:p>
+          <a:p>
+            <a:r>
+              <a:rPr lang="en-GB" dirty="0"/>
+              <a:t>and eventually </a:t>
+            </a:r>
+            <a:r>
+              <a:rPr lang="en-GB" b="1" dirty="0"/>
+              <a:t>assembling them in a larger Deep Neural Network </a:t>
+            </a:r>
+            <a:r>
+              <a:rPr lang="en-GB" b="1" dirty="0" err="1"/>
+              <a:t>network</a:t>
+            </a:r>
+            <a:r>
+              <a:rPr lang="en-GB" dirty="0"/>
+              <a:t>,</a:t>
+            </a:r>
+          </a:p>
+          <a:p>
+            <a:pPr marL="0" indent="0">
+              <a:buNone/>
+            </a:pPr>
+            <a:r>
+              <a:rPr lang="en-GB" dirty="0"/>
+              <a:t>is very common in deep neural networks, especially when the architectures are very heavy and include many layers.</a:t>
+            </a:r>
+          </a:p>
+          <a:p>
+            <a:pPr marL="0" indent="0">
+              <a:buNone/>
+            </a:pPr>
+            <a:r>
+              <a:rPr lang="en-GB" dirty="0"/>
+              <a:t>Organize the mess!</a:t>
+            </a:r>
+          </a:p>
+        </p:txBody>
+      </p:sp>
+      <p:pic>
+        <p:nvPicPr>
+          <p:cNvPr id="4" name="Picture 3">
+            <a:extLst>
+              <a:ext uri="{FF2B5EF4-FFF2-40B4-BE49-F238E27FC236}">
+                <a16:creationId xmlns:a16="http://schemas.microsoft.com/office/drawing/2014/main" id="{CB5D2652-D490-2FE4-7503-4B66383E7CBD}"/>
+              </a:ext>
+            </a:extLst>
+          </p:cNvPr>
+          <p:cNvPicPr>
+            <a:picLocks noChangeAspect="1"/>
+          </p:cNvPicPr>
+          <p:nvPr/>
+        </p:nvPicPr>
+        <p:blipFill>
+          <a:blip r:embed="rId2"/>
+          <a:stretch>
+            <a:fillRect/>
+          </a:stretch>
+        </p:blipFill>
+        <p:spPr>
+          <a:xfrm>
+            <a:off x="6096000" y="264063"/>
+            <a:ext cx="6019798" cy="5142541"/>
+          </a:xfrm>
+          <a:prstGeom prst="rect">
+            <a:avLst/>
+          </a:prstGeom>
+        </p:spPr>
+      </p:pic>
+      <p:pic>
+        <p:nvPicPr>
+          <p:cNvPr id="5" name="Picture 4">
+            <a:extLst>
+              <a:ext uri="{FF2B5EF4-FFF2-40B4-BE49-F238E27FC236}">
+                <a16:creationId xmlns:a16="http://schemas.microsoft.com/office/drawing/2014/main" id="{04BE87CC-6D9A-21CA-4052-9CC25E51F1B6}"/>
+              </a:ext>
+            </a:extLst>
+          </p:cNvPr>
+          <p:cNvPicPr>
+            <a:picLocks noChangeAspect="1"/>
+          </p:cNvPicPr>
+          <p:nvPr/>
+        </p:nvPicPr>
+        <p:blipFill>
+          <a:blip r:embed="rId3"/>
+          <a:stretch>
+            <a:fillRect/>
+          </a:stretch>
+        </p:blipFill>
+        <p:spPr>
+          <a:xfrm>
+            <a:off x="5590262" y="6007086"/>
+            <a:ext cx="6525536" cy="838317"/>
+          </a:xfrm>
+          <a:prstGeom prst="rect">
+            <a:avLst/>
+          </a:prstGeom>
+        </p:spPr>
+      </p:pic>
+    </p:spTree>
+    <p:extLst>
+      <p:ext uri="{BB962C8B-B14F-4D97-AF65-F5344CB8AC3E}">
+        <p14:creationId xmlns:p14="http://schemas.microsoft.com/office/powerpoint/2010/main" val="491711875"/>
+      </p:ext>
+    </p:extLst>
+  </p:cSld>
+  <p:clrMapOvr>
+    <a:masterClrMapping/>
+  </p:clrMapOvr>
+</p:sld>
+</file>
+
+<file path=ppt/slides/slide48.xml><?xml version="1.0" encoding="utf-8"?>
 <p:sld xmlns:a="http://schemas.openxmlformats.org/drawingml/2006/main" xmlns:r="http://schemas.openxmlformats.org/officeDocument/2006/relationships" xmlns:p="http://schemas.openxmlformats.org/presentationml/2006/main">
   <p:cSld>
     <p:spTree>
@@ -21608,7 +23057,7 @@
 </p:sld>
 </file>
 
-<file path=ppt/slides/slide45.xml><?xml version="1.0" encoding="utf-8"?>
+<file path=ppt/slides/slide49.xml><?xml version="1.0" encoding="utf-8"?>
 <p:sld xmlns:a="http://schemas.openxmlformats.org/drawingml/2006/main" xmlns:r="http://schemas.openxmlformats.org/officeDocument/2006/relationships" xmlns:p="http://schemas.openxmlformats.org/presentationml/2006/main">
   <p:cSld>
     <p:spTree>
@@ -21737,7 +23186,190 @@
 </p:sld>
 </file>
 
-<file path=ppt/slides/slide46.xml><?xml version="1.0" encoding="utf-8"?>
+<file path=ppt/slides/slide5.xml><?xml version="1.0" encoding="utf-8"?>
+<p:sld xmlns:a="http://schemas.openxmlformats.org/drawingml/2006/main" xmlns:r="http://schemas.openxmlformats.org/officeDocument/2006/relationships" xmlns:p="http://schemas.openxmlformats.org/presentationml/2006/main">
+  <p:cSld>
+    <p:spTree>
+      <p:nvGrpSpPr>
+        <p:cNvPr id="1" name=""/>
+        <p:cNvGrpSpPr/>
+        <p:nvPr/>
+      </p:nvGrpSpPr>
+      <p:grpSpPr>
+        <a:xfrm>
+          <a:off x="0" y="0"/>
+          <a:ext cx="0" cy="0"/>
+          <a:chOff x="0" y="0"/>
+          <a:chExt cx="0" cy="0"/>
+        </a:xfrm>
+      </p:grpSpPr>
+      <p:sp>
+        <p:nvSpPr>
+          <p:cNvPr id="5" name="Title 4">
+            <a:extLst>
+              <a:ext uri="{FF2B5EF4-FFF2-40B4-BE49-F238E27FC236}">
+                <a16:creationId xmlns:a16="http://schemas.microsoft.com/office/drawing/2014/main" id="{FD86860C-A975-6A1D-2657-944DB1F94C8A}"/>
+              </a:ext>
+            </a:extLst>
+          </p:cNvPr>
+          <p:cNvSpPr>
+            <a:spLocks noGrp="1"/>
+          </p:cNvSpPr>
+          <p:nvPr>
+            <p:ph type="title"/>
+          </p:nvPr>
+        </p:nvSpPr>
+        <p:spPr/>
+        <p:txBody>
+          <a:bodyPr/>
+          <a:lstStyle/>
+          <a:p>
+            <a:r>
+              <a:rPr lang="en-GB" dirty="0"/>
+              <a:t>To summarize (last two sessions)</a:t>
+            </a:r>
+            <a:endParaRPr lang="en-SG" dirty="0"/>
+          </a:p>
+        </p:txBody>
+      </p:sp>
+      <p:sp>
+        <p:nvSpPr>
+          <p:cNvPr id="6" name="Text Placeholder 5">
+            <a:extLst>
+              <a:ext uri="{FF2B5EF4-FFF2-40B4-BE49-F238E27FC236}">
+                <a16:creationId xmlns:a16="http://schemas.microsoft.com/office/drawing/2014/main" id="{5282BC02-8C8A-BDB1-A192-B4E530ACD8B1}"/>
+              </a:ext>
+            </a:extLst>
+          </p:cNvPr>
+          <p:cNvSpPr>
+            <a:spLocks noGrp="1"/>
+          </p:cNvSpPr>
+          <p:nvPr>
+            <p:ph idx="1"/>
+          </p:nvPr>
+        </p:nvSpPr>
+        <p:spPr>
+          <a:xfrm>
+            <a:off x="838200" y="1825624"/>
+            <a:ext cx="10515600" cy="5032375"/>
+          </a:xfrm>
+        </p:spPr>
+        <p:txBody>
+          <a:bodyPr>
+            <a:normAutofit lnSpcReduction="10000"/>
+          </a:bodyPr>
+          <a:lstStyle/>
+          <a:p>
+            <a:pPr marL="0" indent="0">
+              <a:buNone/>
+            </a:pPr>
+            <a:r>
+              <a:rPr lang="en-GB" dirty="0"/>
+              <a:t>We now have a full Neural Network class, in </a:t>
+            </a:r>
+            <a:r>
+              <a:rPr lang="en-GB" dirty="0" err="1"/>
+              <a:t>PyTorch</a:t>
+            </a:r>
+            <a:r>
+              <a:rPr lang="en-GB" dirty="0"/>
+              <a:t>, with:</a:t>
+            </a:r>
+          </a:p>
+          <a:p>
+            <a:r>
+              <a:rPr lang="en-GB" dirty="0"/>
+              <a:t>2 linear layers, sigmoid activation functions,</a:t>
+            </a:r>
+          </a:p>
+          <a:p>
+            <a:r>
+              <a:rPr lang="en-GB" dirty="0"/>
+              <a:t>Xavier uniform initialization on trainable parameters,</a:t>
+            </a:r>
+          </a:p>
+          <a:p>
+            <a:r>
+              <a:rPr lang="en-SG" dirty="0"/>
+              <a:t>Forward pass method,</a:t>
+            </a:r>
+          </a:p>
+          <a:p>
+            <a:r>
+              <a:rPr lang="en-SG" dirty="0" err="1"/>
+              <a:t>Autograd</a:t>
+            </a:r>
+            <a:r>
+              <a:rPr lang="en-SG" dirty="0"/>
+              <a:t> backpropagation and trainer method,</a:t>
+            </a:r>
+          </a:p>
+          <a:p>
+            <a:r>
+              <a:rPr lang="en-SG" dirty="0"/>
+              <a:t>Adam optimizer,</a:t>
+            </a:r>
+          </a:p>
+          <a:p>
+            <a:r>
+              <a:rPr lang="en-SG" dirty="0" err="1"/>
+              <a:t>Dataloader</a:t>
+            </a:r>
+            <a:r>
+              <a:rPr lang="en-SG" dirty="0"/>
+              <a:t> allowing for stochastic mini-batches,</a:t>
+            </a:r>
+          </a:p>
+          <a:p>
+            <a:r>
+              <a:rPr lang="en-SG" dirty="0"/>
+              <a:t>Cross entropy loss and accuracies,</a:t>
+            </a:r>
+          </a:p>
+          <a:p>
+            <a:r>
+              <a:rPr lang="en-SG" dirty="0"/>
+              <a:t>L1 regularization.</a:t>
+            </a:r>
+          </a:p>
+          <a:p>
+            <a:pPr marL="0" indent="0">
+              <a:buNone/>
+            </a:pPr>
+            <a:r>
+              <a:rPr lang="en-SG" dirty="0"/>
+              <a:t>And </a:t>
+            </a:r>
+            <a:r>
+              <a:rPr lang="en-SG"/>
+              <a:t>it runs/trains </a:t>
+            </a:r>
+            <a:r>
+              <a:rPr lang="en-SG" dirty="0"/>
+              <a:t>at the speed of light (</a:t>
+            </a:r>
+            <a:r>
+              <a:rPr lang="en-SG"/>
+              <a:t>almost…) on GPU!</a:t>
+            </a:r>
+            <a:endParaRPr lang="en-SG" dirty="0"/>
+          </a:p>
+        </p:txBody>
+      </p:sp>
+    </p:spTree>
+    <p:extLst>
+      <p:ext uri="{BB962C8B-B14F-4D97-AF65-F5344CB8AC3E}">
+        <p14:creationId xmlns:p14="http://schemas.microsoft.com/office/powerpoint/2010/main" val="278531271"/>
+      </p:ext>
+    </p:extLst>
+  </p:cSld>
+  <p:clrMapOvr>
+    <a:masterClrMapping/>
+  </p:clrMapOvr>
+</p:sld>
+</file>
+
+<file path=ppt/slides/slide50.xml><?xml version="1.0" encoding="utf-8"?>
 <p:sld xmlns:a="http://schemas.openxmlformats.org/drawingml/2006/main" xmlns:r="http://schemas.openxmlformats.org/officeDocument/2006/relationships" xmlns:p="http://schemas.openxmlformats.org/presentationml/2006/main">
   <p:cSld>
     <p:spTree>
@@ -21887,7 +23519,7 @@
 </p:sld>
 </file>
 
-<file path=ppt/slides/slide47.xml><?xml version="1.0" encoding="utf-8"?>
+<file path=ppt/slides/slide51.xml><?xml version="1.0" encoding="utf-8"?>
 <p:sld xmlns:a="http://schemas.openxmlformats.org/drawingml/2006/main" xmlns:r="http://schemas.openxmlformats.org/officeDocument/2006/relationships" xmlns:p="http://schemas.openxmlformats.org/presentationml/2006/main">
   <p:cSld>
     <p:spTree>
@@ -22090,7 +23722,7 @@
 </p:sld>
 </file>
 
-<file path=ppt/slides/slide48.xml><?xml version="1.0" encoding="utf-8"?>
+<file path=ppt/slides/slide52.xml><?xml version="1.0" encoding="utf-8"?>
 <p:sld xmlns:a="http://schemas.openxmlformats.org/drawingml/2006/main" xmlns:r="http://schemas.openxmlformats.org/officeDocument/2006/relationships" xmlns:p="http://schemas.openxmlformats.org/presentationml/2006/main">
   <p:cSld>
     <p:spTree>
@@ -22136,8 +23768,8 @@
           </a:p>
         </p:txBody>
       </p:sp>
-      <mc:AlternateContent xmlns:mc="http://schemas.openxmlformats.org/markup-compatibility/2006">
-        <mc:Choice xmlns:a14="http://schemas.microsoft.com/office/drawing/2010/main" Requires="a14">
+      <mc:AlternateContent xmlns:mc="http://schemas.openxmlformats.org/markup-compatibility/2006" xmlns:a14="http://schemas.microsoft.com/office/drawing/2010/main">
+        <mc:Choice Requires="a14">
           <p:sp>
             <p:nvSpPr>
               <p:cNvPr id="8" name="Content Placeholder 7">
@@ -22354,7 +23986,7 @@
             </p:txBody>
           </p:sp>
         </mc:Choice>
-        <mc:Fallback>
+        <mc:Fallback xmlns="">
           <p:sp>
             <p:nvSpPr>
               <p:cNvPr id="8" name="Content Placeholder 7">
@@ -22441,7 +24073,7 @@
 </p:sld>
 </file>
 
-<file path=ppt/slides/slide49.xml><?xml version="1.0" encoding="utf-8"?>
+<file path=ppt/slides/slide53.xml><?xml version="1.0" encoding="utf-8"?>
 <p:sld xmlns:a="http://schemas.openxmlformats.org/drawingml/2006/main" xmlns:r="http://schemas.openxmlformats.org/officeDocument/2006/relationships" xmlns:p="http://schemas.openxmlformats.org/presentationml/2006/main">
   <p:cSld>
     <p:spTree>
@@ -22838,190 +24470,7 @@
 </p:sld>
 </file>
 
-<file path=ppt/slides/slide5.xml><?xml version="1.0" encoding="utf-8"?>
-<p:sld xmlns:a="http://schemas.openxmlformats.org/drawingml/2006/main" xmlns:r="http://schemas.openxmlformats.org/officeDocument/2006/relationships" xmlns:p="http://schemas.openxmlformats.org/presentationml/2006/main">
-  <p:cSld>
-    <p:spTree>
-      <p:nvGrpSpPr>
-        <p:cNvPr id="1" name=""/>
-        <p:cNvGrpSpPr/>
-        <p:nvPr/>
-      </p:nvGrpSpPr>
-      <p:grpSpPr>
-        <a:xfrm>
-          <a:off x="0" y="0"/>
-          <a:ext cx="0" cy="0"/>
-          <a:chOff x="0" y="0"/>
-          <a:chExt cx="0" cy="0"/>
-        </a:xfrm>
-      </p:grpSpPr>
-      <p:sp>
-        <p:nvSpPr>
-          <p:cNvPr id="5" name="Title 4">
-            <a:extLst>
-              <a:ext uri="{FF2B5EF4-FFF2-40B4-BE49-F238E27FC236}">
-                <a16:creationId xmlns:a16="http://schemas.microsoft.com/office/drawing/2014/main" id="{FD86860C-A975-6A1D-2657-944DB1F94C8A}"/>
-              </a:ext>
-            </a:extLst>
-          </p:cNvPr>
-          <p:cNvSpPr>
-            <a:spLocks noGrp="1"/>
-          </p:cNvSpPr>
-          <p:nvPr>
-            <p:ph type="title"/>
-          </p:nvPr>
-        </p:nvSpPr>
-        <p:spPr/>
-        <p:txBody>
-          <a:bodyPr/>
-          <a:lstStyle/>
-          <a:p>
-            <a:r>
-              <a:rPr lang="en-GB" dirty="0"/>
-              <a:t>To summarize (last two sessions)</a:t>
-            </a:r>
-            <a:endParaRPr lang="en-SG" dirty="0"/>
-          </a:p>
-        </p:txBody>
-      </p:sp>
-      <p:sp>
-        <p:nvSpPr>
-          <p:cNvPr id="6" name="Text Placeholder 5">
-            <a:extLst>
-              <a:ext uri="{FF2B5EF4-FFF2-40B4-BE49-F238E27FC236}">
-                <a16:creationId xmlns:a16="http://schemas.microsoft.com/office/drawing/2014/main" id="{5282BC02-8C8A-BDB1-A192-B4E530ACD8B1}"/>
-              </a:ext>
-            </a:extLst>
-          </p:cNvPr>
-          <p:cNvSpPr>
-            <a:spLocks noGrp="1"/>
-          </p:cNvSpPr>
-          <p:nvPr>
-            <p:ph idx="1"/>
-          </p:nvPr>
-        </p:nvSpPr>
-        <p:spPr>
-          <a:xfrm>
-            <a:off x="838200" y="1825624"/>
-            <a:ext cx="10515600" cy="5032375"/>
-          </a:xfrm>
-        </p:spPr>
-        <p:txBody>
-          <a:bodyPr>
-            <a:normAutofit lnSpcReduction="10000"/>
-          </a:bodyPr>
-          <a:lstStyle/>
-          <a:p>
-            <a:pPr marL="0" indent="0">
-              <a:buNone/>
-            </a:pPr>
-            <a:r>
-              <a:rPr lang="en-GB" dirty="0"/>
-              <a:t>We now have a full Neural Network class, in </a:t>
-            </a:r>
-            <a:r>
-              <a:rPr lang="en-GB" dirty="0" err="1"/>
-              <a:t>PyTorch</a:t>
-            </a:r>
-            <a:r>
-              <a:rPr lang="en-GB" dirty="0"/>
-              <a:t>, with:</a:t>
-            </a:r>
-          </a:p>
-          <a:p>
-            <a:r>
-              <a:rPr lang="en-GB" dirty="0"/>
-              <a:t>2 linear layers, sigmoid activation functions,</a:t>
-            </a:r>
-          </a:p>
-          <a:p>
-            <a:r>
-              <a:rPr lang="en-GB" dirty="0"/>
-              <a:t>Xavier uniform initialization on trainable parameters,</a:t>
-            </a:r>
-          </a:p>
-          <a:p>
-            <a:r>
-              <a:rPr lang="en-SG" dirty="0"/>
-              <a:t>Forward pass method,</a:t>
-            </a:r>
-          </a:p>
-          <a:p>
-            <a:r>
-              <a:rPr lang="en-SG" dirty="0" err="1"/>
-              <a:t>Autograd</a:t>
-            </a:r>
-            <a:r>
-              <a:rPr lang="en-SG" dirty="0"/>
-              <a:t> backpropagation and trainer method,</a:t>
-            </a:r>
-          </a:p>
-          <a:p>
-            <a:r>
-              <a:rPr lang="en-SG" dirty="0"/>
-              <a:t>Adam optimizer,</a:t>
-            </a:r>
-          </a:p>
-          <a:p>
-            <a:r>
-              <a:rPr lang="en-SG" dirty="0" err="1"/>
-              <a:t>Dataloader</a:t>
-            </a:r>
-            <a:r>
-              <a:rPr lang="en-SG" dirty="0"/>
-              <a:t> allowing for stochastic mini-batches,</a:t>
-            </a:r>
-          </a:p>
-          <a:p>
-            <a:r>
-              <a:rPr lang="en-SG" dirty="0"/>
-              <a:t>Cross entropy loss and accuracies,</a:t>
-            </a:r>
-          </a:p>
-          <a:p>
-            <a:r>
-              <a:rPr lang="en-SG" dirty="0"/>
-              <a:t>L1 regularization.</a:t>
-            </a:r>
-          </a:p>
-          <a:p>
-            <a:pPr marL="0" indent="0">
-              <a:buNone/>
-            </a:pPr>
-            <a:r>
-              <a:rPr lang="en-SG" dirty="0"/>
-              <a:t>And </a:t>
-            </a:r>
-            <a:r>
-              <a:rPr lang="en-SG"/>
-              <a:t>it runs/trains </a:t>
-            </a:r>
-            <a:r>
-              <a:rPr lang="en-SG" dirty="0"/>
-              <a:t>at the speed of light (</a:t>
-            </a:r>
-            <a:r>
-              <a:rPr lang="en-SG"/>
-              <a:t>almost…) on GPU!</a:t>
-            </a:r>
-            <a:endParaRPr lang="en-SG" dirty="0"/>
-          </a:p>
-        </p:txBody>
-      </p:sp>
-    </p:spTree>
-    <p:extLst>
-      <p:ext uri="{BB962C8B-B14F-4D97-AF65-F5344CB8AC3E}">
-        <p14:creationId xmlns:p14="http://schemas.microsoft.com/office/powerpoint/2010/main" val="278531271"/>
-      </p:ext>
-    </p:extLst>
-  </p:cSld>
-  <p:clrMapOvr>
-    <a:masterClrMapping/>
-  </p:clrMapOvr>
-</p:sld>
-</file>
-
-<file path=ppt/slides/slide50.xml><?xml version="1.0" encoding="utf-8"?>
+<file path=ppt/slides/slide54.xml><?xml version="1.0" encoding="utf-8"?>
 <p:sld xmlns:a="http://schemas.openxmlformats.org/drawingml/2006/main" xmlns:r="http://schemas.openxmlformats.org/officeDocument/2006/relationships" xmlns:p="http://schemas.openxmlformats.org/presentationml/2006/main">
   <p:cSld>
     <p:spTree>
@@ -23410,7 +24859,7 @@
 </p:sld>
 </file>
 
-<file path=ppt/slides/slide51.xml><?xml version="1.0" encoding="utf-8"?>
+<file path=ppt/slides/slide55.xml><?xml version="1.0" encoding="utf-8"?>
 <p:sld xmlns:a="http://schemas.openxmlformats.org/drawingml/2006/main" xmlns:r="http://schemas.openxmlformats.org/officeDocument/2006/relationships" xmlns:p="http://schemas.openxmlformats.org/presentationml/2006/main">
   <p:cSld>
     <p:spTree>
@@ -23760,7 +25209,7 @@
 </p:sld>
 </file>
 
-<file path=ppt/slides/slide52.xml><?xml version="1.0" encoding="utf-8"?>
+<file path=ppt/slides/slide56.xml><?xml version="1.0" encoding="utf-8"?>
 <p:sld xmlns:a="http://schemas.openxmlformats.org/drawingml/2006/main" xmlns:r="http://schemas.openxmlformats.org/officeDocument/2006/relationships" xmlns:p="http://schemas.openxmlformats.org/presentationml/2006/main">
   <p:cSld>
     <p:spTree>
@@ -24034,7 +25483,7 @@
 </p:sld>
 </file>
 
-<file path=ppt/slides/slide53.xml><?xml version="1.0" encoding="utf-8"?>
+<file path=ppt/slides/slide57.xml><?xml version="1.0" encoding="utf-8"?>
 <p:sld xmlns:a="http://schemas.openxmlformats.org/drawingml/2006/main" xmlns:r="http://schemas.openxmlformats.org/officeDocument/2006/relationships" xmlns:p="http://schemas.openxmlformats.org/presentationml/2006/main">
   <p:cSld>
     <p:spTree>
@@ -24073,8 +25522,12 @@
           <a:lstStyle/>
           <a:p>
             <a:r>
-              <a:rPr lang="en-GB" dirty="0"/>
-              <a:t>Homework 1 and project announcement!</a:t>
+              <a:rPr lang="en-GB"/>
+              <a:t>Project </a:t>
+            </a:r>
+            <a:r>
+              <a:rPr lang="en-GB" dirty="0"/>
+              <a:t>announcement!</a:t>
             </a:r>
             <a:endParaRPr lang="en-SG" dirty="0"/>
           </a:p>
@@ -24248,15 +25701,10 @@
             <a:spLocks noGrp="1"/>
           </p:cNvSpPr>
           <p:nvPr>
-            <p:ph sz="half" idx="1"/>
+            <p:ph idx="1"/>
           </p:nvPr>
         </p:nvSpPr>
-        <p:spPr>
-          <a:xfrm>
-            <a:off x="838200" y="1825624"/>
-            <a:ext cx="5181600" cy="5032375"/>
-          </a:xfrm>
-        </p:spPr>
+        <p:spPr/>
         <p:txBody>
           <a:bodyPr>
             <a:normAutofit/>
@@ -24303,6 +25751,9 @@
               <a:rPr lang="en-GB" dirty="0"/>
               <a:t>.</a:t>
             </a:r>
+          </a:p>
+          <a:p>
+            <a:endParaRPr lang="en-GB" dirty="0"/>
           </a:p>
           <a:p>
             <a:r>
@@ -24608,7 +26059,7 @@
           <a:p>
             <a:r>
               <a:rPr lang="en-GB" dirty="0"/>
-              <a:t>Let us demonstrate this with the </a:t>
+              <a:t>Let us demonstrate using the </a:t>
             </a:r>
             <a:r>
               <a:rPr lang="en-GB" b="1" dirty="0" err="1"/>

--- a/W3/3. W3S3 final/W3S3.pptx
+++ b/W3/3. W3S3 final/W3S3.pptx
@@ -283,14 +283,815 @@
 <file path=ppt/revisionInfo.xml><?xml version="1.0" encoding="utf-8"?>
 <p1510:revInfo xmlns:a="http://schemas.openxmlformats.org/drawingml/2006/main" xmlns:r="http://schemas.openxmlformats.org/officeDocument/2006/relationships" xmlns:p1510="http://schemas.microsoft.com/office/powerpoint/2015/10/main">
   <p1510:revLst>
-    <p1510:client id="{D2FDBEB2-E663-41FC-8A3C-AC79657DF6AB}" v="1281" dt="2023-02-07T06:52:15.899"/>
-    <p1510:client id="{FEF7EEA1-64D9-4B2F-A3EA-AA797BDA10B0}" v="168" dt="2023-02-08T04:42:16.409"/>
+    <p1510:client id="{AC0CA790-EDC2-4116-8838-0C3C4AEF80E1}" v="392" dt="2023-07-06T04:12:48.427"/>
   </p1510:revLst>
 </p1510:revInfo>
 </file>
 
 <file path=ppt/changesInfos/changesInfo1.xml><?xml version="1.0" encoding="utf-8"?>
 <pc:chgInfo xmlns:a="http://schemas.openxmlformats.org/drawingml/2006/main" xmlns:r="http://schemas.openxmlformats.org/officeDocument/2006/relationships" xmlns:ac="http://schemas.microsoft.com/office/drawing/2013/main/command" xmlns:pc="http://schemas.microsoft.com/office/powerpoint/2013/main/command">
+  <pc:docChgLst>
+    <pc:chgData name="Matthieu De Mari" userId="dfb708c9-d8dc-439f-9a3b-c772bf4a311c" providerId="ADAL" clId="{AC0CA790-EDC2-4116-8838-0C3C4AEF80E1}"/>
+    <pc:docChg chg="undo redo custSel modSld">
+      <pc:chgData name="Matthieu De Mari" userId="dfb708c9-d8dc-439f-9a3b-c772bf4a311c" providerId="ADAL" clId="{AC0CA790-EDC2-4116-8838-0C3C4AEF80E1}" dt="2023-07-06T04:13:36.987" v="2482" actId="1076"/>
+      <pc:docMkLst>
+        <pc:docMk/>
+      </pc:docMkLst>
+      <pc:sldChg chg="modSp mod">
+        <pc:chgData name="Matthieu De Mari" userId="dfb708c9-d8dc-439f-9a3b-c772bf4a311c" providerId="ADAL" clId="{AC0CA790-EDC2-4116-8838-0C3C4AEF80E1}" dt="2023-07-06T03:19:06.826" v="28" actId="20577"/>
+        <pc:sldMkLst>
+          <pc:docMk/>
+          <pc:sldMk cId="1458730680" sldId="396"/>
+        </pc:sldMkLst>
+        <pc:spChg chg="mod">
+          <ac:chgData name="Matthieu De Mari" userId="dfb708c9-d8dc-439f-9a3b-c772bf4a311c" providerId="ADAL" clId="{AC0CA790-EDC2-4116-8838-0C3C4AEF80E1}" dt="2023-07-06T03:19:06.826" v="28" actId="20577"/>
+          <ac:spMkLst>
+            <pc:docMk/>
+            <pc:sldMk cId="1458730680" sldId="396"/>
+            <ac:spMk id="3" creationId="{54C2D511-85EE-1F9B-89D9-7815B51B2B8B}"/>
+          </ac:spMkLst>
+        </pc:spChg>
+      </pc:sldChg>
+      <pc:sldChg chg="modSp mod">
+        <pc:chgData name="Matthieu De Mari" userId="dfb708c9-d8dc-439f-9a3b-c772bf4a311c" providerId="ADAL" clId="{AC0CA790-EDC2-4116-8838-0C3C4AEF80E1}" dt="2023-07-06T03:20:27.525" v="59" actId="20577"/>
+        <pc:sldMkLst>
+          <pc:docMk/>
+          <pc:sldMk cId="1451434589" sldId="397"/>
+        </pc:sldMkLst>
+        <pc:spChg chg="mod">
+          <ac:chgData name="Matthieu De Mari" userId="dfb708c9-d8dc-439f-9a3b-c772bf4a311c" providerId="ADAL" clId="{AC0CA790-EDC2-4116-8838-0C3C4AEF80E1}" dt="2023-07-06T03:20:27.525" v="59" actId="20577"/>
+          <ac:spMkLst>
+            <pc:docMk/>
+            <pc:sldMk cId="1451434589" sldId="397"/>
+            <ac:spMk id="3" creationId="{BA2A0416-0B18-CDD3-9A37-B441AE8FAEC0}"/>
+          </ac:spMkLst>
+        </pc:spChg>
+      </pc:sldChg>
+      <pc:sldChg chg="modSp mod">
+        <pc:chgData name="Matthieu De Mari" userId="dfb708c9-d8dc-439f-9a3b-c772bf4a311c" providerId="ADAL" clId="{AC0CA790-EDC2-4116-8838-0C3C4AEF80E1}" dt="2023-07-06T03:27:44.584" v="555" actId="5793"/>
+        <pc:sldMkLst>
+          <pc:docMk/>
+          <pc:sldMk cId="2867637474" sldId="398"/>
+        </pc:sldMkLst>
+        <pc:spChg chg="mod">
+          <ac:chgData name="Matthieu De Mari" userId="dfb708c9-d8dc-439f-9a3b-c772bf4a311c" providerId="ADAL" clId="{AC0CA790-EDC2-4116-8838-0C3C4AEF80E1}" dt="2023-07-06T03:27:44.584" v="555" actId="5793"/>
+          <ac:spMkLst>
+            <pc:docMk/>
+            <pc:sldMk cId="2867637474" sldId="398"/>
+            <ac:spMk id="3" creationId="{77496A95-7961-91A1-EB76-E57510055A38}"/>
+          </ac:spMkLst>
+        </pc:spChg>
+      </pc:sldChg>
+      <pc:sldChg chg="modSp mod">
+        <pc:chgData name="Matthieu De Mari" userId="dfb708c9-d8dc-439f-9a3b-c772bf4a311c" providerId="ADAL" clId="{AC0CA790-EDC2-4116-8838-0C3C4AEF80E1}" dt="2023-07-06T03:30:44.250" v="672" actId="1076"/>
+        <pc:sldMkLst>
+          <pc:docMk/>
+          <pc:sldMk cId="122423608" sldId="399"/>
+        </pc:sldMkLst>
+        <pc:spChg chg="mod">
+          <ac:chgData name="Matthieu De Mari" userId="dfb708c9-d8dc-439f-9a3b-c772bf4a311c" providerId="ADAL" clId="{AC0CA790-EDC2-4116-8838-0C3C4AEF80E1}" dt="2023-07-06T03:30:39.587" v="671" actId="20577"/>
+          <ac:spMkLst>
+            <pc:docMk/>
+            <pc:sldMk cId="122423608" sldId="399"/>
+            <ac:spMk id="4" creationId="{3D8906E9-3F26-1680-6CF9-CC0314375949}"/>
+          </ac:spMkLst>
+        </pc:spChg>
+        <pc:picChg chg="mod">
+          <ac:chgData name="Matthieu De Mari" userId="dfb708c9-d8dc-439f-9a3b-c772bf4a311c" providerId="ADAL" clId="{AC0CA790-EDC2-4116-8838-0C3C4AEF80E1}" dt="2023-07-06T03:30:44.250" v="672" actId="1076"/>
+          <ac:picMkLst>
+            <pc:docMk/>
+            <pc:sldMk cId="122423608" sldId="399"/>
+            <ac:picMk id="8" creationId="{9C7CDEBC-DB21-8D7A-280E-73E78224C247}"/>
+          </ac:picMkLst>
+        </pc:picChg>
+      </pc:sldChg>
+      <pc:sldChg chg="modSp mod">
+        <pc:chgData name="Matthieu De Mari" userId="dfb708c9-d8dc-439f-9a3b-c772bf4a311c" providerId="ADAL" clId="{AC0CA790-EDC2-4116-8838-0C3C4AEF80E1}" dt="2023-07-06T04:07:53.877" v="2170" actId="115"/>
+        <pc:sldMkLst>
+          <pc:docMk/>
+          <pc:sldMk cId="4039171501" sldId="401"/>
+        </pc:sldMkLst>
+        <pc:spChg chg="mod">
+          <ac:chgData name="Matthieu De Mari" userId="dfb708c9-d8dc-439f-9a3b-c772bf4a311c" providerId="ADAL" clId="{AC0CA790-EDC2-4116-8838-0C3C4AEF80E1}" dt="2023-07-06T04:07:53.877" v="2170" actId="115"/>
+          <ac:spMkLst>
+            <pc:docMk/>
+            <pc:sldMk cId="4039171501" sldId="401"/>
+            <ac:spMk id="3" creationId="{63E638E1-0E19-7F02-7FE0-49EBCE47EBFA}"/>
+          </ac:spMkLst>
+        </pc:spChg>
+      </pc:sldChg>
+      <pc:sldChg chg="modSp">
+        <pc:chgData name="Matthieu De Mari" userId="dfb708c9-d8dc-439f-9a3b-c772bf4a311c" providerId="ADAL" clId="{AC0CA790-EDC2-4116-8838-0C3C4AEF80E1}" dt="2023-07-06T03:46:48.742" v="1604" actId="20577"/>
+        <pc:sldMkLst>
+          <pc:docMk/>
+          <pc:sldMk cId="3163596145" sldId="402"/>
+        </pc:sldMkLst>
+        <pc:spChg chg="mod">
+          <ac:chgData name="Matthieu De Mari" userId="dfb708c9-d8dc-439f-9a3b-c772bf4a311c" providerId="ADAL" clId="{AC0CA790-EDC2-4116-8838-0C3C4AEF80E1}" dt="2023-07-06T03:46:48.742" v="1604" actId="20577"/>
+          <ac:spMkLst>
+            <pc:docMk/>
+            <pc:sldMk cId="3163596145" sldId="402"/>
+            <ac:spMk id="3" creationId="{CF1D478A-0975-EE46-490C-B98DC55AC938}"/>
+          </ac:spMkLst>
+        </pc:spChg>
+      </pc:sldChg>
+      <pc:sldChg chg="modSp mod">
+        <pc:chgData name="Matthieu De Mari" userId="dfb708c9-d8dc-439f-9a3b-c772bf4a311c" providerId="ADAL" clId="{AC0CA790-EDC2-4116-8838-0C3C4AEF80E1}" dt="2023-07-06T04:11:14.886" v="2327" actId="20577"/>
+        <pc:sldMkLst>
+          <pc:docMk/>
+          <pc:sldMk cId="101927766" sldId="403"/>
+        </pc:sldMkLst>
+        <pc:spChg chg="mod">
+          <ac:chgData name="Matthieu De Mari" userId="dfb708c9-d8dc-439f-9a3b-c772bf4a311c" providerId="ADAL" clId="{AC0CA790-EDC2-4116-8838-0C3C4AEF80E1}" dt="2023-07-06T04:11:14.886" v="2327" actId="20577"/>
+          <ac:spMkLst>
+            <pc:docMk/>
+            <pc:sldMk cId="101927766" sldId="403"/>
+            <ac:spMk id="3" creationId="{593B6C32-2754-00A2-7A8E-EF46AD4E3535}"/>
+          </ac:spMkLst>
+        </pc:spChg>
+      </pc:sldChg>
+      <pc:sldChg chg="modSp mod">
+        <pc:chgData name="Matthieu De Mari" userId="dfb708c9-d8dc-439f-9a3b-c772bf4a311c" providerId="ADAL" clId="{AC0CA790-EDC2-4116-8838-0C3C4AEF80E1}" dt="2023-07-06T03:19:33.937" v="38" actId="20577"/>
+        <pc:sldMkLst>
+          <pc:docMk/>
+          <pc:sldMk cId="2278534749" sldId="786"/>
+        </pc:sldMkLst>
+        <pc:spChg chg="mod">
+          <ac:chgData name="Matthieu De Mari" userId="dfb708c9-d8dc-439f-9a3b-c772bf4a311c" providerId="ADAL" clId="{AC0CA790-EDC2-4116-8838-0C3C4AEF80E1}" dt="2023-07-06T03:19:33.937" v="38" actId="20577"/>
+          <ac:spMkLst>
+            <pc:docMk/>
+            <pc:sldMk cId="2278534749" sldId="786"/>
+            <ac:spMk id="8" creationId="{668F32F8-5E46-06D2-D714-2FC1D4FB60B1}"/>
+          </ac:spMkLst>
+        </pc:spChg>
+      </pc:sldChg>
+      <pc:sldChg chg="addSp delSp modSp mod">
+        <pc:chgData name="Matthieu De Mari" userId="dfb708c9-d8dc-439f-9a3b-c772bf4a311c" providerId="ADAL" clId="{AC0CA790-EDC2-4116-8838-0C3C4AEF80E1}" dt="2023-07-06T03:19:55.609" v="41"/>
+        <pc:sldMkLst>
+          <pc:docMk/>
+          <pc:sldMk cId="3381120192" sldId="788"/>
+        </pc:sldMkLst>
+        <pc:spChg chg="add del mod">
+          <ac:chgData name="Matthieu De Mari" userId="dfb708c9-d8dc-439f-9a3b-c772bf4a311c" providerId="ADAL" clId="{AC0CA790-EDC2-4116-8838-0C3C4AEF80E1}" dt="2023-07-06T03:19:55.246" v="40" actId="478"/>
+          <ac:spMkLst>
+            <pc:docMk/>
+            <pc:sldMk cId="3381120192" sldId="788"/>
+            <ac:spMk id="5" creationId="{01D522DC-F90C-EC5E-0964-7AB6BE5B8F70}"/>
+          </ac:spMkLst>
+        </pc:spChg>
+        <pc:spChg chg="add mod">
+          <ac:chgData name="Matthieu De Mari" userId="dfb708c9-d8dc-439f-9a3b-c772bf4a311c" providerId="ADAL" clId="{AC0CA790-EDC2-4116-8838-0C3C4AEF80E1}" dt="2023-07-06T03:19:55.609" v="41"/>
+          <ac:spMkLst>
+            <pc:docMk/>
+            <pc:sldMk cId="3381120192" sldId="788"/>
+            <ac:spMk id="6" creationId="{6ADF10B0-270B-D179-CA19-BD51C0F97E62}"/>
+          </ac:spMkLst>
+        </pc:spChg>
+        <pc:spChg chg="del">
+          <ac:chgData name="Matthieu De Mari" userId="dfb708c9-d8dc-439f-9a3b-c772bf4a311c" providerId="ADAL" clId="{AC0CA790-EDC2-4116-8838-0C3C4AEF80E1}" dt="2023-07-06T03:19:53.643" v="39" actId="478"/>
+          <ac:spMkLst>
+            <pc:docMk/>
+            <pc:sldMk cId="3381120192" sldId="788"/>
+            <ac:spMk id="8" creationId="{668F32F8-5E46-06D2-D714-2FC1D4FB60B1}"/>
+          </ac:spMkLst>
+        </pc:spChg>
+      </pc:sldChg>
+      <pc:sldChg chg="addSp delSp modSp mod chgLayout">
+        <pc:chgData name="Matthieu De Mari" userId="dfb708c9-d8dc-439f-9a3b-c772bf4a311c" providerId="ADAL" clId="{AC0CA790-EDC2-4116-8838-0C3C4AEF80E1}" dt="2023-07-06T03:21:36.731" v="100" actId="20577"/>
+        <pc:sldMkLst>
+          <pc:docMk/>
+          <pc:sldMk cId="592329134" sldId="790"/>
+        </pc:sldMkLst>
+        <pc:spChg chg="add mod ord">
+          <ac:chgData name="Matthieu De Mari" userId="dfb708c9-d8dc-439f-9a3b-c772bf4a311c" providerId="ADAL" clId="{AC0CA790-EDC2-4116-8838-0C3C4AEF80E1}" dt="2023-07-06T03:21:36.731" v="100" actId="20577"/>
+          <ac:spMkLst>
+            <pc:docMk/>
+            <pc:sldMk cId="592329134" sldId="790"/>
+            <ac:spMk id="2" creationId="{B91EA25B-9659-1DC6-A4D1-D0A5BE37D4F7}"/>
+          </ac:spMkLst>
+        </pc:spChg>
+        <pc:spChg chg="add del mod ord">
+          <ac:chgData name="Matthieu De Mari" userId="dfb708c9-d8dc-439f-9a3b-c772bf4a311c" providerId="ADAL" clId="{AC0CA790-EDC2-4116-8838-0C3C4AEF80E1}" dt="2023-07-06T03:21:24.410" v="66" actId="478"/>
+          <ac:spMkLst>
+            <pc:docMk/>
+            <pc:sldMk cId="592329134" sldId="790"/>
+            <ac:spMk id="3" creationId="{EF78F365-074A-3897-8046-3D5EE2DC79C1}"/>
+          </ac:spMkLst>
+        </pc:spChg>
+        <pc:picChg chg="mod modCrop">
+          <ac:chgData name="Matthieu De Mari" userId="dfb708c9-d8dc-439f-9a3b-c772bf4a311c" providerId="ADAL" clId="{AC0CA790-EDC2-4116-8838-0C3C4AEF80E1}" dt="2023-07-06T03:21:17.769" v="64" actId="1076"/>
+          <ac:picMkLst>
+            <pc:docMk/>
+            <pc:sldMk cId="592329134" sldId="790"/>
+            <ac:picMk id="5" creationId="{05E37773-793F-F9CF-20C7-080A12533352}"/>
+          </ac:picMkLst>
+        </pc:picChg>
+      </pc:sldChg>
+      <pc:sldChg chg="modSp mod">
+        <pc:chgData name="Matthieu De Mari" userId="dfb708c9-d8dc-439f-9a3b-c772bf4a311c" providerId="ADAL" clId="{AC0CA790-EDC2-4116-8838-0C3C4AEF80E1}" dt="2023-07-06T03:22:42.989" v="116" actId="20577"/>
+        <pc:sldMkLst>
+          <pc:docMk/>
+          <pc:sldMk cId="2330822039" sldId="792"/>
+        </pc:sldMkLst>
+        <pc:spChg chg="mod">
+          <ac:chgData name="Matthieu De Mari" userId="dfb708c9-d8dc-439f-9a3b-c772bf4a311c" providerId="ADAL" clId="{AC0CA790-EDC2-4116-8838-0C3C4AEF80E1}" dt="2023-07-06T03:22:42.989" v="116" actId="20577"/>
+          <ac:spMkLst>
+            <pc:docMk/>
+            <pc:sldMk cId="2330822039" sldId="792"/>
+            <ac:spMk id="3" creationId="{BA2A0416-0B18-CDD3-9A37-B441AE8FAEC0}"/>
+          </ac:spMkLst>
+        </pc:spChg>
+        <pc:picChg chg="mod">
+          <ac:chgData name="Matthieu De Mari" userId="dfb708c9-d8dc-439f-9a3b-c772bf4a311c" providerId="ADAL" clId="{AC0CA790-EDC2-4116-8838-0C3C4AEF80E1}" dt="2023-07-06T03:22:19.949" v="104" actId="1076"/>
+          <ac:picMkLst>
+            <pc:docMk/>
+            <pc:sldMk cId="2330822039" sldId="792"/>
+            <ac:picMk id="8" creationId="{D76780B6-213C-112E-4BD5-2725031AF61A}"/>
+          </ac:picMkLst>
+        </pc:picChg>
+      </pc:sldChg>
+      <pc:sldChg chg="modSp mod">
+        <pc:chgData name="Matthieu De Mari" userId="dfb708c9-d8dc-439f-9a3b-c772bf4a311c" providerId="ADAL" clId="{AC0CA790-EDC2-4116-8838-0C3C4AEF80E1}" dt="2023-07-06T03:23:03.043" v="143" actId="27636"/>
+        <pc:sldMkLst>
+          <pc:docMk/>
+          <pc:sldMk cId="260742946" sldId="793"/>
+        </pc:sldMkLst>
+        <pc:spChg chg="mod">
+          <ac:chgData name="Matthieu De Mari" userId="dfb708c9-d8dc-439f-9a3b-c772bf4a311c" providerId="ADAL" clId="{AC0CA790-EDC2-4116-8838-0C3C4AEF80E1}" dt="2023-07-06T03:23:03.043" v="143" actId="27636"/>
+          <ac:spMkLst>
+            <pc:docMk/>
+            <pc:sldMk cId="260742946" sldId="793"/>
+            <ac:spMk id="3" creationId="{BA2A0416-0B18-CDD3-9A37-B441AE8FAEC0}"/>
+          </ac:spMkLst>
+        </pc:spChg>
+      </pc:sldChg>
+      <pc:sldChg chg="addSp delSp modSp mod">
+        <pc:chgData name="Matthieu De Mari" userId="dfb708c9-d8dc-439f-9a3b-c772bf4a311c" providerId="ADAL" clId="{AC0CA790-EDC2-4116-8838-0C3C4AEF80E1}" dt="2023-07-06T03:27:32.885" v="554" actId="208"/>
+        <pc:sldMkLst>
+          <pc:docMk/>
+          <pc:sldMk cId="1577144882" sldId="794"/>
+        </pc:sldMkLst>
+        <pc:spChg chg="del">
+          <ac:chgData name="Matthieu De Mari" userId="dfb708c9-d8dc-439f-9a3b-c772bf4a311c" providerId="ADAL" clId="{AC0CA790-EDC2-4116-8838-0C3C4AEF80E1}" dt="2023-07-06T03:23:23.033" v="144" actId="478"/>
+          <ac:spMkLst>
+            <pc:docMk/>
+            <pc:sldMk cId="1577144882" sldId="794"/>
+            <ac:spMk id="3" creationId="{BA2A0416-0B18-CDD3-9A37-B441AE8FAEC0}"/>
+          </ac:spMkLst>
+        </pc:spChg>
+        <pc:spChg chg="add del mod">
+          <ac:chgData name="Matthieu De Mari" userId="dfb708c9-d8dc-439f-9a3b-c772bf4a311c" providerId="ADAL" clId="{AC0CA790-EDC2-4116-8838-0C3C4AEF80E1}" dt="2023-07-06T03:23:24.092" v="145" actId="478"/>
+          <ac:spMkLst>
+            <pc:docMk/>
+            <pc:sldMk cId="1577144882" sldId="794"/>
+            <ac:spMk id="6" creationId="{27C6E6D3-873D-CE3E-D9BE-C425D08243D8}"/>
+          </ac:spMkLst>
+        </pc:spChg>
+        <pc:spChg chg="add mod">
+          <ac:chgData name="Matthieu De Mari" userId="dfb708c9-d8dc-439f-9a3b-c772bf4a311c" providerId="ADAL" clId="{AC0CA790-EDC2-4116-8838-0C3C4AEF80E1}" dt="2023-07-06T03:26:01.711" v="511" actId="113"/>
+          <ac:spMkLst>
+            <pc:docMk/>
+            <pc:sldMk cId="1577144882" sldId="794"/>
+            <ac:spMk id="7" creationId="{34FFFE41-D034-EA6C-3756-750C5DB81D1C}"/>
+          </ac:spMkLst>
+        </pc:spChg>
+        <pc:spChg chg="add del mod">
+          <ac:chgData name="Matthieu De Mari" userId="dfb708c9-d8dc-439f-9a3b-c772bf4a311c" providerId="ADAL" clId="{AC0CA790-EDC2-4116-8838-0C3C4AEF80E1}" dt="2023-07-06T03:27:32.885" v="554" actId="208"/>
+          <ac:spMkLst>
+            <pc:docMk/>
+            <pc:sldMk cId="1577144882" sldId="794"/>
+            <ac:spMk id="8" creationId="{1B33733F-99CE-FF22-3D11-CF470D6B6EF8}"/>
+          </ac:spMkLst>
+        </pc:spChg>
+        <pc:picChg chg="mod">
+          <ac:chgData name="Matthieu De Mari" userId="dfb708c9-d8dc-439f-9a3b-c772bf4a311c" providerId="ADAL" clId="{AC0CA790-EDC2-4116-8838-0C3C4AEF80E1}" dt="2023-07-06T03:26:59.235" v="513" actId="1076"/>
+          <ac:picMkLst>
+            <pc:docMk/>
+            <pc:sldMk cId="1577144882" sldId="794"/>
+            <ac:picMk id="5" creationId="{6B0AD40C-3E64-86C3-7D31-7B8684468BD0}"/>
+          </ac:picMkLst>
+        </pc:picChg>
+      </pc:sldChg>
+      <pc:sldChg chg="modSp mod">
+        <pc:chgData name="Matthieu De Mari" userId="dfb708c9-d8dc-439f-9a3b-c772bf4a311c" providerId="ADAL" clId="{AC0CA790-EDC2-4116-8838-0C3C4AEF80E1}" dt="2023-07-06T03:28:56.389" v="626" actId="20577"/>
+        <pc:sldMkLst>
+          <pc:docMk/>
+          <pc:sldMk cId="2353942002" sldId="795"/>
+        </pc:sldMkLst>
+        <pc:spChg chg="mod">
+          <ac:chgData name="Matthieu De Mari" userId="dfb708c9-d8dc-439f-9a3b-c772bf4a311c" providerId="ADAL" clId="{AC0CA790-EDC2-4116-8838-0C3C4AEF80E1}" dt="2023-07-06T03:28:56.389" v="626" actId="20577"/>
+          <ac:spMkLst>
+            <pc:docMk/>
+            <pc:sldMk cId="2353942002" sldId="795"/>
+            <ac:spMk id="3" creationId="{77496A95-7961-91A1-EB76-E57510055A38}"/>
+          </ac:spMkLst>
+        </pc:spChg>
+      </pc:sldChg>
+      <pc:sldChg chg="modSp mod">
+        <pc:chgData name="Matthieu De Mari" userId="dfb708c9-d8dc-439f-9a3b-c772bf4a311c" providerId="ADAL" clId="{AC0CA790-EDC2-4116-8838-0C3C4AEF80E1}" dt="2023-07-06T03:29:43.820" v="641" actId="20577"/>
+        <pc:sldMkLst>
+          <pc:docMk/>
+          <pc:sldMk cId="1414932605" sldId="796"/>
+        </pc:sldMkLst>
+        <pc:spChg chg="mod">
+          <ac:chgData name="Matthieu De Mari" userId="dfb708c9-d8dc-439f-9a3b-c772bf4a311c" providerId="ADAL" clId="{AC0CA790-EDC2-4116-8838-0C3C4AEF80E1}" dt="2023-07-06T03:29:43.820" v="641" actId="20577"/>
+          <ac:spMkLst>
+            <pc:docMk/>
+            <pc:sldMk cId="1414932605" sldId="796"/>
+            <ac:spMk id="3" creationId="{77496A95-7961-91A1-EB76-E57510055A38}"/>
+          </ac:spMkLst>
+        </pc:spChg>
+      </pc:sldChg>
+      <pc:sldChg chg="modSp mod">
+        <pc:chgData name="Matthieu De Mari" userId="dfb708c9-d8dc-439f-9a3b-c772bf4a311c" providerId="ADAL" clId="{AC0CA790-EDC2-4116-8838-0C3C4AEF80E1}" dt="2023-07-06T03:31:48.636" v="735" actId="20577"/>
+        <pc:sldMkLst>
+          <pc:docMk/>
+          <pc:sldMk cId="567883404" sldId="798"/>
+        </pc:sldMkLst>
+        <pc:spChg chg="mod">
+          <ac:chgData name="Matthieu De Mari" userId="dfb708c9-d8dc-439f-9a3b-c772bf4a311c" providerId="ADAL" clId="{AC0CA790-EDC2-4116-8838-0C3C4AEF80E1}" dt="2023-07-06T03:31:48.636" v="735" actId="20577"/>
+          <ac:spMkLst>
+            <pc:docMk/>
+            <pc:sldMk cId="567883404" sldId="798"/>
+            <ac:spMk id="3" creationId="{F0814AA9-339A-72D8-E8A9-C066A3ED5800}"/>
+          </ac:spMkLst>
+        </pc:spChg>
+      </pc:sldChg>
+      <pc:sldChg chg="modSp mod">
+        <pc:chgData name="Matthieu De Mari" userId="dfb708c9-d8dc-439f-9a3b-c772bf4a311c" providerId="ADAL" clId="{AC0CA790-EDC2-4116-8838-0C3C4AEF80E1}" dt="2023-07-06T03:31:18.111" v="707" actId="20577"/>
+        <pc:sldMkLst>
+          <pc:docMk/>
+          <pc:sldMk cId="703353227" sldId="799"/>
+        </pc:sldMkLst>
+        <pc:spChg chg="mod">
+          <ac:chgData name="Matthieu De Mari" userId="dfb708c9-d8dc-439f-9a3b-c772bf4a311c" providerId="ADAL" clId="{AC0CA790-EDC2-4116-8838-0C3C4AEF80E1}" dt="2023-07-06T03:31:18.111" v="707" actId="20577"/>
+          <ac:spMkLst>
+            <pc:docMk/>
+            <pc:sldMk cId="703353227" sldId="799"/>
+            <ac:spMk id="4" creationId="{3D8906E9-3F26-1680-6CF9-CC0314375949}"/>
+          </ac:spMkLst>
+        </pc:spChg>
+        <pc:picChg chg="mod">
+          <ac:chgData name="Matthieu De Mari" userId="dfb708c9-d8dc-439f-9a3b-c772bf4a311c" providerId="ADAL" clId="{AC0CA790-EDC2-4116-8838-0C3C4AEF80E1}" dt="2023-07-06T03:31:10.070" v="674" actId="1076"/>
+          <ac:picMkLst>
+            <pc:docMk/>
+            <pc:sldMk cId="703353227" sldId="799"/>
+            <ac:picMk id="6" creationId="{5F1CA5DA-BBDC-B1F1-22A7-C8B1B6EB8884}"/>
+          </ac:picMkLst>
+        </pc:picChg>
+      </pc:sldChg>
+      <pc:sldChg chg="modSp mod">
+        <pc:chgData name="Matthieu De Mari" userId="dfb708c9-d8dc-439f-9a3b-c772bf4a311c" providerId="ADAL" clId="{AC0CA790-EDC2-4116-8838-0C3C4AEF80E1}" dt="2023-07-06T03:32:13.833" v="748" actId="20577"/>
+        <pc:sldMkLst>
+          <pc:docMk/>
+          <pc:sldMk cId="253262496" sldId="802"/>
+        </pc:sldMkLst>
+        <pc:spChg chg="mod">
+          <ac:chgData name="Matthieu De Mari" userId="dfb708c9-d8dc-439f-9a3b-c772bf4a311c" providerId="ADAL" clId="{AC0CA790-EDC2-4116-8838-0C3C4AEF80E1}" dt="2023-07-06T03:32:13.833" v="748" actId="20577"/>
+          <ac:spMkLst>
+            <pc:docMk/>
+            <pc:sldMk cId="253262496" sldId="802"/>
+            <ac:spMk id="3" creationId="{F0814AA9-339A-72D8-E8A9-C066A3ED5800}"/>
+          </ac:spMkLst>
+        </pc:spChg>
+      </pc:sldChg>
+      <pc:sldChg chg="modSp">
+        <pc:chgData name="Matthieu De Mari" userId="dfb708c9-d8dc-439f-9a3b-c772bf4a311c" providerId="ADAL" clId="{AC0CA790-EDC2-4116-8838-0C3C4AEF80E1}" dt="2023-07-06T03:38:38.419" v="1083" actId="20577"/>
+        <pc:sldMkLst>
+          <pc:docMk/>
+          <pc:sldMk cId="232544569" sldId="803"/>
+        </pc:sldMkLst>
+        <pc:spChg chg="mod">
+          <ac:chgData name="Matthieu De Mari" userId="dfb708c9-d8dc-439f-9a3b-c772bf4a311c" providerId="ADAL" clId="{AC0CA790-EDC2-4116-8838-0C3C4AEF80E1}" dt="2023-07-06T03:38:06.658" v="1069" actId="20577"/>
+          <ac:spMkLst>
+            <pc:docMk/>
+            <pc:sldMk cId="232544569" sldId="803"/>
+            <ac:spMk id="3" creationId="{F0814AA9-339A-72D8-E8A9-C066A3ED5800}"/>
+          </ac:spMkLst>
+        </pc:spChg>
+        <pc:spChg chg="mod">
+          <ac:chgData name="Matthieu De Mari" userId="dfb708c9-d8dc-439f-9a3b-c772bf4a311c" providerId="ADAL" clId="{AC0CA790-EDC2-4116-8838-0C3C4AEF80E1}" dt="2023-07-06T03:38:38.419" v="1083" actId="20577"/>
+          <ac:spMkLst>
+            <pc:docMk/>
+            <pc:sldMk cId="232544569" sldId="803"/>
+            <ac:spMk id="5" creationId="{66EACFFC-77D9-FFF7-F013-E5C19F4A5D72}"/>
+          </ac:spMkLst>
+        </pc:spChg>
+      </pc:sldChg>
+      <pc:sldChg chg="modSp mod">
+        <pc:chgData name="Matthieu De Mari" userId="dfb708c9-d8dc-439f-9a3b-c772bf4a311c" providerId="ADAL" clId="{AC0CA790-EDC2-4116-8838-0C3C4AEF80E1}" dt="2023-07-06T03:33:27.882" v="807" actId="207"/>
+        <pc:sldMkLst>
+          <pc:docMk/>
+          <pc:sldMk cId="165715628" sldId="804"/>
+        </pc:sldMkLst>
+        <pc:spChg chg="mod">
+          <ac:chgData name="Matthieu De Mari" userId="dfb708c9-d8dc-439f-9a3b-c772bf4a311c" providerId="ADAL" clId="{AC0CA790-EDC2-4116-8838-0C3C4AEF80E1}" dt="2023-07-06T03:33:27.882" v="807" actId="207"/>
+          <ac:spMkLst>
+            <pc:docMk/>
+            <pc:sldMk cId="165715628" sldId="804"/>
+            <ac:spMk id="3" creationId="{F0814AA9-339A-72D8-E8A9-C066A3ED5800}"/>
+          </ac:spMkLst>
+        </pc:spChg>
+      </pc:sldChg>
+      <pc:sldChg chg="modSp mod">
+        <pc:chgData name="Matthieu De Mari" userId="dfb708c9-d8dc-439f-9a3b-c772bf4a311c" providerId="ADAL" clId="{AC0CA790-EDC2-4116-8838-0C3C4AEF80E1}" dt="2023-07-06T03:37:21.434" v="1042" actId="27636"/>
+        <pc:sldMkLst>
+          <pc:docMk/>
+          <pc:sldMk cId="1145967515" sldId="805"/>
+        </pc:sldMkLst>
+        <pc:spChg chg="mod">
+          <ac:chgData name="Matthieu De Mari" userId="dfb708c9-d8dc-439f-9a3b-c772bf4a311c" providerId="ADAL" clId="{AC0CA790-EDC2-4116-8838-0C3C4AEF80E1}" dt="2023-07-06T03:37:21.420" v="1041" actId="27636"/>
+          <ac:spMkLst>
+            <pc:docMk/>
+            <pc:sldMk cId="1145967515" sldId="805"/>
+            <ac:spMk id="3" creationId="{F0814AA9-339A-72D8-E8A9-C066A3ED5800}"/>
+          </ac:spMkLst>
+        </pc:spChg>
+        <pc:spChg chg="mod">
+          <ac:chgData name="Matthieu De Mari" userId="dfb708c9-d8dc-439f-9a3b-c772bf4a311c" providerId="ADAL" clId="{AC0CA790-EDC2-4116-8838-0C3C4AEF80E1}" dt="2023-07-06T03:37:21.434" v="1042" actId="27636"/>
+          <ac:spMkLst>
+            <pc:docMk/>
+            <pc:sldMk cId="1145967515" sldId="805"/>
+            <ac:spMk id="4" creationId="{73645EA5-24B1-2D96-6660-3C5A2AEA5B3E}"/>
+          </ac:spMkLst>
+        </pc:spChg>
+      </pc:sldChg>
+      <pc:sldChg chg="modSp mod">
+        <pc:chgData name="Matthieu De Mari" userId="dfb708c9-d8dc-439f-9a3b-c772bf4a311c" providerId="ADAL" clId="{AC0CA790-EDC2-4116-8838-0C3C4AEF80E1}" dt="2023-07-06T03:39:37.608" v="1161" actId="113"/>
+        <pc:sldMkLst>
+          <pc:docMk/>
+          <pc:sldMk cId="3590245027" sldId="806"/>
+        </pc:sldMkLst>
+        <pc:spChg chg="mod">
+          <ac:chgData name="Matthieu De Mari" userId="dfb708c9-d8dc-439f-9a3b-c772bf4a311c" providerId="ADAL" clId="{AC0CA790-EDC2-4116-8838-0C3C4AEF80E1}" dt="2023-07-06T03:39:37.608" v="1161" actId="113"/>
+          <ac:spMkLst>
+            <pc:docMk/>
+            <pc:sldMk cId="3590245027" sldId="806"/>
+            <ac:spMk id="8" creationId="{FB399317-C624-3FED-3E47-E308708DE390}"/>
+          </ac:spMkLst>
+        </pc:spChg>
+      </pc:sldChg>
+      <pc:sldChg chg="modSp mod">
+        <pc:chgData name="Matthieu De Mari" userId="dfb708c9-d8dc-439f-9a3b-c772bf4a311c" providerId="ADAL" clId="{AC0CA790-EDC2-4116-8838-0C3C4AEF80E1}" dt="2023-07-06T03:41:59.624" v="1317" actId="20577"/>
+        <pc:sldMkLst>
+          <pc:docMk/>
+          <pc:sldMk cId="609329699" sldId="807"/>
+        </pc:sldMkLst>
+        <pc:spChg chg="mod">
+          <ac:chgData name="Matthieu De Mari" userId="dfb708c9-d8dc-439f-9a3b-c772bf4a311c" providerId="ADAL" clId="{AC0CA790-EDC2-4116-8838-0C3C4AEF80E1}" dt="2023-07-06T03:41:59.624" v="1317" actId="20577"/>
+          <ac:spMkLst>
+            <pc:docMk/>
+            <pc:sldMk cId="609329699" sldId="807"/>
+            <ac:spMk id="2" creationId="{A8C99902-2A36-9C91-5F2C-9819DE23FB0C}"/>
+          </ac:spMkLst>
+        </pc:spChg>
+        <pc:spChg chg="mod">
+          <ac:chgData name="Matthieu De Mari" userId="dfb708c9-d8dc-439f-9a3b-c772bf4a311c" providerId="ADAL" clId="{AC0CA790-EDC2-4116-8838-0C3C4AEF80E1}" dt="2023-07-06T03:41:50.148" v="1302" actId="27636"/>
+          <ac:spMkLst>
+            <pc:docMk/>
+            <pc:sldMk cId="609329699" sldId="807"/>
+            <ac:spMk id="3" creationId="{F0814AA9-339A-72D8-E8A9-C066A3ED5800}"/>
+          </ac:spMkLst>
+        </pc:spChg>
+      </pc:sldChg>
+      <pc:sldChg chg="modSp mod">
+        <pc:chgData name="Matthieu De Mari" userId="dfb708c9-d8dc-439f-9a3b-c772bf4a311c" providerId="ADAL" clId="{AC0CA790-EDC2-4116-8838-0C3C4AEF80E1}" dt="2023-07-06T03:42:10.598" v="1326" actId="20577"/>
+        <pc:sldMkLst>
+          <pc:docMk/>
+          <pc:sldMk cId="741808374" sldId="808"/>
+        </pc:sldMkLst>
+        <pc:spChg chg="mod">
+          <ac:chgData name="Matthieu De Mari" userId="dfb708c9-d8dc-439f-9a3b-c772bf4a311c" providerId="ADAL" clId="{AC0CA790-EDC2-4116-8838-0C3C4AEF80E1}" dt="2023-07-06T03:42:05.294" v="1318"/>
+          <ac:spMkLst>
+            <pc:docMk/>
+            <pc:sldMk cId="741808374" sldId="808"/>
+            <ac:spMk id="2" creationId="{A8C99902-2A36-9C91-5F2C-9819DE23FB0C}"/>
+          </ac:spMkLst>
+        </pc:spChg>
+        <pc:spChg chg="mod">
+          <ac:chgData name="Matthieu De Mari" userId="dfb708c9-d8dc-439f-9a3b-c772bf4a311c" providerId="ADAL" clId="{AC0CA790-EDC2-4116-8838-0C3C4AEF80E1}" dt="2023-07-06T03:42:10.598" v="1326" actId="20577"/>
+          <ac:spMkLst>
+            <pc:docMk/>
+            <pc:sldMk cId="741808374" sldId="808"/>
+            <ac:spMk id="3" creationId="{F0814AA9-339A-72D8-E8A9-C066A3ED5800}"/>
+          </ac:spMkLst>
+        </pc:spChg>
+      </pc:sldChg>
+      <pc:sldChg chg="modSp mod">
+        <pc:chgData name="Matthieu De Mari" userId="dfb708c9-d8dc-439f-9a3b-c772bf4a311c" providerId="ADAL" clId="{AC0CA790-EDC2-4116-8838-0C3C4AEF80E1}" dt="2023-07-06T03:42:35.589" v="1340" actId="20577"/>
+        <pc:sldMkLst>
+          <pc:docMk/>
+          <pc:sldMk cId="4127253414" sldId="809"/>
+        </pc:sldMkLst>
+        <pc:spChg chg="mod">
+          <ac:chgData name="Matthieu De Mari" userId="dfb708c9-d8dc-439f-9a3b-c772bf4a311c" providerId="ADAL" clId="{AC0CA790-EDC2-4116-8838-0C3C4AEF80E1}" dt="2023-07-06T03:42:35.589" v="1340" actId="20577"/>
+          <ac:spMkLst>
+            <pc:docMk/>
+            <pc:sldMk cId="4127253414" sldId="809"/>
+            <ac:spMk id="3" creationId="{F03B80B8-F02F-81A4-905C-A12A73155D58}"/>
+          </ac:spMkLst>
+        </pc:spChg>
+      </pc:sldChg>
+      <pc:sldChg chg="modSp mod">
+        <pc:chgData name="Matthieu De Mari" userId="dfb708c9-d8dc-439f-9a3b-c772bf4a311c" providerId="ADAL" clId="{AC0CA790-EDC2-4116-8838-0C3C4AEF80E1}" dt="2023-07-06T03:43:01.506" v="1352" actId="20577"/>
+        <pc:sldMkLst>
+          <pc:docMk/>
+          <pc:sldMk cId="3415879044" sldId="810"/>
+        </pc:sldMkLst>
+        <pc:spChg chg="mod">
+          <ac:chgData name="Matthieu De Mari" userId="dfb708c9-d8dc-439f-9a3b-c772bf4a311c" providerId="ADAL" clId="{AC0CA790-EDC2-4116-8838-0C3C4AEF80E1}" dt="2023-07-06T03:43:01.506" v="1352" actId="20577"/>
+          <ac:spMkLst>
+            <pc:docMk/>
+            <pc:sldMk cId="3415879044" sldId="810"/>
+            <ac:spMk id="3" creationId="{F03B80B8-F02F-81A4-905C-A12A73155D58}"/>
+          </ac:spMkLst>
+        </pc:spChg>
+      </pc:sldChg>
+      <pc:sldChg chg="modSp mod">
+        <pc:chgData name="Matthieu De Mari" userId="dfb708c9-d8dc-439f-9a3b-c772bf4a311c" providerId="ADAL" clId="{AC0CA790-EDC2-4116-8838-0C3C4AEF80E1}" dt="2023-07-06T03:45:05.478" v="1533" actId="20577"/>
+        <pc:sldMkLst>
+          <pc:docMk/>
+          <pc:sldMk cId="2804082923" sldId="811"/>
+        </pc:sldMkLst>
+        <pc:spChg chg="mod">
+          <ac:chgData name="Matthieu De Mari" userId="dfb708c9-d8dc-439f-9a3b-c772bf4a311c" providerId="ADAL" clId="{AC0CA790-EDC2-4116-8838-0C3C4AEF80E1}" dt="2023-07-06T03:45:05.478" v="1533" actId="20577"/>
+          <ac:spMkLst>
+            <pc:docMk/>
+            <pc:sldMk cId="2804082923" sldId="811"/>
+            <ac:spMk id="5" creationId="{0ABFA246-AA73-67B0-2D31-98CDFA32F1EB}"/>
+          </ac:spMkLst>
+        </pc:spChg>
+      </pc:sldChg>
+      <pc:sldChg chg="modSp mod">
+        <pc:chgData name="Matthieu De Mari" userId="dfb708c9-d8dc-439f-9a3b-c772bf4a311c" providerId="ADAL" clId="{AC0CA790-EDC2-4116-8838-0C3C4AEF80E1}" dt="2023-07-06T03:45:28.808" v="1537"/>
+        <pc:sldMkLst>
+          <pc:docMk/>
+          <pc:sldMk cId="3931571633" sldId="812"/>
+        </pc:sldMkLst>
+        <pc:spChg chg="mod">
+          <ac:chgData name="Matthieu De Mari" userId="dfb708c9-d8dc-439f-9a3b-c772bf4a311c" providerId="ADAL" clId="{AC0CA790-EDC2-4116-8838-0C3C4AEF80E1}" dt="2023-07-06T03:45:28.808" v="1537"/>
+          <ac:spMkLst>
+            <pc:docMk/>
+            <pc:sldMk cId="3931571633" sldId="812"/>
+            <ac:spMk id="5" creationId="{0ABFA246-AA73-67B0-2D31-98CDFA32F1EB}"/>
+          </ac:spMkLst>
+        </pc:spChg>
+      </pc:sldChg>
+      <pc:sldChg chg="modSp mod">
+        <pc:chgData name="Matthieu De Mari" userId="dfb708c9-d8dc-439f-9a3b-c772bf4a311c" providerId="ADAL" clId="{AC0CA790-EDC2-4116-8838-0C3C4AEF80E1}" dt="2023-07-06T03:48:14.983" v="1680" actId="20577"/>
+        <pc:sldMkLst>
+          <pc:docMk/>
+          <pc:sldMk cId="2163984957" sldId="814"/>
+        </pc:sldMkLst>
+        <pc:spChg chg="mod">
+          <ac:chgData name="Matthieu De Mari" userId="dfb708c9-d8dc-439f-9a3b-c772bf4a311c" providerId="ADAL" clId="{AC0CA790-EDC2-4116-8838-0C3C4AEF80E1}" dt="2023-07-06T03:48:14.983" v="1680" actId="20577"/>
+          <ac:spMkLst>
+            <pc:docMk/>
+            <pc:sldMk cId="2163984957" sldId="814"/>
+            <ac:spMk id="2" creationId="{D96AD8A6-B599-B063-57F1-1C39C0DC0740}"/>
+          </ac:spMkLst>
+        </pc:spChg>
+        <pc:spChg chg="mod">
+          <ac:chgData name="Matthieu De Mari" userId="dfb708c9-d8dc-439f-9a3b-c772bf4a311c" providerId="ADAL" clId="{AC0CA790-EDC2-4116-8838-0C3C4AEF80E1}" dt="2023-07-06T03:48:08.150" v="1675" actId="20577"/>
+          <ac:spMkLst>
+            <pc:docMk/>
+            <pc:sldMk cId="2163984957" sldId="814"/>
+            <ac:spMk id="3" creationId="{E1CD3411-BB5D-79FF-453C-75044757B3B6}"/>
+          </ac:spMkLst>
+        </pc:spChg>
+      </pc:sldChg>
+      <pc:sldChg chg="modSp mod">
+        <pc:chgData name="Matthieu De Mari" userId="dfb708c9-d8dc-439f-9a3b-c772bf4a311c" providerId="ADAL" clId="{AC0CA790-EDC2-4116-8838-0C3C4AEF80E1}" dt="2023-07-06T03:48:45.953" v="1698" actId="20577"/>
+        <pc:sldMkLst>
+          <pc:docMk/>
+          <pc:sldMk cId="507741553" sldId="815"/>
+        </pc:sldMkLst>
+        <pc:spChg chg="mod">
+          <ac:chgData name="Matthieu De Mari" userId="dfb708c9-d8dc-439f-9a3b-c772bf4a311c" providerId="ADAL" clId="{AC0CA790-EDC2-4116-8838-0C3C4AEF80E1}" dt="2023-07-06T03:48:45.953" v="1698" actId="20577"/>
+          <ac:spMkLst>
+            <pc:docMk/>
+            <pc:sldMk cId="507741553" sldId="815"/>
+            <ac:spMk id="5" creationId="{FD741876-3C5F-A683-C589-99A3ED536B4B}"/>
+          </ac:spMkLst>
+        </pc:spChg>
+      </pc:sldChg>
+      <pc:sldChg chg="modSp mod">
+        <pc:chgData name="Matthieu De Mari" userId="dfb708c9-d8dc-439f-9a3b-c772bf4a311c" providerId="ADAL" clId="{AC0CA790-EDC2-4116-8838-0C3C4AEF80E1}" dt="2023-07-06T04:06:40.769" v="2067" actId="20577"/>
+        <pc:sldMkLst>
+          <pc:docMk/>
+          <pc:sldMk cId="1946753280" sldId="816"/>
+        </pc:sldMkLst>
+        <pc:spChg chg="mod">
+          <ac:chgData name="Matthieu De Mari" userId="dfb708c9-d8dc-439f-9a3b-c772bf4a311c" providerId="ADAL" clId="{AC0CA790-EDC2-4116-8838-0C3C4AEF80E1}" dt="2023-07-06T04:06:40.769" v="2067" actId="20577"/>
+          <ac:spMkLst>
+            <pc:docMk/>
+            <pc:sldMk cId="1946753280" sldId="816"/>
+            <ac:spMk id="3" creationId="{63E638E1-0E19-7F02-7FE0-49EBCE47EBFA}"/>
+          </ac:spMkLst>
+        </pc:spChg>
+      </pc:sldChg>
+      <pc:sldChg chg="addSp delSp modSp mod">
+        <pc:chgData name="Matthieu De Mari" userId="dfb708c9-d8dc-439f-9a3b-c772bf4a311c" providerId="ADAL" clId="{AC0CA790-EDC2-4116-8838-0C3C4AEF80E1}" dt="2023-07-06T04:08:39.519" v="2190"/>
+        <pc:sldMkLst>
+          <pc:docMk/>
+          <pc:sldMk cId="4233116706" sldId="817"/>
+        </pc:sldMkLst>
+        <pc:spChg chg="mod">
+          <ac:chgData name="Matthieu De Mari" userId="dfb708c9-d8dc-439f-9a3b-c772bf4a311c" providerId="ADAL" clId="{AC0CA790-EDC2-4116-8838-0C3C4AEF80E1}" dt="2023-07-06T04:08:21.773" v="2184" actId="20577"/>
+          <ac:spMkLst>
+            <pc:docMk/>
+            <pc:sldMk cId="4233116706" sldId="817"/>
+            <ac:spMk id="3" creationId="{63E638E1-0E19-7F02-7FE0-49EBCE47EBFA}"/>
+          </ac:spMkLst>
+        </pc:spChg>
+        <pc:picChg chg="add mod">
+          <ac:chgData name="Matthieu De Mari" userId="dfb708c9-d8dc-439f-9a3b-c772bf4a311c" providerId="ADAL" clId="{AC0CA790-EDC2-4116-8838-0C3C4AEF80E1}" dt="2023-07-06T04:08:39.519" v="2190"/>
+          <ac:picMkLst>
+            <pc:docMk/>
+            <pc:sldMk cId="4233116706" sldId="817"/>
+            <ac:picMk id="4" creationId="{E00CC6F8-3B60-1E59-AC98-6A0AD36B8471}"/>
+          </ac:picMkLst>
+        </pc:picChg>
+        <pc:picChg chg="del mod">
+          <ac:chgData name="Matthieu De Mari" userId="dfb708c9-d8dc-439f-9a3b-c772bf4a311c" providerId="ADAL" clId="{AC0CA790-EDC2-4116-8838-0C3C4AEF80E1}" dt="2023-07-06T04:08:39.235" v="2189" actId="478"/>
+          <ac:picMkLst>
+            <pc:docMk/>
+            <pc:sldMk cId="4233116706" sldId="817"/>
+            <ac:picMk id="8" creationId="{4F49498C-C168-D997-C92B-72ABE1A492B2}"/>
+          </ac:picMkLst>
+        </pc:picChg>
+      </pc:sldChg>
+      <pc:sldChg chg="addSp delSp modSp mod">
+        <pc:chgData name="Matthieu De Mari" userId="dfb708c9-d8dc-439f-9a3b-c772bf4a311c" providerId="ADAL" clId="{AC0CA790-EDC2-4116-8838-0C3C4AEF80E1}" dt="2023-07-06T04:09:59.482" v="2278" actId="20577"/>
+        <pc:sldMkLst>
+          <pc:docMk/>
+          <pc:sldMk cId="182983479" sldId="818"/>
+        </pc:sldMkLst>
+        <pc:spChg chg="mod">
+          <ac:chgData name="Matthieu De Mari" userId="dfb708c9-d8dc-439f-9a3b-c772bf4a311c" providerId="ADAL" clId="{AC0CA790-EDC2-4116-8838-0C3C4AEF80E1}" dt="2023-07-06T04:09:59.482" v="2278" actId="20577"/>
+          <ac:spMkLst>
+            <pc:docMk/>
+            <pc:sldMk cId="182983479" sldId="818"/>
+            <ac:spMk id="3" creationId="{63E638E1-0E19-7F02-7FE0-49EBCE47EBFA}"/>
+          </ac:spMkLst>
+        </pc:spChg>
+        <pc:picChg chg="del">
+          <ac:chgData name="Matthieu De Mari" userId="dfb708c9-d8dc-439f-9a3b-c772bf4a311c" providerId="ADAL" clId="{AC0CA790-EDC2-4116-8838-0C3C4AEF80E1}" dt="2023-07-06T04:08:31.880" v="2186" actId="478"/>
+          <ac:picMkLst>
+            <pc:docMk/>
+            <pc:sldMk cId="182983479" sldId="818"/>
+            <ac:picMk id="5" creationId="{04BE87CC-6D9A-21CA-4052-9CC25E51F1B6}"/>
+          </ac:picMkLst>
+        </pc:picChg>
+        <pc:picChg chg="add mod">
+          <ac:chgData name="Matthieu De Mari" userId="dfb708c9-d8dc-439f-9a3b-c772bf4a311c" providerId="ADAL" clId="{AC0CA790-EDC2-4116-8838-0C3C4AEF80E1}" dt="2023-07-06T04:08:36.825" v="2188" actId="1076"/>
+          <ac:picMkLst>
+            <pc:docMk/>
+            <pc:sldMk cId="182983479" sldId="818"/>
+            <ac:picMk id="6" creationId="{1DEBBE6B-CA2E-A219-1DD0-72B4197A1E77}"/>
+          </ac:picMkLst>
+        </pc:picChg>
+      </pc:sldChg>
+      <pc:sldChg chg="modSp mod">
+        <pc:chgData name="Matthieu De Mari" userId="dfb708c9-d8dc-439f-9a3b-c772bf4a311c" providerId="ADAL" clId="{AC0CA790-EDC2-4116-8838-0C3C4AEF80E1}" dt="2023-07-06T04:11:59.573" v="2357" actId="207"/>
+        <pc:sldMkLst>
+          <pc:docMk/>
+          <pc:sldMk cId="336555302" sldId="819"/>
+        </pc:sldMkLst>
+        <pc:spChg chg="mod">
+          <ac:chgData name="Matthieu De Mari" userId="dfb708c9-d8dc-439f-9a3b-c772bf4a311c" providerId="ADAL" clId="{AC0CA790-EDC2-4116-8838-0C3C4AEF80E1}" dt="2023-07-06T04:11:59.573" v="2357" actId="207"/>
+          <ac:spMkLst>
+            <pc:docMk/>
+            <pc:sldMk cId="336555302" sldId="819"/>
+            <ac:spMk id="3" creationId="{593B6C32-2754-00A2-7A8E-EF46AD4E3535}"/>
+          </ac:spMkLst>
+        </pc:spChg>
+      </pc:sldChg>
+      <pc:sldChg chg="addSp modSp mod">
+        <pc:chgData name="Matthieu De Mari" userId="dfb708c9-d8dc-439f-9a3b-c772bf4a311c" providerId="ADAL" clId="{AC0CA790-EDC2-4116-8838-0C3C4AEF80E1}" dt="2023-07-06T04:13:36.987" v="2482" actId="1076"/>
+        <pc:sldMkLst>
+          <pc:docMk/>
+          <pc:sldMk cId="4216078664" sldId="822"/>
+        </pc:sldMkLst>
+        <pc:spChg chg="add mod">
+          <ac:chgData name="Matthieu De Mari" userId="dfb708c9-d8dc-439f-9a3b-c772bf4a311c" providerId="ADAL" clId="{AC0CA790-EDC2-4116-8838-0C3C4AEF80E1}" dt="2023-07-06T04:13:36.987" v="2482" actId="1076"/>
+          <ac:spMkLst>
+            <pc:docMk/>
+            <pc:sldMk cId="4216078664" sldId="822"/>
+            <ac:spMk id="2" creationId="{71B172A0-05B2-C1BA-B01D-1B1E9A49139A}"/>
+          </ac:spMkLst>
+        </pc:spChg>
+        <pc:picChg chg="mod">
+          <ac:chgData name="Matthieu De Mari" userId="dfb708c9-d8dc-439f-9a3b-c772bf4a311c" providerId="ADAL" clId="{AC0CA790-EDC2-4116-8838-0C3C4AEF80E1}" dt="2023-07-06T04:12:42.067" v="2358" actId="1076"/>
+          <ac:picMkLst>
+            <pc:docMk/>
+            <pc:sldMk cId="4216078664" sldId="822"/>
+            <ac:picMk id="11" creationId="{6F669AF8-B316-44F0-1C56-849775CD44A6}"/>
+          </ac:picMkLst>
+        </pc:picChg>
+      </pc:sldChg>
+      <pc:sldChg chg="modSp mod">
+        <pc:chgData name="Matthieu De Mari" userId="dfb708c9-d8dc-439f-9a3b-c772bf4a311c" providerId="ADAL" clId="{AC0CA790-EDC2-4116-8838-0C3C4AEF80E1}" dt="2023-07-06T03:34:40.055" v="890" actId="14100"/>
+        <pc:sldMkLst>
+          <pc:docMk/>
+          <pc:sldMk cId="386474252" sldId="827"/>
+        </pc:sldMkLst>
+        <pc:spChg chg="mod">
+          <ac:chgData name="Matthieu De Mari" userId="dfb708c9-d8dc-439f-9a3b-c772bf4a311c" providerId="ADAL" clId="{AC0CA790-EDC2-4116-8838-0C3C4AEF80E1}" dt="2023-07-06T03:34:40.055" v="890" actId="14100"/>
+          <ac:spMkLst>
+            <pc:docMk/>
+            <pc:sldMk cId="386474252" sldId="827"/>
+            <ac:spMk id="3" creationId="{F0814AA9-339A-72D8-E8A9-C066A3ED5800}"/>
+          </ac:spMkLst>
+        </pc:spChg>
+      </pc:sldChg>
+      <pc:sldChg chg="modSp">
+        <pc:chgData name="Matthieu De Mari" userId="dfb708c9-d8dc-439f-9a3b-c772bf4a311c" providerId="ADAL" clId="{AC0CA790-EDC2-4116-8838-0C3C4AEF80E1}" dt="2023-07-06T03:47:47.920" v="1674"/>
+        <pc:sldMkLst>
+          <pc:docMk/>
+          <pc:sldMk cId="2986862345" sldId="828"/>
+        </pc:sldMkLst>
+        <pc:spChg chg="mod">
+          <ac:chgData name="Matthieu De Mari" userId="dfb708c9-d8dc-439f-9a3b-c772bf4a311c" providerId="ADAL" clId="{AC0CA790-EDC2-4116-8838-0C3C4AEF80E1}" dt="2023-07-06T03:47:47.920" v="1674"/>
+          <ac:spMkLst>
+            <pc:docMk/>
+            <pc:sldMk cId="2986862345" sldId="828"/>
+            <ac:spMk id="3" creationId="{CF1D478A-0975-EE46-490C-B98DC55AC938}"/>
+          </ac:spMkLst>
+        </pc:spChg>
+      </pc:sldChg>
+      <pc:sldChg chg="addSp delSp modSp mod">
+        <pc:chgData name="Matthieu De Mari" userId="dfb708c9-d8dc-439f-9a3b-c772bf4a311c" providerId="ADAL" clId="{AC0CA790-EDC2-4116-8838-0C3C4AEF80E1}" dt="2023-07-06T04:06:03.302" v="2047" actId="1076"/>
+        <pc:sldMkLst>
+          <pc:docMk/>
+          <pc:sldMk cId="2441798468" sldId="829"/>
+        </pc:sldMkLst>
+        <pc:spChg chg="mod">
+          <ac:chgData name="Matthieu De Mari" userId="dfb708c9-d8dc-439f-9a3b-c772bf4a311c" providerId="ADAL" clId="{AC0CA790-EDC2-4116-8838-0C3C4AEF80E1}" dt="2023-07-06T04:03:52.501" v="1923" actId="27636"/>
+          <ac:spMkLst>
+            <pc:docMk/>
+            <pc:sldMk cId="2441798468" sldId="829"/>
+            <ac:spMk id="3" creationId="{63E638E1-0E19-7F02-7FE0-49EBCE47EBFA}"/>
+          </ac:spMkLst>
+        </pc:spChg>
+        <pc:spChg chg="add mod">
+          <ac:chgData name="Matthieu De Mari" userId="dfb708c9-d8dc-439f-9a3b-c772bf4a311c" providerId="ADAL" clId="{AC0CA790-EDC2-4116-8838-0C3C4AEF80E1}" dt="2023-07-06T04:06:00.321" v="2046" actId="14100"/>
+          <ac:spMkLst>
+            <pc:docMk/>
+            <pc:sldMk cId="2441798468" sldId="829"/>
+            <ac:spMk id="7" creationId="{44129023-F68E-078F-9134-3441B0D61EA9}"/>
+          </ac:spMkLst>
+        </pc:spChg>
+        <pc:picChg chg="add del mod">
+          <ac:chgData name="Matthieu De Mari" userId="dfb708c9-d8dc-439f-9a3b-c772bf4a311c" providerId="ADAL" clId="{AC0CA790-EDC2-4116-8838-0C3C4AEF80E1}" dt="2023-07-06T03:52:03.055" v="1801" actId="21"/>
+          <ac:picMkLst>
+            <pc:docMk/>
+            <pc:sldMk cId="2441798468" sldId="829"/>
+            <ac:picMk id="5" creationId="{05FC1359-A4ED-D65F-D536-843F70B1661A}"/>
+          </ac:picMkLst>
+        </pc:picChg>
+        <pc:picChg chg="add mod">
+          <ac:chgData name="Matthieu De Mari" userId="dfb708c9-d8dc-439f-9a3b-c772bf4a311c" providerId="ADAL" clId="{AC0CA790-EDC2-4116-8838-0C3C4AEF80E1}" dt="2023-07-06T04:06:03.302" v="2047" actId="1076"/>
+          <ac:picMkLst>
+            <pc:docMk/>
+            <pc:sldMk cId="2441798468" sldId="829"/>
+            <ac:picMk id="6" creationId="{B9E7BE80-0CA2-4B8B-69D7-5C91E3AB8500}"/>
+          </ac:picMkLst>
+        </pc:picChg>
+      </pc:sldChg>
+      <pc:sldChg chg="addSp delSp modSp mod">
+        <pc:chgData name="Matthieu De Mari" userId="dfb708c9-d8dc-439f-9a3b-c772bf4a311c" providerId="ADAL" clId="{AC0CA790-EDC2-4116-8838-0C3C4AEF80E1}" dt="2023-07-06T04:10:29.356" v="2299" actId="20577"/>
+        <pc:sldMkLst>
+          <pc:docMk/>
+          <pc:sldMk cId="491711875" sldId="830"/>
+        </pc:sldMkLst>
+        <pc:spChg chg="mod">
+          <ac:chgData name="Matthieu De Mari" userId="dfb708c9-d8dc-439f-9a3b-c772bf4a311c" providerId="ADAL" clId="{AC0CA790-EDC2-4116-8838-0C3C4AEF80E1}" dt="2023-07-06T04:10:29.356" v="2299" actId="20577"/>
+          <ac:spMkLst>
+            <pc:docMk/>
+            <pc:sldMk cId="491711875" sldId="830"/>
+            <ac:spMk id="3" creationId="{63E638E1-0E19-7F02-7FE0-49EBCE47EBFA}"/>
+          </ac:spMkLst>
+        </pc:spChg>
+        <pc:picChg chg="del">
+          <ac:chgData name="Matthieu De Mari" userId="dfb708c9-d8dc-439f-9a3b-c772bf4a311c" providerId="ADAL" clId="{AC0CA790-EDC2-4116-8838-0C3C4AEF80E1}" dt="2023-07-06T04:10:26.253" v="2296" actId="478"/>
+          <ac:picMkLst>
+            <pc:docMk/>
+            <pc:sldMk cId="491711875" sldId="830"/>
+            <ac:picMk id="5" creationId="{04BE87CC-6D9A-21CA-4052-9CC25E51F1B6}"/>
+          </ac:picMkLst>
+        </pc:picChg>
+        <pc:picChg chg="add mod">
+          <ac:chgData name="Matthieu De Mari" userId="dfb708c9-d8dc-439f-9a3b-c772bf4a311c" providerId="ADAL" clId="{AC0CA790-EDC2-4116-8838-0C3C4AEF80E1}" dt="2023-07-06T04:10:26.489" v="2297"/>
+          <ac:picMkLst>
+            <pc:docMk/>
+            <pc:sldMk cId="491711875" sldId="830"/>
+            <ac:picMk id="6" creationId="{CA2AFA82-4109-7FB0-8594-582930CE5F91}"/>
+          </ac:picMkLst>
+        </pc:picChg>
+      </pc:sldChg>
+    </pc:docChg>
+  </pc:docChgLst>
   <pc:docChgLst>
     <pc:chgData name="Matthieu De Mari" userId="dfb708c9-d8dc-439f-9a3b-c772bf4a311c" providerId="ADAL" clId="{D2FDBEB2-E663-41FC-8A3C-AC79657DF6AB}"/>
     <pc:docChg chg="undo custSel addSld delSld modSld sldOrd addSection delSection modSection">
@@ -6226,7 +7027,7 @@
           <a:p>
             <a:fld id="{61478373-EB31-4867-8CF0-FA31364748A5}" type="datetimeFigureOut">
               <a:rPr lang="en-GB" smtClean="0"/>
-              <a:t>08/02/2023</a:t>
+              <a:t>06/07/2023</a:t>
             </a:fld>
             <a:endParaRPr lang="en-GB"/>
           </a:p>
@@ -6643,7 +7444,7 @@
           <a:p>
             <a:fld id="{E85DF616-B21E-4EF6-A6A5-95E2FB3EB1A1}" type="datetimeFigureOut">
               <a:rPr lang="en-GB" smtClean="0"/>
-              <a:t>08/02/2023</a:t>
+              <a:t>06/07/2023</a:t>
             </a:fld>
             <a:endParaRPr lang="en-GB"/>
           </a:p>
@@ -6843,7 +7644,7 @@
           <a:p>
             <a:fld id="{E85DF616-B21E-4EF6-A6A5-95E2FB3EB1A1}" type="datetimeFigureOut">
               <a:rPr lang="en-GB" smtClean="0"/>
-              <a:t>08/02/2023</a:t>
+              <a:t>06/07/2023</a:t>
             </a:fld>
             <a:endParaRPr lang="en-GB"/>
           </a:p>
@@ -7053,7 +7854,7 @@
           <a:p>
             <a:fld id="{E85DF616-B21E-4EF6-A6A5-95E2FB3EB1A1}" type="datetimeFigureOut">
               <a:rPr lang="en-GB" smtClean="0"/>
-              <a:t>08/02/2023</a:t>
+              <a:t>06/07/2023</a:t>
             </a:fld>
             <a:endParaRPr lang="en-GB"/>
           </a:p>
@@ -7253,7 +8054,7 @@
           <a:p>
             <a:fld id="{E85DF616-B21E-4EF6-A6A5-95E2FB3EB1A1}" type="datetimeFigureOut">
               <a:rPr lang="en-GB" smtClean="0"/>
-              <a:t>08/02/2023</a:t>
+              <a:t>06/07/2023</a:t>
             </a:fld>
             <a:endParaRPr lang="en-GB"/>
           </a:p>
@@ -7529,7 +8330,7 @@
           <a:p>
             <a:fld id="{E85DF616-B21E-4EF6-A6A5-95E2FB3EB1A1}" type="datetimeFigureOut">
               <a:rPr lang="en-GB" smtClean="0"/>
-              <a:t>08/02/2023</a:t>
+              <a:t>06/07/2023</a:t>
             </a:fld>
             <a:endParaRPr lang="en-GB"/>
           </a:p>
@@ -7797,7 +8598,7 @@
           <a:p>
             <a:fld id="{E85DF616-B21E-4EF6-A6A5-95E2FB3EB1A1}" type="datetimeFigureOut">
               <a:rPr lang="en-GB" smtClean="0"/>
-              <a:t>08/02/2023</a:t>
+              <a:t>06/07/2023</a:t>
             </a:fld>
             <a:endParaRPr lang="en-GB"/>
           </a:p>
@@ -8212,7 +9013,7 @@
           <a:p>
             <a:fld id="{E85DF616-B21E-4EF6-A6A5-95E2FB3EB1A1}" type="datetimeFigureOut">
               <a:rPr lang="en-GB" smtClean="0"/>
-              <a:t>08/02/2023</a:t>
+              <a:t>06/07/2023</a:t>
             </a:fld>
             <a:endParaRPr lang="en-GB"/>
           </a:p>
@@ -8354,7 +9155,7 @@
           <a:p>
             <a:fld id="{E85DF616-B21E-4EF6-A6A5-95E2FB3EB1A1}" type="datetimeFigureOut">
               <a:rPr lang="en-GB" smtClean="0"/>
-              <a:t>08/02/2023</a:t>
+              <a:t>06/07/2023</a:t>
             </a:fld>
             <a:endParaRPr lang="en-GB"/>
           </a:p>
@@ -8467,7 +9268,7 @@
           <a:p>
             <a:fld id="{E85DF616-B21E-4EF6-A6A5-95E2FB3EB1A1}" type="datetimeFigureOut">
               <a:rPr lang="en-GB" smtClean="0"/>
-              <a:t>08/02/2023</a:t>
+              <a:t>06/07/2023</a:t>
             </a:fld>
             <a:endParaRPr lang="en-GB"/>
           </a:p>
@@ -8780,7 +9581,7 @@
           <a:p>
             <a:fld id="{E85DF616-B21E-4EF6-A6A5-95E2FB3EB1A1}" type="datetimeFigureOut">
               <a:rPr lang="en-GB" smtClean="0"/>
-              <a:t>08/02/2023</a:t>
+              <a:t>06/07/2023</a:t>
             </a:fld>
             <a:endParaRPr lang="en-GB"/>
           </a:p>
@@ -9069,7 +9870,7 @@
           <a:p>
             <a:fld id="{E85DF616-B21E-4EF6-A6A5-95E2FB3EB1A1}" type="datetimeFigureOut">
               <a:rPr lang="en-GB" smtClean="0"/>
-              <a:t>08/02/2023</a:t>
+              <a:t>06/07/2023</a:t>
             </a:fld>
             <a:endParaRPr lang="en-GB"/>
           </a:p>
@@ -9312,7 +10113,7 @@
           <a:p>
             <a:fld id="{E85DF616-B21E-4EF6-A6A5-95E2FB3EB1A1}" type="datetimeFigureOut">
               <a:rPr lang="en-GB" smtClean="0"/>
-              <a:t>08/02/2023</a:t>
+              <a:t>06/07/2023</a:t>
             </a:fld>
             <a:endParaRPr lang="en-GB"/>
           </a:p>
@@ -10037,6 +10838,9 @@
           </a:bodyPr>
           <a:lstStyle/>
           <a:p>
+            <a:pPr marL="0" indent="0">
+              <a:buNone/>
+            </a:pPr>
             <a:r>
               <a:rPr lang="en-GB" dirty="0"/>
               <a:t>Most of the time, when demonstrating concepts, we will rely on a "simple" </a:t>
@@ -10063,13 +10867,7 @@
             </a:r>
             <a:r>
               <a:rPr lang="en-GB" dirty="0"/>
-              <a:t> library.</a:t>
-            </a:r>
-          </a:p>
-          <a:p>
-            <a:r>
-              <a:rPr lang="en-GB" dirty="0"/>
-              <a:t>In practice, however, you will often play with a </a:t>
+              <a:t> library. In practice, however, you will often play with a </a:t>
             </a:r>
             <a:r>
               <a:rPr lang="en-GB" b="1" dirty="0"/>
@@ -10091,7 +10889,7 @@
           <a:p>
             <a:r>
               <a:rPr lang="en-GB" dirty="0"/>
-              <a:t>Most datasets will be provided by your future employers, or can be found on dataset search engines, such as </a:t>
+              <a:t>Most datasets will be provided by your company, or can be found on dataset search engines, such as </a:t>
             </a:r>
             <a:r>
               <a:rPr lang="en-GB" b="1" dirty="0"/>
@@ -10214,19 +11012,48 @@
         </p:nvPicPr>
         <p:blipFill rotWithShape="1">
           <a:blip r:embed="rId2"/>
-          <a:srcRect r="50000" b="5659"/>
+          <a:srcRect t="16501" r="66293" b="43462"/>
           <a:stretch/>
         </p:blipFill>
         <p:spPr>
           <a:xfrm>
-            <a:off x="280534" y="0"/>
-            <a:ext cx="11630932" cy="6858000"/>
+            <a:off x="215319" y="1848463"/>
+            <a:ext cx="11761361" cy="4365523"/>
           </a:xfrm>
           <a:prstGeom prst="rect">
             <a:avLst/>
           </a:prstGeom>
         </p:spPr>
       </p:pic>
+      <p:sp>
+        <p:nvSpPr>
+          <p:cNvPr id="2" name="Title 1">
+            <a:extLst>
+              <a:ext uri="{FF2B5EF4-FFF2-40B4-BE49-F238E27FC236}">
+                <a16:creationId xmlns:a16="http://schemas.microsoft.com/office/drawing/2014/main" id="{B91EA25B-9659-1DC6-A4D1-D0A5BE37D4F7}"/>
+              </a:ext>
+            </a:extLst>
+          </p:cNvPr>
+          <p:cNvSpPr>
+            <a:spLocks noGrp="1"/>
+          </p:cNvSpPr>
+          <p:nvPr>
+            <p:ph type="title"/>
+          </p:nvPr>
+        </p:nvSpPr>
+        <p:spPr/>
+        <p:txBody>
+          <a:bodyPr/>
+          <a:lstStyle/>
+          <a:p>
+            <a:r>
+              <a:rPr lang="en-GB" dirty="0"/>
+              <a:t>A look at our dataset Excel file</a:t>
+            </a:r>
+            <a:endParaRPr lang="en-SG" dirty="0"/>
+          </a:p>
+        </p:txBody>
+      </p:sp>
     </p:spTree>
     <p:extLst>
       <p:ext uri="{BB962C8B-B14F-4D97-AF65-F5344CB8AC3E}">
@@ -10949,8 +11776,8 @@
         </p:nvSpPr>
         <p:spPr>
           <a:xfrm>
-            <a:off x="838200" y="1825624"/>
-            <a:ext cx="4015154" cy="5032375"/>
+            <a:off x="462116" y="1825624"/>
+            <a:ext cx="4965290" cy="5032375"/>
           </a:xfrm>
         </p:spPr>
         <p:txBody>
@@ -10982,6 +11809,10 @@
               <a:rPr lang="en-GB" dirty="0"/>
               <a:t> first.</a:t>
             </a:r>
+            <a:br>
+              <a:rPr lang="en-GB" dirty="0"/>
+            </a:br>
+            <a:endParaRPr lang="en-GB" dirty="0"/>
           </a:p>
           <a:p>
             <a:pPr marL="0" indent="0">
@@ -10989,7 +11820,7 @@
             </a:pPr>
             <a:r>
               <a:rPr lang="en-GB" i="1" dirty="0"/>
-              <a:t>Note</a:t>
+              <a:t>(Note</a:t>
             </a:r>
             <a:r>
               <a:rPr lang="en-GB" b="1" i="1" dirty="0"/>
@@ -10997,7 +11828,15 @@
             </a:r>
             <a:r>
               <a:rPr lang="en-GB" i="1" dirty="0"/>
-              <a:t>Not familiar with the pandas library? Find 10 minutes to pick it up, it will definitely serve you in the long run!</a:t>
+              <a:t>Not familiar with the </a:t>
+            </a:r>
+            <a:r>
+              <a:rPr lang="en-GB" b="1" i="1" dirty="0"/>
+              <a:t>pandas</a:t>
+            </a:r>
+            <a:r>
+              <a:rPr lang="en-GB" i="1" dirty="0"/>
+              <a:t> library? Find 10 minutes to learn it, it will definitely serve you in the long run!</a:t>
             </a:r>
           </a:p>
           <a:p>
@@ -11010,7 +11849,10 @@
               </a:rPr>
               <a:t>https://pandas.pydata.org/docs/user_guide/10min.html</a:t>
             </a:r>
-            <a:endParaRPr lang="en-GB" i="1" dirty="0"/>
+            <a:r>
+              <a:rPr lang="en-GB" i="1" dirty="0"/>
+              <a:t>)</a:t>
+            </a:r>
           </a:p>
         </p:txBody>
       </p:sp>
@@ -11036,8 +11878,8 @@
         </p:blipFill>
         <p:spPr>
           <a:xfrm>
-            <a:off x="5152043" y="365125"/>
-            <a:ext cx="7039957" cy="6144482"/>
+            <a:off x="5771535" y="627105"/>
+            <a:ext cx="6420465" cy="5603789"/>
           </a:xfrm>
           <a:prstGeom prst="rect">
             <a:avLst/>
@@ -11128,13 +11970,13 @@
         </p:nvSpPr>
         <p:spPr>
           <a:xfrm>
-            <a:off x="838200" y="1825624"/>
-            <a:ext cx="5181600" cy="5032375"/>
+            <a:off x="285135" y="1825624"/>
+            <a:ext cx="5734665" cy="5032375"/>
           </a:xfrm>
         </p:spPr>
         <p:txBody>
           <a:bodyPr>
-            <a:normAutofit fontScale="85000" lnSpcReduction="10000"/>
+            <a:normAutofit fontScale="92500" lnSpcReduction="20000"/>
           </a:bodyPr>
           <a:lstStyle/>
           <a:p>
@@ -11171,12 +12013,9 @@
             </a:r>
           </a:p>
           <a:p>
-            <a:pPr marL="0" indent="0">
-              <a:buNone/>
-            </a:pPr>
-            <a:r>
-              <a:rPr lang="en-GB" dirty="0"/>
-              <a:t>- Create a </a:t>
+            <a:r>
+              <a:rPr lang="en-GB" dirty="0"/>
+              <a:t>Create a </a:t>
             </a:r>
             <a:r>
               <a:rPr lang="en-GB" b="1" dirty="0"/>
@@ -11204,12 +12043,9 @@
             </a:r>
           </a:p>
           <a:p>
-            <a:pPr marL="0" indent="0">
-              <a:buNone/>
-            </a:pPr>
-            <a:r>
-              <a:rPr lang="en-GB" dirty="0"/>
-              <a:t>- Define a an </a:t>
+            <a:r>
+              <a:rPr lang="en-GB" dirty="0"/>
+              <a:t>Define a an </a:t>
             </a:r>
             <a:r>
               <a:rPr lang="en-GB" b="1" dirty="0"/>
@@ -11229,12 +12065,9 @@
             </a:r>
           </a:p>
           <a:p>
-            <a:pPr marL="0" indent="0">
-              <a:buNone/>
-            </a:pPr>
-            <a:r>
-              <a:rPr lang="en-GB" dirty="0"/>
-              <a:t>- Define a </a:t>
+            <a:r>
+              <a:rPr lang="en-GB" dirty="0"/>
+              <a:t>Define a </a:t>
             </a:r>
             <a:r>
               <a:rPr lang="en-GB" b="1" dirty="0"/>
@@ -11286,12 +12119,9 @@
             </a:r>
           </a:p>
           <a:p>
-            <a:pPr marL="0" indent="0">
-              <a:buNone/>
-            </a:pPr>
-            <a:r>
-              <a:rPr lang="en-GB" dirty="0"/>
-              <a:t>- Define a method </a:t>
+            <a:r>
+              <a:rPr lang="en-GB" dirty="0"/>
+              <a:t>Define a method </a:t>
             </a:r>
             <a:r>
               <a:rPr lang="en-GB" b="1" dirty="0"/>
@@ -11456,256 +12286,6 @@
           </a:p>
         </p:txBody>
       </p:sp>
-      <p:sp>
-        <p:nvSpPr>
-          <p:cNvPr id="3" name="Content Placeholder 2">
-            <a:extLst>
-              <a:ext uri="{FF2B5EF4-FFF2-40B4-BE49-F238E27FC236}">
-                <a16:creationId xmlns:a16="http://schemas.microsoft.com/office/drawing/2014/main" id="{BA2A0416-0B18-CDD3-9A37-B441AE8FAEC0}"/>
-              </a:ext>
-            </a:extLst>
-          </p:cNvPr>
-          <p:cNvSpPr>
-            <a:spLocks noGrp="1"/>
-          </p:cNvSpPr>
-          <p:nvPr>
-            <p:ph sz="half" idx="1"/>
-          </p:nvPr>
-        </p:nvSpPr>
-        <p:spPr>
-          <a:xfrm>
-            <a:off x="838200" y="1825624"/>
-            <a:ext cx="5181600" cy="5032375"/>
-          </a:xfrm>
-        </p:spPr>
-        <p:txBody>
-          <a:bodyPr>
-            <a:normAutofit fontScale="85000" lnSpcReduction="10000"/>
-          </a:bodyPr>
-          <a:lstStyle/>
-          <a:p>
-            <a:pPr marL="0" indent="0">
-              <a:buNone/>
-            </a:pPr>
-            <a:r>
-              <a:rPr lang="en-GB" dirty="0"/>
-              <a:t>To write a custom </a:t>
-            </a:r>
-            <a:r>
-              <a:rPr lang="en-GB" b="1" dirty="0"/>
-              <a:t>dataset</a:t>
-            </a:r>
-            <a:r>
-              <a:rPr lang="en-GB" dirty="0"/>
-              <a:t> </a:t>
-            </a:r>
-            <a:r>
-              <a:rPr lang="en-GB" b="1" dirty="0"/>
-              <a:t>class</a:t>
-            </a:r>
-            <a:r>
-              <a:rPr lang="en-GB" dirty="0"/>
-              <a:t> in </a:t>
-            </a:r>
-            <a:r>
-              <a:rPr lang="en-GB" dirty="0" err="1"/>
-              <a:t>PyTorch</a:t>
-            </a:r>
-            <a:r>
-              <a:rPr lang="en-GB" dirty="0"/>
-              <a:t>, we need to:</a:t>
-            </a:r>
-          </a:p>
-          <a:p>
-            <a:pPr marL="0" indent="0">
-              <a:buNone/>
-            </a:pPr>
-            <a:r>
-              <a:rPr lang="en-GB" dirty="0"/>
-              <a:t>- Create a </a:t>
-            </a:r>
-            <a:r>
-              <a:rPr lang="en-GB" b="1" dirty="0"/>
-              <a:t>class</a:t>
-            </a:r>
-            <a:r>
-              <a:rPr lang="en-GB" dirty="0"/>
-              <a:t> that </a:t>
-            </a:r>
-            <a:r>
-              <a:rPr lang="en-GB" b="1" dirty="0"/>
-              <a:t>subclasses</a:t>
-            </a:r>
-            <a:r>
-              <a:rPr lang="en-GB" dirty="0"/>
-              <a:t> </a:t>
-            </a:r>
-            <a:r>
-              <a:rPr lang="en-GB" b="1" dirty="0" err="1"/>
-              <a:t>torch.utils.data.Dataset</a:t>
-            </a:r>
-            <a:r>
-              <a:rPr lang="en-GB" dirty="0"/>
-              <a:t>.</a:t>
-            </a:r>
-          </a:p>
-          <a:p>
-            <a:pPr marL="0" indent="0">
-              <a:buNone/>
-            </a:pPr>
-            <a:r>
-              <a:rPr lang="en-GB" dirty="0"/>
-              <a:t>- Define a an </a:t>
-            </a:r>
-            <a:r>
-              <a:rPr lang="en-GB" b="1" dirty="0"/>
-              <a:t>__</a:t>
-            </a:r>
-            <a:r>
-              <a:rPr lang="en-GB" b="1" dirty="0" err="1"/>
-              <a:t>init</a:t>
-            </a:r>
-            <a:r>
-              <a:rPr lang="en-GB" b="1" dirty="0"/>
-              <a:t>__</a:t>
-            </a:r>
-            <a:r>
-              <a:rPr lang="en-GB" dirty="0"/>
-              <a:t> that takes in the required arguments, and stores them as member variables.</a:t>
-            </a:r>
-          </a:p>
-          <a:p>
-            <a:pPr marL="0" indent="0">
-              <a:buNone/>
-            </a:pPr>
-            <a:r>
-              <a:rPr lang="en-GB" dirty="0"/>
-              <a:t>- Define a </a:t>
-            </a:r>
-            <a:r>
-              <a:rPr lang="en-GB" b="1" dirty="0"/>
-              <a:t>__</a:t>
-            </a:r>
-            <a:r>
-              <a:rPr lang="en-GB" b="1" dirty="0" err="1"/>
-              <a:t>getitem</a:t>
-            </a:r>
-            <a:r>
-              <a:rPr lang="en-GB" b="1" dirty="0"/>
-              <a:t>__</a:t>
-            </a:r>
-            <a:r>
-              <a:rPr lang="en-GB" dirty="0"/>
-              <a:t> that takes </a:t>
-            </a:r>
-            <a:r>
-              <a:rPr lang="en-GB" b="1" dirty="0"/>
-              <a:t>index</a:t>
-            </a:r>
-            <a:r>
-              <a:rPr lang="en-GB" dirty="0"/>
-              <a:t> as input, and </a:t>
-            </a:r>
-            <a:r>
-              <a:rPr lang="en-GB" b="1" dirty="0"/>
-              <a:t>returns</a:t>
-            </a:r>
-            <a:r>
-              <a:rPr lang="en-GB" dirty="0"/>
-              <a:t> the </a:t>
-            </a:r>
-            <a:r>
-              <a:rPr lang="en-GB" b="1" dirty="0"/>
-              <a:t>data</a:t>
-            </a:r>
-            <a:r>
-              <a:rPr lang="en-GB" dirty="0"/>
-              <a:t> and </a:t>
-            </a:r>
-            <a:r>
-              <a:rPr lang="en-GB" b="1" dirty="0"/>
-              <a:t>label</a:t>
-            </a:r>
-            <a:r>
-              <a:rPr lang="en-GB" dirty="0"/>
-              <a:t> at that index as an array. This will allow to use the square bracket notation on our dataset object.</a:t>
-            </a:r>
-          </a:p>
-          <a:p>
-            <a:pPr marL="0" indent="0">
-              <a:buNone/>
-            </a:pPr>
-            <a:r>
-              <a:rPr lang="en-GB" dirty="0"/>
-              <a:t>- Define a method </a:t>
-            </a:r>
-            <a:r>
-              <a:rPr lang="en-GB" b="1" dirty="0"/>
-              <a:t>__</a:t>
-            </a:r>
-            <a:r>
-              <a:rPr lang="en-GB" b="1" dirty="0" err="1"/>
-              <a:t>len</a:t>
-            </a:r>
-            <a:r>
-              <a:rPr lang="en-GB" b="1" dirty="0"/>
-              <a:t>__</a:t>
-            </a:r>
-            <a:r>
-              <a:rPr lang="en-GB" dirty="0"/>
-              <a:t> that returns the </a:t>
-            </a:r>
-            <a:r>
-              <a:rPr lang="en-GB" b="1" dirty="0"/>
-              <a:t>number</a:t>
-            </a:r>
-            <a:r>
-              <a:rPr lang="en-GB" dirty="0"/>
-              <a:t> </a:t>
-            </a:r>
-            <a:r>
-              <a:rPr lang="en-GB" b="1" dirty="0"/>
-              <a:t>of</a:t>
-            </a:r>
-            <a:r>
-              <a:rPr lang="en-GB" dirty="0"/>
-              <a:t> </a:t>
-            </a:r>
-            <a:r>
-              <a:rPr lang="en-GB" b="1" dirty="0"/>
-              <a:t>samples</a:t>
-            </a:r>
-            <a:r>
-              <a:rPr lang="en-GB" dirty="0"/>
-              <a:t> </a:t>
-            </a:r>
-            <a:r>
-              <a:rPr lang="en-GB" b="1" dirty="0"/>
-              <a:t>in</a:t>
-            </a:r>
-            <a:r>
-              <a:rPr lang="en-GB" dirty="0"/>
-              <a:t> </a:t>
-            </a:r>
-            <a:r>
-              <a:rPr lang="en-GB" b="1" dirty="0"/>
-              <a:t>the</a:t>
-            </a:r>
-            <a:r>
-              <a:rPr lang="en-GB" dirty="0"/>
-              <a:t> </a:t>
-            </a:r>
-            <a:r>
-              <a:rPr lang="en-GB" b="1" dirty="0"/>
-              <a:t>dataset</a:t>
-            </a:r>
-            <a:r>
-              <a:rPr lang="en-GB" dirty="0"/>
-              <a:t>.</a:t>
-            </a:r>
-          </a:p>
-        </p:txBody>
-      </p:sp>
       <p:pic>
         <p:nvPicPr>
           <p:cNvPr id="5" name="Picture 4">
@@ -11728,7 +12308,7 @@
         </p:blipFill>
         <p:spPr>
           <a:xfrm>
-            <a:off x="6326994" y="2375877"/>
+            <a:off x="6097430" y="1027906"/>
             <a:ext cx="5809435" cy="3126154"/>
           </a:xfrm>
           <a:prstGeom prst="rect">
@@ -11736,6 +12316,161 @@
           </a:prstGeom>
         </p:spPr>
       </p:pic>
+      <p:sp>
+        <p:nvSpPr>
+          <p:cNvPr id="7" name="Content Placeholder 2">
+            <a:extLst>
+              <a:ext uri="{FF2B5EF4-FFF2-40B4-BE49-F238E27FC236}">
+                <a16:creationId xmlns:a16="http://schemas.microsoft.com/office/drawing/2014/main" id="{34FFFE41-D034-EA6C-3756-750C5DB81D1C}"/>
+              </a:ext>
+            </a:extLst>
+          </p:cNvPr>
+          <p:cNvSpPr>
+            <a:spLocks noGrp="1"/>
+          </p:cNvSpPr>
+          <p:nvPr>
+            <p:ph sz="half" idx="1"/>
+          </p:nvPr>
+        </p:nvSpPr>
+        <p:spPr>
+          <a:xfrm>
+            <a:off x="285135" y="1825624"/>
+            <a:ext cx="5734665" cy="5032375"/>
+          </a:xfrm>
+        </p:spPr>
+        <p:txBody>
+          <a:bodyPr>
+            <a:normAutofit/>
+          </a:bodyPr>
+          <a:lstStyle/>
+          <a:p>
+            <a:pPr marL="0" indent="0">
+              <a:buNone/>
+            </a:pPr>
+            <a:r>
+              <a:rPr lang="en-GB" dirty="0"/>
+              <a:t>The __</a:t>
+            </a:r>
+            <a:r>
+              <a:rPr lang="en-GB" dirty="0" err="1"/>
+              <a:t>getitem</a:t>
+            </a:r>
+            <a:r>
+              <a:rPr lang="en-GB" dirty="0"/>
+              <a:t>__() and __</a:t>
+            </a:r>
+            <a:r>
+              <a:rPr lang="en-GB" dirty="0" err="1"/>
+              <a:t>len</a:t>
+            </a:r>
+            <a:r>
+              <a:rPr lang="en-GB" dirty="0"/>
+              <a:t>__() special methods will allow for </a:t>
+            </a:r>
+            <a:r>
+              <a:rPr lang="en-GB" b="1" dirty="0"/>
+              <a:t>indexing</a:t>
+            </a:r>
+            <a:r>
+              <a:rPr lang="en-GB" dirty="0"/>
+              <a:t> the dataset object.</a:t>
+            </a:r>
+          </a:p>
+          <a:p>
+            <a:r>
+              <a:rPr lang="en-GB" dirty="0"/>
+              <a:t>Later on, we could ask for the sample #286 using the square bracket notation, as shown on side.</a:t>
+            </a:r>
+          </a:p>
+          <a:p>
+            <a:pPr marL="0" indent="0">
+              <a:buNone/>
+            </a:pPr>
+            <a:endParaRPr lang="en-GB" dirty="0"/>
+          </a:p>
+          <a:p>
+            <a:pPr marL="0" indent="0">
+              <a:buNone/>
+            </a:pPr>
+            <a:r>
+              <a:rPr lang="en-GB" dirty="0"/>
+              <a:t>Similarly, the two special methods are all we need to make a </a:t>
+            </a:r>
+            <a:r>
+              <a:rPr lang="en-GB" b="1" dirty="0"/>
+              <a:t>for loop </a:t>
+            </a:r>
+            <a:r>
+              <a:rPr lang="en-GB" dirty="0"/>
+              <a:t>that uses the dataset object as the </a:t>
+            </a:r>
+            <a:r>
+              <a:rPr lang="en-GB" b="1" dirty="0"/>
+              <a:t>generator</a:t>
+            </a:r>
+            <a:r>
+              <a:rPr lang="en-GB" dirty="0"/>
+              <a:t> to be looped over!</a:t>
+            </a:r>
+          </a:p>
+        </p:txBody>
+      </p:sp>
+      <p:sp>
+        <p:nvSpPr>
+          <p:cNvPr id="8" name="TextBox 7">
+            <a:extLst>
+              <a:ext uri="{FF2B5EF4-FFF2-40B4-BE49-F238E27FC236}">
+                <a16:creationId xmlns:a16="http://schemas.microsoft.com/office/drawing/2014/main" id="{1B33733F-99CE-FF22-3D11-CF470D6B6EF8}"/>
+              </a:ext>
+            </a:extLst>
+          </p:cNvPr>
+          <p:cNvSpPr txBox="1"/>
+          <p:nvPr/>
+        </p:nvSpPr>
+        <p:spPr>
+          <a:xfrm rot="20736359">
+            <a:off x="6892413" y="5053781"/>
+            <a:ext cx="5014452" cy="584775"/>
+          </a:xfrm>
+          <a:prstGeom prst="rect">
+            <a:avLst/>
+          </a:prstGeom>
+          <a:noFill/>
+        </p:spPr>
+        <p:txBody>
+          <a:bodyPr wrap="square" rtlCol="0">
+            <a:spAutoFit/>
+          </a:bodyPr>
+          <a:lstStyle/>
+          <a:p>
+            <a:r>
+              <a:rPr lang="en-GB" sz="3200" b="1" dirty="0">
+                <a:ln w="22225">
+                  <a:solidFill>
+                    <a:schemeClr val="tx1"/>
+                  </a:solidFill>
+                  <a:prstDash val="solid"/>
+                </a:ln>
+                <a:solidFill>
+                  <a:schemeClr val="accent1"/>
+                </a:solidFill>
+              </a:rPr>
+              <a:t>More on the for loop later!</a:t>
+            </a:r>
+            <a:endParaRPr lang="en-SG" sz="3200" b="1" dirty="0">
+              <a:ln w="22225">
+                <a:solidFill>
+                  <a:schemeClr val="tx1"/>
+                </a:solidFill>
+                <a:prstDash val="solid"/>
+              </a:ln>
+              <a:solidFill>
+                <a:schemeClr val="accent1"/>
+              </a:solidFill>
+            </a:endParaRPr>
+          </a:p>
+        </p:txBody>
+      </p:sp>
     </p:spTree>
     <p:extLst>
       <p:ext uri="{BB962C8B-B14F-4D97-AF65-F5344CB8AC3E}">
@@ -11827,6 +12562,9 @@
           </a:bodyPr>
           <a:lstStyle/>
           <a:p>
+            <a:pPr marL="0" indent="0">
+              <a:buNone/>
+            </a:pPr>
             <a:r>
               <a:rPr lang="en-GB" dirty="0"/>
               <a:t>Before we can feed this dataset object to Neural Networks, we need to supplement it with a </a:t>
@@ -12073,9 +12811,12 @@
           </a:bodyPr>
           <a:lstStyle/>
           <a:p>
-            <a:r>
-              <a:rPr lang="en-GB" dirty="0"/>
-              <a:t>We can then this custom </a:t>
+            <a:pPr marL="0" indent="0">
+              <a:buNone/>
+            </a:pPr>
+            <a:r>
+              <a:rPr lang="en-GB" dirty="0"/>
+              <a:t>We can then use this custom </a:t>
             </a:r>
             <a:r>
               <a:rPr lang="en-GB" dirty="0" err="1"/>
@@ -12083,7 +12824,7 @@
             </a:r>
             <a:r>
               <a:rPr lang="en-GB" dirty="0"/>
-              <a:t> to generate mini-batches using a </a:t>
+              <a:t> object as the generator in a </a:t>
             </a:r>
             <a:r>
               <a:rPr lang="en-GB" b="1" dirty="0"/>
@@ -12091,7 +12832,7 @@
             </a:r>
             <a:r>
               <a:rPr lang="en-GB" dirty="0"/>
-              <a:t> loop.</a:t>
+              <a:t> loop, to generate mini-batches of samples.</a:t>
             </a:r>
           </a:p>
           <a:p>
@@ -12113,7 +12854,7 @@
             </a:r>
             <a:r>
               <a:rPr lang="en-GB" dirty="0"/>
-              <a:t> (= 2928/32, rounded up) </a:t>
+              <a:t> (i.e. 2928/32, rounded up) </a:t>
             </a:r>
             <a:r>
               <a:rPr lang="en-GB" b="1" dirty="0"/>
@@ -12173,9 +12914,12 @@
               <a:rPr lang="en-GB" b="1" dirty="0"/>
               <a:t>samples</a:t>
             </a:r>
-            <a:r>
-              <a:rPr lang="en-GB" dirty="0"/>
-              <a:t> (= 2928 % 32).</a:t>
+            <a:br>
+              <a:rPr lang="en-GB" b="1" dirty="0"/>
+            </a:br>
+            <a:r>
+              <a:rPr lang="en-GB" dirty="0"/>
+              <a:t>(that is 2928 % 32).</a:t>
             </a:r>
             <a:endParaRPr lang="en-SG" dirty="0"/>
           </a:p>
@@ -12335,9 +13079,12 @@
           </a:bodyPr>
           <a:lstStyle/>
           <a:p>
-            <a:r>
-              <a:rPr lang="en-GB" dirty="0"/>
-              <a:t>We can then this custom </a:t>
+            <a:pPr marL="0" indent="0">
+              <a:buNone/>
+            </a:pPr>
+            <a:r>
+              <a:rPr lang="en-GB" dirty="0"/>
+              <a:t>We can then use this custom </a:t>
             </a:r>
             <a:r>
               <a:rPr lang="en-GB" dirty="0" err="1"/>
@@ -12345,7 +13092,7 @@
             </a:r>
             <a:r>
               <a:rPr lang="en-GB" dirty="0"/>
-              <a:t> to generate mini-batches using a </a:t>
+              <a:t> object as the generator in a </a:t>
             </a:r>
             <a:r>
               <a:rPr lang="en-GB" b="1" dirty="0"/>
@@ -12353,7 +13100,7 @@
             </a:r>
             <a:r>
               <a:rPr lang="en-GB" dirty="0"/>
-              <a:t> loop.</a:t>
+              <a:t> loop, to generate mini-batches of samples.</a:t>
             </a:r>
           </a:p>
           <a:p>
@@ -12417,15 +13164,15 @@
           <a:p>
             <a:r>
               <a:rPr lang="en-GB" dirty="0"/>
-              <a:t>This (or these) </a:t>
+              <a:t>These </a:t>
             </a:r>
             <a:r>
               <a:rPr lang="en-GB" dirty="0" err="1"/>
-              <a:t>Dataloader</a:t>
-            </a:r>
-            <a:r>
-              <a:rPr lang="en-GB" dirty="0"/>
-              <a:t>(s) will then be fed to our </a:t>
+              <a:t>Dataloaders</a:t>
+            </a:r>
+            <a:r>
+              <a:rPr lang="en-GB" dirty="0"/>
+              <a:t> will then be given to our </a:t>
             </a:r>
             <a:r>
               <a:rPr lang="en-GB" b="1" dirty="0"/>
@@ -12433,7 +13180,7 @@
             </a:r>
             <a:r>
               <a:rPr lang="en-GB" dirty="0"/>
-              <a:t> function later on.</a:t>
+              <a:t> function.</a:t>
             </a:r>
           </a:p>
         </p:txBody>
@@ -13077,7 +13824,7 @@
         <p:spPr>
           <a:xfrm>
             <a:off x="6172200" y="1825624"/>
-            <a:ext cx="5181600" cy="5032375"/>
+            <a:ext cx="5783826" cy="5032375"/>
           </a:xfrm>
         </p:spPr>
         <p:txBody>
@@ -13090,8 +13837,12 @@
               <a:buNone/>
             </a:pPr>
             <a:r>
-              <a:rPr lang="en-GB" dirty="0"/>
-              <a:t>MNIST is often used as a "Hello, World!" example, due to its simplicity and the availability of efficient implementations of various learning algorithms.</a:t>
+              <a:rPr lang="en-GB" b="1" dirty="0"/>
+              <a:t>MNIST is often used as a "Hello, World!" example</a:t>
+            </a:r>
+            <a:r>
+              <a:rPr lang="en-GB" dirty="0"/>
+              <a:t>, due to its simplicity, which allows for efficient implementations of ML/DL algorithms.</a:t>
             </a:r>
           </a:p>
         </p:txBody>
@@ -13124,7 +13875,7 @@
         </p:blipFill>
         <p:spPr>
           <a:xfrm>
-            <a:off x="6570029" y="3769183"/>
+            <a:off x="6688016" y="3539399"/>
             <a:ext cx="4936171" cy="2953476"/>
           </a:xfrm>
           <a:prstGeom prst="rect">
@@ -13367,6 +14118,15 @@
               <a:t>.</a:t>
             </a:r>
           </a:p>
+          <a:p>
+            <a:pPr marL="0" indent="0">
+              <a:buNone/>
+            </a:pPr>
+            <a:r>
+              <a:rPr lang="en-GB" dirty="0"/>
+              <a:t>For now, however, this will do.</a:t>
+            </a:r>
+          </a:p>
         </p:txBody>
       </p:sp>
       <p:pic>
@@ -13391,7 +14151,7 @@
         </p:blipFill>
         <p:spPr>
           <a:xfrm>
-            <a:off x="6441806" y="3858770"/>
+            <a:off x="6284490" y="3809609"/>
             <a:ext cx="5591955" cy="2829320"/>
           </a:xfrm>
           <a:prstGeom prst="rect">
@@ -13486,9 +14246,12 @@
           </a:bodyPr>
           <a:lstStyle/>
           <a:p>
-            <a:r>
-              <a:rPr lang="en-GB" dirty="0"/>
-              <a:t>It is a good dataset to use for testing and comparing the performance of different models, as well as for getting familiar with the basics of machine learning and deep learning.</a:t>
+            <a:pPr marL="0" indent="0">
+              <a:buNone/>
+            </a:pPr>
+            <a:r>
+              <a:rPr lang="en-GB" dirty="0"/>
+              <a:t>Nevertheless, it is a good dataset to use for testing and comparing the performance of different models, as well as for getting familiar with the basics of machine learning and deep learning algorithms.</a:t>
             </a:r>
           </a:p>
           <a:p>
@@ -13807,7 +14570,7 @@
             </a:pPr>
             <a:r>
               <a:rPr lang="en-GB" b="1" dirty="0"/>
-              <a:t>Good practice: normalize your data!</a:t>
+              <a:t>Good practice: always normalize your input data!</a:t>
             </a:r>
           </a:p>
           <a:p>
@@ -14087,6 +14850,27 @@
                 <a:normAutofit/>
               </a:bodyPr>
               <a:lstStyle/>
+              <a:p>
+                <a:pPr marL="0" indent="0">
+                  <a:buNone/>
+                </a:pPr>
+                <a:r>
+                  <a:rPr lang="en-GB" b="1" dirty="0"/>
+                  <a:t>Recall (</a:t>
+                </a:r>
+                <a:r>
+                  <a:rPr lang="en-GB" b="1" dirty="0">
+                    <a:solidFill>
+                      <a:srgbClr val="00B050"/>
+                    </a:solidFill>
+                  </a:rPr>
+                  <a:t>Binary classification probabilities as output</a:t>
+                </a:r>
+                <a:r>
+                  <a:rPr lang="en-GB" b="1" dirty="0"/>
+                  <a:t>):</a:t>
+                </a:r>
+              </a:p>
               <a:p>
                 <a:pPr marL="0" indent="0">
                   <a:buNone/>
@@ -14362,12 +15146,77 @@
                 <p:ph idx="1"/>
               </p:nvPr>
             </p:nvSpPr>
-            <p:spPr/>
+            <p:spPr>
+              <a:xfrm>
+                <a:off x="838200" y="1825624"/>
+                <a:ext cx="10515600" cy="5032375"/>
+              </a:xfrm>
+            </p:spPr>
             <p:txBody>
               <a:bodyPr>
                 <a:normAutofit/>
               </a:bodyPr>
               <a:lstStyle/>
+              <a:p>
+                <a:pPr marL="0" indent="0">
+                  <a:buNone/>
+                </a:pPr>
+                <a:r>
+                  <a:rPr lang="en-GB" b="1" dirty="0"/>
+                  <a:t>Problem (</a:t>
+                </a:r>
+                <a:r>
+                  <a:rPr lang="en-GB" b="1" dirty="0">
+                    <a:solidFill>
+                      <a:srgbClr val="00B050"/>
+                    </a:solidFill>
+                  </a:rPr>
+                  <a:t>How could we produce multi-class classification probabilities for all possible </a:t>
+                </a:r>
+                <a14:m>
+                  <m:oMath xmlns:m="http://schemas.openxmlformats.org/officeDocument/2006/math">
+                    <m:r>
+                      <a:rPr lang="en-GB" b="1" i="1" dirty="0" smtClean="0">
+                        <a:solidFill>
+                          <a:srgbClr val="00B050"/>
+                        </a:solidFill>
+                        <a:latin typeface="Cambria Math" panose="02040503050406030204" pitchFamily="18" charset="0"/>
+                      </a:rPr>
+                      <m:t>𝑵</m:t>
+                    </m:r>
+                    <m:r>
+                      <a:rPr lang="en-GB" b="1" i="1" dirty="0" smtClean="0">
+                        <a:solidFill>
+                          <a:srgbClr val="00B050"/>
+                        </a:solidFill>
+                        <a:latin typeface="Cambria Math" panose="02040503050406030204" pitchFamily="18" charset="0"/>
+                      </a:rPr>
+                      <m:t>&gt;</m:t>
+                    </m:r>
+                    <m:r>
+                      <a:rPr lang="en-GB" b="1" i="1" dirty="0" smtClean="0">
+                        <a:solidFill>
+                          <a:srgbClr val="00B050"/>
+                        </a:solidFill>
+                        <a:latin typeface="Cambria Math" panose="02040503050406030204" pitchFamily="18" charset="0"/>
+                      </a:rPr>
+                      <m:t>𝟐</m:t>
+                    </m:r>
+                  </m:oMath>
+                </a14:m>
+                <a:r>
+                  <a:rPr lang="en-GB" b="1" dirty="0">
+                    <a:solidFill>
+                      <a:srgbClr val="00B050"/>
+                    </a:solidFill>
+                  </a:rPr>
+                  <a:t> classes as outputs?</a:t>
+                </a:r>
+                <a:r>
+                  <a:rPr lang="en-GB" b="1" dirty="0"/>
+                  <a:t>):</a:t>
+                </a:r>
+              </a:p>
               <a:p>
                 <a:pPr marL="0" indent="0">
                   <a:buNone/>
@@ -14739,10 +15588,14 @@
               </p:nvPr>
             </p:nvSpPr>
             <p:spPr>
+              <a:xfrm>
+                <a:off x="838200" y="1825624"/>
+                <a:ext cx="10515600" cy="5032375"/>
+              </a:xfrm>
               <a:blipFill>
                 <a:blip r:embed="rId2"/>
                 <a:stretch>
-                  <a:fillRect l="-1217" t="-2241"/>
+                  <a:fillRect l="-1217" t="-1937"/>
                 </a:stretch>
               </a:blipFill>
             </p:spPr>
@@ -14846,7 +15699,7 @@
             </p:spPr>
             <p:txBody>
               <a:bodyPr>
-                <a:normAutofit/>
+                <a:normAutofit lnSpcReduction="10000"/>
               </a:bodyPr>
               <a:lstStyle/>
               <a:p>
@@ -14900,11 +15753,19 @@
                 </a14:m>
                 <a:r>
                   <a:rPr lang="en-GB" dirty="0"/>
-                  <a:t>are probabilities and </a:t>
+                  <a:t>are </a:t>
                 </a:r>
                 <a:r>
                   <a:rPr lang="en-GB" b="1" dirty="0"/>
-                  <a:t>their sum should be equal to 1</a:t>
+                  <a:t>probabilities</a:t>
+                </a:r>
+                <a:r>
+                  <a:rPr lang="en-GB" dirty="0"/>
+                  <a:t> and </a:t>
+                </a:r>
+                <a:r>
+                  <a:rPr lang="en-GB" b="1" dirty="0"/>
+                  <a:t>their sum should therefore be equal to 1</a:t>
                 </a:r>
                 <a:r>
                   <a:rPr lang="en-GB" dirty="0"/>
@@ -14936,6 +15797,12 @@
                               <a:latin typeface="Cambria Math" panose="02040503050406030204" pitchFamily="18" charset="0"/>
                             </a:rPr>
                             <m:t>𝑖</m:t>
+                          </m:r>
+                          <m:r>
+                            <a:rPr lang="en-GB" b="0" i="1" dirty="0" smtClean="0">
+                              <a:latin typeface="Cambria Math" panose="02040503050406030204" pitchFamily="18" charset="0"/>
+                            </a:rPr>
+                            <m:t>=0</m:t>
                           </m:r>
                         </m:sub>
                         <m:sup>
@@ -14986,6 +15853,9 @@
                 <a:endParaRPr lang="en-GB" dirty="0"/>
               </a:p>
               <a:p>
+                <a:pPr marL="0" indent="0">
+                  <a:buNone/>
+                </a:pPr>
                 <a:r>
                   <a:rPr lang="en-GB" dirty="0"/>
                   <a:t>A </a:t>
@@ -15010,9 +15880,71 @@
                   <a:rPr lang="en-GB" b="1" dirty="0"/>
                   <a:t>layer</a:t>
                 </a:r>
+                <a:br>
+                  <a:rPr lang="en-GB" dirty="0"/>
+                </a:br>
                 <a:r>
                   <a:rPr lang="en-GB" dirty="0"/>
-                  <a:t> (WX + b) is not smart enough to do that on its own: it might produce values that may not sum up to 1.</a:t>
+                  <a:t>(</a:t>
+                </a:r>
+                <a14:m>
+                  <m:oMath xmlns:m="http://schemas.openxmlformats.org/officeDocument/2006/math">
+                    <m:r>
+                      <a:rPr lang="en-GB" i="1" dirty="0" smtClean="0">
+                        <a:latin typeface="Cambria Math" panose="02040503050406030204" pitchFamily="18" charset="0"/>
+                      </a:rPr>
+                      <m:t>𝑊𝑋</m:t>
+                    </m:r>
+                    <m:r>
+                      <a:rPr lang="en-GB" i="1" dirty="0" smtClean="0">
+                        <a:latin typeface="Cambria Math" panose="02040503050406030204" pitchFamily="18" charset="0"/>
+                      </a:rPr>
+                      <m:t> + </m:t>
+                    </m:r>
+                    <m:r>
+                      <a:rPr lang="en-GB" i="1" dirty="0" smtClean="0">
+                        <a:latin typeface="Cambria Math" panose="02040503050406030204" pitchFamily="18" charset="0"/>
+                      </a:rPr>
+                      <m:t>𝑏</m:t>
+                    </m:r>
+                  </m:oMath>
+                </a14:m>
+                <a:r>
+                  <a:rPr lang="en-GB" dirty="0"/>
+                  <a:t>) cannot do that on its own, as it might produce negative values as probabilities </a:t>
+                </a:r>
+                <a14:m>
+                  <m:oMath xmlns:m="http://schemas.openxmlformats.org/officeDocument/2006/math">
+                    <m:sSub>
+                      <m:sSubPr>
+                        <m:ctrlPr>
+                          <a:rPr lang="en-GB" i="1" dirty="0" smtClean="0">
+                            <a:latin typeface="Cambria Math" panose="02040503050406030204" pitchFamily="18" charset="0"/>
+                          </a:rPr>
+                        </m:ctrlPr>
+                      </m:sSubPr>
+                      <m:e>
+                        <m:r>
+                          <a:rPr lang="en-GB" i="1" dirty="0" smtClean="0">
+                            <a:latin typeface="Cambria Math" panose="02040503050406030204" pitchFamily="18" charset="0"/>
+                          </a:rPr>
+                          <m:t>𝑝</m:t>
+                        </m:r>
+                      </m:e>
+                      <m:sub>
+                        <m:r>
+                          <a:rPr lang="en-GB" i="1" dirty="0" smtClean="0">
+                            <a:latin typeface="Cambria Math" panose="02040503050406030204" pitchFamily="18" charset="0"/>
+                          </a:rPr>
+                          <m:t>𝑖</m:t>
+                        </m:r>
+                      </m:sub>
+                    </m:sSub>
+                  </m:oMath>
+                </a14:m>
+                <a:r>
+                  <a:rPr lang="en-GB" dirty="0"/>
+                  <a:t>, and those may not sum up to 1.</a:t>
                 </a:r>
               </a:p>
             </p:txBody>
@@ -15043,7 +15975,7 @@
               <a:blipFill>
                 <a:blip r:embed="rId2"/>
                 <a:stretch>
-                  <a:fillRect l="-2471" t="-1937" r="-3647"/>
+                  <a:fillRect l="-2471" t="-2663" r="-1647"/>
                 </a:stretch>
               </a:blipFill>
             </p:spPr>
@@ -15088,7 +16020,7 @@
             </p:spPr>
             <p:txBody>
               <a:bodyPr>
-                <a:normAutofit/>
+                <a:normAutofit lnSpcReduction="10000"/>
               </a:bodyPr>
               <a:lstStyle/>
               <a:p>
@@ -15110,6 +16042,15 @@
                 <a:r>
                   <a:rPr lang="en-GB" dirty="0"/>
                   <a:t> operation, which is a special activation function.</a:t>
+                </a:r>
+              </a:p>
+              <a:p>
+                <a:pPr marL="0" indent="0">
+                  <a:buNone/>
+                </a:pPr>
+                <a:r>
+                  <a:rPr lang="en-GB" dirty="0"/>
+                  <a:t>It has two effects:</a:t>
                 </a:r>
               </a:p>
               <a:p>
@@ -15154,75 +16095,88 @@
               <a:p>
                 <a:r>
                   <a:rPr lang="en-GB" dirty="0"/>
-                  <a:t>And force their sum to be equal to 1, that is </a:t>
+                  <a:t>It will force their sum to be equal to 1, that is</a:t>
                 </a:r>
+              </a:p>
+              <a:p>
+                <a:pPr marL="0" indent="0">
+                  <a:buNone/>
+                </a:pPr>
                 <a14:m>
-                  <m:oMath xmlns:m="http://schemas.openxmlformats.org/officeDocument/2006/math">
-                    <m:nary>
-                      <m:naryPr>
-                        <m:chr m:val="∑"/>
-                        <m:ctrlPr>
-                          <a:rPr lang="en-GB" b="0" i="1" dirty="0" smtClean="0">
-                            <a:latin typeface="Cambria Math" panose="02040503050406030204" pitchFamily="18" charset="0"/>
-                          </a:rPr>
-                        </m:ctrlPr>
-                      </m:naryPr>
-                      <m:sub>
-                        <m:r>
-                          <a:rPr lang="en-GB" b="0" i="1" dirty="0" smtClean="0">
-                            <a:latin typeface="Cambria Math" panose="02040503050406030204" pitchFamily="18" charset="0"/>
-                          </a:rPr>
-                          <m:t>𝑖</m:t>
-                        </m:r>
-                      </m:sub>
-                      <m:sup>
-                        <m:r>
-                          <a:rPr lang="en-GB" i="1" dirty="0">
-                            <a:latin typeface="Cambria Math" panose="02040503050406030204" pitchFamily="18" charset="0"/>
-                          </a:rPr>
-                          <m:t>9</m:t>
-                        </m:r>
-                      </m:sup>
-                      <m:e>
-                        <m:sSub>
-                          <m:sSubPr>
-                            <m:ctrlPr>
-                              <a:rPr lang="en-GB" i="1" dirty="0">
-                                <a:latin typeface="Cambria Math" panose="02040503050406030204" pitchFamily="18" charset="0"/>
-                              </a:rPr>
-                            </m:ctrlPr>
-                          </m:sSubPr>
-                          <m:e>
-                            <m:r>
-                              <a:rPr lang="en-GB" i="1" dirty="0">
-                                <a:latin typeface="Cambria Math" panose="02040503050406030204" pitchFamily="18" charset="0"/>
-                              </a:rPr>
-                              <m:t>𝑝</m:t>
-                            </m:r>
-                          </m:e>
-                          <m:sub>
-                            <m:r>
-                              <a:rPr lang="en-GB" i="1" dirty="0">
-                                <a:latin typeface="Cambria Math" panose="02040503050406030204" pitchFamily="18" charset="0"/>
-                              </a:rPr>
-                              <m:t>𝑖</m:t>
-                            </m:r>
-                          </m:sub>
-                        </m:sSub>
-                      </m:e>
-                    </m:nary>
-                    <m:r>
-                      <a:rPr lang="en-GB" i="1" dirty="0">
-                        <a:latin typeface="Cambria Math" panose="02040503050406030204" pitchFamily="18" charset="0"/>
-                      </a:rPr>
-                      <m:t>= 1</m:t>
-                    </m:r>
-                  </m:oMath>
+                  <m:oMathPara xmlns:m="http://schemas.openxmlformats.org/officeDocument/2006/math">
+                    <m:oMathParaPr>
+                      <m:jc m:val="centerGroup"/>
+                    </m:oMathParaPr>
+                    <m:oMath xmlns:m="http://schemas.openxmlformats.org/officeDocument/2006/math">
+                      <m:nary>
+                        <m:naryPr>
+                          <m:chr m:val="∑"/>
+                          <m:ctrlPr>
+                            <a:rPr lang="en-GB" b="0" i="1" dirty="0" smtClean="0">
+                              <a:latin typeface="Cambria Math" panose="02040503050406030204" pitchFamily="18" charset="0"/>
+                            </a:rPr>
+                          </m:ctrlPr>
+                        </m:naryPr>
+                        <m:sub>
+                          <m:r>
+                            <a:rPr lang="en-GB" b="0" i="1" dirty="0" smtClean="0">
+                              <a:latin typeface="Cambria Math" panose="02040503050406030204" pitchFamily="18" charset="0"/>
+                            </a:rPr>
+                            <m:t>𝑖</m:t>
+                          </m:r>
+                          <m:r>
+                            <a:rPr lang="en-GB" b="0" i="1" dirty="0" smtClean="0">
+                              <a:latin typeface="Cambria Math" panose="02040503050406030204" pitchFamily="18" charset="0"/>
+                            </a:rPr>
+                            <m:t>=0</m:t>
+                          </m:r>
+                        </m:sub>
+                        <m:sup>
+                          <m:r>
+                            <a:rPr lang="en-GB" i="1" dirty="0">
+                              <a:latin typeface="Cambria Math" panose="02040503050406030204" pitchFamily="18" charset="0"/>
+                            </a:rPr>
+                            <m:t>9</m:t>
+                          </m:r>
+                        </m:sup>
+                        <m:e>
+                          <m:sSub>
+                            <m:sSubPr>
+                              <m:ctrlPr>
+                                <a:rPr lang="en-GB" i="1" dirty="0">
+                                  <a:latin typeface="Cambria Math" panose="02040503050406030204" pitchFamily="18" charset="0"/>
+                                </a:rPr>
+                              </m:ctrlPr>
+                            </m:sSubPr>
+                            <m:e>
+                              <m:r>
+                                <a:rPr lang="en-GB" i="1" dirty="0">
+                                  <a:latin typeface="Cambria Math" panose="02040503050406030204" pitchFamily="18" charset="0"/>
+                                </a:rPr>
+                                <m:t>𝑝</m:t>
+                              </m:r>
+                            </m:e>
+                            <m:sub>
+                              <m:r>
+                                <a:rPr lang="en-GB" i="1" dirty="0">
+                                  <a:latin typeface="Cambria Math" panose="02040503050406030204" pitchFamily="18" charset="0"/>
+                                </a:rPr>
+                                <m:t>𝑖</m:t>
+                              </m:r>
+                            </m:sub>
+                          </m:sSub>
+                        </m:e>
+                      </m:nary>
+                      <m:r>
+                        <a:rPr lang="en-GB" i="1" dirty="0">
+                          <a:latin typeface="Cambria Math" panose="02040503050406030204" pitchFamily="18" charset="0"/>
+                        </a:rPr>
+                        <m:t>= 1</m:t>
+                      </m:r>
+                    </m:oMath>
+                  </m:oMathPara>
                 </a14:m>
-                <a:r>
-                  <a:rPr lang="en-GB" dirty="0"/>
-                  <a:t>.</a:t>
-                </a:r>
+                <a:endParaRPr lang="en-GB" dirty="0"/>
               </a:p>
             </p:txBody>
           </p:sp>
@@ -15252,7 +16206,7 @@
               <a:blipFill>
                 <a:blip r:embed="rId3"/>
                 <a:stretch>
-                  <a:fillRect l="-2471" t="-1937"/>
+                  <a:fillRect l="-2471" t="-2663"/>
                 </a:stretch>
               </a:blipFill>
             </p:spPr>
@@ -15334,8 +16288,8 @@
           </a:p>
         </p:txBody>
       </p:sp>
-      <mc:AlternateContent xmlns:mc="http://schemas.openxmlformats.org/markup-compatibility/2006" xmlns:a14="http://schemas.microsoft.com/office/drawing/2010/main">
-        <mc:Choice Requires="a14">
+      <mc:AlternateContent xmlns:mc="http://schemas.openxmlformats.org/markup-compatibility/2006">
+        <mc:Choice xmlns:a14="http://schemas.microsoft.com/office/drawing/2010/main" Requires="a14">
           <p:sp>
             <p:nvSpPr>
               <p:cNvPr id="3" name="Content Placeholder 2">
@@ -15769,7 +16723,7 @@
                 </a14:m>
                 <a:r>
                   <a:rPr lang="en-SG" b="1" dirty="0"/>
-                  <a:t> is guaranteed to be summing up to 1</a:t>
+                  <a:t> is guaranteed to contain positive values summing up to 1</a:t>
                 </a:r>
                 <a:r>
                   <a:rPr lang="en-SG" dirty="0"/>
@@ -15800,7 +16754,7 @@
                             <a:rPr lang="en-GB" b="0" i="1" smtClean="0">
                               <a:latin typeface="Cambria Math" panose="02040503050406030204" pitchFamily="18" charset="0"/>
                             </a:rPr>
-                            <m:t>𝑘</m:t>
+                            <m:t>𝑖</m:t>
                           </m:r>
                           <m:r>
                             <a:rPr lang="en-GB" b="0" i="1" smtClean="0">
@@ -15865,7 +16819,7 @@
             </p:txBody>
           </p:sp>
         </mc:Choice>
-        <mc:Fallback xmlns="">
+        <mc:Fallback>
           <p:sp>
             <p:nvSpPr>
               <p:cNvPr id="3" name="Content Placeholder 2">
@@ -15909,8 +16863,8 @@
           </p:sp>
         </mc:Fallback>
       </mc:AlternateContent>
-      <mc:AlternateContent xmlns:mc="http://schemas.openxmlformats.org/markup-compatibility/2006" xmlns:a14="http://schemas.microsoft.com/office/drawing/2010/main">
-        <mc:Choice Requires="a14">
+      <mc:AlternateContent xmlns:mc="http://schemas.openxmlformats.org/markup-compatibility/2006">
+        <mc:Choice xmlns:a14="http://schemas.microsoft.com/office/drawing/2010/main" Requires="a14">
           <p:sp>
             <p:nvSpPr>
               <p:cNvPr id="5" name="Content Placeholder 4">
@@ -16325,6 +17279,12 @@
                                 </a:rPr>
                                 <m:t>𝑘</m:t>
                               </m:r>
+                              <m:r>
+                                <a:rPr lang="en-GB" b="0" i="1" dirty="0" smtClean="0">
+                                  <a:latin typeface="Cambria Math" panose="02040503050406030204" pitchFamily="18" charset="0"/>
+                                </a:rPr>
+                                <m:t>=0</m:t>
+                              </m:r>
                             </m:sub>
                             <m:sup>
                               <m:r>
@@ -16504,7 +17464,7 @@
                 </a14:m>
                 <a:r>
                   <a:rPr lang="en-SG" dirty="0"/>
-                  <a:t>.</a:t>
+                  <a:t>, i.e.:</a:t>
                 </a:r>
               </a:p>
               <a:p>
@@ -16704,7 +17664,7 @@
             </p:txBody>
           </p:sp>
         </mc:Choice>
-        <mc:Fallback xmlns="">
+        <mc:Fallback>
           <p:sp>
             <p:nvSpPr>
               <p:cNvPr id="5" name="Content Placeholder 4">
@@ -17252,7 +18212,12 @@
             <p:ph sz="half" idx="2"/>
           </p:nvPr>
         </p:nvSpPr>
-        <p:spPr/>
+        <p:spPr>
+          <a:xfrm>
+            <a:off x="6636774" y="835742"/>
+            <a:ext cx="4717026" cy="5341221"/>
+          </a:xfrm>
+        </p:spPr>
         <p:txBody>
           <a:bodyPr/>
           <a:lstStyle/>
@@ -17261,8 +18226,16 @@
               <a:buNone/>
             </a:pPr>
             <a:r>
-              <a:rPr lang="en-GB" dirty="0"/>
-              <a:t>It will rescale values so that the trend is preserved, but the new vector sums to 1.</a:t>
+              <a:rPr lang="en-GB" b="1" dirty="0" err="1"/>
+              <a:t>Softmax</a:t>
+            </a:r>
+            <a:r>
+              <a:rPr lang="en-GB" b="1" dirty="0"/>
+              <a:t> effect: </a:t>
+            </a:r>
+            <a:r>
+              <a:rPr lang="en-GB" dirty="0"/>
+              <a:t>It will rescale values so that the trend is preserved, but the new vector consists of positive values that sum up to 1.</a:t>
             </a:r>
             <a:endParaRPr lang="en-SG" dirty="0"/>
           </a:p>
@@ -17385,7 +18358,7 @@
             </a:r>
             <a:r>
               <a:rPr lang="en-GB" dirty="0"/>
-              <a:t> function</a:t>
+              <a:t> function and prediction</a:t>
             </a:r>
             <a:endParaRPr lang="en-SG" dirty="0"/>
           </a:p>
@@ -17411,8 +18384,8 @@
             </p:nvSpPr>
             <p:spPr>
               <a:xfrm>
-                <a:off x="838200" y="1825624"/>
-                <a:ext cx="10515600" cy="5032375"/>
+                <a:off x="838199" y="1825624"/>
+                <a:ext cx="10950677" cy="5032375"/>
               </a:xfrm>
             </p:spPr>
             <p:txBody>
@@ -17449,15 +18422,9 @@
                 <a:pPr marL="0" indent="0">
                   <a:buNone/>
                 </a:pPr>
-                <a:endParaRPr lang="en-GB" dirty="0"/>
-              </a:p>
-              <a:p>
-                <a:pPr marL="0" indent="0">
-                  <a:buNone/>
-                </a:pPr>
                 <a:r>
                   <a:rPr lang="en-GB" dirty="0"/>
-                  <a:t>This will produce a vector of 10 values,</a:t>
+                  <a:t>This will produce a vector of 10 positive values,</a:t>
                 </a:r>
               </a:p>
               <a:p>
@@ -17628,18 +18595,18 @@
                 </a:pPr>
                 <a:r>
                   <a:rPr lang="en-GB" dirty="0"/>
-                  <a:t>corresponding to the </a:t>
+                  <a:t>Which can be used as the </a:t>
                 </a:r>
                 <a:r>
                   <a:rPr lang="en-GB" b="1" dirty="0"/>
-                  <a:t>probability for sample of being of each class 𝑖.</a:t>
+                  <a:t>probabilities for sample of being of class 𝑖.</a:t>
                 </a:r>
               </a:p>
               <a:p>
                 <a:pPr marL="0" indent="0">
                   <a:buNone/>
                 </a:pPr>
-                <a:endParaRPr lang="en-GB" b="1" dirty="0"/>
+                <a:endParaRPr lang="en-GB" dirty="0"/>
               </a:p>
               <a:p>
                 <a:pPr marL="0" indent="0">
@@ -17651,11 +18618,27 @@
                 </a:r>
                 <a:r>
                   <a:rPr lang="en-GB" b="1" dirty="0"/>
-                  <a:t>predicted class 𝑝𝑟𝑒𝑑 </a:t>
+                  <a:t>predicted class according to the model </a:t>
                 </a:r>
                 <a:r>
                   <a:rPr lang="en-GB" dirty="0"/>
-                  <a:t>will be the index </a:t>
+                  <a:t>is then defined as the variable</a:t>
+                </a:r>
+                <a:r>
+                  <a:rPr lang="en-GB" b="1" dirty="0"/>
+                  <a:t> 𝑝𝑟𝑒𝑑</a:t>
+                </a:r>
+                <a:r>
+                  <a:rPr lang="en-GB" dirty="0"/>
+                  <a:t>,</a:t>
+                </a:r>
+                <a:r>
+                  <a:rPr lang="en-GB" b="1" dirty="0"/>
+                  <a:t> </a:t>
+                </a:r>
+                <a:r>
+                  <a:rPr lang="en-GB" dirty="0"/>
+                  <a:t>corresponding to the index </a:t>
                 </a:r>
                 <a14:m>
                   <m:oMath xmlns:m="http://schemas.openxmlformats.org/officeDocument/2006/math">
@@ -17702,8 +18685,12 @@
                 </a14:m>
                 <a:r>
                   <a:rPr lang="en-GB" dirty="0"/>
-                  <a:t>, i.e.</a:t>
+                  <a:t>, i.e.:</a:t>
                 </a:r>
+                <a:br>
+                  <a:rPr lang="en-GB" dirty="0"/>
+                </a:br>
+                <a:endParaRPr lang="en-GB" dirty="0"/>
               </a:p>
               <a:p>
                 <a:pPr marL="0" indent="0">
@@ -17854,13 +18841,13 @@
             </p:nvSpPr>
             <p:spPr>
               <a:xfrm>
-                <a:off x="838200" y="1825624"/>
-                <a:ext cx="10515600" cy="5032375"/>
+                <a:off x="838199" y="1825624"/>
+                <a:ext cx="10950677" cy="5032375"/>
               </a:xfrm>
               <a:blipFill>
                 <a:blip r:embed="rId2"/>
                 <a:stretch>
-                  <a:fillRect l="-1217" t="-1937"/>
+                  <a:fillRect l="-1113" t="-1937" r="-445"/>
                 </a:stretch>
               </a:blipFill>
             </p:spPr>
@@ -17936,14 +18923,14 @@
             </a:r>
             <a:r>
               <a:rPr lang="en-GB" dirty="0"/>
-              <a:t> function</a:t>
+              <a:t> function and prediction</a:t>
             </a:r>
             <a:endParaRPr lang="en-SG" dirty="0"/>
           </a:p>
         </p:txBody>
       </p:sp>
-      <mc:AlternateContent xmlns:mc="http://schemas.openxmlformats.org/markup-compatibility/2006" xmlns:a14="http://schemas.microsoft.com/office/drawing/2010/main">
-        <mc:Choice Requires="a14">
+      <mc:AlternateContent xmlns:mc="http://schemas.openxmlformats.org/markup-compatibility/2006">
+        <mc:Choice xmlns:a14="http://schemas.microsoft.com/office/drawing/2010/main" Requires="a14">
           <p:sp>
             <p:nvSpPr>
               <p:cNvPr id="3" name="Content Placeholder 2">
@@ -18019,7 +19006,15 @@
                 </a:pPr>
                 <a:r>
                   <a:rPr lang="en-GB" b="1" dirty="0"/>
-                  <a:t>No final activation yet</a:t>
+                  <a:t>No final </a:t>
+                </a:r>
+                <a:r>
+                  <a:rPr lang="en-GB" b="1" dirty="0" err="1"/>
+                  <a:t>softmax</a:t>
+                </a:r>
+                <a:r>
+                  <a:rPr lang="en-GB" b="1" dirty="0"/>
+                  <a:t> activation yet</a:t>
                 </a:r>
                 <a:r>
                   <a:rPr lang="en-GB" dirty="0"/>
@@ -18061,7 +19056,7 @@
             </p:txBody>
           </p:sp>
         </mc:Choice>
-        <mc:Fallback xmlns="">
+        <mc:Fallback>
           <p:sp>
             <p:nvSpPr>
               <p:cNvPr id="3" name="Content Placeholder 2">
@@ -18226,6 +19221,9 @@
           </a:bodyPr>
           <a:lstStyle/>
           <a:p>
+            <a:pPr marL="0" indent="0">
+              <a:buNone/>
+            </a:pPr>
             <a:r>
               <a:rPr lang="en-GB" dirty="0"/>
               <a:t>Consider a neural network model, with </a:t>
@@ -18252,7 +19250,7 @@
             </a:r>
             <a:r>
               <a:rPr lang="en-GB" dirty="0"/>
-              <a:t>, eventually transferring the model to a device.</a:t>
+              <a:t>, eventually transferring the model to a device (CPU/CUDA).</a:t>
             </a:r>
           </a:p>
           <a:p>
@@ -18424,19 +19422,11 @@
           <a:p>
             <a:r>
               <a:rPr lang="en-GB" dirty="0"/>
-              <a:t>Perform a forward pass through the model, storing the </a:t>
+              <a:t>Next, perform a forward pass through the model, storing the </a:t>
             </a:r>
             <a:r>
               <a:rPr lang="en-GB" b="1" dirty="0"/>
-              <a:t>output (no </a:t>
-            </a:r>
-            <a:r>
-              <a:rPr lang="en-GB" b="1" dirty="0" err="1"/>
-              <a:t>softmax</a:t>
-            </a:r>
-            <a:r>
-              <a:rPr lang="en-GB" b="1" dirty="0"/>
-              <a:t>)</a:t>
+              <a:t>output</a:t>
             </a:r>
             <a:r>
               <a:rPr lang="en-GB" dirty="0"/>
@@ -18644,13 +19634,16 @@
         </p:spPr>
         <p:txBody>
           <a:bodyPr>
-            <a:normAutofit/>
+            <a:normAutofit fontScale="92500"/>
           </a:bodyPr>
           <a:lstStyle/>
           <a:p>
-            <a:r>
-              <a:rPr lang="en-GB" dirty="0"/>
-              <a:t>Our model is however the same as before.</a:t>
+            <a:pPr marL="0" indent="0">
+              <a:buNone/>
+            </a:pPr>
+            <a:r>
+              <a:rPr lang="en-GB" dirty="0"/>
+              <a:t>Our model is however implementing the same forward method as before.</a:t>
             </a:r>
           </a:p>
           <a:p>
@@ -18666,7 +19659,7 @@
                   <a:srgbClr val="7030A0"/>
                 </a:solidFill>
               </a:rPr>
-              <a:t>We do not use the </a:t>
+              <a:t>In fact, we will not use the </a:t>
             </a:r>
             <a:r>
               <a:rPr lang="en-GB" b="1" u="sng" dirty="0" err="1">
@@ -18682,13 +19675,16 @@
                   <a:srgbClr val="7030A0"/>
                 </a:solidFill>
               </a:rPr>
-              <a:t> operation in the forward.</a:t>
+              <a:t> operation as the final activation function in the forward method.</a:t>
             </a:r>
           </a:p>
           <a:p>
             <a:endParaRPr lang="en-GB" dirty="0"/>
           </a:p>
           <a:p>
+            <a:pPr marL="0" indent="0">
+              <a:buNone/>
+            </a:pPr>
             <a:r>
               <a:rPr lang="en-GB" dirty="0"/>
               <a:t>This is normal as </a:t>
@@ -18707,23 +19703,27 @@
             </a:r>
             <a:r>
               <a:rPr lang="en-GB" dirty="0"/>
-              <a:t>will be used </a:t>
+              <a:t>will be applied </a:t>
             </a:r>
             <a:r>
               <a:rPr lang="en-GB" b="1" u="sng" dirty="0"/>
-              <a:t>in the loss function</a:t>
-            </a:r>
-            <a:r>
-              <a:rPr lang="en-GB" dirty="0"/>
-              <a:t>, </a:t>
+              <a:t>in the loss function instead</a:t>
+            </a:r>
+            <a:r>
+              <a:rPr lang="en-GB" dirty="0"/>
+              <a:t>, that is the </a:t>
             </a:r>
             <a:r>
               <a:rPr lang="en-GB" b="1" dirty="0" err="1"/>
               <a:t>cross_entropy</a:t>
             </a:r>
             <a:r>
-              <a:rPr lang="en-GB" dirty="0"/>
-              <a:t>, which will be used in the </a:t>
+              <a:rPr lang="en-GB" b="1" dirty="0"/>
+              <a:t>() function</a:t>
+            </a:r>
+            <a:r>
+              <a:rPr lang="en-GB" dirty="0"/>
+              <a:t>, which will be summoned in the </a:t>
             </a:r>
             <a:r>
               <a:rPr lang="en-GB" b="1" dirty="0"/>
@@ -18731,7 +19731,7 @@
             </a:r>
             <a:r>
               <a:rPr lang="en-GB" dirty="0"/>
-              <a:t>() function later.</a:t>
+              <a:t>() later.</a:t>
             </a:r>
           </a:p>
         </p:txBody>
@@ -18825,8 +19825,8 @@
           </a:p>
         </p:txBody>
       </p:sp>
-      <mc:AlternateContent xmlns:mc="http://schemas.openxmlformats.org/markup-compatibility/2006" xmlns:a14="http://schemas.microsoft.com/office/drawing/2010/main">
-        <mc:Choice Requires="a14">
+      <mc:AlternateContent xmlns:mc="http://schemas.openxmlformats.org/markup-compatibility/2006">
+        <mc:Choice xmlns:a14="http://schemas.microsoft.com/office/drawing/2010/main" Requires="a14">
           <p:sp>
             <p:nvSpPr>
               <p:cNvPr id="5" name="Content Placeholder 4">
@@ -19247,13 +20247,52 @@
                       <a:srgbClr val="7030A0"/>
                     </a:solidFill>
                   </a:rPr>
-                  <a:t>How does the loss function change now that we have 10 classes?</a:t>
+                  <a:t>How does the loss function change now that we have </a:t>
+                </a:r>
+                <a14:m>
+                  <m:oMath xmlns:m="http://schemas.openxmlformats.org/officeDocument/2006/math">
+                    <m:r>
+                      <a:rPr lang="en-GB" b="1" i="1" dirty="0" smtClean="0">
+                        <a:solidFill>
+                          <a:srgbClr val="7030A0"/>
+                        </a:solidFill>
+                        <a:latin typeface="Cambria Math" panose="02040503050406030204" pitchFamily="18" charset="0"/>
+                      </a:rPr>
+                      <m:t>𝑵</m:t>
+                    </m:r>
+                    <m:r>
+                      <a:rPr lang="en-GB" b="1" i="1" dirty="0" smtClean="0">
+                        <a:solidFill>
+                          <a:srgbClr val="7030A0"/>
+                        </a:solidFill>
+                        <a:latin typeface="Cambria Math" panose="02040503050406030204" pitchFamily="18" charset="0"/>
+                      </a:rPr>
+                      <m:t>&gt;</m:t>
+                    </m:r>
+                    <m:r>
+                      <a:rPr lang="en-GB" b="1" i="1" dirty="0" smtClean="0">
+                        <a:solidFill>
+                          <a:srgbClr val="7030A0"/>
+                        </a:solidFill>
+                        <a:latin typeface="Cambria Math" panose="02040503050406030204" pitchFamily="18" charset="0"/>
+                      </a:rPr>
+                      <m:t>𝟐</m:t>
+                    </m:r>
+                  </m:oMath>
+                </a14:m>
+                <a:r>
+                  <a:rPr lang="en-GB" b="1" dirty="0">
+                    <a:solidFill>
+                      <a:srgbClr val="7030A0"/>
+                    </a:solidFill>
+                  </a:rPr>
+                  <a:t> classes?</a:t>
                 </a:r>
               </a:p>
             </p:txBody>
           </p:sp>
         </mc:Choice>
-        <mc:Fallback xmlns="">
+        <mc:Fallback>
           <p:sp>
             <p:nvSpPr>
               <p:cNvPr id="5" name="Content Placeholder 4">
@@ -19817,7 +20856,16 @@
                 </a14:m>
                 <a:r>
                   <a:rPr lang="en-GB" dirty="0"/>
-                  <a:t>. In other words, it is the </a:t>
+                  <a:t>.</a:t>
+                </a:r>
+              </a:p>
+              <a:p>
+                <a:pPr marL="0" indent="0">
+                  <a:buNone/>
+                </a:pPr>
+                <a:r>
+                  <a:rPr lang="en-GB" dirty="0"/>
+                  <a:t>In other words, it is the </a:t>
                 </a:r>
                 <a14:m>
                   <m:oMath xmlns:m="http://schemas.openxmlformats.org/officeDocument/2006/math">
@@ -19884,7 +20932,40 @@
                 </a:r>
                 <a:r>
                   <a:rPr lang="en-GB" b="1" dirty="0"/>
-                  <a:t> has been applied</a:t>
+                  <a:t> has been applied to the output </a:t>
+                </a:r>
+                <a14:m>
+                  <m:oMath xmlns:m="http://schemas.openxmlformats.org/officeDocument/2006/math">
+                    <m:sSub>
+                      <m:sSubPr>
+                        <m:ctrlPr>
+                          <a:rPr lang="en-GB" b="1" i="1" dirty="0" smtClean="0">
+                            <a:latin typeface="Cambria Math" panose="02040503050406030204" pitchFamily="18" charset="0"/>
+                          </a:rPr>
+                        </m:ctrlPr>
+                      </m:sSubPr>
+                      <m:e>
+                        <m:r>
+                          <a:rPr lang="en-GB" b="1" i="1" dirty="0" smtClean="0">
+                            <a:latin typeface="Cambria Math" panose="02040503050406030204" pitchFamily="18" charset="0"/>
+                          </a:rPr>
+                          <m:t>𝒐</m:t>
+                        </m:r>
+                      </m:e>
+                      <m:sub>
+                        <m:r>
+                          <a:rPr lang="en-GB" b="1" i="1" dirty="0" smtClean="0">
+                            <a:latin typeface="Cambria Math" panose="02040503050406030204" pitchFamily="18" charset="0"/>
+                          </a:rPr>
+                          <m:t>𝒊</m:t>
+                        </m:r>
+                      </m:sub>
+                    </m:sSub>
+                  </m:oMath>
+                </a14:m>
+                <a:r>
+                  <a:rPr lang="en-GB" b="1" dirty="0"/>
+                  <a:t> of the forward method of the model</a:t>
                 </a:r>
                 <a:r>
                   <a:rPr lang="en-GB" dirty="0"/>
@@ -19922,7 +21003,7 @@
               <a:blipFill>
                 <a:blip r:embed="rId2"/>
                 <a:stretch>
-                  <a:fillRect l="-1217" t="-1937" r="-522"/>
+                  <a:fillRect l="-1217" t="-1937" r="-1391"/>
                 </a:stretch>
               </a:blipFill>
             </p:spPr>
@@ -20334,7 +21415,7 @@
                 </a:pPr>
                 <a:r>
                   <a:rPr lang="en-GB" dirty="0"/>
-                  <a:t>The value </a:t>
+                  <a:t>Similarly, the value </a:t>
                 </a:r>
                 <a14:m>
                   <m:oMath xmlns:m="http://schemas.openxmlformats.org/officeDocument/2006/math">
@@ -20820,46 +21901,21 @@
                 </a:r>
                 <a:r>
                   <a:rPr lang="en-GB" dirty="0"/>
-                  <a:t>for the given scalar value </a:t>
+                  <a:t>for the sample </a:t>
                 </a:r>
                 <a14:m>
                   <m:oMath xmlns:m="http://schemas.openxmlformats.org/officeDocument/2006/math">
-                    <m:sSub>
-                      <m:sSubPr>
-                        <m:ctrlPr>
-                          <a:rPr lang="en-GB" b="0" i="1" dirty="0" smtClean="0">
-                            <a:latin typeface="Cambria Math" panose="02040503050406030204" pitchFamily="18" charset="0"/>
-                          </a:rPr>
-                        </m:ctrlPr>
-                      </m:sSubPr>
-                      <m:e>
-                        <m:r>
-                          <a:rPr lang="en-GB" i="1" dirty="0" smtClean="0">
-                            <a:latin typeface="Cambria Math" panose="02040503050406030204" pitchFamily="18" charset="0"/>
-                          </a:rPr>
-                          <m:t>𝑦</m:t>
-                        </m:r>
-                      </m:e>
-                      <m:sub>
-                        <m:r>
-                          <a:rPr lang="en-GB" b="0" i="1" dirty="0" smtClean="0">
-                            <a:latin typeface="Cambria Math" panose="02040503050406030204" pitchFamily="18" charset="0"/>
-                          </a:rPr>
-                          <m:t>𝑘</m:t>
-                        </m:r>
-                      </m:sub>
-                    </m:sSub>
                     <m:r>
                       <a:rPr lang="en-GB" i="1" dirty="0" smtClean="0">
                         <a:latin typeface="Cambria Math" panose="02040503050406030204" pitchFamily="18" charset="0"/>
                       </a:rPr>
-                      <m:t> = 2</m:t>
+                      <m:t>𝑘</m:t>
                     </m:r>
                   </m:oMath>
                 </a14:m>
                 <a:r>
                   <a:rPr lang="en-GB" dirty="0"/>
-                  <a:t>.</a:t>
+                  <a:t> with class 2.</a:t>
                 </a:r>
               </a:p>
               <a:p>
@@ -20893,7 +21949,7 @@
               <a:blipFill>
                 <a:blip r:embed="rId2"/>
                 <a:stretch>
-                  <a:fillRect l="-1217" t="-2663" r="-580"/>
+                  <a:fillRect l="-1217" t="-2663"/>
                 </a:stretch>
               </a:blipFill>
             </p:spPr>
@@ -20965,7 +22021,7 @@
           <a:p>
             <a:r>
               <a:rPr lang="en-GB" dirty="0"/>
-              <a:t>Setting a model in train mode</a:t>
+              <a:t>Setting a model in train/eval mode</a:t>
             </a:r>
             <a:endParaRPr lang="en-SG" dirty="0"/>
           </a:p>
@@ -21059,7 +22115,7 @@
             </a:pPr>
             <a:r>
               <a:rPr lang="en-GB" dirty="0"/>
-              <a:t>But let us keep this in mind, and accept that is good practice to set the model to either </a:t>
+              <a:t>But let us keep this in mind and accept that is good practice to set the model to either </a:t>
             </a:r>
             <a:r>
               <a:rPr lang="en-GB" b="1" dirty="0"/>
@@ -21705,7 +22761,7 @@
           <a:p>
             <a:r>
               <a:rPr lang="en-GB" b="1" dirty="0"/>
-              <a:t>97% = nicely trained model!</a:t>
+              <a:t>97% accuracy = a rather nicely trained model!</a:t>
             </a:r>
           </a:p>
           <a:p>
@@ -21818,7 +22874,12 @@
             <p:ph idx="1"/>
           </p:nvPr>
         </p:nvSpPr>
-        <p:spPr/>
+        <p:spPr>
+          <a:xfrm>
+            <a:off x="838200" y="1825624"/>
+            <a:ext cx="10515600" cy="5032375"/>
+          </a:xfrm>
+        </p:spPr>
         <p:txBody>
           <a:bodyPr>
             <a:normAutofit/>
@@ -21835,31 +22896,39 @@
             <a:r>
               <a:rPr lang="en-GB" b="1" dirty="0">
                 <a:solidFill>
-                  <a:srgbClr val="7030A0"/>
+                  <a:srgbClr val="00B050"/>
                 </a:solidFill>
               </a:rPr>
               <a:t>Deep</a:t>
             </a:r>
             <a:r>
-              <a:rPr lang="en-GB" dirty="0"/>
+              <a:rPr lang="en-GB" dirty="0">
+                <a:solidFill>
+                  <a:srgbClr val="00B050"/>
+                </a:solidFill>
+              </a:rPr>
               <a:t> </a:t>
             </a:r>
             <a:r>
               <a:rPr lang="en-GB" b="1" dirty="0">
                 <a:solidFill>
-                  <a:srgbClr val="7030A0"/>
+                  <a:srgbClr val="00B050"/>
                 </a:solidFill>
               </a:rPr>
               <a:t>Neural</a:t>
             </a:r>
             <a:r>
-              <a:rPr lang="en-GB" dirty="0"/>
+              <a:rPr lang="en-GB" dirty="0">
+                <a:solidFill>
+                  <a:srgbClr val="00B050"/>
+                </a:solidFill>
+              </a:rPr>
               <a:t> </a:t>
             </a:r>
             <a:r>
               <a:rPr lang="en-GB" b="1" dirty="0">
                 <a:solidFill>
-                  <a:srgbClr val="7030A0"/>
+                  <a:srgbClr val="00B050"/>
                 </a:solidFill>
               </a:rPr>
               <a:t>Network</a:t>
@@ -21873,18 +22942,83 @@
             <a:pPr marL="0" indent="0">
               <a:buNone/>
             </a:pPr>
-            <a:r>
-              <a:rPr lang="en-GB" b="1" dirty="0"/>
-              <a:t>By definition, a deep neural network consists of more than two layers.</a:t>
-            </a:r>
+            <a:endParaRPr lang="en-GB" b="1" dirty="0"/>
           </a:p>
           <a:p>
             <a:pPr marL="0" indent="0">
               <a:buNone/>
             </a:pPr>
             <a:r>
-              <a:rPr lang="en-GB" dirty="0"/>
-              <a:t>Here we will create a deep neural network with four layers:</a:t>
+              <a:rPr lang="en-GB" b="1" dirty="0"/>
+              <a:t>Definition (</a:t>
+            </a:r>
+            <a:r>
+              <a:rPr lang="en-GB" b="1" dirty="0">
+                <a:solidFill>
+                  <a:srgbClr val="00B050"/>
+                </a:solidFill>
+              </a:rPr>
+              <a:t>Deep Neural Networks</a:t>
+            </a:r>
+            <a:r>
+              <a:rPr lang="en-GB" b="1" dirty="0"/>
+              <a:t>):</a:t>
+            </a:r>
+          </a:p>
+          <a:p>
+            <a:pPr marL="0" indent="0">
+              <a:buNone/>
+            </a:pPr>
+            <a:r>
+              <a:rPr lang="en-GB" b="1" dirty="0"/>
+              <a:t>By definition, a </a:t>
+            </a:r>
+            <a:r>
+              <a:rPr lang="en-GB" b="1" dirty="0">
+                <a:solidFill>
+                  <a:srgbClr val="00B050"/>
+                </a:solidFill>
+              </a:rPr>
+              <a:t>deep neural network </a:t>
+            </a:r>
+            <a:r>
+              <a:rPr lang="en-GB" b="1" dirty="0"/>
+              <a:t>is a neural network, which</a:t>
+            </a:r>
+            <a:r>
+              <a:rPr lang="en-GB" b="1" dirty="0">
+                <a:solidFill>
+                  <a:srgbClr val="00B050"/>
+                </a:solidFill>
+              </a:rPr>
+              <a:t> </a:t>
+            </a:r>
+            <a:r>
+              <a:rPr lang="en-GB" b="1" dirty="0"/>
+              <a:t>consists of more than two layers.</a:t>
+            </a:r>
+          </a:p>
+          <a:p>
+            <a:pPr marL="0" indent="0">
+              <a:buNone/>
+            </a:pPr>
+            <a:endParaRPr lang="en-GB" dirty="0"/>
+          </a:p>
+          <a:p>
+            <a:pPr marL="0" indent="0">
+              <a:buNone/>
+            </a:pPr>
+            <a:r>
+              <a:rPr lang="en-GB" dirty="0"/>
+              <a:t>To demonstrate, we will create a deep neural network with </a:t>
+            </a:r>
+            <a:r>
+              <a:rPr lang="en-GB" u="sng" dirty="0"/>
+              <a:t>four</a:t>
+            </a:r>
+            <a:r>
+              <a:rPr lang="en-GB" dirty="0"/>
+              <a:t> layers:</a:t>
             </a:r>
           </a:p>
           <a:p>
@@ -22044,10 +23178,15 @@
             <p:ph idx="1"/>
           </p:nvPr>
         </p:nvSpPr>
-        <p:spPr/>
+        <p:spPr>
+          <a:xfrm>
+            <a:off x="363795" y="1825624"/>
+            <a:ext cx="6046838" cy="5032375"/>
+          </a:xfrm>
+        </p:spPr>
         <p:txBody>
           <a:bodyPr>
-            <a:normAutofit fontScale="92500"/>
+            <a:normAutofit lnSpcReduction="10000"/>
           </a:bodyPr>
           <a:lstStyle/>
           <a:p>
@@ -22060,7 +23199,7 @@
             </a:r>
             <a:r>
               <a:rPr lang="en-GB" b="1" dirty="0"/>
-              <a:t>it is good practice to have the size decrease progressively by a factor of at least 2 from one layer to another</a:t>
+              <a:t>it is good practice to have the size of layers decrease progressively by a factor of at least 2</a:t>
             </a:r>
             <a:r>
               <a:rPr lang="en-GB" dirty="0"/>
@@ -22068,40 +23207,269 @@
             </a:r>
           </a:p>
           <a:p>
+            <a:r>
+              <a:rPr lang="en-GB" dirty="0"/>
+              <a:t>the first layer has inputs size 784 and outputs size 80,</a:t>
+            </a:r>
+          </a:p>
+          <a:p>
+            <a:r>
+              <a:rPr lang="en-GB" dirty="0"/>
+              <a:t>the second layer has inputs size 80 and outputs size 40,</a:t>
+            </a:r>
+          </a:p>
+          <a:p>
+            <a:r>
+              <a:rPr lang="en-GB" dirty="0"/>
+              <a:t>the third layer has inputs size 40 and outputs size 20,</a:t>
+            </a:r>
+          </a:p>
+          <a:p>
+            <a:r>
+              <a:rPr lang="en-GB" dirty="0"/>
+              <a:t>and the fourth layer has inputs size 20 and outputs size 10, matching the number of classes in the dataset.</a:t>
+            </a:r>
+            <a:endParaRPr lang="en-SG" dirty="0"/>
+          </a:p>
+          <a:p>
+            <a:endParaRPr lang="en-SG" dirty="0"/>
+          </a:p>
+        </p:txBody>
+      </p:sp>
+      <p:pic>
+        <p:nvPicPr>
+          <p:cNvPr id="6" name="Picture 5">
+            <a:extLst>
+              <a:ext uri="{FF2B5EF4-FFF2-40B4-BE49-F238E27FC236}">
+                <a16:creationId xmlns:a16="http://schemas.microsoft.com/office/drawing/2014/main" id="{B9E7BE80-0CA2-4B8B-69D7-5C91E3AB8500}"/>
+              </a:ext>
+            </a:extLst>
+          </p:cNvPr>
+          <p:cNvPicPr>
+            <a:picLocks noChangeAspect="1"/>
+          </p:cNvPicPr>
+          <p:nvPr/>
+        </p:nvPicPr>
+        <p:blipFill>
+          <a:blip r:embed="rId2"/>
+          <a:stretch>
+            <a:fillRect/>
+          </a:stretch>
+        </p:blipFill>
+        <p:spPr>
+          <a:xfrm>
+            <a:off x="6629713" y="3429000"/>
+            <a:ext cx="5318625" cy="2854531"/>
+          </a:xfrm>
+          <a:prstGeom prst="rect">
+            <a:avLst/>
+          </a:prstGeom>
+        </p:spPr>
+      </p:pic>
+      <p:sp>
+        <p:nvSpPr>
+          <p:cNvPr id="7" name="Content Placeholder 2">
+            <a:extLst>
+              <a:ext uri="{FF2B5EF4-FFF2-40B4-BE49-F238E27FC236}">
+                <a16:creationId xmlns:a16="http://schemas.microsoft.com/office/drawing/2014/main" id="{44129023-F68E-078F-9134-3441B0D61EA9}"/>
+              </a:ext>
+            </a:extLst>
+          </p:cNvPr>
+          <p:cNvSpPr txBox="1">
+            <a:spLocks/>
+          </p:cNvSpPr>
+          <p:nvPr/>
+        </p:nvSpPr>
+        <p:spPr>
+          <a:xfrm flipH="1">
+            <a:off x="6563033" y="1825624"/>
+            <a:ext cx="5451986" cy="1477963"/>
+          </a:xfrm>
+          <a:prstGeom prst="rect">
+            <a:avLst/>
+          </a:prstGeom>
+        </p:spPr>
+        <p:txBody>
+          <a:bodyPr vert="horz" lIns="91440" tIns="45720" rIns="91440" bIns="45720" rtlCol="0">
+            <a:normAutofit/>
+          </a:bodyPr>
+          <a:lstStyle>
+            <a:lvl1pPr marL="228600" indent="-228600" algn="l" defTabSz="914400" rtl="0" eaLnBrk="1" latinLnBrk="0" hangingPunct="1">
+              <a:lnSpc>
+                <a:spcPct val="90000"/>
+              </a:lnSpc>
+              <a:spcBef>
+                <a:spcPts val="1000"/>
+              </a:spcBef>
+              <a:buFont typeface="Arial" panose="020B0604020202020204" pitchFamily="34" charset="0"/>
+              <a:buChar char="•"/>
+              <a:defRPr sz="2800" kern="1200">
+                <a:solidFill>
+                  <a:schemeClr val="tx1"/>
+                </a:solidFill>
+                <a:latin typeface="+mn-lt"/>
+                <a:ea typeface="+mn-ea"/>
+                <a:cs typeface="+mn-cs"/>
+              </a:defRPr>
+            </a:lvl1pPr>
+            <a:lvl2pPr marL="685800" indent="-228600" algn="l" defTabSz="914400" rtl="0" eaLnBrk="1" latinLnBrk="0" hangingPunct="1">
+              <a:lnSpc>
+                <a:spcPct val="90000"/>
+              </a:lnSpc>
+              <a:spcBef>
+                <a:spcPts val="500"/>
+              </a:spcBef>
+              <a:buFont typeface="Arial" panose="020B0604020202020204" pitchFamily="34" charset="0"/>
+              <a:buChar char="•"/>
+              <a:defRPr sz="2400" kern="1200">
+                <a:solidFill>
+                  <a:schemeClr val="tx1"/>
+                </a:solidFill>
+                <a:latin typeface="+mn-lt"/>
+                <a:ea typeface="+mn-ea"/>
+                <a:cs typeface="+mn-cs"/>
+              </a:defRPr>
+            </a:lvl2pPr>
+            <a:lvl3pPr marL="1143000" indent="-228600" algn="l" defTabSz="914400" rtl="0" eaLnBrk="1" latinLnBrk="0" hangingPunct="1">
+              <a:lnSpc>
+                <a:spcPct val="90000"/>
+              </a:lnSpc>
+              <a:spcBef>
+                <a:spcPts val="500"/>
+              </a:spcBef>
+              <a:buFont typeface="Arial" panose="020B0604020202020204" pitchFamily="34" charset="0"/>
+              <a:buChar char="•"/>
+              <a:defRPr sz="2000" kern="1200">
+                <a:solidFill>
+                  <a:schemeClr val="tx1"/>
+                </a:solidFill>
+                <a:latin typeface="+mn-lt"/>
+                <a:ea typeface="+mn-ea"/>
+                <a:cs typeface="+mn-cs"/>
+              </a:defRPr>
+            </a:lvl3pPr>
+            <a:lvl4pPr marL="1600200" indent="-228600" algn="l" defTabSz="914400" rtl="0" eaLnBrk="1" latinLnBrk="0" hangingPunct="1">
+              <a:lnSpc>
+                <a:spcPct val="90000"/>
+              </a:lnSpc>
+              <a:spcBef>
+                <a:spcPts val="500"/>
+              </a:spcBef>
+              <a:buFont typeface="Arial" panose="020B0604020202020204" pitchFamily="34" charset="0"/>
+              <a:buChar char="•"/>
+              <a:defRPr sz="1800" kern="1200">
+                <a:solidFill>
+                  <a:schemeClr val="tx1"/>
+                </a:solidFill>
+                <a:latin typeface="+mn-lt"/>
+                <a:ea typeface="+mn-ea"/>
+                <a:cs typeface="+mn-cs"/>
+              </a:defRPr>
+            </a:lvl4pPr>
+            <a:lvl5pPr marL="2057400" indent="-228600" algn="l" defTabSz="914400" rtl="0" eaLnBrk="1" latinLnBrk="0" hangingPunct="1">
+              <a:lnSpc>
+                <a:spcPct val="90000"/>
+              </a:lnSpc>
+              <a:spcBef>
+                <a:spcPts val="500"/>
+              </a:spcBef>
+              <a:buFont typeface="Arial" panose="020B0604020202020204" pitchFamily="34" charset="0"/>
+              <a:buChar char="•"/>
+              <a:defRPr sz="1800" kern="1200">
+                <a:solidFill>
+                  <a:schemeClr val="tx1"/>
+                </a:solidFill>
+                <a:latin typeface="+mn-lt"/>
+                <a:ea typeface="+mn-ea"/>
+                <a:cs typeface="+mn-cs"/>
+              </a:defRPr>
+            </a:lvl5pPr>
+            <a:lvl6pPr marL="2514600" indent="-228600" algn="l" defTabSz="914400" rtl="0" eaLnBrk="1" latinLnBrk="0" hangingPunct="1">
+              <a:lnSpc>
+                <a:spcPct val="90000"/>
+              </a:lnSpc>
+              <a:spcBef>
+                <a:spcPts val="500"/>
+              </a:spcBef>
+              <a:buFont typeface="Arial" panose="020B0604020202020204" pitchFamily="34" charset="0"/>
+              <a:buChar char="•"/>
+              <a:defRPr sz="1800" kern="1200">
+                <a:solidFill>
+                  <a:schemeClr val="tx1"/>
+                </a:solidFill>
+                <a:latin typeface="+mn-lt"/>
+                <a:ea typeface="+mn-ea"/>
+                <a:cs typeface="+mn-cs"/>
+              </a:defRPr>
+            </a:lvl6pPr>
+            <a:lvl7pPr marL="2971800" indent="-228600" algn="l" defTabSz="914400" rtl="0" eaLnBrk="1" latinLnBrk="0" hangingPunct="1">
+              <a:lnSpc>
+                <a:spcPct val="90000"/>
+              </a:lnSpc>
+              <a:spcBef>
+                <a:spcPts val="500"/>
+              </a:spcBef>
+              <a:buFont typeface="Arial" panose="020B0604020202020204" pitchFamily="34" charset="0"/>
+              <a:buChar char="•"/>
+              <a:defRPr sz="1800" kern="1200">
+                <a:solidFill>
+                  <a:schemeClr val="tx1"/>
+                </a:solidFill>
+                <a:latin typeface="+mn-lt"/>
+                <a:ea typeface="+mn-ea"/>
+                <a:cs typeface="+mn-cs"/>
+              </a:defRPr>
+            </a:lvl7pPr>
+            <a:lvl8pPr marL="3429000" indent="-228600" algn="l" defTabSz="914400" rtl="0" eaLnBrk="1" latinLnBrk="0" hangingPunct="1">
+              <a:lnSpc>
+                <a:spcPct val="90000"/>
+              </a:lnSpc>
+              <a:spcBef>
+                <a:spcPts val="500"/>
+              </a:spcBef>
+              <a:buFont typeface="Arial" panose="020B0604020202020204" pitchFamily="34" charset="0"/>
+              <a:buChar char="•"/>
+              <a:defRPr sz="1800" kern="1200">
+                <a:solidFill>
+                  <a:schemeClr val="tx1"/>
+                </a:solidFill>
+                <a:latin typeface="+mn-lt"/>
+                <a:ea typeface="+mn-ea"/>
+                <a:cs typeface="+mn-cs"/>
+              </a:defRPr>
+            </a:lvl8pPr>
+            <a:lvl9pPr marL="3886200" indent="-228600" algn="l" defTabSz="914400" rtl="0" eaLnBrk="1" latinLnBrk="0" hangingPunct="1">
+              <a:lnSpc>
+                <a:spcPct val="90000"/>
+              </a:lnSpc>
+              <a:spcBef>
+                <a:spcPts val="500"/>
+              </a:spcBef>
+              <a:buFont typeface="Arial" panose="020B0604020202020204" pitchFamily="34" charset="0"/>
+              <a:buChar char="•"/>
+              <a:defRPr sz="1800" kern="1200">
+                <a:solidFill>
+                  <a:schemeClr val="tx1"/>
+                </a:solidFill>
+                <a:latin typeface="+mn-lt"/>
+                <a:ea typeface="+mn-ea"/>
+                <a:cs typeface="+mn-cs"/>
+              </a:defRPr>
+            </a:lvl9pPr>
+          </a:lstStyle>
+          <a:p>
             <a:pPr marL="0" indent="0">
+              <a:buFont typeface="Arial" panose="020B0604020202020204" pitchFamily="34" charset="0"/>
               <a:buNone/>
             </a:pPr>
             <a:r>
-              <a:rPr lang="en-GB" dirty="0"/>
-              <a:t>For instance, we decided here, to have</a:t>
-            </a:r>
-          </a:p>
-          <a:p>
-            <a:r>
-              <a:rPr lang="en-GB" dirty="0"/>
-              <a:t>the first layer receive inputs of size 784 and produce outputs of size 80,</a:t>
-            </a:r>
-          </a:p>
-          <a:p>
-            <a:r>
-              <a:rPr lang="en-GB" dirty="0"/>
-              <a:t>the second layer receive inputs of size 80 and produce outputs of size 40,</a:t>
-            </a:r>
-          </a:p>
-          <a:p>
-            <a:r>
-              <a:rPr lang="en-GB" dirty="0"/>
-              <a:t>the third layer receive inputs of size 40 and produce outputs of size 20,</a:t>
-            </a:r>
-          </a:p>
-          <a:p>
-            <a:r>
-              <a:rPr lang="en-GB" dirty="0"/>
-              <a:t>and the fourth layer receive inputs of size 20 and produce outputs of size 10.</a:t>
-            </a:r>
-            <a:endParaRPr lang="en-SG" dirty="0"/>
-          </a:p>
-          <a:p>
+              <a:rPr lang="en-GB" b="1" dirty="0"/>
+              <a:t>Note:</a:t>
+            </a:r>
+            <a:r>
+              <a:rPr lang="en-GB" dirty="0"/>
+              <a:t> a layer-by-layer model summary can be seen by printing the model object! </a:t>
+            </a:r>
             <a:endParaRPr lang="en-SG" dirty="0"/>
           </a:p>
         </p:txBody>
@@ -22198,7 +23566,31 @@
             </a:pPr>
             <a:r>
               <a:rPr lang="en-GB" b="1" dirty="0"/>
-              <a:t>Good practice (another one): create building blocks for modularity.</a:t>
+              <a:t>Good practice (another one): create </a:t>
+            </a:r>
+            <a:r>
+              <a:rPr lang="en-GB" b="1" dirty="0">
+                <a:solidFill>
+                  <a:srgbClr val="00B050"/>
+                </a:solidFill>
+              </a:rPr>
+              <a:t>building</a:t>
+            </a:r>
+            <a:r>
+              <a:rPr lang="en-GB" b="1" dirty="0"/>
+              <a:t> </a:t>
+            </a:r>
+            <a:r>
+              <a:rPr lang="en-GB" b="1" dirty="0">
+                <a:solidFill>
+                  <a:srgbClr val="00B050"/>
+                </a:solidFill>
+              </a:rPr>
+              <a:t>blocks</a:t>
+            </a:r>
+            <a:r>
+              <a:rPr lang="en-GB" b="1" dirty="0"/>
+              <a:t> for modularity.</a:t>
             </a:r>
           </a:p>
           <a:p>
@@ -22278,11 +23670,11 @@
             </a:r>
             <a:r>
               <a:rPr lang="en-GB" b="1" dirty="0"/>
-              <a:t>activation</a:t>
-            </a:r>
-            <a:r>
-              <a:rPr lang="en-GB" dirty="0"/>
-              <a:t>. </a:t>
+              <a:t>activation </a:t>
+            </a:r>
+            <a:r>
+              <a:rPr lang="en-GB" dirty="0"/>
+              <a:t>function. </a:t>
             </a:r>
           </a:p>
           <a:p>
@@ -22303,7 +23695,7 @@
             </a:r>
             <a:r>
               <a:rPr lang="en-GB" dirty="0"/>
-              <a:t> no </a:t>
+              <a:t> not using </a:t>
             </a:r>
             <a:r>
               <a:rPr lang="en-GB" dirty="0" err="1"/>
@@ -22311,7 +23703,7 @@
             </a:r>
             <a:r>
               <a:rPr lang="en-GB" dirty="0"/>
-              <a:t> as final activation, for the same reason as before.</a:t>
+              <a:t> as final activation, for the same reasons as before.</a:t>
             </a:r>
           </a:p>
         </p:txBody>
@@ -22469,7 +23861,7 @@
             </a:r>
             <a:r>
               <a:rPr lang="en-GB" dirty="0"/>
-              <a:t> layers,</a:t>
+              <a:t> blocks,</a:t>
             </a:r>
           </a:p>
           <a:p>
@@ -22482,15 +23874,13 @@
               <a:t>DenseNoReLU</a:t>
             </a:r>
             <a:r>
-              <a:rPr lang="en-GB" dirty="0"/>
-              <a:t>.</a:t>
-            </a:r>
-          </a:p>
-          <a:p>
-            <a:pPr marL="0" indent="0">
-              <a:buNone/>
-            </a:pPr>
-            <a:endParaRPr lang="en-GB" dirty="0"/>
+              <a:rPr lang="en-GB" b="1" dirty="0"/>
+              <a:t> </a:t>
+            </a:r>
+            <a:r>
+              <a:rPr lang="en-GB" dirty="0"/>
+              <a:t>block.</a:t>
+            </a:r>
           </a:p>
           <a:p>
             <a:pPr marL="0" indent="0">
@@ -22555,10 +23945,10 @@
       </p:pic>
       <p:pic>
         <p:nvPicPr>
-          <p:cNvPr id="8" name="Picture 7">
+          <p:cNvPr id="4" name="Picture 3">
             <a:extLst>
               <a:ext uri="{FF2B5EF4-FFF2-40B4-BE49-F238E27FC236}">
-                <a16:creationId xmlns:a16="http://schemas.microsoft.com/office/drawing/2014/main" id="{4F49498C-C168-D997-C92B-72ABE1A492B2}"/>
+                <a16:creationId xmlns:a16="http://schemas.microsoft.com/office/drawing/2014/main" id="{E00CC6F8-3B60-1E59-AC98-6A0AD36B8471}"/>
               </a:ext>
             </a:extLst>
           </p:cNvPr>
@@ -22575,7 +23965,7 @@
         </p:blipFill>
         <p:spPr>
           <a:xfrm>
-            <a:off x="5590262" y="6007086"/>
+            <a:off x="5472276" y="5654558"/>
             <a:ext cx="6525536" cy="838317"/>
           </a:xfrm>
           <a:prstGeom prst="rect">
@@ -22661,7 +24051,7 @@
         <p:spPr>
           <a:xfrm>
             <a:off x="838200" y="1825625"/>
-            <a:ext cx="5181600" cy="5032374"/>
+            <a:ext cx="5257800" cy="5032374"/>
           </a:xfrm>
         </p:spPr>
         <p:txBody>
@@ -22675,19 +24065,19 @@
             </a:pPr>
             <a:r>
               <a:rPr lang="en-GB" dirty="0"/>
-              <a:t>The forward pass of the network is then simply defined:</a:t>
-            </a:r>
-          </a:p>
-          <a:p>
-            <a:r>
-              <a:rPr lang="en-GB" dirty="0"/>
-              <a:t>The input image is first flattened from a 2D image to a 1D vector,</a:t>
-            </a:r>
-          </a:p>
-          <a:p>
-            <a:r>
-              <a:rPr lang="en-GB" dirty="0"/>
-              <a:t>It is then passed through the combined layers we have assembled in Sequential().</a:t>
+              <a:t>The forward pass of the network is then simply defined, using the following steps:</a:t>
+            </a:r>
+          </a:p>
+          <a:p>
+            <a:r>
+              <a:rPr lang="en-GB" dirty="0"/>
+              <a:t>The input image is flattened, transforming a 2D tensor image into a 1D tensor,</a:t>
+            </a:r>
+          </a:p>
+          <a:p>
+            <a:r>
+              <a:rPr lang="en-GB" dirty="0"/>
+              <a:t>It is then passed through the combined layers/blocks we have assembled in Sequential().</a:t>
             </a:r>
           </a:p>
         </p:txBody>
@@ -22724,10 +24114,10 @@
       </p:pic>
       <p:pic>
         <p:nvPicPr>
-          <p:cNvPr id="5" name="Picture 4">
+          <p:cNvPr id="6" name="Picture 5">
             <a:extLst>
               <a:ext uri="{FF2B5EF4-FFF2-40B4-BE49-F238E27FC236}">
-                <a16:creationId xmlns:a16="http://schemas.microsoft.com/office/drawing/2014/main" id="{04BE87CC-6D9A-21CA-4052-9CC25E51F1B6}"/>
+                <a16:creationId xmlns:a16="http://schemas.microsoft.com/office/drawing/2014/main" id="{1DEBBE6B-CA2E-A219-1DD0-72B4197A1E77}"/>
               </a:ext>
             </a:extLst>
           </p:cNvPr>
@@ -22744,7 +24134,7 @@
         </p:blipFill>
         <p:spPr>
           <a:xfrm>
-            <a:off x="5590262" y="6007086"/>
+            <a:off x="5472276" y="5654558"/>
             <a:ext cx="6525536" cy="838317"/>
           </a:xfrm>
           <a:prstGeom prst="rect">
@@ -22854,13 +24244,13 @@
           <a:p>
             <a:r>
               <a:rPr lang="en-GB" b="1" dirty="0"/>
-              <a:t>defining blocks of layers,</a:t>
-            </a:r>
-          </a:p>
-          <a:p>
-            <a:r>
-              <a:rPr lang="en-GB" dirty="0"/>
-              <a:t>and eventually </a:t>
+              <a:t>Defining blocks of layers,</a:t>
+            </a:r>
+          </a:p>
+          <a:p>
+            <a:r>
+              <a:rPr lang="en-GB" dirty="0"/>
+              <a:t>And eventually </a:t>
             </a:r>
             <a:r>
               <a:rPr lang="en-GB" b="1" dirty="0"/>
@@ -22881,7 +24271,14 @@
             </a:pPr>
             <a:r>
               <a:rPr lang="en-GB" dirty="0"/>
-              <a:t>is very common in deep neural networks, especially when the architectures are very heavy and include many layers.</a:t>
+              <a:t>is very common in deep neural networks, especially when the architectures are very heavy</a:t>
+            </a:r>
+            <a:br>
+              <a:rPr lang="en-GB" dirty="0"/>
+            </a:br>
+            <a:r>
+              <a:rPr lang="en-GB" dirty="0"/>
+              <a:t>and include many layers.</a:t>
             </a:r>
           </a:p>
           <a:p>
@@ -22890,7 +24287,7 @@
             </a:pPr>
             <a:r>
               <a:rPr lang="en-GB" dirty="0"/>
-              <a:t>Organize the mess!</a:t>
+              <a:t>Helps to organize the mess!</a:t>
             </a:r>
           </a:p>
         </p:txBody>
@@ -22927,10 +24324,10 @@
       </p:pic>
       <p:pic>
         <p:nvPicPr>
-          <p:cNvPr id="5" name="Picture 4">
+          <p:cNvPr id="6" name="Picture 5">
             <a:extLst>
               <a:ext uri="{FF2B5EF4-FFF2-40B4-BE49-F238E27FC236}">
-                <a16:creationId xmlns:a16="http://schemas.microsoft.com/office/drawing/2014/main" id="{04BE87CC-6D9A-21CA-4052-9CC25E51F1B6}"/>
+                <a16:creationId xmlns:a16="http://schemas.microsoft.com/office/drawing/2014/main" id="{CA2AFA82-4109-7FB0-8594-582930CE5F91}"/>
               </a:ext>
             </a:extLst>
           </p:cNvPr>
@@ -22947,7 +24344,7 @@
         </p:blipFill>
         <p:spPr>
           <a:xfrm>
-            <a:off x="5590262" y="6007086"/>
+            <a:off x="5472276" y="5654558"/>
             <a:ext cx="6525536" cy="838317"/>
           </a:xfrm>
           <a:prstGeom prst="rect">
@@ -23136,7 +24533,15 @@
             </a:pPr>
             <a:r>
               <a:rPr lang="en-GB" dirty="0"/>
-              <a:t>We can therefore raise a fairly important question:</a:t>
+              <a:t>We can therefore raise a </a:t>
+            </a:r>
+            <a:r>
+              <a:rPr lang="en-GB" b="1" dirty="0"/>
+              <a:t>fairly important question</a:t>
+            </a:r>
+            <a:r>
+              <a:rPr lang="en-GB" dirty="0"/>
+              <a:t>:</a:t>
             </a:r>
           </a:p>
           <a:p>
@@ -23162,13 +24567,13 @@
           <a:p>
             <a:r>
               <a:rPr lang="en-GB" dirty="0"/>
-              <a:t>Instead, the number of layers, as well as the number of neurons in each layer, should be chosen based on the complexity of the task and the amount of available data.</a:t>
-            </a:r>
-          </a:p>
-          <a:p>
-            <a:r>
-              <a:rPr lang="en-GB" dirty="0"/>
-              <a:t>In general, deep neural networks with many layers (hundreds or even thousands) can learn very complex patterns in data, but they will require a large amount of data and computational resources to train.</a:t>
+              <a:t>Instead, the number of layers, as well as the number of neurons in each layer, should be chosen based on the complexity of the task and the amount of available data in the dataset.</a:t>
+            </a:r>
+          </a:p>
+          <a:p>
+            <a:r>
+              <a:rPr lang="en-GB" dirty="0"/>
+              <a:t>In general, deep neural networks with many layers (tens or even hundreds) can learn very complex patterns in data, but they will require a large amount of data and computational resources to train.</a:t>
             </a:r>
           </a:p>
         </p:txBody>
@@ -23498,11 +24903,22 @@
             <a:endParaRPr lang="en-GB" dirty="0"/>
           </a:p>
           <a:p>
-            <a:r>
-              <a:rPr lang="en-GB" b="1" dirty="0"/>
-              <a:t>NFL: Finding the optimal number of layers and the optimal architecture of a deep neural network is often a trade-off between model complexity, computational resources, and performance, and requires some experimentation and model selection.</a:t>
-            </a:r>
-            <a:endParaRPr lang="en-SG" b="1" dirty="0"/>
+            <a:pPr marL="0" indent="0">
+              <a:buNone/>
+            </a:pPr>
+            <a:r>
+              <a:rPr lang="en-GB" b="1" dirty="0">
+                <a:solidFill>
+                  <a:srgbClr val="7030A0"/>
+                </a:solidFill>
+              </a:rPr>
+              <a:t>Another No Free Lunch: Finding the optimal number of layers and the optimal architecture of a deep neural network is often a trade-off between model complexity, computational resources, and performance. It requires some experimentation and model selection.</a:t>
+            </a:r>
+            <a:endParaRPr lang="en-SG" b="1" dirty="0">
+              <a:solidFill>
+                <a:srgbClr val="7030A0"/>
+              </a:solidFill>
+            </a:endParaRPr>
           </a:p>
         </p:txBody>
       </p:sp>
@@ -24052,7 +25468,7 @@
         </p:blipFill>
         <p:spPr>
           <a:xfrm>
-            <a:off x="6172202" y="2256931"/>
+            <a:off x="6019800" y="1480183"/>
             <a:ext cx="5978042" cy="4169759"/>
           </a:xfrm>
           <a:prstGeom prst="rect">
@@ -24060,6 +25476,50 @@
           </a:prstGeom>
         </p:spPr>
       </p:pic>
+      <p:sp>
+        <p:nvSpPr>
+          <p:cNvPr id="2" name="TextBox 1">
+            <a:extLst>
+              <a:ext uri="{FF2B5EF4-FFF2-40B4-BE49-F238E27FC236}">
+                <a16:creationId xmlns:a16="http://schemas.microsoft.com/office/drawing/2014/main" id="{71B172A0-05B2-C1BA-B01D-1B1E9A49139A}"/>
+              </a:ext>
+            </a:extLst>
+          </p:cNvPr>
+          <p:cNvSpPr txBox="1"/>
+          <p:nvPr/>
+        </p:nvSpPr>
+        <p:spPr>
+          <a:xfrm>
+            <a:off x="5911660" y="5661878"/>
+            <a:ext cx="6194322" cy="830997"/>
+          </a:xfrm>
+          <a:prstGeom prst="rect">
+            <a:avLst/>
+          </a:prstGeom>
+          <a:noFill/>
+        </p:spPr>
+        <p:txBody>
+          <a:bodyPr wrap="square" rtlCol="0">
+            <a:spAutoFit/>
+          </a:bodyPr>
+          <a:lstStyle/>
+          <a:p>
+            <a:r>
+              <a:rPr lang="en-GB" sz="2400" b="1" dirty="0">
+                <a:solidFill>
+                  <a:srgbClr val="7030A0"/>
+                </a:solidFill>
+              </a:rPr>
+              <a:t>Important lesson: Larger and deeper network does not necessarily mean better performance!</a:t>
+            </a:r>
+            <a:endParaRPr lang="en-SG" sz="2400" b="1" dirty="0">
+              <a:solidFill>
+                <a:srgbClr val="7030A0"/>
+              </a:solidFill>
+            </a:endParaRPr>
+          </a:p>
+        </p:txBody>
+      </p:sp>
     </p:spTree>
     <p:extLst>
       <p:ext uri="{BB962C8B-B14F-4D97-AF65-F5344CB8AC3E}">
@@ -25711,6 +27171,9 @@
           </a:bodyPr>
           <a:lstStyle/>
           <a:p>
+            <a:pPr marL="0" indent="0">
+              <a:buNone/>
+            </a:pPr>
             <a:r>
               <a:rPr lang="en-GB" dirty="0" err="1"/>
               <a:t>Pytorch</a:t>
@@ -25733,7 +27196,7 @@
             </a:r>
             <a:r>
               <a:rPr lang="en-GB" dirty="0"/>
-              <a:t>, ready to be downloaded and used on models: typically the most common ones that have been used to demonstrate concepts, such as </a:t>
+              <a:t>, ready to be downloaded and used on models: typically, the most common ones that have been used in research to demonstrate concepts, such as </a:t>
             </a:r>
             <a:r>
               <a:rPr lang="en-GB" b="1" dirty="0"/>
@@ -25771,6 +27234,14 @@
             <a:r>
               <a:rPr lang="en-GB" b="1" dirty="0"/>
               <a:t>datasets</a:t>
+            </a:r>
+            <a:r>
+              <a:rPr lang="en-GB" dirty="0"/>
+              <a:t> in </a:t>
+            </a:r>
+            <a:r>
+              <a:rPr lang="en-GB" dirty="0" err="1"/>
+              <a:t>Pytorch</a:t>
             </a:r>
             <a:r>
               <a:rPr lang="en-GB" dirty="0"/>
@@ -25866,8 +27337,8 @@
         </p:nvSpPr>
         <p:spPr>
           <a:xfrm>
-            <a:off x="838200" y="1825625"/>
-            <a:ext cx="4859215" cy="5020376"/>
+            <a:off x="515816" y="1825625"/>
+            <a:ext cx="5181599" cy="5020376"/>
           </a:xfrm>
         </p:spPr>
         <p:txBody>
@@ -25876,6 +27347,9 @@
           </a:bodyPr>
           <a:lstStyle/>
           <a:p>
+            <a:pPr marL="0" indent="0">
+              <a:buNone/>
+            </a:pPr>
             <a:r>
               <a:rPr lang="en-GB" dirty="0"/>
               <a:t>Let us demonstrate using the </a:t>
@@ -25898,13 +27372,13 @@
           <a:p>
             <a:r>
               <a:rPr lang="en-GB" dirty="0"/>
-              <a:t>It is typically used to design image classification models (i.e. models that receive images as inputs), and attempt to predict what is in the image in question. </a:t>
-            </a:r>
-          </a:p>
-          <a:p>
-            <a:r>
-              <a:rPr lang="en-GB" dirty="0"/>
-              <a:t>The 10 classes (bag, shirt, etc.) are indexed with 0-9 values, corresponding to the 10 types of fashion objects found in the dataset.</a:t>
+              <a:t>It is typically used to design image classification models (i.e. models that receive images as inputs) and attempt to predict what is in the image in question. </a:t>
+            </a:r>
+          </a:p>
+          <a:p>
+            <a:r>
+              <a:rPr lang="en-GB" dirty="0"/>
+              <a:t>The 10 output classes (bag, shirt, etc.) are indexed with 0-9 values, corresponding to the 10 types of fashion objects found in the dataset.</a:t>
             </a:r>
             <a:endParaRPr lang="en-SG" dirty="0"/>
           </a:p>
@@ -26029,71 +27503,6 @@
           </a:p>
         </p:txBody>
       </p:sp>
-      <p:sp>
-        <p:nvSpPr>
-          <p:cNvPr id="8" name="Content Placeholder 7">
-            <a:extLst>
-              <a:ext uri="{FF2B5EF4-FFF2-40B4-BE49-F238E27FC236}">
-                <a16:creationId xmlns:a16="http://schemas.microsoft.com/office/drawing/2014/main" id="{668F32F8-5E46-06D2-D714-2FC1D4FB60B1}"/>
-              </a:ext>
-            </a:extLst>
-          </p:cNvPr>
-          <p:cNvSpPr>
-            <a:spLocks noGrp="1"/>
-          </p:cNvSpPr>
-          <p:nvPr>
-            <p:ph sz="half" idx="1"/>
-          </p:nvPr>
-        </p:nvSpPr>
-        <p:spPr>
-          <a:xfrm>
-            <a:off x="838200" y="1825625"/>
-            <a:ext cx="4859215" cy="5020376"/>
-          </a:xfrm>
-        </p:spPr>
-        <p:txBody>
-          <a:bodyPr>
-            <a:normAutofit fontScale="92500" lnSpcReduction="10000"/>
-          </a:bodyPr>
-          <a:lstStyle/>
-          <a:p>
-            <a:r>
-              <a:rPr lang="en-GB" dirty="0"/>
-              <a:t>Let us demonstrate using the </a:t>
-            </a:r>
-            <a:r>
-              <a:rPr lang="en-GB" b="1" dirty="0" err="1"/>
-              <a:t>FashionMNIST</a:t>
-            </a:r>
-            <a:r>
-              <a:rPr lang="en-GB" dirty="0"/>
-              <a:t> dataset.</a:t>
-            </a:r>
-          </a:p>
-          <a:p>
-            <a:r>
-              <a:rPr lang="en-GB" dirty="0"/>
-              <a:t>This dataset consists of 28 by 28 greyscale images.</a:t>
-            </a:r>
-          </a:p>
-          <a:p>
-            <a:r>
-              <a:rPr lang="en-GB" dirty="0"/>
-              <a:t>It is typically used to design image classification models (i.e. models that receive images as inputs), and attempt to predict what is in the image in question. </a:t>
-            </a:r>
-          </a:p>
-          <a:p>
-            <a:r>
-              <a:rPr lang="en-GB" dirty="0"/>
-              <a:t>The 10 classes (bag, shirt, etc.) are indexed with 0-9 values, corresponding to the 10 types of fashion objects found in the dataset.</a:t>
-            </a:r>
-            <a:endParaRPr lang="en-SG" dirty="0"/>
-          </a:p>
-          <a:p>
-            <a:endParaRPr lang="en-SG" dirty="0"/>
-          </a:p>
-        </p:txBody>
-      </p:sp>
       <p:pic>
         <p:nvPicPr>
           <p:cNvPr id="4" name="Picture 3">
@@ -26124,6 +27533,74 @@
           </a:prstGeom>
         </p:spPr>
       </p:pic>
+      <p:sp>
+        <p:nvSpPr>
+          <p:cNvPr id="6" name="Content Placeholder 7">
+            <a:extLst>
+              <a:ext uri="{FF2B5EF4-FFF2-40B4-BE49-F238E27FC236}">
+                <a16:creationId xmlns:a16="http://schemas.microsoft.com/office/drawing/2014/main" id="{6ADF10B0-270B-D179-CA19-BD51C0F97E62}"/>
+              </a:ext>
+            </a:extLst>
+          </p:cNvPr>
+          <p:cNvSpPr>
+            <a:spLocks noGrp="1"/>
+          </p:cNvSpPr>
+          <p:nvPr>
+            <p:ph sz="half" idx="1"/>
+          </p:nvPr>
+        </p:nvSpPr>
+        <p:spPr>
+          <a:xfrm>
+            <a:off x="515816" y="1825625"/>
+            <a:ext cx="5181599" cy="5020376"/>
+          </a:xfrm>
+        </p:spPr>
+        <p:txBody>
+          <a:bodyPr>
+            <a:normAutofit fontScale="92500" lnSpcReduction="10000"/>
+          </a:bodyPr>
+          <a:lstStyle/>
+          <a:p>
+            <a:pPr marL="0" indent="0">
+              <a:buNone/>
+            </a:pPr>
+            <a:r>
+              <a:rPr lang="en-GB" dirty="0"/>
+              <a:t>Let us demonstrate using the </a:t>
+            </a:r>
+            <a:r>
+              <a:rPr lang="en-GB" b="1" dirty="0" err="1"/>
+              <a:t>FashionMNIST</a:t>
+            </a:r>
+            <a:r>
+              <a:rPr lang="en-GB" dirty="0"/>
+              <a:t> dataset.</a:t>
+            </a:r>
+          </a:p>
+          <a:p>
+            <a:r>
+              <a:rPr lang="en-GB" dirty="0"/>
+              <a:t>This dataset consists of 28 by 28 greyscale images.</a:t>
+            </a:r>
+          </a:p>
+          <a:p>
+            <a:r>
+              <a:rPr lang="en-GB" dirty="0"/>
+              <a:t>It is typically used to design image classification models (i.e. models that receive images as inputs) and attempt to predict what is in the image in question. </a:t>
+            </a:r>
+          </a:p>
+          <a:p>
+            <a:r>
+              <a:rPr lang="en-GB" dirty="0"/>
+              <a:t>The 10 output classes (bag, shirt, etc.) are indexed with 0-9 values, corresponding to the 10 types of fashion objects found in the dataset.</a:t>
+            </a:r>
+            <a:endParaRPr lang="en-SG" dirty="0"/>
+          </a:p>
+          <a:p>
+            <a:endParaRPr lang="en-SG" dirty="0"/>
+          </a:p>
+        </p:txBody>
+      </p:sp>
     </p:spTree>
     <p:extLst>
       <p:ext uri="{BB962C8B-B14F-4D97-AF65-F5344CB8AC3E}">

--- a/W3/3. W3S3 final/W3S3.pptx
+++ b/W3/3. W3S3 final/W3S3.pptx
@@ -280,14 +280,6 @@
 </p:presentation>
 </file>
 
-<file path=ppt/revisionInfo.xml><?xml version="1.0" encoding="utf-8"?>
-<p1510:revInfo xmlns:a="http://schemas.openxmlformats.org/drawingml/2006/main" xmlns:r="http://schemas.openxmlformats.org/officeDocument/2006/relationships" xmlns:p1510="http://schemas.microsoft.com/office/powerpoint/2015/10/main">
-  <p1510:revLst>
-    <p1510:client id="{AC0CA790-EDC2-4116-8838-0C3C4AEF80E1}" v="392" dt="2023-07-06T04:12:48.427"/>
-  </p1510:revLst>
-</p1510:revInfo>
-</file>
-
 <file path=ppt/changesInfos/changesInfo1.xml><?xml version="1.0" encoding="utf-8"?>
 <pc:chgInfo xmlns:a="http://schemas.openxmlformats.org/drawingml/2006/main" xmlns:r="http://schemas.openxmlformats.org/officeDocument/2006/relationships" xmlns:ac="http://schemas.microsoft.com/office/drawing/2013/main/command" xmlns:pc="http://schemas.microsoft.com/office/powerpoint/2013/main/command">
   <pc:docChgLst>
@@ -5697,6 +5689,45 @@
             <pc:docMk/>
             <pc:sldMk cId="3100375267" sldId="826"/>
             <ac:spMk id="6" creationId="{809CF8BE-879B-5BE7-5756-1FE0DC7D50D5}"/>
+          </ac:spMkLst>
+        </pc:spChg>
+      </pc:sldChg>
+    </pc:docChg>
+  </pc:docChgLst>
+  <pc:docChgLst>
+    <pc:chgData name="Matthieu De Mari" userId="dfb708c9-d8dc-439f-9a3b-c772bf4a311c" providerId="ADAL" clId="{C2A075CF-C4D9-45BF-A2F4-9F4744A685AF}"/>
+    <pc:docChg chg="modSld">
+      <pc:chgData name="Matthieu De Mari" userId="dfb708c9-d8dc-439f-9a3b-c772bf4a311c" providerId="ADAL" clId="{C2A075CF-C4D9-45BF-A2F4-9F4744A685AF}" dt="2023-09-06T11:10:09.300" v="19" actId="20577"/>
+      <pc:docMkLst>
+        <pc:docMk/>
+      </pc:docMkLst>
+      <pc:sldChg chg="modSp mod">
+        <pc:chgData name="Matthieu De Mari" userId="dfb708c9-d8dc-439f-9a3b-c772bf4a311c" providerId="ADAL" clId="{C2A075CF-C4D9-45BF-A2F4-9F4744A685AF}" dt="2023-09-06T11:09:34.920" v="3" actId="20577"/>
+        <pc:sldMkLst>
+          <pc:docMk/>
+          <pc:sldMk cId="1946753280" sldId="816"/>
+        </pc:sldMkLst>
+        <pc:spChg chg="mod">
+          <ac:chgData name="Matthieu De Mari" userId="dfb708c9-d8dc-439f-9a3b-c772bf4a311c" providerId="ADAL" clId="{C2A075CF-C4D9-45BF-A2F4-9F4744A685AF}" dt="2023-09-06T11:09:34.920" v="3" actId="20577"/>
+          <ac:spMkLst>
+            <pc:docMk/>
+            <pc:sldMk cId="1946753280" sldId="816"/>
+            <ac:spMk id="3" creationId="{63E638E1-0E19-7F02-7FE0-49EBCE47EBFA}"/>
+          </ac:spMkLst>
+        </pc:spChg>
+      </pc:sldChg>
+      <pc:sldChg chg="modSp mod">
+        <pc:chgData name="Matthieu De Mari" userId="dfb708c9-d8dc-439f-9a3b-c772bf4a311c" providerId="ADAL" clId="{C2A075CF-C4D9-45BF-A2F4-9F4744A685AF}" dt="2023-09-06T11:10:09.300" v="19" actId="20577"/>
+        <pc:sldMkLst>
+          <pc:docMk/>
+          <pc:sldMk cId="491711875" sldId="830"/>
+        </pc:sldMkLst>
+        <pc:spChg chg="mod">
+          <ac:chgData name="Matthieu De Mari" userId="dfb708c9-d8dc-439f-9a3b-c772bf4a311c" providerId="ADAL" clId="{C2A075CF-C4D9-45BF-A2F4-9F4744A685AF}" dt="2023-09-06T11:10:09.300" v="19" actId="20577"/>
+          <ac:spMkLst>
+            <pc:docMk/>
+            <pc:sldMk cId="491711875" sldId="830"/>
+            <ac:spMk id="3" creationId="{63E638E1-0E19-7F02-7FE0-49EBCE47EBFA}"/>
           </ac:spMkLst>
         </pc:spChg>
       </pc:sldChg>
@@ -7027,7 +7058,7 @@
           <a:p>
             <a:fld id="{61478373-EB31-4867-8CF0-FA31364748A5}" type="datetimeFigureOut">
               <a:rPr lang="en-GB" smtClean="0"/>
-              <a:t>06/07/2023</a:t>
+              <a:t>06/09/2023</a:t>
             </a:fld>
             <a:endParaRPr lang="en-GB"/>
           </a:p>
@@ -7444,7 +7475,7 @@
           <a:p>
             <a:fld id="{E85DF616-B21E-4EF6-A6A5-95E2FB3EB1A1}" type="datetimeFigureOut">
               <a:rPr lang="en-GB" smtClean="0"/>
-              <a:t>06/07/2023</a:t>
+              <a:t>06/09/2023</a:t>
             </a:fld>
             <a:endParaRPr lang="en-GB"/>
           </a:p>
@@ -7644,7 +7675,7 @@
           <a:p>
             <a:fld id="{E85DF616-B21E-4EF6-A6A5-95E2FB3EB1A1}" type="datetimeFigureOut">
               <a:rPr lang="en-GB" smtClean="0"/>
-              <a:t>06/07/2023</a:t>
+              <a:t>06/09/2023</a:t>
             </a:fld>
             <a:endParaRPr lang="en-GB"/>
           </a:p>
@@ -7854,7 +7885,7 @@
           <a:p>
             <a:fld id="{E85DF616-B21E-4EF6-A6A5-95E2FB3EB1A1}" type="datetimeFigureOut">
               <a:rPr lang="en-GB" smtClean="0"/>
-              <a:t>06/07/2023</a:t>
+              <a:t>06/09/2023</a:t>
             </a:fld>
             <a:endParaRPr lang="en-GB"/>
           </a:p>
@@ -8054,7 +8085,7 @@
           <a:p>
             <a:fld id="{E85DF616-B21E-4EF6-A6A5-95E2FB3EB1A1}" type="datetimeFigureOut">
               <a:rPr lang="en-GB" smtClean="0"/>
-              <a:t>06/07/2023</a:t>
+              <a:t>06/09/2023</a:t>
             </a:fld>
             <a:endParaRPr lang="en-GB"/>
           </a:p>
@@ -8330,7 +8361,7 @@
           <a:p>
             <a:fld id="{E85DF616-B21E-4EF6-A6A5-95E2FB3EB1A1}" type="datetimeFigureOut">
               <a:rPr lang="en-GB" smtClean="0"/>
-              <a:t>06/07/2023</a:t>
+              <a:t>06/09/2023</a:t>
             </a:fld>
             <a:endParaRPr lang="en-GB"/>
           </a:p>
@@ -8598,7 +8629,7 @@
           <a:p>
             <a:fld id="{E85DF616-B21E-4EF6-A6A5-95E2FB3EB1A1}" type="datetimeFigureOut">
               <a:rPr lang="en-GB" smtClean="0"/>
-              <a:t>06/07/2023</a:t>
+              <a:t>06/09/2023</a:t>
             </a:fld>
             <a:endParaRPr lang="en-GB"/>
           </a:p>
@@ -9013,7 +9044,7 @@
           <a:p>
             <a:fld id="{E85DF616-B21E-4EF6-A6A5-95E2FB3EB1A1}" type="datetimeFigureOut">
               <a:rPr lang="en-GB" smtClean="0"/>
-              <a:t>06/07/2023</a:t>
+              <a:t>06/09/2023</a:t>
             </a:fld>
             <a:endParaRPr lang="en-GB"/>
           </a:p>
@@ -9155,7 +9186,7 @@
           <a:p>
             <a:fld id="{E85DF616-B21E-4EF6-A6A5-95E2FB3EB1A1}" type="datetimeFigureOut">
               <a:rPr lang="en-GB" smtClean="0"/>
-              <a:t>06/07/2023</a:t>
+              <a:t>06/09/2023</a:t>
             </a:fld>
             <a:endParaRPr lang="en-GB"/>
           </a:p>
@@ -9268,7 +9299,7 @@
           <a:p>
             <a:fld id="{E85DF616-B21E-4EF6-A6A5-95E2FB3EB1A1}" type="datetimeFigureOut">
               <a:rPr lang="en-GB" smtClean="0"/>
-              <a:t>06/07/2023</a:t>
+              <a:t>06/09/2023</a:t>
             </a:fld>
             <a:endParaRPr lang="en-GB"/>
           </a:p>
@@ -9581,7 +9612,7 @@
           <a:p>
             <a:fld id="{E85DF616-B21E-4EF6-A6A5-95E2FB3EB1A1}" type="datetimeFigureOut">
               <a:rPr lang="en-GB" smtClean="0"/>
-              <a:t>06/07/2023</a:t>
+              <a:t>06/09/2023</a:t>
             </a:fld>
             <a:endParaRPr lang="en-GB"/>
           </a:p>
@@ -9870,7 +9901,7 @@
           <a:p>
             <a:fld id="{E85DF616-B21E-4EF6-A6A5-95E2FB3EB1A1}" type="datetimeFigureOut">
               <a:rPr lang="en-GB" smtClean="0"/>
-              <a:t>06/07/2023</a:t>
+              <a:t>06/09/2023</a:t>
             </a:fld>
             <a:endParaRPr lang="en-GB"/>
           </a:p>
@@ -10113,7 +10144,7 @@
           <a:p>
             <a:fld id="{E85DF616-B21E-4EF6-A6A5-95E2FB3EB1A1}" type="datetimeFigureOut">
               <a:rPr lang="en-GB" smtClean="0"/>
-              <a:t>06/07/2023</a:t>
+              <a:t>06/09/2023</a:t>
             </a:fld>
             <a:endParaRPr lang="en-GB"/>
           </a:p>
@@ -14826,8 +14857,8 @@
           </a:p>
         </p:txBody>
       </p:sp>
-      <mc:AlternateContent xmlns:mc="http://schemas.openxmlformats.org/markup-compatibility/2006">
-        <mc:Choice xmlns:a14="http://schemas.microsoft.com/office/drawing/2010/main" Requires="a14">
+      <mc:AlternateContent xmlns:mc="http://schemas.openxmlformats.org/markup-compatibility/2006" xmlns:a14="http://schemas.microsoft.com/office/drawing/2010/main">
+        <mc:Choice Requires="a14">
           <p:sp>
             <p:nvSpPr>
               <p:cNvPr id="3" name="Content Placeholder 2">
@@ -15029,7 +15060,7 @@
             </p:txBody>
           </p:sp>
         </mc:Choice>
-        <mc:Fallback>
+        <mc:Fallback xmlns="">
           <p:sp>
             <p:nvSpPr>
               <p:cNvPr id="3" name="Content Placeholder 2">
@@ -15128,8 +15159,8 @@
           </a:p>
         </p:txBody>
       </p:sp>
-      <mc:AlternateContent xmlns:mc="http://schemas.openxmlformats.org/markup-compatibility/2006">
-        <mc:Choice xmlns:a14="http://schemas.microsoft.com/office/drawing/2010/main" Requires="a14">
+      <mc:AlternateContent xmlns:mc="http://schemas.openxmlformats.org/markup-compatibility/2006" xmlns:a14="http://schemas.microsoft.com/office/drawing/2010/main">
+        <mc:Choice Requires="a14">
           <p:sp>
             <p:nvSpPr>
               <p:cNvPr id="3" name="Content Placeholder 2">
@@ -15570,7 +15601,7 @@
             </p:txBody>
           </p:sp>
         </mc:Choice>
-        <mc:Fallback>
+        <mc:Fallback xmlns="">
           <p:sp>
             <p:nvSpPr>
               <p:cNvPr id="3" name="Content Placeholder 2">
@@ -15673,8 +15704,8 @@
           </a:p>
         </p:txBody>
       </p:sp>
-      <mc:AlternateContent xmlns:mc="http://schemas.openxmlformats.org/markup-compatibility/2006">
-        <mc:Choice xmlns:a14="http://schemas.microsoft.com/office/drawing/2010/main" Requires="a14">
+      <mc:AlternateContent xmlns:mc="http://schemas.openxmlformats.org/markup-compatibility/2006" xmlns:a14="http://schemas.microsoft.com/office/drawing/2010/main">
+        <mc:Choice Requires="a14">
           <p:sp>
             <p:nvSpPr>
               <p:cNvPr id="3" name="Content Placeholder 2">
@@ -15950,7 +15981,7 @@
             </p:txBody>
           </p:sp>
         </mc:Choice>
-        <mc:Fallback>
+        <mc:Fallback xmlns="">
           <p:sp>
             <p:nvSpPr>
               <p:cNvPr id="3" name="Content Placeholder 2">
@@ -15994,8 +16025,8 @@
           </p:sp>
         </mc:Fallback>
       </mc:AlternateContent>
-      <mc:AlternateContent xmlns:mc="http://schemas.openxmlformats.org/markup-compatibility/2006">
-        <mc:Choice xmlns:a14="http://schemas.microsoft.com/office/drawing/2010/main" Requires="a14">
+      <mc:AlternateContent xmlns:mc="http://schemas.openxmlformats.org/markup-compatibility/2006" xmlns:a14="http://schemas.microsoft.com/office/drawing/2010/main">
+        <mc:Choice Requires="a14">
           <p:sp>
             <p:nvSpPr>
               <p:cNvPr id="4" name="Content Placeholder 3">
@@ -16181,7 +16212,7 @@
             </p:txBody>
           </p:sp>
         </mc:Choice>
-        <mc:Fallback>
+        <mc:Fallback xmlns="">
           <p:sp>
             <p:nvSpPr>
               <p:cNvPr id="4" name="Content Placeholder 3">
@@ -16288,8 +16319,8 @@
           </a:p>
         </p:txBody>
       </p:sp>
-      <mc:AlternateContent xmlns:mc="http://schemas.openxmlformats.org/markup-compatibility/2006">
-        <mc:Choice xmlns:a14="http://schemas.microsoft.com/office/drawing/2010/main" Requires="a14">
+      <mc:AlternateContent xmlns:mc="http://schemas.openxmlformats.org/markup-compatibility/2006" xmlns:a14="http://schemas.microsoft.com/office/drawing/2010/main">
+        <mc:Choice Requires="a14">
           <p:sp>
             <p:nvSpPr>
               <p:cNvPr id="3" name="Content Placeholder 2">
@@ -16819,7 +16850,7 @@
             </p:txBody>
           </p:sp>
         </mc:Choice>
-        <mc:Fallback>
+        <mc:Fallback xmlns="">
           <p:sp>
             <p:nvSpPr>
               <p:cNvPr id="3" name="Content Placeholder 2">
@@ -16863,8 +16894,8 @@
           </p:sp>
         </mc:Fallback>
       </mc:AlternateContent>
-      <mc:AlternateContent xmlns:mc="http://schemas.openxmlformats.org/markup-compatibility/2006">
-        <mc:Choice xmlns:a14="http://schemas.microsoft.com/office/drawing/2010/main" Requires="a14">
+      <mc:AlternateContent xmlns:mc="http://schemas.openxmlformats.org/markup-compatibility/2006" xmlns:a14="http://schemas.microsoft.com/office/drawing/2010/main">
+        <mc:Choice Requires="a14">
           <p:sp>
             <p:nvSpPr>
               <p:cNvPr id="5" name="Content Placeholder 4">
@@ -17664,7 +17695,7 @@
             </p:txBody>
           </p:sp>
         </mc:Choice>
-        <mc:Fallback>
+        <mc:Fallback xmlns="">
           <p:sp>
             <p:nvSpPr>
               <p:cNvPr id="5" name="Content Placeholder 4">
@@ -18364,8 +18395,8 @@
           </a:p>
         </p:txBody>
       </p:sp>
-      <mc:AlternateContent xmlns:mc="http://schemas.openxmlformats.org/markup-compatibility/2006">
-        <mc:Choice xmlns:a14="http://schemas.microsoft.com/office/drawing/2010/main" Requires="a14">
+      <mc:AlternateContent xmlns:mc="http://schemas.openxmlformats.org/markup-compatibility/2006" xmlns:a14="http://schemas.microsoft.com/office/drawing/2010/main">
+        <mc:Choice Requires="a14">
           <p:sp>
             <p:nvSpPr>
               <p:cNvPr id="3" name="Content Placeholder 2">
@@ -18822,7 +18853,7 @@
             </p:txBody>
           </p:sp>
         </mc:Choice>
-        <mc:Fallback>
+        <mc:Fallback xmlns="">
           <p:sp>
             <p:nvSpPr>
               <p:cNvPr id="3" name="Content Placeholder 2">
@@ -18929,8 +18960,8 @@
           </a:p>
         </p:txBody>
       </p:sp>
-      <mc:AlternateContent xmlns:mc="http://schemas.openxmlformats.org/markup-compatibility/2006">
-        <mc:Choice xmlns:a14="http://schemas.microsoft.com/office/drawing/2010/main" Requires="a14">
+      <mc:AlternateContent xmlns:mc="http://schemas.openxmlformats.org/markup-compatibility/2006" xmlns:a14="http://schemas.microsoft.com/office/drawing/2010/main">
+        <mc:Choice Requires="a14">
           <p:sp>
             <p:nvSpPr>
               <p:cNvPr id="3" name="Content Placeholder 2">
@@ -19056,7 +19087,7 @@
             </p:txBody>
           </p:sp>
         </mc:Choice>
-        <mc:Fallback>
+        <mc:Fallback xmlns="">
           <p:sp>
             <p:nvSpPr>
               <p:cNvPr id="3" name="Content Placeholder 2">
@@ -19825,8 +19856,8 @@
           </a:p>
         </p:txBody>
       </p:sp>
-      <mc:AlternateContent xmlns:mc="http://schemas.openxmlformats.org/markup-compatibility/2006">
-        <mc:Choice xmlns:a14="http://schemas.microsoft.com/office/drawing/2010/main" Requires="a14">
+      <mc:AlternateContent xmlns:mc="http://schemas.openxmlformats.org/markup-compatibility/2006" xmlns:a14="http://schemas.microsoft.com/office/drawing/2010/main">
+        <mc:Choice Requires="a14">
           <p:sp>
             <p:nvSpPr>
               <p:cNvPr id="5" name="Content Placeholder 4">
@@ -20292,7 +20323,7 @@
             </p:txBody>
           </p:sp>
         </mc:Choice>
-        <mc:Fallback>
+        <mc:Fallback xmlns="">
           <p:sp>
             <p:nvSpPr>
               <p:cNvPr id="5" name="Content Placeholder 4">
@@ -20395,8 +20426,8 @@
           </a:p>
         </p:txBody>
       </p:sp>
-      <mc:AlternateContent xmlns:mc="http://schemas.openxmlformats.org/markup-compatibility/2006">
-        <mc:Choice xmlns:a14="http://schemas.microsoft.com/office/drawing/2010/main" Requires="a14">
+      <mc:AlternateContent xmlns:mc="http://schemas.openxmlformats.org/markup-compatibility/2006" xmlns:a14="http://schemas.microsoft.com/office/drawing/2010/main">
+        <mc:Choice Requires="a14">
           <p:sp>
             <p:nvSpPr>
               <p:cNvPr id="3" name="Content Placeholder 2">
@@ -20978,7 +21009,7 @@
             </p:txBody>
           </p:sp>
         </mc:Choice>
-        <mc:Fallback>
+        <mc:Fallback xmlns="">
           <p:sp>
             <p:nvSpPr>
               <p:cNvPr id="3" name="Content Placeholder 2">
@@ -21081,8 +21112,8 @@
           </a:p>
         </p:txBody>
       </p:sp>
-      <mc:AlternateContent xmlns:mc="http://schemas.openxmlformats.org/markup-compatibility/2006">
-        <mc:Choice xmlns:a14="http://schemas.microsoft.com/office/drawing/2010/main" Requires="a14">
+      <mc:AlternateContent xmlns:mc="http://schemas.openxmlformats.org/markup-compatibility/2006" xmlns:a14="http://schemas.microsoft.com/office/drawing/2010/main">
+        <mc:Choice Requires="a14">
           <p:sp>
             <p:nvSpPr>
               <p:cNvPr id="3" name="Content Placeholder 2">
@@ -21924,7 +21955,7 @@
             </p:txBody>
           </p:sp>
         </mc:Choice>
-        <mc:Fallback>
+        <mc:Fallback xmlns="">
           <p:sp>
             <p:nvSpPr>
               <p:cNvPr id="3" name="Content Placeholder 2">
@@ -23566,7 +23597,7 @@
             </a:pPr>
             <a:r>
               <a:rPr lang="en-GB" b="1" dirty="0"/>
-              <a:t>Good practice (another one): create </a:t>
+              <a:t>Good practice: create </a:t>
             </a:r>
             <a:r>
               <a:rPr lang="en-GB" b="1" dirty="0">
@@ -24238,23 +24269,31 @@
             </a:r>
             <a:r>
               <a:rPr lang="en-GB" dirty="0"/>
-              <a:t>This modular approach,</a:t>
+              <a:t>This modular approach, which</a:t>
             </a:r>
           </a:p>
           <a:p>
             <a:r>
               <a:rPr lang="en-GB" b="1" dirty="0"/>
-              <a:t>Defining blocks of layers,</a:t>
-            </a:r>
-          </a:p>
-          <a:p>
-            <a:r>
-              <a:rPr lang="en-GB" dirty="0"/>
-              <a:t>And eventually </a:t>
+              <a:t>Defines blocks of layers,</a:t>
+            </a:r>
+          </a:p>
+          <a:p>
+            <a:r>
+              <a:rPr lang="en-GB" dirty="0"/>
+              <a:t>And </a:t>
+            </a:r>
+            <a:r>
+              <a:rPr lang="en-GB"/>
+              <a:t>eventually </a:t>
+            </a:r>
+            <a:r>
+              <a:rPr lang="en-GB" b="1"/>
+              <a:t>assembles </a:t>
             </a:r>
             <a:r>
               <a:rPr lang="en-GB" b="1" dirty="0"/>
-              <a:t>assembling them in a larger Deep Neural Network </a:t>
+              <a:t>them in a larger Deep Neural Network </a:t>
             </a:r>
             <a:r>
               <a:rPr lang="en-GB" b="1" dirty="0" err="1"/>

--- a/W3/3. W3S3 final/W3S3.pptx
+++ b/W3/3. W3S3 final/W3S3.pptx
@@ -5,7 +5,7 @@
     <p:sldMasterId id="2147483648" r:id="rId1"/>
   </p:sldMasterIdLst>
   <p:notesMasterIdLst>
-    <p:notesMasterId r:id="rId59"/>
+    <p:notesMasterId r:id="rId61"/>
   </p:notesMasterIdLst>
   <p:sldIdLst>
     <p:sldId id="377" r:id="rId2"/>
@@ -36,35 +36,37 @@
     <p:sldId id="804" r:id="rId27"/>
     <p:sldId id="827" r:id="rId28"/>
     <p:sldId id="805" r:id="rId29"/>
-    <p:sldId id="803" r:id="rId30"/>
-    <p:sldId id="806" r:id="rId31"/>
-    <p:sldId id="807" r:id="rId32"/>
-    <p:sldId id="808" r:id="rId33"/>
-    <p:sldId id="809" r:id="rId34"/>
-    <p:sldId id="810" r:id="rId35"/>
-    <p:sldId id="811" r:id="rId36"/>
-    <p:sldId id="812" r:id="rId37"/>
-    <p:sldId id="402" r:id="rId38"/>
-    <p:sldId id="828" r:id="rId39"/>
-    <p:sldId id="814" r:id="rId40"/>
-    <p:sldId id="813" r:id="rId41"/>
-    <p:sldId id="815" r:id="rId42"/>
-    <p:sldId id="401" r:id="rId43"/>
-    <p:sldId id="829" r:id="rId44"/>
-    <p:sldId id="816" r:id="rId45"/>
-    <p:sldId id="817" r:id="rId46"/>
-    <p:sldId id="818" r:id="rId47"/>
-    <p:sldId id="830" r:id="rId48"/>
-    <p:sldId id="820" r:id="rId49"/>
-    <p:sldId id="403" r:id="rId50"/>
-    <p:sldId id="819" r:id="rId51"/>
-    <p:sldId id="821" r:id="rId52"/>
-    <p:sldId id="822" r:id="rId53"/>
-    <p:sldId id="823" r:id="rId54"/>
-    <p:sldId id="824" r:id="rId55"/>
-    <p:sldId id="825" r:id="rId56"/>
-    <p:sldId id="346" r:id="rId57"/>
-    <p:sldId id="826" r:id="rId58"/>
+    <p:sldId id="831" r:id="rId30"/>
+    <p:sldId id="832" r:id="rId31"/>
+    <p:sldId id="803" r:id="rId32"/>
+    <p:sldId id="806" r:id="rId33"/>
+    <p:sldId id="807" r:id="rId34"/>
+    <p:sldId id="808" r:id="rId35"/>
+    <p:sldId id="809" r:id="rId36"/>
+    <p:sldId id="810" r:id="rId37"/>
+    <p:sldId id="811" r:id="rId38"/>
+    <p:sldId id="812" r:id="rId39"/>
+    <p:sldId id="402" r:id="rId40"/>
+    <p:sldId id="828" r:id="rId41"/>
+    <p:sldId id="814" r:id="rId42"/>
+    <p:sldId id="813" r:id="rId43"/>
+    <p:sldId id="815" r:id="rId44"/>
+    <p:sldId id="401" r:id="rId45"/>
+    <p:sldId id="829" r:id="rId46"/>
+    <p:sldId id="816" r:id="rId47"/>
+    <p:sldId id="817" r:id="rId48"/>
+    <p:sldId id="818" r:id="rId49"/>
+    <p:sldId id="830" r:id="rId50"/>
+    <p:sldId id="820" r:id="rId51"/>
+    <p:sldId id="403" r:id="rId52"/>
+    <p:sldId id="819" r:id="rId53"/>
+    <p:sldId id="821" r:id="rId54"/>
+    <p:sldId id="822" r:id="rId55"/>
+    <p:sldId id="823" r:id="rId56"/>
+    <p:sldId id="824" r:id="rId57"/>
+    <p:sldId id="825" r:id="rId58"/>
+    <p:sldId id="346" r:id="rId59"/>
+    <p:sldId id="826" r:id="rId60"/>
   </p:sldIdLst>
   <p:sldSz cx="12192000" cy="6858000"/>
   <p:notesSz cx="6858000" cy="9144000"/>
@@ -216,10 +218,12 @@
             <p14:sldId id="804"/>
             <p14:sldId id="827"/>
             <p14:sldId id="805"/>
+            <p14:sldId id="831"/>
           </p14:sldIdLst>
         </p14:section>
         <p14:section name="VII.2. Demo - Implementing the forward method" id="{5AC1EE76-9E14-486C-96FA-03FA5B870426}">
           <p14:sldIdLst>
+            <p14:sldId id="832"/>
             <p14:sldId id="803"/>
             <p14:sldId id="806"/>
             <p14:sldId id="807"/>
@@ -280,6 +284,14 @@
 </p:presentation>
 </file>
 
+<file path=ppt/revisionInfo.xml><?xml version="1.0" encoding="utf-8"?>
+<p1510:revInfo xmlns:a="http://schemas.openxmlformats.org/drawingml/2006/main" xmlns:r="http://schemas.openxmlformats.org/officeDocument/2006/relationships" xmlns:p1510="http://schemas.microsoft.com/office/powerpoint/2015/10/main">
+  <p1510:revLst>
+    <p1510:client id="{C2A075CF-C4D9-45BF-A2F4-9F4744A685AF}" v="98" dt="2024-01-21T10:21:04.528"/>
+  </p1510:revLst>
+</p1510:revInfo>
+</file>
+
 <file path=ppt/changesInfos/changesInfo1.xml><?xml version="1.0" encoding="utf-8"?>
 <pc:chgInfo xmlns:a="http://schemas.openxmlformats.org/drawingml/2006/main" xmlns:r="http://schemas.openxmlformats.org/officeDocument/2006/relationships" xmlns:ac="http://schemas.microsoft.com/office/drawing/2013/main/command" xmlns:pc="http://schemas.microsoft.com/office/powerpoint/2013/main/command">
   <pc:docChgLst>
@@ -5696,12 +5708,209 @@
   </pc:docChgLst>
   <pc:docChgLst>
     <pc:chgData name="Matthieu De Mari" userId="dfb708c9-d8dc-439f-9a3b-c772bf4a311c" providerId="ADAL" clId="{C2A075CF-C4D9-45BF-A2F4-9F4744A685AF}"/>
-    <pc:docChg chg="modSld">
-      <pc:chgData name="Matthieu De Mari" userId="dfb708c9-d8dc-439f-9a3b-c772bf4a311c" providerId="ADAL" clId="{C2A075CF-C4D9-45BF-A2F4-9F4744A685AF}" dt="2023-09-06T11:10:09.300" v="19" actId="20577"/>
+    <pc:docChg chg="custSel addSld modSld sldOrd modSection">
+      <pc:chgData name="Matthieu De Mari" userId="dfb708c9-d8dc-439f-9a3b-c772bf4a311c" providerId="ADAL" clId="{C2A075CF-C4D9-45BF-A2F4-9F4744A685AF}" dt="2024-01-21T10:26:30.052" v="278" actId="20577"/>
       <pc:docMkLst>
         <pc:docMk/>
       </pc:docMkLst>
       <pc:sldChg chg="modSp mod">
+        <pc:chgData name="Matthieu De Mari" userId="dfb708c9-d8dc-439f-9a3b-c772bf4a311c" providerId="ADAL" clId="{C2A075CF-C4D9-45BF-A2F4-9F4744A685AF}" dt="2024-01-21T10:14:00.091" v="20" actId="5793"/>
+        <pc:sldMkLst>
+          <pc:docMk/>
+          <pc:sldMk cId="1458730680" sldId="396"/>
+        </pc:sldMkLst>
+        <pc:spChg chg="mod">
+          <ac:chgData name="Matthieu De Mari" userId="dfb708c9-d8dc-439f-9a3b-c772bf4a311c" providerId="ADAL" clId="{C2A075CF-C4D9-45BF-A2F4-9F4744A685AF}" dt="2024-01-21T10:14:00.091" v="20" actId="5793"/>
+          <ac:spMkLst>
+            <pc:docMk/>
+            <pc:sldMk cId="1458730680" sldId="396"/>
+            <ac:spMk id="3" creationId="{54C2D511-85EE-1F9B-89D9-7815B51B2B8B}"/>
+          </ac:spMkLst>
+        </pc:spChg>
+      </pc:sldChg>
+      <pc:sldChg chg="modSp mod">
+        <pc:chgData name="Matthieu De Mari" userId="dfb708c9-d8dc-439f-9a3b-c772bf4a311c" providerId="ADAL" clId="{C2A075CF-C4D9-45BF-A2F4-9F4744A685AF}" dt="2024-01-21T10:16:07.434" v="21" actId="113"/>
+        <pc:sldMkLst>
+          <pc:docMk/>
+          <pc:sldMk cId="2867637474" sldId="398"/>
+        </pc:sldMkLst>
+        <pc:spChg chg="mod">
+          <ac:chgData name="Matthieu De Mari" userId="dfb708c9-d8dc-439f-9a3b-c772bf4a311c" providerId="ADAL" clId="{C2A075CF-C4D9-45BF-A2F4-9F4744A685AF}" dt="2024-01-21T10:16:07.434" v="21" actId="113"/>
+          <ac:spMkLst>
+            <pc:docMk/>
+            <pc:sldMk cId="2867637474" sldId="398"/>
+            <ac:spMk id="3" creationId="{77496A95-7961-91A1-EB76-E57510055A38}"/>
+          </ac:spMkLst>
+        </pc:spChg>
+      </pc:sldChg>
+      <pc:sldChg chg="modSp mod">
+        <pc:chgData name="Matthieu De Mari" userId="dfb708c9-d8dc-439f-9a3b-c772bf4a311c" providerId="ADAL" clId="{C2A075CF-C4D9-45BF-A2F4-9F4744A685AF}" dt="2024-01-21T10:23:36.456" v="183" actId="20577"/>
+        <pc:sldMkLst>
+          <pc:docMk/>
+          <pc:sldMk cId="4039171501" sldId="401"/>
+        </pc:sldMkLst>
+        <pc:spChg chg="mod">
+          <ac:chgData name="Matthieu De Mari" userId="dfb708c9-d8dc-439f-9a3b-c772bf4a311c" providerId="ADAL" clId="{C2A075CF-C4D9-45BF-A2F4-9F4744A685AF}" dt="2024-01-21T10:23:36.456" v="183" actId="20577"/>
+          <ac:spMkLst>
+            <pc:docMk/>
+            <pc:sldMk cId="4039171501" sldId="401"/>
+            <ac:spMk id="3" creationId="{63E638E1-0E19-7F02-7FE0-49EBCE47EBFA}"/>
+          </ac:spMkLst>
+        </pc:spChg>
+      </pc:sldChg>
+      <pc:sldChg chg="delSp modSp mod ord modClrScheme chgLayout">
+        <pc:chgData name="Matthieu De Mari" userId="dfb708c9-d8dc-439f-9a3b-c772bf4a311c" providerId="ADAL" clId="{C2A075CF-C4D9-45BF-A2F4-9F4744A685AF}" dt="2024-01-21T10:21:14.297" v="155"/>
+        <pc:sldMkLst>
+          <pc:docMk/>
+          <pc:sldMk cId="232544569" sldId="803"/>
+        </pc:sldMkLst>
+        <pc:spChg chg="mod ord">
+          <ac:chgData name="Matthieu De Mari" userId="dfb708c9-d8dc-439f-9a3b-c772bf4a311c" providerId="ADAL" clId="{C2A075CF-C4D9-45BF-A2F4-9F4744A685AF}" dt="2024-01-21T10:20:02.930" v="109" actId="700"/>
+          <ac:spMkLst>
+            <pc:docMk/>
+            <pc:sldMk cId="232544569" sldId="803"/>
+            <ac:spMk id="2" creationId="{A8C99902-2A36-9C91-5F2C-9819DE23FB0C}"/>
+          </ac:spMkLst>
+        </pc:spChg>
+        <pc:spChg chg="mod ord">
+          <ac:chgData name="Matthieu De Mari" userId="dfb708c9-d8dc-439f-9a3b-c772bf4a311c" providerId="ADAL" clId="{C2A075CF-C4D9-45BF-A2F4-9F4744A685AF}" dt="2024-01-21T10:21:04.554" v="153" actId="27636"/>
+          <ac:spMkLst>
+            <pc:docMk/>
+            <pc:sldMk cId="232544569" sldId="803"/>
+            <ac:spMk id="3" creationId="{F0814AA9-339A-72D8-E8A9-C066A3ED5800}"/>
+          </ac:spMkLst>
+        </pc:spChg>
+        <pc:spChg chg="del mod">
+          <ac:chgData name="Matthieu De Mari" userId="dfb708c9-d8dc-439f-9a3b-c772bf4a311c" providerId="ADAL" clId="{C2A075CF-C4D9-45BF-A2F4-9F4744A685AF}" dt="2024-01-21T10:20:02.930" v="109" actId="700"/>
+          <ac:spMkLst>
+            <pc:docMk/>
+            <pc:sldMk cId="232544569" sldId="803"/>
+            <ac:spMk id="5" creationId="{66EACFFC-77D9-FFF7-F013-E5C19F4A5D72}"/>
+          </ac:spMkLst>
+        </pc:spChg>
+      </pc:sldChg>
+      <pc:sldChg chg="delSp modSp mod modClrScheme chgLayout">
+        <pc:chgData name="Matthieu De Mari" userId="dfb708c9-d8dc-439f-9a3b-c772bf4a311c" providerId="ADAL" clId="{C2A075CF-C4D9-45BF-A2F4-9F4744A685AF}" dt="2024-01-21T10:19:13.353" v="97" actId="20577"/>
+        <pc:sldMkLst>
+          <pc:docMk/>
+          <pc:sldMk cId="1145967515" sldId="805"/>
+        </pc:sldMkLst>
+        <pc:spChg chg="mod ord">
+          <ac:chgData name="Matthieu De Mari" userId="dfb708c9-d8dc-439f-9a3b-c772bf4a311c" providerId="ADAL" clId="{C2A075CF-C4D9-45BF-A2F4-9F4744A685AF}" dt="2024-01-21T10:18:27.624" v="23" actId="700"/>
+          <ac:spMkLst>
+            <pc:docMk/>
+            <pc:sldMk cId="1145967515" sldId="805"/>
+            <ac:spMk id="2" creationId="{A8C99902-2A36-9C91-5F2C-9819DE23FB0C}"/>
+          </ac:spMkLst>
+        </pc:spChg>
+        <pc:spChg chg="mod ord">
+          <ac:chgData name="Matthieu De Mari" userId="dfb708c9-d8dc-439f-9a3b-c772bf4a311c" providerId="ADAL" clId="{C2A075CF-C4D9-45BF-A2F4-9F4744A685AF}" dt="2024-01-21T10:19:13.353" v="97" actId="20577"/>
+          <ac:spMkLst>
+            <pc:docMk/>
+            <pc:sldMk cId="1145967515" sldId="805"/>
+            <ac:spMk id="3" creationId="{F0814AA9-339A-72D8-E8A9-C066A3ED5800}"/>
+          </ac:spMkLst>
+        </pc:spChg>
+        <pc:spChg chg="del mod ord">
+          <ac:chgData name="Matthieu De Mari" userId="dfb708c9-d8dc-439f-9a3b-c772bf4a311c" providerId="ADAL" clId="{C2A075CF-C4D9-45BF-A2F4-9F4744A685AF}" dt="2024-01-21T10:18:32.002" v="25" actId="478"/>
+          <ac:spMkLst>
+            <pc:docMk/>
+            <pc:sldMk cId="1145967515" sldId="805"/>
+            <ac:spMk id="4" creationId="{73645EA5-24B1-2D96-6660-3C5A2AEA5B3E}"/>
+          </ac:spMkLst>
+        </pc:spChg>
+      </pc:sldChg>
+      <pc:sldChg chg="modSp mod">
+        <pc:chgData name="Matthieu De Mari" userId="dfb708c9-d8dc-439f-9a3b-c772bf4a311c" providerId="ADAL" clId="{C2A075CF-C4D9-45BF-A2F4-9F4744A685AF}" dt="2024-01-21T10:21:36.338" v="157" actId="207"/>
+        <pc:sldMkLst>
+          <pc:docMk/>
+          <pc:sldMk cId="3590245027" sldId="806"/>
+        </pc:sldMkLst>
+        <pc:spChg chg="mod">
+          <ac:chgData name="Matthieu De Mari" userId="dfb708c9-d8dc-439f-9a3b-c772bf4a311c" providerId="ADAL" clId="{C2A075CF-C4D9-45BF-A2F4-9F4744A685AF}" dt="2024-01-21T10:21:36.338" v="157" actId="207"/>
+          <ac:spMkLst>
+            <pc:docMk/>
+            <pc:sldMk cId="3590245027" sldId="806"/>
+            <ac:spMk id="6" creationId="{3FD01ED2-F704-9071-69AE-32BD0F75DDB1}"/>
+          </ac:spMkLst>
+        </pc:spChg>
+      </pc:sldChg>
+      <pc:sldChg chg="modSp mod">
+        <pc:chgData name="Matthieu De Mari" userId="dfb708c9-d8dc-439f-9a3b-c772bf4a311c" providerId="ADAL" clId="{C2A075CF-C4D9-45BF-A2F4-9F4744A685AF}" dt="2024-01-21T10:21:49.630" v="158" actId="207"/>
+        <pc:sldMkLst>
+          <pc:docMk/>
+          <pc:sldMk cId="609329699" sldId="807"/>
+        </pc:sldMkLst>
+        <pc:spChg chg="mod">
+          <ac:chgData name="Matthieu De Mari" userId="dfb708c9-d8dc-439f-9a3b-c772bf4a311c" providerId="ADAL" clId="{C2A075CF-C4D9-45BF-A2F4-9F4744A685AF}" dt="2024-01-21T10:21:49.630" v="158" actId="207"/>
+          <ac:spMkLst>
+            <pc:docMk/>
+            <pc:sldMk cId="609329699" sldId="807"/>
+            <ac:spMk id="3" creationId="{F0814AA9-339A-72D8-E8A9-C066A3ED5800}"/>
+          </ac:spMkLst>
+        </pc:spChg>
+      </pc:sldChg>
+      <pc:sldChg chg="modSp mod">
+        <pc:chgData name="Matthieu De Mari" userId="dfb708c9-d8dc-439f-9a3b-c772bf4a311c" providerId="ADAL" clId="{C2A075CF-C4D9-45BF-A2F4-9F4744A685AF}" dt="2024-01-21T10:22:18.753" v="172" actId="20577"/>
+        <pc:sldMkLst>
+          <pc:docMk/>
+          <pc:sldMk cId="741808374" sldId="808"/>
+        </pc:sldMkLst>
+        <pc:spChg chg="mod">
+          <ac:chgData name="Matthieu De Mari" userId="dfb708c9-d8dc-439f-9a3b-c772bf4a311c" providerId="ADAL" clId="{C2A075CF-C4D9-45BF-A2F4-9F4744A685AF}" dt="2024-01-21T10:22:18.753" v="172" actId="20577"/>
+          <ac:spMkLst>
+            <pc:docMk/>
+            <pc:sldMk cId="741808374" sldId="808"/>
+            <ac:spMk id="2" creationId="{A8C99902-2A36-9C91-5F2C-9819DE23FB0C}"/>
+          </ac:spMkLst>
+        </pc:spChg>
+      </pc:sldChg>
+      <pc:sldChg chg="modSp mod">
+        <pc:chgData name="Matthieu De Mari" userId="dfb708c9-d8dc-439f-9a3b-c772bf4a311c" providerId="ADAL" clId="{C2A075CF-C4D9-45BF-A2F4-9F4744A685AF}" dt="2024-01-21T10:22:24.522" v="173"/>
+        <pc:sldMkLst>
+          <pc:docMk/>
+          <pc:sldMk cId="4127253414" sldId="809"/>
+        </pc:sldMkLst>
+        <pc:spChg chg="mod">
+          <ac:chgData name="Matthieu De Mari" userId="dfb708c9-d8dc-439f-9a3b-c772bf4a311c" providerId="ADAL" clId="{C2A075CF-C4D9-45BF-A2F4-9F4744A685AF}" dt="2024-01-21T10:22:24.522" v="173"/>
+          <ac:spMkLst>
+            <pc:docMk/>
+            <pc:sldMk cId="4127253414" sldId="809"/>
+            <ac:spMk id="6" creationId="{2394B781-4127-18BD-0A62-15A963EFE6A0}"/>
+          </ac:spMkLst>
+        </pc:spChg>
+      </pc:sldChg>
+      <pc:sldChg chg="modSp mod">
+        <pc:chgData name="Matthieu De Mari" userId="dfb708c9-d8dc-439f-9a3b-c772bf4a311c" providerId="ADAL" clId="{C2A075CF-C4D9-45BF-A2F4-9F4744A685AF}" dt="2024-01-21T10:22:29.702" v="174"/>
+        <pc:sldMkLst>
+          <pc:docMk/>
+          <pc:sldMk cId="3415879044" sldId="810"/>
+        </pc:sldMkLst>
+        <pc:spChg chg="mod">
+          <ac:chgData name="Matthieu De Mari" userId="dfb708c9-d8dc-439f-9a3b-c772bf4a311c" providerId="ADAL" clId="{C2A075CF-C4D9-45BF-A2F4-9F4744A685AF}" dt="2024-01-21T10:22:29.702" v="174"/>
+          <ac:spMkLst>
+            <pc:docMk/>
+            <pc:sldMk cId="3415879044" sldId="810"/>
+            <ac:spMk id="6" creationId="{2394B781-4127-18BD-0A62-15A963EFE6A0}"/>
+          </ac:spMkLst>
+        </pc:spChg>
+      </pc:sldChg>
+      <pc:sldChg chg="modSp mod">
+        <pc:chgData name="Matthieu De Mari" userId="dfb708c9-d8dc-439f-9a3b-c772bf4a311c" providerId="ADAL" clId="{C2A075CF-C4D9-45BF-A2F4-9F4744A685AF}" dt="2024-01-21T10:22:34.774" v="176" actId="20577"/>
+        <pc:sldMkLst>
+          <pc:docMk/>
+          <pc:sldMk cId="2804082923" sldId="811"/>
+        </pc:sldMkLst>
+        <pc:spChg chg="mod">
+          <ac:chgData name="Matthieu De Mari" userId="dfb708c9-d8dc-439f-9a3b-c772bf4a311c" providerId="ADAL" clId="{C2A075CF-C4D9-45BF-A2F4-9F4744A685AF}" dt="2024-01-21T10:22:34.774" v="176" actId="20577"/>
+          <ac:spMkLst>
+            <pc:docMk/>
+            <pc:sldMk cId="2804082923" sldId="811"/>
+            <ac:spMk id="4" creationId="{84852659-0D91-C13B-6A9F-B688CF7A081D}"/>
+          </ac:spMkLst>
+        </pc:spChg>
+      </pc:sldChg>
+      <pc:sldChg chg="modSp mod">
         <pc:chgData name="Matthieu De Mari" userId="dfb708c9-d8dc-439f-9a3b-c772bf4a311c" providerId="ADAL" clId="{C2A075CF-C4D9-45BF-A2F4-9F4744A685AF}" dt="2023-09-06T11:09:34.920" v="3" actId="20577"/>
         <pc:sldMkLst>
           <pc:docMk/>
@@ -5717,17 +5926,140 @@
         </pc:spChg>
       </pc:sldChg>
       <pc:sldChg chg="modSp mod">
-        <pc:chgData name="Matthieu De Mari" userId="dfb708c9-d8dc-439f-9a3b-c772bf4a311c" providerId="ADAL" clId="{C2A075CF-C4D9-45BF-A2F4-9F4744A685AF}" dt="2023-09-06T11:10:09.300" v="19" actId="20577"/>
+        <pc:chgData name="Matthieu De Mari" userId="dfb708c9-d8dc-439f-9a3b-c772bf4a311c" providerId="ADAL" clId="{C2A075CF-C4D9-45BF-A2F4-9F4744A685AF}" dt="2024-01-21T10:26:11.141" v="276" actId="20577"/>
+        <pc:sldMkLst>
+          <pc:docMk/>
+          <pc:sldMk cId="336555302" sldId="819"/>
+        </pc:sldMkLst>
+        <pc:spChg chg="mod">
+          <ac:chgData name="Matthieu De Mari" userId="dfb708c9-d8dc-439f-9a3b-c772bf4a311c" providerId="ADAL" clId="{C2A075CF-C4D9-45BF-A2F4-9F4744A685AF}" dt="2024-01-21T10:26:11.141" v="276" actId="20577"/>
+          <ac:spMkLst>
+            <pc:docMk/>
+            <pc:sldMk cId="336555302" sldId="819"/>
+            <ac:spMk id="3" creationId="{593B6C32-2754-00A2-7A8E-EF46AD4E3535}"/>
+          </ac:spMkLst>
+        </pc:spChg>
+      </pc:sldChg>
+      <pc:sldChg chg="modSp mod">
+        <pc:chgData name="Matthieu De Mari" userId="dfb708c9-d8dc-439f-9a3b-c772bf4a311c" providerId="ADAL" clId="{C2A075CF-C4D9-45BF-A2F4-9F4744A685AF}" dt="2024-01-21T10:26:30.052" v="278" actId="20577"/>
+        <pc:sldMkLst>
+          <pc:docMk/>
+          <pc:sldMk cId="986128993" sldId="821"/>
+        </pc:sldMkLst>
+        <pc:spChg chg="mod">
+          <ac:chgData name="Matthieu De Mari" userId="dfb708c9-d8dc-439f-9a3b-c772bf4a311c" providerId="ADAL" clId="{C2A075CF-C4D9-45BF-A2F4-9F4744A685AF}" dt="2024-01-21T10:26:28.841" v="277" actId="20577"/>
+          <ac:spMkLst>
+            <pc:docMk/>
+            <pc:sldMk cId="986128993" sldId="821"/>
+            <ac:spMk id="8" creationId="{AA7E55B2-99AA-F595-1154-A6F073159D6C}"/>
+          </ac:spMkLst>
+        </pc:spChg>
+        <pc:spChg chg="mod">
+          <ac:chgData name="Matthieu De Mari" userId="dfb708c9-d8dc-439f-9a3b-c772bf4a311c" providerId="ADAL" clId="{C2A075CF-C4D9-45BF-A2F4-9F4744A685AF}" dt="2024-01-21T10:26:30.052" v="278" actId="20577"/>
+          <ac:spMkLst>
+            <pc:docMk/>
+            <pc:sldMk cId="986128993" sldId="821"/>
+            <ac:spMk id="10" creationId="{85B82369-5B36-7EDE-1000-6F2B86EC63E1}"/>
+          </ac:spMkLst>
+        </pc:spChg>
+      </pc:sldChg>
+      <pc:sldChg chg="modSp mod">
+        <pc:chgData name="Matthieu De Mari" userId="dfb708c9-d8dc-439f-9a3b-c772bf4a311c" providerId="ADAL" clId="{C2A075CF-C4D9-45BF-A2F4-9F4744A685AF}" dt="2024-01-21T10:24:10.365" v="218" actId="113"/>
+        <pc:sldMkLst>
+          <pc:docMk/>
+          <pc:sldMk cId="2441798468" sldId="829"/>
+        </pc:sldMkLst>
+        <pc:spChg chg="mod">
+          <ac:chgData name="Matthieu De Mari" userId="dfb708c9-d8dc-439f-9a3b-c772bf4a311c" providerId="ADAL" clId="{C2A075CF-C4D9-45BF-A2F4-9F4744A685AF}" dt="2024-01-21T10:24:10.365" v="218" actId="113"/>
+          <ac:spMkLst>
+            <pc:docMk/>
+            <pc:sldMk cId="2441798468" sldId="829"/>
+            <ac:spMk id="3" creationId="{63E638E1-0E19-7F02-7FE0-49EBCE47EBFA}"/>
+          </ac:spMkLst>
+        </pc:spChg>
+      </pc:sldChg>
+      <pc:sldChg chg="modSp mod">
+        <pc:chgData name="Matthieu De Mari" userId="dfb708c9-d8dc-439f-9a3b-c772bf4a311c" providerId="ADAL" clId="{C2A075CF-C4D9-45BF-A2F4-9F4744A685AF}" dt="2024-01-21T10:25:50.795" v="270" actId="1076"/>
         <pc:sldMkLst>
           <pc:docMk/>
           <pc:sldMk cId="491711875" sldId="830"/>
         </pc:sldMkLst>
         <pc:spChg chg="mod">
-          <ac:chgData name="Matthieu De Mari" userId="dfb708c9-d8dc-439f-9a3b-c772bf4a311c" providerId="ADAL" clId="{C2A075CF-C4D9-45BF-A2F4-9F4744A685AF}" dt="2023-09-06T11:10:09.300" v="19" actId="20577"/>
+          <ac:chgData name="Matthieu De Mari" userId="dfb708c9-d8dc-439f-9a3b-c772bf4a311c" providerId="ADAL" clId="{C2A075CF-C4D9-45BF-A2F4-9F4744A685AF}" dt="2024-01-21T10:25:45.439" v="269" actId="20577"/>
           <ac:spMkLst>
             <pc:docMk/>
             <pc:sldMk cId="491711875" sldId="830"/>
             <ac:spMk id="3" creationId="{63E638E1-0E19-7F02-7FE0-49EBCE47EBFA}"/>
+          </ac:spMkLst>
+        </pc:spChg>
+        <pc:picChg chg="mod">
+          <ac:chgData name="Matthieu De Mari" userId="dfb708c9-d8dc-439f-9a3b-c772bf4a311c" providerId="ADAL" clId="{C2A075CF-C4D9-45BF-A2F4-9F4744A685AF}" dt="2024-01-21T10:25:50.795" v="270" actId="1076"/>
+          <ac:picMkLst>
+            <pc:docMk/>
+            <pc:sldMk cId="491711875" sldId="830"/>
+            <ac:picMk id="6" creationId="{CA2AFA82-4109-7FB0-8594-582930CE5F91}"/>
+          </ac:picMkLst>
+        </pc:picChg>
+      </pc:sldChg>
+      <pc:sldChg chg="delSp modSp add mod modClrScheme chgLayout">
+        <pc:chgData name="Matthieu De Mari" userId="dfb708c9-d8dc-439f-9a3b-c772bf4a311c" providerId="ADAL" clId="{C2A075CF-C4D9-45BF-A2F4-9F4744A685AF}" dt="2024-01-21T10:19:34.397" v="105" actId="27636"/>
+        <pc:sldMkLst>
+          <pc:docMk/>
+          <pc:sldMk cId="124198755" sldId="831"/>
+        </pc:sldMkLst>
+        <pc:spChg chg="mod ord">
+          <ac:chgData name="Matthieu De Mari" userId="dfb708c9-d8dc-439f-9a3b-c772bf4a311c" providerId="ADAL" clId="{C2A075CF-C4D9-45BF-A2F4-9F4744A685AF}" dt="2024-01-21T10:19:25.746" v="100" actId="700"/>
+          <ac:spMkLst>
+            <pc:docMk/>
+            <pc:sldMk cId="124198755" sldId="831"/>
+            <ac:spMk id="2" creationId="{A8C99902-2A36-9C91-5F2C-9819DE23FB0C}"/>
+          </ac:spMkLst>
+        </pc:spChg>
+        <pc:spChg chg="mod ord">
+          <ac:chgData name="Matthieu De Mari" userId="dfb708c9-d8dc-439f-9a3b-c772bf4a311c" providerId="ADAL" clId="{C2A075CF-C4D9-45BF-A2F4-9F4744A685AF}" dt="2024-01-21T10:19:34.397" v="105" actId="27636"/>
+          <ac:spMkLst>
+            <pc:docMk/>
+            <pc:sldMk cId="124198755" sldId="831"/>
+            <ac:spMk id="3" creationId="{F0814AA9-339A-72D8-E8A9-C066A3ED5800}"/>
+          </ac:spMkLst>
+        </pc:spChg>
+        <pc:spChg chg="del mod">
+          <ac:chgData name="Matthieu De Mari" userId="dfb708c9-d8dc-439f-9a3b-c772bf4a311c" providerId="ADAL" clId="{C2A075CF-C4D9-45BF-A2F4-9F4744A685AF}" dt="2024-01-21T10:19:25.746" v="100" actId="700"/>
+          <ac:spMkLst>
+            <pc:docMk/>
+            <pc:sldMk cId="124198755" sldId="831"/>
+            <ac:spMk id="4" creationId="{73645EA5-24B1-2D96-6660-3C5A2AEA5B3E}"/>
+          </ac:spMkLst>
+        </pc:spChg>
+      </pc:sldChg>
+      <pc:sldChg chg="delSp modSp add mod modClrScheme chgLayout">
+        <pc:chgData name="Matthieu De Mari" userId="dfb708c9-d8dc-439f-9a3b-c772bf4a311c" providerId="ADAL" clId="{C2A075CF-C4D9-45BF-A2F4-9F4744A685AF}" dt="2024-01-21T10:20:21.690" v="115" actId="700"/>
+        <pc:sldMkLst>
+          <pc:docMk/>
+          <pc:sldMk cId="1710209134" sldId="832"/>
+        </pc:sldMkLst>
+        <pc:spChg chg="mod ord">
+          <ac:chgData name="Matthieu De Mari" userId="dfb708c9-d8dc-439f-9a3b-c772bf4a311c" providerId="ADAL" clId="{C2A075CF-C4D9-45BF-A2F4-9F4744A685AF}" dt="2024-01-21T10:20:21.690" v="115" actId="700"/>
+          <ac:spMkLst>
+            <pc:docMk/>
+            <pc:sldMk cId="1710209134" sldId="832"/>
+            <ac:spMk id="2" creationId="{A8C99902-2A36-9C91-5F2C-9819DE23FB0C}"/>
+          </ac:spMkLst>
+        </pc:spChg>
+        <pc:spChg chg="mod ord">
+          <ac:chgData name="Matthieu De Mari" userId="dfb708c9-d8dc-439f-9a3b-c772bf4a311c" providerId="ADAL" clId="{C2A075CF-C4D9-45BF-A2F4-9F4744A685AF}" dt="2024-01-21T10:20:21.690" v="115" actId="700"/>
+          <ac:spMkLst>
+            <pc:docMk/>
+            <pc:sldMk cId="1710209134" sldId="832"/>
+            <ac:spMk id="3" creationId="{F0814AA9-339A-72D8-E8A9-C066A3ED5800}"/>
+          </ac:spMkLst>
+        </pc:spChg>
+        <pc:spChg chg="del">
+          <ac:chgData name="Matthieu De Mari" userId="dfb708c9-d8dc-439f-9a3b-c772bf4a311c" providerId="ADAL" clId="{C2A075CF-C4D9-45BF-A2F4-9F4744A685AF}" dt="2024-01-21T10:20:18.224" v="114" actId="478"/>
+          <ac:spMkLst>
+            <pc:docMk/>
+            <pc:sldMk cId="1710209134" sldId="832"/>
+            <ac:spMk id="5" creationId="{66EACFFC-77D9-FFF7-F013-E5C19F4A5D72}"/>
           </ac:spMkLst>
         </pc:spChg>
       </pc:sldChg>
@@ -7058,7 +7390,7 @@
           <a:p>
             <a:fld id="{61478373-EB31-4867-8CF0-FA31364748A5}" type="datetimeFigureOut">
               <a:rPr lang="en-GB" smtClean="0"/>
-              <a:t>06/09/2023</a:t>
+              <a:t>21/01/2024</a:t>
             </a:fld>
             <a:endParaRPr lang="en-GB"/>
           </a:p>
@@ -7475,7 +7807,7 @@
           <a:p>
             <a:fld id="{E85DF616-B21E-4EF6-A6A5-95E2FB3EB1A1}" type="datetimeFigureOut">
               <a:rPr lang="en-GB" smtClean="0"/>
-              <a:t>06/09/2023</a:t>
+              <a:t>21/01/2024</a:t>
             </a:fld>
             <a:endParaRPr lang="en-GB"/>
           </a:p>
@@ -7675,7 +8007,7 @@
           <a:p>
             <a:fld id="{E85DF616-B21E-4EF6-A6A5-95E2FB3EB1A1}" type="datetimeFigureOut">
               <a:rPr lang="en-GB" smtClean="0"/>
-              <a:t>06/09/2023</a:t>
+              <a:t>21/01/2024</a:t>
             </a:fld>
             <a:endParaRPr lang="en-GB"/>
           </a:p>
@@ -7885,7 +8217,7 @@
           <a:p>
             <a:fld id="{E85DF616-B21E-4EF6-A6A5-95E2FB3EB1A1}" type="datetimeFigureOut">
               <a:rPr lang="en-GB" smtClean="0"/>
-              <a:t>06/09/2023</a:t>
+              <a:t>21/01/2024</a:t>
             </a:fld>
             <a:endParaRPr lang="en-GB"/>
           </a:p>
@@ -8085,7 +8417,7 @@
           <a:p>
             <a:fld id="{E85DF616-B21E-4EF6-A6A5-95E2FB3EB1A1}" type="datetimeFigureOut">
               <a:rPr lang="en-GB" smtClean="0"/>
-              <a:t>06/09/2023</a:t>
+              <a:t>21/01/2024</a:t>
             </a:fld>
             <a:endParaRPr lang="en-GB"/>
           </a:p>
@@ -8361,7 +8693,7 @@
           <a:p>
             <a:fld id="{E85DF616-B21E-4EF6-A6A5-95E2FB3EB1A1}" type="datetimeFigureOut">
               <a:rPr lang="en-GB" smtClean="0"/>
-              <a:t>06/09/2023</a:t>
+              <a:t>21/01/2024</a:t>
             </a:fld>
             <a:endParaRPr lang="en-GB"/>
           </a:p>
@@ -8629,7 +8961,7 @@
           <a:p>
             <a:fld id="{E85DF616-B21E-4EF6-A6A5-95E2FB3EB1A1}" type="datetimeFigureOut">
               <a:rPr lang="en-GB" smtClean="0"/>
-              <a:t>06/09/2023</a:t>
+              <a:t>21/01/2024</a:t>
             </a:fld>
             <a:endParaRPr lang="en-GB"/>
           </a:p>
@@ -9044,7 +9376,7 @@
           <a:p>
             <a:fld id="{E85DF616-B21E-4EF6-A6A5-95E2FB3EB1A1}" type="datetimeFigureOut">
               <a:rPr lang="en-GB" smtClean="0"/>
-              <a:t>06/09/2023</a:t>
+              <a:t>21/01/2024</a:t>
             </a:fld>
             <a:endParaRPr lang="en-GB"/>
           </a:p>
@@ -9186,7 +9518,7 @@
           <a:p>
             <a:fld id="{E85DF616-B21E-4EF6-A6A5-95E2FB3EB1A1}" type="datetimeFigureOut">
               <a:rPr lang="en-GB" smtClean="0"/>
-              <a:t>06/09/2023</a:t>
+              <a:t>21/01/2024</a:t>
             </a:fld>
             <a:endParaRPr lang="en-GB"/>
           </a:p>
@@ -9299,7 +9631,7 @@
           <a:p>
             <a:fld id="{E85DF616-B21E-4EF6-A6A5-95E2FB3EB1A1}" type="datetimeFigureOut">
               <a:rPr lang="en-GB" smtClean="0"/>
-              <a:t>06/09/2023</a:t>
+              <a:t>21/01/2024</a:t>
             </a:fld>
             <a:endParaRPr lang="en-GB"/>
           </a:p>
@@ -9612,7 +9944,7 @@
           <a:p>
             <a:fld id="{E85DF616-B21E-4EF6-A6A5-95E2FB3EB1A1}" type="datetimeFigureOut">
               <a:rPr lang="en-GB" smtClean="0"/>
-              <a:t>06/09/2023</a:t>
+              <a:t>21/01/2024</a:t>
             </a:fld>
             <a:endParaRPr lang="en-GB"/>
           </a:p>
@@ -9901,7 +10233,7 @@
           <a:p>
             <a:fld id="{E85DF616-B21E-4EF6-A6A5-95E2FB3EB1A1}" type="datetimeFigureOut">
               <a:rPr lang="en-GB" smtClean="0"/>
-              <a:t>06/09/2023</a:t>
+              <a:t>21/01/2024</a:t>
             </a:fld>
             <a:endParaRPr lang="en-GB"/>
           </a:p>
@@ -10144,7 +10476,7 @@
           <a:p>
             <a:fld id="{E85DF616-B21E-4EF6-A6A5-95E2FB3EB1A1}" type="datetimeFigureOut">
               <a:rPr lang="en-GB" smtClean="0"/>
-              <a:t>06/09/2023</a:t>
+              <a:t>21/01/2024</a:t>
             </a:fld>
             <a:endParaRPr lang="en-GB"/>
           </a:p>
@@ -12598,7 +12930,15 @@
             </a:pPr>
             <a:r>
               <a:rPr lang="en-GB" dirty="0"/>
-              <a:t>Before we can feed this dataset object to Neural Networks, we need to supplement it with a </a:t>
+              <a:t>Before we can feed this dataset object to Neural Networks, we need to </a:t>
+            </a:r>
+            <a:r>
+              <a:rPr lang="en-GB" b="1" dirty="0"/>
+              <a:t>supplement it with a</a:t>
+            </a:r>
+            <a:r>
+              <a:rPr lang="en-GB" dirty="0"/>
+              <a:t> </a:t>
             </a:r>
             <a:r>
               <a:rPr lang="en-GB" b="1" dirty="0" err="1"/>
@@ -15704,8 +16044,8 @@
           </a:p>
         </p:txBody>
       </p:sp>
-      <mc:AlternateContent xmlns:mc="http://schemas.openxmlformats.org/markup-compatibility/2006" xmlns:a14="http://schemas.microsoft.com/office/drawing/2010/main">
-        <mc:Choice Requires="a14">
+      <mc:AlternateContent xmlns:mc="http://schemas.openxmlformats.org/markup-compatibility/2006">
+        <mc:Choice xmlns:a14="http://schemas.microsoft.com/office/drawing/2010/main" Requires="a14">
           <p:sp>
             <p:nvSpPr>
               <p:cNvPr id="3" name="Content Placeholder 2">
@@ -15719,18 +16059,13 @@
                 <a:spLocks noGrp="1"/>
               </p:cNvSpPr>
               <p:nvPr>
-                <p:ph sz="half" idx="1"/>
+                <p:ph idx="1"/>
               </p:nvPr>
             </p:nvSpPr>
-            <p:spPr>
-              <a:xfrm>
-                <a:off x="838200" y="1825624"/>
-                <a:ext cx="5181600" cy="5032375"/>
-              </a:xfrm>
-            </p:spPr>
+            <p:spPr/>
             <p:txBody>
               <a:bodyPr>
-                <a:normAutofit lnSpcReduction="10000"/>
+                <a:normAutofit/>
               </a:bodyPr>
               <a:lstStyle/>
               <a:p>
@@ -15784,7 +16119,7 @@
                 </a14:m>
                 <a:r>
                   <a:rPr lang="en-GB" dirty="0"/>
-                  <a:t>are </a:t>
+                  <a:t>produced by the network are supposed to represent </a:t>
                 </a:r>
                 <a:r>
                   <a:rPr lang="en-GB" b="1" dirty="0"/>
@@ -15911,12 +16246,9 @@
                   <a:rPr lang="en-GB" b="1" dirty="0"/>
                   <a:t>layer</a:t>
                 </a:r>
-                <a:br>
-                  <a:rPr lang="en-GB" dirty="0"/>
-                </a:br>
                 <a:r>
                   <a:rPr lang="en-GB" dirty="0"/>
-                  <a:t>(</a:t>
+                  <a:t> (</a:t>
                 </a:r>
                 <a14:m>
                   <m:oMath xmlns:m="http://schemas.openxmlformats.org/officeDocument/2006/math">
@@ -15942,7 +16274,13 @@
                 </a14:m>
                 <a:r>
                   <a:rPr lang="en-GB" dirty="0"/>
-                  <a:t>) cannot do that on its own, as it might produce negative values as probabilities </a:t>
+                  <a:t>) cannot do that on its own, as</a:t>
+                </a:r>
+              </a:p>
+              <a:p>
+                <a:r>
+                  <a:rPr lang="en-GB" dirty="0"/>
+                  <a:t>it might produce negative values as probabilities </a:t>
                 </a:r>
                 <a14:m>
                   <m:oMath xmlns:m="http://schemas.openxmlformats.org/officeDocument/2006/math">
@@ -15975,13 +16313,19 @@
                 </a14:m>
                 <a:r>
                   <a:rPr lang="en-GB" dirty="0"/>
-                  <a:t>, and those may not sum up to 1.</a:t>
+                  <a:t>,</a:t>
+                </a:r>
+              </a:p>
+              <a:p>
+                <a:r>
+                  <a:rPr lang="en-GB" dirty="0"/>
+                  <a:t>and those values may not sum up to 1.</a:t>
                 </a:r>
               </a:p>
             </p:txBody>
           </p:sp>
         </mc:Choice>
-        <mc:Fallback xmlns="">
+        <mc:Fallback>
           <p:sp>
             <p:nvSpPr>
               <p:cNvPr id="3" name="Content Placeholder 2">
@@ -15995,18 +16339,14 @@
                 <a:spLocks noGrp="1" noRot="1" noChangeAspect="1" noMove="1" noResize="1" noEditPoints="1" noAdjustHandles="1" noChangeArrowheads="1" noChangeShapeType="1" noTextEdit="1"/>
               </p:cNvSpPr>
               <p:nvPr>
-                <p:ph sz="half" idx="1"/>
+                <p:ph idx="1"/>
               </p:nvPr>
             </p:nvSpPr>
             <p:spPr>
-              <a:xfrm>
-                <a:off x="838200" y="1825624"/>
-                <a:ext cx="5181600" cy="5032375"/>
-              </a:xfrm>
               <a:blipFill>
                 <a:blip r:embed="rId2"/>
                 <a:stretch>
-                  <a:fillRect l="-2471" t="-2663" r="-1647"/>
+                  <a:fillRect l="-1217" t="-2241"/>
                 </a:stretch>
               </a:blipFill>
             </p:spPr>
@@ -16015,7 +16355,7 @@
               <a:lstStyle/>
               <a:p>
                 <a:r>
-                  <a:rPr lang="en-SG">
+                  <a:rPr lang="en-GB">
                     <a:noFill/>
                   </a:rPr>
                   <a:t> </a:t>
@@ -16025,14 +16365,73 @@
           </p:sp>
         </mc:Fallback>
       </mc:AlternateContent>
-      <mc:AlternateContent xmlns:mc="http://schemas.openxmlformats.org/markup-compatibility/2006" xmlns:a14="http://schemas.microsoft.com/office/drawing/2010/main">
-        <mc:Choice Requires="a14">
+    </p:spTree>
+    <p:extLst>
+      <p:ext uri="{BB962C8B-B14F-4D97-AF65-F5344CB8AC3E}">
+        <p14:creationId xmlns:p14="http://schemas.microsoft.com/office/powerpoint/2010/main" val="1145967515"/>
+      </p:ext>
+    </p:extLst>
+  </p:cSld>
+  <p:clrMapOvr>
+    <a:masterClrMapping/>
+  </p:clrMapOvr>
+</p:sld>
+</file>
+
+<file path=ppt/slides/slide29.xml><?xml version="1.0" encoding="utf-8"?>
+<p:sld xmlns:a="http://schemas.openxmlformats.org/drawingml/2006/main" xmlns:r="http://schemas.openxmlformats.org/officeDocument/2006/relationships" xmlns:p="http://schemas.openxmlformats.org/presentationml/2006/main">
+  <p:cSld>
+    <p:spTree>
+      <p:nvGrpSpPr>
+        <p:cNvPr id="1" name=""/>
+        <p:cNvGrpSpPr/>
+        <p:nvPr/>
+      </p:nvGrpSpPr>
+      <p:grpSpPr>
+        <a:xfrm>
+          <a:off x="0" y="0"/>
+          <a:ext cx="0" cy="0"/>
+          <a:chOff x="0" y="0"/>
+          <a:chExt cx="0" cy="0"/>
+        </a:xfrm>
+      </p:grpSpPr>
+      <p:sp>
+        <p:nvSpPr>
+          <p:cNvPr id="2" name="Title 1">
+            <a:extLst>
+              <a:ext uri="{FF2B5EF4-FFF2-40B4-BE49-F238E27FC236}">
+                <a16:creationId xmlns:a16="http://schemas.microsoft.com/office/drawing/2014/main" id="{A8C99902-2A36-9C91-5F2C-9819DE23FB0C}"/>
+              </a:ext>
+            </a:extLst>
+          </p:cNvPr>
+          <p:cNvSpPr>
+            <a:spLocks noGrp="1"/>
+          </p:cNvSpPr>
+          <p:nvPr>
+            <p:ph type="title"/>
+          </p:nvPr>
+        </p:nvSpPr>
+        <p:spPr/>
+        <p:txBody>
+          <a:bodyPr/>
+          <a:lstStyle/>
+          <a:p>
+            <a:r>
+              <a:rPr lang="en-GB" dirty="0"/>
+              <a:t>From binary to multi-class classification</a:t>
+            </a:r>
+            <a:endParaRPr lang="en-SG" dirty="0"/>
+          </a:p>
+        </p:txBody>
+      </p:sp>
+      <mc:AlternateContent xmlns:mc="http://schemas.openxmlformats.org/markup-compatibility/2006">
+        <mc:Choice xmlns:a14="http://schemas.microsoft.com/office/drawing/2010/main" Requires="a14">
           <p:sp>
             <p:nvSpPr>
-              <p:cNvPr id="4" name="Content Placeholder 3">
+              <p:cNvPr id="3" name="Content Placeholder 2">
                 <a:extLst>
                   <a:ext uri="{FF2B5EF4-FFF2-40B4-BE49-F238E27FC236}">
-                    <a16:creationId xmlns:a16="http://schemas.microsoft.com/office/drawing/2014/main" id="{73645EA5-24B1-2D96-6660-3C5A2AEA5B3E}"/>
+                    <a16:creationId xmlns:a16="http://schemas.microsoft.com/office/drawing/2014/main" id="{F0814AA9-339A-72D8-E8A9-C066A3ED5800}"/>
                   </a:ext>
                 </a:extLst>
               </p:cNvPr>
@@ -16040,18 +16439,18 @@
                 <a:spLocks noGrp="1"/>
               </p:cNvSpPr>
               <p:nvPr>
-                <p:ph sz="half" idx="2"/>
+                <p:ph idx="1"/>
               </p:nvPr>
             </p:nvSpPr>
             <p:spPr>
               <a:xfrm>
-                <a:off x="6172200" y="1825625"/>
-                <a:ext cx="5181600" cy="5032374"/>
+                <a:off x="838200" y="1825624"/>
+                <a:ext cx="10515600" cy="5032375"/>
               </a:xfrm>
             </p:spPr>
             <p:txBody>
               <a:bodyPr>
-                <a:normAutofit lnSpcReduction="10000"/>
+                <a:normAutofit/>
               </a:bodyPr>
               <a:lstStyle/>
               <a:p>
@@ -16074,6 +16473,12 @@
                   <a:rPr lang="en-GB" dirty="0"/>
                   <a:t> operation, which is a special activation function.</a:t>
                 </a:r>
+              </a:p>
+              <a:p>
+                <a:pPr marL="0" indent="0">
+                  <a:buNone/>
+                </a:pPr>
+                <a:endParaRPr lang="en-GB" dirty="0"/>
               </a:p>
               <a:p>
                 <a:pPr marL="0" indent="0">
@@ -16212,13 +16617,13 @@
             </p:txBody>
           </p:sp>
         </mc:Choice>
-        <mc:Fallback xmlns="">
+        <mc:Fallback>
           <p:sp>
             <p:nvSpPr>
-              <p:cNvPr id="4" name="Content Placeholder 3">
+              <p:cNvPr id="3" name="Content Placeholder 2">
                 <a:extLst>
                   <a:ext uri="{FF2B5EF4-FFF2-40B4-BE49-F238E27FC236}">
-                    <a16:creationId xmlns:a16="http://schemas.microsoft.com/office/drawing/2014/main" id="{73645EA5-24B1-2D96-6660-3C5A2AEA5B3E}"/>
+                    <a16:creationId xmlns:a16="http://schemas.microsoft.com/office/drawing/2014/main" id="{F0814AA9-339A-72D8-E8A9-C066A3ED5800}"/>
                   </a:ext>
                 </a:extLst>
               </p:cNvPr>
@@ -16226,18 +16631,18 @@
                 <a:spLocks noGrp="1" noRot="1" noChangeAspect="1" noMove="1" noResize="1" noEditPoints="1" noAdjustHandles="1" noChangeArrowheads="1" noChangeShapeType="1" noTextEdit="1"/>
               </p:cNvSpPr>
               <p:nvPr>
-                <p:ph sz="half" idx="2"/>
+                <p:ph idx="1"/>
               </p:nvPr>
             </p:nvSpPr>
             <p:spPr>
               <a:xfrm>
-                <a:off x="6172200" y="1825625"/>
-                <a:ext cx="5181600" cy="5032374"/>
+                <a:off x="838200" y="1825624"/>
+                <a:ext cx="10515600" cy="5032375"/>
               </a:xfrm>
               <a:blipFill>
-                <a:blip r:embed="rId3"/>
+                <a:blip r:embed="rId2"/>
                 <a:stretch>
-                  <a:fillRect l="-2471" t="-2663"/>
+                  <a:fillRect l="-1217" t="-1937"/>
                 </a:stretch>
               </a:blipFill>
             </p:spPr>
@@ -16246,7 +16651,7 @@
               <a:lstStyle/>
               <a:p>
                 <a:r>
-                  <a:rPr lang="en-SG">
+                  <a:rPr lang="en-GB">
                     <a:noFill/>
                   </a:rPr>
                   <a:t> </a:t>
@@ -16259,7 +16664,7 @@
     </p:spTree>
     <p:extLst>
       <p:ext uri="{BB962C8B-B14F-4D97-AF65-F5344CB8AC3E}">
-        <p14:creationId xmlns:p14="http://schemas.microsoft.com/office/powerpoint/2010/main" val="1145967515"/>
+        <p14:creationId xmlns:p14="http://schemas.microsoft.com/office/powerpoint/2010/main" val="124198755"/>
       </p:ext>
     </p:extLst>
   </p:cSld>
@@ -16269,7 +16674,396 @@
 </p:sld>
 </file>
 
-<file path=ppt/slides/slide29.xml><?xml version="1.0" encoding="utf-8"?>
+<file path=ppt/slides/slide3.xml><?xml version="1.0" encoding="utf-8"?>
+<p:sld xmlns:a="http://schemas.openxmlformats.org/drawingml/2006/main" xmlns:r="http://schemas.openxmlformats.org/officeDocument/2006/relationships" xmlns:p="http://schemas.openxmlformats.org/presentationml/2006/main">
+  <p:cSld>
+    <p:spTree>
+      <p:nvGrpSpPr>
+        <p:cNvPr id="1" name=""/>
+        <p:cNvGrpSpPr/>
+        <p:nvPr/>
+      </p:nvGrpSpPr>
+      <p:grpSpPr>
+        <a:xfrm>
+          <a:off x="0" y="0"/>
+          <a:ext cx="0" cy="0"/>
+          <a:chOff x="0" y="0"/>
+          <a:chExt cx="0" cy="0"/>
+        </a:xfrm>
+      </p:grpSpPr>
+      <p:sp>
+        <p:nvSpPr>
+          <p:cNvPr id="2" name="Title 1">
+            <a:extLst>
+              <a:ext uri="{FF2B5EF4-FFF2-40B4-BE49-F238E27FC236}">
+                <a16:creationId xmlns:a16="http://schemas.microsoft.com/office/drawing/2014/main" id="{3F88AB3E-DF60-4411-7415-7A8708334829}"/>
+              </a:ext>
+            </a:extLst>
+          </p:cNvPr>
+          <p:cNvSpPr>
+            <a:spLocks noGrp="1"/>
+          </p:cNvSpPr>
+          <p:nvPr>
+            <p:ph type="title"/>
+          </p:nvPr>
+        </p:nvSpPr>
+        <p:spPr/>
+        <p:txBody>
+          <a:bodyPr/>
+          <a:lstStyle/>
+          <a:p>
+            <a:r>
+              <a:rPr lang="en-GB" dirty="0"/>
+              <a:t>Introduction (Week 3)</a:t>
+            </a:r>
+            <a:endParaRPr lang="en-SG" dirty="0"/>
+          </a:p>
+        </p:txBody>
+      </p:sp>
+      <p:sp>
+        <p:nvSpPr>
+          <p:cNvPr id="3" name="Content Placeholder 2">
+            <a:extLst>
+              <a:ext uri="{FF2B5EF4-FFF2-40B4-BE49-F238E27FC236}">
+                <a16:creationId xmlns:a16="http://schemas.microsoft.com/office/drawing/2014/main" id="{65B58308-C101-BC04-E972-00C74DE5080B}"/>
+              </a:ext>
+            </a:extLst>
+          </p:cNvPr>
+          <p:cNvSpPr>
+            <a:spLocks noGrp="1"/>
+          </p:cNvSpPr>
+          <p:nvPr>
+            <p:ph idx="1"/>
+          </p:nvPr>
+        </p:nvSpPr>
+        <p:spPr>
+          <a:xfrm>
+            <a:off x="838200" y="1825624"/>
+            <a:ext cx="10515600" cy="5032375"/>
+          </a:xfrm>
+        </p:spPr>
+        <p:txBody>
+          <a:bodyPr>
+            <a:normAutofit lnSpcReduction="10000"/>
+          </a:bodyPr>
+          <a:lstStyle/>
+          <a:p>
+            <a:pPr marL="514350" indent="-514350">
+              <a:buFont typeface="+mj-lt"/>
+              <a:buAutoNum type="arabicPeriod" startAt="9"/>
+            </a:pPr>
+            <a:r>
+              <a:rPr lang="en-GB" dirty="0"/>
+              <a:t>What is the </a:t>
+            </a:r>
+            <a:r>
+              <a:rPr lang="en-GB" b="1" dirty="0" err="1"/>
+              <a:t>autograd</a:t>
+            </a:r>
+            <a:r>
+              <a:rPr lang="en-GB" dirty="0"/>
+              <a:t>/</a:t>
+            </a:r>
+            <a:r>
+              <a:rPr lang="en-GB" b="1" dirty="0"/>
+              <a:t>backprop</a:t>
+            </a:r>
+            <a:r>
+              <a:rPr lang="en-GB" dirty="0"/>
+              <a:t> module in </a:t>
+            </a:r>
+            <a:r>
+              <a:rPr lang="en-GB" dirty="0" err="1"/>
+              <a:t>PyTorch</a:t>
+            </a:r>
+            <a:r>
+              <a:rPr lang="en-GB" dirty="0"/>
+              <a:t>, and how does it use a </a:t>
+            </a:r>
+            <a:r>
+              <a:rPr lang="en-GB" b="1" dirty="0"/>
+              <a:t>computational</a:t>
+            </a:r>
+            <a:r>
+              <a:rPr lang="en-GB" dirty="0"/>
+              <a:t> </a:t>
+            </a:r>
+            <a:r>
+              <a:rPr lang="en-GB" b="1" dirty="0"/>
+              <a:t>graph</a:t>
+            </a:r>
+            <a:r>
+              <a:rPr lang="en-GB" dirty="0"/>
+              <a:t> to </a:t>
+            </a:r>
+            <a:r>
+              <a:rPr lang="en-GB" b="1" dirty="0"/>
+              <a:t>compute</a:t>
+            </a:r>
+            <a:r>
+              <a:rPr lang="en-GB" dirty="0"/>
+              <a:t> </a:t>
+            </a:r>
+            <a:r>
+              <a:rPr lang="en-GB" b="1" dirty="0"/>
+              <a:t>all</a:t>
+            </a:r>
+            <a:r>
+              <a:rPr lang="en-GB" dirty="0"/>
+              <a:t> </a:t>
+            </a:r>
+            <a:r>
+              <a:rPr lang="en-GB" b="1" dirty="0"/>
+              <a:t>derivatives</a:t>
+            </a:r>
+            <a:r>
+              <a:rPr lang="en-GB" dirty="0"/>
+              <a:t>? </a:t>
+            </a:r>
+          </a:p>
+          <a:p>
+            <a:pPr marL="514350" indent="-514350">
+              <a:buFont typeface="+mj-lt"/>
+              <a:buAutoNum type="arabicPeriod" startAt="9"/>
+            </a:pPr>
+            <a:r>
+              <a:rPr lang="en-GB" dirty="0"/>
+              <a:t>How to use the </a:t>
+            </a:r>
+            <a:r>
+              <a:rPr lang="en-GB" b="1" dirty="0" err="1"/>
+              <a:t>autograd</a:t>
+            </a:r>
+            <a:r>
+              <a:rPr lang="en-GB" dirty="0"/>
+              <a:t> to implement </a:t>
+            </a:r>
+            <a:r>
+              <a:rPr lang="en-GB" b="1" dirty="0"/>
+              <a:t>derivatives</a:t>
+            </a:r>
+            <a:r>
+              <a:rPr lang="en-GB" dirty="0"/>
+              <a:t> and a </a:t>
+            </a:r>
+            <a:r>
+              <a:rPr lang="en-GB" b="1" dirty="0"/>
+              <a:t>vanilla</a:t>
+            </a:r>
+            <a:r>
+              <a:rPr lang="en-GB" dirty="0"/>
+              <a:t> </a:t>
+            </a:r>
+            <a:r>
+              <a:rPr lang="en-GB" b="1" dirty="0"/>
+              <a:t>gradient</a:t>
+            </a:r>
+            <a:r>
+              <a:rPr lang="en-GB" dirty="0"/>
+              <a:t> </a:t>
+            </a:r>
+            <a:r>
+              <a:rPr lang="en-GB" b="1" dirty="0"/>
+              <a:t>descent</a:t>
+            </a:r>
+            <a:r>
+              <a:rPr lang="en-GB" dirty="0"/>
+              <a:t>?</a:t>
+            </a:r>
+          </a:p>
+          <a:p>
+            <a:pPr marL="514350" indent="-514350">
+              <a:buFont typeface="+mj-lt"/>
+              <a:buAutoNum type="arabicPeriod" startAt="9"/>
+            </a:pPr>
+            <a:r>
+              <a:rPr lang="en-GB" dirty="0"/>
+              <a:t>How to implement </a:t>
+            </a:r>
+            <a:r>
+              <a:rPr lang="en-GB" b="1" dirty="0"/>
+              <a:t>backprop</a:t>
+            </a:r>
+            <a:r>
+              <a:rPr lang="en-GB" dirty="0"/>
+              <a:t> in </a:t>
+            </a:r>
+            <a:r>
+              <a:rPr lang="en-GB" dirty="0" err="1"/>
+              <a:t>PyTorch</a:t>
+            </a:r>
+            <a:r>
+              <a:rPr lang="en-GB" dirty="0"/>
+              <a:t> for our </a:t>
+            </a:r>
+            <a:r>
+              <a:rPr lang="en-GB" b="1" dirty="0"/>
+              <a:t>shallow</a:t>
+            </a:r>
+            <a:r>
+              <a:rPr lang="en-GB" dirty="0"/>
+              <a:t> </a:t>
+            </a:r>
+            <a:r>
+              <a:rPr lang="en-GB" b="1" dirty="0"/>
+              <a:t>Neural</a:t>
+            </a:r>
+            <a:r>
+              <a:rPr lang="en-GB" dirty="0"/>
+              <a:t> </a:t>
+            </a:r>
+            <a:r>
+              <a:rPr lang="en-GB" b="1" dirty="0"/>
+              <a:t>Network</a:t>
+            </a:r>
+            <a:r>
+              <a:rPr lang="en-GB" dirty="0"/>
+              <a:t> class?</a:t>
+            </a:r>
+          </a:p>
+          <a:p>
+            <a:pPr marL="514350" indent="-514350">
+              <a:buFont typeface="+mj-lt"/>
+              <a:buAutoNum type="arabicPeriod" startAt="9"/>
+            </a:pPr>
+            <a:r>
+              <a:rPr lang="en-GB" dirty="0"/>
+              <a:t>How to use </a:t>
+            </a:r>
+            <a:r>
+              <a:rPr lang="en-GB" b="1" dirty="0" err="1"/>
+              <a:t>PyTorch</a:t>
+            </a:r>
+            <a:r>
+              <a:rPr lang="en-GB" dirty="0"/>
+              <a:t> to implement </a:t>
+            </a:r>
+            <a:r>
+              <a:rPr lang="en-GB" b="1" dirty="0"/>
+              <a:t>advanced</a:t>
+            </a:r>
+            <a:r>
+              <a:rPr lang="en-GB" dirty="0"/>
+              <a:t> </a:t>
+            </a:r>
+            <a:r>
+              <a:rPr lang="en-GB" b="1" dirty="0"/>
+              <a:t>optimizers</a:t>
+            </a:r>
+            <a:r>
+              <a:rPr lang="en-GB" dirty="0"/>
+              <a:t>?</a:t>
+            </a:r>
+          </a:p>
+          <a:p>
+            <a:pPr marL="514350" indent="-514350">
+              <a:buFont typeface="+mj-lt"/>
+              <a:buAutoNum type="arabicPeriod" startAt="9"/>
+            </a:pPr>
+            <a:r>
+              <a:rPr lang="en-GB" dirty="0"/>
+              <a:t>How to use </a:t>
+            </a:r>
+            <a:r>
+              <a:rPr lang="en-GB" b="1" dirty="0" err="1"/>
+              <a:t>PyTorch</a:t>
+            </a:r>
+            <a:r>
+              <a:rPr lang="en-GB" dirty="0"/>
+              <a:t> to implement </a:t>
+            </a:r>
+            <a:r>
+              <a:rPr lang="en-GB" b="1" dirty="0"/>
+              <a:t>advanced</a:t>
+            </a:r>
+            <a:r>
+              <a:rPr lang="en-GB" dirty="0"/>
+              <a:t> </a:t>
+            </a:r>
+            <a:r>
+              <a:rPr lang="en-GB" b="1" dirty="0"/>
+              <a:t>initializers</a:t>
+            </a:r>
+            <a:r>
+              <a:rPr lang="en-GB" dirty="0"/>
+              <a:t>?</a:t>
+            </a:r>
+          </a:p>
+          <a:p>
+            <a:pPr marL="514350" indent="-514350">
+              <a:buFont typeface="+mj-lt"/>
+              <a:buAutoNum type="arabicPeriod" startAt="9"/>
+            </a:pPr>
+            <a:r>
+              <a:rPr lang="en-GB" dirty="0"/>
+              <a:t>How to use </a:t>
+            </a:r>
+            <a:r>
+              <a:rPr lang="en-GB" b="1" dirty="0" err="1"/>
+              <a:t>PyTorch</a:t>
+            </a:r>
+            <a:r>
+              <a:rPr lang="en-GB" dirty="0"/>
+              <a:t> to implement </a:t>
+            </a:r>
+            <a:r>
+              <a:rPr lang="en-GB" b="1" dirty="0"/>
+              <a:t>regularization</a:t>
+            </a:r>
+            <a:r>
+              <a:rPr lang="en-GB" dirty="0"/>
+              <a:t>?</a:t>
+            </a:r>
+          </a:p>
+          <a:p>
+            <a:pPr marL="514350" indent="-514350">
+              <a:buFont typeface="+mj-lt"/>
+              <a:buAutoNum type="arabicPeriod" startAt="9"/>
+            </a:pPr>
+            <a:r>
+              <a:rPr lang="en-GB" dirty="0"/>
+              <a:t>How to finally revise our </a:t>
+            </a:r>
+            <a:r>
+              <a:rPr lang="en-GB" b="1" dirty="0"/>
+              <a:t>trainer</a:t>
+            </a:r>
+            <a:r>
+              <a:rPr lang="en-GB" dirty="0"/>
+              <a:t> function to obtain a minimal, yet complete Neural Network in </a:t>
+            </a:r>
+            <a:r>
+              <a:rPr lang="en-GB" dirty="0" err="1"/>
+              <a:t>PyTorch</a:t>
+            </a:r>
+            <a:r>
+              <a:rPr lang="en-GB" dirty="0"/>
+              <a:t>?</a:t>
+            </a:r>
+          </a:p>
+          <a:p>
+            <a:pPr marL="514350" indent="-514350">
+              <a:buFont typeface="+mj-lt"/>
+              <a:buAutoNum type="arabicPeriod" startAt="9"/>
+            </a:pPr>
+            <a:endParaRPr lang="en-SG" dirty="0"/>
+          </a:p>
+        </p:txBody>
+      </p:sp>
+    </p:spTree>
+    <p:extLst>
+      <p:ext uri="{BB962C8B-B14F-4D97-AF65-F5344CB8AC3E}">
+        <p14:creationId xmlns:p14="http://schemas.microsoft.com/office/powerpoint/2010/main" val="2670805330"/>
+      </p:ext>
+    </p:extLst>
+  </p:cSld>
+  <p:clrMapOvr>
+    <a:masterClrMapping/>
+  </p:clrMapOvr>
+</p:sld>
+</file>
+
+<file path=ppt/slides/slide30.xml><?xml version="1.0" encoding="utf-8"?>
 <p:sld xmlns:a="http://schemas.openxmlformats.org/drawingml/2006/main" xmlns:r="http://schemas.openxmlformats.org/officeDocument/2006/relationships" xmlns:p="http://schemas.openxmlformats.org/presentationml/2006/main">
   <p:cSld>
     <p:spTree>
@@ -16319,8 +17113,8 @@
           </a:p>
         </p:txBody>
       </p:sp>
-      <mc:AlternateContent xmlns:mc="http://schemas.openxmlformats.org/markup-compatibility/2006" xmlns:a14="http://schemas.microsoft.com/office/drawing/2010/main">
-        <mc:Choice Requires="a14">
+      <mc:AlternateContent xmlns:mc="http://schemas.openxmlformats.org/markup-compatibility/2006">
+        <mc:Choice xmlns:a14="http://schemas.microsoft.com/office/drawing/2010/main" Requires="a14">
           <p:sp>
             <p:nvSpPr>
               <p:cNvPr id="3" name="Content Placeholder 2">
@@ -16334,590 +17128,10 @@
                 <a:spLocks noGrp="1"/>
               </p:cNvSpPr>
               <p:nvPr>
-                <p:ph sz="half" idx="1"/>
+                <p:ph idx="1"/>
               </p:nvPr>
             </p:nvSpPr>
-            <p:spPr>
-              <a:xfrm>
-                <a:off x="838200" y="1825624"/>
-                <a:ext cx="5181600" cy="5032375"/>
-              </a:xfrm>
-            </p:spPr>
-            <p:txBody>
-              <a:bodyPr>
-                <a:normAutofit/>
-              </a:bodyPr>
-              <a:lstStyle/>
-              <a:p>
-                <a:pPr marL="0" indent="0">
-                  <a:buNone/>
-                </a:pPr>
-                <a:r>
-                  <a:rPr lang="en-GB" b="1" dirty="0"/>
-                  <a:t>Definition (the </a:t>
-                </a:r>
-                <a:r>
-                  <a:rPr lang="en-GB" b="1" dirty="0" err="1">
-                    <a:solidFill>
-                      <a:srgbClr val="00B050"/>
-                    </a:solidFill>
-                  </a:rPr>
-                  <a:t>softmax</a:t>
-                </a:r>
-                <a:r>
-                  <a:rPr lang="en-GB" b="1" dirty="0"/>
-                  <a:t> function):</a:t>
-                </a:r>
-              </a:p>
-              <a:p>
-                <a:pPr marL="0" indent="0">
-                  <a:buNone/>
-                </a:pPr>
-                <a:r>
-                  <a:rPr lang="en-SG" dirty="0"/>
-                  <a:t>The </a:t>
-                </a:r>
-                <a:r>
-                  <a:rPr lang="en-SG" b="1" dirty="0" err="1">
-                    <a:solidFill>
-                      <a:srgbClr val="00B050"/>
-                    </a:solidFill>
-                  </a:rPr>
-                  <a:t>softmax</a:t>
-                </a:r>
-                <a:r>
-                  <a:rPr lang="en-SG" dirty="0"/>
-                  <a:t> </a:t>
-                </a:r>
-                <a:r>
-                  <a:rPr lang="en-SG" b="1" dirty="0"/>
-                  <a:t>function</a:t>
-                </a:r>
-                <a:r>
-                  <a:rPr lang="en-SG" dirty="0"/>
-                  <a:t> transforms a vector of </a:t>
-                </a:r>
-                <a14:m>
-                  <m:oMath xmlns:m="http://schemas.openxmlformats.org/officeDocument/2006/math">
-                    <m:r>
-                      <a:rPr lang="en-SG" i="1" dirty="0" smtClean="0">
-                        <a:latin typeface="Cambria Math" panose="02040503050406030204" pitchFamily="18" charset="0"/>
-                      </a:rPr>
-                      <m:t>𝑁</m:t>
-                    </m:r>
-                  </m:oMath>
-                </a14:m>
-                <a:r>
-                  <a:rPr lang="en-SG" dirty="0"/>
-                  <a:t> values</a:t>
-                </a:r>
-              </a:p>
-              <a:p>
-                <a:pPr marL="0" indent="0">
-                  <a:buNone/>
-                </a:pPr>
-                <a14:m>
-                  <m:oMathPara xmlns:m="http://schemas.openxmlformats.org/officeDocument/2006/math">
-                    <m:oMathParaPr>
-                      <m:jc m:val="centerGroup"/>
-                    </m:oMathParaPr>
-                    <m:oMath xmlns:m="http://schemas.openxmlformats.org/officeDocument/2006/math">
-                      <m:r>
-                        <a:rPr lang="en-SG" i="1" dirty="0" smtClean="0">
-                          <a:latin typeface="Cambria Math" panose="02040503050406030204" pitchFamily="18" charset="0"/>
-                        </a:rPr>
-                        <m:t>𝑌</m:t>
-                      </m:r>
-                      <m:r>
-                        <a:rPr lang="en-SG" i="1" dirty="0" smtClean="0">
-                          <a:latin typeface="Cambria Math" panose="02040503050406030204" pitchFamily="18" charset="0"/>
-                        </a:rPr>
-                        <m:t>=(</m:t>
-                      </m:r>
-                      <m:sSub>
-                        <m:sSubPr>
-                          <m:ctrlPr>
-                            <a:rPr lang="en-GB" b="0" i="1" dirty="0" smtClean="0">
-                              <a:latin typeface="Cambria Math" panose="02040503050406030204" pitchFamily="18" charset="0"/>
-                            </a:rPr>
-                          </m:ctrlPr>
-                        </m:sSubPr>
-                        <m:e>
-                          <m:r>
-                            <a:rPr lang="en-SG" i="1" dirty="0" smtClean="0">
-                              <a:latin typeface="Cambria Math" panose="02040503050406030204" pitchFamily="18" charset="0"/>
-                            </a:rPr>
-                            <m:t>𝑦</m:t>
-                          </m:r>
-                        </m:e>
-                        <m:sub>
-                          <m:r>
-                            <a:rPr lang="en-SG" i="1" dirty="0" smtClean="0">
-                              <a:latin typeface="Cambria Math" panose="02040503050406030204" pitchFamily="18" charset="0"/>
-                            </a:rPr>
-                            <m:t>0</m:t>
-                          </m:r>
-                        </m:sub>
-                      </m:sSub>
-                      <m:r>
-                        <a:rPr lang="en-SG" i="1" dirty="0" smtClean="0">
-                          <a:latin typeface="Cambria Math" panose="02040503050406030204" pitchFamily="18" charset="0"/>
-                        </a:rPr>
-                        <m:t>,</m:t>
-                      </m:r>
-                      <m:sSub>
-                        <m:sSubPr>
-                          <m:ctrlPr>
-                            <a:rPr lang="en-GB" b="0" i="1" dirty="0" smtClean="0">
-                              <a:latin typeface="Cambria Math" panose="02040503050406030204" pitchFamily="18" charset="0"/>
-                            </a:rPr>
-                          </m:ctrlPr>
-                        </m:sSubPr>
-                        <m:e>
-                          <m:r>
-                            <a:rPr lang="en-SG" i="1" dirty="0" smtClean="0">
-                              <a:latin typeface="Cambria Math" panose="02040503050406030204" pitchFamily="18" charset="0"/>
-                            </a:rPr>
-                            <m:t>𝑦</m:t>
-                          </m:r>
-                        </m:e>
-                        <m:sub>
-                          <m:r>
-                            <a:rPr lang="en-SG" i="1" dirty="0" smtClean="0">
-                              <a:latin typeface="Cambria Math" panose="02040503050406030204" pitchFamily="18" charset="0"/>
-                            </a:rPr>
-                            <m:t>1</m:t>
-                          </m:r>
-                        </m:sub>
-                      </m:sSub>
-                      <m:r>
-                        <a:rPr lang="en-SG" i="1" dirty="0" smtClean="0">
-                          <a:latin typeface="Cambria Math" panose="02040503050406030204" pitchFamily="18" charset="0"/>
-                        </a:rPr>
-                        <m:t>,</m:t>
-                      </m:r>
-                      <m:sSub>
-                        <m:sSubPr>
-                          <m:ctrlPr>
-                            <a:rPr lang="en-GB" b="0" i="1" dirty="0" smtClean="0">
-                              <a:latin typeface="Cambria Math" panose="02040503050406030204" pitchFamily="18" charset="0"/>
-                            </a:rPr>
-                          </m:ctrlPr>
-                        </m:sSubPr>
-                        <m:e>
-                          <m:r>
-                            <a:rPr lang="en-SG" i="1" dirty="0" smtClean="0">
-                              <a:latin typeface="Cambria Math" panose="02040503050406030204" pitchFamily="18" charset="0"/>
-                            </a:rPr>
-                            <m:t>𝑦</m:t>
-                          </m:r>
-                        </m:e>
-                        <m:sub>
-                          <m:r>
-                            <a:rPr lang="en-SG" i="1" dirty="0" smtClean="0">
-                              <a:latin typeface="Cambria Math" panose="02040503050406030204" pitchFamily="18" charset="0"/>
-                            </a:rPr>
-                            <m:t>2</m:t>
-                          </m:r>
-                        </m:sub>
-                      </m:sSub>
-                      <m:r>
-                        <a:rPr lang="en-SG" i="1" dirty="0" smtClean="0">
-                          <a:latin typeface="Cambria Math" panose="02040503050406030204" pitchFamily="18" charset="0"/>
-                        </a:rPr>
-                        <m:t>,…</m:t>
-                      </m:r>
-                      <m:sSub>
-                        <m:sSubPr>
-                          <m:ctrlPr>
-                            <a:rPr lang="en-GB" b="0" i="1" dirty="0" smtClean="0">
-                              <a:latin typeface="Cambria Math" panose="02040503050406030204" pitchFamily="18" charset="0"/>
-                            </a:rPr>
-                          </m:ctrlPr>
-                        </m:sSubPr>
-                        <m:e>
-                          <m:r>
-                            <a:rPr lang="en-SG" i="1" dirty="0" smtClean="0">
-                              <a:latin typeface="Cambria Math" panose="02040503050406030204" pitchFamily="18" charset="0"/>
-                            </a:rPr>
-                            <m:t>𝑦</m:t>
-                          </m:r>
-                        </m:e>
-                        <m:sub>
-                          <m:r>
-                            <a:rPr lang="en-GB" b="0" i="1" dirty="0" smtClean="0">
-                              <a:latin typeface="Cambria Math" panose="02040503050406030204" pitchFamily="18" charset="0"/>
-                            </a:rPr>
-                            <m:t>𝐾</m:t>
-                          </m:r>
-                        </m:sub>
-                      </m:sSub>
-                      <m:r>
-                        <a:rPr lang="en-SG" i="1" dirty="0" smtClean="0">
-                          <a:latin typeface="Cambria Math" panose="02040503050406030204" pitchFamily="18" charset="0"/>
-                        </a:rPr>
-                        <m:t>),</m:t>
-                      </m:r>
-                    </m:oMath>
-                  </m:oMathPara>
-                </a14:m>
-                <a:endParaRPr lang="en-SG" dirty="0"/>
-              </a:p>
-              <a:p>
-                <a:pPr marL="0" indent="0">
-                  <a:buNone/>
-                </a:pPr>
-                <a:r>
-                  <a:rPr lang="en-SG" dirty="0"/>
-                  <a:t>into another vector of 𝑁 values</a:t>
-                </a:r>
-              </a:p>
-              <a:p>
-                <a:pPr marL="0" indent="0">
-                  <a:buNone/>
-                </a:pPr>
-                <a14:m>
-                  <m:oMathPara xmlns:m="http://schemas.openxmlformats.org/officeDocument/2006/math">
-                    <m:oMathParaPr>
-                      <m:jc m:val="centerGroup"/>
-                    </m:oMathParaPr>
-                    <m:oMath xmlns:m="http://schemas.openxmlformats.org/officeDocument/2006/math">
-                      <m:r>
-                        <a:rPr lang="en-SG" i="1" dirty="0" smtClean="0">
-                          <a:latin typeface="Cambria Math" panose="02040503050406030204" pitchFamily="18" charset="0"/>
-                        </a:rPr>
-                        <m:t>𝑃</m:t>
-                      </m:r>
-                      <m:r>
-                        <a:rPr lang="en-SG" i="1" dirty="0" smtClean="0">
-                          <a:latin typeface="Cambria Math" panose="02040503050406030204" pitchFamily="18" charset="0"/>
-                        </a:rPr>
-                        <m:t>=</m:t>
-                      </m:r>
-                      <m:d>
-                        <m:dPr>
-                          <m:ctrlPr>
-                            <a:rPr lang="en-SG" b="0" i="1" dirty="0" smtClean="0">
-                              <a:latin typeface="Cambria Math" panose="02040503050406030204" pitchFamily="18" charset="0"/>
-                            </a:rPr>
-                          </m:ctrlPr>
-                        </m:dPr>
-                        <m:e>
-                          <m:sSub>
-                            <m:sSubPr>
-                              <m:ctrlPr>
-                                <a:rPr lang="en-GB" b="0" i="1" dirty="0" smtClean="0">
-                                  <a:latin typeface="Cambria Math" panose="02040503050406030204" pitchFamily="18" charset="0"/>
-                                </a:rPr>
-                              </m:ctrlPr>
-                            </m:sSubPr>
-                            <m:e>
-                              <m:r>
-                                <a:rPr lang="en-SG" i="1" dirty="0" smtClean="0">
-                                  <a:latin typeface="Cambria Math" panose="02040503050406030204" pitchFamily="18" charset="0"/>
-                                </a:rPr>
-                                <m:t>𝑝</m:t>
-                              </m:r>
-                            </m:e>
-                            <m:sub>
-                              <m:r>
-                                <a:rPr lang="en-SG" i="1" dirty="0" smtClean="0">
-                                  <a:latin typeface="Cambria Math" panose="02040503050406030204" pitchFamily="18" charset="0"/>
-                                </a:rPr>
-                                <m:t>0</m:t>
-                              </m:r>
-                            </m:sub>
-                          </m:sSub>
-                          <m:r>
-                            <a:rPr lang="en-SG" i="1" dirty="0" smtClean="0">
-                              <a:latin typeface="Cambria Math" panose="02040503050406030204" pitchFamily="18" charset="0"/>
-                            </a:rPr>
-                            <m:t>,</m:t>
-                          </m:r>
-                          <m:sSub>
-                            <m:sSubPr>
-                              <m:ctrlPr>
-                                <a:rPr lang="en-GB" b="0" i="1" dirty="0" smtClean="0">
-                                  <a:latin typeface="Cambria Math" panose="02040503050406030204" pitchFamily="18" charset="0"/>
-                                </a:rPr>
-                              </m:ctrlPr>
-                            </m:sSubPr>
-                            <m:e>
-                              <m:r>
-                                <a:rPr lang="en-SG" i="1" dirty="0" smtClean="0">
-                                  <a:latin typeface="Cambria Math" panose="02040503050406030204" pitchFamily="18" charset="0"/>
-                                </a:rPr>
-                                <m:t>𝑝</m:t>
-                              </m:r>
-                            </m:e>
-                            <m:sub>
-                              <m:r>
-                                <a:rPr lang="en-SG" i="1" dirty="0" smtClean="0">
-                                  <a:latin typeface="Cambria Math" panose="02040503050406030204" pitchFamily="18" charset="0"/>
-                                </a:rPr>
-                                <m:t>1</m:t>
-                              </m:r>
-                            </m:sub>
-                          </m:sSub>
-                          <m:r>
-                            <a:rPr lang="en-SG" i="1" dirty="0" smtClean="0">
-                              <a:latin typeface="Cambria Math" panose="02040503050406030204" pitchFamily="18" charset="0"/>
-                            </a:rPr>
-                            <m:t>,</m:t>
-                          </m:r>
-                          <m:sSub>
-                            <m:sSubPr>
-                              <m:ctrlPr>
-                                <a:rPr lang="en-GB" b="0" i="1" dirty="0" smtClean="0">
-                                  <a:latin typeface="Cambria Math" panose="02040503050406030204" pitchFamily="18" charset="0"/>
-                                </a:rPr>
-                              </m:ctrlPr>
-                            </m:sSubPr>
-                            <m:e>
-                              <m:r>
-                                <a:rPr lang="en-SG" i="1" dirty="0" smtClean="0">
-                                  <a:latin typeface="Cambria Math" panose="02040503050406030204" pitchFamily="18" charset="0"/>
-                                </a:rPr>
-                                <m:t>𝑝</m:t>
-                              </m:r>
-                            </m:e>
-                            <m:sub>
-                              <m:r>
-                                <a:rPr lang="en-SG" i="1" dirty="0" smtClean="0">
-                                  <a:latin typeface="Cambria Math" panose="02040503050406030204" pitchFamily="18" charset="0"/>
-                                </a:rPr>
-                                <m:t>2</m:t>
-                              </m:r>
-                            </m:sub>
-                          </m:sSub>
-                          <m:r>
-                            <a:rPr lang="en-SG" i="1" dirty="0" smtClean="0">
-                              <a:latin typeface="Cambria Math" panose="02040503050406030204" pitchFamily="18" charset="0"/>
-                            </a:rPr>
-                            <m:t>,…</m:t>
-                          </m:r>
-                          <m:sSub>
-                            <m:sSubPr>
-                              <m:ctrlPr>
-                                <a:rPr lang="en-GB" b="0" i="1" dirty="0" smtClean="0">
-                                  <a:latin typeface="Cambria Math" panose="02040503050406030204" pitchFamily="18" charset="0"/>
-                                </a:rPr>
-                              </m:ctrlPr>
-                            </m:sSubPr>
-                            <m:e>
-                              <m:r>
-                                <a:rPr lang="en-SG" i="1" dirty="0" smtClean="0">
-                                  <a:latin typeface="Cambria Math" panose="02040503050406030204" pitchFamily="18" charset="0"/>
-                                </a:rPr>
-                                <m:t>𝑝</m:t>
-                              </m:r>
-                            </m:e>
-                            <m:sub>
-                              <m:r>
-                                <a:rPr lang="en-GB" b="0" i="1" dirty="0" smtClean="0">
-                                  <a:latin typeface="Cambria Math" panose="02040503050406030204" pitchFamily="18" charset="0"/>
-                                </a:rPr>
-                                <m:t>𝐾</m:t>
-                              </m:r>
-                            </m:sub>
-                          </m:sSub>
-                        </m:e>
-                      </m:d>
-                      <m:r>
-                        <a:rPr lang="en-GB" b="0" i="1" dirty="0" smtClean="0">
-                          <a:latin typeface="Cambria Math" panose="02040503050406030204" pitchFamily="18" charset="0"/>
-                        </a:rPr>
-                        <m:t>.</m:t>
-                      </m:r>
-                    </m:oMath>
-                  </m:oMathPara>
-                </a14:m>
-                <a:endParaRPr lang="en-SG" dirty="0"/>
-              </a:p>
-              <a:p>
-                <a:pPr marL="0" indent="0">
-                  <a:buNone/>
-                </a:pPr>
-                <a:r>
-                  <a:rPr lang="en-SG" dirty="0"/>
-                  <a:t>The new vector </a:t>
-                </a:r>
-                <a14:m>
-                  <m:oMath xmlns:m="http://schemas.openxmlformats.org/officeDocument/2006/math">
-                    <m:r>
-                      <a:rPr lang="en-SG" b="1" i="1" dirty="0" smtClean="0">
-                        <a:latin typeface="Cambria Math" panose="02040503050406030204" pitchFamily="18" charset="0"/>
-                      </a:rPr>
-                      <m:t>𝑷</m:t>
-                    </m:r>
-                  </m:oMath>
-                </a14:m>
-                <a:r>
-                  <a:rPr lang="en-SG" b="1" dirty="0"/>
-                  <a:t> is guaranteed to contain positive values summing up to 1</a:t>
-                </a:r>
-                <a:r>
-                  <a:rPr lang="en-SG" dirty="0"/>
-                  <a:t>, i.e.</a:t>
-                </a:r>
-              </a:p>
-              <a:p>
-                <a:pPr marL="0" indent="0">
-                  <a:buNone/>
-                </a:pPr>
-                <a14:m>
-                  <m:oMathPara xmlns:m="http://schemas.openxmlformats.org/officeDocument/2006/math">
-                    <m:oMathParaPr>
-                      <m:jc m:val="centerGroup"/>
-                    </m:oMathParaPr>
-                    <m:oMath xmlns:m="http://schemas.openxmlformats.org/officeDocument/2006/math">
-                      <m:nary>
-                        <m:naryPr>
-                          <m:chr m:val="∑"/>
-                          <m:ctrlPr>
-                            <a:rPr lang="en-GB" b="0" i="1" smtClean="0">
-                              <a:latin typeface="Cambria Math" panose="02040503050406030204" pitchFamily="18" charset="0"/>
-                            </a:rPr>
-                          </m:ctrlPr>
-                        </m:naryPr>
-                        <m:sub>
-                          <m:r>
-                            <a:rPr lang="en-GB" b="0" i="1" smtClean="0">
-                              <a:latin typeface="Cambria Math" panose="02040503050406030204" pitchFamily="18" charset="0"/>
-                            </a:rPr>
-                            <m:t>𝑖</m:t>
-                          </m:r>
-                          <m:r>
-                            <a:rPr lang="en-GB" b="0" i="1" smtClean="0">
-                              <a:latin typeface="Cambria Math" panose="02040503050406030204" pitchFamily="18" charset="0"/>
-                            </a:rPr>
-                            <m:t>=0</m:t>
-                          </m:r>
-                        </m:sub>
-                        <m:sup>
-                          <m:r>
-                            <a:rPr lang="en-GB" b="0" i="1" smtClean="0">
-                              <a:latin typeface="Cambria Math" panose="02040503050406030204" pitchFamily="18" charset="0"/>
-                            </a:rPr>
-                            <m:t>𝐾</m:t>
-                          </m:r>
-                        </m:sup>
-                        <m:e>
-                          <m:sSub>
-                            <m:sSubPr>
-                              <m:ctrlPr>
-                                <a:rPr lang="en-GB" b="0" i="1" smtClean="0">
-                                  <a:latin typeface="Cambria Math" panose="02040503050406030204" pitchFamily="18" charset="0"/>
-                                </a:rPr>
-                              </m:ctrlPr>
-                            </m:sSubPr>
-                            <m:e>
-                              <m:r>
-                                <a:rPr lang="en-GB" b="0" i="1" smtClean="0">
-                                  <a:latin typeface="Cambria Math" panose="02040503050406030204" pitchFamily="18" charset="0"/>
-                                </a:rPr>
-                                <m:t>𝑝</m:t>
-                              </m:r>
-                            </m:e>
-                            <m:sub>
-                              <m:r>
-                                <a:rPr lang="en-GB" b="0" i="1" smtClean="0">
-                                  <a:latin typeface="Cambria Math" panose="02040503050406030204" pitchFamily="18" charset="0"/>
-                                </a:rPr>
-                                <m:t>𝑖</m:t>
-                              </m:r>
-                            </m:sub>
-                          </m:sSub>
-                          <m:r>
-                            <a:rPr lang="en-GB" b="0" i="1" smtClean="0">
-                              <a:latin typeface="Cambria Math" panose="02040503050406030204" pitchFamily="18" charset="0"/>
-                            </a:rPr>
-                            <m:t>=1</m:t>
-                          </m:r>
-                        </m:e>
-                      </m:nary>
-                    </m:oMath>
-                  </m:oMathPara>
-                </a14:m>
-                <a:endParaRPr lang="en-SG" dirty="0"/>
-              </a:p>
-              <a:p>
-                <a:pPr marL="0" indent="0">
-                  <a:buNone/>
-                </a:pPr>
-                <a:endParaRPr lang="en-SG" dirty="0"/>
-              </a:p>
-            </p:txBody>
-          </p:sp>
-        </mc:Choice>
-        <mc:Fallback xmlns="">
-          <p:sp>
-            <p:nvSpPr>
-              <p:cNvPr id="3" name="Content Placeholder 2">
-                <a:extLst>
-                  <a:ext uri="{FF2B5EF4-FFF2-40B4-BE49-F238E27FC236}">
-                    <a16:creationId xmlns:a16="http://schemas.microsoft.com/office/drawing/2014/main" id="{F0814AA9-339A-72D8-E8A9-C066A3ED5800}"/>
-                  </a:ext>
-                </a:extLst>
-              </p:cNvPr>
-              <p:cNvSpPr>
-                <a:spLocks noGrp="1" noRot="1" noChangeAspect="1" noMove="1" noResize="1" noEditPoints="1" noAdjustHandles="1" noChangeArrowheads="1" noChangeShapeType="1" noTextEdit="1"/>
-              </p:cNvSpPr>
-              <p:nvPr>
-                <p:ph sz="half" idx="1"/>
-              </p:nvPr>
-            </p:nvSpPr>
-            <p:spPr>
-              <a:xfrm>
-                <a:off x="838200" y="1825624"/>
-                <a:ext cx="5181600" cy="5032375"/>
-              </a:xfrm>
-              <a:blipFill>
-                <a:blip r:embed="rId2"/>
-                <a:stretch>
-                  <a:fillRect l="-2471" t="-1937" r="-1176"/>
-                </a:stretch>
-              </a:blipFill>
-            </p:spPr>
-            <p:txBody>
-              <a:bodyPr/>
-              <a:lstStyle/>
-              <a:p>
-                <a:r>
-                  <a:rPr lang="en-SG">
-                    <a:noFill/>
-                  </a:rPr>
-                  <a:t> </a:t>
-                </a:r>
-              </a:p>
-            </p:txBody>
-          </p:sp>
-        </mc:Fallback>
-      </mc:AlternateContent>
-      <mc:AlternateContent xmlns:mc="http://schemas.openxmlformats.org/markup-compatibility/2006" xmlns:a14="http://schemas.microsoft.com/office/drawing/2010/main">
-        <mc:Choice Requires="a14">
-          <p:sp>
-            <p:nvSpPr>
-              <p:cNvPr id="5" name="Content Placeholder 4">
-                <a:extLst>
-                  <a:ext uri="{FF2B5EF4-FFF2-40B4-BE49-F238E27FC236}">
-                    <a16:creationId xmlns:a16="http://schemas.microsoft.com/office/drawing/2014/main" id="{66EACFFC-77D9-FFF7-F013-E5C19F4A5D72}"/>
-                  </a:ext>
-                </a:extLst>
-              </p:cNvPr>
-              <p:cNvSpPr>
-                <a:spLocks noGrp="1"/>
-              </p:cNvSpPr>
-              <p:nvPr>
-                <p:ph sz="half" idx="2"/>
-              </p:nvPr>
-            </p:nvSpPr>
-            <p:spPr>
-              <a:xfrm>
-                <a:off x="6281615" y="1825624"/>
-                <a:ext cx="5715000" cy="5032376"/>
-              </a:xfrm>
-            </p:spPr>
+            <p:spPr/>
             <p:txBody>
               <a:bodyPr>
                 <a:normAutofit/>
@@ -17695,13 +17909,13 @@
             </p:txBody>
           </p:sp>
         </mc:Choice>
-        <mc:Fallback xmlns="">
+        <mc:Fallback>
           <p:sp>
             <p:nvSpPr>
-              <p:cNvPr id="5" name="Content Placeholder 4">
+              <p:cNvPr id="3" name="Content Placeholder 2">
                 <a:extLst>
                   <a:ext uri="{FF2B5EF4-FFF2-40B4-BE49-F238E27FC236}">
-                    <a16:creationId xmlns:a16="http://schemas.microsoft.com/office/drawing/2014/main" id="{66EACFFC-77D9-FFF7-F013-E5C19F4A5D72}"/>
+                    <a16:creationId xmlns:a16="http://schemas.microsoft.com/office/drawing/2014/main" id="{F0814AA9-339A-72D8-E8A9-C066A3ED5800}"/>
                   </a:ext>
                 </a:extLst>
               </p:cNvPr>
@@ -17709,18 +17923,14 @@
                 <a:spLocks noGrp="1" noRot="1" noChangeAspect="1" noMove="1" noResize="1" noEditPoints="1" noAdjustHandles="1" noChangeArrowheads="1" noChangeShapeType="1" noTextEdit="1"/>
               </p:cNvSpPr>
               <p:nvPr>
-                <p:ph sz="half" idx="2"/>
+                <p:ph idx="1"/>
               </p:nvPr>
             </p:nvSpPr>
             <p:spPr>
-              <a:xfrm>
-                <a:off x="6281615" y="1825624"/>
-                <a:ext cx="5715000" cy="5032376"/>
-              </a:xfrm>
               <a:blipFill>
-                <a:blip r:embed="rId3"/>
+                <a:blip r:embed="rId2"/>
                 <a:stretch>
-                  <a:fillRect l="-2132" t="-1937"/>
+                  <a:fillRect l="-1217" t="-2241"/>
                 </a:stretch>
               </a:blipFill>
             </p:spPr>
@@ -17729,7 +17939,7 @@
               <a:lstStyle/>
               <a:p>
                 <a:r>
-                  <a:rPr lang="en-SG">
+                  <a:rPr lang="en-GB">
                     <a:noFill/>
                   </a:rPr>
                   <a:t> </a:t>
@@ -17742,7 +17952,7 @@
     </p:spTree>
     <p:extLst>
       <p:ext uri="{BB962C8B-B14F-4D97-AF65-F5344CB8AC3E}">
-        <p14:creationId xmlns:p14="http://schemas.microsoft.com/office/powerpoint/2010/main" val="232544569"/>
+        <p14:creationId xmlns:p14="http://schemas.microsoft.com/office/powerpoint/2010/main" val="1710209134"/>
       </p:ext>
     </p:extLst>
   </p:cSld>
@@ -17752,396 +17962,7 @@
 </p:sld>
 </file>
 
-<file path=ppt/slides/slide3.xml><?xml version="1.0" encoding="utf-8"?>
-<p:sld xmlns:a="http://schemas.openxmlformats.org/drawingml/2006/main" xmlns:r="http://schemas.openxmlformats.org/officeDocument/2006/relationships" xmlns:p="http://schemas.openxmlformats.org/presentationml/2006/main">
-  <p:cSld>
-    <p:spTree>
-      <p:nvGrpSpPr>
-        <p:cNvPr id="1" name=""/>
-        <p:cNvGrpSpPr/>
-        <p:nvPr/>
-      </p:nvGrpSpPr>
-      <p:grpSpPr>
-        <a:xfrm>
-          <a:off x="0" y="0"/>
-          <a:ext cx="0" cy="0"/>
-          <a:chOff x="0" y="0"/>
-          <a:chExt cx="0" cy="0"/>
-        </a:xfrm>
-      </p:grpSpPr>
-      <p:sp>
-        <p:nvSpPr>
-          <p:cNvPr id="2" name="Title 1">
-            <a:extLst>
-              <a:ext uri="{FF2B5EF4-FFF2-40B4-BE49-F238E27FC236}">
-                <a16:creationId xmlns:a16="http://schemas.microsoft.com/office/drawing/2014/main" id="{3F88AB3E-DF60-4411-7415-7A8708334829}"/>
-              </a:ext>
-            </a:extLst>
-          </p:cNvPr>
-          <p:cNvSpPr>
-            <a:spLocks noGrp="1"/>
-          </p:cNvSpPr>
-          <p:nvPr>
-            <p:ph type="title"/>
-          </p:nvPr>
-        </p:nvSpPr>
-        <p:spPr/>
-        <p:txBody>
-          <a:bodyPr/>
-          <a:lstStyle/>
-          <a:p>
-            <a:r>
-              <a:rPr lang="en-GB" dirty="0"/>
-              <a:t>Introduction (Week 3)</a:t>
-            </a:r>
-            <a:endParaRPr lang="en-SG" dirty="0"/>
-          </a:p>
-        </p:txBody>
-      </p:sp>
-      <p:sp>
-        <p:nvSpPr>
-          <p:cNvPr id="3" name="Content Placeholder 2">
-            <a:extLst>
-              <a:ext uri="{FF2B5EF4-FFF2-40B4-BE49-F238E27FC236}">
-                <a16:creationId xmlns:a16="http://schemas.microsoft.com/office/drawing/2014/main" id="{65B58308-C101-BC04-E972-00C74DE5080B}"/>
-              </a:ext>
-            </a:extLst>
-          </p:cNvPr>
-          <p:cNvSpPr>
-            <a:spLocks noGrp="1"/>
-          </p:cNvSpPr>
-          <p:nvPr>
-            <p:ph idx="1"/>
-          </p:nvPr>
-        </p:nvSpPr>
-        <p:spPr>
-          <a:xfrm>
-            <a:off x="838200" y="1825624"/>
-            <a:ext cx="10515600" cy="5032375"/>
-          </a:xfrm>
-        </p:spPr>
-        <p:txBody>
-          <a:bodyPr>
-            <a:normAutofit lnSpcReduction="10000"/>
-          </a:bodyPr>
-          <a:lstStyle/>
-          <a:p>
-            <a:pPr marL="514350" indent="-514350">
-              <a:buFont typeface="+mj-lt"/>
-              <a:buAutoNum type="arabicPeriod" startAt="9"/>
-            </a:pPr>
-            <a:r>
-              <a:rPr lang="en-GB" dirty="0"/>
-              <a:t>What is the </a:t>
-            </a:r>
-            <a:r>
-              <a:rPr lang="en-GB" b="1" dirty="0" err="1"/>
-              <a:t>autograd</a:t>
-            </a:r>
-            <a:r>
-              <a:rPr lang="en-GB" dirty="0"/>
-              <a:t>/</a:t>
-            </a:r>
-            <a:r>
-              <a:rPr lang="en-GB" b="1" dirty="0"/>
-              <a:t>backprop</a:t>
-            </a:r>
-            <a:r>
-              <a:rPr lang="en-GB" dirty="0"/>
-              <a:t> module in </a:t>
-            </a:r>
-            <a:r>
-              <a:rPr lang="en-GB" dirty="0" err="1"/>
-              <a:t>PyTorch</a:t>
-            </a:r>
-            <a:r>
-              <a:rPr lang="en-GB" dirty="0"/>
-              <a:t>, and how does it use a </a:t>
-            </a:r>
-            <a:r>
-              <a:rPr lang="en-GB" b="1" dirty="0"/>
-              <a:t>computational</a:t>
-            </a:r>
-            <a:r>
-              <a:rPr lang="en-GB" dirty="0"/>
-              <a:t> </a:t>
-            </a:r>
-            <a:r>
-              <a:rPr lang="en-GB" b="1" dirty="0"/>
-              <a:t>graph</a:t>
-            </a:r>
-            <a:r>
-              <a:rPr lang="en-GB" dirty="0"/>
-              <a:t> to </a:t>
-            </a:r>
-            <a:r>
-              <a:rPr lang="en-GB" b="1" dirty="0"/>
-              <a:t>compute</a:t>
-            </a:r>
-            <a:r>
-              <a:rPr lang="en-GB" dirty="0"/>
-              <a:t> </a:t>
-            </a:r>
-            <a:r>
-              <a:rPr lang="en-GB" b="1" dirty="0"/>
-              <a:t>all</a:t>
-            </a:r>
-            <a:r>
-              <a:rPr lang="en-GB" dirty="0"/>
-              <a:t> </a:t>
-            </a:r>
-            <a:r>
-              <a:rPr lang="en-GB" b="1" dirty="0"/>
-              <a:t>derivatives</a:t>
-            </a:r>
-            <a:r>
-              <a:rPr lang="en-GB" dirty="0"/>
-              <a:t>? </a:t>
-            </a:r>
-          </a:p>
-          <a:p>
-            <a:pPr marL="514350" indent="-514350">
-              <a:buFont typeface="+mj-lt"/>
-              <a:buAutoNum type="arabicPeriod" startAt="9"/>
-            </a:pPr>
-            <a:r>
-              <a:rPr lang="en-GB" dirty="0"/>
-              <a:t>How to use the </a:t>
-            </a:r>
-            <a:r>
-              <a:rPr lang="en-GB" b="1" dirty="0" err="1"/>
-              <a:t>autograd</a:t>
-            </a:r>
-            <a:r>
-              <a:rPr lang="en-GB" dirty="0"/>
-              <a:t> to implement </a:t>
-            </a:r>
-            <a:r>
-              <a:rPr lang="en-GB" b="1" dirty="0"/>
-              <a:t>derivatives</a:t>
-            </a:r>
-            <a:r>
-              <a:rPr lang="en-GB" dirty="0"/>
-              <a:t> and a </a:t>
-            </a:r>
-            <a:r>
-              <a:rPr lang="en-GB" b="1" dirty="0"/>
-              <a:t>vanilla</a:t>
-            </a:r>
-            <a:r>
-              <a:rPr lang="en-GB" dirty="0"/>
-              <a:t> </a:t>
-            </a:r>
-            <a:r>
-              <a:rPr lang="en-GB" b="1" dirty="0"/>
-              <a:t>gradient</a:t>
-            </a:r>
-            <a:r>
-              <a:rPr lang="en-GB" dirty="0"/>
-              <a:t> </a:t>
-            </a:r>
-            <a:r>
-              <a:rPr lang="en-GB" b="1" dirty="0"/>
-              <a:t>descent</a:t>
-            </a:r>
-            <a:r>
-              <a:rPr lang="en-GB" dirty="0"/>
-              <a:t>?</a:t>
-            </a:r>
-          </a:p>
-          <a:p>
-            <a:pPr marL="514350" indent="-514350">
-              <a:buFont typeface="+mj-lt"/>
-              <a:buAutoNum type="arabicPeriod" startAt="9"/>
-            </a:pPr>
-            <a:r>
-              <a:rPr lang="en-GB" dirty="0"/>
-              <a:t>How to implement </a:t>
-            </a:r>
-            <a:r>
-              <a:rPr lang="en-GB" b="1" dirty="0"/>
-              <a:t>backprop</a:t>
-            </a:r>
-            <a:r>
-              <a:rPr lang="en-GB" dirty="0"/>
-              <a:t> in </a:t>
-            </a:r>
-            <a:r>
-              <a:rPr lang="en-GB" dirty="0" err="1"/>
-              <a:t>PyTorch</a:t>
-            </a:r>
-            <a:r>
-              <a:rPr lang="en-GB" dirty="0"/>
-              <a:t> for our </a:t>
-            </a:r>
-            <a:r>
-              <a:rPr lang="en-GB" b="1" dirty="0"/>
-              <a:t>shallow</a:t>
-            </a:r>
-            <a:r>
-              <a:rPr lang="en-GB" dirty="0"/>
-              <a:t> </a:t>
-            </a:r>
-            <a:r>
-              <a:rPr lang="en-GB" b="1" dirty="0"/>
-              <a:t>Neural</a:t>
-            </a:r>
-            <a:r>
-              <a:rPr lang="en-GB" dirty="0"/>
-              <a:t> </a:t>
-            </a:r>
-            <a:r>
-              <a:rPr lang="en-GB" b="1" dirty="0"/>
-              <a:t>Network</a:t>
-            </a:r>
-            <a:r>
-              <a:rPr lang="en-GB" dirty="0"/>
-              <a:t> class?</a:t>
-            </a:r>
-          </a:p>
-          <a:p>
-            <a:pPr marL="514350" indent="-514350">
-              <a:buFont typeface="+mj-lt"/>
-              <a:buAutoNum type="arabicPeriod" startAt="9"/>
-            </a:pPr>
-            <a:r>
-              <a:rPr lang="en-GB" dirty="0"/>
-              <a:t>How to use </a:t>
-            </a:r>
-            <a:r>
-              <a:rPr lang="en-GB" b="1" dirty="0" err="1"/>
-              <a:t>PyTorch</a:t>
-            </a:r>
-            <a:r>
-              <a:rPr lang="en-GB" dirty="0"/>
-              <a:t> to implement </a:t>
-            </a:r>
-            <a:r>
-              <a:rPr lang="en-GB" b="1" dirty="0"/>
-              <a:t>advanced</a:t>
-            </a:r>
-            <a:r>
-              <a:rPr lang="en-GB" dirty="0"/>
-              <a:t> </a:t>
-            </a:r>
-            <a:r>
-              <a:rPr lang="en-GB" b="1" dirty="0"/>
-              <a:t>optimizers</a:t>
-            </a:r>
-            <a:r>
-              <a:rPr lang="en-GB" dirty="0"/>
-              <a:t>?</a:t>
-            </a:r>
-          </a:p>
-          <a:p>
-            <a:pPr marL="514350" indent="-514350">
-              <a:buFont typeface="+mj-lt"/>
-              <a:buAutoNum type="arabicPeriod" startAt="9"/>
-            </a:pPr>
-            <a:r>
-              <a:rPr lang="en-GB" dirty="0"/>
-              <a:t>How to use </a:t>
-            </a:r>
-            <a:r>
-              <a:rPr lang="en-GB" b="1" dirty="0" err="1"/>
-              <a:t>PyTorch</a:t>
-            </a:r>
-            <a:r>
-              <a:rPr lang="en-GB" dirty="0"/>
-              <a:t> to implement </a:t>
-            </a:r>
-            <a:r>
-              <a:rPr lang="en-GB" b="1" dirty="0"/>
-              <a:t>advanced</a:t>
-            </a:r>
-            <a:r>
-              <a:rPr lang="en-GB" dirty="0"/>
-              <a:t> </a:t>
-            </a:r>
-            <a:r>
-              <a:rPr lang="en-GB" b="1" dirty="0"/>
-              <a:t>initializers</a:t>
-            </a:r>
-            <a:r>
-              <a:rPr lang="en-GB" dirty="0"/>
-              <a:t>?</a:t>
-            </a:r>
-          </a:p>
-          <a:p>
-            <a:pPr marL="514350" indent="-514350">
-              <a:buFont typeface="+mj-lt"/>
-              <a:buAutoNum type="arabicPeriod" startAt="9"/>
-            </a:pPr>
-            <a:r>
-              <a:rPr lang="en-GB" dirty="0"/>
-              <a:t>How to use </a:t>
-            </a:r>
-            <a:r>
-              <a:rPr lang="en-GB" b="1" dirty="0" err="1"/>
-              <a:t>PyTorch</a:t>
-            </a:r>
-            <a:r>
-              <a:rPr lang="en-GB" dirty="0"/>
-              <a:t> to implement </a:t>
-            </a:r>
-            <a:r>
-              <a:rPr lang="en-GB" b="1" dirty="0"/>
-              <a:t>regularization</a:t>
-            </a:r>
-            <a:r>
-              <a:rPr lang="en-GB" dirty="0"/>
-              <a:t>?</a:t>
-            </a:r>
-          </a:p>
-          <a:p>
-            <a:pPr marL="514350" indent="-514350">
-              <a:buFont typeface="+mj-lt"/>
-              <a:buAutoNum type="arabicPeriod" startAt="9"/>
-            </a:pPr>
-            <a:r>
-              <a:rPr lang="en-GB" dirty="0"/>
-              <a:t>How to finally revise our </a:t>
-            </a:r>
-            <a:r>
-              <a:rPr lang="en-GB" b="1" dirty="0"/>
-              <a:t>trainer</a:t>
-            </a:r>
-            <a:r>
-              <a:rPr lang="en-GB" dirty="0"/>
-              <a:t> function to obtain a minimal, yet complete Neural Network in </a:t>
-            </a:r>
-            <a:r>
-              <a:rPr lang="en-GB" dirty="0" err="1"/>
-              <a:t>PyTorch</a:t>
-            </a:r>
-            <a:r>
-              <a:rPr lang="en-GB" dirty="0"/>
-              <a:t>?</a:t>
-            </a:r>
-          </a:p>
-          <a:p>
-            <a:pPr marL="514350" indent="-514350">
-              <a:buFont typeface="+mj-lt"/>
-              <a:buAutoNum type="arabicPeriod" startAt="9"/>
-            </a:pPr>
-            <a:endParaRPr lang="en-SG" dirty="0"/>
-          </a:p>
-        </p:txBody>
-      </p:sp>
-    </p:spTree>
-    <p:extLst>
-      <p:ext uri="{BB962C8B-B14F-4D97-AF65-F5344CB8AC3E}">
-        <p14:creationId xmlns:p14="http://schemas.microsoft.com/office/powerpoint/2010/main" val="2670805330"/>
-      </p:ext>
-    </p:extLst>
-  </p:cSld>
-  <p:clrMapOvr>
-    <a:masterClrMapping/>
-  </p:clrMapOvr>
-</p:sld>
-</file>
-
-<file path=ppt/slides/slide30.xml><?xml version="1.0" encoding="utf-8"?>
+<file path=ppt/slides/slide31.xml><?xml version="1.0" encoding="utf-8"?>
 <p:sld xmlns:a="http://schemas.openxmlformats.org/drawingml/2006/main" xmlns:r="http://schemas.openxmlformats.org/officeDocument/2006/relationships" xmlns:p="http://schemas.openxmlformats.org/presentationml/2006/main">
   <p:cSld>
     <p:spTree>
@@ -18191,6 +18012,644 @@
           </a:p>
         </p:txBody>
       </p:sp>
+      <mc:AlternateContent xmlns:mc="http://schemas.openxmlformats.org/markup-compatibility/2006">
+        <mc:Choice xmlns:a14="http://schemas.microsoft.com/office/drawing/2010/main" Requires="a14">
+          <p:sp>
+            <p:nvSpPr>
+              <p:cNvPr id="3" name="Content Placeholder 2">
+                <a:extLst>
+                  <a:ext uri="{FF2B5EF4-FFF2-40B4-BE49-F238E27FC236}">
+                    <a16:creationId xmlns:a16="http://schemas.microsoft.com/office/drawing/2014/main" id="{F0814AA9-339A-72D8-E8A9-C066A3ED5800}"/>
+                  </a:ext>
+                </a:extLst>
+              </p:cNvPr>
+              <p:cNvSpPr>
+                <a:spLocks noGrp="1"/>
+              </p:cNvSpPr>
+              <p:nvPr>
+                <p:ph idx="1"/>
+              </p:nvPr>
+            </p:nvSpPr>
+            <p:spPr>
+              <a:xfrm>
+                <a:off x="838200" y="1825624"/>
+                <a:ext cx="10515600" cy="5032375"/>
+              </a:xfrm>
+            </p:spPr>
+            <p:txBody>
+              <a:bodyPr>
+                <a:normAutofit/>
+              </a:bodyPr>
+              <a:lstStyle/>
+              <a:p>
+                <a:pPr marL="0" indent="0">
+                  <a:buNone/>
+                </a:pPr>
+                <a:r>
+                  <a:rPr lang="en-GB" b="1" dirty="0"/>
+                  <a:t>Definition (the </a:t>
+                </a:r>
+                <a:r>
+                  <a:rPr lang="en-GB" b="1" dirty="0" err="1">
+                    <a:solidFill>
+                      <a:srgbClr val="00B050"/>
+                    </a:solidFill>
+                  </a:rPr>
+                  <a:t>softmax</a:t>
+                </a:r>
+                <a:r>
+                  <a:rPr lang="en-GB" b="1" dirty="0"/>
+                  <a:t> function):</a:t>
+                </a:r>
+              </a:p>
+              <a:p>
+                <a:pPr marL="0" indent="0">
+                  <a:buNone/>
+                </a:pPr>
+                <a:r>
+                  <a:rPr lang="en-SG" dirty="0"/>
+                  <a:t>The </a:t>
+                </a:r>
+                <a:r>
+                  <a:rPr lang="en-SG" b="1" dirty="0" err="1">
+                    <a:solidFill>
+                      <a:srgbClr val="00B050"/>
+                    </a:solidFill>
+                  </a:rPr>
+                  <a:t>softmax</a:t>
+                </a:r>
+                <a:r>
+                  <a:rPr lang="en-SG" dirty="0"/>
+                  <a:t> </a:t>
+                </a:r>
+                <a:r>
+                  <a:rPr lang="en-SG" b="1" dirty="0"/>
+                  <a:t>function</a:t>
+                </a:r>
+                <a:r>
+                  <a:rPr lang="en-SG" dirty="0"/>
+                  <a:t> transforms a vector of values</a:t>
+                </a:r>
+              </a:p>
+              <a:p>
+                <a:pPr marL="0" indent="0">
+                  <a:buNone/>
+                </a:pPr>
+                <a14:m>
+                  <m:oMathPara xmlns:m="http://schemas.openxmlformats.org/officeDocument/2006/math">
+                    <m:oMathParaPr>
+                      <m:jc m:val="centerGroup"/>
+                    </m:oMathParaPr>
+                    <m:oMath xmlns:m="http://schemas.openxmlformats.org/officeDocument/2006/math">
+                      <m:r>
+                        <a:rPr lang="en-SG" i="1" dirty="0" smtClean="0">
+                          <a:latin typeface="Cambria Math" panose="02040503050406030204" pitchFamily="18" charset="0"/>
+                        </a:rPr>
+                        <m:t>𝑌</m:t>
+                      </m:r>
+                      <m:r>
+                        <a:rPr lang="en-SG" i="1" dirty="0" smtClean="0">
+                          <a:latin typeface="Cambria Math" panose="02040503050406030204" pitchFamily="18" charset="0"/>
+                        </a:rPr>
+                        <m:t>=(</m:t>
+                      </m:r>
+                      <m:sSub>
+                        <m:sSubPr>
+                          <m:ctrlPr>
+                            <a:rPr lang="en-GB" b="0" i="1" dirty="0" smtClean="0">
+                              <a:latin typeface="Cambria Math" panose="02040503050406030204" pitchFamily="18" charset="0"/>
+                            </a:rPr>
+                          </m:ctrlPr>
+                        </m:sSubPr>
+                        <m:e>
+                          <m:r>
+                            <a:rPr lang="en-SG" i="1" dirty="0" smtClean="0">
+                              <a:latin typeface="Cambria Math" panose="02040503050406030204" pitchFamily="18" charset="0"/>
+                            </a:rPr>
+                            <m:t>𝑦</m:t>
+                          </m:r>
+                        </m:e>
+                        <m:sub>
+                          <m:r>
+                            <a:rPr lang="en-SG" i="1" dirty="0" smtClean="0">
+                              <a:latin typeface="Cambria Math" panose="02040503050406030204" pitchFamily="18" charset="0"/>
+                            </a:rPr>
+                            <m:t>0</m:t>
+                          </m:r>
+                        </m:sub>
+                      </m:sSub>
+                      <m:r>
+                        <a:rPr lang="en-SG" i="1" dirty="0" smtClean="0">
+                          <a:latin typeface="Cambria Math" panose="02040503050406030204" pitchFamily="18" charset="0"/>
+                        </a:rPr>
+                        <m:t>,</m:t>
+                      </m:r>
+                      <m:sSub>
+                        <m:sSubPr>
+                          <m:ctrlPr>
+                            <a:rPr lang="en-GB" b="0" i="1" dirty="0" smtClean="0">
+                              <a:latin typeface="Cambria Math" panose="02040503050406030204" pitchFamily="18" charset="0"/>
+                            </a:rPr>
+                          </m:ctrlPr>
+                        </m:sSubPr>
+                        <m:e>
+                          <m:r>
+                            <a:rPr lang="en-SG" i="1" dirty="0" smtClean="0">
+                              <a:latin typeface="Cambria Math" panose="02040503050406030204" pitchFamily="18" charset="0"/>
+                            </a:rPr>
+                            <m:t>𝑦</m:t>
+                          </m:r>
+                        </m:e>
+                        <m:sub>
+                          <m:r>
+                            <a:rPr lang="en-SG" i="1" dirty="0" smtClean="0">
+                              <a:latin typeface="Cambria Math" panose="02040503050406030204" pitchFamily="18" charset="0"/>
+                            </a:rPr>
+                            <m:t>1</m:t>
+                          </m:r>
+                        </m:sub>
+                      </m:sSub>
+                      <m:r>
+                        <a:rPr lang="en-SG" i="1" dirty="0" smtClean="0">
+                          <a:latin typeface="Cambria Math" panose="02040503050406030204" pitchFamily="18" charset="0"/>
+                        </a:rPr>
+                        <m:t>,</m:t>
+                      </m:r>
+                      <m:sSub>
+                        <m:sSubPr>
+                          <m:ctrlPr>
+                            <a:rPr lang="en-GB" b="0" i="1" dirty="0" smtClean="0">
+                              <a:latin typeface="Cambria Math" panose="02040503050406030204" pitchFamily="18" charset="0"/>
+                            </a:rPr>
+                          </m:ctrlPr>
+                        </m:sSubPr>
+                        <m:e>
+                          <m:r>
+                            <a:rPr lang="en-SG" i="1" dirty="0" smtClean="0">
+                              <a:latin typeface="Cambria Math" panose="02040503050406030204" pitchFamily="18" charset="0"/>
+                            </a:rPr>
+                            <m:t>𝑦</m:t>
+                          </m:r>
+                        </m:e>
+                        <m:sub>
+                          <m:r>
+                            <a:rPr lang="en-SG" i="1" dirty="0" smtClean="0">
+                              <a:latin typeface="Cambria Math" panose="02040503050406030204" pitchFamily="18" charset="0"/>
+                            </a:rPr>
+                            <m:t>2</m:t>
+                          </m:r>
+                        </m:sub>
+                      </m:sSub>
+                      <m:r>
+                        <a:rPr lang="en-SG" i="1" dirty="0" smtClean="0">
+                          <a:latin typeface="Cambria Math" panose="02040503050406030204" pitchFamily="18" charset="0"/>
+                        </a:rPr>
+                        <m:t>,…</m:t>
+                      </m:r>
+                      <m:sSub>
+                        <m:sSubPr>
+                          <m:ctrlPr>
+                            <a:rPr lang="en-GB" b="0" i="1" dirty="0" smtClean="0">
+                              <a:latin typeface="Cambria Math" panose="02040503050406030204" pitchFamily="18" charset="0"/>
+                            </a:rPr>
+                          </m:ctrlPr>
+                        </m:sSubPr>
+                        <m:e>
+                          <m:r>
+                            <a:rPr lang="en-SG" i="1" dirty="0" smtClean="0">
+                              <a:latin typeface="Cambria Math" panose="02040503050406030204" pitchFamily="18" charset="0"/>
+                            </a:rPr>
+                            <m:t>𝑦</m:t>
+                          </m:r>
+                        </m:e>
+                        <m:sub>
+                          <m:r>
+                            <a:rPr lang="en-GB" b="0" i="1" dirty="0" smtClean="0">
+                              <a:latin typeface="Cambria Math" panose="02040503050406030204" pitchFamily="18" charset="0"/>
+                            </a:rPr>
+                            <m:t>𝐾</m:t>
+                          </m:r>
+                        </m:sub>
+                      </m:sSub>
+                      <m:r>
+                        <a:rPr lang="en-SG" i="1" dirty="0" smtClean="0">
+                          <a:latin typeface="Cambria Math" panose="02040503050406030204" pitchFamily="18" charset="0"/>
+                        </a:rPr>
+                        <m:t>),</m:t>
+                      </m:r>
+                    </m:oMath>
+                  </m:oMathPara>
+                </a14:m>
+                <a:endParaRPr lang="en-SG" dirty="0"/>
+              </a:p>
+              <a:p>
+                <a:pPr marL="0" indent="0">
+                  <a:buNone/>
+                </a:pPr>
+                <a:r>
+                  <a:rPr lang="en-SG" dirty="0"/>
+                  <a:t>into another vector of values</a:t>
+                </a:r>
+              </a:p>
+              <a:p>
+                <a:pPr marL="0" indent="0">
+                  <a:buNone/>
+                </a:pPr>
+                <a14:m>
+                  <m:oMathPara xmlns:m="http://schemas.openxmlformats.org/officeDocument/2006/math">
+                    <m:oMathParaPr>
+                      <m:jc m:val="centerGroup"/>
+                    </m:oMathParaPr>
+                    <m:oMath xmlns:m="http://schemas.openxmlformats.org/officeDocument/2006/math">
+                      <m:r>
+                        <a:rPr lang="en-SG" i="1" dirty="0" smtClean="0">
+                          <a:latin typeface="Cambria Math" panose="02040503050406030204" pitchFamily="18" charset="0"/>
+                        </a:rPr>
+                        <m:t>𝑃</m:t>
+                      </m:r>
+                      <m:r>
+                        <a:rPr lang="en-SG" i="1" dirty="0" smtClean="0">
+                          <a:latin typeface="Cambria Math" panose="02040503050406030204" pitchFamily="18" charset="0"/>
+                        </a:rPr>
+                        <m:t>=</m:t>
+                      </m:r>
+                      <m:d>
+                        <m:dPr>
+                          <m:ctrlPr>
+                            <a:rPr lang="en-SG" b="0" i="1" dirty="0" smtClean="0">
+                              <a:latin typeface="Cambria Math" panose="02040503050406030204" pitchFamily="18" charset="0"/>
+                            </a:rPr>
+                          </m:ctrlPr>
+                        </m:dPr>
+                        <m:e>
+                          <m:sSub>
+                            <m:sSubPr>
+                              <m:ctrlPr>
+                                <a:rPr lang="en-GB" b="0" i="1" dirty="0" smtClean="0">
+                                  <a:latin typeface="Cambria Math" panose="02040503050406030204" pitchFamily="18" charset="0"/>
+                                </a:rPr>
+                              </m:ctrlPr>
+                            </m:sSubPr>
+                            <m:e>
+                              <m:r>
+                                <a:rPr lang="en-SG" i="1" dirty="0" smtClean="0">
+                                  <a:latin typeface="Cambria Math" panose="02040503050406030204" pitchFamily="18" charset="0"/>
+                                </a:rPr>
+                                <m:t>𝑝</m:t>
+                              </m:r>
+                            </m:e>
+                            <m:sub>
+                              <m:r>
+                                <a:rPr lang="en-SG" i="1" dirty="0" smtClean="0">
+                                  <a:latin typeface="Cambria Math" panose="02040503050406030204" pitchFamily="18" charset="0"/>
+                                </a:rPr>
+                                <m:t>0</m:t>
+                              </m:r>
+                            </m:sub>
+                          </m:sSub>
+                          <m:r>
+                            <a:rPr lang="en-SG" i="1" dirty="0" smtClean="0">
+                              <a:latin typeface="Cambria Math" panose="02040503050406030204" pitchFamily="18" charset="0"/>
+                            </a:rPr>
+                            <m:t>,</m:t>
+                          </m:r>
+                          <m:sSub>
+                            <m:sSubPr>
+                              <m:ctrlPr>
+                                <a:rPr lang="en-GB" b="0" i="1" dirty="0" smtClean="0">
+                                  <a:latin typeface="Cambria Math" panose="02040503050406030204" pitchFamily="18" charset="0"/>
+                                </a:rPr>
+                              </m:ctrlPr>
+                            </m:sSubPr>
+                            <m:e>
+                              <m:r>
+                                <a:rPr lang="en-SG" i="1" dirty="0" smtClean="0">
+                                  <a:latin typeface="Cambria Math" panose="02040503050406030204" pitchFamily="18" charset="0"/>
+                                </a:rPr>
+                                <m:t>𝑝</m:t>
+                              </m:r>
+                            </m:e>
+                            <m:sub>
+                              <m:r>
+                                <a:rPr lang="en-SG" i="1" dirty="0" smtClean="0">
+                                  <a:latin typeface="Cambria Math" panose="02040503050406030204" pitchFamily="18" charset="0"/>
+                                </a:rPr>
+                                <m:t>1</m:t>
+                              </m:r>
+                            </m:sub>
+                          </m:sSub>
+                          <m:r>
+                            <a:rPr lang="en-SG" i="1" dirty="0" smtClean="0">
+                              <a:latin typeface="Cambria Math" panose="02040503050406030204" pitchFamily="18" charset="0"/>
+                            </a:rPr>
+                            <m:t>,</m:t>
+                          </m:r>
+                          <m:sSub>
+                            <m:sSubPr>
+                              <m:ctrlPr>
+                                <a:rPr lang="en-GB" b="0" i="1" dirty="0" smtClean="0">
+                                  <a:latin typeface="Cambria Math" panose="02040503050406030204" pitchFamily="18" charset="0"/>
+                                </a:rPr>
+                              </m:ctrlPr>
+                            </m:sSubPr>
+                            <m:e>
+                              <m:r>
+                                <a:rPr lang="en-SG" i="1" dirty="0" smtClean="0">
+                                  <a:latin typeface="Cambria Math" panose="02040503050406030204" pitchFamily="18" charset="0"/>
+                                </a:rPr>
+                                <m:t>𝑝</m:t>
+                              </m:r>
+                            </m:e>
+                            <m:sub>
+                              <m:r>
+                                <a:rPr lang="en-SG" i="1" dirty="0" smtClean="0">
+                                  <a:latin typeface="Cambria Math" panose="02040503050406030204" pitchFamily="18" charset="0"/>
+                                </a:rPr>
+                                <m:t>2</m:t>
+                              </m:r>
+                            </m:sub>
+                          </m:sSub>
+                          <m:r>
+                            <a:rPr lang="en-SG" i="1" dirty="0" smtClean="0">
+                              <a:latin typeface="Cambria Math" panose="02040503050406030204" pitchFamily="18" charset="0"/>
+                            </a:rPr>
+                            <m:t>,…</m:t>
+                          </m:r>
+                          <m:sSub>
+                            <m:sSubPr>
+                              <m:ctrlPr>
+                                <a:rPr lang="en-GB" b="0" i="1" dirty="0" smtClean="0">
+                                  <a:latin typeface="Cambria Math" panose="02040503050406030204" pitchFamily="18" charset="0"/>
+                                </a:rPr>
+                              </m:ctrlPr>
+                            </m:sSubPr>
+                            <m:e>
+                              <m:r>
+                                <a:rPr lang="en-SG" i="1" dirty="0" smtClean="0">
+                                  <a:latin typeface="Cambria Math" panose="02040503050406030204" pitchFamily="18" charset="0"/>
+                                </a:rPr>
+                                <m:t>𝑝</m:t>
+                              </m:r>
+                            </m:e>
+                            <m:sub>
+                              <m:r>
+                                <a:rPr lang="en-GB" b="0" i="1" dirty="0" smtClean="0">
+                                  <a:latin typeface="Cambria Math" panose="02040503050406030204" pitchFamily="18" charset="0"/>
+                                </a:rPr>
+                                <m:t>𝐾</m:t>
+                              </m:r>
+                            </m:sub>
+                          </m:sSub>
+                        </m:e>
+                      </m:d>
+                      <m:r>
+                        <a:rPr lang="en-GB" b="0" i="1" dirty="0" smtClean="0">
+                          <a:latin typeface="Cambria Math" panose="02040503050406030204" pitchFamily="18" charset="0"/>
+                        </a:rPr>
+                        <m:t>.</m:t>
+                      </m:r>
+                    </m:oMath>
+                  </m:oMathPara>
+                </a14:m>
+                <a:endParaRPr lang="en-SG" dirty="0"/>
+              </a:p>
+              <a:p>
+                <a:pPr marL="0" indent="0">
+                  <a:buNone/>
+                </a:pPr>
+                <a:endParaRPr lang="en-SG" dirty="0"/>
+              </a:p>
+              <a:p>
+                <a:pPr marL="0" indent="0">
+                  <a:buNone/>
+                </a:pPr>
+                <a:r>
+                  <a:rPr lang="en-SG" dirty="0"/>
+                  <a:t>The new vector </a:t>
+                </a:r>
+                <a14:m>
+                  <m:oMath xmlns:m="http://schemas.openxmlformats.org/officeDocument/2006/math">
+                    <m:r>
+                      <a:rPr lang="en-SG" b="1" i="1" dirty="0" smtClean="0">
+                        <a:latin typeface="Cambria Math" panose="02040503050406030204" pitchFamily="18" charset="0"/>
+                      </a:rPr>
+                      <m:t>𝑷</m:t>
+                    </m:r>
+                  </m:oMath>
+                </a14:m>
+                <a:r>
+                  <a:rPr lang="en-SG" b="1" dirty="0"/>
+                  <a:t> is guaranteed to contain </a:t>
+                </a:r>
+                <a:r>
+                  <a:rPr lang="en-SG" b="1" u="sng" dirty="0"/>
+                  <a:t>positive</a:t>
+                </a:r>
+                <a:r>
+                  <a:rPr lang="en-SG" b="1" dirty="0"/>
+                  <a:t> values, and those values will  be summing up to 1</a:t>
+                </a:r>
+                <a:r>
+                  <a:rPr lang="en-SG" dirty="0"/>
+                  <a:t>, i.e.</a:t>
+                </a:r>
+              </a:p>
+              <a:p>
+                <a:pPr marL="0" indent="0">
+                  <a:buNone/>
+                </a:pPr>
+                <a14:m>
+                  <m:oMathPara xmlns:m="http://schemas.openxmlformats.org/officeDocument/2006/math">
+                    <m:oMathParaPr>
+                      <m:jc m:val="centerGroup"/>
+                    </m:oMathParaPr>
+                    <m:oMath xmlns:m="http://schemas.openxmlformats.org/officeDocument/2006/math">
+                      <m:nary>
+                        <m:naryPr>
+                          <m:chr m:val="∑"/>
+                          <m:ctrlPr>
+                            <a:rPr lang="en-GB" b="0" i="1" smtClean="0">
+                              <a:latin typeface="Cambria Math" panose="02040503050406030204" pitchFamily="18" charset="0"/>
+                            </a:rPr>
+                          </m:ctrlPr>
+                        </m:naryPr>
+                        <m:sub>
+                          <m:r>
+                            <a:rPr lang="en-GB" b="0" i="1" smtClean="0">
+                              <a:latin typeface="Cambria Math" panose="02040503050406030204" pitchFamily="18" charset="0"/>
+                            </a:rPr>
+                            <m:t>𝑖</m:t>
+                          </m:r>
+                          <m:r>
+                            <a:rPr lang="en-GB" b="0" i="1" smtClean="0">
+                              <a:latin typeface="Cambria Math" panose="02040503050406030204" pitchFamily="18" charset="0"/>
+                            </a:rPr>
+                            <m:t>=0</m:t>
+                          </m:r>
+                        </m:sub>
+                        <m:sup>
+                          <m:r>
+                            <a:rPr lang="en-GB" b="0" i="1" smtClean="0">
+                              <a:latin typeface="Cambria Math" panose="02040503050406030204" pitchFamily="18" charset="0"/>
+                            </a:rPr>
+                            <m:t>𝐾</m:t>
+                          </m:r>
+                        </m:sup>
+                        <m:e>
+                          <m:sSub>
+                            <m:sSubPr>
+                              <m:ctrlPr>
+                                <a:rPr lang="en-GB" b="0" i="1" smtClean="0">
+                                  <a:latin typeface="Cambria Math" panose="02040503050406030204" pitchFamily="18" charset="0"/>
+                                </a:rPr>
+                              </m:ctrlPr>
+                            </m:sSubPr>
+                            <m:e>
+                              <m:r>
+                                <a:rPr lang="en-GB" b="0" i="1" smtClean="0">
+                                  <a:latin typeface="Cambria Math" panose="02040503050406030204" pitchFamily="18" charset="0"/>
+                                </a:rPr>
+                                <m:t>𝑝</m:t>
+                              </m:r>
+                            </m:e>
+                            <m:sub>
+                              <m:r>
+                                <a:rPr lang="en-GB" b="0" i="1" smtClean="0">
+                                  <a:latin typeface="Cambria Math" panose="02040503050406030204" pitchFamily="18" charset="0"/>
+                                </a:rPr>
+                                <m:t>𝑖</m:t>
+                              </m:r>
+                            </m:sub>
+                          </m:sSub>
+                          <m:r>
+                            <a:rPr lang="en-GB" b="0" i="1" smtClean="0">
+                              <a:latin typeface="Cambria Math" panose="02040503050406030204" pitchFamily="18" charset="0"/>
+                            </a:rPr>
+                            <m:t>=1</m:t>
+                          </m:r>
+                        </m:e>
+                      </m:nary>
+                    </m:oMath>
+                  </m:oMathPara>
+                </a14:m>
+                <a:endParaRPr lang="en-SG" dirty="0"/>
+              </a:p>
+              <a:p>
+                <a:pPr marL="0" indent="0">
+                  <a:buNone/>
+                </a:pPr>
+                <a:endParaRPr lang="en-SG" dirty="0"/>
+              </a:p>
+            </p:txBody>
+          </p:sp>
+        </mc:Choice>
+        <mc:Fallback>
+          <p:sp>
+            <p:nvSpPr>
+              <p:cNvPr id="3" name="Content Placeholder 2">
+                <a:extLst>
+                  <a:ext uri="{FF2B5EF4-FFF2-40B4-BE49-F238E27FC236}">
+                    <a16:creationId xmlns:a16="http://schemas.microsoft.com/office/drawing/2014/main" id="{F0814AA9-339A-72D8-E8A9-C066A3ED5800}"/>
+                  </a:ext>
+                </a:extLst>
+              </p:cNvPr>
+              <p:cNvSpPr>
+                <a:spLocks noGrp="1" noRot="1" noChangeAspect="1" noMove="1" noResize="1" noEditPoints="1" noAdjustHandles="1" noChangeArrowheads="1" noChangeShapeType="1" noTextEdit="1"/>
+              </p:cNvSpPr>
+              <p:nvPr>
+                <p:ph idx="1"/>
+              </p:nvPr>
+            </p:nvSpPr>
+            <p:spPr>
+              <a:xfrm>
+                <a:off x="838200" y="1825624"/>
+                <a:ext cx="10515600" cy="5032375"/>
+              </a:xfrm>
+              <a:blipFill>
+                <a:blip r:embed="rId2"/>
+                <a:stretch>
+                  <a:fillRect l="-1217" t="-1937"/>
+                </a:stretch>
+              </a:blipFill>
+            </p:spPr>
+            <p:txBody>
+              <a:bodyPr/>
+              <a:lstStyle/>
+              <a:p>
+                <a:r>
+                  <a:rPr lang="en-GB">
+                    <a:noFill/>
+                  </a:rPr>
+                  <a:t> </a:t>
+                </a:r>
+              </a:p>
+            </p:txBody>
+          </p:sp>
+        </mc:Fallback>
+      </mc:AlternateContent>
+    </p:spTree>
+    <p:extLst>
+      <p:ext uri="{BB962C8B-B14F-4D97-AF65-F5344CB8AC3E}">
+        <p14:creationId xmlns:p14="http://schemas.microsoft.com/office/powerpoint/2010/main" val="232544569"/>
+      </p:ext>
+    </p:extLst>
+  </p:cSld>
+  <p:clrMapOvr>
+    <a:masterClrMapping/>
+  </p:clrMapOvr>
+</p:sld>
+</file>
+
+<file path=ppt/slides/slide32.xml><?xml version="1.0" encoding="utf-8"?>
+<p:sld xmlns:a="http://schemas.openxmlformats.org/drawingml/2006/main" xmlns:r="http://schemas.openxmlformats.org/officeDocument/2006/relationships" xmlns:p="http://schemas.openxmlformats.org/presentationml/2006/main">
+  <p:cSld>
+    <p:spTree>
+      <p:nvGrpSpPr>
+        <p:cNvPr id="1" name=""/>
+        <p:cNvGrpSpPr/>
+        <p:nvPr/>
+      </p:nvGrpSpPr>
+      <p:grpSpPr>
+        <a:xfrm>
+          <a:off x="0" y="0"/>
+          <a:ext cx="0" cy="0"/>
+          <a:chOff x="0" y="0"/>
+          <a:chExt cx="0" cy="0"/>
+        </a:xfrm>
+      </p:grpSpPr>
+      <p:sp>
+        <p:nvSpPr>
+          <p:cNvPr id="2" name="Title 1">
+            <a:extLst>
+              <a:ext uri="{FF2B5EF4-FFF2-40B4-BE49-F238E27FC236}">
+                <a16:creationId xmlns:a16="http://schemas.microsoft.com/office/drawing/2014/main" id="{A8C99902-2A36-9C91-5F2C-9819DE23FB0C}"/>
+              </a:ext>
+            </a:extLst>
+          </p:cNvPr>
+          <p:cNvSpPr>
+            <a:spLocks noGrp="1"/>
+          </p:cNvSpPr>
+          <p:nvPr>
+            <p:ph type="title"/>
+          </p:nvPr>
+        </p:nvSpPr>
+        <p:spPr/>
+        <p:txBody>
+          <a:bodyPr/>
+          <a:lstStyle/>
+          <a:p>
+            <a:r>
+              <a:rPr lang="en-GB" dirty="0" err="1"/>
+              <a:t>Softmax</a:t>
+            </a:r>
+            <a:r>
+              <a:rPr lang="en-GB" dirty="0"/>
+              <a:t> function</a:t>
+            </a:r>
+            <a:endParaRPr lang="en-SG" dirty="0"/>
+          </a:p>
+        </p:txBody>
+      </p:sp>
       <p:sp>
         <p:nvSpPr>
           <p:cNvPr id="6" name="Content Placeholder 5">
@@ -18216,7 +18675,11 @@
               <a:buNone/>
             </a:pPr>
             <a:r>
-              <a:rPr lang="en-GB" dirty="0" err="1"/>
+              <a:rPr lang="en-GB" b="1" dirty="0" err="1">
+                <a:solidFill>
+                  <a:srgbClr val="00B050"/>
+                </a:solidFill>
+              </a:rPr>
               <a:t>Softmax</a:t>
             </a:r>
             <a:r>
@@ -18345,7 +18808,7 @@
 </p:sld>
 </file>
 
-<file path=ppt/slides/slide31.xml><?xml version="1.0" encoding="utf-8"?>
+<file path=ppt/slides/slide33.xml><?xml version="1.0" encoding="utf-8"?>
 <p:sld xmlns:a="http://schemas.openxmlformats.org/drawingml/2006/main" xmlns:r="http://schemas.openxmlformats.org/officeDocument/2006/relationships" xmlns:p="http://schemas.openxmlformats.org/presentationml/2006/main">
   <p:cSld>
     <p:spTree>
@@ -18395,8 +18858,8 @@
           </a:p>
         </p:txBody>
       </p:sp>
-      <mc:AlternateContent xmlns:mc="http://schemas.openxmlformats.org/markup-compatibility/2006" xmlns:a14="http://schemas.microsoft.com/office/drawing/2010/main">
-        <mc:Choice Requires="a14">
+      <mc:AlternateContent xmlns:mc="http://schemas.openxmlformats.org/markup-compatibility/2006">
+        <mc:Choice xmlns:a14="http://schemas.microsoft.com/office/drawing/2010/main" Requires="a14">
           <p:sp>
             <p:nvSpPr>
               <p:cNvPr id="3" name="Content Placeholder 2">
@@ -18433,7 +18896,11 @@
                   <a:t>In the case of multi-label classification, we will use the </a:t>
                 </a:r>
                 <a:r>
-                  <a:rPr lang="en-GB" b="1" dirty="0" err="1"/>
+                  <a:rPr lang="en-GB" b="1" dirty="0" err="1">
+                    <a:solidFill>
+                      <a:srgbClr val="00B050"/>
+                    </a:solidFill>
+                  </a:rPr>
                   <a:t>softmax</a:t>
                 </a:r>
                 <a:r>
@@ -18853,7 +19320,7 @@
             </p:txBody>
           </p:sp>
         </mc:Choice>
-        <mc:Fallback xmlns="">
+        <mc:Fallback>
           <p:sp>
             <p:nvSpPr>
               <p:cNvPr id="3" name="Content Placeholder 2">
@@ -18887,7 +19354,7 @@
               <a:lstStyle/>
               <a:p>
                 <a:r>
-                  <a:rPr lang="en-SG">
+                  <a:rPr lang="en-GB">
                     <a:noFill/>
                   </a:rPr>
                   <a:t> </a:t>
@@ -18910,7 +19377,7 @@
 </p:sld>
 </file>
 
-<file path=ppt/slides/slide32.xml><?xml version="1.0" encoding="utf-8"?>
+<file path=ppt/slides/slide34.xml><?xml version="1.0" encoding="utf-8"?>
 <p:sld xmlns:a="http://schemas.openxmlformats.org/drawingml/2006/main" xmlns:r="http://schemas.openxmlformats.org/officeDocument/2006/relationships" xmlns:p="http://schemas.openxmlformats.org/presentationml/2006/main">
   <p:cSld>
     <p:spTree>
@@ -18949,12 +19416,8 @@
           <a:lstStyle/>
           <a:p>
             <a:r>
-              <a:rPr lang="en-GB" dirty="0" err="1"/>
-              <a:t>Softmax</a:t>
-            </a:r>
-            <a:r>
-              <a:rPr lang="en-GB" dirty="0"/>
-              <a:t> function and prediction</a:t>
+              <a:rPr lang="en-GB" dirty="0"/>
+              <a:t>Implementation</a:t>
             </a:r>
             <a:endParaRPr lang="en-SG" dirty="0"/>
           </a:p>
@@ -19174,7 +19637,7 @@
 </p:sld>
 </file>
 
-<file path=ppt/slides/slide33.xml><?xml version="1.0" encoding="utf-8"?>
+<file path=ppt/slides/slide35.xml><?xml version="1.0" encoding="utf-8"?>
 <p:sld xmlns:a="http://schemas.openxmlformats.org/drawingml/2006/main" xmlns:r="http://schemas.openxmlformats.org/officeDocument/2006/relationships" xmlns:p="http://schemas.openxmlformats.org/presentationml/2006/main">
   <p:cSld>
     <p:spTree>
@@ -19213,12 +19676,8 @@
           <a:lstStyle/>
           <a:p>
             <a:r>
-              <a:rPr lang="en-GB" dirty="0" err="1"/>
-              <a:t>Softmax</a:t>
-            </a:r>
-            <a:r>
-              <a:rPr lang="en-GB" dirty="0"/>
-              <a:t> function</a:t>
+              <a:rPr lang="en-GB" dirty="0"/>
+              <a:t>Implementation</a:t>
             </a:r>
             <a:endParaRPr lang="en-SG" dirty="0"/>
           </a:p>
@@ -19373,7 +19832,7 @@
 </p:sld>
 </file>
 
-<file path=ppt/slides/slide34.xml><?xml version="1.0" encoding="utf-8"?>
+<file path=ppt/slides/slide36.xml><?xml version="1.0" encoding="utf-8"?>
 <p:sld xmlns:a="http://schemas.openxmlformats.org/drawingml/2006/main" xmlns:r="http://schemas.openxmlformats.org/officeDocument/2006/relationships" xmlns:p="http://schemas.openxmlformats.org/presentationml/2006/main">
   <p:cSld>
     <p:spTree>
@@ -19412,12 +19871,8 @@
           <a:lstStyle/>
           <a:p>
             <a:r>
-              <a:rPr lang="en-GB" dirty="0" err="1"/>
-              <a:t>Softmax</a:t>
-            </a:r>
-            <a:r>
-              <a:rPr lang="en-GB" dirty="0"/>
-              <a:t> function</a:t>
+              <a:rPr lang="en-GB" dirty="0"/>
+              <a:t>Implementation</a:t>
             </a:r>
             <a:endParaRPr lang="en-SG" dirty="0"/>
           </a:p>
@@ -19595,7 +20050,7 @@
 </p:sld>
 </file>
 
-<file path=ppt/slides/slide35.xml><?xml version="1.0" encoding="utf-8"?>
+<file path=ppt/slides/slide37.xml><?xml version="1.0" encoding="utf-8"?>
 <p:sld xmlns:a="http://schemas.openxmlformats.org/drawingml/2006/main" xmlns:r="http://schemas.openxmlformats.org/officeDocument/2006/relationships" xmlns:p="http://schemas.openxmlformats.org/presentationml/2006/main">
   <p:cSld>
     <p:spTree>
@@ -19635,7 +20090,7 @@
           <a:p>
             <a:r>
               <a:rPr lang="en-GB" dirty="0"/>
-              <a:t>Forward implementation</a:t>
+              <a:t>Forward Implementation</a:t>
             </a:r>
             <a:endParaRPr lang="en-SG" dirty="0"/>
           </a:p>
@@ -19810,7 +20265,7 @@
 </p:sld>
 </file>
 
-<file path=ppt/slides/slide36.xml><?xml version="1.0" encoding="utf-8"?>
+<file path=ppt/slides/slide38.xml><?xml version="1.0" encoding="utf-8"?>
 <p:sld xmlns:a="http://schemas.openxmlformats.org/drawingml/2006/main" xmlns:r="http://schemas.openxmlformats.org/officeDocument/2006/relationships" xmlns:p="http://schemas.openxmlformats.org/presentationml/2006/main">
   <p:cSld>
     <p:spTree>
@@ -20380,7 +20835,7 @@
 </p:sld>
 </file>
 
-<file path=ppt/slides/slide37.xml><?xml version="1.0" encoding="utf-8"?>
+<file path=ppt/slides/slide39.xml><?xml version="1.0" encoding="utf-8"?>
 <p:sld xmlns:a="http://schemas.openxmlformats.org/drawingml/2006/main" xmlns:r="http://schemas.openxmlformats.org/officeDocument/2006/relationships" xmlns:p="http://schemas.openxmlformats.org/presentationml/2006/main">
   <p:cSld>
     <p:spTree>
@@ -21066,7 +21521,357 @@
 </p:sld>
 </file>
 
-<file path=ppt/slides/slide38.xml><?xml version="1.0" encoding="utf-8"?>
+<file path=ppt/slides/slide4.xml><?xml version="1.0" encoding="utf-8"?>
+<p:sld xmlns:a="http://schemas.openxmlformats.org/drawingml/2006/main" xmlns:r="http://schemas.openxmlformats.org/officeDocument/2006/relationships" xmlns:p="http://schemas.openxmlformats.org/presentationml/2006/main">
+  <p:cSld>
+    <p:spTree>
+      <p:nvGrpSpPr>
+        <p:cNvPr id="1" name=""/>
+        <p:cNvGrpSpPr/>
+        <p:nvPr/>
+      </p:nvGrpSpPr>
+      <p:grpSpPr>
+        <a:xfrm>
+          <a:off x="0" y="0"/>
+          <a:ext cx="0" cy="0"/>
+          <a:chOff x="0" y="0"/>
+          <a:chExt cx="0" cy="0"/>
+        </a:xfrm>
+      </p:grpSpPr>
+      <p:sp>
+        <p:nvSpPr>
+          <p:cNvPr id="2" name="Title 1">
+            <a:extLst>
+              <a:ext uri="{FF2B5EF4-FFF2-40B4-BE49-F238E27FC236}">
+                <a16:creationId xmlns:a16="http://schemas.microsoft.com/office/drawing/2014/main" id="{3F88AB3E-DF60-4411-7415-7A8708334829}"/>
+              </a:ext>
+            </a:extLst>
+          </p:cNvPr>
+          <p:cNvSpPr>
+            <a:spLocks noGrp="1"/>
+          </p:cNvSpPr>
+          <p:nvPr>
+            <p:ph type="title"/>
+          </p:nvPr>
+        </p:nvSpPr>
+        <p:spPr/>
+        <p:txBody>
+          <a:bodyPr/>
+          <a:lstStyle/>
+          <a:p>
+            <a:r>
+              <a:rPr lang="en-GB" dirty="0"/>
+              <a:t>Introduction (Week 3)</a:t>
+            </a:r>
+            <a:endParaRPr lang="en-SG" dirty="0"/>
+          </a:p>
+        </p:txBody>
+      </p:sp>
+      <p:sp>
+        <p:nvSpPr>
+          <p:cNvPr id="3" name="Content Placeholder 2">
+            <a:extLst>
+              <a:ext uri="{FF2B5EF4-FFF2-40B4-BE49-F238E27FC236}">
+                <a16:creationId xmlns:a16="http://schemas.microsoft.com/office/drawing/2014/main" id="{65B58308-C101-BC04-E972-00C74DE5080B}"/>
+              </a:ext>
+            </a:extLst>
+          </p:cNvPr>
+          <p:cNvSpPr>
+            <a:spLocks noGrp="1"/>
+          </p:cNvSpPr>
+          <p:nvPr>
+            <p:ph idx="1"/>
+          </p:nvPr>
+        </p:nvSpPr>
+        <p:spPr>
+          <a:xfrm>
+            <a:off x="838200" y="1825624"/>
+            <a:ext cx="10515600" cy="5032375"/>
+          </a:xfrm>
+        </p:spPr>
+        <p:txBody>
+          <a:bodyPr/>
+          <a:lstStyle/>
+          <a:p>
+            <a:pPr marL="514350" indent="-514350">
+              <a:buFont typeface="+mj-lt"/>
+              <a:buAutoNum type="arabicPeriod" startAt="16"/>
+            </a:pPr>
+            <a:r>
+              <a:rPr lang="en-GB" dirty="0"/>
+              <a:t>What are the </a:t>
+            </a:r>
+            <a:r>
+              <a:rPr lang="en-GB" b="1" dirty="0"/>
+              <a:t>Dataset</a:t>
+            </a:r>
+            <a:r>
+              <a:rPr lang="en-GB" dirty="0"/>
+              <a:t> and </a:t>
+            </a:r>
+            <a:r>
+              <a:rPr lang="en-GB" b="1" dirty="0" err="1"/>
+              <a:t>Dataloader</a:t>
+            </a:r>
+            <a:r>
+              <a:rPr lang="en-GB" dirty="0"/>
+              <a:t> objects in </a:t>
+            </a:r>
+            <a:r>
+              <a:rPr lang="en-GB" b="1" dirty="0" err="1"/>
+              <a:t>PyTorch</a:t>
+            </a:r>
+            <a:r>
+              <a:rPr lang="en-GB" dirty="0"/>
+              <a:t>?</a:t>
+            </a:r>
+          </a:p>
+          <a:p>
+            <a:pPr marL="514350" indent="-514350">
+              <a:buFont typeface="+mj-lt"/>
+              <a:buAutoNum type="arabicPeriod" startAt="16"/>
+            </a:pPr>
+            <a:r>
+              <a:rPr lang="en-GB" dirty="0"/>
+              <a:t>How to implement a custom </a:t>
+            </a:r>
+            <a:r>
+              <a:rPr lang="en-GB" b="1" dirty="0" err="1"/>
+              <a:t>Dataloader</a:t>
+            </a:r>
+            <a:r>
+              <a:rPr lang="en-GB" dirty="0"/>
+              <a:t> and </a:t>
+            </a:r>
+            <a:r>
+              <a:rPr lang="en-GB" b="1" dirty="0"/>
+              <a:t>Dataset</a:t>
+            </a:r>
+            <a:r>
+              <a:rPr lang="en-GB" dirty="0"/>
+              <a:t> object in </a:t>
+            </a:r>
+            <a:r>
+              <a:rPr lang="en-GB" dirty="0" err="1"/>
+              <a:t>PyTorch</a:t>
+            </a:r>
+            <a:r>
+              <a:rPr lang="en-GB" dirty="0"/>
+              <a:t>?</a:t>
+            </a:r>
+          </a:p>
+          <a:p>
+            <a:pPr marL="514350" indent="-514350">
+              <a:buFont typeface="+mj-lt"/>
+              <a:buAutoNum type="arabicPeriod" startAt="16"/>
+            </a:pPr>
+            <a:r>
+              <a:rPr lang="en-GB" dirty="0"/>
+              <a:t>How to move from binary classification to </a:t>
+            </a:r>
+            <a:r>
+              <a:rPr lang="en-GB" b="1" dirty="0"/>
+              <a:t>multi-class</a:t>
+            </a:r>
+            <a:r>
+              <a:rPr lang="en-GB" dirty="0"/>
+              <a:t> </a:t>
+            </a:r>
+            <a:r>
+              <a:rPr lang="en-GB" b="1" dirty="0"/>
+              <a:t>classification</a:t>
+            </a:r>
+            <a:r>
+              <a:rPr lang="en-GB" dirty="0"/>
+              <a:t>?</a:t>
+            </a:r>
+          </a:p>
+          <a:p>
+            <a:pPr marL="514350" indent="-514350">
+              <a:buFont typeface="+mj-lt"/>
+              <a:buAutoNum type="arabicPeriod" startAt="16"/>
+            </a:pPr>
+            <a:r>
+              <a:rPr lang="en-GB" dirty="0"/>
+              <a:t>How to adjust output probabilities using the </a:t>
+            </a:r>
+            <a:r>
+              <a:rPr lang="en-GB" b="1" dirty="0" err="1"/>
+              <a:t>softmax</a:t>
+            </a:r>
+            <a:r>
+              <a:rPr lang="en-GB" dirty="0"/>
+              <a:t> function?</a:t>
+            </a:r>
+          </a:p>
+          <a:p>
+            <a:pPr marL="514350" indent="-514350">
+              <a:buFont typeface="+mj-lt"/>
+              <a:buAutoNum type="arabicPeriod" startAt="16"/>
+            </a:pPr>
+            <a:r>
+              <a:rPr lang="en-SG" dirty="0"/>
+              <a:t>How to change the </a:t>
+            </a:r>
+            <a:r>
+              <a:rPr lang="en-SG" b="1" dirty="0"/>
+              <a:t>cross-entropy</a:t>
+            </a:r>
+            <a:r>
+              <a:rPr lang="en-SG" dirty="0"/>
+              <a:t> </a:t>
+            </a:r>
+            <a:r>
+              <a:rPr lang="en-SG" b="1" dirty="0"/>
+              <a:t>loss</a:t>
+            </a:r>
+            <a:r>
+              <a:rPr lang="en-SG" dirty="0"/>
+              <a:t> so it works in </a:t>
+            </a:r>
+            <a:r>
+              <a:rPr lang="en-SG" b="1" dirty="0"/>
+              <a:t>multi-class</a:t>
+            </a:r>
+            <a:r>
+              <a:rPr lang="en-SG" dirty="0"/>
+              <a:t> </a:t>
+            </a:r>
+            <a:r>
+              <a:rPr lang="en-SG" b="1" dirty="0"/>
+              <a:t>classification</a:t>
+            </a:r>
+            <a:r>
+              <a:rPr lang="en-SG" dirty="0"/>
+              <a:t>?</a:t>
+            </a:r>
+          </a:p>
+          <a:p>
+            <a:pPr marL="514350" indent="-514350">
+              <a:buFont typeface="+mj-lt"/>
+              <a:buAutoNum type="arabicPeriod" startAt="16"/>
+            </a:pPr>
+            <a:r>
+              <a:rPr lang="en-SG" dirty="0"/>
+              <a:t>How to implement </a:t>
+            </a:r>
+            <a:r>
+              <a:rPr lang="en-SG" b="1" dirty="0"/>
+              <a:t>building</a:t>
+            </a:r>
+            <a:r>
+              <a:rPr lang="en-SG" dirty="0"/>
+              <a:t> </a:t>
+            </a:r>
+            <a:r>
+              <a:rPr lang="en-SG" b="1" dirty="0"/>
+              <a:t>blocks</a:t>
+            </a:r>
+            <a:r>
+              <a:rPr lang="en-SG" dirty="0"/>
+              <a:t> in </a:t>
+            </a:r>
+            <a:r>
+              <a:rPr lang="en-SG" dirty="0" err="1"/>
+              <a:t>PyTorch</a:t>
+            </a:r>
+            <a:r>
+              <a:rPr lang="en-SG" dirty="0"/>
+              <a:t>?</a:t>
+            </a:r>
+          </a:p>
+          <a:p>
+            <a:pPr marL="514350" indent="-514350">
+              <a:buFont typeface="+mj-lt"/>
+              <a:buAutoNum type="arabicPeriod" startAt="16"/>
+            </a:pPr>
+            <a:r>
+              <a:rPr lang="en-SG" dirty="0"/>
+              <a:t>How to implement and train our first </a:t>
+            </a:r>
+            <a:r>
+              <a:rPr lang="en-SG" b="1" dirty="0"/>
+              <a:t>Deep</a:t>
+            </a:r>
+            <a:r>
+              <a:rPr lang="en-SG" dirty="0"/>
+              <a:t> </a:t>
+            </a:r>
+            <a:r>
+              <a:rPr lang="en-SG" b="1" dirty="0"/>
+              <a:t>Neural</a:t>
+            </a:r>
+            <a:r>
+              <a:rPr lang="en-SG" dirty="0"/>
+              <a:t> </a:t>
+            </a:r>
+            <a:r>
+              <a:rPr lang="en-SG" b="1" dirty="0"/>
+              <a:t>Network</a:t>
+            </a:r>
+            <a:r>
+              <a:rPr lang="en-SG" dirty="0"/>
+              <a:t>?</a:t>
+            </a:r>
+          </a:p>
+          <a:p>
+            <a:pPr marL="514350" indent="-514350">
+              <a:buFont typeface="+mj-lt"/>
+              <a:buAutoNum type="arabicPeriod" startAt="16"/>
+            </a:pPr>
+            <a:r>
+              <a:rPr lang="en-SG" dirty="0"/>
+              <a:t>What are </a:t>
+            </a:r>
+            <a:r>
+              <a:rPr lang="en-SG" b="1" dirty="0"/>
+              <a:t>additional</a:t>
+            </a:r>
+            <a:r>
+              <a:rPr lang="en-SG" dirty="0"/>
+              <a:t> </a:t>
+            </a:r>
+            <a:r>
+              <a:rPr lang="en-SG" b="1" dirty="0"/>
+              <a:t>good</a:t>
+            </a:r>
+            <a:r>
+              <a:rPr lang="en-SG" dirty="0"/>
+              <a:t> </a:t>
+            </a:r>
+            <a:r>
+              <a:rPr lang="en-SG" b="1" dirty="0"/>
+              <a:t>practices</a:t>
+            </a:r>
+            <a:r>
+              <a:rPr lang="en-SG" dirty="0"/>
+              <a:t> in </a:t>
+            </a:r>
+            <a:r>
+              <a:rPr lang="en-SG" dirty="0" err="1"/>
+              <a:t>PyTorch</a:t>
+            </a:r>
+            <a:r>
+              <a:rPr lang="en-SG" dirty="0"/>
+              <a:t>?</a:t>
+            </a:r>
+          </a:p>
+        </p:txBody>
+      </p:sp>
+    </p:spTree>
+    <p:extLst>
+      <p:ext uri="{BB962C8B-B14F-4D97-AF65-F5344CB8AC3E}">
+        <p14:creationId xmlns:p14="http://schemas.microsoft.com/office/powerpoint/2010/main" val="636279122"/>
+      </p:ext>
+    </p:extLst>
+  </p:cSld>
+  <p:clrMapOvr>
+    <a:masterClrMapping/>
+  </p:clrMapOvr>
+</p:sld>
+</file>
+
+<file path=ppt/slides/slide40.xml><?xml version="1.0" encoding="utf-8"?>
 <p:sld xmlns:a="http://schemas.openxmlformats.org/drawingml/2006/main" xmlns:r="http://schemas.openxmlformats.org/officeDocument/2006/relationships" xmlns:p="http://schemas.openxmlformats.org/presentationml/2006/main">
   <p:cSld>
     <p:spTree>
@@ -22012,7 +22817,7 @@
 </p:sld>
 </file>
 
-<file path=ppt/slides/slide39.xml><?xml version="1.0" encoding="utf-8"?>
+<file path=ppt/slides/slide41.xml><?xml version="1.0" encoding="utf-8"?>
 <p:sld xmlns:a="http://schemas.openxmlformats.org/drawingml/2006/main" xmlns:r="http://schemas.openxmlformats.org/officeDocument/2006/relationships" xmlns:p="http://schemas.openxmlformats.org/presentationml/2006/main">
   <p:cSld>
     <p:spTree>
@@ -22211,357 +23016,7 @@
 </p:sld>
 </file>
 
-<file path=ppt/slides/slide4.xml><?xml version="1.0" encoding="utf-8"?>
-<p:sld xmlns:a="http://schemas.openxmlformats.org/drawingml/2006/main" xmlns:r="http://schemas.openxmlformats.org/officeDocument/2006/relationships" xmlns:p="http://schemas.openxmlformats.org/presentationml/2006/main">
-  <p:cSld>
-    <p:spTree>
-      <p:nvGrpSpPr>
-        <p:cNvPr id="1" name=""/>
-        <p:cNvGrpSpPr/>
-        <p:nvPr/>
-      </p:nvGrpSpPr>
-      <p:grpSpPr>
-        <a:xfrm>
-          <a:off x="0" y="0"/>
-          <a:ext cx="0" cy="0"/>
-          <a:chOff x="0" y="0"/>
-          <a:chExt cx="0" cy="0"/>
-        </a:xfrm>
-      </p:grpSpPr>
-      <p:sp>
-        <p:nvSpPr>
-          <p:cNvPr id="2" name="Title 1">
-            <a:extLst>
-              <a:ext uri="{FF2B5EF4-FFF2-40B4-BE49-F238E27FC236}">
-                <a16:creationId xmlns:a16="http://schemas.microsoft.com/office/drawing/2014/main" id="{3F88AB3E-DF60-4411-7415-7A8708334829}"/>
-              </a:ext>
-            </a:extLst>
-          </p:cNvPr>
-          <p:cNvSpPr>
-            <a:spLocks noGrp="1"/>
-          </p:cNvSpPr>
-          <p:nvPr>
-            <p:ph type="title"/>
-          </p:nvPr>
-        </p:nvSpPr>
-        <p:spPr/>
-        <p:txBody>
-          <a:bodyPr/>
-          <a:lstStyle/>
-          <a:p>
-            <a:r>
-              <a:rPr lang="en-GB" dirty="0"/>
-              <a:t>Introduction (Week 3)</a:t>
-            </a:r>
-            <a:endParaRPr lang="en-SG" dirty="0"/>
-          </a:p>
-        </p:txBody>
-      </p:sp>
-      <p:sp>
-        <p:nvSpPr>
-          <p:cNvPr id="3" name="Content Placeholder 2">
-            <a:extLst>
-              <a:ext uri="{FF2B5EF4-FFF2-40B4-BE49-F238E27FC236}">
-                <a16:creationId xmlns:a16="http://schemas.microsoft.com/office/drawing/2014/main" id="{65B58308-C101-BC04-E972-00C74DE5080B}"/>
-              </a:ext>
-            </a:extLst>
-          </p:cNvPr>
-          <p:cNvSpPr>
-            <a:spLocks noGrp="1"/>
-          </p:cNvSpPr>
-          <p:nvPr>
-            <p:ph idx="1"/>
-          </p:nvPr>
-        </p:nvSpPr>
-        <p:spPr>
-          <a:xfrm>
-            <a:off x="838200" y="1825624"/>
-            <a:ext cx="10515600" cy="5032375"/>
-          </a:xfrm>
-        </p:spPr>
-        <p:txBody>
-          <a:bodyPr/>
-          <a:lstStyle/>
-          <a:p>
-            <a:pPr marL="514350" indent="-514350">
-              <a:buFont typeface="+mj-lt"/>
-              <a:buAutoNum type="arabicPeriod" startAt="16"/>
-            </a:pPr>
-            <a:r>
-              <a:rPr lang="en-GB" dirty="0"/>
-              <a:t>What are the </a:t>
-            </a:r>
-            <a:r>
-              <a:rPr lang="en-GB" b="1" dirty="0"/>
-              <a:t>Dataset</a:t>
-            </a:r>
-            <a:r>
-              <a:rPr lang="en-GB" dirty="0"/>
-              <a:t> and </a:t>
-            </a:r>
-            <a:r>
-              <a:rPr lang="en-GB" b="1" dirty="0" err="1"/>
-              <a:t>Dataloader</a:t>
-            </a:r>
-            <a:r>
-              <a:rPr lang="en-GB" dirty="0"/>
-              <a:t> objects in </a:t>
-            </a:r>
-            <a:r>
-              <a:rPr lang="en-GB" b="1" dirty="0" err="1"/>
-              <a:t>PyTorch</a:t>
-            </a:r>
-            <a:r>
-              <a:rPr lang="en-GB" dirty="0"/>
-              <a:t>?</a:t>
-            </a:r>
-          </a:p>
-          <a:p>
-            <a:pPr marL="514350" indent="-514350">
-              <a:buFont typeface="+mj-lt"/>
-              <a:buAutoNum type="arabicPeriod" startAt="16"/>
-            </a:pPr>
-            <a:r>
-              <a:rPr lang="en-GB" dirty="0"/>
-              <a:t>How to implement a custom </a:t>
-            </a:r>
-            <a:r>
-              <a:rPr lang="en-GB" b="1" dirty="0" err="1"/>
-              <a:t>Dataloader</a:t>
-            </a:r>
-            <a:r>
-              <a:rPr lang="en-GB" dirty="0"/>
-              <a:t> and </a:t>
-            </a:r>
-            <a:r>
-              <a:rPr lang="en-GB" b="1" dirty="0"/>
-              <a:t>Dataset</a:t>
-            </a:r>
-            <a:r>
-              <a:rPr lang="en-GB" dirty="0"/>
-              <a:t> object in </a:t>
-            </a:r>
-            <a:r>
-              <a:rPr lang="en-GB" dirty="0" err="1"/>
-              <a:t>PyTorch</a:t>
-            </a:r>
-            <a:r>
-              <a:rPr lang="en-GB" dirty="0"/>
-              <a:t>?</a:t>
-            </a:r>
-          </a:p>
-          <a:p>
-            <a:pPr marL="514350" indent="-514350">
-              <a:buFont typeface="+mj-lt"/>
-              <a:buAutoNum type="arabicPeriod" startAt="16"/>
-            </a:pPr>
-            <a:r>
-              <a:rPr lang="en-GB" dirty="0"/>
-              <a:t>How to move from binary classification to </a:t>
-            </a:r>
-            <a:r>
-              <a:rPr lang="en-GB" b="1" dirty="0"/>
-              <a:t>multi-class</a:t>
-            </a:r>
-            <a:r>
-              <a:rPr lang="en-GB" dirty="0"/>
-              <a:t> </a:t>
-            </a:r>
-            <a:r>
-              <a:rPr lang="en-GB" b="1" dirty="0"/>
-              <a:t>classification</a:t>
-            </a:r>
-            <a:r>
-              <a:rPr lang="en-GB" dirty="0"/>
-              <a:t>?</a:t>
-            </a:r>
-          </a:p>
-          <a:p>
-            <a:pPr marL="514350" indent="-514350">
-              <a:buFont typeface="+mj-lt"/>
-              <a:buAutoNum type="arabicPeriod" startAt="16"/>
-            </a:pPr>
-            <a:r>
-              <a:rPr lang="en-GB" dirty="0"/>
-              <a:t>How to adjust output probabilities using the </a:t>
-            </a:r>
-            <a:r>
-              <a:rPr lang="en-GB" b="1" dirty="0" err="1"/>
-              <a:t>softmax</a:t>
-            </a:r>
-            <a:r>
-              <a:rPr lang="en-GB" dirty="0"/>
-              <a:t> function?</a:t>
-            </a:r>
-          </a:p>
-          <a:p>
-            <a:pPr marL="514350" indent="-514350">
-              <a:buFont typeface="+mj-lt"/>
-              <a:buAutoNum type="arabicPeriod" startAt="16"/>
-            </a:pPr>
-            <a:r>
-              <a:rPr lang="en-SG" dirty="0"/>
-              <a:t>How to change the </a:t>
-            </a:r>
-            <a:r>
-              <a:rPr lang="en-SG" b="1" dirty="0"/>
-              <a:t>cross-entropy</a:t>
-            </a:r>
-            <a:r>
-              <a:rPr lang="en-SG" dirty="0"/>
-              <a:t> </a:t>
-            </a:r>
-            <a:r>
-              <a:rPr lang="en-SG" b="1" dirty="0"/>
-              <a:t>loss</a:t>
-            </a:r>
-            <a:r>
-              <a:rPr lang="en-SG" dirty="0"/>
-              <a:t> so it works in </a:t>
-            </a:r>
-            <a:r>
-              <a:rPr lang="en-SG" b="1" dirty="0"/>
-              <a:t>multi-class</a:t>
-            </a:r>
-            <a:r>
-              <a:rPr lang="en-SG" dirty="0"/>
-              <a:t> </a:t>
-            </a:r>
-            <a:r>
-              <a:rPr lang="en-SG" b="1" dirty="0"/>
-              <a:t>classification</a:t>
-            </a:r>
-            <a:r>
-              <a:rPr lang="en-SG" dirty="0"/>
-              <a:t>?</a:t>
-            </a:r>
-          </a:p>
-          <a:p>
-            <a:pPr marL="514350" indent="-514350">
-              <a:buFont typeface="+mj-lt"/>
-              <a:buAutoNum type="arabicPeriod" startAt="16"/>
-            </a:pPr>
-            <a:r>
-              <a:rPr lang="en-SG" dirty="0"/>
-              <a:t>How to implement </a:t>
-            </a:r>
-            <a:r>
-              <a:rPr lang="en-SG" b="1" dirty="0"/>
-              <a:t>building</a:t>
-            </a:r>
-            <a:r>
-              <a:rPr lang="en-SG" dirty="0"/>
-              <a:t> </a:t>
-            </a:r>
-            <a:r>
-              <a:rPr lang="en-SG" b="1" dirty="0"/>
-              <a:t>blocks</a:t>
-            </a:r>
-            <a:r>
-              <a:rPr lang="en-SG" dirty="0"/>
-              <a:t> in </a:t>
-            </a:r>
-            <a:r>
-              <a:rPr lang="en-SG" dirty="0" err="1"/>
-              <a:t>PyTorch</a:t>
-            </a:r>
-            <a:r>
-              <a:rPr lang="en-SG" dirty="0"/>
-              <a:t>?</a:t>
-            </a:r>
-          </a:p>
-          <a:p>
-            <a:pPr marL="514350" indent="-514350">
-              <a:buFont typeface="+mj-lt"/>
-              <a:buAutoNum type="arabicPeriod" startAt="16"/>
-            </a:pPr>
-            <a:r>
-              <a:rPr lang="en-SG" dirty="0"/>
-              <a:t>How to implement and train our first </a:t>
-            </a:r>
-            <a:r>
-              <a:rPr lang="en-SG" b="1" dirty="0"/>
-              <a:t>Deep</a:t>
-            </a:r>
-            <a:r>
-              <a:rPr lang="en-SG" dirty="0"/>
-              <a:t> </a:t>
-            </a:r>
-            <a:r>
-              <a:rPr lang="en-SG" b="1" dirty="0"/>
-              <a:t>Neural</a:t>
-            </a:r>
-            <a:r>
-              <a:rPr lang="en-SG" dirty="0"/>
-              <a:t> </a:t>
-            </a:r>
-            <a:r>
-              <a:rPr lang="en-SG" b="1" dirty="0"/>
-              <a:t>Network</a:t>
-            </a:r>
-            <a:r>
-              <a:rPr lang="en-SG" dirty="0"/>
-              <a:t>?</a:t>
-            </a:r>
-          </a:p>
-          <a:p>
-            <a:pPr marL="514350" indent="-514350">
-              <a:buFont typeface="+mj-lt"/>
-              <a:buAutoNum type="arabicPeriod" startAt="16"/>
-            </a:pPr>
-            <a:r>
-              <a:rPr lang="en-SG" dirty="0"/>
-              <a:t>What are </a:t>
-            </a:r>
-            <a:r>
-              <a:rPr lang="en-SG" b="1" dirty="0"/>
-              <a:t>additional</a:t>
-            </a:r>
-            <a:r>
-              <a:rPr lang="en-SG" dirty="0"/>
-              <a:t> </a:t>
-            </a:r>
-            <a:r>
-              <a:rPr lang="en-SG" b="1" dirty="0"/>
-              <a:t>good</a:t>
-            </a:r>
-            <a:r>
-              <a:rPr lang="en-SG" dirty="0"/>
-              <a:t> </a:t>
-            </a:r>
-            <a:r>
-              <a:rPr lang="en-SG" b="1" dirty="0"/>
-              <a:t>practices</a:t>
-            </a:r>
-            <a:r>
-              <a:rPr lang="en-SG" dirty="0"/>
-              <a:t> in </a:t>
-            </a:r>
-            <a:r>
-              <a:rPr lang="en-SG" dirty="0" err="1"/>
-              <a:t>PyTorch</a:t>
-            </a:r>
-            <a:r>
-              <a:rPr lang="en-SG" dirty="0"/>
-              <a:t>?</a:t>
-            </a:r>
-          </a:p>
-        </p:txBody>
-      </p:sp>
-    </p:spTree>
-    <p:extLst>
-      <p:ext uri="{BB962C8B-B14F-4D97-AF65-F5344CB8AC3E}">
-        <p14:creationId xmlns:p14="http://schemas.microsoft.com/office/powerpoint/2010/main" val="636279122"/>
-      </p:ext>
-    </p:extLst>
-  </p:cSld>
-  <p:clrMapOvr>
-    <a:masterClrMapping/>
-  </p:clrMapOvr>
-</p:sld>
-</file>
-
-<file path=ppt/slides/slide40.xml><?xml version="1.0" encoding="utf-8"?>
+<file path=ppt/slides/slide42.xml><?xml version="1.0" encoding="utf-8"?>
 <p:sld xmlns:a="http://schemas.openxmlformats.org/drawingml/2006/main" xmlns:r="http://schemas.openxmlformats.org/officeDocument/2006/relationships" xmlns:p="http://schemas.openxmlformats.org/presentationml/2006/main">
   <p:cSld>
     <p:spTree>
@@ -22650,7 +23105,7 @@
 </p:sld>
 </file>
 
-<file path=ppt/slides/slide41.xml><?xml version="1.0" encoding="utf-8"?>
+<file path=ppt/slides/slide43.xml><?xml version="1.0" encoding="utf-8"?>
 <p:sld xmlns:a="http://schemas.openxmlformats.org/drawingml/2006/main" xmlns:r="http://schemas.openxmlformats.org/officeDocument/2006/relationships" xmlns:p="http://schemas.openxmlformats.org/presentationml/2006/main">
   <p:cSld>
     <p:spTree>
@@ -22843,7 +23298,7 @@
 </p:sld>
 </file>
 
-<file path=ppt/slides/slide42.xml><?xml version="1.0" encoding="utf-8"?>
+<file path=ppt/slides/slide44.xml><?xml version="1.0" encoding="utf-8"?>
 <p:sld xmlns:a="http://schemas.openxmlformats.org/drawingml/2006/main" xmlns:r="http://schemas.openxmlformats.org/officeDocument/2006/relationships" xmlns:p="http://schemas.openxmlformats.org/presentationml/2006/main">
   <p:cSld>
     <p:spTree>
@@ -23026,7 +23481,7 @@
             </a:r>
             <a:r>
               <a:rPr lang="en-GB" b="1" dirty="0"/>
-              <a:t>consists of more than two layers.</a:t>
+              <a:t>consists of more than two hidden layers.</a:t>
             </a:r>
           </a:p>
           <a:p>
@@ -23147,7 +23602,7 @@
 </p:sld>
 </file>
 
-<file path=ppt/slides/slide43.xml><?xml version="1.0" encoding="utf-8"?>
+<file path=ppt/slides/slide45.xml><?xml version="1.0" encoding="utf-8"?>
 <p:sld xmlns:a="http://schemas.openxmlformats.org/drawingml/2006/main" xmlns:r="http://schemas.openxmlformats.org/officeDocument/2006/relationships" xmlns:p="http://schemas.openxmlformats.org/presentationml/2006/main">
   <p:cSld>
     <p:spTree>
@@ -23225,8 +23680,12 @@
               <a:buNone/>
             </a:pPr>
             <a:r>
-              <a:rPr lang="en-GB" dirty="0"/>
-              <a:t>In general, </a:t>
+              <a:rPr lang="en-GB" b="1" dirty="0"/>
+              <a:t>Reminder:</a:t>
+            </a:r>
+            <a:r>
+              <a:rPr lang="en-GB" dirty="0"/>
+              <a:t> </a:t>
             </a:r>
             <a:r>
               <a:rPr lang="en-GB" b="1" dirty="0"/>
@@ -23518,7 +23977,7 @@
 </p:sld>
 </file>
 
-<file path=ppt/slides/slide44.xml><?xml version="1.0" encoding="utf-8"?>
+<file path=ppt/slides/slide46.xml><?xml version="1.0" encoding="utf-8"?>
 <p:sld xmlns:a="http://schemas.openxmlformats.org/drawingml/2006/main" xmlns:r="http://schemas.openxmlformats.org/officeDocument/2006/relationships" xmlns:p="http://schemas.openxmlformats.org/presentationml/2006/main">
   <p:cSld>
     <p:spTree>
@@ -23782,7 +24241,7 @@
 </p:sld>
 </file>
 
-<file path=ppt/slides/slide45.xml><?xml version="1.0" encoding="utf-8"?>
+<file path=ppt/slides/slide47.xml><?xml version="1.0" encoding="utf-8"?>
 <p:sld xmlns:a="http://schemas.openxmlformats.org/drawingml/2006/main" xmlns:r="http://schemas.openxmlformats.org/officeDocument/2006/relationships" xmlns:p="http://schemas.openxmlformats.org/presentationml/2006/main">
   <p:cSld>
     <p:spTree>
@@ -24017,7 +24476,7 @@
 </p:sld>
 </file>
 
-<file path=ppt/slides/slide46.xml><?xml version="1.0" encoding="utf-8"?>
+<file path=ppt/slides/slide48.xml><?xml version="1.0" encoding="utf-8"?>
 <p:sld xmlns:a="http://schemas.openxmlformats.org/drawingml/2006/main" xmlns:r="http://schemas.openxmlformats.org/officeDocument/2006/relationships" xmlns:p="http://schemas.openxmlformats.org/presentationml/2006/main">
   <p:cSld>
     <p:spTree>
@@ -24186,7 +24645,7 @@
 </p:sld>
 </file>
 
-<file path=ppt/slides/slide47.xml><?xml version="1.0" encoding="utf-8"?>
+<file path=ppt/slides/slide49.xml><?xml version="1.0" encoding="utf-8"?>
 <p:sld xmlns:a="http://schemas.openxmlformats.org/drawingml/2006/main" xmlns:r="http://schemas.openxmlformats.org/officeDocument/2006/relationships" xmlns:p="http://schemas.openxmlformats.org/presentationml/2006/main">
   <p:cSld>
     <p:spTree>
@@ -24269,7 +24728,7 @@
             </a:r>
             <a:r>
               <a:rPr lang="en-GB" dirty="0"/>
-              <a:t>This modular approach, which</a:t>
+              <a:t>This modular block-based approach, which</a:t>
             </a:r>
           </a:p>
           <a:p>
@@ -24281,23 +24740,11 @@
           <a:p>
             <a:r>
               <a:rPr lang="en-GB" dirty="0"/>
-              <a:t>And </a:t>
-            </a:r>
-            <a:r>
-              <a:rPr lang="en-GB"/>
-              <a:t>eventually </a:t>
-            </a:r>
-            <a:r>
-              <a:rPr lang="en-GB" b="1"/>
-              <a:t>assembles </a:t>
+              <a:t>And eventually </a:t>
             </a:r>
             <a:r>
               <a:rPr lang="en-GB" b="1" dirty="0"/>
-              <a:t>them in a larger Deep Neural Network </a:t>
-            </a:r>
-            <a:r>
-              <a:rPr lang="en-GB" b="1" dirty="0" err="1"/>
-              <a:t>network</a:t>
+              <a:t>assembles them into a larger Deep Neural Network object</a:t>
             </a:r>
             <a:r>
               <a:rPr lang="en-GB" dirty="0"/>
@@ -24310,23 +24757,14 @@
             </a:pPr>
             <a:r>
               <a:rPr lang="en-GB" dirty="0"/>
-              <a:t>is very common in deep neural networks, especially when the architectures are very heavy</a:t>
+              <a:t>is very common and convenient, especially when the architectures are very heavy and include many layers. It helps to organize</a:t>
             </a:r>
             <a:br>
               <a:rPr lang="en-GB" dirty="0"/>
             </a:br>
             <a:r>
               <a:rPr lang="en-GB" dirty="0"/>
-              <a:t>and include many layers.</a:t>
-            </a:r>
-          </a:p>
-          <a:p>
-            <a:pPr marL="0" indent="0">
-              <a:buNone/>
-            </a:pPr>
-            <a:r>
-              <a:rPr lang="en-GB" dirty="0"/>
-              <a:t>Helps to organize the mess!</a:t>
+              <a:t>the mess!</a:t>
             </a:r>
           </a:p>
         </p:txBody>
@@ -24383,7 +24821,7 @@
         </p:blipFill>
         <p:spPr>
           <a:xfrm>
-            <a:off x="5472276" y="5654558"/>
+            <a:off x="5491941" y="5861036"/>
             <a:ext cx="6525536" cy="838317"/>
           </a:xfrm>
           <a:prstGeom prst="rect">
@@ -24395,232 +24833,6 @@
     <p:extLst>
       <p:ext uri="{BB962C8B-B14F-4D97-AF65-F5344CB8AC3E}">
         <p14:creationId xmlns:p14="http://schemas.microsoft.com/office/powerpoint/2010/main" val="491711875"/>
-      </p:ext>
-    </p:extLst>
-  </p:cSld>
-  <p:clrMapOvr>
-    <a:masterClrMapping/>
-  </p:clrMapOvr>
-</p:sld>
-</file>
-
-<file path=ppt/slides/slide48.xml><?xml version="1.0" encoding="utf-8"?>
-<p:sld xmlns:a="http://schemas.openxmlformats.org/drawingml/2006/main" xmlns:r="http://schemas.openxmlformats.org/officeDocument/2006/relationships" xmlns:p="http://schemas.openxmlformats.org/presentationml/2006/main">
-  <p:cSld>
-    <p:spTree>
-      <p:nvGrpSpPr>
-        <p:cNvPr id="1" name=""/>
-        <p:cNvGrpSpPr/>
-        <p:nvPr/>
-      </p:nvGrpSpPr>
-      <p:grpSpPr>
-        <a:xfrm>
-          <a:off x="0" y="0"/>
-          <a:ext cx="0" cy="0"/>
-          <a:chOff x="0" y="0"/>
-          <a:chExt cx="0" cy="0"/>
-        </a:xfrm>
-      </p:grpSpPr>
-      <p:sp>
-        <p:nvSpPr>
-          <p:cNvPr id="2" name="Title 1">
-            <a:extLst>
-              <a:ext uri="{FF2B5EF4-FFF2-40B4-BE49-F238E27FC236}">
-                <a16:creationId xmlns:a16="http://schemas.microsoft.com/office/drawing/2014/main" id="{C5C10F7B-FCDE-9FCE-D101-EFA2910E602B}"/>
-              </a:ext>
-            </a:extLst>
-          </p:cNvPr>
-          <p:cNvSpPr>
-            <a:spLocks noGrp="1"/>
-          </p:cNvSpPr>
-          <p:nvPr>
-            <p:ph type="title"/>
-          </p:nvPr>
-        </p:nvSpPr>
-        <p:spPr/>
-        <p:txBody>
-          <a:bodyPr/>
-          <a:lstStyle/>
-          <a:p>
-            <a:r>
-              <a:rPr lang="en-GB" dirty="0"/>
-              <a:t>Training our model as before</a:t>
-            </a:r>
-            <a:endParaRPr lang="en-SG" dirty="0"/>
-          </a:p>
-        </p:txBody>
-      </p:sp>
-      <p:pic>
-        <p:nvPicPr>
-          <p:cNvPr id="5" name="Picture 4">
-            <a:extLst>
-              <a:ext uri="{FF2B5EF4-FFF2-40B4-BE49-F238E27FC236}">
-                <a16:creationId xmlns:a16="http://schemas.microsoft.com/office/drawing/2014/main" id="{E4645792-4524-0575-15DD-9B0C0E7D6234}"/>
-              </a:ext>
-            </a:extLst>
-          </p:cNvPr>
-          <p:cNvPicPr>
-            <a:picLocks noChangeAspect="1"/>
-          </p:cNvPicPr>
-          <p:nvPr/>
-        </p:nvPicPr>
-        <p:blipFill>
-          <a:blip r:embed="rId2"/>
-          <a:stretch>
-            <a:fillRect/>
-          </a:stretch>
-        </p:blipFill>
-        <p:spPr>
-          <a:xfrm>
-            <a:off x="1235810" y="1429159"/>
-            <a:ext cx="9720379" cy="5428841"/>
-          </a:xfrm>
-          <a:prstGeom prst="rect">
-            <a:avLst/>
-          </a:prstGeom>
-        </p:spPr>
-      </p:pic>
-    </p:spTree>
-    <p:extLst>
-      <p:ext uri="{BB962C8B-B14F-4D97-AF65-F5344CB8AC3E}">
-        <p14:creationId xmlns:p14="http://schemas.microsoft.com/office/powerpoint/2010/main" val="651859086"/>
-      </p:ext>
-    </p:extLst>
-  </p:cSld>
-  <p:clrMapOvr>
-    <a:masterClrMapping/>
-  </p:clrMapOvr>
-</p:sld>
-</file>
-
-<file path=ppt/slides/slide49.xml><?xml version="1.0" encoding="utf-8"?>
-<p:sld xmlns:a="http://schemas.openxmlformats.org/drawingml/2006/main" xmlns:r="http://schemas.openxmlformats.org/officeDocument/2006/relationships" xmlns:p="http://schemas.openxmlformats.org/presentationml/2006/main">
-  <p:cSld>
-    <p:spTree>
-      <p:nvGrpSpPr>
-        <p:cNvPr id="1" name=""/>
-        <p:cNvGrpSpPr/>
-        <p:nvPr/>
-      </p:nvGrpSpPr>
-      <p:grpSpPr>
-        <a:xfrm>
-          <a:off x="0" y="0"/>
-          <a:ext cx="0" cy="0"/>
-          <a:chOff x="0" y="0"/>
-          <a:chExt cx="0" cy="0"/>
-        </a:xfrm>
-      </p:grpSpPr>
-      <p:sp>
-        <p:nvSpPr>
-          <p:cNvPr id="2" name="Title 1">
-            <a:extLst>
-              <a:ext uri="{FF2B5EF4-FFF2-40B4-BE49-F238E27FC236}">
-                <a16:creationId xmlns:a16="http://schemas.microsoft.com/office/drawing/2014/main" id="{6B379AFD-C750-A12B-B155-F8426594D91F}"/>
-              </a:ext>
-            </a:extLst>
-          </p:cNvPr>
-          <p:cNvSpPr>
-            <a:spLocks noGrp="1"/>
-          </p:cNvSpPr>
-          <p:nvPr>
-            <p:ph type="title"/>
-          </p:nvPr>
-        </p:nvSpPr>
-        <p:spPr/>
-        <p:txBody>
-          <a:bodyPr/>
-          <a:lstStyle/>
-          <a:p>
-            <a:r>
-              <a:rPr lang="en-GB" dirty="0"/>
-              <a:t>On Deep Neural Networks complexity</a:t>
-            </a:r>
-            <a:endParaRPr lang="en-SG" dirty="0"/>
-          </a:p>
-        </p:txBody>
-      </p:sp>
-      <p:sp>
-        <p:nvSpPr>
-          <p:cNvPr id="3" name="Content Placeholder 2">
-            <a:extLst>
-              <a:ext uri="{FF2B5EF4-FFF2-40B4-BE49-F238E27FC236}">
-                <a16:creationId xmlns:a16="http://schemas.microsoft.com/office/drawing/2014/main" id="{593B6C32-2754-00A2-7A8E-EF46AD4E3535}"/>
-              </a:ext>
-            </a:extLst>
-          </p:cNvPr>
-          <p:cNvSpPr>
-            <a:spLocks noGrp="1"/>
-          </p:cNvSpPr>
-          <p:nvPr>
-            <p:ph idx="1"/>
-          </p:nvPr>
-        </p:nvSpPr>
-        <p:spPr>
-          <a:xfrm>
-            <a:off x="838200" y="1825624"/>
-            <a:ext cx="10515600" cy="5032375"/>
-          </a:xfrm>
-        </p:spPr>
-        <p:txBody>
-          <a:bodyPr>
-            <a:normAutofit/>
-          </a:bodyPr>
-          <a:lstStyle/>
-          <a:p>
-            <a:pPr marL="0" indent="0">
-              <a:buNone/>
-            </a:pPr>
-            <a:r>
-              <a:rPr lang="en-GB" dirty="0"/>
-              <a:t>We can therefore raise a </a:t>
-            </a:r>
-            <a:r>
-              <a:rPr lang="en-GB" b="1" dirty="0"/>
-              <a:t>fairly important question</a:t>
-            </a:r>
-            <a:r>
-              <a:rPr lang="en-GB" dirty="0"/>
-              <a:t>:</a:t>
-            </a:r>
-          </a:p>
-          <a:p>
-            <a:pPr marL="0" indent="0" algn="ctr">
-              <a:buNone/>
-            </a:pPr>
-            <a:r>
-              <a:rPr lang="en-GB" b="1" dirty="0">
-                <a:solidFill>
-                  <a:srgbClr val="7030A0"/>
-                </a:solidFill>
-              </a:rPr>
-              <a:t>What is the appropriate number of layers to use and how many neurons should we use on each layer?</a:t>
-            </a:r>
-            <a:endParaRPr lang="en-GB" dirty="0"/>
-          </a:p>
-          <a:p>
-            <a:r>
-              <a:rPr lang="en-GB" dirty="0"/>
-              <a:t>We established in Week 2 – Notebook 8, that there is no fixed rule for how many layers should be used in a deep neural network.</a:t>
-            </a:r>
-          </a:p>
-          <a:p>
-            <a:r>
-              <a:rPr lang="en-GB" dirty="0"/>
-              <a:t>Instead, the number of layers, as well as the number of neurons in each layer, should be chosen based on the complexity of the task and the amount of available data in the dataset.</a:t>
-            </a:r>
-          </a:p>
-          <a:p>
-            <a:r>
-              <a:rPr lang="en-GB" dirty="0"/>
-              <a:t>In general, deep neural networks with many layers (tens or even hundreds) can learn very complex patterns in data, but they will require a large amount of data and computational resources to train.</a:t>
-            </a:r>
-          </a:p>
-        </p:txBody>
-      </p:sp>
-    </p:spTree>
-    <p:extLst>
-      <p:ext uri="{BB962C8B-B14F-4D97-AF65-F5344CB8AC3E}">
-        <p14:creationId xmlns:p14="http://schemas.microsoft.com/office/powerpoint/2010/main" val="101927766"/>
       </p:ext>
     </p:extLst>
   </p:cSld>
@@ -24835,6 +25047,95 @@
           <p:cNvPr id="2" name="Title 1">
             <a:extLst>
               <a:ext uri="{FF2B5EF4-FFF2-40B4-BE49-F238E27FC236}">
+                <a16:creationId xmlns:a16="http://schemas.microsoft.com/office/drawing/2014/main" id="{C5C10F7B-FCDE-9FCE-D101-EFA2910E602B}"/>
+              </a:ext>
+            </a:extLst>
+          </p:cNvPr>
+          <p:cNvSpPr>
+            <a:spLocks noGrp="1"/>
+          </p:cNvSpPr>
+          <p:nvPr>
+            <p:ph type="title"/>
+          </p:nvPr>
+        </p:nvSpPr>
+        <p:spPr/>
+        <p:txBody>
+          <a:bodyPr/>
+          <a:lstStyle/>
+          <a:p>
+            <a:r>
+              <a:rPr lang="en-GB" dirty="0"/>
+              <a:t>Training our model as before</a:t>
+            </a:r>
+            <a:endParaRPr lang="en-SG" dirty="0"/>
+          </a:p>
+        </p:txBody>
+      </p:sp>
+      <p:pic>
+        <p:nvPicPr>
+          <p:cNvPr id="5" name="Picture 4">
+            <a:extLst>
+              <a:ext uri="{FF2B5EF4-FFF2-40B4-BE49-F238E27FC236}">
+                <a16:creationId xmlns:a16="http://schemas.microsoft.com/office/drawing/2014/main" id="{E4645792-4524-0575-15DD-9B0C0E7D6234}"/>
+              </a:ext>
+            </a:extLst>
+          </p:cNvPr>
+          <p:cNvPicPr>
+            <a:picLocks noChangeAspect="1"/>
+          </p:cNvPicPr>
+          <p:nvPr/>
+        </p:nvPicPr>
+        <p:blipFill>
+          <a:blip r:embed="rId2"/>
+          <a:stretch>
+            <a:fillRect/>
+          </a:stretch>
+        </p:blipFill>
+        <p:spPr>
+          <a:xfrm>
+            <a:off x="1235810" y="1429159"/>
+            <a:ext cx="9720379" cy="5428841"/>
+          </a:xfrm>
+          <a:prstGeom prst="rect">
+            <a:avLst/>
+          </a:prstGeom>
+        </p:spPr>
+      </p:pic>
+    </p:spTree>
+    <p:extLst>
+      <p:ext uri="{BB962C8B-B14F-4D97-AF65-F5344CB8AC3E}">
+        <p14:creationId xmlns:p14="http://schemas.microsoft.com/office/powerpoint/2010/main" val="651859086"/>
+      </p:ext>
+    </p:extLst>
+  </p:cSld>
+  <p:clrMapOvr>
+    <a:masterClrMapping/>
+  </p:clrMapOvr>
+</p:sld>
+</file>
+
+<file path=ppt/slides/slide51.xml><?xml version="1.0" encoding="utf-8"?>
+<p:sld xmlns:a="http://schemas.openxmlformats.org/drawingml/2006/main" xmlns:r="http://schemas.openxmlformats.org/officeDocument/2006/relationships" xmlns:p="http://schemas.openxmlformats.org/presentationml/2006/main">
+  <p:cSld>
+    <p:spTree>
+      <p:nvGrpSpPr>
+        <p:cNvPr id="1" name=""/>
+        <p:cNvGrpSpPr/>
+        <p:nvPr/>
+      </p:nvGrpSpPr>
+      <p:grpSpPr>
+        <a:xfrm>
+          <a:off x="0" y="0"/>
+          <a:ext cx="0" cy="0"/>
+          <a:chOff x="0" y="0"/>
+          <a:chExt cx="0" cy="0"/>
+        </a:xfrm>
+      </p:grpSpPr>
+      <p:sp>
+        <p:nvSpPr>
+          <p:cNvPr id="2" name="Title 1">
+            <a:extLst>
+              <a:ext uri="{FF2B5EF4-FFF2-40B4-BE49-F238E27FC236}">
                 <a16:creationId xmlns:a16="http://schemas.microsoft.com/office/drawing/2014/main" id="{6B379AFD-C750-A12B-B155-F8426594D91F}"/>
               </a:ext>
             </a:extLst>
@@ -24887,62 +25188,24 @@
           </a:bodyPr>
           <a:lstStyle/>
           <a:p>
-            <a:r>
-              <a:rPr lang="en-GB" dirty="0"/>
-              <a:t>More importantly, if the network is </a:t>
+            <a:pPr marL="0" indent="0">
+              <a:buNone/>
+            </a:pPr>
+            <a:r>
+              <a:rPr lang="en-GB" dirty="0"/>
+              <a:t>We can therefore raise a </a:t>
             </a:r>
             <a:r>
               <a:rPr lang="en-GB" b="1" dirty="0"/>
-              <a:t>too deep</a:t>
-            </a:r>
-            <a:r>
-              <a:rPr lang="en-GB" dirty="0"/>
-              <a:t>, it may also be prone to </a:t>
-            </a:r>
-            <a:r>
-              <a:rPr lang="en-GB" b="1" dirty="0"/>
-              <a:t>overfitting</a:t>
-            </a:r>
-            <a:r>
-              <a:rPr lang="en-GB" dirty="0"/>
-              <a:t>, which can hinder its generalization performance on unseen data.</a:t>
-            </a:r>
-          </a:p>
-          <a:p>
-            <a:r>
-              <a:rPr lang="en-GB" dirty="0"/>
-              <a:t>On the other hand, </a:t>
-            </a:r>
-            <a:r>
-              <a:rPr lang="en-GB" b="1" dirty="0"/>
-              <a:t>shallow</a:t>
-            </a:r>
-            <a:r>
-              <a:rPr lang="en-GB" dirty="0"/>
-              <a:t> </a:t>
-            </a:r>
-            <a:r>
-              <a:rPr lang="en-GB" b="1" dirty="0"/>
-              <a:t>networks</a:t>
-            </a:r>
-            <a:r>
-              <a:rPr lang="en-GB" dirty="0"/>
-              <a:t> with fewer layers may be easier to train and require less data, but </a:t>
-            </a:r>
-            <a:r>
-              <a:rPr lang="en-GB" b="1" dirty="0"/>
-              <a:t>they may not be able to learn as complex patterns</a:t>
-            </a:r>
-            <a:r>
-              <a:rPr lang="en-GB" dirty="0"/>
-              <a:t>.</a:t>
-            </a:r>
-          </a:p>
-          <a:p>
-            <a:endParaRPr lang="en-GB" dirty="0"/>
-          </a:p>
-          <a:p>
-            <a:pPr marL="0" indent="0">
+              <a:t>fairly important question</a:t>
+            </a:r>
+            <a:r>
+              <a:rPr lang="en-GB" dirty="0"/>
+              <a:t>:</a:t>
+            </a:r>
+          </a:p>
+          <a:p>
+            <a:pPr marL="0" indent="0" algn="ctr">
               <a:buNone/>
             </a:pPr>
             <a:r>
@@ -24951,7 +25214,182 @@
                   <a:srgbClr val="7030A0"/>
                 </a:solidFill>
               </a:rPr>
-              <a:t>Another No Free Lunch: Finding the optimal number of layers and the optimal architecture of a deep neural network is often a trade-off between model complexity, computational resources, and performance. It requires some experimentation and model selection.</a:t>
+              <a:t>What is the appropriate number of layers to use and how many neurons should we use on each layer?</a:t>
+            </a:r>
+            <a:endParaRPr lang="en-GB" dirty="0"/>
+          </a:p>
+          <a:p>
+            <a:r>
+              <a:rPr lang="en-GB" dirty="0"/>
+              <a:t>We established in Week 2 – Notebook 8, that there is no fixed rule for how many layers should be used in a deep neural network.</a:t>
+            </a:r>
+          </a:p>
+          <a:p>
+            <a:r>
+              <a:rPr lang="en-GB" dirty="0"/>
+              <a:t>Instead, the number of layers, as well as the number of neurons in each layer, should be chosen based on the complexity of the task and the amount of available data in the dataset.</a:t>
+            </a:r>
+          </a:p>
+          <a:p>
+            <a:r>
+              <a:rPr lang="en-GB" dirty="0"/>
+              <a:t>In general, deep neural networks with many layers (tens or even hundreds) can learn very complex patterns in data, but they will require a large amount of data and computational resources to train.</a:t>
+            </a:r>
+          </a:p>
+        </p:txBody>
+      </p:sp>
+    </p:spTree>
+    <p:extLst>
+      <p:ext uri="{BB962C8B-B14F-4D97-AF65-F5344CB8AC3E}">
+        <p14:creationId xmlns:p14="http://schemas.microsoft.com/office/powerpoint/2010/main" val="101927766"/>
+      </p:ext>
+    </p:extLst>
+  </p:cSld>
+  <p:clrMapOvr>
+    <a:masterClrMapping/>
+  </p:clrMapOvr>
+</p:sld>
+</file>
+
+<file path=ppt/slides/slide52.xml><?xml version="1.0" encoding="utf-8"?>
+<p:sld xmlns:a="http://schemas.openxmlformats.org/drawingml/2006/main" xmlns:r="http://schemas.openxmlformats.org/officeDocument/2006/relationships" xmlns:p="http://schemas.openxmlformats.org/presentationml/2006/main">
+  <p:cSld>
+    <p:spTree>
+      <p:nvGrpSpPr>
+        <p:cNvPr id="1" name=""/>
+        <p:cNvGrpSpPr/>
+        <p:nvPr/>
+      </p:nvGrpSpPr>
+      <p:grpSpPr>
+        <a:xfrm>
+          <a:off x="0" y="0"/>
+          <a:ext cx="0" cy="0"/>
+          <a:chOff x="0" y="0"/>
+          <a:chExt cx="0" cy="0"/>
+        </a:xfrm>
+      </p:grpSpPr>
+      <p:sp>
+        <p:nvSpPr>
+          <p:cNvPr id="2" name="Title 1">
+            <a:extLst>
+              <a:ext uri="{FF2B5EF4-FFF2-40B4-BE49-F238E27FC236}">
+                <a16:creationId xmlns:a16="http://schemas.microsoft.com/office/drawing/2014/main" id="{6B379AFD-C750-A12B-B155-F8426594D91F}"/>
+              </a:ext>
+            </a:extLst>
+          </p:cNvPr>
+          <p:cNvSpPr>
+            <a:spLocks noGrp="1"/>
+          </p:cNvSpPr>
+          <p:nvPr>
+            <p:ph type="title"/>
+          </p:nvPr>
+        </p:nvSpPr>
+        <p:spPr/>
+        <p:txBody>
+          <a:bodyPr/>
+          <a:lstStyle/>
+          <a:p>
+            <a:r>
+              <a:rPr lang="en-GB" dirty="0"/>
+              <a:t>On Deep Neural Networks complexity</a:t>
+            </a:r>
+            <a:endParaRPr lang="en-SG" dirty="0"/>
+          </a:p>
+        </p:txBody>
+      </p:sp>
+      <p:sp>
+        <p:nvSpPr>
+          <p:cNvPr id="3" name="Content Placeholder 2">
+            <a:extLst>
+              <a:ext uri="{FF2B5EF4-FFF2-40B4-BE49-F238E27FC236}">
+                <a16:creationId xmlns:a16="http://schemas.microsoft.com/office/drawing/2014/main" id="{593B6C32-2754-00A2-7A8E-EF46AD4E3535}"/>
+              </a:ext>
+            </a:extLst>
+          </p:cNvPr>
+          <p:cNvSpPr>
+            <a:spLocks noGrp="1"/>
+          </p:cNvSpPr>
+          <p:nvPr>
+            <p:ph idx="1"/>
+          </p:nvPr>
+        </p:nvSpPr>
+        <p:spPr>
+          <a:xfrm>
+            <a:off x="838200" y="1825624"/>
+            <a:ext cx="10515600" cy="5032375"/>
+          </a:xfrm>
+        </p:spPr>
+        <p:txBody>
+          <a:bodyPr>
+            <a:normAutofit/>
+          </a:bodyPr>
+          <a:lstStyle/>
+          <a:p>
+            <a:r>
+              <a:rPr lang="en-GB" dirty="0"/>
+              <a:t>More importantly, if the network is </a:t>
+            </a:r>
+            <a:r>
+              <a:rPr lang="en-GB" b="1" dirty="0"/>
+              <a:t>too deep</a:t>
+            </a:r>
+            <a:r>
+              <a:rPr lang="en-GB" dirty="0"/>
+              <a:t>, it may also be prone to </a:t>
+            </a:r>
+            <a:r>
+              <a:rPr lang="en-GB" b="1" dirty="0"/>
+              <a:t>overfitting</a:t>
+            </a:r>
+            <a:r>
+              <a:rPr lang="en-GB" dirty="0"/>
+              <a:t>, which can hinder its generalization performance on unseen data.</a:t>
+            </a:r>
+          </a:p>
+          <a:p>
+            <a:r>
+              <a:rPr lang="en-GB" dirty="0"/>
+              <a:t>On the other hand, </a:t>
+            </a:r>
+            <a:r>
+              <a:rPr lang="en-GB" b="1" dirty="0"/>
+              <a:t>shallow</a:t>
+            </a:r>
+            <a:r>
+              <a:rPr lang="en-GB" dirty="0"/>
+              <a:t> </a:t>
+            </a:r>
+            <a:r>
+              <a:rPr lang="en-GB" b="1" dirty="0"/>
+              <a:t>networks</a:t>
+            </a:r>
+            <a:r>
+              <a:rPr lang="en-GB" dirty="0"/>
+              <a:t> with fewer layers may be easier to train and require less data, but </a:t>
+            </a:r>
+            <a:r>
+              <a:rPr lang="en-GB" b="1" dirty="0"/>
+              <a:t>they may not be able to learn as complex patterns</a:t>
+            </a:r>
+            <a:r>
+              <a:rPr lang="en-GB" dirty="0"/>
+              <a:t>.</a:t>
+            </a:r>
+          </a:p>
+          <a:p>
+            <a:endParaRPr lang="en-GB" dirty="0"/>
+          </a:p>
+          <a:p>
+            <a:pPr marL="0" indent="0">
+              <a:buNone/>
+            </a:pPr>
+            <a:r>
+              <a:rPr lang="en-GB" b="1" dirty="0">
+                <a:solidFill>
+                  <a:srgbClr val="7030A0"/>
+                </a:solidFill>
+              </a:rPr>
+              <a:t>Another No Free Lunch (NFL): Finding the optimal number of layers and the optimal architecture of a deep neural network is often a trade-off between model complexity, computational resources, and performance. It requires some experimentation and model selection.</a:t>
             </a:r>
             <a:endParaRPr lang="en-SG" b="1" dirty="0">
               <a:solidFill>
@@ -24974,7 +25412,7 @@
 </p:sld>
 </file>
 
-<file path=ppt/slides/slide51.xml><?xml version="1.0" encoding="utf-8"?>
+<file path=ppt/slides/slide53.xml><?xml version="1.0" encoding="utf-8"?>
 <p:sld xmlns:a="http://schemas.openxmlformats.org/drawingml/2006/main" xmlns:r="http://schemas.openxmlformats.org/officeDocument/2006/relationships" xmlns:p="http://schemas.openxmlformats.org/presentationml/2006/main">
   <p:cSld>
     <p:spTree>
@@ -25045,11 +25483,7 @@
           <a:p>
             <a:r>
               <a:rPr lang="en-GB" dirty="0"/>
-              <a:t>Shallow Neural Net: 96.5% test </a:t>
-            </a:r>
-            <a:r>
-              <a:rPr lang="en-GB" dirty="0" err="1"/>
-              <a:t>acc</a:t>
+              <a:t>Shallow Neural Net: 96.5% test acc.</a:t>
             </a:r>
             <a:br>
               <a:rPr lang="en-GB" dirty="0"/>
@@ -25087,11 +25521,11 @@
           <a:p>
             <a:r>
               <a:rPr lang="en-GB" dirty="0"/>
-              <a:t>Deep Neural Net: 93.7% test </a:t>
-            </a:r>
-            <a:r>
-              <a:rPr lang="en-GB" dirty="0" err="1"/>
-              <a:t>acc</a:t>
+              <a:t>Deep Neural Net: 93.7% </a:t>
+            </a:r>
+            <a:r>
+              <a:rPr lang="en-GB"/>
+              <a:t>test acc.</a:t>
             </a:r>
             <a:br>
               <a:rPr lang="en-GB" dirty="0"/>
@@ -25177,7 +25611,7 @@
 </p:sld>
 </file>
 
-<file path=ppt/slides/slide52.xml><?xml version="1.0" encoding="utf-8"?>
+<file path=ppt/slides/slide54.xml><?xml version="1.0" encoding="utf-8"?>
 <p:sld xmlns:a="http://schemas.openxmlformats.org/drawingml/2006/main" xmlns:r="http://schemas.openxmlformats.org/officeDocument/2006/relationships" xmlns:p="http://schemas.openxmlformats.org/presentationml/2006/main">
   <p:cSld>
     <p:spTree>
@@ -25572,792 +26006,6 @@
 </p:sld>
 </file>
 
-<file path=ppt/slides/slide53.xml><?xml version="1.0" encoding="utf-8"?>
-<p:sld xmlns:a="http://schemas.openxmlformats.org/drawingml/2006/main" xmlns:r="http://schemas.openxmlformats.org/officeDocument/2006/relationships" xmlns:p="http://schemas.openxmlformats.org/presentationml/2006/main">
-  <p:cSld>
-    <p:spTree>
-      <p:nvGrpSpPr>
-        <p:cNvPr id="1" name=""/>
-        <p:cNvGrpSpPr/>
-        <p:nvPr/>
-      </p:nvGrpSpPr>
-      <p:grpSpPr>
-        <a:xfrm>
-          <a:off x="0" y="0"/>
-          <a:ext cx="0" cy="0"/>
-          <a:chOff x="0" y="0"/>
-          <a:chExt cx="0" cy="0"/>
-        </a:xfrm>
-      </p:grpSpPr>
-      <p:sp>
-        <p:nvSpPr>
-          <p:cNvPr id="2" name="Title 1">
-            <a:extLst>
-              <a:ext uri="{FF2B5EF4-FFF2-40B4-BE49-F238E27FC236}">
-                <a16:creationId xmlns:a16="http://schemas.microsoft.com/office/drawing/2014/main" id="{3F88AB3E-DF60-4411-7415-7A8708334829}"/>
-              </a:ext>
-            </a:extLst>
-          </p:cNvPr>
-          <p:cNvSpPr>
-            <a:spLocks noGrp="1"/>
-          </p:cNvSpPr>
-          <p:nvPr>
-            <p:ph type="title"/>
-          </p:nvPr>
-        </p:nvSpPr>
-        <p:spPr/>
-        <p:txBody>
-          <a:bodyPr/>
-          <a:lstStyle/>
-          <a:p>
-            <a:r>
-              <a:rPr lang="en-GB" dirty="0"/>
-              <a:t>Introduction (Week 3)</a:t>
-            </a:r>
-            <a:endParaRPr lang="en-SG" dirty="0"/>
-          </a:p>
-        </p:txBody>
-      </p:sp>
-      <p:sp>
-        <p:nvSpPr>
-          <p:cNvPr id="3" name="Content Placeholder 2">
-            <a:extLst>
-              <a:ext uri="{FF2B5EF4-FFF2-40B4-BE49-F238E27FC236}">
-                <a16:creationId xmlns:a16="http://schemas.microsoft.com/office/drawing/2014/main" id="{65B58308-C101-BC04-E972-00C74DE5080B}"/>
-              </a:ext>
-            </a:extLst>
-          </p:cNvPr>
-          <p:cNvSpPr>
-            <a:spLocks noGrp="1"/>
-          </p:cNvSpPr>
-          <p:nvPr>
-            <p:ph idx="1"/>
-          </p:nvPr>
-        </p:nvSpPr>
-        <p:spPr>
-          <a:xfrm>
-            <a:off x="838200" y="1825624"/>
-            <a:ext cx="10515600" cy="5032375"/>
-          </a:xfrm>
-        </p:spPr>
-        <p:txBody>
-          <a:bodyPr/>
-          <a:lstStyle/>
-          <a:p>
-            <a:pPr marL="514350" indent="-514350">
-              <a:buFont typeface="+mj-lt"/>
-              <a:buAutoNum type="arabicPeriod"/>
-            </a:pPr>
-            <a:r>
-              <a:rPr lang="en-GB" dirty="0"/>
-              <a:t>What is the </a:t>
-            </a:r>
-            <a:r>
-              <a:rPr lang="en-GB" b="1" dirty="0" err="1"/>
-              <a:t>PyTorch</a:t>
-            </a:r>
-            <a:r>
-              <a:rPr lang="en-GB" dirty="0"/>
-              <a:t> </a:t>
-            </a:r>
-            <a:r>
-              <a:rPr lang="en-GB" b="1" dirty="0"/>
-              <a:t>library</a:t>
-            </a:r>
-            <a:r>
-              <a:rPr lang="en-GB" dirty="0"/>
-              <a:t> and its </a:t>
-            </a:r>
-            <a:r>
-              <a:rPr lang="en-GB" b="1" dirty="0"/>
-              <a:t>benefits</a:t>
-            </a:r>
-            <a:r>
-              <a:rPr lang="en-GB" dirty="0"/>
-              <a:t>?</a:t>
-            </a:r>
-          </a:p>
-          <a:p>
-            <a:pPr marL="514350" indent="-514350">
-              <a:buFont typeface="+mj-lt"/>
-              <a:buAutoNum type="arabicPeriod"/>
-            </a:pPr>
-            <a:r>
-              <a:rPr lang="en-GB" dirty="0"/>
-              <a:t>What is a </a:t>
-            </a:r>
-            <a:r>
-              <a:rPr lang="en-GB" b="1" dirty="0" err="1"/>
-              <a:t>PyTorch</a:t>
-            </a:r>
-            <a:r>
-              <a:rPr lang="en-GB" dirty="0"/>
-              <a:t> </a:t>
-            </a:r>
-            <a:r>
-              <a:rPr lang="en-GB" b="1" dirty="0"/>
-              <a:t>tensor</a:t>
-            </a:r>
-            <a:r>
-              <a:rPr lang="en-GB" dirty="0"/>
-              <a:t> </a:t>
-            </a:r>
-            <a:r>
-              <a:rPr lang="en-GB" b="1" dirty="0"/>
-              <a:t>object</a:t>
-            </a:r>
-            <a:r>
-              <a:rPr lang="en-GB" dirty="0"/>
-              <a:t> and its typical </a:t>
-            </a:r>
-            <a:r>
-              <a:rPr lang="en-GB" b="1" dirty="0"/>
-              <a:t>attributes</a:t>
-            </a:r>
-            <a:r>
-              <a:rPr lang="en-GB" dirty="0"/>
-              <a:t>?</a:t>
-            </a:r>
-          </a:p>
-          <a:p>
-            <a:pPr marL="514350" indent="-514350">
-              <a:buFont typeface="+mj-lt"/>
-              <a:buAutoNum type="arabicPeriod"/>
-            </a:pPr>
-            <a:r>
-              <a:rPr lang="en-GB" dirty="0"/>
-              <a:t>How to implement some typical </a:t>
-            </a:r>
-            <a:r>
-              <a:rPr lang="en-GB" b="1" dirty="0"/>
-              <a:t>tensor</a:t>
-            </a:r>
-            <a:r>
-              <a:rPr lang="en-GB" dirty="0"/>
-              <a:t> </a:t>
-            </a:r>
-            <a:r>
-              <a:rPr lang="en-GB" b="1" dirty="0"/>
-              <a:t>operations</a:t>
-            </a:r>
-            <a:r>
-              <a:rPr lang="en-GB" dirty="0"/>
-              <a:t>?</a:t>
-            </a:r>
-          </a:p>
-          <a:p>
-            <a:pPr marL="514350" indent="-514350">
-              <a:buFont typeface="+mj-lt"/>
-              <a:buAutoNum type="arabicPeriod"/>
-            </a:pPr>
-            <a:r>
-              <a:rPr lang="en-GB" dirty="0"/>
-              <a:t>What is </a:t>
-            </a:r>
-            <a:r>
-              <a:rPr lang="en-GB" b="1" dirty="0"/>
-              <a:t>broadcasting</a:t>
-            </a:r>
-            <a:r>
-              <a:rPr lang="en-GB" dirty="0"/>
-              <a:t> on tensors?</a:t>
-            </a:r>
-          </a:p>
-          <a:p>
-            <a:pPr marL="514350" indent="-514350">
-              <a:buFont typeface="+mj-lt"/>
-              <a:buAutoNum type="arabicPeriod"/>
-            </a:pPr>
-            <a:r>
-              <a:rPr lang="en-GB" dirty="0"/>
-              <a:t>What are </a:t>
-            </a:r>
-            <a:r>
-              <a:rPr lang="en-GB" b="1" dirty="0"/>
-              <a:t>tensor</a:t>
-            </a:r>
-            <a:r>
-              <a:rPr lang="en-GB" dirty="0"/>
-              <a:t> </a:t>
-            </a:r>
-            <a:r>
-              <a:rPr lang="en-GB" b="1" dirty="0"/>
-              <a:t>locations</a:t>
-            </a:r>
-            <a:r>
-              <a:rPr lang="en-GB" dirty="0"/>
-              <a:t> in terms of computation?</a:t>
-            </a:r>
-          </a:p>
-          <a:p>
-            <a:pPr marL="514350" indent="-514350">
-              <a:buFont typeface="+mj-lt"/>
-              <a:buAutoNum type="arabicPeriod"/>
-            </a:pPr>
-            <a:r>
-              <a:rPr lang="en-GB" dirty="0"/>
-              <a:t>How to </a:t>
-            </a:r>
-            <a:r>
-              <a:rPr lang="en-GB" b="1" dirty="0"/>
-              <a:t>transform</a:t>
-            </a:r>
-            <a:r>
-              <a:rPr lang="en-GB" dirty="0"/>
-              <a:t> </a:t>
-            </a:r>
-            <a:r>
-              <a:rPr lang="en-GB" b="1" dirty="0"/>
-              <a:t>our</a:t>
-            </a:r>
-            <a:r>
-              <a:rPr lang="en-GB" dirty="0"/>
-              <a:t> </a:t>
-            </a:r>
-            <a:r>
-              <a:rPr lang="en-GB" b="1" dirty="0"/>
-              <a:t>original</a:t>
-            </a:r>
-            <a:r>
-              <a:rPr lang="en-GB" dirty="0"/>
-              <a:t> </a:t>
-            </a:r>
-            <a:r>
-              <a:rPr lang="en-GB" b="1" dirty="0"/>
-              <a:t>NumPy</a:t>
-            </a:r>
-            <a:r>
-              <a:rPr lang="en-GB" dirty="0"/>
-              <a:t> </a:t>
-            </a:r>
-            <a:r>
-              <a:rPr lang="en-GB" b="1" dirty="0"/>
-              <a:t>shallow</a:t>
-            </a:r>
-            <a:r>
-              <a:rPr lang="en-GB" dirty="0"/>
-              <a:t> </a:t>
-            </a:r>
-            <a:r>
-              <a:rPr lang="en-GB" b="1" dirty="0"/>
-              <a:t>Neural</a:t>
-            </a:r>
-            <a:r>
-              <a:rPr lang="en-GB" dirty="0"/>
-              <a:t> </a:t>
-            </a:r>
-            <a:r>
-              <a:rPr lang="en-GB" b="1" dirty="0"/>
-              <a:t>Network</a:t>
-            </a:r>
-            <a:r>
-              <a:rPr lang="en-GB" dirty="0"/>
-              <a:t> class so it uses </a:t>
-            </a:r>
-            <a:r>
-              <a:rPr lang="en-GB" b="1" dirty="0" err="1"/>
-              <a:t>PyTorch</a:t>
-            </a:r>
-            <a:r>
-              <a:rPr lang="en-GB" dirty="0"/>
-              <a:t> now instead?</a:t>
-            </a:r>
-          </a:p>
-          <a:p>
-            <a:pPr marL="514350" indent="-514350">
-              <a:buFont typeface="+mj-lt"/>
-              <a:buAutoNum type="arabicPeriod"/>
-            </a:pPr>
-            <a:r>
-              <a:rPr lang="en-GB" dirty="0"/>
-              <a:t>How to implement a </a:t>
-            </a:r>
-            <a:r>
-              <a:rPr lang="en-GB" b="1" dirty="0"/>
-              <a:t>forward</a:t>
-            </a:r>
-            <a:r>
-              <a:rPr lang="en-GB" dirty="0"/>
-              <a:t>, </a:t>
-            </a:r>
-            <a:r>
-              <a:rPr lang="en-GB" b="1" dirty="0"/>
-              <a:t>loss</a:t>
-            </a:r>
-            <a:r>
-              <a:rPr lang="en-GB" dirty="0"/>
-              <a:t> and </a:t>
-            </a:r>
-            <a:r>
-              <a:rPr lang="en-GB" b="1" dirty="0"/>
-              <a:t>accuracy</a:t>
-            </a:r>
-            <a:r>
-              <a:rPr lang="en-GB" dirty="0"/>
-              <a:t> metric in </a:t>
-            </a:r>
-            <a:r>
-              <a:rPr lang="en-GB" dirty="0" err="1"/>
-              <a:t>PyTorch</a:t>
-            </a:r>
-            <a:r>
-              <a:rPr lang="en-GB" dirty="0"/>
-              <a:t>?</a:t>
-            </a:r>
-          </a:p>
-          <a:p>
-            <a:pPr marL="514350" indent="-514350">
-              <a:buFont typeface="+mj-lt"/>
-              <a:buAutoNum type="arabicPeriod"/>
-            </a:pPr>
-            <a:r>
-              <a:rPr lang="en-GB" dirty="0"/>
-              <a:t>What are some measurable </a:t>
-            </a:r>
-            <a:r>
-              <a:rPr lang="en-GB" b="1" dirty="0"/>
-              <a:t>performance</a:t>
-            </a:r>
-            <a:r>
-              <a:rPr lang="en-GB" dirty="0"/>
-              <a:t> </a:t>
-            </a:r>
-            <a:r>
-              <a:rPr lang="en-GB" b="1" dirty="0"/>
-              <a:t>benefits</a:t>
-            </a:r>
-            <a:r>
-              <a:rPr lang="en-GB" dirty="0"/>
-              <a:t> of using </a:t>
-            </a:r>
-            <a:r>
-              <a:rPr lang="en-GB" b="1" dirty="0" err="1"/>
-              <a:t>PyTorch</a:t>
-            </a:r>
-            <a:r>
-              <a:rPr lang="en-GB" dirty="0"/>
-              <a:t> over NumPy and </a:t>
-            </a:r>
-            <a:r>
-              <a:rPr lang="en-GB" b="1" dirty="0"/>
-              <a:t>GPUs</a:t>
-            </a:r>
-            <a:r>
-              <a:rPr lang="en-GB" dirty="0"/>
-              <a:t> over CPUs?</a:t>
-            </a:r>
-          </a:p>
-          <a:p>
-            <a:pPr marL="514350" indent="-514350">
-              <a:buFont typeface="+mj-lt"/>
-              <a:buAutoNum type="arabicPeriod"/>
-            </a:pPr>
-            <a:endParaRPr lang="en-SG" dirty="0"/>
-          </a:p>
-        </p:txBody>
-      </p:sp>
-    </p:spTree>
-    <p:extLst>
-      <p:ext uri="{BB962C8B-B14F-4D97-AF65-F5344CB8AC3E}">
-        <p14:creationId xmlns:p14="http://schemas.microsoft.com/office/powerpoint/2010/main" val="2532925431"/>
-      </p:ext>
-    </p:extLst>
-  </p:cSld>
-  <p:clrMapOvr>
-    <a:masterClrMapping/>
-  </p:clrMapOvr>
-</p:sld>
-</file>
-
-<file path=ppt/slides/slide54.xml><?xml version="1.0" encoding="utf-8"?>
-<p:sld xmlns:a="http://schemas.openxmlformats.org/drawingml/2006/main" xmlns:r="http://schemas.openxmlformats.org/officeDocument/2006/relationships" xmlns:p="http://schemas.openxmlformats.org/presentationml/2006/main">
-  <p:cSld>
-    <p:spTree>
-      <p:nvGrpSpPr>
-        <p:cNvPr id="1" name=""/>
-        <p:cNvGrpSpPr/>
-        <p:nvPr/>
-      </p:nvGrpSpPr>
-      <p:grpSpPr>
-        <a:xfrm>
-          <a:off x="0" y="0"/>
-          <a:ext cx="0" cy="0"/>
-          <a:chOff x="0" y="0"/>
-          <a:chExt cx="0" cy="0"/>
-        </a:xfrm>
-      </p:grpSpPr>
-      <p:sp>
-        <p:nvSpPr>
-          <p:cNvPr id="2" name="Title 1">
-            <a:extLst>
-              <a:ext uri="{FF2B5EF4-FFF2-40B4-BE49-F238E27FC236}">
-                <a16:creationId xmlns:a16="http://schemas.microsoft.com/office/drawing/2014/main" id="{3F88AB3E-DF60-4411-7415-7A8708334829}"/>
-              </a:ext>
-            </a:extLst>
-          </p:cNvPr>
-          <p:cNvSpPr>
-            <a:spLocks noGrp="1"/>
-          </p:cNvSpPr>
-          <p:nvPr>
-            <p:ph type="title"/>
-          </p:nvPr>
-        </p:nvSpPr>
-        <p:spPr/>
-        <p:txBody>
-          <a:bodyPr/>
-          <a:lstStyle/>
-          <a:p>
-            <a:r>
-              <a:rPr lang="en-GB" dirty="0"/>
-              <a:t>Introduction (Week 3)</a:t>
-            </a:r>
-            <a:endParaRPr lang="en-SG" dirty="0"/>
-          </a:p>
-        </p:txBody>
-      </p:sp>
-      <p:sp>
-        <p:nvSpPr>
-          <p:cNvPr id="3" name="Content Placeholder 2">
-            <a:extLst>
-              <a:ext uri="{FF2B5EF4-FFF2-40B4-BE49-F238E27FC236}">
-                <a16:creationId xmlns:a16="http://schemas.microsoft.com/office/drawing/2014/main" id="{65B58308-C101-BC04-E972-00C74DE5080B}"/>
-              </a:ext>
-            </a:extLst>
-          </p:cNvPr>
-          <p:cNvSpPr>
-            <a:spLocks noGrp="1"/>
-          </p:cNvSpPr>
-          <p:nvPr>
-            <p:ph idx="1"/>
-          </p:nvPr>
-        </p:nvSpPr>
-        <p:spPr>
-          <a:xfrm>
-            <a:off x="838200" y="1825624"/>
-            <a:ext cx="10515600" cy="5032375"/>
-          </a:xfrm>
-        </p:spPr>
-        <p:txBody>
-          <a:bodyPr>
-            <a:normAutofit lnSpcReduction="10000"/>
-          </a:bodyPr>
-          <a:lstStyle/>
-          <a:p>
-            <a:pPr marL="514350" indent="-514350">
-              <a:buFont typeface="+mj-lt"/>
-              <a:buAutoNum type="arabicPeriod" startAt="9"/>
-            </a:pPr>
-            <a:r>
-              <a:rPr lang="en-GB" dirty="0"/>
-              <a:t>What is the </a:t>
-            </a:r>
-            <a:r>
-              <a:rPr lang="en-GB" b="1" dirty="0" err="1"/>
-              <a:t>autograd</a:t>
-            </a:r>
-            <a:r>
-              <a:rPr lang="en-GB" dirty="0"/>
-              <a:t>/</a:t>
-            </a:r>
-            <a:r>
-              <a:rPr lang="en-GB" b="1" dirty="0"/>
-              <a:t>backprop</a:t>
-            </a:r>
-            <a:r>
-              <a:rPr lang="en-GB" dirty="0"/>
-              <a:t> module in </a:t>
-            </a:r>
-            <a:r>
-              <a:rPr lang="en-GB" dirty="0" err="1"/>
-              <a:t>PyTorch</a:t>
-            </a:r>
-            <a:r>
-              <a:rPr lang="en-GB" dirty="0"/>
-              <a:t>, and how does it use a </a:t>
-            </a:r>
-            <a:r>
-              <a:rPr lang="en-GB" b="1" dirty="0"/>
-              <a:t>computational</a:t>
-            </a:r>
-            <a:r>
-              <a:rPr lang="en-GB" dirty="0"/>
-              <a:t> </a:t>
-            </a:r>
-            <a:r>
-              <a:rPr lang="en-GB" b="1" dirty="0"/>
-              <a:t>graph</a:t>
-            </a:r>
-            <a:r>
-              <a:rPr lang="en-GB" dirty="0"/>
-              <a:t> to </a:t>
-            </a:r>
-            <a:r>
-              <a:rPr lang="en-GB" b="1" dirty="0"/>
-              <a:t>compute</a:t>
-            </a:r>
-            <a:r>
-              <a:rPr lang="en-GB" dirty="0"/>
-              <a:t> </a:t>
-            </a:r>
-            <a:r>
-              <a:rPr lang="en-GB" b="1" dirty="0"/>
-              <a:t>all</a:t>
-            </a:r>
-            <a:r>
-              <a:rPr lang="en-GB" dirty="0"/>
-              <a:t> </a:t>
-            </a:r>
-            <a:r>
-              <a:rPr lang="en-GB" b="1" dirty="0"/>
-              <a:t>derivatives</a:t>
-            </a:r>
-            <a:r>
-              <a:rPr lang="en-GB" dirty="0"/>
-              <a:t>? </a:t>
-            </a:r>
-          </a:p>
-          <a:p>
-            <a:pPr marL="514350" indent="-514350">
-              <a:buFont typeface="+mj-lt"/>
-              <a:buAutoNum type="arabicPeriod" startAt="9"/>
-            </a:pPr>
-            <a:r>
-              <a:rPr lang="en-GB" dirty="0"/>
-              <a:t>How to use the </a:t>
-            </a:r>
-            <a:r>
-              <a:rPr lang="en-GB" b="1" dirty="0" err="1"/>
-              <a:t>autograd</a:t>
-            </a:r>
-            <a:r>
-              <a:rPr lang="en-GB" dirty="0"/>
-              <a:t> to implement </a:t>
-            </a:r>
-            <a:r>
-              <a:rPr lang="en-GB" b="1" dirty="0"/>
-              <a:t>derivatives</a:t>
-            </a:r>
-            <a:r>
-              <a:rPr lang="en-GB" dirty="0"/>
-              <a:t> and a </a:t>
-            </a:r>
-            <a:r>
-              <a:rPr lang="en-GB" b="1" dirty="0"/>
-              <a:t>vanilla</a:t>
-            </a:r>
-            <a:r>
-              <a:rPr lang="en-GB" dirty="0"/>
-              <a:t> </a:t>
-            </a:r>
-            <a:r>
-              <a:rPr lang="en-GB" b="1" dirty="0"/>
-              <a:t>gradient</a:t>
-            </a:r>
-            <a:r>
-              <a:rPr lang="en-GB" dirty="0"/>
-              <a:t> </a:t>
-            </a:r>
-            <a:r>
-              <a:rPr lang="en-GB" b="1" dirty="0"/>
-              <a:t>descent</a:t>
-            </a:r>
-            <a:r>
-              <a:rPr lang="en-GB" dirty="0"/>
-              <a:t>?</a:t>
-            </a:r>
-          </a:p>
-          <a:p>
-            <a:pPr marL="514350" indent="-514350">
-              <a:buFont typeface="+mj-lt"/>
-              <a:buAutoNum type="arabicPeriod" startAt="9"/>
-            </a:pPr>
-            <a:r>
-              <a:rPr lang="en-GB" dirty="0"/>
-              <a:t>How to implement </a:t>
-            </a:r>
-            <a:r>
-              <a:rPr lang="en-GB" b="1" dirty="0"/>
-              <a:t>backprop</a:t>
-            </a:r>
-            <a:r>
-              <a:rPr lang="en-GB" dirty="0"/>
-              <a:t> in </a:t>
-            </a:r>
-            <a:r>
-              <a:rPr lang="en-GB" dirty="0" err="1"/>
-              <a:t>PyTorch</a:t>
-            </a:r>
-            <a:r>
-              <a:rPr lang="en-GB" dirty="0"/>
-              <a:t> for our </a:t>
-            </a:r>
-            <a:r>
-              <a:rPr lang="en-GB" b="1" dirty="0"/>
-              <a:t>shallow</a:t>
-            </a:r>
-            <a:r>
-              <a:rPr lang="en-GB" dirty="0"/>
-              <a:t> </a:t>
-            </a:r>
-            <a:r>
-              <a:rPr lang="en-GB" b="1" dirty="0"/>
-              <a:t>Neural</a:t>
-            </a:r>
-            <a:r>
-              <a:rPr lang="en-GB" dirty="0"/>
-              <a:t> </a:t>
-            </a:r>
-            <a:r>
-              <a:rPr lang="en-GB" b="1" dirty="0"/>
-              <a:t>Network</a:t>
-            </a:r>
-            <a:r>
-              <a:rPr lang="en-GB" dirty="0"/>
-              <a:t> class?</a:t>
-            </a:r>
-          </a:p>
-          <a:p>
-            <a:pPr marL="514350" indent="-514350">
-              <a:buFont typeface="+mj-lt"/>
-              <a:buAutoNum type="arabicPeriod" startAt="9"/>
-            </a:pPr>
-            <a:r>
-              <a:rPr lang="en-GB" dirty="0"/>
-              <a:t>How to use </a:t>
-            </a:r>
-            <a:r>
-              <a:rPr lang="en-GB" b="1" dirty="0" err="1"/>
-              <a:t>PyTorch</a:t>
-            </a:r>
-            <a:r>
-              <a:rPr lang="en-GB" dirty="0"/>
-              <a:t> to implement </a:t>
-            </a:r>
-            <a:r>
-              <a:rPr lang="en-GB" b="1" dirty="0"/>
-              <a:t>advanced</a:t>
-            </a:r>
-            <a:r>
-              <a:rPr lang="en-GB" dirty="0"/>
-              <a:t> </a:t>
-            </a:r>
-            <a:r>
-              <a:rPr lang="en-GB" b="1" dirty="0"/>
-              <a:t>optimizers</a:t>
-            </a:r>
-            <a:r>
-              <a:rPr lang="en-GB" dirty="0"/>
-              <a:t>?</a:t>
-            </a:r>
-          </a:p>
-          <a:p>
-            <a:pPr marL="514350" indent="-514350">
-              <a:buFont typeface="+mj-lt"/>
-              <a:buAutoNum type="arabicPeriod" startAt="9"/>
-            </a:pPr>
-            <a:r>
-              <a:rPr lang="en-GB" dirty="0"/>
-              <a:t>How to use </a:t>
-            </a:r>
-            <a:r>
-              <a:rPr lang="en-GB" b="1" dirty="0" err="1"/>
-              <a:t>PyTorch</a:t>
-            </a:r>
-            <a:r>
-              <a:rPr lang="en-GB" dirty="0"/>
-              <a:t> to implement </a:t>
-            </a:r>
-            <a:r>
-              <a:rPr lang="en-GB" b="1" dirty="0"/>
-              <a:t>advanced</a:t>
-            </a:r>
-            <a:r>
-              <a:rPr lang="en-GB" dirty="0"/>
-              <a:t> </a:t>
-            </a:r>
-            <a:r>
-              <a:rPr lang="en-GB" b="1" dirty="0"/>
-              <a:t>initializers</a:t>
-            </a:r>
-            <a:r>
-              <a:rPr lang="en-GB" dirty="0"/>
-              <a:t>?</a:t>
-            </a:r>
-          </a:p>
-          <a:p>
-            <a:pPr marL="514350" indent="-514350">
-              <a:buFont typeface="+mj-lt"/>
-              <a:buAutoNum type="arabicPeriod" startAt="9"/>
-            </a:pPr>
-            <a:r>
-              <a:rPr lang="en-GB" dirty="0"/>
-              <a:t>How to use </a:t>
-            </a:r>
-            <a:r>
-              <a:rPr lang="en-GB" b="1" dirty="0" err="1"/>
-              <a:t>PyTorch</a:t>
-            </a:r>
-            <a:r>
-              <a:rPr lang="en-GB" dirty="0"/>
-              <a:t> to implement </a:t>
-            </a:r>
-            <a:r>
-              <a:rPr lang="en-GB" b="1" dirty="0"/>
-              <a:t>regularization</a:t>
-            </a:r>
-            <a:r>
-              <a:rPr lang="en-GB" dirty="0"/>
-              <a:t>?</a:t>
-            </a:r>
-          </a:p>
-          <a:p>
-            <a:pPr marL="514350" indent="-514350">
-              <a:buFont typeface="+mj-lt"/>
-              <a:buAutoNum type="arabicPeriod" startAt="9"/>
-            </a:pPr>
-            <a:r>
-              <a:rPr lang="en-GB" dirty="0"/>
-              <a:t>How to finally revise our </a:t>
-            </a:r>
-            <a:r>
-              <a:rPr lang="en-GB" b="1" dirty="0"/>
-              <a:t>trainer</a:t>
-            </a:r>
-            <a:r>
-              <a:rPr lang="en-GB" dirty="0"/>
-              <a:t> function to obtain a minimal, yet complete Neural Network in </a:t>
-            </a:r>
-            <a:r>
-              <a:rPr lang="en-GB" dirty="0" err="1"/>
-              <a:t>PyTorch</a:t>
-            </a:r>
-            <a:r>
-              <a:rPr lang="en-GB" dirty="0"/>
-              <a:t>?</a:t>
-            </a:r>
-          </a:p>
-          <a:p>
-            <a:pPr marL="514350" indent="-514350">
-              <a:buFont typeface="+mj-lt"/>
-              <a:buAutoNum type="arabicPeriod" startAt="9"/>
-            </a:pPr>
-            <a:endParaRPr lang="en-SG" dirty="0"/>
-          </a:p>
-        </p:txBody>
-      </p:sp>
-    </p:spTree>
-    <p:extLst>
-      <p:ext uri="{BB962C8B-B14F-4D97-AF65-F5344CB8AC3E}">
-        <p14:creationId xmlns:p14="http://schemas.microsoft.com/office/powerpoint/2010/main" val="1198396189"/>
-      </p:ext>
-    </p:extLst>
-  </p:cSld>
-  <p:clrMapOvr>
-    <a:masterClrMapping/>
-  </p:clrMapOvr>
-</p:sld>
-</file>
-
 <file path=ppt/slides/slide55.xml><?xml version="1.0" encoding="utf-8"?>
 <p:sld xmlns:a="http://schemas.openxmlformats.org/drawingml/2006/main" xmlns:r="http://schemas.openxmlformats.org/officeDocument/2006/relationships" xmlns:p="http://schemas.openxmlformats.org/presentationml/2006/main">
   <p:cSld>
@@ -26432,6 +26080,792 @@
           <a:p>
             <a:pPr marL="514350" indent="-514350">
               <a:buFont typeface="+mj-lt"/>
+              <a:buAutoNum type="arabicPeriod"/>
+            </a:pPr>
+            <a:r>
+              <a:rPr lang="en-GB" dirty="0"/>
+              <a:t>What is the </a:t>
+            </a:r>
+            <a:r>
+              <a:rPr lang="en-GB" b="1" dirty="0" err="1"/>
+              <a:t>PyTorch</a:t>
+            </a:r>
+            <a:r>
+              <a:rPr lang="en-GB" dirty="0"/>
+              <a:t> </a:t>
+            </a:r>
+            <a:r>
+              <a:rPr lang="en-GB" b="1" dirty="0"/>
+              <a:t>library</a:t>
+            </a:r>
+            <a:r>
+              <a:rPr lang="en-GB" dirty="0"/>
+              <a:t> and its </a:t>
+            </a:r>
+            <a:r>
+              <a:rPr lang="en-GB" b="1" dirty="0"/>
+              <a:t>benefits</a:t>
+            </a:r>
+            <a:r>
+              <a:rPr lang="en-GB" dirty="0"/>
+              <a:t>?</a:t>
+            </a:r>
+          </a:p>
+          <a:p>
+            <a:pPr marL="514350" indent="-514350">
+              <a:buFont typeface="+mj-lt"/>
+              <a:buAutoNum type="arabicPeriod"/>
+            </a:pPr>
+            <a:r>
+              <a:rPr lang="en-GB" dirty="0"/>
+              <a:t>What is a </a:t>
+            </a:r>
+            <a:r>
+              <a:rPr lang="en-GB" b="1" dirty="0" err="1"/>
+              <a:t>PyTorch</a:t>
+            </a:r>
+            <a:r>
+              <a:rPr lang="en-GB" dirty="0"/>
+              <a:t> </a:t>
+            </a:r>
+            <a:r>
+              <a:rPr lang="en-GB" b="1" dirty="0"/>
+              <a:t>tensor</a:t>
+            </a:r>
+            <a:r>
+              <a:rPr lang="en-GB" dirty="0"/>
+              <a:t> </a:t>
+            </a:r>
+            <a:r>
+              <a:rPr lang="en-GB" b="1" dirty="0"/>
+              <a:t>object</a:t>
+            </a:r>
+            <a:r>
+              <a:rPr lang="en-GB" dirty="0"/>
+              <a:t> and its typical </a:t>
+            </a:r>
+            <a:r>
+              <a:rPr lang="en-GB" b="1" dirty="0"/>
+              <a:t>attributes</a:t>
+            </a:r>
+            <a:r>
+              <a:rPr lang="en-GB" dirty="0"/>
+              <a:t>?</a:t>
+            </a:r>
+          </a:p>
+          <a:p>
+            <a:pPr marL="514350" indent="-514350">
+              <a:buFont typeface="+mj-lt"/>
+              <a:buAutoNum type="arabicPeriod"/>
+            </a:pPr>
+            <a:r>
+              <a:rPr lang="en-GB" dirty="0"/>
+              <a:t>How to implement some typical </a:t>
+            </a:r>
+            <a:r>
+              <a:rPr lang="en-GB" b="1" dirty="0"/>
+              <a:t>tensor</a:t>
+            </a:r>
+            <a:r>
+              <a:rPr lang="en-GB" dirty="0"/>
+              <a:t> </a:t>
+            </a:r>
+            <a:r>
+              <a:rPr lang="en-GB" b="1" dirty="0"/>
+              <a:t>operations</a:t>
+            </a:r>
+            <a:r>
+              <a:rPr lang="en-GB" dirty="0"/>
+              <a:t>?</a:t>
+            </a:r>
+          </a:p>
+          <a:p>
+            <a:pPr marL="514350" indent="-514350">
+              <a:buFont typeface="+mj-lt"/>
+              <a:buAutoNum type="arabicPeriod"/>
+            </a:pPr>
+            <a:r>
+              <a:rPr lang="en-GB" dirty="0"/>
+              <a:t>What is </a:t>
+            </a:r>
+            <a:r>
+              <a:rPr lang="en-GB" b="1" dirty="0"/>
+              <a:t>broadcasting</a:t>
+            </a:r>
+            <a:r>
+              <a:rPr lang="en-GB" dirty="0"/>
+              <a:t> on tensors?</a:t>
+            </a:r>
+          </a:p>
+          <a:p>
+            <a:pPr marL="514350" indent="-514350">
+              <a:buFont typeface="+mj-lt"/>
+              <a:buAutoNum type="arabicPeriod"/>
+            </a:pPr>
+            <a:r>
+              <a:rPr lang="en-GB" dirty="0"/>
+              <a:t>What are </a:t>
+            </a:r>
+            <a:r>
+              <a:rPr lang="en-GB" b="1" dirty="0"/>
+              <a:t>tensor</a:t>
+            </a:r>
+            <a:r>
+              <a:rPr lang="en-GB" dirty="0"/>
+              <a:t> </a:t>
+            </a:r>
+            <a:r>
+              <a:rPr lang="en-GB" b="1" dirty="0"/>
+              <a:t>locations</a:t>
+            </a:r>
+            <a:r>
+              <a:rPr lang="en-GB" dirty="0"/>
+              <a:t> in terms of computation?</a:t>
+            </a:r>
+          </a:p>
+          <a:p>
+            <a:pPr marL="514350" indent="-514350">
+              <a:buFont typeface="+mj-lt"/>
+              <a:buAutoNum type="arabicPeriod"/>
+            </a:pPr>
+            <a:r>
+              <a:rPr lang="en-GB" dirty="0"/>
+              <a:t>How to </a:t>
+            </a:r>
+            <a:r>
+              <a:rPr lang="en-GB" b="1" dirty="0"/>
+              <a:t>transform</a:t>
+            </a:r>
+            <a:r>
+              <a:rPr lang="en-GB" dirty="0"/>
+              <a:t> </a:t>
+            </a:r>
+            <a:r>
+              <a:rPr lang="en-GB" b="1" dirty="0"/>
+              <a:t>our</a:t>
+            </a:r>
+            <a:r>
+              <a:rPr lang="en-GB" dirty="0"/>
+              <a:t> </a:t>
+            </a:r>
+            <a:r>
+              <a:rPr lang="en-GB" b="1" dirty="0"/>
+              <a:t>original</a:t>
+            </a:r>
+            <a:r>
+              <a:rPr lang="en-GB" dirty="0"/>
+              <a:t> </a:t>
+            </a:r>
+            <a:r>
+              <a:rPr lang="en-GB" b="1" dirty="0"/>
+              <a:t>NumPy</a:t>
+            </a:r>
+            <a:r>
+              <a:rPr lang="en-GB" dirty="0"/>
+              <a:t> </a:t>
+            </a:r>
+            <a:r>
+              <a:rPr lang="en-GB" b="1" dirty="0"/>
+              <a:t>shallow</a:t>
+            </a:r>
+            <a:r>
+              <a:rPr lang="en-GB" dirty="0"/>
+              <a:t> </a:t>
+            </a:r>
+            <a:r>
+              <a:rPr lang="en-GB" b="1" dirty="0"/>
+              <a:t>Neural</a:t>
+            </a:r>
+            <a:r>
+              <a:rPr lang="en-GB" dirty="0"/>
+              <a:t> </a:t>
+            </a:r>
+            <a:r>
+              <a:rPr lang="en-GB" b="1" dirty="0"/>
+              <a:t>Network</a:t>
+            </a:r>
+            <a:r>
+              <a:rPr lang="en-GB" dirty="0"/>
+              <a:t> class so it uses </a:t>
+            </a:r>
+            <a:r>
+              <a:rPr lang="en-GB" b="1" dirty="0" err="1"/>
+              <a:t>PyTorch</a:t>
+            </a:r>
+            <a:r>
+              <a:rPr lang="en-GB" dirty="0"/>
+              <a:t> now instead?</a:t>
+            </a:r>
+          </a:p>
+          <a:p>
+            <a:pPr marL="514350" indent="-514350">
+              <a:buFont typeface="+mj-lt"/>
+              <a:buAutoNum type="arabicPeriod"/>
+            </a:pPr>
+            <a:r>
+              <a:rPr lang="en-GB" dirty="0"/>
+              <a:t>How to implement a </a:t>
+            </a:r>
+            <a:r>
+              <a:rPr lang="en-GB" b="1" dirty="0"/>
+              <a:t>forward</a:t>
+            </a:r>
+            <a:r>
+              <a:rPr lang="en-GB" dirty="0"/>
+              <a:t>, </a:t>
+            </a:r>
+            <a:r>
+              <a:rPr lang="en-GB" b="1" dirty="0"/>
+              <a:t>loss</a:t>
+            </a:r>
+            <a:r>
+              <a:rPr lang="en-GB" dirty="0"/>
+              <a:t> and </a:t>
+            </a:r>
+            <a:r>
+              <a:rPr lang="en-GB" b="1" dirty="0"/>
+              <a:t>accuracy</a:t>
+            </a:r>
+            <a:r>
+              <a:rPr lang="en-GB" dirty="0"/>
+              <a:t> metric in </a:t>
+            </a:r>
+            <a:r>
+              <a:rPr lang="en-GB" dirty="0" err="1"/>
+              <a:t>PyTorch</a:t>
+            </a:r>
+            <a:r>
+              <a:rPr lang="en-GB" dirty="0"/>
+              <a:t>?</a:t>
+            </a:r>
+          </a:p>
+          <a:p>
+            <a:pPr marL="514350" indent="-514350">
+              <a:buFont typeface="+mj-lt"/>
+              <a:buAutoNum type="arabicPeriod"/>
+            </a:pPr>
+            <a:r>
+              <a:rPr lang="en-GB" dirty="0"/>
+              <a:t>What are some measurable </a:t>
+            </a:r>
+            <a:r>
+              <a:rPr lang="en-GB" b="1" dirty="0"/>
+              <a:t>performance</a:t>
+            </a:r>
+            <a:r>
+              <a:rPr lang="en-GB" dirty="0"/>
+              <a:t> </a:t>
+            </a:r>
+            <a:r>
+              <a:rPr lang="en-GB" b="1" dirty="0"/>
+              <a:t>benefits</a:t>
+            </a:r>
+            <a:r>
+              <a:rPr lang="en-GB" dirty="0"/>
+              <a:t> of using </a:t>
+            </a:r>
+            <a:r>
+              <a:rPr lang="en-GB" b="1" dirty="0" err="1"/>
+              <a:t>PyTorch</a:t>
+            </a:r>
+            <a:r>
+              <a:rPr lang="en-GB" dirty="0"/>
+              <a:t> over NumPy and </a:t>
+            </a:r>
+            <a:r>
+              <a:rPr lang="en-GB" b="1" dirty="0"/>
+              <a:t>GPUs</a:t>
+            </a:r>
+            <a:r>
+              <a:rPr lang="en-GB" dirty="0"/>
+              <a:t> over CPUs?</a:t>
+            </a:r>
+          </a:p>
+          <a:p>
+            <a:pPr marL="514350" indent="-514350">
+              <a:buFont typeface="+mj-lt"/>
+              <a:buAutoNum type="arabicPeriod"/>
+            </a:pPr>
+            <a:endParaRPr lang="en-SG" dirty="0"/>
+          </a:p>
+        </p:txBody>
+      </p:sp>
+    </p:spTree>
+    <p:extLst>
+      <p:ext uri="{BB962C8B-B14F-4D97-AF65-F5344CB8AC3E}">
+        <p14:creationId xmlns:p14="http://schemas.microsoft.com/office/powerpoint/2010/main" val="2532925431"/>
+      </p:ext>
+    </p:extLst>
+  </p:cSld>
+  <p:clrMapOvr>
+    <a:masterClrMapping/>
+  </p:clrMapOvr>
+</p:sld>
+</file>
+
+<file path=ppt/slides/slide56.xml><?xml version="1.0" encoding="utf-8"?>
+<p:sld xmlns:a="http://schemas.openxmlformats.org/drawingml/2006/main" xmlns:r="http://schemas.openxmlformats.org/officeDocument/2006/relationships" xmlns:p="http://schemas.openxmlformats.org/presentationml/2006/main">
+  <p:cSld>
+    <p:spTree>
+      <p:nvGrpSpPr>
+        <p:cNvPr id="1" name=""/>
+        <p:cNvGrpSpPr/>
+        <p:nvPr/>
+      </p:nvGrpSpPr>
+      <p:grpSpPr>
+        <a:xfrm>
+          <a:off x="0" y="0"/>
+          <a:ext cx="0" cy="0"/>
+          <a:chOff x="0" y="0"/>
+          <a:chExt cx="0" cy="0"/>
+        </a:xfrm>
+      </p:grpSpPr>
+      <p:sp>
+        <p:nvSpPr>
+          <p:cNvPr id="2" name="Title 1">
+            <a:extLst>
+              <a:ext uri="{FF2B5EF4-FFF2-40B4-BE49-F238E27FC236}">
+                <a16:creationId xmlns:a16="http://schemas.microsoft.com/office/drawing/2014/main" id="{3F88AB3E-DF60-4411-7415-7A8708334829}"/>
+              </a:ext>
+            </a:extLst>
+          </p:cNvPr>
+          <p:cNvSpPr>
+            <a:spLocks noGrp="1"/>
+          </p:cNvSpPr>
+          <p:nvPr>
+            <p:ph type="title"/>
+          </p:nvPr>
+        </p:nvSpPr>
+        <p:spPr/>
+        <p:txBody>
+          <a:bodyPr/>
+          <a:lstStyle/>
+          <a:p>
+            <a:r>
+              <a:rPr lang="en-GB" dirty="0"/>
+              <a:t>Introduction (Week 3)</a:t>
+            </a:r>
+            <a:endParaRPr lang="en-SG" dirty="0"/>
+          </a:p>
+        </p:txBody>
+      </p:sp>
+      <p:sp>
+        <p:nvSpPr>
+          <p:cNvPr id="3" name="Content Placeholder 2">
+            <a:extLst>
+              <a:ext uri="{FF2B5EF4-FFF2-40B4-BE49-F238E27FC236}">
+                <a16:creationId xmlns:a16="http://schemas.microsoft.com/office/drawing/2014/main" id="{65B58308-C101-BC04-E972-00C74DE5080B}"/>
+              </a:ext>
+            </a:extLst>
+          </p:cNvPr>
+          <p:cNvSpPr>
+            <a:spLocks noGrp="1"/>
+          </p:cNvSpPr>
+          <p:nvPr>
+            <p:ph idx="1"/>
+          </p:nvPr>
+        </p:nvSpPr>
+        <p:spPr>
+          <a:xfrm>
+            <a:off x="838200" y="1825624"/>
+            <a:ext cx="10515600" cy="5032375"/>
+          </a:xfrm>
+        </p:spPr>
+        <p:txBody>
+          <a:bodyPr>
+            <a:normAutofit lnSpcReduction="10000"/>
+          </a:bodyPr>
+          <a:lstStyle/>
+          <a:p>
+            <a:pPr marL="514350" indent="-514350">
+              <a:buFont typeface="+mj-lt"/>
+              <a:buAutoNum type="arabicPeriod" startAt="9"/>
+            </a:pPr>
+            <a:r>
+              <a:rPr lang="en-GB" dirty="0"/>
+              <a:t>What is the </a:t>
+            </a:r>
+            <a:r>
+              <a:rPr lang="en-GB" b="1" dirty="0" err="1"/>
+              <a:t>autograd</a:t>
+            </a:r>
+            <a:r>
+              <a:rPr lang="en-GB" dirty="0"/>
+              <a:t>/</a:t>
+            </a:r>
+            <a:r>
+              <a:rPr lang="en-GB" b="1" dirty="0"/>
+              <a:t>backprop</a:t>
+            </a:r>
+            <a:r>
+              <a:rPr lang="en-GB" dirty="0"/>
+              <a:t> module in </a:t>
+            </a:r>
+            <a:r>
+              <a:rPr lang="en-GB" dirty="0" err="1"/>
+              <a:t>PyTorch</a:t>
+            </a:r>
+            <a:r>
+              <a:rPr lang="en-GB" dirty="0"/>
+              <a:t>, and how does it use a </a:t>
+            </a:r>
+            <a:r>
+              <a:rPr lang="en-GB" b="1" dirty="0"/>
+              <a:t>computational</a:t>
+            </a:r>
+            <a:r>
+              <a:rPr lang="en-GB" dirty="0"/>
+              <a:t> </a:t>
+            </a:r>
+            <a:r>
+              <a:rPr lang="en-GB" b="1" dirty="0"/>
+              <a:t>graph</a:t>
+            </a:r>
+            <a:r>
+              <a:rPr lang="en-GB" dirty="0"/>
+              <a:t> to </a:t>
+            </a:r>
+            <a:r>
+              <a:rPr lang="en-GB" b="1" dirty="0"/>
+              <a:t>compute</a:t>
+            </a:r>
+            <a:r>
+              <a:rPr lang="en-GB" dirty="0"/>
+              <a:t> </a:t>
+            </a:r>
+            <a:r>
+              <a:rPr lang="en-GB" b="1" dirty="0"/>
+              <a:t>all</a:t>
+            </a:r>
+            <a:r>
+              <a:rPr lang="en-GB" dirty="0"/>
+              <a:t> </a:t>
+            </a:r>
+            <a:r>
+              <a:rPr lang="en-GB" b="1" dirty="0"/>
+              <a:t>derivatives</a:t>
+            </a:r>
+            <a:r>
+              <a:rPr lang="en-GB" dirty="0"/>
+              <a:t>? </a:t>
+            </a:r>
+          </a:p>
+          <a:p>
+            <a:pPr marL="514350" indent="-514350">
+              <a:buFont typeface="+mj-lt"/>
+              <a:buAutoNum type="arabicPeriod" startAt="9"/>
+            </a:pPr>
+            <a:r>
+              <a:rPr lang="en-GB" dirty="0"/>
+              <a:t>How to use the </a:t>
+            </a:r>
+            <a:r>
+              <a:rPr lang="en-GB" b="1" dirty="0" err="1"/>
+              <a:t>autograd</a:t>
+            </a:r>
+            <a:r>
+              <a:rPr lang="en-GB" dirty="0"/>
+              <a:t> to implement </a:t>
+            </a:r>
+            <a:r>
+              <a:rPr lang="en-GB" b="1" dirty="0"/>
+              <a:t>derivatives</a:t>
+            </a:r>
+            <a:r>
+              <a:rPr lang="en-GB" dirty="0"/>
+              <a:t> and a </a:t>
+            </a:r>
+            <a:r>
+              <a:rPr lang="en-GB" b="1" dirty="0"/>
+              <a:t>vanilla</a:t>
+            </a:r>
+            <a:r>
+              <a:rPr lang="en-GB" dirty="0"/>
+              <a:t> </a:t>
+            </a:r>
+            <a:r>
+              <a:rPr lang="en-GB" b="1" dirty="0"/>
+              <a:t>gradient</a:t>
+            </a:r>
+            <a:r>
+              <a:rPr lang="en-GB" dirty="0"/>
+              <a:t> </a:t>
+            </a:r>
+            <a:r>
+              <a:rPr lang="en-GB" b="1" dirty="0"/>
+              <a:t>descent</a:t>
+            </a:r>
+            <a:r>
+              <a:rPr lang="en-GB" dirty="0"/>
+              <a:t>?</a:t>
+            </a:r>
+          </a:p>
+          <a:p>
+            <a:pPr marL="514350" indent="-514350">
+              <a:buFont typeface="+mj-lt"/>
+              <a:buAutoNum type="arabicPeriod" startAt="9"/>
+            </a:pPr>
+            <a:r>
+              <a:rPr lang="en-GB" dirty="0"/>
+              <a:t>How to implement </a:t>
+            </a:r>
+            <a:r>
+              <a:rPr lang="en-GB" b="1" dirty="0"/>
+              <a:t>backprop</a:t>
+            </a:r>
+            <a:r>
+              <a:rPr lang="en-GB" dirty="0"/>
+              <a:t> in </a:t>
+            </a:r>
+            <a:r>
+              <a:rPr lang="en-GB" dirty="0" err="1"/>
+              <a:t>PyTorch</a:t>
+            </a:r>
+            <a:r>
+              <a:rPr lang="en-GB" dirty="0"/>
+              <a:t> for our </a:t>
+            </a:r>
+            <a:r>
+              <a:rPr lang="en-GB" b="1" dirty="0"/>
+              <a:t>shallow</a:t>
+            </a:r>
+            <a:r>
+              <a:rPr lang="en-GB" dirty="0"/>
+              <a:t> </a:t>
+            </a:r>
+            <a:r>
+              <a:rPr lang="en-GB" b="1" dirty="0"/>
+              <a:t>Neural</a:t>
+            </a:r>
+            <a:r>
+              <a:rPr lang="en-GB" dirty="0"/>
+              <a:t> </a:t>
+            </a:r>
+            <a:r>
+              <a:rPr lang="en-GB" b="1" dirty="0"/>
+              <a:t>Network</a:t>
+            </a:r>
+            <a:r>
+              <a:rPr lang="en-GB" dirty="0"/>
+              <a:t> class?</a:t>
+            </a:r>
+          </a:p>
+          <a:p>
+            <a:pPr marL="514350" indent="-514350">
+              <a:buFont typeface="+mj-lt"/>
+              <a:buAutoNum type="arabicPeriod" startAt="9"/>
+            </a:pPr>
+            <a:r>
+              <a:rPr lang="en-GB" dirty="0"/>
+              <a:t>How to use </a:t>
+            </a:r>
+            <a:r>
+              <a:rPr lang="en-GB" b="1" dirty="0" err="1"/>
+              <a:t>PyTorch</a:t>
+            </a:r>
+            <a:r>
+              <a:rPr lang="en-GB" dirty="0"/>
+              <a:t> to implement </a:t>
+            </a:r>
+            <a:r>
+              <a:rPr lang="en-GB" b="1" dirty="0"/>
+              <a:t>advanced</a:t>
+            </a:r>
+            <a:r>
+              <a:rPr lang="en-GB" dirty="0"/>
+              <a:t> </a:t>
+            </a:r>
+            <a:r>
+              <a:rPr lang="en-GB" b="1" dirty="0"/>
+              <a:t>optimizers</a:t>
+            </a:r>
+            <a:r>
+              <a:rPr lang="en-GB" dirty="0"/>
+              <a:t>?</a:t>
+            </a:r>
+          </a:p>
+          <a:p>
+            <a:pPr marL="514350" indent="-514350">
+              <a:buFont typeface="+mj-lt"/>
+              <a:buAutoNum type="arabicPeriod" startAt="9"/>
+            </a:pPr>
+            <a:r>
+              <a:rPr lang="en-GB" dirty="0"/>
+              <a:t>How to use </a:t>
+            </a:r>
+            <a:r>
+              <a:rPr lang="en-GB" b="1" dirty="0" err="1"/>
+              <a:t>PyTorch</a:t>
+            </a:r>
+            <a:r>
+              <a:rPr lang="en-GB" dirty="0"/>
+              <a:t> to implement </a:t>
+            </a:r>
+            <a:r>
+              <a:rPr lang="en-GB" b="1" dirty="0"/>
+              <a:t>advanced</a:t>
+            </a:r>
+            <a:r>
+              <a:rPr lang="en-GB" dirty="0"/>
+              <a:t> </a:t>
+            </a:r>
+            <a:r>
+              <a:rPr lang="en-GB" b="1" dirty="0"/>
+              <a:t>initializers</a:t>
+            </a:r>
+            <a:r>
+              <a:rPr lang="en-GB" dirty="0"/>
+              <a:t>?</a:t>
+            </a:r>
+          </a:p>
+          <a:p>
+            <a:pPr marL="514350" indent="-514350">
+              <a:buFont typeface="+mj-lt"/>
+              <a:buAutoNum type="arabicPeriod" startAt="9"/>
+            </a:pPr>
+            <a:r>
+              <a:rPr lang="en-GB" dirty="0"/>
+              <a:t>How to use </a:t>
+            </a:r>
+            <a:r>
+              <a:rPr lang="en-GB" b="1" dirty="0" err="1"/>
+              <a:t>PyTorch</a:t>
+            </a:r>
+            <a:r>
+              <a:rPr lang="en-GB" dirty="0"/>
+              <a:t> to implement </a:t>
+            </a:r>
+            <a:r>
+              <a:rPr lang="en-GB" b="1" dirty="0"/>
+              <a:t>regularization</a:t>
+            </a:r>
+            <a:r>
+              <a:rPr lang="en-GB" dirty="0"/>
+              <a:t>?</a:t>
+            </a:r>
+          </a:p>
+          <a:p>
+            <a:pPr marL="514350" indent="-514350">
+              <a:buFont typeface="+mj-lt"/>
+              <a:buAutoNum type="arabicPeriod" startAt="9"/>
+            </a:pPr>
+            <a:r>
+              <a:rPr lang="en-GB" dirty="0"/>
+              <a:t>How to finally revise our </a:t>
+            </a:r>
+            <a:r>
+              <a:rPr lang="en-GB" b="1" dirty="0"/>
+              <a:t>trainer</a:t>
+            </a:r>
+            <a:r>
+              <a:rPr lang="en-GB" dirty="0"/>
+              <a:t> function to obtain a minimal, yet complete Neural Network in </a:t>
+            </a:r>
+            <a:r>
+              <a:rPr lang="en-GB" dirty="0" err="1"/>
+              <a:t>PyTorch</a:t>
+            </a:r>
+            <a:r>
+              <a:rPr lang="en-GB" dirty="0"/>
+              <a:t>?</a:t>
+            </a:r>
+          </a:p>
+          <a:p>
+            <a:pPr marL="514350" indent="-514350">
+              <a:buFont typeface="+mj-lt"/>
+              <a:buAutoNum type="arabicPeriod" startAt="9"/>
+            </a:pPr>
+            <a:endParaRPr lang="en-SG" dirty="0"/>
+          </a:p>
+        </p:txBody>
+      </p:sp>
+    </p:spTree>
+    <p:extLst>
+      <p:ext uri="{BB962C8B-B14F-4D97-AF65-F5344CB8AC3E}">
+        <p14:creationId xmlns:p14="http://schemas.microsoft.com/office/powerpoint/2010/main" val="1198396189"/>
+      </p:ext>
+    </p:extLst>
+  </p:cSld>
+  <p:clrMapOvr>
+    <a:masterClrMapping/>
+  </p:clrMapOvr>
+</p:sld>
+</file>
+
+<file path=ppt/slides/slide57.xml><?xml version="1.0" encoding="utf-8"?>
+<p:sld xmlns:a="http://schemas.openxmlformats.org/drawingml/2006/main" xmlns:r="http://schemas.openxmlformats.org/officeDocument/2006/relationships" xmlns:p="http://schemas.openxmlformats.org/presentationml/2006/main">
+  <p:cSld>
+    <p:spTree>
+      <p:nvGrpSpPr>
+        <p:cNvPr id="1" name=""/>
+        <p:cNvGrpSpPr/>
+        <p:nvPr/>
+      </p:nvGrpSpPr>
+      <p:grpSpPr>
+        <a:xfrm>
+          <a:off x="0" y="0"/>
+          <a:ext cx="0" cy="0"/>
+          <a:chOff x="0" y="0"/>
+          <a:chExt cx="0" cy="0"/>
+        </a:xfrm>
+      </p:grpSpPr>
+      <p:sp>
+        <p:nvSpPr>
+          <p:cNvPr id="2" name="Title 1">
+            <a:extLst>
+              <a:ext uri="{FF2B5EF4-FFF2-40B4-BE49-F238E27FC236}">
+                <a16:creationId xmlns:a16="http://schemas.microsoft.com/office/drawing/2014/main" id="{3F88AB3E-DF60-4411-7415-7A8708334829}"/>
+              </a:ext>
+            </a:extLst>
+          </p:cNvPr>
+          <p:cNvSpPr>
+            <a:spLocks noGrp="1"/>
+          </p:cNvSpPr>
+          <p:nvPr>
+            <p:ph type="title"/>
+          </p:nvPr>
+        </p:nvSpPr>
+        <p:spPr/>
+        <p:txBody>
+          <a:bodyPr/>
+          <a:lstStyle/>
+          <a:p>
+            <a:r>
+              <a:rPr lang="en-GB" dirty="0"/>
+              <a:t>Introduction (Week 3)</a:t>
+            </a:r>
+            <a:endParaRPr lang="en-SG" dirty="0"/>
+          </a:p>
+        </p:txBody>
+      </p:sp>
+      <p:sp>
+        <p:nvSpPr>
+          <p:cNvPr id="3" name="Content Placeholder 2">
+            <a:extLst>
+              <a:ext uri="{FF2B5EF4-FFF2-40B4-BE49-F238E27FC236}">
+                <a16:creationId xmlns:a16="http://schemas.microsoft.com/office/drawing/2014/main" id="{65B58308-C101-BC04-E972-00C74DE5080B}"/>
+              </a:ext>
+            </a:extLst>
+          </p:cNvPr>
+          <p:cNvSpPr>
+            <a:spLocks noGrp="1"/>
+          </p:cNvSpPr>
+          <p:nvPr>
+            <p:ph idx="1"/>
+          </p:nvPr>
+        </p:nvSpPr>
+        <p:spPr>
+          <a:xfrm>
+            <a:off x="838200" y="1825624"/>
+            <a:ext cx="10515600" cy="5032375"/>
+          </a:xfrm>
+        </p:spPr>
+        <p:txBody>
+          <a:bodyPr/>
+          <a:lstStyle/>
+          <a:p>
+            <a:pPr marL="514350" indent="-514350">
+              <a:buFont typeface="+mj-lt"/>
               <a:buAutoNum type="arabicPeriod" startAt="16"/>
             </a:pPr>
             <a:r>
@@ -26708,7 +27142,7 @@
 </p:sld>
 </file>
 
-<file path=ppt/slides/slide56.xml><?xml version="1.0" encoding="utf-8"?>
+<file path=ppt/slides/slide58.xml><?xml version="1.0" encoding="utf-8"?>
 <p:sld xmlns:a="http://schemas.openxmlformats.org/drawingml/2006/main" xmlns:r="http://schemas.openxmlformats.org/officeDocument/2006/relationships" xmlns:p="http://schemas.openxmlformats.org/presentationml/2006/main">
   <p:cSld>
     <p:spTree>
@@ -26982,7 +27416,7 @@
 </p:sld>
 </file>
 
-<file path=ppt/slides/slide57.xml><?xml version="1.0" encoding="utf-8"?>
+<file path=ppt/slides/slide59.xml><?xml version="1.0" encoding="utf-8"?>
 <p:sld xmlns:a="http://schemas.openxmlformats.org/drawingml/2006/main" xmlns:r="http://schemas.openxmlformats.org/officeDocument/2006/relationships" xmlns:p="http://schemas.openxmlformats.org/presentationml/2006/main">
   <p:cSld>
     <p:spTree>
@@ -27258,6 +27692,9 @@
             <a:endParaRPr lang="en-GB" dirty="0"/>
           </a:p>
           <a:p>
+            <a:pPr marL="0" indent="0">
+              <a:buNone/>
+            </a:pPr>
             <a:r>
               <a:rPr lang="en-GB" dirty="0"/>
               <a:t>For more details on the available </a:t>

--- a/W3/3. W3S3 final/W3S3.pptx
+++ b/W3/3. W3S3 final/W3S3.pptx
@@ -41,7 +41,7 @@
     <p:sldId id="803" r:id="rId32"/>
     <p:sldId id="806" r:id="rId33"/>
     <p:sldId id="807" r:id="rId34"/>
-    <p:sldId id="808" r:id="rId35"/>
+    <p:sldId id="833" r:id="rId35"/>
     <p:sldId id="809" r:id="rId36"/>
     <p:sldId id="810" r:id="rId37"/>
     <p:sldId id="811" r:id="rId38"/>
@@ -227,7 +227,7 @@
             <p14:sldId id="803"/>
             <p14:sldId id="806"/>
             <p14:sldId id="807"/>
-            <p14:sldId id="808"/>
+            <p14:sldId id="833"/>
             <p14:sldId id="809"/>
             <p14:sldId id="810"/>
             <p14:sldId id="811"/>
@@ -287,7 +287,7 @@
 <file path=ppt/revisionInfo.xml><?xml version="1.0" encoding="utf-8"?>
 <p1510:revInfo xmlns:a="http://schemas.openxmlformats.org/drawingml/2006/main" xmlns:r="http://schemas.openxmlformats.org/officeDocument/2006/relationships" xmlns:p1510="http://schemas.microsoft.com/office/powerpoint/2015/10/main">
   <p1510:revLst>
-    <p1510:client id="{C2A075CF-C4D9-45BF-A2F4-9F4744A685AF}" v="98" dt="2024-01-21T10:21:04.528"/>
+    <p1510:client id="{C2A075CF-C4D9-45BF-A2F4-9F4744A685AF}" v="163" dt="2024-02-06T09:25:45.073"/>
   </p1510:revLst>
 </p1510:revInfo>
 </file>
@@ -5708,8 +5708,8 @@
   </pc:docChgLst>
   <pc:docChgLst>
     <pc:chgData name="Matthieu De Mari" userId="dfb708c9-d8dc-439f-9a3b-c772bf4a311c" providerId="ADAL" clId="{C2A075CF-C4D9-45BF-A2F4-9F4744A685AF}"/>
-    <pc:docChg chg="custSel addSld modSld sldOrd modSection">
-      <pc:chgData name="Matthieu De Mari" userId="dfb708c9-d8dc-439f-9a3b-c772bf4a311c" providerId="ADAL" clId="{C2A075CF-C4D9-45BF-A2F4-9F4744A685AF}" dt="2024-01-21T10:26:30.052" v="278" actId="20577"/>
+    <pc:docChg chg="undo custSel addSld delSld modSld sldOrd modSection">
+      <pc:chgData name="Matthieu De Mari" userId="dfb708c9-d8dc-439f-9a3b-c772bf4a311c" providerId="ADAL" clId="{C2A075CF-C4D9-45BF-A2F4-9F4744A685AF}" dt="2024-02-06T09:26:22.656" v="592" actId="47"/>
       <pc:docMkLst>
         <pc:docMk/>
       </pc:docMkLst>
@@ -5729,6 +5729,21 @@
         </pc:spChg>
       </pc:sldChg>
       <pc:sldChg chg="modSp mod">
+        <pc:chgData name="Matthieu De Mari" userId="dfb708c9-d8dc-439f-9a3b-c772bf4a311c" providerId="ADAL" clId="{C2A075CF-C4D9-45BF-A2F4-9F4744A685AF}" dt="2024-02-06T09:21:29.698" v="317" actId="20577"/>
+        <pc:sldMkLst>
+          <pc:docMk/>
+          <pc:sldMk cId="1451434589" sldId="397"/>
+        </pc:sldMkLst>
+        <pc:spChg chg="mod">
+          <ac:chgData name="Matthieu De Mari" userId="dfb708c9-d8dc-439f-9a3b-c772bf4a311c" providerId="ADAL" clId="{C2A075CF-C4D9-45BF-A2F4-9F4744A685AF}" dt="2024-02-06T09:21:29.698" v="317" actId="20577"/>
+          <ac:spMkLst>
+            <pc:docMk/>
+            <pc:sldMk cId="1451434589" sldId="397"/>
+            <ac:spMk id="3" creationId="{BA2A0416-0B18-CDD3-9A37-B441AE8FAEC0}"/>
+          </ac:spMkLst>
+        </pc:spChg>
+      </pc:sldChg>
+      <pc:sldChg chg="modSp mod">
         <pc:chgData name="Matthieu De Mari" userId="dfb708c9-d8dc-439f-9a3b-c772bf4a311c" providerId="ADAL" clId="{C2A075CF-C4D9-45BF-A2F4-9F4744A685AF}" dt="2024-01-21T10:16:07.434" v="21" actId="113"/>
         <pc:sldMkLst>
           <pc:docMk/>
@@ -5758,6 +5773,127 @@
           </ac:spMkLst>
         </pc:spChg>
       </pc:sldChg>
+      <pc:sldChg chg="modSp mod">
+        <pc:chgData name="Matthieu De Mari" userId="dfb708c9-d8dc-439f-9a3b-c772bf4a311c" providerId="ADAL" clId="{C2A075CF-C4D9-45BF-A2F4-9F4744A685AF}" dt="2024-02-06T09:20:57.177" v="315" actId="207"/>
+        <pc:sldMkLst>
+          <pc:docMk/>
+          <pc:sldMk cId="1783907351" sldId="783"/>
+        </pc:sldMkLst>
+        <pc:spChg chg="mod">
+          <ac:chgData name="Matthieu De Mari" userId="dfb708c9-d8dc-439f-9a3b-c772bf4a311c" providerId="ADAL" clId="{C2A075CF-C4D9-45BF-A2F4-9F4744A685AF}" dt="2024-02-06T09:20:57.177" v="315" actId="207"/>
+          <ac:spMkLst>
+            <pc:docMk/>
+            <pc:sldMk cId="1783907351" sldId="783"/>
+            <ac:spMk id="3" creationId="{65B58308-C101-BC04-E972-00C74DE5080B}"/>
+          </ac:spMkLst>
+        </pc:spChg>
+      </pc:sldChg>
+      <pc:sldChg chg="modSp mod">
+        <pc:chgData name="Matthieu De Mari" userId="dfb708c9-d8dc-439f-9a3b-c772bf4a311c" providerId="ADAL" clId="{C2A075CF-C4D9-45BF-A2F4-9F4744A685AF}" dt="2024-02-06T09:21:00.937" v="316" actId="207"/>
+        <pc:sldMkLst>
+          <pc:docMk/>
+          <pc:sldMk cId="2670805330" sldId="784"/>
+        </pc:sldMkLst>
+        <pc:spChg chg="mod">
+          <ac:chgData name="Matthieu De Mari" userId="dfb708c9-d8dc-439f-9a3b-c772bf4a311c" providerId="ADAL" clId="{C2A075CF-C4D9-45BF-A2F4-9F4744A685AF}" dt="2024-02-06T09:21:00.937" v="316" actId="207"/>
+          <ac:spMkLst>
+            <pc:docMk/>
+            <pc:sldMk cId="2670805330" sldId="784"/>
+            <ac:spMk id="3" creationId="{65B58308-C101-BC04-E972-00C74DE5080B}"/>
+          </ac:spMkLst>
+        </pc:spChg>
+      </pc:sldChg>
+      <pc:sldChg chg="modSp mod">
+        <pc:chgData name="Matthieu De Mari" userId="dfb708c9-d8dc-439f-9a3b-c772bf4a311c" providerId="ADAL" clId="{C2A075CF-C4D9-45BF-A2F4-9F4744A685AF}" dt="2024-02-06T09:21:35.480" v="318" actId="5793"/>
+        <pc:sldMkLst>
+          <pc:docMk/>
+          <pc:sldMk cId="473408429" sldId="789"/>
+        </pc:sldMkLst>
+        <pc:spChg chg="mod">
+          <ac:chgData name="Matthieu De Mari" userId="dfb708c9-d8dc-439f-9a3b-c772bf4a311c" providerId="ADAL" clId="{C2A075CF-C4D9-45BF-A2F4-9F4744A685AF}" dt="2024-02-06T09:21:35.480" v="318" actId="5793"/>
+          <ac:spMkLst>
+            <pc:docMk/>
+            <pc:sldMk cId="473408429" sldId="789"/>
+            <ac:spMk id="3" creationId="{BA2A0416-0B18-CDD3-9A37-B441AE8FAEC0}"/>
+          </ac:spMkLst>
+        </pc:spChg>
+      </pc:sldChg>
+      <pc:sldChg chg="delSp modSp mod modClrScheme chgLayout">
+        <pc:chgData name="Matthieu De Mari" userId="dfb708c9-d8dc-439f-9a3b-c772bf4a311c" providerId="ADAL" clId="{C2A075CF-C4D9-45BF-A2F4-9F4744A685AF}" dt="2024-02-06T09:21:52.671" v="365" actId="20577"/>
+        <pc:sldMkLst>
+          <pc:docMk/>
+          <pc:sldMk cId="2530178653" sldId="791"/>
+        </pc:sldMkLst>
+        <pc:spChg chg="mod ord">
+          <ac:chgData name="Matthieu De Mari" userId="dfb708c9-d8dc-439f-9a3b-c772bf4a311c" providerId="ADAL" clId="{C2A075CF-C4D9-45BF-A2F4-9F4744A685AF}" dt="2024-02-06T09:20:33.134" v="279" actId="700"/>
+          <ac:spMkLst>
+            <pc:docMk/>
+            <pc:sldMk cId="2530178653" sldId="791"/>
+            <ac:spMk id="2" creationId="{E28D0FA9-852F-88EB-13B7-0F25F1E909EF}"/>
+          </ac:spMkLst>
+        </pc:spChg>
+        <pc:spChg chg="mod ord">
+          <ac:chgData name="Matthieu De Mari" userId="dfb708c9-d8dc-439f-9a3b-c772bf4a311c" providerId="ADAL" clId="{C2A075CF-C4D9-45BF-A2F4-9F4744A685AF}" dt="2024-02-06T09:21:52.671" v="365" actId="20577"/>
+          <ac:spMkLst>
+            <pc:docMk/>
+            <pc:sldMk cId="2530178653" sldId="791"/>
+            <ac:spMk id="3" creationId="{BA2A0416-0B18-CDD3-9A37-B441AE8FAEC0}"/>
+          </ac:spMkLst>
+        </pc:spChg>
+        <pc:spChg chg="del mod ord">
+          <ac:chgData name="Matthieu De Mari" userId="dfb708c9-d8dc-439f-9a3b-c772bf4a311c" providerId="ADAL" clId="{C2A075CF-C4D9-45BF-A2F4-9F4744A685AF}" dt="2024-02-06T09:20:37.515" v="282" actId="478"/>
+          <ac:spMkLst>
+            <pc:docMk/>
+            <pc:sldMk cId="2530178653" sldId="791"/>
+            <ac:spMk id="4" creationId="{49276FDB-CE05-E81B-BB86-25B5F782B1F5}"/>
+          </ac:spMkLst>
+        </pc:spChg>
+      </pc:sldChg>
+      <pc:sldChg chg="modSp mod">
+        <pc:chgData name="Matthieu De Mari" userId="dfb708c9-d8dc-439f-9a3b-c772bf4a311c" providerId="ADAL" clId="{C2A075CF-C4D9-45BF-A2F4-9F4744A685AF}" dt="2024-02-06T09:22:42.132" v="410" actId="20577"/>
+        <pc:sldMkLst>
+          <pc:docMk/>
+          <pc:sldMk cId="260742946" sldId="793"/>
+        </pc:sldMkLst>
+        <pc:spChg chg="mod">
+          <ac:chgData name="Matthieu De Mari" userId="dfb708c9-d8dc-439f-9a3b-c772bf4a311c" providerId="ADAL" clId="{C2A075CF-C4D9-45BF-A2F4-9F4744A685AF}" dt="2024-02-06T09:22:42.132" v="410" actId="20577"/>
+          <ac:spMkLst>
+            <pc:docMk/>
+            <pc:sldMk cId="260742946" sldId="793"/>
+            <ac:spMk id="3" creationId="{BA2A0416-0B18-CDD3-9A37-B441AE8FAEC0}"/>
+          </ac:spMkLst>
+        </pc:spChg>
+      </pc:sldChg>
+      <pc:sldChg chg="modSp mod">
+        <pc:chgData name="Matthieu De Mari" userId="dfb708c9-d8dc-439f-9a3b-c772bf4a311c" providerId="ADAL" clId="{C2A075CF-C4D9-45BF-A2F4-9F4744A685AF}" dt="2024-02-06T09:23:10.149" v="443" actId="113"/>
+        <pc:sldMkLst>
+          <pc:docMk/>
+          <pc:sldMk cId="1577144882" sldId="794"/>
+        </pc:sldMkLst>
+        <pc:spChg chg="mod">
+          <ac:chgData name="Matthieu De Mari" userId="dfb708c9-d8dc-439f-9a3b-c772bf4a311c" providerId="ADAL" clId="{C2A075CF-C4D9-45BF-A2F4-9F4744A685AF}" dt="2024-02-06T09:23:10.149" v="443" actId="113"/>
+          <ac:spMkLst>
+            <pc:docMk/>
+            <pc:sldMk cId="1577144882" sldId="794"/>
+            <ac:spMk id="7" creationId="{34FFFE41-D034-EA6C-3756-750C5DB81D1C}"/>
+          </ac:spMkLst>
+        </pc:spChg>
+      </pc:sldChg>
+      <pc:sldChg chg="modSp mod">
+        <pc:chgData name="Matthieu De Mari" userId="dfb708c9-d8dc-439f-9a3b-c772bf4a311c" providerId="ADAL" clId="{C2A075CF-C4D9-45BF-A2F4-9F4744A685AF}" dt="2024-02-06T09:23:32.696" v="444" actId="113"/>
+        <pc:sldMkLst>
+          <pc:docMk/>
+          <pc:sldMk cId="2353942002" sldId="795"/>
+        </pc:sldMkLst>
+        <pc:spChg chg="mod">
+          <ac:chgData name="Matthieu De Mari" userId="dfb708c9-d8dc-439f-9a3b-c772bf4a311c" providerId="ADAL" clId="{C2A075CF-C4D9-45BF-A2F4-9F4744A685AF}" dt="2024-02-06T09:23:32.696" v="444" actId="113"/>
+          <ac:spMkLst>
+            <pc:docMk/>
+            <pc:sldMk cId="2353942002" sldId="795"/>
+            <ac:spMk id="3" creationId="{77496A95-7961-91A1-EB76-E57510055A38}"/>
+          </ac:spMkLst>
+        </pc:spChg>
+      </pc:sldChg>
       <pc:sldChg chg="delSp modSp mod ord modClrScheme chgLayout">
         <pc:chgData name="Matthieu De Mari" userId="dfb708c9-d8dc-439f-9a3b-c772bf4a311c" providerId="ADAL" clId="{C2A075CF-C4D9-45BF-A2F4-9F4744A685AF}" dt="2024-01-21T10:21:14.297" v="155"/>
         <pc:sldMkLst>
@@ -5790,7 +5926,7 @@
         </pc:spChg>
       </pc:sldChg>
       <pc:sldChg chg="delSp modSp mod modClrScheme chgLayout">
-        <pc:chgData name="Matthieu De Mari" userId="dfb708c9-d8dc-439f-9a3b-c772bf4a311c" providerId="ADAL" clId="{C2A075CF-C4D9-45BF-A2F4-9F4744A685AF}" dt="2024-01-21T10:19:13.353" v="97" actId="20577"/>
+        <pc:chgData name="Matthieu De Mari" userId="dfb708c9-d8dc-439f-9a3b-c772bf4a311c" providerId="ADAL" clId="{C2A075CF-C4D9-45BF-A2F4-9F4744A685AF}" dt="2024-02-06T09:25:26.491" v="511" actId="20577"/>
         <pc:sldMkLst>
           <pc:docMk/>
           <pc:sldMk cId="1145967515" sldId="805"/>
@@ -5804,7 +5940,7 @@
           </ac:spMkLst>
         </pc:spChg>
         <pc:spChg chg="mod ord">
-          <ac:chgData name="Matthieu De Mari" userId="dfb708c9-d8dc-439f-9a3b-c772bf4a311c" providerId="ADAL" clId="{C2A075CF-C4D9-45BF-A2F4-9F4744A685AF}" dt="2024-01-21T10:19:13.353" v="97" actId="20577"/>
+          <ac:chgData name="Matthieu De Mari" userId="dfb708c9-d8dc-439f-9a3b-c772bf4a311c" providerId="ADAL" clId="{C2A075CF-C4D9-45BF-A2F4-9F4744A685AF}" dt="2024-02-06T09:25:26.491" v="511" actId="20577"/>
           <ac:spMkLst>
             <pc:docMk/>
             <pc:sldMk cId="1145967515" sldId="805"/>
@@ -5850,8 +5986,8 @@
           </ac:spMkLst>
         </pc:spChg>
       </pc:sldChg>
-      <pc:sldChg chg="modSp mod">
-        <pc:chgData name="Matthieu De Mari" userId="dfb708c9-d8dc-439f-9a3b-c772bf4a311c" providerId="ADAL" clId="{C2A075CF-C4D9-45BF-A2F4-9F4744A685AF}" dt="2024-01-21T10:22:18.753" v="172" actId="20577"/>
+      <pc:sldChg chg="modSp del mod">
+        <pc:chgData name="Matthieu De Mari" userId="dfb708c9-d8dc-439f-9a3b-c772bf4a311c" providerId="ADAL" clId="{C2A075CF-C4D9-45BF-A2F4-9F4744A685AF}" dt="2024-02-06T09:26:22.656" v="592" actId="47"/>
         <pc:sldMkLst>
           <pc:docMk/>
           <pc:sldMk cId="741808374" sldId="808"/>
@@ -5864,6 +6000,14 @@
             <ac:spMk id="2" creationId="{A8C99902-2A36-9C91-5F2C-9819DE23FB0C}"/>
           </ac:spMkLst>
         </pc:spChg>
+        <pc:spChg chg="mod">
+          <ac:chgData name="Matthieu De Mari" userId="dfb708c9-d8dc-439f-9a3b-c772bf4a311c" providerId="ADAL" clId="{C2A075CF-C4D9-45BF-A2F4-9F4744A685AF}" dt="2024-02-06T09:26:21.399" v="591" actId="20577"/>
+          <ac:spMkLst>
+            <pc:docMk/>
+            <pc:sldMk cId="741808374" sldId="808"/>
+            <ac:spMk id="3" creationId="{F0814AA9-339A-72D8-E8A9-C066A3ED5800}"/>
+          </ac:spMkLst>
+        </pc:spChg>
       </pc:sldChg>
       <pc:sldChg chg="modSp mod">
         <pc:chgData name="Matthieu De Mari" userId="dfb708c9-d8dc-439f-9a3b-c772bf4a311c" providerId="ADAL" clId="{C2A075CF-C4D9-45BF-A2F4-9F4744A685AF}" dt="2024-01-21T10:22:24.522" v="173"/>
@@ -5960,6 +6104,21 @@
             <pc:docMk/>
             <pc:sldMk cId="986128993" sldId="821"/>
             <ac:spMk id="10" creationId="{85B82369-5B36-7EDE-1000-6F2B86EC63E1}"/>
+          </ac:spMkLst>
+        </pc:spChg>
+      </pc:sldChg>
+      <pc:sldChg chg="modSp">
+        <pc:chgData name="Matthieu De Mari" userId="dfb708c9-d8dc-439f-9a3b-c772bf4a311c" providerId="ADAL" clId="{C2A075CF-C4D9-45BF-A2F4-9F4744A685AF}" dt="2024-02-06T09:24:52.898" v="452" actId="20577"/>
+        <pc:sldMkLst>
+          <pc:docMk/>
+          <pc:sldMk cId="386474252" sldId="827"/>
+        </pc:sldMkLst>
+        <pc:spChg chg="mod">
+          <ac:chgData name="Matthieu De Mari" userId="dfb708c9-d8dc-439f-9a3b-c772bf4a311c" providerId="ADAL" clId="{C2A075CF-C4D9-45BF-A2F4-9F4744A685AF}" dt="2024-02-06T09:24:52.898" v="452" actId="20577"/>
+          <ac:spMkLst>
+            <pc:docMk/>
+            <pc:sldMk cId="386474252" sldId="827"/>
+            <ac:spMk id="3" creationId="{F0814AA9-339A-72D8-E8A9-C066A3ED5800}"/>
           </ac:spMkLst>
         </pc:spChg>
       </pc:sldChg>
@@ -6062,6 +6221,13 @@
             <ac:spMk id="5" creationId="{66EACFFC-77D9-FFF7-F013-E5C19F4A5D72}"/>
           </ac:spMkLst>
         </pc:spChg>
+      </pc:sldChg>
+      <pc:sldChg chg="add">
+        <pc:chgData name="Matthieu De Mari" userId="dfb708c9-d8dc-439f-9a3b-c772bf4a311c" providerId="ADAL" clId="{C2A075CF-C4D9-45BF-A2F4-9F4744A685AF}" dt="2024-02-06T09:25:45.070" v="512"/>
+        <pc:sldMkLst>
+          <pc:docMk/>
+          <pc:sldMk cId="3288933084" sldId="833"/>
+        </pc:sldMkLst>
       </pc:sldChg>
     </pc:docChg>
   </pc:docChgLst>
@@ -7390,7 +7556,7 @@
           <a:p>
             <a:fld id="{61478373-EB31-4867-8CF0-FA31364748A5}" type="datetimeFigureOut">
               <a:rPr lang="en-GB" smtClean="0"/>
-              <a:t>21/01/2024</a:t>
+              <a:t>06/02/2024</a:t>
             </a:fld>
             <a:endParaRPr lang="en-GB"/>
           </a:p>
@@ -7807,7 +7973,7 @@
           <a:p>
             <a:fld id="{E85DF616-B21E-4EF6-A6A5-95E2FB3EB1A1}" type="datetimeFigureOut">
               <a:rPr lang="en-GB" smtClean="0"/>
-              <a:t>21/01/2024</a:t>
+              <a:t>06/02/2024</a:t>
             </a:fld>
             <a:endParaRPr lang="en-GB"/>
           </a:p>
@@ -8007,7 +8173,7 @@
           <a:p>
             <a:fld id="{E85DF616-B21E-4EF6-A6A5-95E2FB3EB1A1}" type="datetimeFigureOut">
               <a:rPr lang="en-GB" smtClean="0"/>
-              <a:t>21/01/2024</a:t>
+              <a:t>06/02/2024</a:t>
             </a:fld>
             <a:endParaRPr lang="en-GB"/>
           </a:p>
@@ -8217,7 +8383,7 @@
           <a:p>
             <a:fld id="{E85DF616-B21E-4EF6-A6A5-95E2FB3EB1A1}" type="datetimeFigureOut">
               <a:rPr lang="en-GB" smtClean="0"/>
-              <a:t>21/01/2024</a:t>
+              <a:t>06/02/2024</a:t>
             </a:fld>
             <a:endParaRPr lang="en-GB"/>
           </a:p>
@@ -8417,7 +8583,7 @@
           <a:p>
             <a:fld id="{E85DF616-B21E-4EF6-A6A5-95E2FB3EB1A1}" type="datetimeFigureOut">
               <a:rPr lang="en-GB" smtClean="0"/>
-              <a:t>21/01/2024</a:t>
+              <a:t>06/02/2024</a:t>
             </a:fld>
             <a:endParaRPr lang="en-GB"/>
           </a:p>
@@ -8693,7 +8859,7 @@
           <a:p>
             <a:fld id="{E85DF616-B21E-4EF6-A6A5-95E2FB3EB1A1}" type="datetimeFigureOut">
               <a:rPr lang="en-GB" smtClean="0"/>
-              <a:t>21/01/2024</a:t>
+              <a:t>06/02/2024</a:t>
             </a:fld>
             <a:endParaRPr lang="en-GB"/>
           </a:p>
@@ -8961,7 +9127,7 @@
           <a:p>
             <a:fld id="{E85DF616-B21E-4EF6-A6A5-95E2FB3EB1A1}" type="datetimeFigureOut">
               <a:rPr lang="en-GB" smtClean="0"/>
-              <a:t>21/01/2024</a:t>
+              <a:t>06/02/2024</a:t>
             </a:fld>
             <a:endParaRPr lang="en-GB"/>
           </a:p>
@@ -9376,7 +9542,7 @@
           <a:p>
             <a:fld id="{E85DF616-B21E-4EF6-A6A5-95E2FB3EB1A1}" type="datetimeFigureOut">
               <a:rPr lang="en-GB" smtClean="0"/>
-              <a:t>21/01/2024</a:t>
+              <a:t>06/02/2024</a:t>
             </a:fld>
             <a:endParaRPr lang="en-GB"/>
           </a:p>
@@ -9518,7 +9684,7 @@
           <a:p>
             <a:fld id="{E85DF616-B21E-4EF6-A6A5-95E2FB3EB1A1}" type="datetimeFigureOut">
               <a:rPr lang="en-GB" smtClean="0"/>
-              <a:t>21/01/2024</a:t>
+              <a:t>06/02/2024</a:t>
             </a:fld>
             <a:endParaRPr lang="en-GB"/>
           </a:p>
@@ -9631,7 +9797,7 @@
           <a:p>
             <a:fld id="{E85DF616-B21E-4EF6-A6A5-95E2FB3EB1A1}" type="datetimeFigureOut">
               <a:rPr lang="en-GB" smtClean="0"/>
-              <a:t>21/01/2024</a:t>
+              <a:t>06/02/2024</a:t>
             </a:fld>
             <a:endParaRPr lang="en-GB"/>
           </a:p>
@@ -9944,7 +10110,7 @@
           <a:p>
             <a:fld id="{E85DF616-B21E-4EF6-A6A5-95E2FB3EB1A1}" type="datetimeFigureOut">
               <a:rPr lang="en-GB" smtClean="0"/>
-              <a:t>21/01/2024</a:t>
+              <a:t>06/02/2024</a:t>
             </a:fld>
             <a:endParaRPr lang="en-GB"/>
           </a:p>
@@ -10233,7 +10399,7 @@
           <a:p>
             <a:fld id="{E85DF616-B21E-4EF6-A6A5-95E2FB3EB1A1}" type="datetimeFigureOut">
               <a:rPr lang="en-GB" smtClean="0"/>
-              <a:t>21/01/2024</a:t>
+              <a:t>06/02/2024</a:t>
             </a:fld>
             <a:endParaRPr lang="en-GB"/>
           </a:p>
@@ -10476,7 +10642,7 @@
           <a:p>
             <a:fld id="{E85DF616-B21E-4EF6-A6A5-95E2FB3EB1A1}" type="datetimeFigureOut">
               <a:rPr lang="en-GB" smtClean="0"/>
-              <a:t>21/01/2024</a:t>
+              <a:t>06/02/2024</a:t>
             </a:fld>
             <a:endParaRPr lang="en-GB"/>
           </a:p>
@@ -11246,7 +11412,7 @@
             </a:r>
             <a:r>
               <a:rPr lang="en-GB" dirty="0"/>
-              <a:t>, fitting your project needs.</a:t>
+              <a:t>, fitting your needs.</a:t>
             </a:r>
           </a:p>
           <a:p>
@@ -11504,6 +11670,9 @@
           </a:bodyPr>
           <a:lstStyle/>
           <a:p>
+            <a:pPr marL="0" indent="0">
+              <a:buNone/>
+            </a:pPr>
             <a:r>
               <a:rPr lang="en-GB" dirty="0"/>
               <a:t>The Ames dataset includes a variety of features for approximately 2,800 houses in Ames, Iowa.</a:t>
@@ -11609,18 +11778,13 @@
             <a:spLocks noGrp="1"/>
           </p:cNvSpPr>
           <p:nvPr>
-            <p:ph sz="half" idx="1"/>
+            <p:ph idx="1"/>
           </p:nvPr>
         </p:nvSpPr>
-        <p:spPr>
-          <a:xfrm>
-            <a:off x="838200" y="1825624"/>
-            <a:ext cx="5181600" cy="5032375"/>
-          </a:xfrm>
-        </p:spPr>
+        <p:spPr/>
         <p:txBody>
           <a:bodyPr>
-            <a:normAutofit fontScale="70000" lnSpcReduction="20000"/>
+            <a:normAutofit/>
           </a:bodyPr>
           <a:lstStyle/>
           <a:p>
@@ -11736,322 +11900,9 @@
           </a:p>
           <a:p>
             <a:r>
-              <a:rPr lang="en-GB" b="1" dirty="0"/>
-              <a:t>Total</a:t>
-            </a:r>
-            <a:r>
-              <a:rPr lang="en-GB" dirty="0"/>
-              <a:t> </a:t>
-            </a:r>
-            <a:r>
-              <a:rPr lang="en-GB" b="1" dirty="0" err="1"/>
-              <a:t>Bsmt</a:t>
-            </a:r>
-            <a:r>
-              <a:rPr lang="en-GB" dirty="0"/>
-              <a:t> </a:t>
-            </a:r>
-            <a:r>
-              <a:rPr lang="en-GB" b="1" dirty="0"/>
-              <a:t>SF</a:t>
-            </a:r>
-            <a:r>
-              <a:rPr lang="en-GB" dirty="0"/>
-              <a:t>: The total surface of the basement, in square feet.</a:t>
-            </a:r>
-          </a:p>
-          <a:p>
-            <a:r>
-              <a:rPr lang="en-GB" b="1" dirty="0"/>
-              <a:t>1st</a:t>
-            </a:r>
-            <a:r>
-              <a:rPr lang="en-GB" dirty="0"/>
-              <a:t> </a:t>
-            </a:r>
-            <a:r>
-              <a:rPr lang="en-GB" b="1" dirty="0" err="1"/>
-              <a:t>Flr</a:t>
-            </a:r>
-            <a:r>
-              <a:rPr lang="en-GB" dirty="0"/>
-              <a:t> </a:t>
-            </a:r>
-            <a:r>
-              <a:rPr lang="en-GB" b="1" dirty="0"/>
-              <a:t>SF</a:t>
-            </a:r>
-            <a:r>
-              <a:rPr lang="en-GB" dirty="0"/>
-              <a:t>: The first floor surface, in square feet.</a:t>
-            </a:r>
-          </a:p>
-          <a:p>
-            <a:r>
-              <a:rPr lang="en-GB" b="1" dirty="0"/>
-              <a:t>2nd</a:t>
-            </a:r>
-            <a:r>
-              <a:rPr lang="en-GB" dirty="0"/>
-              <a:t> </a:t>
-            </a:r>
-            <a:r>
-              <a:rPr lang="en-GB" b="1" dirty="0" err="1"/>
-              <a:t>Flr</a:t>
-            </a:r>
-            <a:r>
-              <a:rPr lang="en-GB" dirty="0"/>
-              <a:t> </a:t>
-            </a:r>
-            <a:r>
-              <a:rPr lang="en-GB" b="1" dirty="0"/>
-              <a:t>SF</a:t>
-            </a:r>
-            <a:r>
-              <a:rPr lang="en-GB" dirty="0"/>
-              <a:t>: The second floor surface, in square feet.</a:t>
-            </a:r>
-          </a:p>
-          <a:p>
-            <a:r>
-              <a:rPr lang="en-GB" b="1" dirty="0"/>
-              <a:t>Gr</a:t>
-            </a:r>
-            <a:r>
-              <a:rPr lang="en-GB" dirty="0"/>
-              <a:t> </a:t>
-            </a:r>
-            <a:r>
-              <a:rPr lang="en-GB" b="1" dirty="0"/>
-              <a:t>Liv</a:t>
-            </a:r>
-            <a:r>
-              <a:rPr lang="en-GB" dirty="0"/>
-              <a:t> </a:t>
-            </a:r>
-            <a:r>
-              <a:rPr lang="en-GB" b="1" dirty="0"/>
-              <a:t>Area</a:t>
-            </a:r>
-            <a:r>
-              <a:rPr lang="en-GB" dirty="0"/>
-              <a:t>: The above grade (ground) living area, in square feet.</a:t>
-            </a:r>
-          </a:p>
-        </p:txBody>
-      </p:sp>
-      <p:sp>
-        <p:nvSpPr>
-          <p:cNvPr id="4" name="Content Placeholder 3">
-            <a:extLst>
-              <a:ext uri="{FF2B5EF4-FFF2-40B4-BE49-F238E27FC236}">
-                <a16:creationId xmlns:a16="http://schemas.microsoft.com/office/drawing/2014/main" id="{49276FDB-CE05-E81B-BB86-25B5F782B1F5}"/>
-              </a:ext>
-            </a:extLst>
-          </p:cNvPr>
-          <p:cNvSpPr>
-            <a:spLocks noGrp="1"/>
-          </p:cNvSpPr>
-          <p:nvPr>
-            <p:ph sz="half" idx="2"/>
-          </p:nvPr>
-        </p:nvSpPr>
-        <p:spPr>
-          <a:xfrm>
-            <a:off x="6172200" y="1825625"/>
-            <a:ext cx="5181600" cy="5032374"/>
-          </a:xfrm>
-        </p:spPr>
-        <p:txBody>
-          <a:bodyPr>
-            <a:normAutofit fontScale="70000" lnSpcReduction="20000"/>
-          </a:bodyPr>
-          <a:lstStyle/>
-          <a:p>
-            <a:r>
-              <a:rPr lang="en-GB" b="1" dirty="0"/>
-              <a:t>Full</a:t>
-            </a:r>
-            <a:r>
-              <a:rPr lang="en-GB" dirty="0"/>
-              <a:t> </a:t>
-            </a:r>
-            <a:r>
-              <a:rPr lang="en-GB" b="1" dirty="0"/>
-              <a:t>Bath</a:t>
-            </a:r>
-            <a:r>
-              <a:rPr lang="en-GB" dirty="0"/>
-              <a:t>: The number of full bathrooms.</a:t>
-            </a:r>
-          </a:p>
-          <a:p>
-            <a:r>
-              <a:rPr lang="en-GB" b="1" dirty="0"/>
-              <a:t>Half</a:t>
-            </a:r>
-            <a:r>
-              <a:rPr lang="en-GB" dirty="0"/>
-              <a:t> </a:t>
-            </a:r>
-            <a:r>
-              <a:rPr lang="en-GB" b="1" dirty="0"/>
-              <a:t>Bath</a:t>
-            </a:r>
-            <a:r>
-              <a:rPr lang="en-GB" dirty="0"/>
-              <a:t>: The number of half bathrooms.</a:t>
-            </a:r>
-          </a:p>
-          <a:p>
-            <a:r>
-              <a:rPr lang="en-GB" b="1" dirty="0"/>
-              <a:t>Bedroom</a:t>
-            </a:r>
-            <a:r>
-              <a:rPr lang="en-GB" dirty="0"/>
-              <a:t> </a:t>
-            </a:r>
-            <a:r>
-              <a:rPr lang="en-GB" b="1" dirty="0" err="1"/>
-              <a:t>AbvGr</a:t>
-            </a:r>
-            <a:r>
-              <a:rPr lang="en-GB" dirty="0"/>
-              <a:t>: The number of bedrooms.</a:t>
-            </a:r>
-          </a:p>
-          <a:p>
-            <a:r>
-              <a:rPr lang="en-GB" b="1" dirty="0"/>
-              <a:t>Kitchen</a:t>
-            </a:r>
-            <a:r>
-              <a:rPr lang="en-GB" dirty="0"/>
-              <a:t> </a:t>
-            </a:r>
-            <a:r>
-              <a:rPr lang="en-GB" b="1" dirty="0" err="1"/>
-              <a:t>AbvGr</a:t>
-            </a:r>
-            <a:r>
-              <a:rPr lang="en-GB" dirty="0"/>
-              <a:t>: The number of kitchens.</a:t>
-            </a:r>
-          </a:p>
-          <a:p>
-            <a:r>
-              <a:rPr lang="en-GB" b="1" dirty="0" err="1"/>
-              <a:t>TotRms</a:t>
-            </a:r>
-            <a:r>
-              <a:rPr lang="en-GB" dirty="0"/>
-              <a:t> </a:t>
-            </a:r>
-            <a:r>
-              <a:rPr lang="en-GB" b="1" dirty="0" err="1"/>
-              <a:t>AbvGrd</a:t>
-            </a:r>
-            <a:r>
-              <a:rPr lang="en-GB" dirty="0"/>
-              <a:t>: The total number of rooms (does not include bathrooms).</a:t>
-            </a:r>
-          </a:p>
-          <a:p>
-            <a:r>
-              <a:rPr lang="en-GB" b="1" dirty="0"/>
-              <a:t>Garage</a:t>
-            </a:r>
-            <a:r>
-              <a:rPr lang="en-GB" dirty="0"/>
-              <a:t> Area: The size of the garage, in square feet.</a:t>
-            </a:r>
-          </a:p>
-          <a:p>
-            <a:r>
-              <a:rPr lang="en-GB" b="1" dirty="0" err="1"/>
-              <a:t>Yr</a:t>
-            </a:r>
-            <a:r>
-              <a:rPr lang="en-GB" dirty="0"/>
-              <a:t> </a:t>
-            </a:r>
-            <a:r>
-              <a:rPr lang="en-GB" b="1" dirty="0"/>
-              <a:t>Sold</a:t>
-            </a:r>
-            <a:r>
-              <a:rPr lang="en-GB" dirty="0"/>
-              <a:t>: The year the property was sold.</a:t>
-            </a:r>
-          </a:p>
-          <a:p>
-            <a:pPr marL="0" indent="0">
-              <a:buNone/>
-            </a:pPr>
-            <a:endParaRPr lang="en-GB" dirty="0"/>
-          </a:p>
-          <a:p>
-            <a:pPr marL="0" indent="0">
-              <a:buNone/>
-            </a:pPr>
-            <a:r>
-              <a:rPr lang="en-GB" dirty="0"/>
-              <a:t>These </a:t>
-            </a:r>
-            <a:r>
-              <a:rPr lang="en-GB" b="1" dirty="0"/>
-              <a:t>16</a:t>
-            </a:r>
-            <a:r>
-              <a:rPr lang="en-GB" dirty="0"/>
-              <a:t> </a:t>
-            </a:r>
-            <a:r>
-              <a:rPr lang="en-GB" b="1" dirty="0"/>
-              <a:t>features</a:t>
-            </a:r>
-            <a:r>
-              <a:rPr lang="en-GB" dirty="0"/>
-              <a:t> will be used as </a:t>
-            </a:r>
-            <a:r>
-              <a:rPr lang="en-GB" b="1" dirty="0"/>
-              <a:t>inputs</a:t>
-            </a:r>
-            <a:r>
-              <a:rPr lang="en-GB" dirty="0"/>
-              <a:t>, and the </a:t>
-            </a:r>
-            <a:r>
-              <a:rPr lang="en-GB" b="1" dirty="0"/>
-              <a:t>output</a:t>
-            </a:r>
-            <a:r>
-              <a:rPr lang="en-GB" dirty="0"/>
-              <a:t> will consist of just </a:t>
-            </a:r>
-            <a:r>
-              <a:rPr lang="en-GB" b="1" dirty="0"/>
-              <a:t>1 feature</a:t>
-            </a:r>
-            <a:r>
-              <a:rPr lang="en-GB" dirty="0"/>
-              <a:t>, in the final column of the Excel file, which is:</a:t>
-            </a:r>
-          </a:p>
-          <a:p>
-            <a:r>
-              <a:rPr lang="en-GB" b="1" dirty="0" err="1"/>
-              <a:t>SalePrice</a:t>
-            </a:r>
-            <a:r>
-              <a:rPr lang="en-GB" dirty="0"/>
-              <a:t>: The sale price, in dollars.</a:t>
-            </a:r>
-          </a:p>
-          <a:p>
-            <a:endParaRPr lang="en-SG" dirty="0"/>
+              <a:rPr lang="en-GB" dirty="0"/>
+              <a:t>And many more features! (not describing all of them)</a:t>
+            </a:r>
           </a:p>
         </p:txBody>
       </p:sp>
@@ -12339,7 +12190,7 @@
         </p:spPr>
         <p:txBody>
           <a:bodyPr>
-            <a:normAutofit fontScale="92500" lnSpcReduction="20000"/>
+            <a:normAutofit fontScale="92500" lnSpcReduction="10000"/>
           </a:bodyPr>
           <a:lstStyle/>
           <a:p>
@@ -12424,7 +12275,7 @@
             </a:r>
             <a:r>
               <a:rPr lang="en-GB" dirty="0"/>
-              <a:t> that takes in the required arguments, and stores them as member variables.</a:t>
+              <a:t> that loads the excel file and stores data accordingly.</a:t>
             </a:r>
           </a:p>
           <a:p>
@@ -12736,7 +12587,31 @@
             </a:r>
             <a:r>
               <a:rPr lang="en-GB" dirty="0"/>
-              <a:t> the dataset object.</a:t>
+              <a:t> and </a:t>
+            </a:r>
+            <a:r>
+              <a:rPr lang="en-GB" b="1" dirty="0"/>
+              <a:t>using</a:t>
+            </a:r>
+            <a:r>
+              <a:rPr lang="en-GB" dirty="0"/>
+              <a:t> </a:t>
+            </a:r>
+            <a:r>
+              <a:rPr lang="en-GB" b="1" dirty="0"/>
+              <a:t>for</a:t>
+            </a:r>
+            <a:r>
+              <a:rPr lang="en-GB" dirty="0"/>
+              <a:t> </a:t>
+            </a:r>
+            <a:r>
+              <a:rPr lang="en-GB" b="1" dirty="0"/>
+              <a:t>loops</a:t>
+            </a:r>
+            <a:r>
+              <a:rPr lang="en-GB" dirty="0"/>
+              <a:t> on the dataset object.</a:t>
             </a:r>
           </a:p>
           <a:p>
@@ -12744,12 +12619,6 @@
               <a:rPr lang="en-GB" dirty="0"/>
               <a:t>Later on, we could ask for the sample #286 using the square bracket notation, as shown on side.</a:t>
             </a:r>
-          </a:p>
-          <a:p>
-            <a:pPr marL="0" indent="0">
-              <a:buNone/>
-            </a:pPr>
-            <a:endParaRPr lang="en-GB" dirty="0"/>
           </a:p>
           <a:p>
             <a:pPr marL="0" indent="0">
@@ -13203,7 +13072,15 @@
             </a:r>
             <a:r>
               <a:rPr lang="en-GB" dirty="0"/>
-              <a:t> loop, to generate mini-batches of samples.</a:t>
+              <a:t> </a:t>
+            </a:r>
+            <a:r>
+              <a:rPr lang="en-GB" b="1" dirty="0"/>
+              <a:t>loop</a:t>
+            </a:r>
+            <a:r>
+              <a:rPr lang="en-GB" dirty="0"/>
+              <a:t>, to generate mini-batches of samples.</a:t>
             </a:r>
           </a:p>
           <a:p>
@@ -13706,31 +13583,73 @@
               <a:buAutoNum type="arabicPeriod"/>
             </a:pPr>
             <a:r>
-              <a:rPr lang="en-GB" dirty="0"/>
+              <a:rPr lang="en-GB" dirty="0">
+                <a:solidFill>
+                  <a:schemeClr val="bg1">
+                    <a:lumMod val="65000"/>
+                  </a:schemeClr>
+                </a:solidFill>
+              </a:rPr>
               <a:t>What is the </a:t>
             </a:r>
             <a:r>
-              <a:rPr lang="en-GB" b="1" dirty="0" err="1"/>
+              <a:rPr lang="en-GB" b="1" dirty="0" err="1">
+                <a:solidFill>
+                  <a:schemeClr val="bg1">
+                    <a:lumMod val="65000"/>
+                  </a:schemeClr>
+                </a:solidFill>
+              </a:rPr>
               <a:t>PyTorch</a:t>
             </a:r>
             <a:r>
-              <a:rPr lang="en-GB" dirty="0"/>
+              <a:rPr lang="en-GB" dirty="0">
+                <a:solidFill>
+                  <a:schemeClr val="bg1">
+                    <a:lumMod val="65000"/>
+                  </a:schemeClr>
+                </a:solidFill>
+              </a:rPr>
               <a:t> </a:t>
             </a:r>
             <a:r>
-              <a:rPr lang="en-GB" b="1" dirty="0"/>
+              <a:rPr lang="en-GB" b="1" dirty="0">
+                <a:solidFill>
+                  <a:schemeClr val="bg1">
+                    <a:lumMod val="65000"/>
+                  </a:schemeClr>
+                </a:solidFill>
+              </a:rPr>
               <a:t>library</a:t>
             </a:r>
             <a:r>
-              <a:rPr lang="en-GB" dirty="0"/>
+              <a:rPr lang="en-GB" dirty="0">
+                <a:solidFill>
+                  <a:schemeClr val="bg1">
+                    <a:lumMod val="65000"/>
+                  </a:schemeClr>
+                </a:solidFill>
+              </a:rPr>
               <a:t> and its </a:t>
             </a:r>
             <a:r>
-              <a:rPr lang="en-GB" b="1" dirty="0"/>
+              <a:rPr lang="en-GB" b="1" dirty="0">
+                <a:solidFill>
+                  <a:schemeClr val="bg1">
+                    <a:lumMod val="65000"/>
+                  </a:schemeClr>
+                </a:solidFill>
+              </a:rPr>
               <a:t>benefits</a:t>
             </a:r>
             <a:r>
-              <a:rPr lang="en-GB" dirty="0"/>
+              <a:rPr lang="en-GB" dirty="0">
+                <a:solidFill>
+                  <a:schemeClr val="bg1">
+                    <a:lumMod val="65000"/>
+                  </a:schemeClr>
+                </a:solidFill>
+              </a:rPr>
               <a:t>?</a:t>
             </a:r>
           </a:p>
@@ -13740,39 +13659,93 @@
               <a:buAutoNum type="arabicPeriod"/>
             </a:pPr>
             <a:r>
-              <a:rPr lang="en-GB" dirty="0"/>
+              <a:rPr lang="en-GB" dirty="0">
+                <a:solidFill>
+                  <a:schemeClr val="bg1">
+                    <a:lumMod val="65000"/>
+                  </a:schemeClr>
+                </a:solidFill>
+              </a:rPr>
               <a:t>What is a </a:t>
             </a:r>
             <a:r>
-              <a:rPr lang="en-GB" b="1" dirty="0" err="1"/>
+              <a:rPr lang="en-GB" b="1" dirty="0" err="1">
+                <a:solidFill>
+                  <a:schemeClr val="bg1">
+                    <a:lumMod val="65000"/>
+                  </a:schemeClr>
+                </a:solidFill>
+              </a:rPr>
               <a:t>PyTorch</a:t>
             </a:r>
             <a:r>
-              <a:rPr lang="en-GB" dirty="0"/>
+              <a:rPr lang="en-GB" dirty="0">
+                <a:solidFill>
+                  <a:schemeClr val="bg1">
+                    <a:lumMod val="65000"/>
+                  </a:schemeClr>
+                </a:solidFill>
+              </a:rPr>
               <a:t> </a:t>
             </a:r>
             <a:r>
-              <a:rPr lang="en-GB" b="1" dirty="0"/>
+              <a:rPr lang="en-GB" b="1" dirty="0">
+                <a:solidFill>
+                  <a:schemeClr val="bg1">
+                    <a:lumMod val="65000"/>
+                  </a:schemeClr>
+                </a:solidFill>
+              </a:rPr>
               <a:t>tensor</a:t>
             </a:r>
             <a:r>
-              <a:rPr lang="en-GB" dirty="0"/>
+              <a:rPr lang="en-GB" dirty="0">
+                <a:solidFill>
+                  <a:schemeClr val="bg1">
+                    <a:lumMod val="65000"/>
+                  </a:schemeClr>
+                </a:solidFill>
+              </a:rPr>
               <a:t> </a:t>
             </a:r>
             <a:r>
-              <a:rPr lang="en-GB" b="1" dirty="0"/>
+              <a:rPr lang="en-GB" b="1" dirty="0">
+                <a:solidFill>
+                  <a:schemeClr val="bg1">
+                    <a:lumMod val="65000"/>
+                  </a:schemeClr>
+                </a:solidFill>
+              </a:rPr>
               <a:t>object</a:t>
             </a:r>
             <a:r>
-              <a:rPr lang="en-GB" dirty="0"/>
+              <a:rPr lang="en-GB" dirty="0">
+                <a:solidFill>
+                  <a:schemeClr val="bg1">
+                    <a:lumMod val="65000"/>
+                  </a:schemeClr>
+                </a:solidFill>
+              </a:rPr>
               <a:t> and its typical </a:t>
             </a:r>
             <a:r>
-              <a:rPr lang="en-GB" b="1" dirty="0"/>
+              <a:rPr lang="en-GB" b="1" dirty="0">
+                <a:solidFill>
+                  <a:schemeClr val="bg1">
+                    <a:lumMod val="65000"/>
+                  </a:schemeClr>
+                </a:solidFill>
+              </a:rPr>
               <a:t>attributes</a:t>
             </a:r>
             <a:r>
-              <a:rPr lang="en-GB" dirty="0"/>
+              <a:rPr lang="en-GB" dirty="0">
+                <a:solidFill>
+                  <a:schemeClr val="bg1">
+                    <a:lumMod val="65000"/>
+                  </a:schemeClr>
+                </a:solidFill>
+              </a:rPr>
               <a:t>?</a:t>
             </a:r>
           </a:p>
@@ -13782,23 +13755,53 @@
               <a:buAutoNum type="arabicPeriod"/>
             </a:pPr>
             <a:r>
-              <a:rPr lang="en-GB" dirty="0"/>
+              <a:rPr lang="en-GB" dirty="0">
+                <a:solidFill>
+                  <a:schemeClr val="bg1">
+                    <a:lumMod val="65000"/>
+                  </a:schemeClr>
+                </a:solidFill>
+              </a:rPr>
               <a:t>How to implement some typical </a:t>
             </a:r>
             <a:r>
-              <a:rPr lang="en-GB" b="1" dirty="0"/>
+              <a:rPr lang="en-GB" b="1" dirty="0">
+                <a:solidFill>
+                  <a:schemeClr val="bg1">
+                    <a:lumMod val="65000"/>
+                  </a:schemeClr>
+                </a:solidFill>
+              </a:rPr>
               <a:t>tensor</a:t>
             </a:r>
             <a:r>
-              <a:rPr lang="en-GB" dirty="0"/>
+              <a:rPr lang="en-GB" dirty="0">
+                <a:solidFill>
+                  <a:schemeClr val="bg1">
+                    <a:lumMod val="65000"/>
+                  </a:schemeClr>
+                </a:solidFill>
+              </a:rPr>
               <a:t> </a:t>
             </a:r>
             <a:r>
-              <a:rPr lang="en-GB" b="1" dirty="0"/>
+              <a:rPr lang="en-GB" b="1" dirty="0">
+                <a:solidFill>
+                  <a:schemeClr val="bg1">
+                    <a:lumMod val="65000"/>
+                  </a:schemeClr>
+                </a:solidFill>
+              </a:rPr>
               <a:t>operations</a:t>
             </a:r>
             <a:r>
-              <a:rPr lang="en-GB" dirty="0"/>
+              <a:rPr lang="en-GB" dirty="0">
+                <a:solidFill>
+                  <a:schemeClr val="bg1">
+                    <a:lumMod val="65000"/>
+                  </a:schemeClr>
+                </a:solidFill>
+              </a:rPr>
               <a:t>?</a:t>
             </a:r>
           </a:p>
@@ -13808,15 +13811,33 @@
               <a:buAutoNum type="arabicPeriod"/>
             </a:pPr>
             <a:r>
-              <a:rPr lang="en-GB" dirty="0"/>
+              <a:rPr lang="en-GB" dirty="0">
+                <a:solidFill>
+                  <a:schemeClr val="bg1">
+                    <a:lumMod val="65000"/>
+                  </a:schemeClr>
+                </a:solidFill>
+              </a:rPr>
               <a:t>What is </a:t>
             </a:r>
             <a:r>
-              <a:rPr lang="en-GB" b="1" dirty="0"/>
+              <a:rPr lang="en-GB" b="1" dirty="0">
+                <a:solidFill>
+                  <a:schemeClr val="bg1">
+                    <a:lumMod val="65000"/>
+                  </a:schemeClr>
+                </a:solidFill>
+              </a:rPr>
               <a:t>broadcasting</a:t>
             </a:r>
             <a:r>
-              <a:rPr lang="en-GB" dirty="0"/>
+              <a:rPr lang="en-GB" dirty="0">
+                <a:solidFill>
+                  <a:schemeClr val="bg1">
+                    <a:lumMod val="65000"/>
+                  </a:schemeClr>
+                </a:solidFill>
+              </a:rPr>
               <a:t> on tensors?</a:t>
             </a:r>
           </a:p>
@@ -13826,23 +13847,53 @@
               <a:buAutoNum type="arabicPeriod"/>
             </a:pPr>
             <a:r>
-              <a:rPr lang="en-GB" dirty="0"/>
+              <a:rPr lang="en-GB" dirty="0">
+                <a:solidFill>
+                  <a:schemeClr val="bg1">
+                    <a:lumMod val="65000"/>
+                  </a:schemeClr>
+                </a:solidFill>
+              </a:rPr>
               <a:t>What are </a:t>
             </a:r>
             <a:r>
-              <a:rPr lang="en-GB" b="1" dirty="0"/>
+              <a:rPr lang="en-GB" b="1" dirty="0">
+                <a:solidFill>
+                  <a:schemeClr val="bg1">
+                    <a:lumMod val="65000"/>
+                  </a:schemeClr>
+                </a:solidFill>
+              </a:rPr>
               <a:t>tensor</a:t>
             </a:r>
             <a:r>
-              <a:rPr lang="en-GB" dirty="0"/>
+              <a:rPr lang="en-GB" dirty="0">
+                <a:solidFill>
+                  <a:schemeClr val="bg1">
+                    <a:lumMod val="65000"/>
+                  </a:schemeClr>
+                </a:solidFill>
+              </a:rPr>
               <a:t> </a:t>
             </a:r>
             <a:r>
-              <a:rPr lang="en-GB" b="1" dirty="0"/>
+              <a:rPr lang="en-GB" b="1" dirty="0">
+                <a:solidFill>
+                  <a:schemeClr val="bg1">
+                    <a:lumMod val="65000"/>
+                  </a:schemeClr>
+                </a:solidFill>
+              </a:rPr>
               <a:t>locations</a:t>
             </a:r>
             <a:r>
-              <a:rPr lang="en-GB" dirty="0"/>
+              <a:rPr lang="en-GB" dirty="0">
+                <a:solidFill>
+                  <a:schemeClr val="bg1">
+                    <a:lumMod val="65000"/>
+                  </a:schemeClr>
+                </a:solidFill>
+              </a:rPr>
               <a:t> in terms of computation?</a:t>
             </a:r>
           </a:p>
@@ -13852,71 +13903,173 @@
               <a:buAutoNum type="arabicPeriod"/>
             </a:pPr>
             <a:r>
-              <a:rPr lang="en-GB" dirty="0"/>
+              <a:rPr lang="en-GB" dirty="0">
+                <a:solidFill>
+                  <a:schemeClr val="bg1">
+                    <a:lumMod val="65000"/>
+                  </a:schemeClr>
+                </a:solidFill>
+              </a:rPr>
               <a:t>How to </a:t>
             </a:r>
             <a:r>
-              <a:rPr lang="en-GB" b="1" dirty="0"/>
+              <a:rPr lang="en-GB" b="1" dirty="0">
+                <a:solidFill>
+                  <a:schemeClr val="bg1">
+                    <a:lumMod val="65000"/>
+                  </a:schemeClr>
+                </a:solidFill>
+              </a:rPr>
               <a:t>transform</a:t>
             </a:r>
             <a:r>
-              <a:rPr lang="en-GB" dirty="0"/>
+              <a:rPr lang="en-GB" dirty="0">
+                <a:solidFill>
+                  <a:schemeClr val="bg1">
+                    <a:lumMod val="65000"/>
+                  </a:schemeClr>
+                </a:solidFill>
+              </a:rPr>
               <a:t> </a:t>
             </a:r>
             <a:r>
-              <a:rPr lang="en-GB" b="1" dirty="0"/>
+              <a:rPr lang="en-GB" b="1" dirty="0">
+                <a:solidFill>
+                  <a:schemeClr val="bg1">
+                    <a:lumMod val="65000"/>
+                  </a:schemeClr>
+                </a:solidFill>
+              </a:rPr>
               <a:t>our</a:t>
             </a:r>
             <a:r>
-              <a:rPr lang="en-GB" dirty="0"/>
+              <a:rPr lang="en-GB" dirty="0">
+                <a:solidFill>
+                  <a:schemeClr val="bg1">
+                    <a:lumMod val="65000"/>
+                  </a:schemeClr>
+                </a:solidFill>
+              </a:rPr>
               <a:t> </a:t>
             </a:r>
             <a:r>
-              <a:rPr lang="en-GB" b="1" dirty="0"/>
+              <a:rPr lang="en-GB" b="1" dirty="0">
+                <a:solidFill>
+                  <a:schemeClr val="bg1">
+                    <a:lumMod val="65000"/>
+                  </a:schemeClr>
+                </a:solidFill>
+              </a:rPr>
               <a:t>original</a:t>
             </a:r>
             <a:r>
-              <a:rPr lang="en-GB" dirty="0"/>
+              <a:rPr lang="en-GB" dirty="0">
+                <a:solidFill>
+                  <a:schemeClr val="bg1">
+                    <a:lumMod val="65000"/>
+                  </a:schemeClr>
+                </a:solidFill>
+              </a:rPr>
               <a:t> </a:t>
             </a:r>
             <a:r>
-              <a:rPr lang="en-GB" b="1" dirty="0"/>
+              <a:rPr lang="en-GB" b="1" dirty="0">
+                <a:solidFill>
+                  <a:schemeClr val="bg1">
+                    <a:lumMod val="65000"/>
+                  </a:schemeClr>
+                </a:solidFill>
+              </a:rPr>
               <a:t>NumPy</a:t>
             </a:r>
             <a:r>
-              <a:rPr lang="en-GB" dirty="0"/>
+              <a:rPr lang="en-GB" dirty="0">
+                <a:solidFill>
+                  <a:schemeClr val="bg1">
+                    <a:lumMod val="65000"/>
+                  </a:schemeClr>
+                </a:solidFill>
+              </a:rPr>
               <a:t> </a:t>
             </a:r>
             <a:r>
-              <a:rPr lang="en-GB" b="1" dirty="0"/>
+              <a:rPr lang="en-GB" b="1" dirty="0">
+                <a:solidFill>
+                  <a:schemeClr val="bg1">
+                    <a:lumMod val="65000"/>
+                  </a:schemeClr>
+                </a:solidFill>
+              </a:rPr>
               <a:t>shallow</a:t>
             </a:r>
             <a:r>
-              <a:rPr lang="en-GB" dirty="0"/>
+              <a:rPr lang="en-GB" dirty="0">
+                <a:solidFill>
+                  <a:schemeClr val="bg1">
+                    <a:lumMod val="65000"/>
+                  </a:schemeClr>
+                </a:solidFill>
+              </a:rPr>
               <a:t> </a:t>
             </a:r>
             <a:r>
-              <a:rPr lang="en-GB" b="1" dirty="0"/>
+              <a:rPr lang="en-GB" b="1" dirty="0">
+                <a:solidFill>
+                  <a:schemeClr val="bg1">
+                    <a:lumMod val="65000"/>
+                  </a:schemeClr>
+                </a:solidFill>
+              </a:rPr>
               <a:t>Neural</a:t>
             </a:r>
             <a:r>
-              <a:rPr lang="en-GB" dirty="0"/>
+              <a:rPr lang="en-GB" dirty="0">
+                <a:solidFill>
+                  <a:schemeClr val="bg1">
+                    <a:lumMod val="65000"/>
+                  </a:schemeClr>
+                </a:solidFill>
+              </a:rPr>
               <a:t> </a:t>
             </a:r>
             <a:r>
-              <a:rPr lang="en-GB" b="1" dirty="0"/>
+              <a:rPr lang="en-GB" b="1" dirty="0">
+                <a:solidFill>
+                  <a:schemeClr val="bg1">
+                    <a:lumMod val="65000"/>
+                  </a:schemeClr>
+                </a:solidFill>
+              </a:rPr>
               <a:t>Network</a:t>
             </a:r>
             <a:r>
-              <a:rPr lang="en-GB" dirty="0"/>
+              <a:rPr lang="en-GB" dirty="0">
+                <a:solidFill>
+                  <a:schemeClr val="bg1">
+                    <a:lumMod val="65000"/>
+                  </a:schemeClr>
+                </a:solidFill>
+              </a:rPr>
               <a:t> class so it uses </a:t>
             </a:r>
             <a:r>
-              <a:rPr lang="en-GB" b="1" dirty="0" err="1"/>
+              <a:rPr lang="en-GB" b="1" dirty="0" err="1">
+                <a:solidFill>
+                  <a:schemeClr val="bg1">
+                    <a:lumMod val="65000"/>
+                  </a:schemeClr>
+                </a:solidFill>
+              </a:rPr>
               <a:t>PyTorch</a:t>
             </a:r>
             <a:r>
-              <a:rPr lang="en-GB" dirty="0"/>
+              <a:rPr lang="en-GB" dirty="0">
+                <a:solidFill>
+                  <a:schemeClr val="bg1">
+                    <a:lumMod val="65000"/>
+                  </a:schemeClr>
+                </a:solidFill>
+              </a:rPr>
               <a:t> now instead?</a:t>
             </a:r>
           </a:p>
@@ -13926,39 +14079,93 @@
               <a:buAutoNum type="arabicPeriod"/>
             </a:pPr>
             <a:r>
-              <a:rPr lang="en-GB" dirty="0"/>
+              <a:rPr lang="en-GB" dirty="0">
+                <a:solidFill>
+                  <a:schemeClr val="bg1">
+                    <a:lumMod val="65000"/>
+                  </a:schemeClr>
+                </a:solidFill>
+              </a:rPr>
               <a:t>How to implement a </a:t>
             </a:r>
             <a:r>
-              <a:rPr lang="en-GB" b="1" dirty="0"/>
+              <a:rPr lang="en-GB" b="1" dirty="0">
+                <a:solidFill>
+                  <a:schemeClr val="bg1">
+                    <a:lumMod val="65000"/>
+                  </a:schemeClr>
+                </a:solidFill>
+              </a:rPr>
               <a:t>forward</a:t>
             </a:r>
             <a:r>
-              <a:rPr lang="en-GB" dirty="0"/>
+              <a:rPr lang="en-GB" dirty="0">
+                <a:solidFill>
+                  <a:schemeClr val="bg1">
+                    <a:lumMod val="65000"/>
+                  </a:schemeClr>
+                </a:solidFill>
+              </a:rPr>
               <a:t>, </a:t>
             </a:r>
             <a:r>
-              <a:rPr lang="en-GB" b="1" dirty="0"/>
+              <a:rPr lang="en-GB" b="1" dirty="0">
+                <a:solidFill>
+                  <a:schemeClr val="bg1">
+                    <a:lumMod val="65000"/>
+                  </a:schemeClr>
+                </a:solidFill>
+              </a:rPr>
               <a:t>loss</a:t>
             </a:r>
             <a:r>
-              <a:rPr lang="en-GB" dirty="0"/>
+              <a:rPr lang="en-GB" dirty="0">
+                <a:solidFill>
+                  <a:schemeClr val="bg1">
+                    <a:lumMod val="65000"/>
+                  </a:schemeClr>
+                </a:solidFill>
+              </a:rPr>
               <a:t> and </a:t>
             </a:r>
             <a:r>
-              <a:rPr lang="en-GB" b="1" dirty="0"/>
+              <a:rPr lang="en-GB" b="1" dirty="0">
+                <a:solidFill>
+                  <a:schemeClr val="bg1">
+                    <a:lumMod val="65000"/>
+                  </a:schemeClr>
+                </a:solidFill>
+              </a:rPr>
               <a:t>accuracy</a:t>
             </a:r>
             <a:r>
-              <a:rPr lang="en-GB" dirty="0"/>
+              <a:rPr lang="en-GB" dirty="0">
+                <a:solidFill>
+                  <a:schemeClr val="bg1">
+                    <a:lumMod val="65000"/>
+                  </a:schemeClr>
+                </a:solidFill>
+              </a:rPr>
               <a:t> metric in </a:t>
             </a:r>
             <a:r>
-              <a:rPr lang="en-GB" dirty="0" err="1"/>
+              <a:rPr lang="en-GB" dirty="0" err="1">
+                <a:solidFill>
+                  <a:schemeClr val="bg1">
+                    <a:lumMod val="65000"/>
+                  </a:schemeClr>
+                </a:solidFill>
+              </a:rPr>
               <a:t>PyTorch</a:t>
             </a:r>
             <a:r>
-              <a:rPr lang="en-GB" dirty="0"/>
+              <a:rPr lang="en-GB" dirty="0">
+                <a:solidFill>
+                  <a:schemeClr val="bg1">
+                    <a:lumMod val="65000"/>
+                  </a:schemeClr>
+                </a:solidFill>
+              </a:rPr>
               <a:t>?</a:t>
             </a:r>
           </a:p>
@@ -13968,39 +14175,93 @@
               <a:buAutoNum type="arabicPeriod"/>
             </a:pPr>
             <a:r>
-              <a:rPr lang="en-GB" dirty="0"/>
+              <a:rPr lang="en-GB" dirty="0">
+                <a:solidFill>
+                  <a:schemeClr val="bg1">
+                    <a:lumMod val="65000"/>
+                  </a:schemeClr>
+                </a:solidFill>
+              </a:rPr>
               <a:t>What are some measurable </a:t>
             </a:r>
             <a:r>
-              <a:rPr lang="en-GB" b="1" dirty="0"/>
+              <a:rPr lang="en-GB" b="1" dirty="0">
+                <a:solidFill>
+                  <a:schemeClr val="bg1">
+                    <a:lumMod val="65000"/>
+                  </a:schemeClr>
+                </a:solidFill>
+              </a:rPr>
               <a:t>performance</a:t>
             </a:r>
             <a:r>
-              <a:rPr lang="en-GB" dirty="0"/>
+              <a:rPr lang="en-GB" dirty="0">
+                <a:solidFill>
+                  <a:schemeClr val="bg1">
+                    <a:lumMod val="65000"/>
+                  </a:schemeClr>
+                </a:solidFill>
+              </a:rPr>
               <a:t> </a:t>
             </a:r>
             <a:r>
-              <a:rPr lang="en-GB" b="1" dirty="0"/>
+              <a:rPr lang="en-GB" b="1" dirty="0">
+                <a:solidFill>
+                  <a:schemeClr val="bg1">
+                    <a:lumMod val="65000"/>
+                  </a:schemeClr>
+                </a:solidFill>
+              </a:rPr>
               <a:t>benefits</a:t>
             </a:r>
             <a:r>
-              <a:rPr lang="en-GB" dirty="0"/>
+              <a:rPr lang="en-GB" dirty="0">
+                <a:solidFill>
+                  <a:schemeClr val="bg1">
+                    <a:lumMod val="65000"/>
+                  </a:schemeClr>
+                </a:solidFill>
+              </a:rPr>
               <a:t> of using </a:t>
             </a:r>
             <a:r>
-              <a:rPr lang="en-GB" b="1" dirty="0" err="1"/>
+              <a:rPr lang="en-GB" b="1" dirty="0" err="1">
+                <a:solidFill>
+                  <a:schemeClr val="bg1">
+                    <a:lumMod val="65000"/>
+                  </a:schemeClr>
+                </a:solidFill>
+              </a:rPr>
               <a:t>PyTorch</a:t>
             </a:r>
             <a:r>
-              <a:rPr lang="en-GB" dirty="0"/>
+              <a:rPr lang="en-GB" dirty="0">
+                <a:solidFill>
+                  <a:schemeClr val="bg1">
+                    <a:lumMod val="65000"/>
+                  </a:schemeClr>
+                </a:solidFill>
+              </a:rPr>
               <a:t> over NumPy and </a:t>
             </a:r>
             <a:r>
-              <a:rPr lang="en-GB" b="1" dirty="0"/>
+              <a:rPr lang="en-GB" b="1" dirty="0">
+                <a:solidFill>
+                  <a:schemeClr val="bg1">
+                    <a:lumMod val="65000"/>
+                  </a:schemeClr>
+                </a:solidFill>
+              </a:rPr>
               <a:t>GPUs</a:t>
             </a:r>
             <a:r>
-              <a:rPr lang="en-GB" dirty="0"/>
+              <a:rPr lang="en-GB" dirty="0">
+                <a:solidFill>
+                  <a:schemeClr val="bg1">
+                    <a:lumMod val="65000"/>
+                  </a:schemeClr>
+                </a:solidFill>
+              </a:rPr>
               <a:t> over CPUs?</a:t>
             </a:r>
           </a:p>
@@ -14009,7 +14270,13 @@
               <a:buFont typeface="+mj-lt"/>
               <a:buAutoNum type="arabicPeriod"/>
             </a:pPr>
-            <a:endParaRPr lang="en-SG" dirty="0"/>
+            <a:endParaRPr lang="en-SG" dirty="0">
+              <a:solidFill>
+                <a:schemeClr val="bg1">
+                  <a:lumMod val="65000"/>
+                </a:schemeClr>
+              </a:solidFill>
+            </a:endParaRPr>
           </a:p>
         </p:txBody>
       </p:sp>
@@ -15499,8 +15766,8 @@
           </a:p>
         </p:txBody>
       </p:sp>
-      <mc:AlternateContent xmlns:mc="http://schemas.openxmlformats.org/markup-compatibility/2006" xmlns:a14="http://schemas.microsoft.com/office/drawing/2010/main">
-        <mc:Choice Requires="a14">
+      <mc:AlternateContent xmlns:mc="http://schemas.openxmlformats.org/markup-compatibility/2006">
+        <mc:Choice xmlns:a14="http://schemas.microsoft.com/office/drawing/2010/main" Requires="a14">
           <p:sp>
             <p:nvSpPr>
               <p:cNvPr id="3" name="Content Placeholder 2">
@@ -15534,12 +15801,12 @@
                 </a:pPr>
                 <a:r>
                   <a:rPr lang="en-GB" b="1" dirty="0"/>
-                  <a:t>Problem (</a:t>
+                  <a:t>Problem: </a:t>
                 </a:r>
                 <a:r>
                   <a:rPr lang="en-GB" b="1" dirty="0">
                     <a:solidFill>
-                      <a:srgbClr val="00B050"/>
+                      <a:schemeClr val="tx1"/>
                     </a:solidFill>
                   </a:rPr>
                   <a:t>How could we produce multi-class classification probabilities for all possible </a:t>
@@ -15549,7 +15816,7 @@
                     <m:r>
                       <a:rPr lang="en-GB" b="1" i="1" dirty="0" smtClean="0">
                         <a:solidFill>
-                          <a:srgbClr val="00B050"/>
+                          <a:schemeClr val="tx1"/>
                         </a:solidFill>
                         <a:latin typeface="Cambria Math" panose="02040503050406030204" pitchFamily="18" charset="0"/>
                       </a:rPr>
@@ -15558,7 +15825,7 @@
                     <m:r>
                       <a:rPr lang="en-GB" b="1" i="1" dirty="0" smtClean="0">
                         <a:solidFill>
-                          <a:srgbClr val="00B050"/>
+                          <a:schemeClr val="tx1"/>
                         </a:solidFill>
                         <a:latin typeface="Cambria Math" panose="02040503050406030204" pitchFamily="18" charset="0"/>
                       </a:rPr>
@@ -15567,7 +15834,7 @@
                     <m:r>
                       <a:rPr lang="en-GB" b="1" i="1" dirty="0" smtClean="0">
                         <a:solidFill>
-                          <a:srgbClr val="00B050"/>
+                          <a:schemeClr val="tx1"/>
                         </a:solidFill>
                         <a:latin typeface="Cambria Math" panose="02040503050406030204" pitchFamily="18" charset="0"/>
                       </a:rPr>
@@ -15578,15 +15845,17 @@
                 <a:r>
                   <a:rPr lang="en-GB" b="1" dirty="0">
                     <a:solidFill>
-                      <a:srgbClr val="00B050"/>
+                      <a:schemeClr val="tx1"/>
                     </a:solidFill>
                   </a:rPr>
                   <a:t> classes as outputs?</a:t>
                 </a:r>
-                <a:r>
-                  <a:rPr lang="en-GB" b="1" dirty="0"/>
-                  <a:t>):</a:t>
-                </a:r>
+              </a:p>
+              <a:p>
+                <a:pPr marL="0" indent="0">
+                  <a:buNone/>
+                </a:pPr>
+                <a:endParaRPr lang="en-GB" dirty="0"/>
               </a:p>
               <a:p>
                 <a:pPr marL="0" indent="0">
@@ -15941,7 +16210,7 @@
             </p:txBody>
           </p:sp>
         </mc:Choice>
-        <mc:Fallback xmlns="">
+        <mc:Fallback>
           <p:sp>
             <p:nvSpPr>
               <p:cNvPr id="3" name="Content Placeholder 2">
@@ -15975,7 +16244,7 @@
               <a:lstStyle/>
               <a:p>
                 <a:r>
-                  <a:rPr lang="en-SG">
+                  <a:rPr lang="en-GB">
                     <a:noFill/>
                   </a:rPr>
                   <a:t> </a:t>
@@ -16062,7 +16331,12 @@
                 <p:ph idx="1"/>
               </p:nvPr>
             </p:nvSpPr>
-            <p:spPr/>
+            <p:spPr>
+              <a:xfrm>
+                <a:off x="838200" y="1825624"/>
+                <a:ext cx="10515600" cy="5032375"/>
+              </a:xfrm>
+            </p:spPr>
             <p:txBody>
               <a:bodyPr>
                 <a:normAutofit/>
@@ -16222,6 +16496,9 @@
                 <a:pPr marL="0" indent="0">
                   <a:buNone/>
                 </a:pPr>
+                <a:br>
+                  <a:rPr lang="en-GB" dirty="0"/>
+                </a:br>
                 <a:r>
                   <a:rPr lang="en-GB" dirty="0"/>
                   <a:t>A </a:t>
@@ -16236,7 +16513,7 @@
                 </a:r>
                 <a:r>
                   <a:rPr lang="en-GB" b="1" dirty="0"/>
-                  <a:t>connected</a:t>
+                  <a:t>connected (or linear)</a:t>
                 </a:r>
                 <a:r>
                   <a:rPr lang="en-GB" dirty="0"/>
@@ -16248,7 +16525,7 @@
                 </a:r>
                 <a:r>
                   <a:rPr lang="en-GB" dirty="0"/>
-                  <a:t> (</a:t>
+                  <a:t> (which implements the </a:t>
                 </a:r>
                 <a14:m>
                   <m:oMath xmlns:m="http://schemas.openxmlformats.org/officeDocument/2006/math">
@@ -16274,7 +16551,7 @@
                 </a14:m>
                 <a:r>
                   <a:rPr lang="en-GB" dirty="0"/>
-                  <a:t>) cannot do that on its own, as</a:t>
+                  <a:t> operation) cannot do that on its own, as</a:t>
                 </a:r>
               </a:p>
               <a:p>
@@ -16343,10 +16620,14 @@
               </p:nvPr>
             </p:nvSpPr>
             <p:spPr>
+              <a:xfrm>
+                <a:off x="838200" y="1825624"/>
+                <a:ext cx="10515600" cy="5032375"/>
+              </a:xfrm>
               <a:blipFill>
                 <a:blip r:embed="rId2"/>
                 <a:stretch>
-                  <a:fillRect l="-1217" t="-2241"/>
+                  <a:fillRect l="-1217" t="-1937"/>
                 </a:stretch>
               </a:blipFill>
             </p:spPr>
@@ -16424,8 +16705,8 @@
           </a:p>
         </p:txBody>
       </p:sp>
-      <mc:AlternateContent xmlns:mc="http://schemas.openxmlformats.org/markup-compatibility/2006">
-        <mc:Choice xmlns:a14="http://schemas.microsoft.com/office/drawing/2010/main" Requires="a14">
+      <mc:AlternateContent xmlns:mc="http://schemas.openxmlformats.org/markup-compatibility/2006" xmlns:a14="http://schemas.microsoft.com/office/drawing/2010/main">
+        <mc:Choice Requires="a14">
           <p:sp>
             <p:nvSpPr>
               <p:cNvPr id="3" name="Content Placeholder 2">
@@ -16617,7 +16898,7 @@
             </p:txBody>
           </p:sp>
         </mc:Choice>
-        <mc:Fallback>
+        <mc:Fallback xmlns="">
           <p:sp>
             <p:nvSpPr>
               <p:cNvPr id="3" name="Content Placeholder 2">
@@ -16753,71 +17034,173 @@
               <a:buAutoNum type="arabicPeriod" startAt="9"/>
             </a:pPr>
             <a:r>
-              <a:rPr lang="en-GB" dirty="0"/>
+              <a:rPr lang="en-GB" dirty="0">
+                <a:solidFill>
+                  <a:schemeClr val="bg1">
+                    <a:lumMod val="65000"/>
+                  </a:schemeClr>
+                </a:solidFill>
+              </a:rPr>
               <a:t>What is the </a:t>
             </a:r>
             <a:r>
-              <a:rPr lang="en-GB" b="1" dirty="0" err="1"/>
+              <a:rPr lang="en-GB" b="1" dirty="0" err="1">
+                <a:solidFill>
+                  <a:schemeClr val="bg1">
+                    <a:lumMod val="65000"/>
+                  </a:schemeClr>
+                </a:solidFill>
+              </a:rPr>
               <a:t>autograd</a:t>
             </a:r>
             <a:r>
-              <a:rPr lang="en-GB" dirty="0"/>
+              <a:rPr lang="en-GB" dirty="0">
+                <a:solidFill>
+                  <a:schemeClr val="bg1">
+                    <a:lumMod val="65000"/>
+                  </a:schemeClr>
+                </a:solidFill>
+              </a:rPr>
               <a:t>/</a:t>
             </a:r>
             <a:r>
-              <a:rPr lang="en-GB" b="1" dirty="0"/>
+              <a:rPr lang="en-GB" b="1" dirty="0">
+                <a:solidFill>
+                  <a:schemeClr val="bg1">
+                    <a:lumMod val="65000"/>
+                  </a:schemeClr>
+                </a:solidFill>
+              </a:rPr>
               <a:t>backprop</a:t>
             </a:r>
             <a:r>
-              <a:rPr lang="en-GB" dirty="0"/>
+              <a:rPr lang="en-GB" dirty="0">
+                <a:solidFill>
+                  <a:schemeClr val="bg1">
+                    <a:lumMod val="65000"/>
+                  </a:schemeClr>
+                </a:solidFill>
+              </a:rPr>
               <a:t> module in </a:t>
             </a:r>
             <a:r>
-              <a:rPr lang="en-GB" dirty="0" err="1"/>
+              <a:rPr lang="en-GB" dirty="0" err="1">
+                <a:solidFill>
+                  <a:schemeClr val="bg1">
+                    <a:lumMod val="65000"/>
+                  </a:schemeClr>
+                </a:solidFill>
+              </a:rPr>
               <a:t>PyTorch</a:t>
             </a:r>
             <a:r>
-              <a:rPr lang="en-GB" dirty="0"/>
+              <a:rPr lang="en-GB" dirty="0">
+                <a:solidFill>
+                  <a:schemeClr val="bg1">
+                    <a:lumMod val="65000"/>
+                  </a:schemeClr>
+                </a:solidFill>
+              </a:rPr>
               <a:t>, and how does it use a </a:t>
             </a:r>
             <a:r>
-              <a:rPr lang="en-GB" b="1" dirty="0"/>
+              <a:rPr lang="en-GB" b="1" dirty="0">
+                <a:solidFill>
+                  <a:schemeClr val="bg1">
+                    <a:lumMod val="65000"/>
+                  </a:schemeClr>
+                </a:solidFill>
+              </a:rPr>
               <a:t>computational</a:t>
             </a:r>
             <a:r>
-              <a:rPr lang="en-GB" dirty="0"/>
+              <a:rPr lang="en-GB" dirty="0">
+                <a:solidFill>
+                  <a:schemeClr val="bg1">
+                    <a:lumMod val="65000"/>
+                  </a:schemeClr>
+                </a:solidFill>
+              </a:rPr>
               <a:t> </a:t>
             </a:r>
             <a:r>
-              <a:rPr lang="en-GB" b="1" dirty="0"/>
+              <a:rPr lang="en-GB" b="1" dirty="0">
+                <a:solidFill>
+                  <a:schemeClr val="bg1">
+                    <a:lumMod val="65000"/>
+                  </a:schemeClr>
+                </a:solidFill>
+              </a:rPr>
               <a:t>graph</a:t>
             </a:r>
             <a:r>
-              <a:rPr lang="en-GB" dirty="0"/>
+              <a:rPr lang="en-GB" dirty="0">
+                <a:solidFill>
+                  <a:schemeClr val="bg1">
+                    <a:lumMod val="65000"/>
+                  </a:schemeClr>
+                </a:solidFill>
+              </a:rPr>
               <a:t> to </a:t>
             </a:r>
             <a:r>
-              <a:rPr lang="en-GB" b="1" dirty="0"/>
+              <a:rPr lang="en-GB" b="1" dirty="0">
+                <a:solidFill>
+                  <a:schemeClr val="bg1">
+                    <a:lumMod val="65000"/>
+                  </a:schemeClr>
+                </a:solidFill>
+              </a:rPr>
               <a:t>compute</a:t>
             </a:r>
             <a:r>
-              <a:rPr lang="en-GB" dirty="0"/>
+              <a:rPr lang="en-GB" dirty="0">
+                <a:solidFill>
+                  <a:schemeClr val="bg1">
+                    <a:lumMod val="65000"/>
+                  </a:schemeClr>
+                </a:solidFill>
+              </a:rPr>
               <a:t> </a:t>
             </a:r>
             <a:r>
-              <a:rPr lang="en-GB" b="1" dirty="0"/>
+              <a:rPr lang="en-GB" b="1" dirty="0">
+                <a:solidFill>
+                  <a:schemeClr val="bg1">
+                    <a:lumMod val="65000"/>
+                  </a:schemeClr>
+                </a:solidFill>
+              </a:rPr>
               <a:t>all</a:t>
             </a:r>
             <a:r>
-              <a:rPr lang="en-GB" dirty="0"/>
+              <a:rPr lang="en-GB" dirty="0">
+                <a:solidFill>
+                  <a:schemeClr val="bg1">
+                    <a:lumMod val="65000"/>
+                  </a:schemeClr>
+                </a:solidFill>
+              </a:rPr>
               <a:t> </a:t>
             </a:r>
             <a:r>
-              <a:rPr lang="en-GB" b="1" dirty="0"/>
+              <a:rPr lang="en-GB" b="1" dirty="0">
+                <a:solidFill>
+                  <a:schemeClr val="bg1">
+                    <a:lumMod val="65000"/>
+                  </a:schemeClr>
+                </a:solidFill>
+              </a:rPr>
               <a:t>derivatives</a:t>
             </a:r>
             <a:r>
-              <a:rPr lang="en-GB" dirty="0"/>
+              <a:rPr lang="en-GB" dirty="0">
+                <a:solidFill>
+                  <a:schemeClr val="bg1">
+                    <a:lumMod val="65000"/>
+                  </a:schemeClr>
+                </a:solidFill>
+              </a:rPr>
               <a:t>? </a:t>
             </a:r>
           </a:p>
@@ -16827,47 +17210,113 @@
               <a:buAutoNum type="arabicPeriod" startAt="9"/>
             </a:pPr>
             <a:r>
-              <a:rPr lang="en-GB" dirty="0"/>
+              <a:rPr lang="en-GB" dirty="0">
+                <a:solidFill>
+                  <a:schemeClr val="bg1">
+                    <a:lumMod val="65000"/>
+                  </a:schemeClr>
+                </a:solidFill>
+              </a:rPr>
               <a:t>How to use the </a:t>
             </a:r>
             <a:r>
-              <a:rPr lang="en-GB" b="1" dirty="0" err="1"/>
+              <a:rPr lang="en-GB" b="1" dirty="0" err="1">
+                <a:solidFill>
+                  <a:schemeClr val="bg1">
+                    <a:lumMod val="65000"/>
+                  </a:schemeClr>
+                </a:solidFill>
+              </a:rPr>
               <a:t>autograd</a:t>
             </a:r>
             <a:r>
-              <a:rPr lang="en-GB" dirty="0"/>
+              <a:rPr lang="en-GB" dirty="0">
+                <a:solidFill>
+                  <a:schemeClr val="bg1">
+                    <a:lumMod val="65000"/>
+                  </a:schemeClr>
+                </a:solidFill>
+              </a:rPr>
               <a:t> to implement </a:t>
             </a:r>
             <a:r>
-              <a:rPr lang="en-GB" b="1" dirty="0"/>
+              <a:rPr lang="en-GB" b="1" dirty="0">
+                <a:solidFill>
+                  <a:schemeClr val="bg1">
+                    <a:lumMod val="65000"/>
+                  </a:schemeClr>
+                </a:solidFill>
+              </a:rPr>
               <a:t>derivatives</a:t>
             </a:r>
             <a:r>
-              <a:rPr lang="en-GB" dirty="0"/>
+              <a:rPr lang="en-GB" dirty="0">
+                <a:solidFill>
+                  <a:schemeClr val="bg1">
+                    <a:lumMod val="65000"/>
+                  </a:schemeClr>
+                </a:solidFill>
+              </a:rPr>
               <a:t> and a </a:t>
             </a:r>
             <a:r>
-              <a:rPr lang="en-GB" b="1" dirty="0"/>
+              <a:rPr lang="en-GB" b="1" dirty="0">
+                <a:solidFill>
+                  <a:schemeClr val="bg1">
+                    <a:lumMod val="65000"/>
+                  </a:schemeClr>
+                </a:solidFill>
+              </a:rPr>
               <a:t>vanilla</a:t>
             </a:r>
             <a:r>
-              <a:rPr lang="en-GB" dirty="0"/>
+              <a:rPr lang="en-GB" dirty="0">
+                <a:solidFill>
+                  <a:schemeClr val="bg1">
+                    <a:lumMod val="65000"/>
+                  </a:schemeClr>
+                </a:solidFill>
+              </a:rPr>
               <a:t> </a:t>
             </a:r>
             <a:r>
-              <a:rPr lang="en-GB" b="1" dirty="0"/>
+              <a:rPr lang="en-GB" b="1" dirty="0">
+                <a:solidFill>
+                  <a:schemeClr val="bg1">
+                    <a:lumMod val="65000"/>
+                  </a:schemeClr>
+                </a:solidFill>
+              </a:rPr>
               <a:t>gradient</a:t>
             </a:r>
             <a:r>
-              <a:rPr lang="en-GB" dirty="0"/>
+              <a:rPr lang="en-GB" dirty="0">
+                <a:solidFill>
+                  <a:schemeClr val="bg1">
+                    <a:lumMod val="65000"/>
+                  </a:schemeClr>
+                </a:solidFill>
+              </a:rPr>
               <a:t> </a:t>
             </a:r>
             <a:r>
-              <a:rPr lang="en-GB" b="1" dirty="0"/>
+              <a:rPr lang="en-GB" b="1" dirty="0">
+                <a:solidFill>
+                  <a:schemeClr val="bg1">
+                    <a:lumMod val="65000"/>
+                  </a:schemeClr>
+                </a:solidFill>
+              </a:rPr>
               <a:t>descent</a:t>
             </a:r>
             <a:r>
-              <a:rPr lang="en-GB" dirty="0"/>
+              <a:rPr lang="en-GB" dirty="0">
+                <a:solidFill>
+                  <a:schemeClr val="bg1">
+                    <a:lumMod val="65000"/>
+                  </a:schemeClr>
+                </a:solidFill>
+              </a:rPr>
               <a:t>?</a:t>
             </a:r>
           </a:p>
@@ -16877,47 +17326,113 @@
               <a:buAutoNum type="arabicPeriod" startAt="9"/>
             </a:pPr>
             <a:r>
-              <a:rPr lang="en-GB" dirty="0"/>
+              <a:rPr lang="en-GB" dirty="0">
+                <a:solidFill>
+                  <a:schemeClr val="bg1">
+                    <a:lumMod val="65000"/>
+                  </a:schemeClr>
+                </a:solidFill>
+              </a:rPr>
               <a:t>How to implement </a:t>
             </a:r>
             <a:r>
-              <a:rPr lang="en-GB" b="1" dirty="0"/>
+              <a:rPr lang="en-GB" b="1" dirty="0">
+                <a:solidFill>
+                  <a:schemeClr val="bg1">
+                    <a:lumMod val="65000"/>
+                  </a:schemeClr>
+                </a:solidFill>
+              </a:rPr>
               <a:t>backprop</a:t>
             </a:r>
             <a:r>
-              <a:rPr lang="en-GB" dirty="0"/>
+              <a:rPr lang="en-GB" dirty="0">
+                <a:solidFill>
+                  <a:schemeClr val="bg1">
+                    <a:lumMod val="65000"/>
+                  </a:schemeClr>
+                </a:solidFill>
+              </a:rPr>
               <a:t> in </a:t>
             </a:r>
             <a:r>
-              <a:rPr lang="en-GB" dirty="0" err="1"/>
+              <a:rPr lang="en-GB" dirty="0" err="1">
+                <a:solidFill>
+                  <a:schemeClr val="bg1">
+                    <a:lumMod val="65000"/>
+                  </a:schemeClr>
+                </a:solidFill>
+              </a:rPr>
               <a:t>PyTorch</a:t>
             </a:r>
             <a:r>
-              <a:rPr lang="en-GB" dirty="0"/>
+              <a:rPr lang="en-GB" dirty="0">
+                <a:solidFill>
+                  <a:schemeClr val="bg1">
+                    <a:lumMod val="65000"/>
+                  </a:schemeClr>
+                </a:solidFill>
+              </a:rPr>
               <a:t> for our </a:t>
             </a:r>
             <a:r>
-              <a:rPr lang="en-GB" b="1" dirty="0"/>
+              <a:rPr lang="en-GB" b="1" dirty="0">
+                <a:solidFill>
+                  <a:schemeClr val="bg1">
+                    <a:lumMod val="65000"/>
+                  </a:schemeClr>
+                </a:solidFill>
+              </a:rPr>
               <a:t>shallow</a:t>
             </a:r>
             <a:r>
-              <a:rPr lang="en-GB" dirty="0"/>
+              <a:rPr lang="en-GB" dirty="0">
+                <a:solidFill>
+                  <a:schemeClr val="bg1">
+                    <a:lumMod val="65000"/>
+                  </a:schemeClr>
+                </a:solidFill>
+              </a:rPr>
               <a:t> </a:t>
             </a:r>
             <a:r>
-              <a:rPr lang="en-GB" b="1" dirty="0"/>
+              <a:rPr lang="en-GB" b="1" dirty="0">
+                <a:solidFill>
+                  <a:schemeClr val="bg1">
+                    <a:lumMod val="65000"/>
+                  </a:schemeClr>
+                </a:solidFill>
+              </a:rPr>
               <a:t>Neural</a:t>
             </a:r>
             <a:r>
-              <a:rPr lang="en-GB" dirty="0"/>
+              <a:rPr lang="en-GB" dirty="0">
+                <a:solidFill>
+                  <a:schemeClr val="bg1">
+                    <a:lumMod val="65000"/>
+                  </a:schemeClr>
+                </a:solidFill>
+              </a:rPr>
               <a:t> </a:t>
             </a:r>
             <a:r>
-              <a:rPr lang="en-GB" b="1" dirty="0"/>
+              <a:rPr lang="en-GB" b="1" dirty="0">
+                <a:solidFill>
+                  <a:schemeClr val="bg1">
+                    <a:lumMod val="65000"/>
+                  </a:schemeClr>
+                </a:solidFill>
+              </a:rPr>
               <a:t>Network</a:t>
             </a:r>
             <a:r>
-              <a:rPr lang="en-GB" dirty="0"/>
+              <a:rPr lang="en-GB" dirty="0">
+                <a:solidFill>
+                  <a:schemeClr val="bg1">
+                    <a:lumMod val="65000"/>
+                  </a:schemeClr>
+                </a:solidFill>
+              </a:rPr>
               <a:t> class?</a:t>
             </a:r>
           </a:p>
@@ -16927,31 +17442,73 @@
               <a:buAutoNum type="arabicPeriod" startAt="9"/>
             </a:pPr>
             <a:r>
-              <a:rPr lang="en-GB" dirty="0"/>
+              <a:rPr lang="en-GB" dirty="0">
+                <a:solidFill>
+                  <a:schemeClr val="bg1">
+                    <a:lumMod val="65000"/>
+                  </a:schemeClr>
+                </a:solidFill>
+              </a:rPr>
               <a:t>How to use </a:t>
             </a:r>
             <a:r>
-              <a:rPr lang="en-GB" b="1" dirty="0" err="1"/>
+              <a:rPr lang="en-GB" b="1" dirty="0" err="1">
+                <a:solidFill>
+                  <a:schemeClr val="bg1">
+                    <a:lumMod val="65000"/>
+                  </a:schemeClr>
+                </a:solidFill>
+              </a:rPr>
               <a:t>PyTorch</a:t>
             </a:r>
             <a:r>
-              <a:rPr lang="en-GB" dirty="0"/>
+              <a:rPr lang="en-GB" dirty="0">
+                <a:solidFill>
+                  <a:schemeClr val="bg1">
+                    <a:lumMod val="65000"/>
+                  </a:schemeClr>
+                </a:solidFill>
+              </a:rPr>
               <a:t> to implement </a:t>
             </a:r>
             <a:r>
-              <a:rPr lang="en-GB" b="1" dirty="0"/>
+              <a:rPr lang="en-GB" b="1" dirty="0">
+                <a:solidFill>
+                  <a:schemeClr val="bg1">
+                    <a:lumMod val="65000"/>
+                  </a:schemeClr>
+                </a:solidFill>
+              </a:rPr>
               <a:t>advanced</a:t>
             </a:r>
             <a:r>
-              <a:rPr lang="en-GB" dirty="0"/>
+              <a:rPr lang="en-GB" dirty="0">
+                <a:solidFill>
+                  <a:schemeClr val="bg1">
+                    <a:lumMod val="65000"/>
+                  </a:schemeClr>
+                </a:solidFill>
+              </a:rPr>
               <a:t> </a:t>
             </a:r>
             <a:r>
-              <a:rPr lang="en-GB" b="1" dirty="0"/>
+              <a:rPr lang="en-GB" b="1" dirty="0">
+                <a:solidFill>
+                  <a:schemeClr val="bg1">
+                    <a:lumMod val="65000"/>
+                  </a:schemeClr>
+                </a:solidFill>
+              </a:rPr>
               <a:t>optimizers</a:t>
             </a:r>
             <a:r>
-              <a:rPr lang="en-GB" dirty="0"/>
+              <a:rPr lang="en-GB" dirty="0">
+                <a:solidFill>
+                  <a:schemeClr val="bg1">
+                    <a:lumMod val="65000"/>
+                  </a:schemeClr>
+                </a:solidFill>
+              </a:rPr>
               <a:t>?</a:t>
             </a:r>
           </a:p>
@@ -16961,31 +17518,73 @@
               <a:buAutoNum type="arabicPeriod" startAt="9"/>
             </a:pPr>
             <a:r>
-              <a:rPr lang="en-GB" dirty="0"/>
+              <a:rPr lang="en-GB" dirty="0">
+                <a:solidFill>
+                  <a:schemeClr val="bg1">
+                    <a:lumMod val="65000"/>
+                  </a:schemeClr>
+                </a:solidFill>
+              </a:rPr>
               <a:t>How to use </a:t>
             </a:r>
             <a:r>
-              <a:rPr lang="en-GB" b="1" dirty="0" err="1"/>
+              <a:rPr lang="en-GB" b="1" dirty="0" err="1">
+                <a:solidFill>
+                  <a:schemeClr val="bg1">
+                    <a:lumMod val="65000"/>
+                  </a:schemeClr>
+                </a:solidFill>
+              </a:rPr>
               <a:t>PyTorch</a:t>
             </a:r>
             <a:r>
-              <a:rPr lang="en-GB" dirty="0"/>
+              <a:rPr lang="en-GB" dirty="0">
+                <a:solidFill>
+                  <a:schemeClr val="bg1">
+                    <a:lumMod val="65000"/>
+                  </a:schemeClr>
+                </a:solidFill>
+              </a:rPr>
               <a:t> to implement </a:t>
             </a:r>
             <a:r>
-              <a:rPr lang="en-GB" b="1" dirty="0"/>
+              <a:rPr lang="en-GB" b="1" dirty="0">
+                <a:solidFill>
+                  <a:schemeClr val="bg1">
+                    <a:lumMod val="65000"/>
+                  </a:schemeClr>
+                </a:solidFill>
+              </a:rPr>
               <a:t>advanced</a:t>
             </a:r>
             <a:r>
-              <a:rPr lang="en-GB" dirty="0"/>
+              <a:rPr lang="en-GB" dirty="0">
+                <a:solidFill>
+                  <a:schemeClr val="bg1">
+                    <a:lumMod val="65000"/>
+                  </a:schemeClr>
+                </a:solidFill>
+              </a:rPr>
               <a:t> </a:t>
             </a:r>
             <a:r>
-              <a:rPr lang="en-GB" b="1" dirty="0"/>
+              <a:rPr lang="en-GB" b="1" dirty="0">
+                <a:solidFill>
+                  <a:schemeClr val="bg1">
+                    <a:lumMod val="65000"/>
+                  </a:schemeClr>
+                </a:solidFill>
+              </a:rPr>
               <a:t>initializers</a:t>
             </a:r>
             <a:r>
-              <a:rPr lang="en-GB" dirty="0"/>
+              <a:rPr lang="en-GB" dirty="0">
+                <a:solidFill>
+                  <a:schemeClr val="bg1">
+                    <a:lumMod val="65000"/>
+                  </a:schemeClr>
+                </a:solidFill>
+              </a:rPr>
               <a:t>?</a:t>
             </a:r>
           </a:p>
@@ -16995,23 +17594,53 @@
               <a:buAutoNum type="arabicPeriod" startAt="9"/>
             </a:pPr>
             <a:r>
-              <a:rPr lang="en-GB" dirty="0"/>
+              <a:rPr lang="en-GB" dirty="0">
+                <a:solidFill>
+                  <a:schemeClr val="bg1">
+                    <a:lumMod val="65000"/>
+                  </a:schemeClr>
+                </a:solidFill>
+              </a:rPr>
               <a:t>How to use </a:t>
             </a:r>
             <a:r>
-              <a:rPr lang="en-GB" b="1" dirty="0" err="1"/>
+              <a:rPr lang="en-GB" b="1" dirty="0" err="1">
+                <a:solidFill>
+                  <a:schemeClr val="bg1">
+                    <a:lumMod val="65000"/>
+                  </a:schemeClr>
+                </a:solidFill>
+              </a:rPr>
               <a:t>PyTorch</a:t>
             </a:r>
             <a:r>
-              <a:rPr lang="en-GB" dirty="0"/>
+              <a:rPr lang="en-GB" dirty="0">
+                <a:solidFill>
+                  <a:schemeClr val="bg1">
+                    <a:lumMod val="65000"/>
+                  </a:schemeClr>
+                </a:solidFill>
+              </a:rPr>
               <a:t> to implement </a:t>
             </a:r>
             <a:r>
-              <a:rPr lang="en-GB" b="1" dirty="0"/>
+              <a:rPr lang="en-GB" b="1" dirty="0">
+                <a:solidFill>
+                  <a:schemeClr val="bg1">
+                    <a:lumMod val="65000"/>
+                  </a:schemeClr>
+                </a:solidFill>
+              </a:rPr>
               <a:t>regularization</a:t>
             </a:r>
             <a:r>
-              <a:rPr lang="en-GB" dirty="0"/>
+              <a:rPr lang="en-GB" dirty="0">
+                <a:solidFill>
+                  <a:schemeClr val="bg1">
+                    <a:lumMod val="65000"/>
+                  </a:schemeClr>
+                </a:solidFill>
+              </a:rPr>
               <a:t>?</a:t>
             </a:r>
           </a:p>
@@ -17021,23 +17650,53 @@
               <a:buAutoNum type="arabicPeriod" startAt="9"/>
             </a:pPr>
             <a:r>
-              <a:rPr lang="en-GB" dirty="0"/>
+              <a:rPr lang="en-GB" dirty="0">
+                <a:solidFill>
+                  <a:schemeClr val="bg1">
+                    <a:lumMod val="65000"/>
+                  </a:schemeClr>
+                </a:solidFill>
+              </a:rPr>
               <a:t>How to finally revise our </a:t>
             </a:r>
             <a:r>
-              <a:rPr lang="en-GB" b="1" dirty="0"/>
+              <a:rPr lang="en-GB" b="1" dirty="0">
+                <a:solidFill>
+                  <a:schemeClr val="bg1">
+                    <a:lumMod val="65000"/>
+                  </a:schemeClr>
+                </a:solidFill>
+              </a:rPr>
               <a:t>trainer</a:t>
             </a:r>
             <a:r>
-              <a:rPr lang="en-GB" dirty="0"/>
+              <a:rPr lang="en-GB" dirty="0">
+                <a:solidFill>
+                  <a:schemeClr val="bg1">
+                    <a:lumMod val="65000"/>
+                  </a:schemeClr>
+                </a:solidFill>
+              </a:rPr>
               <a:t> function to obtain a minimal, yet complete Neural Network in </a:t>
             </a:r>
             <a:r>
-              <a:rPr lang="en-GB" dirty="0" err="1"/>
+              <a:rPr lang="en-GB" dirty="0" err="1">
+                <a:solidFill>
+                  <a:schemeClr val="bg1">
+                    <a:lumMod val="65000"/>
+                  </a:schemeClr>
+                </a:solidFill>
+              </a:rPr>
               <a:t>PyTorch</a:t>
             </a:r>
             <a:r>
-              <a:rPr lang="en-GB" dirty="0"/>
+              <a:rPr lang="en-GB" dirty="0">
+                <a:solidFill>
+                  <a:schemeClr val="bg1">
+                    <a:lumMod val="65000"/>
+                  </a:schemeClr>
+                </a:solidFill>
+              </a:rPr>
               <a:t>?</a:t>
             </a:r>
           </a:p>
@@ -17113,8 +17772,8 @@
           </a:p>
         </p:txBody>
       </p:sp>
-      <mc:AlternateContent xmlns:mc="http://schemas.openxmlformats.org/markup-compatibility/2006">
-        <mc:Choice xmlns:a14="http://schemas.microsoft.com/office/drawing/2010/main" Requires="a14">
+      <mc:AlternateContent xmlns:mc="http://schemas.openxmlformats.org/markup-compatibility/2006" xmlns:a14="http://schemas.microsoft.com/office/drawing/2010/main">
+        <mc:Choice Requires="a14">
           <p:sp>
             <p:nvSpPr>
               <p:cNvPr id="3" name="Content Placeholder 2">
@@ -17909,7 +18568,7 @@
             </p:txBody>
           </p:sp>
         </mc:Choice>
-        <mc:Fallback>
+        <mc:Fallback xmlns="">
           <p:sp>
             <p:nvSpPr>
               <p:cNvPr id="3" name="Content Placeholder 2">
@@ -18012,8 +18671,8 @@
           </a:p>
         </p:txBody>
       </p:sp>
-      <mc:AlternateContent xmlns:mc="http://schemas.openxmlformats.org/markup-compatibility/2006">
-        <mc:Choice xmlns:a14="http://schemas.microsoft.com/office/drawing/2010/main" Requires="a14">
+      <mc:AlternateContent xmlns:mc="http://schemas.openxmlformats.org/markup-compatibility/2006" xmlns:a14="http://schemas.microsoft.com/office/drawing/2010/main">
+        <mc:Choice Requires="a14">
           <p:sp>
             <p:nvSpPr>
               <p:cNvPr id="3" name="Content Placeholder 2">
@@ -18543,7 +19202,7 @@
             </p:txBody>
           </p:sp>
         </mc:Choice>
-        <mc:Fallback>
+        <mc:Fallback xmlns="">
           <p:sp>
             <p:nvSpPr>
               <p:cNvPr id="3" name="Content Placeholder 2">
@@ -18858,8 +19517,8 @@
           </a:p>
         </p:txBody>
       </p:sp>
-      <mc:AlternateContent xmlns:mc="http://schemas.openxmlformats.org/markup-compatibility/2006">
-        <mc:Choice xmlns:a14="http://schemas.microsoft.com/office/drawing/2010/main" Requires="a14">
+      <mc:AlternateContent xmlns:mc="http://schemas.openxmlformats.org/markup-compatibility/2006" xmlns:a14="http://schemas.microsoft.com/office/drawing/2010/main">
+        <mc:Choice Requires="a14">
           <p:sp>
             <p:nvSpPr>
               <p:cNvPr id="3" name="Content Placeholder 2">
@@ -19320,7 +19979,7 @@
             </p:txBody>
           </p:sp>
         </mc:Choice>
-        <mc:Fallback>
+        <mc:Fallback xmlns="">
           <p:sp>
             <p:nvSpPr>
               <p:cNvPr id="3" name="Content Placeholder 2">
@@ -19382,7 +20041,13 @@
   <p:cSld>
     <p:spTree>
       <p:nvGrpSpPr>
-        <p:cNvPr id="1" name=""/>
+        <p:cNvPr id="1" name="">
+          <a:extLst>
+            <a:ext uri="{FF2B5EF4-FFF2-40B4-BE49-F238E27FC236}">
+              <a16:creationId xmlns:a16="http://schemas.microsoft.com/office/drawing/2014/main" id="{E3F4C011-4D27-FDC4-61D9-F0559D84B657}"/>
+            </a:ext>
+          </a:extLst>
+        </p:cNvPr>
         <p:cNvGrpSpPr/>
         <p:nvPr/>
       </p:nvGrpSpPr>
@@ -19399,7 +20064,7 @@
           <p:cNvPr id="2" name="Title 1">
             <a:extLst>
               <a:ext uri="{FF2B5EF4-FFF2-40B4-BE49-F238E27FC236}">
-                <a16:creationId xmlns:a16="http://schemas.microsoft.com/office/drawing/2014/main" id="{A8C99902-2A36-9C91-5F2C-9819DE23FB0C}"/>
+                <a16:creationId xmlns:a16="http://schemas.microsoft.com/office/drawing/2014/main" id="{922D1477-3BF5-2284-D4E3-CE18C47741B4}"/>
               </a:ext>
             </a:extLst>
           </p:cNvPr>
@@ -19430,7 +20095,7 @@
               <p:cNvPr id="3" name="Content Placeholder 2">
                 <a:extLst>
                   <a:ext uri="{FF2B5EF4-FFF2-40B4-BE49-F238E27FC236}">
-                    <a16:creationId xmlns:a16="http://schemas.microsoft.com/office/drawing/2014/main" id="{F0814AA9-339A-72D8-E8A9-C066A3ED5800}"/>
+                    <a16:creationId xmlns:a16="http://schemas.microsoft.com/office/drawing/2014/main" id="{9343A306-BF91-C568-1748-542CF0A01257}"/>
                   </a:ext>
                 </a:extLst>
               </p:cNvPr>
@@ -19599,7 +20264,7 @@
           <p:cNvPr id="6" name="Picture 5">
             <a:extLst>
               <a:ext uri="{FF2B5EF4-FFF2-40B4-BE49-F238E27FC236}">
-                <a16:creationId xmlns:a16="http://schemas.microsoft.com/office/drawing/2014/main" id="{43FEE3A1-ADDB-4F63-2385-B5D5C129283D}"/>
+                <a16:creationId xmlns:a16="http://schemas.microsoft.com/office/drawing/2014/main" id="{63FFB917-03AC-A1EC-96A2-AD6CC24D293A}"/>
               </a:ext>
             </a:extLst>
           </p:cNvPr>
@@ -19627,7 +20292,7 @@
     </p:spTree>
     <p:extLst>
       <p:ext uri="{BB962C8B-B14F-4D97-AF65-F5344CB8AC3E}">
-        <p14:creationId xmlns:p14="http://schemas.microsoft.com/office/powerpoint/2010/main" val="741808374"/>
+        <p14:creationId xmlns:p14="http://schemas.microsoft.com/office/powerpoint/2010/main" val="3288933084"/>
       </p:ext>
     </p:extLst>
   </p:cSld>

--- a/W3/3. W3S3 final/W3S3.pptx
+++ b/W3/3. W3S3 final/W3S3.pptx
@@ -5,7 +5,7 @@
     <p:sldMasterId id="2147483648" r:id="rId1"/>
   </p:sldMasterIdLst>
   <p:notesMasterIdLst>
-    <p:notesMasterId r:id="rId61"/>
+    <p:notesMasterId r:id="rId57"/>
   </p:notesMasterIdLst>
   <p:sldIdLst>
     <p:sldId id="377" r:id="rId2"/>
@@ -14,59 +14,55 @@
     <p:sldId id="785" r:id="rId5"/>
     <p:sldId id="782" r:id="rId6"/>
     <p:sldId id="781" r:id="rId7"/>
-    <p:sldId id="396" r:id="rId8"/>
-    <p:sldId id="786" r:id="rId9"/>
-    <p:sldId id="788" r:id="rId10"/>
-    <p:sldId id="397" r:id="rId11"/>
-    <p:sldId id="790" r:id="rId12"/>
-    <p:sldId id="789" r:id="rId13"/>
-    <p:sldId id="791" r:id="rId14"/>
-    <p:sldId id="792" r:id="rId15"/>
-    <p:sldId id="793" r:id="rId16"/>
-    <p:sldId id="794" r:id="rId17"/>
-    <p:sldId id="398" r:id="rId18"/>
-    <p:sldId id="795" r:id="rId19"/>
-    <p:sldId id="796" r:id="rId20"/>
-    <p:sldId id="399" r:id="rId21"/>
-    <p:sldId id="799" r:id="rId22"/>
-    <p:sldId id="798" r:id="rId23"/>
-    <p:sldId id="797" r:id="rId24"/>
-    <p:sldId id="802" r:id="rId25"/>
-    <p:sldId id="801" r:id="rId26"/>
-    <p:sldId id="804" r:id="rId27"/>
-    <p:sldId id="827" r:id="rId28"/>
-    <p:sldId id="805" r:id="rId29"/>
-    <p:sldId id="831" r:id="rId30"/>
-    <p:sldId id="832" r:id="rId31"/>
-    <p:sldId id="803" r:id="rId32"/>
-    <p:sldId id="806" r:id="rId33"/>
-    <p:sldId id="807" r:id="rId34"/>
-    <p:sldId id="833" r:id="rId35"/>
-    <p:sldId id="809" r:id="rId36"/>
-    <p:sldId id="810" r:id="rId37"/>
-    <p:sldId id="811" r:id="rId38"/>
-    <p:sldId id="812" r:id="rId39"/>
-    <p:sldId id="402" r:id="rId40"/>
-    <p:sldId id="828" r:id="rId41"/>
-    <p:sldId id="814" r:id="rId42"/>
-    <p:sldId id="813" r:id="rId43"/>
-    <p:sldId id="815" r:id="rId44"/>
-    <p:sldId id="401" r:id="rId45"/>
-    <p:sldId id="829" r:id="rId46"/>
-    <p:sldId id="816" r:id="rId47"/>
-    <p:sldId id="817" r:id="rId48"/>
-    <p:sldId id="818" r:id="rId49"/>
-    <p:sldId id="830" r:id="rId50"/>
-    <p:sldId id="820" r:id="rId51"/>
-    <p:sldId id="403" r:id="rId52"/>
-    <p:sldId id="819" r:id="rId53"/>
-    <p:sldId id="821" r:id="rId54"/>
-    <p:sldId id="822" r:id="rId55"/>
-    <p:sldId id="823" r:id="rId56"/>
-    <p:sldId id="824" r:id="rId57"/>
-    <p:sldId id="825" r:id="rId58"/>
-    <p:sldId id="346" r:id="rId59"/>
-    <p:sldId id="826" r:id="rId60"/>
+    <p:sldId id="397" r:id="rId8"/>
+    <p:sldId id="790" r:id="rId9"/>
+    <p:sldId id="789" r:id="rId10"/>
+    <p:sldId id="791" r:id="rId11"/>
+    <p:sldId id="792" r:id="rId12"/>
+    <p:sldId id="793" r:id="rId13"/>
+    <p:sldId id="794" r:id="rId14"/>
+    <p:sldId id="398" r:id="rId15"/>
+    <p:sldId id="795" r:id="rId16"/>
+    <p:sldId id="796" r:id="rId17"/>
+    <p:sldId id="396" r:id="rId18"/>
+    <p:sldId id="834" r:id="rId19"/>
+    <p:sldId id="786" r:id="rId20"/>
+    <p:sldId id="788" r:id="rId21"/>
+    <p:sldId id="399" r:id="rId22"/>
+    <p:sldId id="799" r:id="rId23"/>
+    <p:sldId id="798" r:id="rId24"/>
+    <p:sldId id="797" r:id="rId25"/>
+    <p:sldId id="802" r:id="rId26"/>
+    <p:sldId id="801" r:id="rId27"/>
+    <p:sldId id="804" r:id="rId28"/>
+    <p:sldId id="827" r:id="rId29"/>
+    <p:sldId id="805" r:id="rId30"/>
+    <p:sldId id="831" r:id="rId31"/>
+    <p:sldId id="832" r:id="rId32"/>
+    <p:sldId id="803" r:id="rId33"/>
+    <p:sldId id="806" r:id="rId34"/>
+    <p:sldId id="807" r:id="rId35"/>
+    <p:sldId id="833" r:id="rId36"/>
+    <p:sldId id="809" r:id="rId37"/>
+    <p:sldId id="810" r:id="rId38"/>
+    <p:sldId id="811" r:id="rId39"/>
+    <p:sldId id="812" r:id="rId40"/>
+    <p:sldId id="402" r:id="rId41"/>
+    <p:sldId id="828" r:id="rId42"/>
+    <p:sldId id="814" r:id="rId43"/>
+    <p:sldId id="813" r:id="rId44"/>
+    <p:sldId id="815" r:id="rId45"/>
+    <p:sldId id="401" r:id="rId46"/>
+    <p:sldId id="829" r:id="rId47"/>
+    <p:sldId id="816" r:id="rId48"/>
+    <p:sldId id="817" r:id="rId49"/>
+    <p:sldId id="818" r:id="rId50"/>
+    <p:sldId id="830" r:id="rId51"/>
+    <p:sldId id="820" r:id="rId52"/>
+    <p:sldId id="821" r:id="rId53"/>
+    <p:sldId id="822" r:id="rId54"/>
+    <p:sldId id="346" r:id="rId55"/>
+    <p:sldId id="826" r:id="rId56"/>
   </p:sldIdLst>
   <p:sldSz cx="12192000" cy="6858000"/>
   <p:notesSz cx="6858000" cy="9144000"/>
@@ -182,14 +178,7 @@
             <p14:sldId id="781"/>
           </p14:sldIdLst>
         </p14:section>
-        <p14:section name="VI.1. Loading Datasets from PyTorch" id="{029F27C1-5003-42D3-8F05-DA9DEB96D345}">
-          <p14:sldIdLst>
-            <p14:sldId id="396"/>
-            <p14:sldId id="786"/>
-            <p14:sldId id="788"/>
-          </p14:sldIdLst>
-        </p14:section>
-        <p14:section name="VI.2. Writing a custom Dataset object" id="{10E169D6-B6C7-473D-9387-FE616ABEAF92}">
+        <p14:section name="VI.1. Writing a custom Dataset object" id="{10E169D6-B6C7-473D-9387-FE616ABEAF92}">
           <p14:sldIdLst>
             <p14:sldId id="397"/>
             <p14:sldId id="790"/>
@@ -200,7 +189,7 @@
             <p14:sldId id="794"/>
           </p14:sldIdLst>
         </p14:section>
-        <p14:section name="VI.3. Writing a Custom Dataloader object" id="{A40E12A9-5236-4289-82D5-A3E0185A78F2}">
+        <p14:section name="VI.2. Writing a Custom Dataloader object" id="{A40E12A9-5236-4289-82D5-A3E0185A78F2}">
           <p14:sldIdLst>
             <p14:sldId id="398"/>
             <p14:sldId id="795"/>
@@ -209,6 +198,10 @@
         </p14:section>
         <p14:section name="VII.1. Demo - A multi-classification task" id="{8C55ED7A-A682-4B9E-8418-647BCC6E8F0F}">
           <p14:sldIdLst>
+            <p14:sldId id="396"/>
+            <p14:sldId id="834"/>
+            <p14:sldId id="786"/>
+            <p14:sldId id="788"/>
             <p14:sldId id="399"/>
             <p14:sldId id="799"/>
             <p14:sldId id="798"/>
@@ -256,17 +249,12 @@
         <p14:section name="VII.5. Demo - Training a Deep Neural Network" id="{477257E7-571E-4412-9E06-E0B848366484}">
           <p14:sldIdLst>
             <p14:sldId id="820"/>
-            <p14:sldId id="403"/>
-            <p14:sldId id="819"/>
             <p14:sldId id="821"/>
             <p14:sldId id="822"/>
           </p14:sldIdLst>
         </p14:section>
         <p14:section name="Conclusion" id="{09807B6E-2B76-45C8-B103-96D5021B68A6}">
           <p14:sldIdLst>
-            <p14:sldId id="823"/>
-            <p14:sldId id="824"/>
-            <p14:sldId id="825"/>
             <p14:sldId id="346"/>
           </p14:sldIdLst>
         </p14:section>
@@ -287,7 +275,7 @@
 <file path=ppt/revisionInfo.xml><?xml version="1.0" encoding="utf-8"?>
 <p1510:revInfo xmlns:a="http://schemas.openxmlformats.org/drawingml/2006/main" xmlns:r="http://schemas.openxmlformats.org/officeDocument/2006/relationships" xmlns:p1510="http://schemas.microsoft.com/office/powerpoint/2015/10/main">
   <p1510:revLst>
-    <p1510:client id="{C2A075CF-C4D9-45BF-A2F4-9F4744A685AF}" v="163" dt="2024-02-06T09:25:45.073"/>
+    <p1510:client id="{C2A075CF-C4D9-45BF-A2F4-9F4744A685AF}" v="244" dt="2024-02-07T03:15:13.666"/>
   </p1510:revLst>
 </p1510:revInfo>
 </file>
@@ -5708,13 +5696,13 @@
   </pc:docChgLst>
   <pc:docChgLst>
     <pc:chgData name="Matthieu De Mari" userId="dfb708c9-d8dc-439f-9a3b-c772bf4a311c" providerId="ADAL" clId="{C2A075CF-C4D9-45BF-A2F4-9F4744A685AF}"/>
-    <pc:docChg chg="undo custSel addSld delSld modSld sldOrd modSection">
-      <pc:chgData name="Matthieu De Mari" userId="dfb708c9-d8dc-439f-9a3b-c772bf4a311c" providerId="ADAL" clId="{C2A075CF-C4D9-45BF-A2F4-9F4744A685AF}" dt="2024-02-06T09:26:22.656" v="592" actId="47"/>
+    <pc:docChg chg="undo custSel addSld delSld modSld sldOrd delSection modSection">
+      <pc:chgData name="Matthieu De Mari" userId="dfb708c9-d8dc-439f-9a3b-c772bf4a311c" providerId="ADAL" clId="{C2A075CF-C4D9-45BF-A2F4-9F4744A685AF}" dt="2024-02-07T03:19:11.498" v="1540" actId="20577"/>
       <pc:docMkLst>
         <pc:docMk/>
       </pc:docMkLst>
-      <pc:sldChg chg="modSp mod">
-        <pc:chgData name="Matthieu De Mari" userId="dfb708c9-d8dc-439f-9a3b-c772bf4a311c" providerId="ADAL" clId="{C2A075CF-C4D9-45BF-A2F4-9F4744A685AF}" dt="2024-01-21T10:14:00.091" v="20" actId="5793"/>
+      <pc:sldChg chg="modSp del mod">
+        <pc:chgData name="Matthieu De Mari" userId="dfb708c9-d8dc-439f-9a3b-c772bf4a311c" providerId="ADAL" clId="{C2A075CF-C4D9-45BF-A2F4-9F4744A685AF}" dt="2024-02-07T03:05:43.615" v="788" actId="2696"/>
         <pc:sldMkLst>
           <pc:docMk/>
           <pc:sldMk cId="1458730680" sldId="396"/>
@@ -5728,14 +5716,21 @@
           </ac:spMkLst>
         </pc:spChg>
       </pc:sldChg>
+      <pc:sldChg chg="add">
+        <pc:chgData name="Matthieu De Mari" userId="dfb708c9-d8dc-439f-9a3b-c772bf4a311c" providerId="ADAL" clId="{C2A075CF-C4D9-45BF-A2F4-9F4744A685AF}" dt="2024-02-07T03:05:48.341" v="789"/>
+        <pc:sldMkLst>
+          <pc:docMk/>
+          <pc:sldMk cId="3620399431" sldId="396"/>
+        </pc:sldMkLst>
+      </pc:sldChg>
       <pc:sldChg chg="modSp mod">
-        <pc:chgData name="Matthieu De Mari" userId="dfb708c9-d8dc-439f-9a3b-c772bf4a311c" providerId="ADAL" clId="{C2A075CF-C4D9-45BF-A2F4-9F4744A685AF}" dt="2024-02-06T09:21:29.698" v="317" actId="20577"/>
+        <pc:chgData name="Matthieu De Mari" userId="dfb708c9-d8dc-439f-9a3b-c772bf4a311c" providerId="ADAL" clId="{C2A075CF-C4D9-45BF-A2F4-9F4744A685AF}" dt="2024-02-07T03:01:09.227" v="637" actId="20577"/>
         <pc:sldMkLst>
           <pc:docMk/>
           <pc:sldMk cId="1451434589" sldId="397"/>
         </pc:sldMkLst>
         <pc:spChg chg="mod">
-          <ac:chgData name="Matthieu De Mari" userId="dfb708c9-d8dc-439f-9a3b-c772bf4a311c" providerId="ADAL" clId="{C2A075CF-C4D9-45BF-A2F4-9F4744A685AF}" dt="2024-02-06T09:21:29.698" v="317" actId="20577"/>
+          <ac:chgData name="Matthieu De Mari" userId="dfb708c9-d8dc-439f-9a3b-c772bf4a311c" providerId="ADAL" clId="{C2A075CF-C4D9-45BF-A2F4-9F4744A685AF}" dt="2024-02-07T03:01:09.227" v="637" actId="20577"/>
           <ac:spMkLst>
             <pc:docMk/>
             <pc:sldMk cId="1451434589" sldId="397"/>
@@ -5743,29 +5738,68 @@
           </ac:spMkLst>
         </pc:spChg>
       </pc:sldChg>
-      <pc:sldChg chg="modSp mod">
-        <pc:chgData name="Matthieu De Mari" userId="dfb708c9-d8dc-439f-9a3b-c772bf4a311c" providerId="ADAL" clId="{C2A075CF-C4D9-45BF-A2F4-9F4744A685AF}" dt="2024-01-21T10:16:07.434" v="21" actId="113"/>
+      <pc:sldChg chg="modSp mod modClrScheme chgLayout">
+        <pc:chgData name="Matthieu De Mari" userId="dfb708c9-d8dc-439f-9a3b-c772bf4a311c" providerId="ADAL" clId="{C2A075CF-C4D9-45BF-A2F4-9F4744A685AF}" dt="2024-02-07T03:04:40.221" v="787" actId="1076"/>
         <pc:sldMkLst>
           <pc:docMk/>
           <pc:sldMk cId="2867637474" sldId="398"/>
         </pc:sldMkLst>
-        <pc:spChg chg="mod">
-          <ac:chgData name="Matthieu De Mari" userId="dfb708c9-d8dc-439f-9a3b-c772bf4a311c" providerId="ADAL" clId="{C2A075CF-C4D9-45BF-A2F4-9F4744A685AF}" dt="2024-01-21T10:16:07.434" v="21" actId="113"/>
+        <pc:spChg chg="mod ord">
+          <ac:chgData name="Matthieu De Mari" userId="dfb708c9-d8dc-439f-9a3b-c772bf4a311c" providerId="ADAL" clId="{C2A075CF-C4D9-45BF-A2F4-9F4744A685AF}" dt="2024-02-07T03:03:25.750" v="658" actId="700"/>
+          <ac:spMkLst>
+            <pc:docMk/>
+            <pc:sldMk cId="2867637474" sldId="398"/>
+            <ac:spMk id="2" creationId="{35BA2A57-EC1A-2D3E-0000-4B064C5BA278}"/>
+          </ac:spMkLst>
+        </pc:spChg>
+        <pc:spChg chg="mod ord">
+          <ac:chgData name="Matthieu De Mari" userId="dfb708c9-d8dc-439f-9a3b-c772bf4a311c" providerId="ADAL" clId="{C2A075CF-C4D9-45BF-A2F4-9F4744A685AF}" dt="2024-02-07T03:04:24.866" v="783" actId="113"/>
           <ac:spMkLst>
             <pc:docMk/>
             <pc:sldMk cId="2867637474" sldId="398"/>
             <ac:spMk id="3" creationId="{77496A95-7961-91A1-EB76-E57510055A38}"/>
           </ac:spMkLst>
         </pc:spChg>
+        <pc:picChg chg="mod modCrop">
+          <ac:chgData name="Matthieu De Mari" userId="dfb708c9-d8dc-439f-9a3b-c772bf4a311c" providerId="ADAL" clId="{C2A075CF-C4D9-45BF-A2F4-9F4744A685AF}" dt="2024-02-07T03:04:40.221" v="787" actId="1076"/>
+          <ac:picMkLst>
+            <pc:docMk/>
+            <pc:sldMk cId="2867637474" sldId="398"/>
+            <ac:picMk id="6" creationId="{700EFD81-BD83-5CC8-06BA-C13D969EB108}"/>
+          </ac:picMkLst>
+        </pc:picChg>
       </pc:sldChg>
       <pc:sldChg chg="modSp mod">
-        <pc:chgData name="Matthieu De Mari" userId="dfb708c9-d8dc-439f-9a3b-c772bf4a311c" providerId="ADAL" clId="{C2A075CF-C4D9-45BF-A2F4-9F4744A685AF}" dt="2024-01-21T10:23:36.456" v="183" actId="20577"/>
+        <pc:chgData name="Matthieu De Mari" userId="dfb708c9-d8dc-439f-9a3b-c772bf4a311c" providerId="ADAL" clId="{C2A075CF-C4D9-45BF-A2F4-9F4744A685AF}" dt="2024-02-07T03:09:10.143" v="1097" actId="20577"/>
+        <pc:sldMkLst>
+          <pc:docMk/>
+          <pc:sldMk cId="122423608" sldId="399"/>
+        </pc:sldMkLst>
+        <pc:spChg chg="mod">
+          <ac:chgData name="Matthieu De Mari" userId="dfb708c9-d8dc-439f-9a3b-c772bf4a311c" providerId="ADAL" clId="{C2A075CF-C4D9-45BF-A2F4-9F4744A685AF}" dt="2024-02-07T03:08:52.424" v="1089" actId="20577"/>
+          <ac:spMkLst>
+            <pc:docMk/>
+            <pc:sldMk cId="122423608" sldId="399"/>
+            <ac:spMk id="3" creationId="{F0814AA9-339A-72D8-E8A9-C066A3ED5800}"/>
+          </ac:spMkLst>
+        </pc:spChg>
+        <pc:spChg chg="mod">
+          <ac:chgData name="Matthieu De Mari" userId="dfb708c9-d8dc-439f-9a3b-c772bf4a311c" providerId="ADAL" clId="{C2A075CF-C4D9-45BF-A2F4-9F4744A685AF}" dt="2024-02-07T03:09:10.143" v="1097" actId="20577"/>
+          <ac:spMkLst>
+            <pc:docMk/>
+            <pc:sldMk cId="122423608" sldId="399"/>
+            <ac:spMk id="4" creationId="{3D8906E9-3F26-1680-6CF9-CC0314375949}"/>
+          </ac:spMkLst>
+        </pc:spChg>
+      </pc:sldChg>
+      <pc:sldChg chg="modSp mod">
+        <pc:chgData name="Matthieu De Mari" userId="dfb708c9-d8dc-439f-9a3b-c772bf4a311c" providerId="ADAL" clId="{C2A075CF-C4D9-45BF-A2F4-9F4744A685AF}" dt="2024-02-07T03:16:53.761" v="1405" actId="20577"/>
         <pc:sldMkLst>
           <pc:docMk/>
           <pc:sldMk cId="4039171501" sldId="401"/>
         </pc:sldMkLst>
         <pc:spChg chg="mod">
-          <ac:chgData name="Matthieu De Mari" userId="dfb708c9-d8dc-439f-9a3b-c772bf4a311c" providerId="ADAL" clId="{C2A075CF-C4D9-45BF-A2F4-9F4744A685AF}" dt="2024-01-21T10:23:36.456" v="183" actId="20577"/>
+          <ac:chgData name="Matthieu De Mari" userId="dfb708c9-d8dc-439f-9a3b-c772bf4a311c" providerId="ADAL" clId="{C2A075CF-C4D9-45BF-A2F4-9F4744A685AF}" dt="2024-02-07T03:16:53.761" v="1405" actId="20577"/>
           <ac:spMkLst>
             <pc:docMk/>
             <pc:sldMk cId="4039171501" sldId="401"/>
@@ -5774,6 +5808,51 @@
         </pc:spChg>
       </pc:sldChg>
       <pc:sldChg chg="modSp mod">
+        <pc:chgData name="Matthieu De Mari" userId="dfb708c9-d8dc-439f-9a3b-c772bf4a311c" providerId="ADAL" clId="{C2A075CF-C4D9-45BF-A2F4-9F4744A685AF}" dt="2024-02-07T03:14:14.160" v="1304" actId="20577"/>
+        <pc:sldMkLst>
+          <pc:docMk/>
+          <pc:sldMk cId="3163596145" sldId="402"/>
+        </pc:sldMkLst>
+        <pc:spChg chg="mod">
+          <ac:chgData name="Matthieu De Mari" userId="dfb708c9-d8dc-439f-9a3b-c772bf4a311c" providerId="ADAL" clId="{C2A075CF-C4D9-45BF-A2F4-9F4744A685AF}" dt="2024-02-07T03:14:14.160" v="1304" actId="20577"/>
+          <ac:spMkLst>
+            <pc:docMk/>
+            <pc:sldMk cId="3163596145" sldId="402"/>
+            <ac:spMk id="3" creationId="{CF1D478A-0975-EE46-490C-B98DC55AC938}"/>
+          </ac:spMkLst>
+        </pc:spChg>
+      </pc:sldChg>
+      <pc:sldChg chg="del">
+        <pc:chgData name="Matthieu De Mari" userId="dfb708c9-d8dc-439f-9a3b-c772bf4a311c" providerId="ADAL" clId="{C2A075CF-C4D9-45BF-A2F4-9F4744A685AF}" dt="2024-02-07T03:17:52.609" v="1408" actId="47"/>
+        <pc:sldMkLst>
+          <pc:docMk/>
+          <pc:sldMk cId="101927766" sldId="403"/>
+        </pc:sldMkLst>
+      </pc:sldChg>
+      <pc:sldChg chg="addSp delSp modSp mod">
+        <pc:chgData name="Matthieu De Mari" userId="dfb708c9-d8dc-439f-9a3b-c772bf4a311c" providerId="ADAL" clId="{C2A075CF-C4D9-45BF-A2F4-9F4744A685AF}" dt="2024-02-07T03:00:13.184" v="594"/>
+        <pc:sldMkLst>
+          <pc:docMk/>
+          <pc:sldMk cId="3029045816" sldId="781"/>
+        </pc:sldMkLst>
+        <pc:picChg chg="add mod">
+          <ac:chgData name="Matthieu De Mari" userId="dfb708c9-d8dc-439f-9a3b-c772bf4a311c" providerId="ADAL" clId="{C2A075CF-C4D9-45BF-A2F4-9F4744A685AF}" dt="2024-02-07T03:00:13.184" v="594"/>
+          <ac:picMkLst>
+            <pc:docMk/>
+            <pc:sldMk cId="3029045816" sldId="781"/>
+            <ac:picMk id="2" creationId="{41209175-2F79-40CD-60DF-B91C765666F6}"/>
+          </ac:picMkLst>
+        </pc:picChg>
+        <pc:picChg chg="del">
+          <ac:chgData name="Matthieu De Mari" userId="dfb708c9-d8dc-439f-9a3b-c772bf4a311c" providerId="ADAL" clId="{C2A075CF-C4D9-45BF-A2F4-9F4744A685AF}" dt="2024-02-07T02:59:59.815" v="593" actId="478"/>
+          <ac:picMkLst>
+            <pc:docMk/>
+            <pc:sldMk cId="3029045816" sldId="781"/>
+            <ac:picMk id="5" creationId="{3E023E11-7496-BE2E-7A45-955789BC0F1F}"/>
+          </ac:picMkLst>
+        </pc:picChg>
+      </pc:sldChg>
+      <pc:sldChg chg="modSp mod">
         <pc:chgData name="Matthieu De Mari" userId="dfb708c9-d8dc-439f-9a3b-c772bf4a311c" providerId="ADAL" clId="{C2A075CF-C4D9-45BF-A2F4-9F4744A685AF}" dt="2024-02-06T09:20:57.177" v="315" actId="207"/>
         <pc:sldMkLst>
           <pc:docMk/>
@@ -5803,6 +5882,58 @@
           </ac:spMkLst>
         </pc:spChg>
       </pc:sldChg>
+      <pc:sldChg chg="del">
+        <pc:chgData name="Matthieu De Mari" userId="dfb708c9-d8dc-439f-9a3b-c772bf4a311c" providerId="ADAL" clId="{C2A075CF-C4D9-45BF-A2F4-9F4744A685AF}" dt="2024-02-07T03:05:43.615" v="788" actId="2696"/>
+        <pc:sldMkLst>
+          <pc:docMk/>
+          <pc:sldMk cId="2278534749" sldId="786"/>
+        </pc:sldMkLst>
+      </pc:sldChg>
+      <pc:sldChg chg="modSp add mod ord">
+        <pc:chgData name="Matthieu De Mari" userId="dfb708c9-d8dc-439f-9a3b-c772bf4a311c" providerId="ADAL" clId="{C2A075CF-C4D9-45BF-A2F4-9F4744A685AF}" dt="2024-02-07T03:08:27.263" v="1081" actId="20577"/>
+        <pc:sldMkLst>
+          <pc:docMk/>
+          <pc:sldMk cId="3070780217" sldId="786"/>
+        </pc:sldMkLst>
+        <pc:spChg chg="mod">
+          <ac:chgData name="Matthieu De Mari" userId="dfb708c9-d8dc-439f-9a3b-c772bf4a311c" providerId="ADAL" clId="{C2A075CF-C4D9-45BF-A2F4-9F4744A685AF}" dt="2024-02-07T03:08:27.263" v="1081" actId="20577"/>
+          <ac:spMkLst>
+            <pc:docMk/>
+            <pc:sldMk cId="3070780217" sldId="786"/>
+            <ac:spMk id="8" creationId="{454E74C1-4AB7-1700-33EB-E747928E5E77}"/>
+          </ac:spMkLst>
+        </pc:spChg>
+        <pc:spChg chg="mod">
+          <ac:chgData name="Matthieu De Mari" userId="dfb708c9-d8dc-439f-9a3b-c772bf4a311c" providerId="ADAL" clId="{C2A075CF-C4D9-45BF-A2F4-9F4744A685AF}" dt="2024-02-07T03:06:53.352" v="819" actId="27636"/>
+          <ac:spMkLst>
+            <pc:docMk/>
+            <pc:sldMk cId="3070780217" sldId="786"/>
+            <ac:spMk id="9" creationId="{415075EC-1DC3-DB17-8D08-DF1A795F6034}"/>
+          </ac:spMkLst>
+        </pc:spChg>
+      </pc:sldChg>
+      <pc:sldChg chg="del">
+        <pc:chgData name="Matthieu De Mari" userId="dfb708c9-d8dc-439f-9a3b-c772bf4a311c" providerId="ADAL" clId="{C2A075CF-C4D9-45BF-A2F4-9F4744A685AF}" dt="2024-02-07T03:05:43.615" v="788" actId="2696"/>
+        <pc:sldMkLst>
+          <pc:docMk/>
+          <pc:sldMk cId="3381120192" sldId="788"/>
+        </pc:sldMkLst>
+      </pc:sldChg>
+      <pc:sldChg chg="modSp add mod">
+        <pc:chgData name="Matthieu De Mari" userId="dfb708c9-d8dc-439f-9a3b-c772bf4a311c" providerId="ADAL" clId="{C2A075CF-C4D9-45BF-A2F4-9F4744A685AF}" dt="2024-02-07T03:08:43.518" v="1083" actId="27636"/>
+        <pc:sldMkLst>
+          <pc:docMk/>
+          <pc:sldMk cId="4093678153" sldId="788"/>
+        </pc:sldMkLst>
+        <pc:spChg chg="mod">
+          <ac:chgData name="Matthieu De Mari" userId="dfb708c9-d8dc-439f-9a3b-c772bf4a311c" providerId="ADAL" clId="{C2A075CF-C4D9-45BF-A2F4-9F4744A685AF}" dt="2024-02-07T03:08:43.518" v="1083" actId="27636"/>
+          <ac:spMkLst>
+            <pc:docMk/>
+            <pc:sldMk cId="4093678153" sldId="788"/>
+            <ac:spMk id="6" creationId="{AF3C0477-1C4C-A221-7B7E-7DED3A1025DF}"/>
+          </ac:spMkLst>
+        </pc:spChg>
+      </pc:sldChg>
       <pc:sldChg chg="modSp mod">
         <pc:chgData name="Matthieu De Mari" userId="dfb708c9-d8dc-439f-9a3b-c772bf4a311c" providerId="ADAL" clId="{C2A075CF-C4D9-45BF-A2F4-9F4744A685AF}" dt="2024-02-06T09:21:35.480" v="318" actId="5793"/>
         <pc:sldMkLst>
@@ -5849,29 +5980,45 @@
           </ac:spMkLst>
         </pc:spChg>
       </pc:sldChg>
-      <pc:sldChg chg="modSp mod">
-        <pc:chgData name="Matthieu De Mari" userId="dfb708c9-d8dc-439f-9a3b-c772bf4a311c" providerId="ADAL" clId="{C2A075CF-C4D9-45BF-A2F4-9F4744A685AF}" dt="2024-02-06T09:22:42.132" v="410" actId="20577"/>
+      <pc:sldChg chg="addSp modSp mod">
+        <pc:chgData name="Matthieu De Mari" userId="dfb708c9-d8dc-439f-9a3b-c772bf4a311c" providerId="ADAL" clId="{C2A075CF-C4D9-45BF-A2F4-9F4744A685AF}" dt="2024-02-07T03:02:38.188" v="653" actId="207"/>
         <pc:sldMkLst>
           <pc:docMk/>
           <pc:sldMk cId="260742946" sldId="793"/>
         </pc:sldMkLst>
         <pc:spChg chg="mod">
-          <ac:chgData name="Matthieu De Mari" userId="dfb708c9-d8dc-439f-9a3b-c772bf4a311c" providerId="ADAL" clId="{C2A075CF-C4D9-45BF-A2F4-9F4744A685AF}" dt="2024-02-06T09:22:42.132" v="410" actId="20577"/>
+          <ac:chgData name="Matthieu De Mari" userId="dfb708c9-d8dc-439f-9a3b-c772bf4a311c" providerId="ADAL" clId="{C2A075CF-C4D9-45BF-A2F4-9F4744A685AF}" dt="2024-02-07T03:02:38.188" v="653" actId="207"/>
           <ac:spMkLst>
             <pc:docMk/>
             <pc:sldMk cId="260742946" sldId="793"/>
             <ac:spMk id="3" creationId="{BA2A0416-0B18-CDD3-9A37-B441AE8FAEC0}"/>
           </ac:spMkLst>
         </pc:spChg>
+        <pc:spChg chg="add mod">
+          <ac:chgData name="Matthieu De Mari" userId="dfb708c9-d8dc-439f-9a3b-c772bf4a311c" providerId="ADAL" clId="{C2A075CF-C4D9-45BF-A2F4-9F4744A685AF}" dt="2024-02-07T03:02:17.503" v="643" actId="693"/>
+          <ac:spMkLst>
+            <pc:docMk/>
+            <pc:sldMk cId="260742946" sldId="793"/>
+            <ac:spMk id="4" creationId="{9E9E5860-1BF4-26E5-512B-CA4CE44F7254}"/>
+          </ac:spMkLst>
+        </pc:spChg>
+        <pc:spChg chg="add mod">
+          <ac:chgData name="Matthieu De Mari" userId="dfb708c9-d8dc-439f-9a3b-c772bf4a311c" providerId="ADAL" clId="{C2A075CF-C4D9-45BF-A2F4-9F4744A685AF}" dt="2024-02-07T03:02:31.807" v="652" actId="208"/>
+          <ac:spMkLst>
+            <pc:docMk/>
+            <pc:sldMk cId="260742946" sldId="793"/>
+            <ac:spMk id="5" creationId="{1FA52B2A-5921-1288-B852-5D12C0459FCA}"/>
+          </ac:spMkLst>
+        </pc:spChg>
       </pc:sldChg>
       <pc:sldChg chg="modSp mod">
-        <pc:chgData name="Matthieu De Mari" userId="dfb708c9-d8dc-439f-9a3b-c772bf4a311c" providerId="ADAL" clId="{C2A075CF-C4D9-45BF-A2F4-9F4744A685AF}" dt="2024-02-06T09:23:10.149" v="443" actId="113"/>
+        <pc:chgData name="Matthieu De Mari" userId="dfb708c9-d8dc-439f-9a3b-c772bf4a311c" providerId="ADAL" clId="{C2A075CF-C4D9-45BF-A2F4-9F4744A685AF}" dt="2024-02-07T03:03:00.989" v="657" actId="207"/>
         <pc:sldMkLst>
           <pc:docMk/>
           <pc:sldMk cId="1577144882" sldId="794"/>
         </pc:sldMkLst>
         <pc:spChg chg="mod">
-          <ac:chgData name="Matthieu De Mari" userId="dfb708c9-d8dc-439f-9a3b-c772bf4a311c" providerId="ADAL" clId="{C2A075CF-C4D9-45BF-A2F4-9F4744A685AF}" dt="2024-02-06T09:23:10.149" v="443" actId="113"/>
+          <ac:chgData name="Matthieu De Mari" userId="dfb708c9-d8dc-439f-9a3b-c772bf4a311c" providerId="ADAL" clId="{C2A075CF-C4D9-45BF-A2F4-9F4744A685AF}" dt="2024-02-07T03:03:00.989" v="657" actId="207"/>
           <ac:spMkLst>
             <pc:docMk/>
             <pc:sldMk cId="1577144882" sldId="794"/>
@@ -5894,6 +6041,36 @@
           </ac:spMkLst>
         </pc:spChg>
       </pc:sldChg>
+      <pc:sldChg chg="modSp mod">
+        <pc:chgData name="Matthieu De Mari" userId="dfb708c9-d8dc-439f-9a3b-c772bf4a311c" providerId="ADAL" clId="{C2A075CF-C4D9-45BF-A2F4-9F4744A685AF}" dt="2024-02-07T03:09:21.279" v="1098"/>
+        <pc:sldMkLst>
+          <pc:docMk/>
+          <pc:sldMk cId="703353227" sldId="799"/>
+        </pc:sldMkLst>
+        <pc:spChg chg="mod">
+          <ac:chgData name="Matthieu De Mari" userId="dfb708c9-d8dc-439f-9a3b-c772bf4a311c" providerId="ADAL" clId="{C2A075CF-C4D9-45BF-A2F4-9F4744A685AF}" dt="2024-02-07T03:09:21.279" v="1098"/>
+          <ac:spMkLst>
+            <pc:docMk/>
+            <pc:sldMk cId="703353227" sldId="799"/>
+            <ac:spMk id="3" creationId="{F0814AA9-339A-72D8-E8A9-C066A3ED5800}"/>
+          </ac:spMkLst>
+        </pc:spChg>
+      </pc:sldChg>
+      <pc:sldChg chg="modSp mod">
+        <pc:chgData name="Matthieu De Mari" userId="dfb708c9-d8dc-439f-9a3b-c772bf4a311c" providerId="ADAL" clId="{C2A075CF-C4D9-45BF-A2F4-9F4744A685AF}" dt="2024-02-07T03:10:11.474" v="1121" actId="20577"/>
+        <pc:sldMkLst>
+          <pc:docMk/>
+          <pc:sldMk cId="253262496" sldId="802"/>
+        </pc:sldMkLst>
+        <pc:spChg chg="mod">
+          <ac:chgData name="Matthieu De Mari" userId="dfb708c9-d8dc-439f-9a3b-c772bf4a311c" providerId="ADAL" clId="{C2A075CF-C4D9-45BF-A2F4-9F4744A685AF}" dt="2024-02-07T03:10:11.474" v="1121" actId="20577"/>
+          <ac:spMkLst>
+            <pc:docMk/>
+            <pc:sldMk cId="253262496" sldId="802"/>
+            <ac:spMk id="3" creationId="{F0814AA9-339A-72D8-E8A9-C066A3ED5800}"/>
+          </ac:spMkLst>
+        </pc:spChg>
+      </pc:sldChg>
       <pc:sldChg chg="delSp modSp mod ord modClrScheme chgLayout">
         <pc:chgData name="Matthieu De Mari" userId="dfb708c9-d8dc-439f-9a3b-c772bf4a311c" providerId="ADAL" clId="{C2A075CF-C4D9-45BF-A2F4-9F4744A685AF}" dt="2024-01-21T10:21:14.297" v="155"/>
         <pc:sldMkLst>
@@ -6010,11 +6187,19 @@
         </pc:spChg>
       </pc:sldChg>
       <pc:sldChg chg="modSp mod">
-        <pc:chgData name="Matthieu De Mari" userId="dfb708c9-d8dc-439f-9a3b-c772bf4a311c" providerId="ADAL" clId="{C2A075CF-C4D9-45BF-A2F4-9F4744A685AF}" dt="2024-01-21T10:22:24.522" v="173"/>
+        <pc:chgData name="Matthieu De Mari" userId="dfb708c9-d8dc-439f-9a3b-c772bf4a311c" providerId="ADAL" clId="{C2A075CF-C4D9-45BF-A2F4-9F4744A685AF}" dt="2024-02-07T03:12:12.879" v="1158" actId="14100"/>
         <pc:sldMkLst>
           <pc:docMk/>
           <pc:sldMk cId="4127253414" sldId="809"/>
         </pc:sldMkLst>
+        <pc:spChg chg="mod">
+          <ac:chgData name="Matthieu De Mari" userId="dfb708c9-d8dc-439f-9a3b-c772bf4a311c" providerId="ADAL" clId="{C2A075CF-C4D9-45BF-A2F4-9F4744A685AF}" dt="2024-02-07T03:12:12.879" v="1158" actId="14100"/>
+          <ac:spMkLst>
+            <pc:docMk/>
+            <pc:sldMk cId="4127253414" sldId="809"/>
+            <ac:spMk id="3" creationId="{F03B80B8-F02F-81A4-905C-A12A73155D58}"/>
+          </ac:spMkLst>
+        </pc:spChg>
         <pc:spChg chg="mod">
           <ac:chgData name="Matthieu De Mari" userId="dfb708c9-d8dc-439f-9a3b-c772bf4a311c" providerId="ADAL" clId="{C2A075CF-C4D9-45BF-A2F4-9F4744A685AF}" dt="2024-01-21T10:22:24.522" v="173"/>
           <ac:spMkLst>
@@ -6055,6 +6240,51 @@
         </pc:spChg>
       </pc:sldChg>
       <pc:sldChg chg="modSp mod">
+        <pc:chgData name="Matthieu De Mari" userId="dfb708c9-d8dc-439f-9a3b-c772bf4a311c" providerId="ADAL" clId="{C2A075CF-C4D9-45BF-A2F4-9F4744A685AF}" dt="2024-02-07T03:13:29.376" v="1238" actId="20577"/>
+        <pc:sldMkLst>
+          <pc:docMk/>
+          <pc:sldMk cId="3931571633" sldId="812"/>
+        </pc:sldMkLst>
+        <pc:spChg chg="mod">
+          <ac:chgData name="Matthieu De Mari" userId="dfb708c9-d8dc-439f-9a3b-c772bf4a311c" providerId="ADAL" clId="{C2A075CF-C4D9-45BF-A2F4-9F4744A685AF}" dt="2024-02-07T03:13:29.376" v="1238" actId="20577"/>
+          <ac:spMkLst>
+            <pc:docMk/>
+            <pc:sldMk cId="3931571633" sldId="812"/>
+            <ac:spMk id="5" creationId="{0ABFA246-AA73-67B0-2D31-98CDFA32F1EB}"/>
+          </ac:spMkLst>
+        </pc:spChg>
+      </pc:sldChg>
+      <pc:sldChg chg="modSp mod">
+        <pc:chgData name="Matthieu De Mari" userId="dfb708c9-d8dc-439f-9a3b-c772bf4a311c" providerId="ADAL" clId="{C2A075CF-C4D9-45BF-A2F4-9F4744A685AF}" dt="2024-02-07T03:16:01.971" v="1394" actId="6549"/>
+        <pc:sldMkLst>
+          <pc:docMk/>
+          <pc:sldMk cId="2163984957" sldId="814"/>
+        </pc:sldMkLst>
+        <pc:spChg chg="mod">
+          <ac:chgData name="Matthieu De Mari" userId="dfb708c9-d8dc-439f-9a3b-c772bf4a311c" providerId="ADAL" clId="{C2A075CF-C4D9-45BF-A2F4-9F4744A685AF}" dt="2024-02-07T03:16:01.971" v="1394" actId="6549"/>
+          <ac:spMkLst>
+            <pc:docMk/>
+            <pc:sldMk cId="2163984957" sldId="814"/>
+            <ac:spMk id="3" creationId="{E1CD3411-BB5D-79FF-453C-75044757B3B6}"/>
+          </ac:spMkLst>
+        </pc:spChg>
+      </pc:sldChg>
+      <pc:sldChg chg="modSp mod">
+        <pc:chgData name="Matthieu De Mari" userId="dfb708c9-d8dc-439f-9a3b-c772bf4a311c" providerId="ADAL" clId="{C2A075CF-C4D9-45BF-A2F4-9F4744A685AF}" dt="2024-02-07T03:16:24.672" v="1398" actId="20577"/>
+        <pc:sldMkLst>
+          <pc:docMk/>
+          <pc:sldMk cId="507741553" sldId="815"/>
+        </pc:sldMkLst>
+        <pc:spChg chg="mod">
+          <ac:chgData name="Matthieu De Mari" userId="dfb708c9-d8dc-439f-9a3b-c772bf4a311c" providerId="ADAL" clId="{C2A075CF-C4D9-45BF-A2F4-9F4744A685AF}" dt="2024-02-07T03:16:24.672" v="1398" actId="20577"/>
+          <ac:spMkLst>
+            <pc:docMk/>
+            <pc:sldMk cId="507741553" sldId="815"/>
+            <ac:spMk id="5" creationId="{FD741876-3C5F-A683-C589-99A3ED536B4B}"/>
+          </ac:spMkLst>
+        </pc:spChg>
+      </pc:sldChg>
+      <pc:sldChg chg="modSp mod">
         <pc:chgData name="Matthieu De Mari" userId="dfb708c9-d8dc-439f-9a3b-c772bf4a311c" providerId="ADAL" clId="{C2A075CF-C4D9-45BF-A2F4-9F4744A685AF}" dt="2023-09-06T11:09:34.920" v="3" actId="20577"/>
         <pc:sldMkLst>
           <pc:docMk/>
@@ -6069,8 +6299,8 @@
           </ac:spMkLst>
         </pc:spChg>
       </pc:sldChg>
-      <pc:sldChg chg="modSp mod">
-        <pc:chgData name="Matthieu De Mari" userId="dfb708c9-d8dc-439f-9a3b-c772bf4a311c" providerId="ADAL" clId="{C2A075CF-C4D9-45BF-A2F4-9F4744A685AF}" dt="2024-01-21T10:26:11.141" v="276" actId="20577"/>
+      <pc:sldChg chg="modSp del mod">
+        <pc:chgData name="Matthieu De Mari" userId="dfb708c9-d8dc-439f-9a3b-c772bf4a311c" providerId="ADAL" clId="{C2A075CF-C4D9-45BF-A2F4-9F4744A685AF}" dt="2024-02-07T03:17:53.286" v="1409" actId="47"/>
         <pc:sldMkLst>
           <pc:docMk/>
           <pc:sldMk cId="336555302" sldId="819"/>
@@ -6085,11 +6315,19 @@
         </pc:spChg>
       </pc:sldChg>
       <pc:sldChg chg="modSp mod">
-        <pc:chgData name="Matthieu De Mari" userId="dfb708c9-d8dc-439f-9a3b-c772bf4a311c" providerId="ADAL" clId="{C2A075CF-C4D9-45BF-A2F4-9F4744A685AF}" dt="2024-01-21T10:26:30.052" v="278" actId="20577"/>
+        <pc:chgData name="Matthieu De Mari" userId="dfb708c9-d8dc-439f-9a3b-c772bf4a311c" providerId="ADAL" clId="{C2A075CF-C4D9-45BF-A2F4-9F4744A685AF}" dt="2024-02-07T03:18:15.647" v="1450" actId="20577"/>
         <pc:sldMkLst>
           <pc:docMk/>
           <pc:sldMk cId="986128993" sldId="821"/>
         </pc:sldMkLst>
+        <pc:spChg chg="mod">
+          <ac:chgData name="Matthieu De Mari" userId="dfb708c9-d8dc-439f-9a3b-c772bf4a311c" providerId="ADAL" clId="{C2A075CF-C4D9-45BF-A2F4-9F4744A685AF}" dt="2024-02-07T03:18:15.647" v="1450" actId="20577"/>
+          <ac:spMkLst>
+            <pc:docMk/>
+            <pc:sldMk cId="986128993" sldId="821"/>
+            <ac:spMk id="2" creationId="{D298218B-DBCC-8ECF-CA17-2ECA31EE49FE}"/>
+          </ac:spMkLst>
+        </pc:spChg>
         <pc:spChg chg="mod">
           <ac:chgData name="Matthieu De Mari" userId="dfb708c9-d8dc-439f-9a3b-c772bf4a311c" providerId="ADAL" clId="{C2A075CF-C4D9-45BF-A2F4-9F4744A685AF}" dt="2024-01-21T10:26:28.841" v="277" actId="20577"/>
           <ac:spMkLst>
@@ -6107,6 +6345,57 @@
           </ac:spMkLst>
         </pc:spChg>
       </pc:sldChg>
+      <pc:sldChg chg="modSp mod">
+        <pc:chgData name="Matthieu De Mari" userId="dfb708c9-d8dc-439f-9a3b-c772bf4a311c" providerId="ADAL" clId="{C2A075CF-C4D9-45BF-A2F4-9F4744A685AF}" dt="2024-02-07T03:19:00.774" v="1530" actId="1035"/>
+        <pc:sldMkLst>
+          <pc:docMk/>
+          <pc:sldMk cId="4216078664" sldId="822"/>
+        </pc:sldMkLst>
+        <pc:spChg chg="mod">
+          <ac:chgData name="Matthieu De Mari" userId="dfb708c9-d8dc-439f-9a3b-c772bf4a311c" providerId="ADAL" clId="{C2A075CF-C4D9-45BF-A2F4-9F4744A685AF}" dt="2024-02-07T03:19:00.774" v="1530" actId="1035"/>
+          <ac:spMkLst>
+            <pc:docMk/>
+            <pc:sldMk cId="4216078664" sldId="822"/>
+            <ac:spMk id="2" creationId="{71B172A0-05B2-C1BA-B01D-1B1E9A49139A}"/>
+          </ac:spMkLst>
+        </pc:spChg>
+      </pc:sldChg>
+      <pc:sldChg chg="del">
+        <pc:chgData name="Matthieu De Mari" userId="dfb708c9-d8dc-439f-9a3b-c772bf4a311c" providerId="ADAL" clId="{C2A075CF-C4D9-45BF-A2F4-9F4744A685AF}" dt="2024-02-07T03:19:05.672" v="1531" actId="47"/>
+        <pc:sldMkLst>
+          <pc:docMk/>
+          <pc:sldMk cId="2532925431" sldId="823"/>
+        </pc:sldMkLst>
+      </pc:sldChg>
+      <pc:sldChg chg="del">
+        <pc:chgData name="Matthieu De Mari" userId="dfb708c9-d8dc-439f-9a3b-c772bf4a311c" providerId="ADAL" clId="{C2A075CF-C4D9-45BF-A2F4-9F4744A685AF}" dt="2024-02-07T03:19:06.544" v="1532" actId="47"/>
+        <pc:sldMkLst>
+          <pc:docMk/>
+          <pc:sldMk cId="1198396189" sldId="824"/>
+        </pc:sldMkLst>
+      </pc:sldChg>
+      <pc:sldChg chg="del">
+        <pc:chgData name="Matthieu De Mari" userId="dfb708c9-d8dc-439f-9a3b-c772bf4a311c" providerId="ADAL" clId="{C2A075CF-C4D9-45BF-A2F4-9F4744A685AF}" dt="2024-02-07T03:19:07.180" v="1533" actId="47"/>
+        <pc:sldMkLst>
+          <pc:docMk/>
+          <pc:sldMk cId="1581268848" sldId="825"/>
+        </pc:sldMkLst>
+      </pc:sldChg>
+      <pc:sldChg chg="modSp mod">
+        <pc:chgData name="Matthieu De Mari" userId="dfb708c9-d8dc-439f-9a3b-c772bf4a311c" providerId="ADAL" clId="{C2A075CF-C4D9-45BF-A2F4-9F4744A685AF}" dt="2024-02-07T03:19:11.498" v="1540" actId="20577"/>
+        <pc:sldMkLst>
+          <pc:docMk/>
+          <pc:sldMk cId="3100375267" sldId="826"/>
+        </pc:sldMkLst>
+        <pc:spChg chg="mod">
+          <ac:chgData name="Matthieu De Mari" userId="dfb708c9-d8dc-439f-9a3b-c772bf4a311c" providerId="ADAL" clId="{C2A075CF-C4D9-45BF-A2F4-9F4744A685AF}" dt="2024-02-07T03:19:11.498" v="1540" actId="20577"/>
+          <ac:spMkLst>
+            <pc:docMk/>
+            <pc:sldMk cId="3100375267" sldId="826"/>
+            <ac:spMk id="5" creationId="{7ACD5660-3AA0-1773-354B-1B2326A4442B}"/>
+          </ac:spMkLst>
+        </pc:spChg>
+      </pc:sldChg>
       <pc:sldChg chg="modSp">
         <pc:chgData name="Matthieu De Mari" userId="dfb708c9-d8dc-439f-9a3b-c772bf4a311c" providerId="ADAL" clId="{C2A075CF-C4D9-45BF-A2F4-9F4744A685AF}" dt="2024-02-06T09:24:52.898" v="452" actId="20577"/>
         <pc:sldMkLst>
@@ -6123,6 +6412,21 @@
         </pc:spChg>
       </pc:sldChg>
       <pc:sldChg chg="modSp mod">
+        <pc:chgData name="Matthieu De Mari" userId="dfb708c9-d8dc-439f-9a3b-c772bf4a311c" providerId="ADAL" clId="{C2A075CF-C4D9-45BF-A2F4-9F4744A685AF}" dt="2024-02-07T03:15:13.666" v="1382" actId="20577"/>
+        <pc:sldMkLst>
+          <pc:docMk/>
+          <pc:sldMk cId="2986862345" sldId="828"/>
+        </pc:sldMkLst>
+        <pc:spChg chg="mod">
+          <ac:chgData name="Matthieu De Mari" userId="dfb708c9-d8dc-439f-9a3b-c772bf4a311c" providerId="ADAL" clId="{C2A075CF-C4D9-45BF-A2F4-9F4744A685AF}" dt="2024-02-07T03:15:13.666" v="1382" actId="20577"/>
+          <ac:spMkLst>
+            <pc:docMk/>
+            <pc:sldMk cId="2986862345" sldId="828"/>
+            <ac:spMk id="3" creationId="{CF1D478A-0975-EE46-490C-B98DC55AC938}"/>
+          </ac:spMkLst>
+        </pc:spChg>
+      </pc:sldChg>
+      <pc:sldChg chg="modSp mod">
         <pc:chgData name="Matthieu De Mari" userId="dfb708c9-d8dc-439f-9a3b-c772bf4a311c" providerId="ADAL" clId="{C2A075CF-C4D9-45BF-A2F4-9F4744A685AF}" dt="2024-01-21T10:24:10.365" v="218" actId="113"/>
         <pc:sldMkLst>
           <pc:docMk/>
@@ -6138,13 +6442,13 @@
         </pc:spChg>
       </pc:sldChg>
       <pc:sldChg chg="modSp mod">
-        <pc:chgData name="Matthieu De Mari" userId="dfb708c9-d8dc-439f-9a3b-c772bf4a311c" providerId="ADAL" clId="{C2A075CF-C4D9-45BF-A2F4-9F4744A685AF}" dt="2024-01-21T10:25:50.795" v="270" actId="1076"/>
+        <pc:chgData name="Matthieu De Mari" userId="dfb708c9-d8dc-439f-9a3b-c772bf4a311c" providerId="ADAL" clId="{C2A075CF-C4D9-45BF-A2F4-9F4744A685AF}" dt="2024-02-07T03:17:35.597" v="1407" actId="20577"/>
         <pc:sldMkLst>
           <pc:docMk/>
           <pc:sldMk cId="491711875" sldId="830"/>
         </pc:sldMkLst>
         <pc:spChg chg="mod">
-          <ac:chgData name="Matthieu De Mari" userId="dfb708c9-d8dc-439f-9a3b-c772bf4a311c" providerId="ADAL" clId="{C2A075CF-C4D9-45BF-A2F4-9F4744A685AF}" dt="2024-01-21T10:25:45.439" v="269" actId="20577"/>
+          <ac:chgData name="Matthieu De Mari" userId="dfb708c9-d8dc-439f-9a3b-c772bf4a311c" providerId="ADAL" clId="{C2A075CF-C4D9-45BF-A2F4-9F4744A685AF}" dt="2024-02-07T03:17:35.597" v="1407" actId="20577"/>
           <ac:spMkLst>
             <pc:docMk/>
             <pc:sldMk cId="491711875" sldId="830"/>
@@ -6192,7 +6496,7 @@
         </pc:spChg>
       </pc:sldChg>
       <pc:sldChg chg="delSp modSp add mod modClrScheme chgLayout">
-        <pc:chgData name="Matthieu De Mari" userId="dfb708c9-d8dc-439f-9a3b-c772bf4a311c" providerId="ADAL" clId="{C2A075CF-C4D9-45BF-A2F4-9F4744A685AF}" dt="2024-01-21T10:20:21.690" v="115" actId="700"/>
+        <pc:chgData name="Matthieu De Mari" userId="dfb708c9-d8dc-439f-9a3b-c772bf4a311c" providerId="ADAL" clId="{C2A075CF-C4D9-45BF-A2F4-9F4744A685AF}" dt="2024-02-07T03:10:57.601" v="1125" actId="27636"/>
         <pc:sldMkLst>
           <pc:docMk/>
           <pc:sldMk cId="1710209134" sldId="832"/>
@@ -6206,7 +6510,7 @@
           </ac:spMkLst>
         </pc:spChg>
         <pc:spChg chg="mod ord">
-          <ac:chgData name="Matthieu De Mari" userId="dfb708c9-d8dc-439f-9a3b-c772bf4a311c" providerId="ADAL" clId="{C2A075CF-C4D9-45BF-A2F4-9F4744A685AF}" dt="2024-01-21T10:20:21.690" v="115" actId="700"/>
+          <ac:chgData name="Matthieu De Mari" userId="dfb708c9-d8dc-439f-9a3b-c772bf4a311c" providerId="ADAL" clId="{C2A075CF-C4D9-45BF-A2F4-9F4744A685AF}" dt="2024-02-07T03:10:57.601" v="1125" actId="27636"/>
           <ac:spMkLst>
             <pc:docMk/>
             <pc:sldMk cId="1710209134" sldId="832"/>
@@ -6228,6 +6532,29 @@
           <pc:docMk/>
           <pc:sldMk cId="3288933084" sldId="833"/>
         </pc:sldMkLst>
+      </pc:sldChg>
+      <pc:sldChg chg="modSp add mod">
+        <pc:chgData name="Matthieu De Mari" userId="dfb708c9-d8dc-439f-9a3b-c772bf4a311c" providerId="ADAL" clId="{C2A075CF-C4D9-45BF-A2F4-9F4744A685AF}" dt="2024-02-07T03:08:09.241" v="1066" actId="20577"/>
+        <pc:sldMkLst>
+          <pc:docMk/>
+          <pc:sldMk cId="1364016482" sldId="834"/>
+        </pc:sldMkLst>
+        <pc:spChg chg="mod">
+          <ac:chgData name="Matthieu De Mari" userId="dfb708c9-d8dc-439f-9a3b-c772bf4a311c" providerId="ADAL" clId="{C2A075CF-C4D9-45BF-A2F4-9F4744A685AF}" dt="2024-02-07T03:08:09.241" v="1066" actId="20577"/>
+          <ac:spMkLst>
+            <pc:docMk/>
+            <pc:sldMk cId="1364016482" sldId="834"/>
+            <ac:spMk id="8" creationId="{2542F9E5-5BE1-0AE8-10A2-41B2E65FB9CA}"/>
+          </ac:spMkLst>
+        </pc:spChg>
+        <pc:spChg chg="mod">
+          <ac:chgData name="Matthieu De Mari" userId="dfb708c9-d8dc-439f-9a3b-c772bf4a311c" providerId="ADAL" clId="{C2A075CF-C4D9-45BF-A2F4-9F4744A685AF}" dt="2024-02-07T03:06:59.166" v="824" actId="27636"/>
+          <ac:spMkLst>
+            <pc:docMk/>
+            <pc:sldMk cId="1364016482" sldId="834"/>
+            <ac:spMk id="9" creationId="{13D2E3E9-CCB1-90DE-C18A-CCF2A746C709}"/>
+          </ac:spMkLst>
+        </pc:spChg>
       </pc:sldChg>
     </pc:docChg>
   </pc:docChgLst>
@@ -7556,7 +7883,7 @@
           <a:p>
             <a:fld id="{61478373-EB31-4867-8CF0-FA31364748A5}" type="datetimeFigureOut">
               <a:rPr lang="en-GB" smtClean="0"/>
-              <a:t>06/02/2024</a:t>
+              <a:t>07/02/2024</a:t>
             </a:fld>
             <a:endParaRPr lang="en-GB"/>
           </a:p>
@@ -7973,7 +8300,7 @@
           <a:p>
             <a:fld id="{E85DF616-B21E-4EF6-A6A5-95E2FB3EB1A1}" type="datetimeFigureOut">
               <a:rPr lang="en-GB" smtClean="0"/>
-              <a:t>06/02/2024</a:t>
+              <a:t>07/02/2024</a:t>
             </a:fld>
             <a:endParaRPr lang="en-GB"/>
           </a:p>
@@ -8173,7 +8500,7 @@
           <a:p>
             <a:fld id="{E85DF616-B21E-4EF6-A6A5-95E2FB3EB1A1}" type="datetimeFigureOut">
               <a:rPr lang="en-GB" smtClean="0"/>
-              <a:t>06/02/2024</a:t>
+              <a:t>07/02/2024</a:t>
             </a:fld>
             <a:endParaRPr lang="en-GB"/>
           </a:p>
@@ -8383,7 +8710,7 @@
           <a:p>
             <a:fld id="{E85DF616-B21E-4EF6-A6A5-95E2FB3EB1A1}" type="datetimeFigureOut">
               <a:rPr lang="en-GB" smtClean="0"/>
-              <a:t>06/02/2024</a:t>
+              <a:t>07/02/2024</a:t>
             </a:fld>
             <a:endParaRPr lang="en-GB"/>
           </a:p>
@@ -8583,7 +8910,7 @@
           <a:p>
             <a:fld id="{E85DF616-B21E-4EF6-A6A5-95E2FB3EB1A1}" type="datetimeFigureOut">
               <a:rPr lang="en-GB" smtClean="0"/>
-              <a:t>06/02/2024</a:t>
+              <a:t>07/02/2024</a:t>
             </a:fld>
             <a:endParaRPr lang="en-GB"/>
           </a:p>
@@ -8859,7 +9186,7 @@
           <a:p>
             <a:fld id="{E85DF616-B21E-4EF6-A6A5-95E2FB3EB1A1}" type="datetimeFigureOut">
               <a:rPr lang="en-GB" smtClean="0"/>
-              <a:t>06/02/2024</a:t>
+              <a:t>07/02/2024</a:t>
             </a:fld>
             <a:endParaRPr lang="en-GB"/>
           </a:p>
@@ -9127,7 +9454,7 @@
           <a:p>
             <a:fld id="{E85DF616-B21E-4EF6-A6A5-95E2FB3EB1A1}" type="datetimeFigureOut">
               <a:rPr lang="en-GB" smtClean="0"/>
-              <a:t>06/02/2024</a:t>
+              <a:t>07/02/2024</a:t>
             </a:fld>
             <a:endParaRPr lang="en-GB"/>
           </a:p>
@@ -9542,7 +9869,7 @@
           <a:p>
             <a:fld id="{E85DF616-B21E-4EF6-A6A5-95E2FB3EB1A1}" type="datetimeFigureOut">
               <a:rPr lang="en-GB" smtClean="0"/>
-              <a:t>06/02/2024</a:t>
+              <a:t>07/02/2024</a:t>
             </a:fld>
             <a:endParaRPr lang="en-GB"/>
           </a:p>
@@ -9684,7 +10011,7 @@
           <a:p>
             <a:fld id="{E85DF616-B21E-4EF6-A6A5-95E2FB3EB1A1}" type="datetimeFigureOut">
               <a:rPr lang="en-GB" smtClean="0"/>
-              <a:t>06/02/2024</a:t>
+              <a:t>07/02/2024</a:t>
             </a:fld>
             <a:endParaRPr lang="en-GB"/>
           </a:p>
@@ -9797,7 +10124,7 @@
           <a:p>
             <a:fld id="{E85DF616-B21E-4EF6-A6A5-95E2FB3EB1A1}" type="datetimeFigureOut">
               <a:rPr lang="en-GB" smtClean="0"/>
-              <a:t>06/02/2024</a:t>
+              <a:t>07/02/2024</a:t>
             </a:fld>
             <a:endParaRPr lang="en-GB"/>
           </a:p>
@@ -10110,7 +10437,7 @@
           <a:p>
             <a:fld id="{E85DF616-B21E-4EF6-A6A5-95E2FB3EB1A1}" type="datetimeFigureOut">
               <a:rPr lang="en-GB" smtClean="0"/>
-              <a:t>06/02/2024</a:t>
+              <a:t>07/02/2024</a:t>
             </a:fld>
             <a:endParaRPr lang="en-GB"/>
           </a:p>
@@ -10399,7 +10726,7 @@
           <a:p>
             <a:fld id="{E85DF616-B21E-4EF6-A6A5-95E2FB3EB1A1}" type="datetimeFigureOut">
               <a:rPr lang="en-GB" smtClean="0"/>
-              <a:t>06/02/2024</a:t>
+              <a:t>07/02/2024</a:t>
             </a:fld>
             <a:endParaRPr lang="en-GB"/>
           </a:p>
@@ -10642,7 +10969,7 @@
           <a:p>
             <a:fld id="{E85DF616-B21E-4EF6-A6A5-95E2FB3EB1A1}" type="datetimeFigureOut">
               <a:rPr lang="en-GB" smtClean="0"/>
-              <a:t>06/02/2024</a:t>
+              <a:t>07/02/2024</a:t>
             </a:fld>
             <a:endParaRPr lang="en-GB"/>
           </a:p>
@@ -11355,12 +11682,7 @@
             <p:ph idx="1"/>
           </p:nvPr>
         </p:nvSpPr>
-        <p:spPr>
-          <a:xfrm>
-            <a:off x="838200" y="1825624"/>
-            <a:ext cx="10515600" cy="5032375"/>
-          </a:xfrm>
-        </p:spPr>
+        <p:spPr/>
         <p:txBody>
           <a:bodyPr>
             <a:normAutofit/>
@@ -11372,11 +11694,13 @@
             </a:pPr>
             <a:r>
               <a:rPr lang="en-GB" dirty="0"/>
-              <a:t>Most of the time, when demonstrating concepts, we will rely on a "simple" </a:t>
-            </a:r>
+              <a:t>The features we are interested in are:</a:t>
+            </a:r>
+          </a:p>
+          <a:p>
             <a:r>
               <a:rPr lang="en-GB" b="1" dirty="0"/>
-              <a:t>built-in</a:t>
+              <a:t>Lot</a:t>
             </a:r>
             <a:r>
               <a:rPr lang="en-GB" dirty="0"/>
@@ -11384,121 +11708,109 @@
             </a:r>
             <a:r>
               <a:rPr lang="en-GB" b="1" dirty="0"/>
-              <a:t>dataset</a:t>
-            </a:r>
-            <a:r>
-              <a:rPr lang="en-GB" dirty="0"/>
-              <a:t>, available in the </a:t>
+              <a:t>Area</a:t>
+            </a:r>
+            <a:r>
+              <a:rPr lang="en-GB" dirty="0"/>
+              <a:t>: The area of the lot in square feet.</a:t>
+            </a:r>
+          </a:p>
+          <a:p>
+            <a:r>
+              <a:rPr lang="en-GB" b="1" dirty="0"/>
+              <a:t>Overall</a:t>
+            </a:r>
+            <a:r>
+              <a:rPr lang="en-GB" dirty="0"/>
+              <a:t> </a:t>
+            </a:r>
+            <a:r>
+              <a:rPr lang="en-GB" b="1" dirty="0"/>
+              <a:t>Qual</a:t>
+            </a:r>
+            <a:r>
+              <a:rPr lang="en-GB" dirty="0"/>
+              <a:t>: A rating of the overall material and finish of the house (1-10).</a:t>
+            </a:r>
+          </a:p>
+          <a:p>
+            <a:r>
+              <a:rPr lang="en-GB" b="1" dirty="0"/>
+              <a:t>Overall</a:t>
+            </a:r>
+            <a:r>
+              <a:rPr lang="en-GB" dirty="0"/>
+              <a:t> </a:t>
+            </a:r>
+            <a:r>
+              <a:rPr lang="en-GB" b="1" dirty="0"/>
+              <a:t>Cond</a:t>
+            </a:r>
+            <a:r>
+              <a:rPr lang="en-GB" dirty="0"/>
+              <a:t>: A rating of the overall condition of the house (1-10).</a:t>
+            </a:r>
+          </a:p>
+          <a:p>
+            <a:r>
+              <a:rPr lang="en-GB" b="1" dirty="0"/>
+              <a:t>Year</a:t>
+            </a:r>
+            <a:r>
+              <a:rPr lang="en-GB" dirty="0"/>
+              <a:t> </a:t>
+            </a:r>
+            <a:r>
+              <a:rPr lang="en-GB" b="1" dirty="0"/>
+              <a:t>Built</a:t>
+            </a:r>
+            <a:r>
+              <a:rPr lang="en-GB" dirty="0"/>
+              <a:t>: The year the house was built.</a:t>
+            </a:r>
+          </a:p>
+          <a:p>
+            <a:r>
+              <a:rPr lang="en-GB" b="1" dirty="0"/>
+              <a:t>Year</a:t>
+            </a:r>
+            <a:r>
+              <a:rPr lang="en-GB" dirty="0"/>
+              <a:t> </a:t>
+            </a:r>
+            <a:r>
+              <a:rPr lang="en-GB" b="1" dirty="0" err="1"/>
+              <a:t>Remod</a:t>
+            </a:r>
+            <a:r>
+              <a:rPr lang="en-GB" b="1" dirty="0"/>
+              <a:t>/Add</a:t>
+            </a:r>
+            <a:r>
+              <a:rPr lang="en-GB" dirty="0"/>
+              <a:t>: The year the house was </a:t>
             </a:r>
             <a:r>
               <a:rPr lang="en-GB" dirty="0" err="1"/>
-              <a:t>PyTorch</a:t>
-            </a:r>
-            <a:r>
-              <a:rPr lang="en-GB" dirty="0"/>
-              <a:t> library. In practice, however, you will often play with a </a:t>
-            </a:r>
-            <a:r>
-              <a:rPr lang="en-GB" b="1" dirty="0"/>
-              <a:t>custom</a:t>
-            </a:r>
-            <a:r>
-              <a:rPr lang="en-GB" dirty="0"/>
-              <a:t> </a:t>
-            </a:r>
-            <a:r>
-              <a:rPr lang="en-GB" b="1" dirty="0"/>
-              <a:t>dataset</a:t>
-            </a:r>
-            <a:r>
-              <a:rPr lang="en-GB" dirty="0"/>
-              <a:t>, fitting your needs.</a:t>
-            </a:r>
-          </a:p>
-          <a:p>
-            <a:r>
-              <a:rPr lang="en-GB" dirty="0"/>
-              <a:t>Most datasets will be provided by your company, or can be found on dataset search engines, such as </a:t>
-            </a:r>
-            <a:r>
-              <a:rPr lang="en-GB" b="1" dirty="0"/>
-              <a:t>Kaggle</a:t>
-            </a:r>
-            <a:r>
-              <a:rPr lang="en-GB" dirty="0"/>
-              <a:t>, </a:t>
-            </a:r>
-            <a:r>
-              <a:rPr lang="en-GB" b="1" dirty="0"/>
-              <a:t>Google</a:t>
-            </a:r>
-            <a:r>
-              <a:rPr lang="en-GB" dirty="0"/>
-              <a:t> </a:t>
-            </a:r>
-            <a:r>
-              <a:rPr lang="en-GB" b="1" dirty="0"/>
-              <a:t>Dataset</a:t>
-            </a:r>
-            <a:r>
-              <a:rPr lang="en-GB" dirty="0"/>
-              <a:t> </a:t>
-            </a:r>
-            <a:r>
-              <a:rPr lang="en-GB" b="1" dirty="0"/>
-              <a:t>Search</a:t>
-            </a:r>
-            <a:r>
-              <a:rPr lang="en-GB" dirty="0"/>
-              <a:t>, etc.</a:t>
-            </a:r>
-          </a:p>
-          <a:p>
-            <a:r>
-              <a:rPr lang="en-GB" dirty="0"/>
-              <a:t>Today, we will play with a simplified version of the </a:t>
-            </a:r>
-            <a:r>
-              <a:rPr lang="en-GB" b="1" dirty="0"/>
-              <a:t>Ames</a:t>
-            </a:r>
-            <a:r>
-              <a:rPr lang="en-GB" dirty="0"/>
-              <a:t> </a:t>
-            </a:r>
-            <a:r>
-              <a:rPr lang="en-GB" b="1" dirty="0"/>
-              <a:t>Housing</a:t>
-            </a:r>
-            <a:r>
-              <a:rPr lang="en-GB" dirty="0"/>
-              <a:t> </a:t>
-            </a:r>
-            <a:r>
-              <a:rPr lang="en-GB" b="1" dirty="0"/>
-              <a:t>Dataset</a:t>
-            </a:r>
-            <a:r>
-              <a:rPr lang="en-GB" dirty="0"/>
-              <a:t>, which can be found online, here: </a:t>
-            </a:r>
-            <a:r>
-              <a:rPr lang="en-GB" dirty="0">
-                <a:hlinkClick r:id="rId2"/>
-              </a:rPr>
-              <a:t>https://www.kaggle.com/datasets/prevek18/ames-housing-dataset?resource=download</a:t>
-            </a:r>
-            <a:endParaRPr lang="en-GB" dirty="0"/>
-          </a:p>
-          <a:p>
-            <a:endParaRPr lang="en-GB" dirty="0"/>
+              <a:t>remodeled</a:t>
+            </a:r>
+            <a:r>
+              <a:rPr lang="en-GB" dirty="0"/>
+              <a:t> or had an addition added.</a:t>
+            </a:r>
+          </a:p>
+          <a:p>
+            <a:r>
+              <a:rPr lang="en-GB" dirty="0"/>
+              <a:t>And many more features! (not describing all of them)</a:t>
+            </a:r>
           </a:p>
         </p:txBody>
       </p:sp>
     </p:spTree>
     <p:extLst>
       <p:ext uri="{BB962C8B-B14F-4D97-AF65-F5344CB8AC3E}">
-        <p14:creationId xmlns:p14="http://schemas.microsoft.com/office/powerpoint/2010/main" val="1451434589"/>
+        <p14:creationId xmlns:p14="http://schemas.microsoft.com/office/powerpoint/2010/main" val="2530178653"/>
       </p:ext>
     </p:extLst>
   </p:cSld>
@@ -11525,41 +11837,12 @@
           <a:chExt cx="0" cy="0"/>
         </a:xfrm>
       </p:grpSpPr>
-      <p:pic>
-        <p:nvPicPr>
-          <p:cNvPr id="5" name="Picture 4">
-            <a:extLst>
-              <a:ext uri="{FF2B5EF4-FFF2-40B4-BE49-F238E27FC236}">
-                <a16:creationId xmlns:a16="http://schemas.microsoft.com/office/drawing/2014/main" id="{05E37773-793F-F9CF-20C7-080A12533352}"/>
-              </a:ext>
-            </a:extLst>
-          </p:cNvPr>
-          <p:cNvPicPr>
-            <a:picLocks noChangeAspect="1"/>
-          </p:cNvPicPr>
-          <p:nvPr/>
-        </p:nvPicPr>
-        <p:blipFill rotWithShape="1">
-          <a:blip r:embed="rId2"/>
-          <a:srcRect t="16501" r="66293" b="43462"/>
-          <a:stretch/>
-        </p:blipFill>
-        <p:spPr>
-          <a:xfrm>
-            <a:off x="215319" y="1848463"/>
-            <a:ext cx="11761361" cy="4365523"/>
-          </a:xfrm>
-          <a:prstGeom prst="rect">
-            <a:avLst/>
-          </a:prstGeom>
-        </p:spPr>
-      </p:pic>
       <p:sp>
         <p:nvSpPr>
           <p:cNvPr id="2" name="Title 1">
             <a:extLst>
               <a:ext uri="{FF2B5EF4-FFF2-40B4-BE49-F238E27FC236}">
-                <a16:creationId xmlns:a16="http://schemas.microsoft.com/office/drawing/2014/main" id="{B91EA25B-9659-1DC6-A4D1-D0A5BE37D4F7}"/>
+                <a16:creationId xmlns:a16="http://schemas.microsoft.com/office/drawing/2014/main" id="{E28D0FA9-852F-88EB-13B7-0F25F1E909EF}"/>
               </a:ext>
             </a:extLst>
           </p:cNvPr>
@@ -11577,16 +11860,151 @@
           <a:p>
             <a:r>
               <a:rPr lang="en-GB" dirty="0"/>
-              <a:t>A look at our dataset Excel file</a:t>
+              <a:t>Writing a custom</a:t>
+            </a:r>
+            <a:br>
+              <a:rPr lang="en-GB" dirty="0"/>
+            </a:br>
+            <a:r>
+              <a:rPr lang="en-GB" dirty="0"/>
+              <a:t>Dataset object</a:t>
             </a:r>
             <a:endParaRPr lang="en-SG" dirty="0"/>
           </a:p>
         </p:txBody>
       </p:sp>
+      <p:sp>
+        <p:nvSpPr>
+          <p:cNvPr id="3" name="Content Placeholder 2">
+            <a:extLst>
+              <a:ext uri="{FF2B5EF4-FFF2-40B4-BE49-F238E27FC236}">
+                <a16:creationId xmlns:a16="http://schemas.microsoft.com/office/drawing/2014/main" id="{BA2A0416-0B18-CDD3-9A37-B441AE8FAEC0}"/>
+              </a:ext>
+            </a:extLst>
+          </p:cNvPr>
+          <p:cNvSpPr>
+            <a:spLocks noGrp="1"/>
+          </p:cNvSpPr>
+          <p:nvPr>
+            <p:ph sz="half" idx="1"/>
+          </p:nvPr>
+        </p:nvSpPr>
+        <p:spPr>
+          <a:xfrm>
+            <a:off x="462116" y="1825624"/>
+            <a:ext cx="4965290" cy="5032375"/>
+          </a:xfrm>
+        </p:spPr>
+        <p:txBody>
+          <a:bodyPr>
+            <a:normAutofit/>
+          </a:bodyPr>
+          <a:lstStyle/>
+          <a:p>
+            <a:pPr marL="0" indent="0">
+              <a:buNone/>
+            </a:pPr>
+            <a:r>
+              <a:rPr lang="en-GB" dirty="0"/>
+              <a:t>Let us start by loading the </a:t>
+            </a:r>
+            <a:r>
+              <a:rPr lang="en-GB" b="1" dirty="0"/>
+              <a:t>Excel</a:t>
+            </a:r>
+            <a:r>
+              <a:rPr lang="en-GB" dirty="0"/>
+              <a:t> file into a pandas </a:t>
+            </a:r>
+            <a:r>
+              <a:rPr lang="en-GB" b="1" dirty="0" err="1"/>
+              <a:t>DataFrame</a:t>
+            </a:r>
+            <a:r>
+              <a:rPr lang="en-GB" dirty="0"/>
+              <a:t> first.</a:t>
+            </a:r>
+            <a:br>
+              <a:rPr lang="en-GB" dirty="0"/>
+            </a:br>
+            <a:endParaRPr lang="en-GB" dirty="0"/>
+          </a:p>
+          <a:p>
+            <a:pPr marL="0" indent="0">
+              <a:buNone/>
+            </a:pPr>
+            <a:r>
+              <a:rPr lang="en-GB" i="1" dirty="0"/>
+              <a:t>(Note</a:t>
+            </a:r>
+            <a:r>
+              <a:rPr lang="en-GB" b="1" i="1" dirty="0"/>
+              <a:t>: </a:t>
+            </a:r>
+            <a:r>
+              <a:rPr lang="en-GB" i="1" dirty="0"/>
+              <a:t>Not familiar with the </a:t>
+            </a:r>
+            <a:r>
+              <a:rPr lang="en-GB" b="1" i="1" dirty="0"/>
+              <a:t>pandas</a:t>
+            </a:r>
+            <a:r>
+              <a:rPr lang="en-GB" i="1" dirty="0"/>
+              <a:t> library? Find 10 minutes to learn it, it will definitely serve you in the long run!</a:t>
+            </a:r>
+          </a:p>
+          <a:p>
+            <a:pPr marL="0" indent="0">
+              <a:buNone/>
+            </a:pPr>
+            <a:r>
+              <a:rPr lang="en-GB" i="1" dirty="0">
+                <a:hlinkClick r:id="rId2"/>
+              </a:rPr>
+              <a:t>https://pandas.pydata.org/docs/user_guide/10min.html</a:t>
+            </a:r>
+            <a:r>
+              <a:rPr lang="en-GB" i="1" dirty="0"/>
+              <a:t>)</a:t>
+            </a:r>
+          </a:p>
+        </p:txBody>
+      </p:sp>
+      <p:pic>
+        <p:nvPicPr>
+          <p:cNvPr id="8" name="Picture 7">
+            <a:extLst>
+              <a:ext uri="{FF2B5EF4-FFF2-40B4-BE49-F238E27FC236}">
+                <a16:creationId xmlns:a16="http://schemas.microsoft.com/office/drawing/2014/main" id="{D76780B6-213C-112E-4BD5-2725031AF61A}"/>
+              </a:ext>
+            </a:extLst>
+          </p:cNvPr>
+          <p:cNvPicPr>
+            <a:picLocks noChangeAspect="1"/>
+          </p:cNvPicPr>
+          <p:nvPr/>
+        </p:nvPicPr>
+        <p:blipFill>
+          <a:blip r:embed="rId3"/>
+          <a:stretch>
+            <a:fillRect/>
+          </a:stretch>
+        </p:blipFill>
+        <p:spPr>
+          <a:xfrm>
+            <a:off x="5771535" y="627105"/>
+            <a:ext cx="6420465" cy="5603789"/>
+          </a:xfrm>
+          <a:prstGeom prst="rect">
+            <a:avLst/>
+          </a:prstGeom>
+        </p:spPr>
+      </p:pic>
     </p:spTree>
     <p:extLst>
       <p:ext uri="{BB962C8B-B14F-4D97-AF65-F5344CB8AC3E}">
-        <p14:creationId xmlns:p14="http://schemas.microsoft.com/office/powerpoint/2010/main" val="592329134"/>
+        <p14:creationId xmlns:p14="http://schemas.microsoft.com/office/powerpoint/2010/main" val="2330822039"/>
       </p:ext>
     </p:extLst>
   </p:cSld>
@@ -11636,523 +12054,6 @@
           <a:p>
             <a:r>
               <a:rPr lang="en-GB" dirty="0"/>
-              <a:t>Writing a custom Dataset object</a:t>
-            </a:r>
-            <a:endParaRPr lang="en-SG" dirty="0"/>
-          </a:p>
-        </p:txBody>
-      </p:sp>
-      <p:sp>
-        <p:nvSpPr>
-          <p:cNvPr id="3" name="Content Placeholder 2">
-            <a:extLst>
-              <a:ext uri="{FF2B5EF4-FFF2-40B4-BE49-F238E27FC236}">
-                <a16:creationId xmlns:a16="http://schemas.microsoft.com/office/drawing/2014/main" id="{BA2A0416-0B18-CDD3-9A37-B441AE8FAEC0}"/>
-              </a:ext>
-            </a:extLst>
-          </p:cNvPr>
-          <p:cNvSpPr>
-            <a:spLocks noGrp="1"/>
-          </p:cNvSpPr>
-          <p:nvPr>
-            <p:ph idx="1"/>
-          </p:nvPr>
-        </p:nvSpPr>
-        <p:spPr>
-          <a:xfrm>
-            <a:off x="838200" y="1825624"/>
-            <a:ext cx="10515600" cy="5032375"/>
-          </a:xfrm>
-        </p:spPr>
-        <p:txBody>
-          <a:bodyPr>
-            <a:normAutofit/>
-          </a:bodyPr>
-          <a:lstStyle/>
-          <a:p>
-            <a:pPr marL="0" indent="0">
-              <a:buNone/>
-            </a:pPr>
-            <a:r>
-              <a:rPr lang="en-GB" dirty="0"/>
-              <a:t>The Ames dataset includes a variety of features for approximately 2,800 houses in Ames, Iowa.</a:t>
-            </a:r>
-          </a:p>
-          <a:p>
-            <a:r>
-              <a:rPr lang="en-GB" dirty="0"/>
-              <a:t>Features include the size of the house (in square feet), the number of bedrooms and bathrooms, and many more. It also includes the sale price for each house.</a:t>
-            </a:r>
-          </a:p>
-          <a:p>
-            <a:r>
-              <a:rPr lang="en-GB" dirty="0"/>
-              <a:t>The Ames Housing Dataset is a popular choice for machine learning projects, and it has been used to build AI models for predicting house prices, based on various house features.</a:t>
-            </a:r>
-          </a:p>
-          <a:p>
-            <a:r>
-              <a:rPr lang="en-GB" dirty="0"/>
-              <a:t>It consists of an Excel file (AmesHousing.xlsx) stored in the ./</a:t>
-            </a:r>
-            <a:r>
-              <a:rPr lang="en-GB" dirty="0" err="1"/>
-              <a:t>ames</a:t>
-            </a:r>
-            <a:r>
-              <a:rPr lang="en-GB" dirty="0"/>
-              <a:t>/ folder. The original dataset can be found in the  AmesHousing.csv file, but we have simplified it by removing some of its features.</a:t>
-            </a:r>
-          </a:p>
-        </p:txBody>
-      </p:sp>
-    </p:spTree>
-    <p:extLst>
-      <p:ext uri="{BB962C8B-B14F-4D97-AF65-F5344CB8AC3E}">
-        <p14:creationId xmlns:p14="http://schemas.microsoft.com/office/powerpoint/2010/main" val="473408429"/>
-      </p:ext>
-    </p:extLst>
-  </p:cSld>
-  <p:clrMapOvr>
-    <a:masterClrMapping/>
-  </p:clrMapOvr>
-</p:sld>
-</file>
-
-<file path=ppt/slides/slide13.xml><?xml version="1.0" encoding="utf-8"?>
-<p:sld xmlns:a="http://schemas.openxmlformats.org/drawingml/2006/main" xmlns:r="http://schemas.openxmlformats.org/officeDocument/2006/relationships" xmlns:p="http://schemas.openxmlformats.org/presentationml/2006/main">
-  <p:cSld>
-    <p:spTree>
-      <p:nvGrpSpPr>
-        <p:cNvPr id="1" name=""/>
-        <p:cNvGrpSpPr/>
-        <p:nvPr/>
-      </p:nvGrpSpPr>
-      <p:grpSpPr>
-        <a:xfrm>
-          <a:off x="0" y="0"/>
-          <a:ext cx="0" cy="0"/>
-          <a:chOff x="0" y="0"/>
-          <a:chExt cx="0" cy="0"/>
-        </a:xfrm>
-      </p:grpSpPr>
-      <p:sp>
-        <p:nvSpPr>
-          <p:cNvPr id="2" name="Title 1">
-            <a:extLst>
-              <a:ext uri="{FF2B5EF4-FFF2-40B4-BE49-F238E27FC236}">
-                <a16:creationId xmlns:a16="http://schemas.microsoft.com/office/drawing/2014/main" id="{E28D0FA9-852F-88EB-13B7-0F25F1E909EF}"/>
-              </a:ext>
-            </a:extLst>
-          </p:cNvPr>
-          <p:cNvSpPr>
-            <a:spLocks noGrp="1"/>
-          </p:cNvSpPr>
-          <p:nvPr>
-            <p:ph type="title"/>
-          </p:nvPr>
-        </p:nvSpPr>
-        <p:spPr/>
-        <p:txBody>
-          <a:bodyPr/>
-          <a:lstStyle/>
-          <a:p>
-            <a:r>
-              <a:rPr lang="en-GB" dirty="0"/>
-              <a:t>Writing a custom Dataset object</a:t>
-            </a:r>
-            <a:endParaRPr lang="en-SG" dirty="0"/>
-          </a:p>
-        </p:txBody>
-      </p:sp>
-      <p:sp>
-        <p:nvSpPr>
-          <p:cNvPr id="3" name="Content Placeholder 2">
-            <a:extLst>
-              <a:ext uri="{FF2B5EF4-FFF2-40B4-BE49-F238E27FC236}">
-                <a16:creationId xmlns:a16="http://schemas.microsoft.com/office/drawing/2014/main" id="{BA2A0416-0B18-CDD3-9A37-B441AE8FAEC0}"/>
-              </a:ext>
-            </a:extLst>
-          </p:cNvPr>
-          <p:cNvSpPr>
-            <a:spLocks noGrp="1"/>
-          </p:cNvSpPr>
-          <p:nvPr>
-            <p:ph idx="1"/>
-          </p:nvPr>
-        </p:nvSpPr>
-        <p:spPr/>
-        <p:txBody>
-          <a:bodyPr>
-            <a:normAutofit/>
-          </a:bodyPr>
-          <a:lstStyle/>
-          <a:p>
-            <a:pPr marL="0" indent="0">
-              <a:buNone/>
-            </a:pPr>
-            <a:r>
-              <a:rPr lang="en-GB" dirty="0"/>
-              <a:t>The features we are interested in are:</a:t>
-            </a:r>
-          </a:p>
-          <a:p>
-            <a:r>
-              <a:rPr lang="en-GB" b="1" dirty="0"/>
-              <a:t>Lot</a:t>
-            </a:r>
-            <a:r>
-              <a:rPr lang="en-GB" dirty="0"/>
-              <a:t> </a:t>
-            </a:r>
-            <a:r>
-              <a:rPr lang="en-GB" b="1" dirty="0"/>
-              <a:t>Area</a:t>
-            </a:r>
-            <a:r>
-              <a:rPr lang="en-GB" dirty="0"/>
-              <a:t>: The area of the lot in square feet.</a:t>
-            </a:r>
-          </a:p>
-          <a:p>
-            <a:r>
-              <a:rPr lang="en-GB" b="1" dirty="0"/>
-              <a:t>Overall</a:t>
-            </a:r>
-            <a:r>
-              <a:rPr lang="en-GB" dirty="0"/>
-              <a:t> </a:t>
-            </a:r>
-            <a:r>
-              <a:rPr lang="en-GB" b="1" dirty="0"/>
-              <a:t>Qual</a:t>
-            </a:r>
-            <a:r>
-              <a:rPr lang="en-GB" dirty="0"/>
-              <a:t>: A rating of the overall material and finish of the house (1-10).</a:t>
-            </a:r>
-          </a:p>
-          <a:p>
-            <a:r>
-              <a:rPr lang="en-GB" b="1" dirty="0"/>
-              <a:t>Overall</a:t>
-            </a:r>
-            <a:r>
-              <a:rPr lang="en-GB" dirty="0"/>
-              <a:t> </a:t>
-            </a:r>
-            <a:r>
-              <a:rPr lang="en-GB" b="1" dirty="0"/>
-              <a:t>Cond</a:t>
-            </a:r>
-            <a:r>
-              <a:rPr lang="en-GB" dirty="0"/>
-              <a:t>: A rating of the overall condition of the house (1-10).</a:t>
-            </a:r>
-          </a:p>
-          <a:p>
-            <a:r>
-              <a:rPr lang="en-GB" b="1" dirty="0"/>
-              <a:t>Year</a:t>
-            </a:r>
-            <a:r>
-              <a:rPr lang="en-GB" dirty="0"/>
-              <a:t> </a:t>
-            </a:r>
-            <a:r>
-              <a:rPr lang="en-GB" b="1" dirty="0"/>
-              <a:t>Built</a:t>
-            </a:r>
-            <a:r>
-              <a:rPr lang="en-GB" dirty="0"/>
-              <a:t>: The year the house was built.</a:t>
-            </a:r>
-          </a:p>
-          <a:p>
-            <a:r>
-              <a:rPr lang="en-GB" b="1" dirty="0"/>
-              <a:t>Year</a:t>
-            </a:r>
-            <a:r>
-              <a:rPr lang="en-GB" dirty="0"/>
-              <a:t> </a:t>
-            </a:r>
-            <a:r>
-              <a:rPr lang="en-GB" b="1" dirty="0" err="1"/>
-              <a:t>Remod</a:t>
-            </a:r>
-            <a:r>
-              <a:rPr lang="en-GB" b="1" dirty="0"/>
-              <a:t>/Add</a:t>
-            </a:r>
-            <a:r>
-              <a:rPr lang="en-GB" dirty="0"/>
-              <a:t>: The year the house was </a:t>
-            </a:r>
-            <a:r>
-              <a:rPr lang="en-GB" dirty="0" err="1"/>
-              <a:t>remodeled</a:t>
-            </a:r>
-            <a:r>
-              <a:rPr lang="en-GB" dirty="0"/>
-              <a:t> or had an addition added.</a:t>
-            </a:r>
-          </a:p>
-          <a:p>
-            <a:r>
-              <a:rPr lang="en-GB" dirty="0"/>
-              <a:t>And many more features! (not describing all of them)</a:t>
-            </a:r>
-          </a:p>
-        </p:txBody>
-      </p:sp>
-    </p:spTree>
-    <p:extLst>
-      <p:ext uri="{BB962C8B-B14F-4D97-AF65-F5344CB8AC3E}">
-        <p14:creationId xmlns:p14="http://schemas.microsoft.com/office/powerpoint/2010/main" val="2530178653"/>
-      </p:ext>
-    </p:extLst>
-  </p:cSld>
-  <p:clrMapOvr>
-    <a:masterClrMapping/>
-  </p:clrMapOvr>
-</p:sld>
-</file>
-
-<file path=ppt/slides/slide14.xml><?xml version="1.0" encoding="utf-8"?>
-<p:sld xmlns:a="http://schemas.openxmlformats.org/drawingml/2006/main" xmlns:r="http://schemas.openxmlformats.org/officeDocument/2006/relationships" xmlns:p="http://schemas.openxmlformats.org/presentationml/2006/main">
-  <p:cSld>
-    <p:spTree>
-      <p:nvGrpSpPr>
-        <p:cNvPr id="1" name=""/>
-        <p:cNvGrpSpPr/>
-        <p:nvPr/>
-      </p:nvGrpSpPr>
-      <p:grpSpPr>
-        <a:xfrm>
-          <a:off x="0" y="0"/>
-          <a:ext cx="0" cy="0"/>
-          <a:chOff x="0" y="0"/>
-          <a:chExt cx="0" cy="0"/>
-        </a:xfrm>
-      </p:grpSpPr>
-      <p:sp>
-        <p:nvSpPr>
-          <p:cNvPr id="2" name="Title 1">
-            <a:extLst>
-              <a:ext uri="{FF2B5EF4-FFF2-40B4-BE49-F238E27FC236}">
-                <a16:creationId xmlns:a16="http://schemas.microsoft.com/office/drawing/2014/main" id="{E28D0FA9-852F-88EB-13B7-0F25F1E909EF}"/>
-              </a:ext>
-            </a:extLst>
-          </p:cNvPr>
-          <p:cNvSpPr>
-            <a:spLocks noGrp="1"/>
-          </p:cNvSpPr>
-          <p:nvPr>
-            <p:ph type="title"/>
-          </p:nvPr>
-        </p:nvSpPr>
-        <p:spPr/>
-        <p:txBody>
-          <a:bodyPr/>
-          <a:lstStyle/>
-          <a:p>
-            <a:r>
-              <a:rPr lang="en-GB" dirty="0"/>
-              <a:t>Writing a custom</a:t>
-            </a:r>
-            <a:br>
-              <a:rPr lang="en-GB" dirty="0"/>
-            </a:br>
-            <a:r>
-              <a:rPr lang="en-GB" dirty="0"/>
-              <a:t>Dataset object</a:t>
-            </a:r>
-            <a:endParaRPr lang="en-SG" dirty="0"/>
-          </a:p>
-        </p:txBody>
-      </p:sp>
-      <p:sp>
-        <p:nvSpPr>
-          <p:cNvPr id="3" name="Content Placeholder 2">
-            <a:extLst>
-              <a:ext uri="{FF2B5EF4-FFF2-40B4-BE49-F238E27FC236}">
-                <a16:creationId xmlns:a16="http://schemas.microsoft.com/office/drawing/2014/main" id="{BA2A0416-0B18-CDD3-9A37-B441AE8FAEC0}"/>
-              </a:ext>
-            </a:extLst>
-          </p:cNvPr>
-          <p:cNvSpPr>
-            <a:spLocks noGrp="1"/>
-          </p:cNvSpPr>
-          <p:nvPr>
-            <p:ph sz="half" idx="1"/>
-          </p:nvPr>
-        </p:nvSpPr>
-        <p:spPr>
-          <a:xfrm>
-            <a:off x="462116" y="1825624"/>
-            <a:ext cx="4965290" cy="5032375"/>
-          </a:xfrm>
-        </p:spPr>
-        <p:txBody>
-          <a:bodyPr>
-            <a:normAutofit/>
-          </a:bodyPr>
-          <a:lstStyle/>
-          <a:p>
-            <a:pPr marL="0" indent="0">
-              <a:buNone/>
-            </a:pPr>
-            <a:r>
-              <a:rPr lang="en-GB" dirty="0"/>
-              <a:t>Let us start by loading the </a:t>
-            </a:r>
-            <a:r>
-              <a:rPr lang="en-GB" b="1" dirty="0"/>
-              <a:t>Excel</a:t>
-            </a:r>
-            <a:r>
-              <a:rPr lang="en-GB" dirty="0"/>
-              <a:t> file into a pandas </a:t>
-            </a:r>
-            <a:r>
-              <a:rPr lang="en-GB" b="1" dirty="0" err="1"/>
-              <a:t>DataFrame</a:t>
-            </a:r>
-            <a:r>
-              <a:rPr lang="en-GB" dirty="0"/>
-              <a:t> first.</a:t>
-            </a:r>
-            <a:br>
-              <a:rPr lang="en-GB" dirty="0"/>
-            </a:br>
-            <a:endParaRPr lang="en-GB" dirty="0"/>
-          </a:p>
-          <a:p>
-            <a:pPr marL="0" indent="0">
-              <a:buNone/>
-            </a:pPr>
-            <a:r>
-              <a:rPr lang="en-GB" i="1" dirty="0"/>
-              <a:t>(Note</a:t>
-            </a:r>
-            <a:r>
-              <a:rPr lang="en-GB" b="1" i="1" dirty="0"/>
-              <a:t>: </a:t>
-            </a:r>
-            <a:r>
-              <a:rPr lang="en-GB" i="1" dirty="0"/>
-              <a:t>Not familiar with the </a:t>
-            </a:r>
-            <a:r>
-              <a:rPr lang="en-GB" b="1" i="1" dirty="0"/>
-              <a:t>pandas</a:t>
-            </a:r>
-            <a:r>
-              <a:rPr lang="en-GB" i="1" dirty="0"/>
-              <a:t> library? Find 10 minutes to learn it, it will definitely serve you in the long run!</a:t>
-            </a:r>
-          </a:p>
-          <a:p>
-            <a:pPr marL="0" indent="0">
-              <a:buNone/>
-            </a:pPr>
-            <a:r>
-              <a:rPr lang="en-GB" i="1" dirty="0">
-                <a:hlinkClick r:id="rId2"/>
-              </a:rPr>
-              <a:t>https://pandas.pydata.org/docs/user_guide/10min.html</a:t>
-            </a:r>
-            <a:r>
-              <a:rPr lang="en-GB" i="1" dirty="0"/>
-              <a:t>)</a:t>
-            </a:r>
-          </a:p>
-        </p:txBody>
-      </p:sp>
-      <p:pic>
-        <p:nvPicPr>
-          <p:cNvPr id="8" name="Picture 7">
-            <a:extLst>
-              <a:ext uri="{FF2B5EF4-FFF2-40B4-BE49-F238E27FC236}">
-                <a16:creationId xmlns:a16="http://schemas.microsoft.com/office/drawing/2014/main" id="{D76780B6-213C-112E-4BD5-2725031AF61A}"/>
-              </a:ext>
-            </a:extLst>
-          </p:cNvPr>
-          <p:cNvPicPr>
-            <a:picLocks noChangeAspect="1"/>
-          </p:cNvPicPr>
-          <p:nvPr/>
-        </p:nvPicPr>
-        <p:blipFill>
-          <a:blip r:embed="rId3"/>
-          <a:stretch>
-            <a:fillRect/>
-          </a:stretch>
-        </p:blipFill>
-        <p:spPr>
-          <a:xfrm>
-            <a:off x="5771535" y="627105"/>
-            <a:ext cx="6420465" cy="5603789"/>
-          </a:xfrm>
-          <a:prstGeom prst="rect">
-            <a:avLst/>
-          </a:prstGeom>
-        </p:spPr>
-      </p:pic>
-    </p:spTree>
-    <p:extLst>
-      <p:ext uri="{BB962C8B-B14F-4D97-AF65-F5344CB8AC3E}">
-        <p14:creationId xmlns:p14="http://schemas.microsoft.com/office/powerpoint/2010/main" val="2330822039"/>
-      </p:ext>
-    </p:extLst>
-  </p:cSld>
-  <p:clrMapOvr>
-    <a:masterClrMapping/>
-  </p:clrMapOvr>
-</p:sld>
-</file>
-
-<file path=ppt/slides/slide15.xml><?xml version="1.0" encoding="utf-8"?>
-<p:sld xmlns:a="http://schemas.openxmlformats.org/drawingml/2006/main" xmlns:r="http://schemas.openxmlformats.org/officeDocument/2006/relationships" xmlns:p="http://schemas.openxmlformats.org/presentationml/2006/main">
-  <p:cSld>
-    <p:spTree>
-      <p:nvGrpSpPr>
-        <p:cNvPr id="1" name=""/>
-        <p:cNvGrpSpPr/>
-        <p:nvPr/>
-      </p:nvGrpSpPr>
-      <p:grpSpPr>
-        <a:xfrm>
-          <a:off x="0" y="0"/>
-          <a:ext cx="0" cy="0"/>
-          <a:chOff x="0" y="0"/>
-          <a:chExt cx="0" cy="0"/>
-        </a:xfrm>
-      </p:grpSpPr>
-      <p:sp>
-        <p:nvSpPr>
-          <p:cNvPr id="2" name="Title 1">
-            <a:extLst>
-              <a:ext uri="{FF2B5EF4-FFF2-40B4-BE49-F238E27FC236}">
-                <a16:creationId xmlns:a16="http://schemas.microsoft.com/office/drawing/2014/main" id="{E28D0FA9-852F-88EB-13B7-0F25F1E909EF}"/>
-              </a:ext>
-            </a:extLst>
-          </p:cNvPr>
-          <p:cNvSpPr>
-            <a:spLocks noGrp="1"/>
-          </p:cNvSpPr>
-          <p:nvPr>
-            <p:ph type="title"/>
-          </p:nvPr>
-        </p:nvSpPr>
-        <p:spPr/>
-        <p:txBody>
-          <a:bodyPr/>
-          <a:lstStyle/>
-          <a:p>
-            <a:r>
-              <a:rPr lang="en-GB" dirty="0"/>
               <a:t>Writing a custom</a:t>
             </a:r>
             <a:br>
@@ -12284,20 +12185,40 @@
               <a:t>Define a </a:t>
             </a:r>
             <a:r>
-              <a:rPr lang="en-GB" b="1" dirty="0"/>
+              <a:rPr lang="en-GB" b="1" dirty="0">
+                <a:solidFill>
+                  <a:schemeClr val="accent2"/>
+                </a:solidFill>
+              </a:rPr>
               <a:t>__</a:t>
             </a:r>
             <a:r>
-              <a:rPr lang="en-GB" b="1" dirty="0" err="1"/>
+              <a:rPr lang="en-GB" b="1" dirty="0" err="1">
+                <a:solidFill>
+                  <a:schemeClr val="accent2"/>
+                </a:solidFill>
+              </a:rPr>
               <a:t>getitem</a:t>
             </a:r>
             <a:r>
-              <a:rPr lang="en-GB" b="1" dirty="0"/>
+              <a:rPr lang="en-GB" b="1" dirty="0">
+                <a:solidFill>
+                  <a:schemeClr val="accent2"/>
+                </a:solidFill>
+              </a:rPr>
               <a:t>__</a:t>
             </a:r>
             <a:r>
-              <a:rPr lang="en-GB" dirty="0"/>
-              <a:t> that takes </a:t>
+              <a:rPr lang="en-GB" dirty="0">
+                <a:solidFill>
+                  <a:schemeClr val="accent2"/>
+                </a:solidFill>
+              </a:rPr>
+              <a:t> </a:t>
+            </a:r>
+            <a:r>
+              <a:rPr lang="en-GB" dirty="0"/>
+              <a:t>that takes </a:t>
             </a:r>
             <a:r>
               <a:rPr lang="en-GB" b="1" dirty="0"/>
@@ -12338,20 +12259,40 @@
               <a:t>Define a method </a:t>
             </a:r>
             <a:r>
-              <a:rPr lang="en-GB" b="1" dirty="0"/>
+              <a:rPr lang="en-GB" b="1" dirty="0">
+                <a:solidFill>
+                  <a:srgbClr val="00B050"/>
+                </a:solidFill>
+              </a:rPr>
               <a:t>__</a:t>
             </a:r>
             <a:r>
-              <a:rPr lang="en-GB" b="1" dirty="0" err="1"/>
+              <a:rPr lang="en-GB" b="1" dirty="0" err="1">
+                <a:solidFill>
+                  <a:srgbClr val="00B050"/>
+                </a:solidFill>
+              </a:rPr>
               <a:t>len</a:t>
             </a:r>
             <a:r>
-              <a:rPr lang="en-GB" b="1" dirty="0"/>
+              <a:rPr lang="en-GB" b="1" dirty="0">
+                <a:solidFill>
+                  <a:srgbClr val="00B050"/>
+                </a:solidFill>
+              </a:rPr>
               <a:t>__</a:t>
             </a:r>
             <a:r>
-              <a:rPr lang="en-GB" dirty="0"/>
-              <a:t> that returns the </a:t>
+              <a:rPr lang="en-GB" dirty="0">
+                <a:solidFill>
+                  <a:srgbClr val="00B050"/>
+                </a:solidFill>
+              </a:rPr>
+              <a:t> </a:t>
+            </a:r>
+            <a:r>
+              <a:rPr lang="en-GB" dirty="0"/>
+              <a:t>that returns the </a:t>
             </a:r>
             <a:r>
               <a:rPr lang="en-GB" b="1" dirty="0"/>
@@ -12434,6 +12375,112 @@
           </a:prstGeom>
         </p:spPr>
       </p:pic>
+      <p:sp>
+        <p:nvSpPr>
+          <p:cNvPr id="4" name="Rectangle 3">
+            <a:extLst>
+              <a:ext uri="{FF2B5EF4-FFF2-40B4-BE49-F238E27FC236}">
+                <a16:creationId xmlns:a16="http://schemas.microsoft.com/office/drawing/2014/main" id="{9E9E5860-1BF4-26E5-512B-CA4CE44F7254}"/>
+              </a:ext>
+            </a:extLst>
+          </p:cNvPr>
+          <p:cNvSpPr/>
+          <p:nvPr/>
+        </p:nvSpPr>
+        <p:spPr>
+          <a:xfrm>
+            <a:off x="6282813" y="3618271"/>
+            <a:ext cx="5840361" cy="1700981"/>
+          </a:xfrm>
+          <a:prstGeom prst="rect">
+            <a:avLst/>
+          </a:prstGeom>
+          <a:noFill/>
+          <a:ln w="38100">
+            <a:solidFill>
+              <a:schemeClr val="accent2"/>
+            </a:solidFill>
+            <a:prstDash val="dash"/>
+          </a:ln>
+        </p:spPr>
+        <p:style>
+          <a:lnRef idx="2">
+            <a:schemeClr val="accent1">
+              <a:shade val="15000"/>
+            </a:schemeClr>
+          </a:lnRef>
+          <a:fillRef idx="1">
+            <a:schemeClr val="accent1"/>
+          </a:fillRef>
+          <a:effectRef idx="0">
+            <a:schemeClr val="accent1"/>
+          </a:effectRef>
+          <a:fontRef idx="minor">
+            <a:schemeClr val="lt1"/>
+          </a:fontRef>
+        </p:style>
+        <p:txBody>
+          <a:bodyPr rtlCol="0" anchor="ctr"/>
+          <a:lstStyle/>
+          <a:p>
+            <a:pPr algn="ctr"/>
+            <a:endParaRPr lang="en-GB"/>
+          </a:p>
+        </p:txBody>
+      </p:sp>
+      <p:sp>
+        <p:nvSpPr>
+          <p:cNvPr id="5" name="Rectangle 4">
+            <a:extLst>
+              <a:ext uri="{FF2B5EF4-FFF2-40B4-BE49-F238E27FC236}">
+                <a16:creationId xmlns:a16="http://schemas.microsoft.com/office/drawing/2014/main" id="{1FA52B2A-5921-1288-B852-5D12C0459FCA}"/>
+              </a:ext>
+            </a:extLst>
+          </p:cNvPr>
+          <p:cNvSpPr/>
+          <p:nvPr/>
+        </p:nvSpPr>
+        <p:spPr>
+          <a:xfrm flipV="1">
+            <a:off x="6282812" y="5435628"/>
+            <a:ext cx="5840361" cy="940871"/>
+          </a:xfrm>
+          <a:prstGeom prst="rect">
+            <a:avLst/>
+          </a:prstGeom>
+          <a:noFill/>
+          <a:ln w="38100">
+            <a:solidFill>
+              <a:srgbClr val="00B050"/>
+            </a:solidFill>
+            <a:prstDash val="dash"/>
+          </a:ln>
+        </p:spPr>
+        <p:style>
+          <a:lnRef idx="2">
+            <a:schemeClr val="accent1">
+              <a:shade val="15000"/>
+            </a:schemeClr>
+          </a:lnRef>
+          <a:fillRef idx="1">
+            <a:schemeClr val="accent1"/>
+          </a:fillRef>
+          <a:effectRef idx="0">
+            <a:schemeClr val="accent1"/>
+          </a:effectRef>
+          <a:fontRef idx="minor">
+            <a:schemeClr val="lt1"/>
+          </a:fontRef>
+        </p:style>
+        <p:txBody>
+          <a:bodyPr rtlCol="0" anchor="ctr"/>
+          <a:lstStyle/>
+          <a:p>
+            <a:pPr algn="ctr"/>
+            <a:endParaRPr lang="en-GB"/>
+          </a:p>
+        </p:txBody>
+      </p:sp>
     </p:spTree>
     <p:extLst>
       <p:ext uri="{BB962C8B-B14F-4D97-AF65-F5344CB8AC3E}">
@@ -12447,7 +12494,7 @@
 </p:sld>
 </file>
 
-<file path=ppt/slides/slide16.xml><?xml version="1.0" encoding="utf-8"?>
+<file path=ppt/slides/slide13.xml><?xml version="1.0" encoding="utf-8"?>
 <p:sld xmlns:a="http://schemas.openxmlformats.org/drawingml/2006/main" xmlns:r="http://schemas.openxmlformats.org/officeDocument/2006/relationships" xmlns:p="http://schemas.openxmlformats.org/presentationml/2006/main">
   <p:cSld>
     <p:spTree>
@@ -12563,23 +12610,63 @@
             </a:pPr>
             <a:r>
               <a:rPr lang="en-GB" dirty="0"/>
-              <a:t>The __</a:t>
-            </a:r>
-            <a:r>
-              <a:rPr lang="en-GB" dirty="0" err="1"/>
+              <a:t>The </a:t>
+            </a:r>
+            <a:r>
+              <a:rPr lang="en-GB" b="1" dirty="0">
+                <a:solidFill>
+                  <a:schemeClr val="accent2"/>
+                </a:solidFill>
+              </a:rPr>
+              <a:t>__</a:t>
+            </a:r>
+            <a:r>
+              <a:rPr lang="en-GB" b="1" dirty="0" err="1">
+                <a:solidFill>
+                  <a:schemeClr val="accent2"/>
+                </a:solidFill>
+              </a:rPr>
               <a:t>getitem</a:t>
             </a:r>
             <a:r>
-              <a:rPr lang="en-GB" dirty="0"/>
-              <a:t>__() and __</a:t>
-            </a:r>
-            <a:r>
-              <a:rPr lang="en-GB" dirty="0" err="1"/>
+              <a:rPr lang="en-GB" b="1" dirty="0">
+                <a:solidFill>
+                  <a:schemeClr val="accent2"/>
+                </a:solidFill>
+              </a:rPr>
+              <a:t>__() </a:t>
+            </a:r>
+            <a:r>
+              <a:rPr lang="en-GB" dirty="0"/>
+              <a:t>and </a:t>
+            </a:r>
+            <a:r>
+              <a:rPr lang="en-GB" b="1" dirty="0">
+                <a:solidFill>
+                  <a:srgbClr val="00B050"/>
+                </a:solidFill>
+              </a:rPr>
+              <a:t>__</a:t>
+            </a:r>
+            <a:r>
+              <a:rPr lang="en-GB" b="1" dirty="0" err="1">
+                <a:solidFill>
+                  <a:srgbClr val="00B050"/>
+                </a:solidFill>
+              </a:rPr>
               <a:t>len</a:t>
             </a:r>
             <a:r>
-              <a:rPr lang="en-GB" dirty="0"/>
-              <a:t>__() special methods will allow for </a:t>
+              <a:rPr lang="en-GB" b="1" dirty="0">
+                <a:solidFill>
+                  <a:srgbClr val="00B050"/>
+                </a:solidFill>
+              </a:rPr>
+              <a:t>__() </a:t>
+            </a:r>
+            <a:r>
+              <a:rPr lang="en-GB" dirty="0"/>
+              <a:t>special methods will allow for </a:t>
             </a:r>
             <a:r>
               <a:rPr lang="en-GB" b="1" dirty="0"/>
@@ -12716,7 +12803,7 @@
 </p:sld>
 </file>
 
-<file path=ppt/slides/slide17.xml><?xml version="1.0" encoding="utf-8"?>
+<file path=ppt/slides/slide14.xml><?xml version="1.0" encoding="utf-8"?>
 <p:sld xmlns:a="http://schemas.openxmlformats.org/drawingml/2006/main" xmlns:r="http://schemas.openxmlformats.org/officeDocument/2006/relationships" xmlns:p="http://schemas.openxmlformats.org/presentationml/2006/main">
   <p:cSld>
     <p:spTree>
@@ -12779,18 +12866,13 @@
             <a:spLocks noGrp="1"/>
           </p:cNvSpPr>
           <p:nvPr>
-            <p:ph sz="half" idx="1"/>
+            <p:ph idx="1"/>
           </p:nvPr>
         </p:nvSpPr>
-        <p:spPr>
-          <a:xfrm>
-            <a:off x="838200" y="1825624"/>
-            <a:ext cx="5181600" cy="5032375"/>
-          </a:xfrm>
-        </p:spPr>
+        <p:spPr/>
         <p:txBody>
           <a:bodyPr>
-            <a:normAutofit lnSpcReduction="10000"/>
+            <a:normAutofit/>
           </a:bodyPr>
           <a:lstStyle/>
           <a:p>
@@ -12815,7 +12897,7 @@
             </a:r>
             <a:r>
               <a:rPr lang="en-GB" dirty="0"/>
-              <a:t>.</a:t>
+              <a:t>. It serves as a “conveyor belt” processing and feeding data from the Dataset to the Neural Network.</a:t>
             </a:r>
           </a:p>
           <a:p>
@@ -12875,7 +12957,7 @@
             </a:r>
             <a:r>
               <a:rPr lang="en-GB" dirty="0"/>
-              <a:t>, as discussed in Week 2.</a:t>
+              <a:t>.</a:t>
             </a:r>
           </a:p>
           <a:p>
@@ -12901,7 +12983,23 @@
             </a:r>
             <a:r>
               <a:rPr lang="en-GB" b="1" dirty="0"/>
+              <a:t>any</a:t>
+            </a:r>
+            <a:r>
+              <a:rPr lang="en-GB" dirty="0"/>
+              <a:t> </a:t>
+            </a:r>
+            <a:r>
+              <a:rPr lang="en-GB" b="1" dirty="0"/>
               <a:t>arrays</a:t>
+            </a:r>
+            <a:r>
+              <a:rPr lang="en-GB" dirty="0"/>
+              <a:t> </a:t>
+            </a:r>
+            <a:r>
+              <a:rPr lang="en-GB" b="1" dirty="0"/>
+              <a:t>data</a:t>
             </a:r>
             <a:r>
               <a:rPr lang="en-GB" dirty="0"/>
@@ -12941,16 +13039,15 @@
           </p:cNvPicPr>
           <p:nvPr/>
         </p:nvPicPr>
-        <p:blipFill>
+        <p:blipFill rotWithShape="1">
           <a:blip r:embed="rId2"/>
-          <a:stretch>
-            <a:fillRect/>
-          </a:stretch>
+          <a:srcRect b="7013"/>
+          <a:stretch/>
         </p:blipFill>
         <p:spPr>
           <a:xfrm>
-            <a:off x="5837938" y="1550135"/>
-            <a:ext cx="6354062" cy="1695687"/>
+            <a:off x="2295833" y="4971984"/>
+            <a:ext cx="7600334" cy="1886016"/>
           </a:xfrm>
           <a:prstGeom prst="rect">
             <a:avLst/>
@@ -12970,7 +13067,7 @@
 </p:sld>
 </file>
 
-<file path=ppt/slides/slide18.xml><?xml version="1.0" encoding="utf-8"?>
+<file path=ppt/slides/slide15.xml><?xml version="1.0" encoding="utf-8"?>
 <p:sld xmlns:a="http://schemas.openxmlformats.org/drawingml/2006/main" xmlns:r="http://schemas.openxmlformats.org/officeDocument/2006/relationships" xmlns:p="http://schemas.openxmlformats.org/presentationml/2006/main">
   <p:cSld>
     <p:spTree>
@@ -13246,7 +13343,7 @@
 </p:sld>
 </file>
 
-<file path=ppt/slides/slide19.xml><?xml version="1.0" encoding="utf-8"?>
+<file path=ppt/slides/slide16.xml><?xml version="1.0" encoding="utf-8"?>
 <p:sld xmlns:a="http://schemas.openxmlformats.org/drawingml/2006/main" xmlns:r="http://schemas.openxmlformats.org/officeDocument/2006/relationships" xmlns:p="http://schemas.openxmlformats.org/presentationml/2006/main">
   <p:cSld>
     <p:spTree>
@@ -13506,6 +13603,563 @@
 </p:sld>
 </file>
 
+<file path=ppt/slides/slide17.xml><?xml version="1.0" encoding="utf-8"?>
+<p:sld xmlns:a="http://schemas.openxmlformats.org/drawingml/2006/main" xmlns:r="http://schemas.openxmlformats.org/officeDocument/2006/relationships" xmlns:p="http://schemas.openxmlformats.org/presentationml/2006/main">
+  <p:cSld>
+    <p:spTree>
+      <p:nvGrpSpPr>
+        <p:cNvPr id="1" name="">
+          <a:extLst>
+            <a:ext uri="{FF2B5EF4-FFF2-40B4-BE49-F238E27FC236}">
+              <a16:creationId xmlns:a16="http://schemas.microsoft.com/office/drawing/2014/main" id="{C8916BB7-381E-98E3-6E23-B88B8AD3EE1E}"/>
+            </a:ext>
+          </a:extLst>
+        </p:cNvPr>
+        <p:cNvGrpSpPr/>
+        <p:nvPr/>
+      </p:nvGrpSpPr>
+      <p:grpSpPr>
+        <a:xfrm>
+          <a:off x="0" y="0"/>
+          <a:ext cx="0" cy="0"/>
+          <a:chOff x="0" y="0"/>
+          <a:chExt cx="0" cy="0"/>
+        </a:xfrm>
+      </p:grpSpPr>
+      <p:sp>
+        <p:nvSpPr>
+          <p:cNvPr id="2" name="Title 1">
+            <a:extLst>
+              <a:ext uri="{FF2B5EF4-FFF2-40B4-BE49-F238E27FC236}">
+                <a16:creationId xmlns:a16="http://schemas.microsoft.com/office/drawing/2014/main" id="{508A9669-6AC0-2567-ACE1-A0D719A97BEE}"/>
+              </a:ext>
+            </a:extLst>
+          </p:cNvPr>
+          <p:cNvSpPr>
+            <a:spLocks noGrp="1"/>
+          </p:cNvSpPr>
+          <p:nvPr>
+            <p:ph type="title"/>
+          </p:nvPr>
+        </p:nvSpPr>
+        <p:spPr/>
+        <p:txBody>
+          <a:bodyPr/>
+          <a:lstStyle/>
+          <a:p>
+            <a:r>
+              <a:rPr lang="en-GB" dirty="0"/>
+              <a:t>Built-in datasets</a:t>
+            </a:r>
+            <a:br>
+              <a:rPr lang="en-GB" dirty="0"/>
+            </a:br>
+            <a:endParaRPr lang="en-SG" dirty="0"/>
+          </a:p>
+        </p:txBody>
+      </p:sp>
+      <p:sp>
+        <p:nvSpPr>
+          <p:cNvPr id="3" name="Content Placeholder 2">
+            <a:extLst>
+              <a:ext uri="{FF2B5EF4-FFF2-40B4-BE49-F238E27FC236}">
+                <a16:creationId xmlns:a16="http://schemas.microsoft.com/office/drawing/2014/main" id="{19D851B3-9D67-5E3A-4E66-8B4FB9E5A19C}"/>
+              </a:ext>
+            </a:extLst>
+          </p:cNvPr>
+          <p:cNvSpPr>
+            <a:spLocks noGrp="1"/>
+          </p:cNvSpPr>
+          <p:nvPr>
+            <p:ph idx="1"/>
+          </p:nvPr>
+        </p:nvSpPr>
+        <p:spPr/>
+        <p:txBody>
+          <a:bodyPr>
+            <a:normAutofit/>
+          </a:bodyPr>
+          <a:lstStyle/>
+          <a:p>
+            <a:pPr marL="0" indent="0">
+              <a:buNone/>
+            </a:pPr>
+            <a:r>
+              <a:rPr lang="en-GB" dirty="0" err="1"/>
+              <a:t>Pytorch</a:t>
+            </a:r>
+            <a:r>
+              <a:rPr lang="en-GB" dirty="0"/>
+              <a:t> has a few </a:t>
+            </a:r>
+            <a:r>
+              <a:rPr lang="en-GB" b="1" dirty="0"/>
+              <a:t>built-in</a:t>
+            </a:r>
+            <a:r>
+              <a:rPr lang="en-GB" dirty="0"/>
+              <a:t> </a:t>
+            </a:r>
+            <a:r>
+              <a:rPr lang="en-GB" b="1" dirty="0"/>
+              <a:t>datasets</a:t>
+            </a:r>
+            <a:r>
+              <a:rPr lang="en-GB" dirty="0"/>
+              <a:t>, ready to be downloaded and used on models: typically, the most common ones that have been used in research to demonstrate concepts, such as </a:t>
+            </a:r>
+            <a:r>
+              <a:rPr lang="en-GB" b="1" dirty="0"/>
+              <a:t>MNIST</a:t>
+            </a:r>
+            <a:r>
+              <a:rPr lang="en-GB" dirty="0"/>
+              <a:t> or </a:t>
+            </a:r>
+            <a:r>
+              <a:rPr lang="en-GB" b="1" dirty="0"/>
+              <a:t>CIFAR-10</a:t>
+            </a:r>
+            <a:r>
+              <a:rPr lang="en-GB" dirty="0"/>
+              <a:t>.</a:t>
+            </a:r>
+          </a:p>
+          <a:p>
+            <a:endParaRPr lang="en-GB" dirty="0"/>
+          </a:p>
+          <a:p>
+            <a:pPr marL="0" indent="0">
+              <a:buNone/>
+            </a:pPr>
+            <a:r>
+              <a:rPr lang="en-GB" dirty="0"/>
+              <a:t>For more details on the available </a:t>
+            </a:r>
+            <a:r>
+              <a:rPr lang="en-GB" b="1" dirty="0"/>
+              <a:t>built-in</a:t>
+            </a:r>
+            <a:r>
+              <a:rPr lang="en-GB" dirty="0"/>
+              <a:t> </a:t>
+            </a:r>
+            <a:r>
+              <a:rPr lang="en-GB" b="1" dirty="0"/>
+              <a:t>datasets</a:t>
+            </a:r>
+            <a:r>
+              <a:rPr lang="en-GB" dirty="0"/>
+              <a:t> in </a:t>
+            </a:r>
+            <a:r>
+              <a:rPr lang="en-GB" dirty="0" err="1"/>
+              <a:t>Pytorch</a:t>
+            </a:r>
+            <a:r>
+              <a:rPr lang="en-GB" dirty="0"/>
+              <a:t>, have a look at the following page: </a:t>
+            </a:r>
+            <a:r>
+              <a:rPr lang="en-GB" dirty="0">
+                <a:hlinkClick r:id="rId2"/>
+              </a:rPr>
+              <a:t>https://pytorch.org/vision/stable/datasets.html</a:t>
+            </a:r>
+            <a:r>
+              <a:rPr lang="en-GB" dirty="0"/>
+              <a:t>.</a:t>
+            </a:r>
+          </a:p>
+        </p:txBody>
+      </p:sp>
+    </p:spTree>
+    <p:extLst>
+      <p:ext uri="{BB962C8B-B14F-4D97-AF65-F5344CB8AC3E}">
+        <p14:creationId xmlns:p14="http://schemas.microsoft.com/office/powerpoint/2010/main" val="3620399431"/>
+      </p:ext>
+    </p:extLst>
+  </p:cSld>
+  <p:clrMapOvr>
+    <a:masterClrMapping/>
+  </p:clrMapOvr>
+</p:sld>
+</file>
+
+<file path=ppt/slides/slide18.xml><?xml version="1.0" encoding="utf-8"?>
+<p:sld xmlns:a="http://schemas.openxmlformats.org/drawingml/2006/main" xmlns:r="http://schemas.openxmlformats.org/officeDocument/2006/relationships" xmlns:p="http://schemas.openxmlformats.org/presentationml/2006/main">
+  <p:cSld>
+    <p:spTree>
+      <p:nvGrpSpPr>
+        <p:cNvPr id="1" name="">
+          <a:extLst>
+            <a:ext uri="{FF2B5EF4-FFF2-40B4-BE49-F238E27FC236}">
+              <a16:creationId xmlns:a16="http://schemas.microsoft.com/office/drawing/2014/main" id="{387DA262-BF14-1AD4-4C11-96D604E5E2F0}"/>
+            </a:ext>
+          </a:extLst>
+        </p:cNvPr>
+        <p:cNvGrpSpPr/>
+        <p:nvPr/>
+      </p:nvGrpSpPr>
+      <p:grpSpPr>
+        <a:xfrm>
+          <a:off x="0" y="0"/>
+          <a:ext cx="0" cy="0"/>
+          <a:chOff x="0" y="0"/>
+          <a:chExt cx="0" cy="0"/>
+        </a:xfrm>
+      </p:grpSpPr>
+      <p:sp>
+        <p:nvSpPr>
+          <p:cNvPr id="2" name="Title 1">
+            <a:extLst>
+              <a:ext uri="{FF2B5EF4-FFF2-40B4-BE49-F238E27FC236}">
+                <a16:creationId xmlns:a16="http://schemas.microsoft.com/office/drawing/2014/main" id="{84ACF01B-FEE4-BB68-0E28-11301F47B157}"/>
+              </a:ext>
+            </a:extLst>
+          </p:cNvPr>
+          <p:cNvSpPr>
+            <a:spLocks noGrp="1"/>
+          </p:cNvSpPr>
+          <p:nvPr>
+            <p:ph type="title"/>
+          </p:nvPr>
+        </p:nvSpPr>
+        <p:spPr/>
+        <p:txBody>
+          <a:bodyPr/>
+          <a:lstStyle/>
+          <a:p>
+            <a:r>
+              <a:rPr lang="en-GB" dirty="0"/>
+              <a:t>Built-in datasets</a:t>
+            </a:r>
+            <a:endParaRPr lang="en-SG" dirty="0"/>
+          </a:p>
+        </p:txBody>
+      </p:sp>
+      <p:sp>
+        <p:nvSpPr>
+          <p:cNvPr id="8" name="Content Placeholder 7">
+            <a:extLst>
+              <a:ext uri="{FF2B5EF4-FFF2-40B4-BE49-F238E27FC236}">
+                <a16:creationId xmlns:a16="http://schemas.microsoft.com/office/drawing/2014/main" id="{2542F9E5-5BE1-0AE8-10A2-41B2E65FB9CA}"/>
+              </a:ext>
+            </a:extLst>
+          </p:cNvPr>
+          <p:cNvSpPr>
+            <a:spLocks noGrp="1"/>
+          </p:cNvSpPr>
+          <p:nvPr>
+            <p:ph sz="half" idx="1"/>
+          </p:nvPr>
+        </p:nvSpPr>
+        <p:spPr>
+          <a:xfrm>
+            <a:off x="515816" y="1825625"/>
+            <a:ext cx="5503985" cy="5020376"/>
+          </a:xfrm>
+        </p:spPr>
+        <p:txBody>
+          <a:bodyPr>
+            <a:normAutofit/>
+          </a:bodyPr>
+          <a:lstStyle/>
+          <a:p>
+            <a:pPr marL="0" indent="0">
+              <a:buNone/>
+            </a:pPr>
+            <a:r>
+              <a:rPr lang="en-GB" dirty="0"/>
+              <a:t>Let us demonstrate using the </a:t>
+            </a:r>
+            <a:r>
+              <a:rPr lang="en-GB" b="1" dirty="0" err="1"/>
+              <a:t>FashionMNIST</a:t>
+            </a:r>
+            <a:r>
+              <a:rPr lang="en-GB" dirty="0"/>
+              <a:t> dataset first.</a:t>
+            </a:r>
+          </a:p>
+          <a:p>
+            <a:r>
+              <a:rPr lang="en-GB" dirty="0"/>
+              <a:t>This dataset inputs consists of 28 by 28 greyscale images.</a:t>
+            </a:r>
+          </a:p>
+          <a:p>
+            <a:r>
+              <a:rPr lang="en-GB" dirty="0"/>
+              <a:t>Each input is therefore a 28 by 28 matrix, where each element value represents the grey shade of the pixel at the given location.</a:t>
+            </a:r>
+          </a:p>
+          <a:p>
+            <a:r>
+              <a:rPr lang="en-GB" dirty="0"/>
+              <a:t>Logic: 0 = black, 1 = white, and anything between 0 and 1 describes a shade of grey.</a:t>
+            </a:r>
+            <a:endParaRPr lang="en-SG" dirty="0"/>
+          </a:p>
+          <a:p>
+            <a:endParaRPr lang="en-SG" dirty="0"/>
+          </a:p>
+        </p:txBody>
+      </p:sp>
+      <p:sp>
+        <p:nvSpPr>
+          <p:cNvPr id="9" name="Content Placeholder 8">
+            <a:extLst>
+              <a:ext uri="{FF2B5EF4-FFF2-40B4-BE49-F238E27FC236}">
+                <a16:creationId xmlns:a16="http://schemas.microsoft.com/office/drawing/2014/main" id="{13D2E3E9-CCB1-90DE-C18A-CCF2A746C709}"/>
+              </a:ext>
+            </a:extLst>
+          </p:cNvPr>
+          <p:cNvSpPr>
+            <a:spLocks noGrp="1"/>
+          </p:cNvSpPr>
+          <p:nvPr>
+            <p:ph sz="half" idx="2"/>
+          </p:nvPr>
+        </p:nvSpPr>
+        <p:spPr/>
+        <p:txBody>
+          <a:bodyPr>
+            <a:normAutofit/>
+          </a:bodyPr>
+          <a:lstStyle/>
+          <a:p>
+            <a:endParaRPr lang="en-SG"/>
+          </a:p>
+        </p:txBody>
+      </p:sp>
+      <p:pic>
+        <p:nvPicPr>
+          <p:cNvPr id="5" name="Picture 4">
+            <a:extLst>
+              <a:ext uri="{FF2B5EF4-FFF2-40B4-BE49-F238E27FC236}">
+                <a16:creationId xmlns:a16="http://schemas.microsoft.com/office/drawing/2014/main" id="{42B993DF-D1A7-2CE9-FFF3-26B537F5AAE8}"/>
+              </a:ext>
+            </a:extLst>
+          </p:cNvPr>
+          <p:cNvPicPr>
+            <a:picLocks noChangeAspect="1"/>
+          </p:cNvPicPr>
+          <p:nvPr/>
+        </p:nvPicPr>
+        <p:blipFill>
+          <a:blip r:embed="rId2"/>
+          <a:stretch>
+            <a:fillRect/>
+          </a:stretch>
+        </p:blipFill>
+        <p:spPr>
+          <a:xfrm>
+            <a:off x="5990360" y="1122012"/>
+            <a:ext cx="6201640" cy="5020376"/>
+          </a:xfrm>
+          <a:prstGeom prst="rect">
+            <a:avLst/>
+          </a:prstGeom>
+        </p:spPr>
+      </p:pic>
+    </p:spTree>
+    <p:extLst>
+      <p:ext uri="{BB962C8B-B14F-4D97-AF65-F5344CB8AC3E}">
+        <p14:creationId xmlns:p14="http://schemas.microsoft.com/office/powerpoint/2010/main" val="1364016482"/>
+      </p:ext>
+    </p:extLst>
+  </p:cSld>
+  <p:clrMapOvr>
+    <a:masterClrMapping/>
+  </p:clrMapOvr>
+</p:sld>
+</file>
+
+<file path=ppt/slides/slide19.xml><?xml version="1.0" encoding="utf-8"?>
+<p:sld xmlns:a="http://schemas.openxmlformats.org/drawingml/2006/main" xmlns:r="http://schemas.openxmlformats.org/officeDocument/2006/relationships" xmlns:p="http://schemas.openxmlformats.org/presentationml/2006/main">
+  <p:cSld>
+    <p:spTree>
+      <p:nvGrpSpPr>
+        <p:cNvPr id="1" name="">
+          <a:extLst>
+            <a:ext uri="{FF2B5EF4-FFF2-40B4-BE49-F238E27FC236}">
+              <a16:creationId xmlns:a16="http://schemas.microsoft.com/office/drawing/2014/main" id="{5DD68383-57FC-EA4B-6699-AEAD76CBC00E}"/>
+            </a:ext>
+          </a:extLst>
+        </p:cNvPr>
+        <p:cNvGrpSpPr/>
+        <p:nvPr/>
+      </p:nvGrpSpPr>
+      <p:grpSpPr>
+        <a:xfrm>
+          <a:off x="0" y="0"/>
+          <a:ext cx="0" cy="0"/>
+          <a:chOff x="0" y="0"/>
+          <a:chExt cx="0" cy="0"/>
+        </a:xfrm>
+      </p:grpSpPr>
+      <p:sp>
+        <p:nvSpPr>
+          <p:cNvPr id="2" name="Title 1">
+            <a:extLst>
+              <a:ext uri="{FF2B5EF4-FFF2-40B4-BE49-F238E27FC236}">
+                <a16:creationId xmlns:a16="http://schemas.microsoft.com/office/drawing/2014/main" id="{B595B4ED-BF7F-E3C6-63ED-17E36C0C48D5}"/>
+              </a:ext>
+            </a:extLst>
+          </p:cNvPr>
+          <p:cNvSpPr>
+            <a:spLocks noGrp="1"/>
+          </p:cNvSpPr>
+          <p:nvPr>
+            <p:ph type="title"/>
+          </p:nvPr>
+        </p:nvSpPr>
+        <p:spPr/>
+        <p:txBody>
+          <a:bodyPr/>
+          <a:lstStyle/>
+          <a:p>
+            <a:r>
+              <a:rPr lang="en-GB" dirty="0"/>
+              <a:t>Built-in datasets</a:t>
+            </a:r>
+            <a:endParaRPr lang="en-SG" dirty="0"/>
+          </a:p>
+        </p:txBody>
+      </p:sp>
+      <p:sp>
+        <p:nvSpPr>
+          <p:cNvPr id="8" name="Content Placeholder 7">
+            <a:extLst>
+              <a:ext uri="{FF2B5EF4-FFF2-40B4-BE49-F238E27FC236}">
+                <a16:creationId xmlns:a16="http://schemas.microsoft.com/office/drawing/2014/main" id="{454E74C1-4AB7-1700-33EB-E747928E5E77}"/>
+              </a:ext>
+            </a:extLst>
+          </p:cNvPr>
+          <p:cNvSpPr>
+            <a:spLocks noGrp="1"/>
+          </p:cNvSpPr>
+          <p:nvPr>
+            <p:ph sz="half" idx="1"/>
+          </p:nvPr>
+        </p:nvSpPr>
+        <p:spPr>
+          <a:xfrm>
+            <a:off x="515816" y="1825625"/>
+            <a:ext cx="5503985" cy="5020376"/>
+          </a:xfrm>
+        </p:spPr>
+        <p:txBody>
+          <a:bodyPr>
+            <a:normAutofit/>
+          </a:bodyPr>
+          <a:lstStyle/>
+          <a:p>
+            <a:pPr marL="0" indent="0">
+              <a:buNone/>
+            </a:pPr>
+            <a:r>
+              <a:rPr lang="en-GB" dirty="0"/>
+              <a:t>Let us demonstrate using the </a:t>
+            </a:r>
+            <a:r>
+              <a:rPr lang="en-GB" b="1" dirty="0" err="1"/>
+              <a:t>FashionMNIST</a:t>
+            </a:r>
+            <a:r>
+              <a:rPr lang="en-GB" dirty="0"/>
+              <a:t> dataset first.</a:t>
+            </a:r>
+          </a:p>
+          <a:p>
+            <a:r>
+              <a:rPr lang="en-GB" dirty="0"/>
+              <a:t>This dataset is used to design image classification models (i.e. models that receive images as inputs) and attempt to predict what is in the image in question. </a:t>
+            </a:r>
+          </a:p>
+          <a:p>
+            <a:r>
+              <a:rPr lang="en-GB" dirty="0"/>
+              <a:t>The 10 output classes (bag, shirt, etc.) are indexed with 0-9 values, corresponding to the 10 types of fashion objects found in the dataset.</a:t>
+            </a:r>
+            <a:endParaRPr lang="en-SG" dirty="0"/>
+          </a:p>
+          <a:p>
+            <a:endParaRPr lang="en-SG" dirty="0"/>
+          </a:p>
+        </p:txBody>
+      </p:sp>
+      <p:sp>
+        <p:nvSpPr>
+          <p:cNvPr id="9" name="Content Placeholder 8">
+            <a:extLst>
+              <a:ext uri="{FF2B5EF4-FFF2-40B4-BE49-F238E27FC236}">
+                <a16:creationId xmlns:a16="http://schemas.microsoft.com/office/drawing/2014/main" id="{415075EC-1DC3-DB17-8D08-DF1A795F6034}"/>
+              </a:ext>
+            </a:extLst>
+          </p:cNvPr>
+          <p:cNvSpPr>
+            <a:spLocks noGrp="1"/>
+          </p:cNvSpPr>
+          <p:nvPr>
+            <p:ph sz="half" idx="2"/>
+          </p:nvPr>
+        </p:nvSpPr>
+        <p:spPr/>
+        <p:txBody>
+          <a:bodyPr>
+            <a:normAutofit/>
+          </a:bodyPr>
+          <a:lstStyle/>
+          <a:p>
+            <a:endParaRPr lang="en-SG"/>
+          </a:p>
+        </p:txBody>
+      </p:sp>
+      <p:pic>
+        <p:nvPicPr>
+          <p:cNvPr id="5" name="Picture 4">
+            <a:extLst>
+              <a:ext uri="{FF2B5EF4-FFF2-40B4-BE49-F238E27FC236}">
+                <a16:creationId xmlns:a16="http://schemas.microsoft.com/office/drawing/2014/main" id="{375C707A-4855-BDEE-2FD2-F82AACBCD025}"/>
+              </a:ext>
+            </a:extLst>
+          </p:cNvPr>
+          <p:cNvPicPr>
+            <a:picLocks noChangeAspect="1"/>
+          </p:cNvPicPr>
+          <p:nvPr/>
+        </p:nvPicPr>
+        <p:blipFill>
+          <a:blip r:embed="rId2"/>
+          <a:stretch>
+            <a:fillRect/>
+          </a:stretch>
+        </p:blipFill>
+        <p:spPr>
+          <a:xfrm>
+            <a:off x="5990360" y="1122012"/>
+            <a:ext cx="6201640" cy="5020376"/>
+          </a:xfrm>
+          <a:prstGeom prst="rect">
+            <a:avLst/>
+          </a:prstGeom>
+        </p:spPr>
+      </p:pic>
+    </p:spTree>
+    <p:extLst>
+      <p:ext uri="{BB962C8B-B14F-4D97-AF65-F5344CB8AC3E}">
+        <p14:creationId xmlns:p14="http://schemas.microsoft.com/office/powerpoint/2010/main" val="3070780217"/>
+      </p:ext>
+    </p:extLst>
+  </p:cSld>
+  <p:clrMapOvr>
+    <a:masterClrMapping/>
+  </p:clrMapOvr>
+</p:sld>
+</file>
+
 <file path=ppt/slides/slide2.xml><?xml version="1.0" encoding="utf-8"?>
 <p:sld xmlns:a="http://schemas.openxmlformats.org/drawingml/2006/main" xmlns:r="http://schemas.openxmlformats.org/officeDocument/2006/relationships" xmlns:p="http://schemas.openxmlformats.org/presentationml/2006/main">
   <p:cSld>
@@ -14298,6 +14952,163 @@
   <p:cSld>
     <p:spTree>
       <p:nvGrpSpPr>
+        <p:cNvPr id="1" name="">
+          <a:extLst>
+            <a:ext uri="{FF2B5EF4-FFF2-40B4-BE49-F238E27FC236}">
+              <a16:creationId xmlns:a16="http://schemas.microsoft.com/office/drawing/2014/main" id="{E2029D14-5356-D426-7FE1-1031FDC7E448}"/>
+            </a:ext>
+          </a:extLst>
+        </p:cNvPr>
+        <p:cNvGrpSpPr/>
+        <p:nvPr/>
+      </p:nvGrpSpPr>
+      <p:grpSpPr>
+        <a:xfrm>
+          <a:off x="0" y="0"/>
+          <a:ext cx="0" cy="0"/>
+          <a:chOff x="0" y="0"/>
+          <a:chExt cx="0" cy="0"/>
+        </a:xfrm>
+      </p:grpSpPr>
+      <p:sp>
+        <p:nvSpPr>
+          <p:cNvPr id="2" name="Title 1">
+            <a:extLst>
+              <a:ext uri="{FF2B5EF4-FFF2-40B4-BE49-F238E27FC236}">
+                <a16:creationId xmlns:a16="http://schemas.microsoft.com/office/drawing/2014/main" id="{170E27A3-1570-C984-C2AF-4AD91DF2CE46}"/>
+              </a:ext>
+            </a:extLst>
+          </p:cNvPr>
+          <p:cNvSpPr>
+            <a:spLocks noGrp="1"/>
+          </p:cNvSpPr>
+          <p:nvPr>
+            <p:ph type="title"/>
+          </p:nvPr>
+        </p:nvSpPr>
+        <p:spPr/>
+        <p:txBody>
+          <a:bodyPr/>
+          <a:lstStyle/>
+          <a:p>
+            <a:r>
+              <a:rPr lang="en-GB" dirty="0"/>
+              <a:t>Built-in datasets</a:t>
+            </a:r>
+            <a:endParaRPr lang="en-SG" dirty="0"/>
+          </a:p>
+        </p:txBody>
+      </p:sp>
+      <p:pic>
+        <p:nvPicPr>
+          <p:cNvPr id="4" name="Picture 3">
+            <a:extLst>
+              <a:ext uri="{FF2B5EF4-FFF2-40B4-BE49-F238E27FC236}">
+                <a16:creationId xmlns:a16="http://schemas.microsoft.com/office/drawing/2014/main" id="{40F180EB-A72C-192C-B4D8-864626511F57}"/>
+              </a:ext>
+            </a:extLst>
+          </p:cNvPr>
+          <p:cNvPicPr>
+            <a:picLocks noChangeAspect="1"/>
+          </p:cNvPicPr>
+          <p:nvPr/>
+        </p:nvPicPr>
+        <p:blipFill>
+          <a:blip r:embed="rId2"/>
+          <a:stretch>
+            <a:fillRect/>
+          </a:stretch>
+        </p:blipFill>
+        <p:spPr>
+          <a:xfrm>
+            <a:off x="6626908" y="0"/>
+            <a:ext cx="5159229" cy="6858000"/>
+          </a:xfrm>
+          <a:prstGeom prst="rect">
+            <a:avLst/>
+          </a:prstGeom>
+        </p:spPr>
+      </p:pic>
+      <p:sp>
+        <p:nvSpPr>
+          <p:cNvPr id="6" name="Content Placeholder 7">
+            <a:extLst>
+              <a:ext uri="{FF2B5EF4-FFF2-40B4-BE49-F238E27FC236}">
+                <a16:creationId xmlns:a16="http://schemas.microsoft.com/office/drawing/2014/main" id="{AF3C0477-1C4C-A221-7B7E-7DED3A1025DF}"/>
+              </a:ext>
+            </a:extLst>
+          </p:cNvPr>
+          <p:cNvSpPr>
+            <a:spLocks noGrp="1"/>
+          </p:cNvSpPr>
+          <p:nvPr>
+            <p:ph sz="half" idx="1"/>
+          </p:nvPr>
+        </p:nvSpPr>
+        <p:spPr>
+          <a:xfrm>
+            <a:off x="515816" y="1825625"/>
+            <a:ext cx="5181599" cy="5020376"/>
+          </a:xfrm>
+        </p:spPr>
+        <p:txBody>
+          <a:bodyPr>
+            <a:normAutofit/>
+          </a:bodyPr>
+          <a:lstStyle/>
+          <a:p>
+            <a:pPr marL="0" indent="0">
+              <a:buNone/>
+            </a:pPr>
+            <a:r>
+              <a:rPr lang="en-GB" dirty="0"/>
+              <a:t>Let us demonstrate using the </a:t>
+            </a:r>
+            <a:r>
+              <a:rPr lang="en-GB" b="1" dirty="0" err="1"/>
+              <a:t>FashionMNIST</a:t>
+            </a:r>
+            <a:r>
+              <a:rPr lang="en-GB" dirty="0"/>
+              <a:t> dataset first.</a:t>
+            </a:r>
+          </a:p>
+          <a:p>
+            <a:r>
+              <a:rPr lang="en-GB" dirty="0"/>
+              <a:t>This dataset is used to design image classification models (i.e. models that receive images as inputs) and attempt to predict what is in the image in question. </a:t>
+            </a:r>
+          </a:p>
+          <a:p>
+            <a:r>
+              <a:rPr lang="en-GB" dirty="0"/>
+              <a:t>The 10 output classes (bag, shirt, etc.) are indexed with 0-9 values, corresponding to the 10 types of fashion objects found in the dataset.</a:t>
+            </a:r>
+            <a:endParaRPr lang="en-SG" dirty="0"/>
+          </a:p>
+          <a:p>
+            <a:endParaRPr lang="en-SG" dirty="0"/>
+          </a:p>
+        </p:txBody>
+      </p:sp>
+    </p:spTree>
+    <p:extLst>
+      <p:ext uri="{BB962C8B-B14F-4D97-AF65-F5344CB8AC3E}">
+        <p14:creationId xmlns:p14="http://schemas.microsoft.com/office/powerpoint/2010/main" val="4093678153"/>
+      </p:ext>
+    </p:extLst>
+  </p:cSld>
+  <p:clrMapOvr>
+    <a:masterClrMapping/>
+  </p:clrMapOvr>
+</p:sld>
+</file>
+
+<file path=ppt/slides/slide21.xml><?xml version="1.0" encoding="utf-8"?>
+<p:sld xmlns:a="http://schemas.openxmlformats.org/drawingml/2006/main" xmlns:r="http://schemas.openxmlformats.org/officeDocument/2006/relationships" xmlns:p="http://schemas.openxmlformats.org/presentationml/2006/main">
+  <p:cSld>
+    <p:spTree>
+      <p:nvGrpSpPr>
         <p:cNvPr id="1" name=""/>
         <p:cNvGrpSpPr/>
         <p:nvPr/>
@@ -14376,7 +15187,7 @@
             </a:r>
             <a:r>
               <a:rPr lang="en-GB" dirty="0"/>
-              <a:t> is a widely-used dataset for the benchmarking of machine learning and computer vision algorithms.</a:t>
+              <a:t> is another widely-used dataset for the benchmarking of machine learning and computer vision algorithms.</a:t>
             </a:r>
           </a:p>
           <a:p>
@@ -14476,7 +15287,7 @@
             </a:pPr>
             <a:r>
               <a:rPr lang="en-GB" b="1" dirty="0"/>
-              <a:t>MNIST is often used as a "Hello, World!" example</a:t>
+              <a:t>MNIST is often used as a "Hello, World!" dataset example</a:t>
             </a:r>
             <a:r>
               <a:rPr lang="en-GB" dirty="0"/>
@@ -14534,7 +15345,7 @@
 </p:sld>
 </file>
 
-<file path=ppt/slides/slide21.xml><?xml version="1.0" encoding="utf-8"?>
+<file path=ppt/slides/slide22.xml><?xml version="1.0" encoding="utf-8"?>
 <p:sld xmlns:a="http://schemas.openxmlformats.org/drawingml/2006/main" xmlns:r="http://schemas.openxmlformats.org/officeDocument/2006/relationships" xmlns:p="http://schemas.openxmlformats.org/presentationml/2006/main">
   <p:cSld>
     <p:spTree>
@@ -14617,7 +15428,7 @@
             </a:r>
             <a:r>
               <a:rPr lang="en-GB" dirty="0"/>
-              <a:t> is a widely-used dataset for the benchmarking of machine learning and computer vision algorithms.</a:t>
+              <a:t> is another widely-used dataset for the benchmarking of machine learning and computer vision algorithms.</a:t>
             </a:r>
           </a:p>
           <a:p>
@@ -14810,7 +15621,7 @@
 </p:sld>
 </file>
 
-<file path=ppt/slides/slide22.xml><?xml version="1.0" encoding="utf-8"?>
+<file path=ppt/slides/slide23.xml><?xml version="1.0" encoding="utf-8"?>
 <p:sld xmlns:a="http://schemas.openxmlformats.org/drawingml/2006/main" xmlns:r="http://schemas.openxmlformats.org/officeDocument/2006/relationships" xmlns:p="http://schemas.openxmlformats.org/presentationml/2006/main">
   <p:cSld>
     <p:spTree>
@@ -15036,99 +15847,6 @@
 </p:sld>
 </file>
 
-<file path=ppt/slides/slide23.xml><?xml version="1.0" encoding="utf-8"?>
-<p:sld xmlns:a="http://schemas.openxmlformats.org/drawingml/2006/main" xmlns:r="http://schemas.openxmlformats.org/officeDocument/2006/relationships" xmlns:p="http://schemas.openxmlformats.org/presentationml/2006/main">
-  <p:cSld>
-    <p:spTree>
-      <p:nvGrpSpPr>
-        <p:cNvPr id="1" name=""/>
-        <p:cNvGrpSpPr/>
-        <p:nvPr/>
-      </p:nvGrpSpPr>
-      <p:grpSpPr>
-        <a:xfrm>
-          <a:off x="0" y="0"/>
-          <a:ext cx="0" cy="0"/>
-          <a:chOff x="0" y="0"/>
-          <a:chExt cx="0" cy="0"/>
-        </a:xfrm>
-      </p:grpSpPr>
-      <p:sp>
-        <p:nvSpPr>
-          <p:cNvPr id="2" name="Title 1">
-            <a:extLst>
-              <a:ext uri="{FF2B5EF4-FFF2-40B4-BE49-F238E27FC236}">
-                <a16:creationId xmlns:a16="http://schemas.microsoft.com/office/drawing/2014/main" id="{A8C99902-2A36-9C91-5F2C-9819DE23FB0C}"/>
-              </a:ext>
-            </a:extLst>
-          </p:cNvPr>
-          <p:cNvSpPr>
-            <a:spLocks noGrp="1"/>
-          </p:cNvSpPr>
-          <p:nvPr>
-            <p:ph type="title"/>
-          </p:nvPr>
-        </p:nvSpPr>
-        <p:spPr/>
-        <p:txBody>
-          <a:bodyPr/>
-          <a:lstStyle/>
-          <a:p>
-            <a:r>
-              <a:rPr lang="en-GB" dirty="0"/>
-              <a:t>Writing the MNIST Dataset and </a:t>
-            </a:r>
-            <a:r>
-              <a:rPr lang="en-GB" dirty="0" err="1"/>
-              <a:t>Dataloader</a:t>
-            </a:r>
-            <a:endParaRPr lang="en-SG" dirty="0"/>
-          </a:p>
-        </p:txBody>
-      </p:sp>
-      <p:pic>
-        <p:nvPicPr>
-          <p:cNvPr id="5" name="Picture 4">
-            <a:extLst>
-              <a:ext uri="{FF2B5EF4-FFF2-40B4-BE49-F238E27FC236}">
-                <a16:creationId xmlns:a16="http://schemas.microsoft.com/office/drawing/2014/main" id="{C29EB49C-8D7A-C4C0-665A-5DDD43CC7B12}"/>
-              </a:ext>
-            </a:extLst>
-          </p:cNvPr>
-          <p:cNvPicPr>
-            <a:picLocks noChangeAspect="1"/>
-          </p:cNvPicPr>
-          <p:nvPr/>
-        </p:nvPicPr>
-        <p:blipFill>
-          <a:blip r:embed="rId2"/>
-          <a:stretch>
-            <a:fillRect/>
-          </a:stretch>
-        </p:blipFill>
-        <p:spPr>
-          <a:xfrm>
-            <a:off x="1350517" y="1567763"/>
-            <a:ext cx="9490965" cy="5048178"/>
-          </a:xfrm>
-          <a:prstGeom prst="rect">
-            <a:avLst/>
-          </a:prstGeom>
-        </p:spPr>
-      </p:pic>
-    </p:spTree>
-    <p:extLst>
-      <p:ext uri="{BB962C8B-B14F-4D97-AF65-F5344CB8AC3E}">
-        <p14:creationId xmlns:p14="http://schemas.microsoft.com/office/powerpoint/2010/main" val="326589634"/>
-      </p:ext>
-    </p:extLst>
-  </p:cSld>
-  <p:clrMapOvr>
-    <a:masterClrMapping/>
-  </p:clrMapOvr>
-</p:sld>
-</file>
-
 <file path=ppt/slides/slide24.xml><?xml version="1.0" encoding="utf-8"?>
 <p:sld xmlns:a="http://schemas.openxmlformats.org/drawingml/2006/main" xmlns:r="http://schemas.openxmlformats.org/officeDocument/2006/relationships" xmlns:p="http://schemas.openxmlformats.org/presentationml/2006/main">
   <p:cSld>
@@ -15169,114 +15887,11 @@
           <a:p>
             <a:r>
               <a:rPr lang="en-GB" dirty="0"/>
-              <a:t>Introducing the MNIST dataset</a:t>
-            </a:r>
-            <a:endParaRPr lang="en-SG" dirty="0"/>
-          </a:p>
-        </p:txBody>
-      </p:sp>
-      <p:sp>
-        <p:nvSpPr>
-          <p:cNvPr id="3" name="Content Placeholder 2">
-            <a:extLst>
-              <a:ext uri="{FF2B5EF4-FFF2-40B4-BE49-F238E27FC236}">
-                <a16:creationId xmlns:a16="http://schemas.microsoft.com/office/drawing/2014/main" id="{F0814AA9-339A-72D8-E8A9-C066A3ED5800}"/>
-              </a:ext>
-            </a:extLst>
-          </p:cNvPr>
-          <p:cNvSpPr>
-            <a:spLocks noGrp="1"/>
-          </p:cNvSpPr>
-          <p:nvPr>
-            <p:ph sz="half" idx="1"/>
-          </p:nvPr>
-        </p:nvSpPr>
-        <p:spPr>
-          <a:xfrm>
-            <a:off x="838200" y="1825624"/>
-            <a:ext cx="5181600" cy="5032375"/>
-          </a:xfrm>
-        </p:spPr>
-        <p:txBody>
-          <a:bodyPr>
-            <a:normAutofit/>
-          </a:bodyPr>
-          <a:lstStyle/>
-          <a:p>
-            <a:pPr marL="0" indent="0">
-              <a:buNone/>
-            </a:pPr>
-            <a:r>
-              <a:rPr lang="en-GB" b="1" dirty="0"/>
-              <a:t>Good practice: always normalize your input data!</a:t>
-            </a:r>
-          </a:p>
-          <a:p>
-            <a:pPr marL="0" indent="0">
-              <a:buNone/>
-            </a:pPr>
-            <a:r>
-              <a:rPr lang="en-GB" dirty="0"/>
-              <a:t>In general, do the following:</a:t>
-            </a:r>
-          </a:p>
-          <a:p>
-            <a:r>
-              <a:rPr lang="en-GB" dirty="0"/>
-              <a:t>Scale the data (pixel values) to the [0,1] range.</a:t>
-            </a:r>
-          </a:p>
-          <a:p>
-            <a:r>
-              <a:rPr lang="en-GB" dirty="0"/>
-              <a:t>Normalize to have zero mean and unit standard deviation.</a:t>
-            </a:r>
-          </a:p>
-        </p:txBody>
-      </p:sp>
-      <p:sp>
-        <p:nvSpPr>
-          <p:cNvPr id="4" name="Content Placeholder 3">
-            <a:extLst>
-              <a:ext uri="{FF2B5EF4-FFF2-40B4-BE49-F238E27FC236}">
-                <a16:creationId xmlns:a16="http://schemas.microsoft.com/office/drawing/2014/main" id="{3D8906E9-3F26-1680-6CF9-CC0314375949}"/>
-              </a:ext>
-            </a:extLst>
-          </p:cNvPr>
-          <p:cNvSpPr>
-            <a:spLocks noGrp="1"/>
-          </p:cNvSpPr>
-          <p:nvPr>
-            <p:ph sz="half" idx="2"/>
-          </p:nvPr>
-        </p:nvSpPr>
-        <p:spPr>
-          <a:xfrm>
-            <a:off x="6172200" y="1825624"/>
-            <a:ext cx="5181600" cy="5032375"/>
-          </a:xfrm>
-        </p:spPr>
-        <p:txBody>
-          <a:bodyPr>
-            <a:normAutofit/>
-          </a:bodyPr>
-          <a:lstStyle/>
-          <a:p>
-            <a:pPr marL="0" indent="0">
-              <a:buNone/>
-            </a:pPr>
-            <a:r>
-              <a:rPr lang="en-GB" dirty="0"/>
-              <a:t>In MNIST, we will then subtract a mean of 0.1307 and divide by a standard deviation of 0.3081. </a:t>
-            </a:r>
-          </a:p>
-          <a:p>
-            <a:pPr marL="0" indent="0">
-              <a:buNone/>
-            </a:pPr>
-            <a:r>
-              <a:rPr lang="en-GB" dirty="0"/>
-              <a:t>These values are the original mean and standard deviation of the dataset before normalization!</a:t>
+              <a:t>Writing the MNIST Dataset and </a:t>
+            </a:r>
+            <a:r>
+              <a:rPr lang="en-GB" dirty="0" err="1"/>
+              <a:t>Dataloader</a:t>
             </a:r>
             <a:endParaRPr lang="en-SG" dirty="0"/>
           </a:p>
@@ -15284,10 +15899,10 @@
       </p:sp>
       <p:pic>
         <p:nvPicPr>
-          <p:cNvPr id="8" name="Picture 7">
+          <p:cNvPr id="5" name="Picture 4">
             <a:extLst>
               <a:ext uri="{FF2B5EF4-FFF2-40B4-BE49-F238E27FC236}">
-                <a16:creationId xmlns:a16="http://schemas.microsoft.com/office/drawing/2014/main" id="{B218346F-EA55-D870-F021-BC9E70E78162}"/>
+                <a16:creationId xmlns:a16="http://schemas.microsoft.com/office/drawing/2014/main" id="{C29EB49C-8D7A-C4C0-665A-5DDD43CC7B12}"/>
               </a:ext>
             </a:extLst>
           </p:cNvPr>
@@ -15304,8 +15919,8 @@
         </p:blipFill>
         <p:spPr>
           <a:xfrm>
-            <a:off x="1185195" y="5167313"/>
-            <a:ext cx="10097659" cy="1325562"/>
+            <a:off x="1350517" y="1567763"/>
+            <a:ext cx="9490965" cy="5048178"/>
           </a:xfrm>
           <a:prstGeom prst="rect">
             <a:avLst/>
@@ -15315,7 +15930,7 @@
     </p:spTree>
     <p:extLst>
       <p:ext uri="{BB962C8B-B14F-4D97-AF65-F5344CB8AC3E}">
-        <p14:creationId xmlns:p14="http://schemas.microsoft.com/office/powerpoint/2010/main" val="253262496"/>
+        <p14:creationId xmlns:p14="http://schemas.microsoft.com/office/powerpoint/2010/main" val="326589634"/>
       </p:ext>
     </p:extLst>
   </p:cSld>
@@ -15365,6 +15980,202 @@
           <a:p>
             <a:r>
               <a:rPr lang="en-GB" dirty="0"/>
+              <a:t>Introducing the MNIST dataset</a:t>
+            </a:r>
+            <a:endParaRPr lang="en-SG" dirty="0"/>
+          </a:p>
+        </p:txBody>
+      </p:sp>
+      <p:sp>
+        <p:nvSpPr>
+          <p:cNvPr id="3" name="Content Placeholder 2">
+            <a:extLst>
+              <a:ext uri="{FF2B5EF4-FFF2-40B4-BE49-F238E27FC236}">
+                <a16:creationId xmlns:a16="http://schemas.microsoft.com/office/drawing/2014/main" id="{F0814AA9-339A-72D8-E8A9-C066A3ED5800}"/>
+              </a:ext>
+            </a:extLst>
+          </p:cNvPr>
+          <p:cNvSpPr>
+            <a:spLocks noGrp="1"/>
+          </p:cNvSpPr>
+          <p:nvPr>
+            <p:ph sz="half" idx="1"/>
+          </p:nvPr>
+        </p:nvSpPr>
+        <p:spPr>
+          <a:xfrm>
+            <a:off x="838200" y="1825624"/>
+            <a:ext cx="5181600" cy="5032375"/>
+          </a:xfrm>
+        </p:spPr>
+        <p:txBody>
+          <a:bodyPr>
+            <a:normAutofit/>
+          </a:bodyPr>
+          <a:lstStyle/>
+          <a:p>
+            <a:pPr marL="0" indent="0">
+              <a:buNone/>
+            </a:pPr>
+            <a:r>
+              <a:rPr lang="en-GB" b="1" dirty="0"/>
+              <a:t>Good practice: Always a good idea to normalize your inputs!</a:t>
+            </a:r>
+          </a:p>
+          <a:p>
+            <a:pPr marL="0" indent="0">
+              <a:buNone/>
+            </a:pPr>
+            <a:r>
+              <a:rPr lang="en-GB" dirty="0"/>
+              <a:t>In general, do the following:</a:t>
+            </a:r>
+          </a:p>
+          <a:p>
+            <a:r>
+              <a:rPr lang="en-GB" dirty="0"/>
+              <a:t>Scale the data (pixel values) to the [0,1] range.</a:t>
+            </a:r>
+          </a:p>
+          <a:p>
+            <a:r>
+              <a:rPr lang="en-GB" dirty="0"/>
+              <a:t>Normalize to have zero mean and unit standard deviation.</a:t>
+            </a:r>
+          </a:p>
+        </p:txBody>
+      </p:sp>
+      <p:sp>
+        <p:nvSpPr>
+          <p:cNvPr id="4" name="Content Placeholder 3">
+            <a:extLst>
+              <a:ext uri="{FF2B5EF4-FFF2-40B4-BE49-F238E27FC236}">
+                <a16:creationId xmlns:a16="http://schemas.microsoft.com/office/drawing/2014/main" id="{3D8906E9-3F26-1680-6CF9-CC0314375949}"/>
+              </a:ext>
+            </a:extLst>
+          </p:cNvPr>
+          <p:cNvSpPr>
+            <a:spLocks noGrp="1"/>
+          </p:cNvSpPr>
+          <p:nvPr>
+            <p:ph sz="half" idx="2"/>
+          </p:nvPr>
+        </p:nvSpPr>
+        <p:spPr>
+          <a:xfrm>
+            <a:off x="6172200" y="1825624"/>
+            <a:ext cx="5181600" cy="5032375"/>
+          </a:xfrm>
+        </p:spPr>
+        <p:txBody>
+          <a:bodyPr>
+            <a:normAutofit/>
+          </a:bodyPr>
+          <a:lstStyle/>
+          <a:p>
+            <a:pPr marL="0" indent="0">
+              <a:buNone/>
+            </a:pPr>
+            <a:r>
+              <a:rPr lang="en-GB" dirty="0"/>
+              <a:t>In MNIST, we will then subtract a mean of 0.1307 and divide by a standard deviation of 0.3081. </a:t>
+            </a:r>
+          </a:p>
+          <a:p>
+            <a:pPr marL="0" indent="0">
+              <a:buNone/>
+            </a:pPr>
+            <a:r>
+              <a:rPr lang="en-GB" dirty="0"/>
+              <a:t>These values are the original mean and standard deviation of the dataset before normalization!</a:t>
+            </a:r>
+            <a:endParaRPr lang="en-SG" dirty="0"/>
+          </a:p>
+        </p:txBody>
+      </p:sp>
+      <p:pic>
+        <p:nvPicPr>
+          <p:cNvPr id="8" name="Picture 7">
+            <a:extLst>
+              <a:ext uri="{FF2B5EF4-FFF2-40B4-BE49-F238E27FC236}">
+                <a16:creationId xmlns:a16="http://schemas.microsoft.com/office/drawing/2014/main" id="{B218346F-EA55-D870-F021-BC9E70E78162}"/>
+              </a:ext>
+            </a:extLst>
+          </p:cNvPr>
+          <p:cNvPicPr>
+            <a:picLocks noChangeAspect="1"/>
+          </p:cNvPicPr>
+          <p:nvPr/>
+        </p:nvPicPr>
+        <p:blipFill>
+          <a:blip r:embed="rId2"/>
+          <a:stretch>
+            <a:fillRect/>
+          </a:stretch>
+        </p:blipFill>
+        <p:spPr>
+          <a:xfrm>
+            <a:off x="1185195" y="5167313"/>
+            <a:ext cx="10097659" cy="1325562"/>
+          </a:xfrm>
+          <a:prstGeom prst="rect">
+            <a:avLst/>
+          </a:prstGeom>
+        </p:spPr>
+      </p:pic>
+    </p:spTree>
+    <p:extLst>
+      <p:ext uri="{BB962C8B-B14F-4D97-AF65-F5344CB8AC3E}">
+        <p14:creationId xmlns:p14="http://schemas.microsoft.com/office/powerpoint/2010/main" val="253262496"/>
+      </p:ext>
+    </p:extLst>
+  </p:cSld>
+  <p:clrMapOvr>
+    <a:masterClrMapping/>
+  </p:clrMapOvr>
+</p:sld>
+</file>
+
+<file path=ppt/slides/slide26.xml><?xml version="1.0" encoding="utf-8"?>
+<p:sld xmlns:a="http://schemas.openxmlformats.org/drawingml/2006/main" xmlns:r="http://schemas.openxmlformats.org/officeDocument/2006/relationships" xmlns:p="http://schemas.openxmlformats.org/presentationml/2006/main">
+  <p:cSld>
+    <p:spTree>
+      <p:nvGrpSpPr>
+        <p:cNvPr id="1" name=""/>
+        <p:cNvGrpSpPr/>
+        <p:nvPr/>
+      </p:nvGrpSpPr>
+      <p:grpSpPr>
+        <a:xfrm>
+          <a:off x="0" y="0"/>
+          <a:ext cx="0" cy="0"/>
+          <a:chOff x="0" y="0"/>
+          <a:chExt cx="0" cy="0"/>
+        </a:xfrm>
+      </p:grpSpPr>
+      <p:sp>
+        <p:nvSpPr>
+          <p:cNvPr id="2" name="Title 1">
+            <a:extLst>
+              <a:ext uri="{FF2B5EF4-FFF2-40B4-BE49-F238E27FC236}">
+                <a16:creationId xmlns:a16="http://schemas.microsoft.com/office/drawing/2014/main" id="{A8C99902-2A36-9C91-5F2C-9819DE23FB0C}"/>
+              </a:ext>
+            </a:extLst>
+          </p:cNvPr>
+          <p:cNvSpPr>
+            <a:spLocks noGrp="1"/>
+          </p:cNvSpPr>
+          <p:nvPr>
+            <p:ph type="title"/>
+          </p:nvPr>
+        </p:nvSpPr>
+        <p:spPr/>
+        <p:txBody>
+          <a:bodyPr/>
+          <a:lstStyle/>
+          <a:p>
+            <a:r>
+              <a:rPr lang="en-GB" dirty="0"/>
               <a:t>Writing the MNIST Dataset and </a:t>
             </a:r>
             <a:r>
@@ -15418,7 +16229,7 @@
 </p:sld>
 </file>
 
-<file path=ppt/slides/slide26.xml><?xml version="1.0" encoding="utf-8"?>
+<file path=ppt/slides/slide27.xml><?xml version="1.0" encoding="utf-8"?>
 <p:sld xmlns:a="http://schemas.openxmlformats.org/drawingml/2006/main" xmlns:r="http://schemas.openxmlformats.org/officeDocument/2006/relationships" xmlns:p="http://schemas.openxmlformats.org/presentationml/2006/main">
   <p:cSld>
     <p:spTree>
@@ -15720,7 +16531,7 @@
 </p:sld>
 </file>
 
-<file path=ppt/slides/slide27.xml><?xml version="1.0" encoding="utf-8"?>
+<file path=ppt/slides/slide28.xml><?xml version="1.0" encoding="utf-8"?>
 <p:sld xmlns:a="http://schemas.openxmlformats.org/drawingml/2006/main" xmlns:r="http://schemas.openxmlformats.org/officeDocument/2006/relationships" xmlns:p="http://schemas.openxmlformats.org/presentationml/2006/main">
   <p:cSld>
     <p:spTree>
@@ -15766,8 +16577,8 @@
           </a:p>
         </p:txBody>
       </p:sp>
-      <mc:AlternateContent xmlns:mc="http://schemas.openxmlformats.org/markup-compatibility/2006">
-        <mc:Choice xmlns:a14="http://schemas.microsoft.com/office/drawing/2010/main" Requires="a14">
+      <mc:AlternateContent xmlns:mc="http://schemas.openxmlformats.org/markup-compatibility/2006" xmlns:a14="http://schemas.microsoft.com/office/drawing/2010/main">
+        <mc:Choice Requires="a14">
           <p:sp>
             <p:nvSpPr>
               <p:cNvPr id="3" name="Content Placeholder 2">
@@ -16210,7 +17021,7 @@
             </p:txBody>
           </p:sp>
         </mc:Choice>
-        <mc:Fallback>
+        <mc:Fallback xmlns="">
           <p:sp>
             <p:nvSpPr>
               <p:cNvPr id="3" name="Content Placeholder 2">
@@ -16267,7 +17078,7 @@
 </p:sld>
 </file>
 
-<file path=ppt/slides/slide28.xml><?xml version="1.0" encoding="utf-8"?>
+<file path=ppt/slides/slide29.xml><?xml version="1.0" encoding="utf-8"?>
 <p:sld xmlns:a="http://schemas.openxmlformats.org/drawingml/2006/main" xmlns:r="http://schemas.openxmlformats.org/officeDocument/2006/relationships" xmlns:p="http://schemas.openxmlformats.org/presentationml/2006/main">
   <p:cSld>
     <p:spTree>
@@ -16313,8 +17124,8 @@
           </a:p>
         </p:txBody>
       </p:sp>
-      <mc:AlternateContent xmlns:mc="http://schemas.openxmlformats.org/markup-compatibility/2006">
-        <mc:Choice xmlns:a14="http://schemas.microsoft.com/office/drawing/2010/main" Requires="a14">
+      <mc:AlternateContent xmlns:mc="http://schemas.openxmlformats.org/markup-compatibility/2006" xmlns:a14="http://schemas.microsoft.com/office/drawing/2010/main">
+        <mc:Choice Requires="a14">
           <p:sp>
             <p:nvSpPr>
               <p:cNvPr id="3" name="Content Placeholder 2">
@@ -16602,7 +17413,7 @@
             </p:txBody>
           </p:sp>
         </mc:Choice>
-        <mc:Fallback>
+        <mc:Fallback xmlns="">
           <p:sp>
             <p:nvSpPr>
               <p:cNvPr id="3" name="Content Placeholder 2">
@@ -16659,7 +17470,774 @@
 </p:sld>
 </file>
 
-<file path=ppt/slides/slide29.xml><?xml version="1.0" encoding="utf-8"?>
+<file path=ppt/slides/slide3.xml><?xml version="1.0" encoding="utf-8"?>
+<p:sld xmlns:a="http://schemas.openxmlformats.org/drawingml/2006/main" xmlns:r="http://schemas.openxmlformats.org/officeDocument/2006/relationships" xmlns:p="http://schemas.openxmlformats.org/presentationml/2006/main">
+  <p:cSld>
+    <p:spTree>
+      <p:nvGrpSpPr>
+        <p:cNvPr id="1" name=""/>
+        <p:cNvGrpSpPr/>
+        <p:nvPr/>
+      </p:nvGrpSpPr>
+      <p:grpSpPr>
+        <a:xfrm>
+          <a:off x="0" y="0"/>
+          <a:ext cx="0" cy="0"/>
+          <a:chOff x="0" y="0"/>
+          <a:chExt cx="0" cy="0"/>
+        </a:xfrm>
+      </p:grpSpPr>
+      <p:sp>
+        <p:nvSpPr>
+          <p:cNvPr id="2" name="Title 1">
+            <a:extLst>
+              <a:ext uri="{FF2B5EF4-FFF2-40B4-BE49-F238E27FC236}">
+                <a16:creationId xmlns:a16="http://schemas.microsoft.com/office/drawing/2014/main" id="{3F88AB3E-DF60-4411-7415-7A8708334829}"/>
+              </a:ext>
+            </a:extLst>
+          </p:cNvPr>
+          <p:cNvSpPr>
+            <a:spLocks noGrp="1"/>
+          </p:cNvSpPr>
+          <p:nvPr>
+            <p:ph type="title"/>
+          </p:nvPr>
+        </p:nvSpPr>
+        <p:spPr/>
+        <p:txBody>
+          <a:bodyPr/>
+          <a:lstStyle/>
+          <a:p>
+            <a:r>
+              <a:rPr lang="en-GB" dirty="0"/>
+              <a:t>Introduction (Week 3)</a:t>
+            </a:r>
+            <a:endParaRPr lang="en-SG" dirty="0"/>
+          </a:p>
+        </p:txBody>
+      </p:sp>
+      <p:sp>
+        <p:nvSpPr>
+          <p:cNvPr id="3" name="Content Placeholder 2">
+            <a:extLst>
+              <a:ext uri="{FF2B5EF4-FFF2-40B4-BE49-F238E27FC236}">
+                <a16:creationId xmlns:a16="http://schemas.microsoft.com/office/drawing/2014/main" id="{65B58308-C101-BC04-E972-00C74DE5080B}"/>
+              </a:ext>
+            </a:extLst>
+          </p:cNvPr>
+          <p:cNvSpPr>
+            <a:spLocks noGrp="1"/>
+          </p:cNvSpPr>
+          <p:nvPr>
+            <p:ph idx="1"/>
+          </p:nvPr>
+        </p:nvSpPr>
+        <p:spPr>
+          <a:xfrm>
+            <a:off x="838200" y="1825624"/>
+            <a:ext cx="10515600" cy="5032375"/>
+          </a:xfrm>
+        </p:spPr>
+        <p:txBody>
+          <a:bodyPr>
+            <a:normAutofit lnSpcReduction="10000"/>
+          </a:bodyPr>
+          <a:lstStyle/>
+          <a:p>
+            <a:pPr marL="514350" indent="-514350">
+              <a:buFont typeface="+mj-lt"/>
+              <a:buAutoNum type="arabicPeriod" startAt="9"/>
+            </a:pPr>
+            <a:r>
+              <a:rPr lang="en-GB" dirty="0">
+                <a:solidFill>
+                  <a:schemeClr val="bg1">
+                    <a:lumMod val="65000"/>
+                  </a:schemeClr>
+                </a:solidFill>
+              </a:rPr>
+              <a:t>What is the </a:t>
+            </a:r>
+            <a:r>
+              <a:rPr lang="en-GB" b="1" dirty="0" err="1">
+                <a:solidFill>
+                  <a:schemeClr val="bg1">
+                    <a:lumMod val="65000"/>
+                  </a:schemeClr>
+                </a:solidFill>
+              </a:rPr>
+              <a:t>autograd</a:t>
+            </a:r>
+            <a:r>
+              <a:rPr lang="en-GB" dirty="0">
+                <a:solidFill>
+                  <a:schemeClr val="bg1">
+                    <a:lumMod val="65000"/>
+                  </a:schemeClr>
+                </a:solidFill>
+              </a:rPr>
+              <a:t>/</a:t>
+            </a:r>
+            <a:r>
+              <a:rPr lang="en-GB" b="1" dirty="0">
+                <a:solidFill>
+                  <a:schemeClr val="bg1">
+                    <a:lumMod val="65000"/>
+                  </a:schemeClr>
+                </a:solidFill>
+              </a:rPr>
+              <a:t>backprop</a:t>
+            </a:r>
+            <a:r>
+              <a:rPr lang="en-GB" dirty="0">
+                <a:solidFill>
+                  <a:schemeClr val="bg1">
+                    <a:lumMod val="65000"/>
+                  </a:schemeClr>
+                </a:solidFill>
+              </a:rPr>
+              <a:t> module in </a:t>
+            </a:r>
+            <a:r>
+              <a:rPr lang="en-GB" dirty="0" err="1">
+                <a:solidFill>
+                  <a:schemeClr val="bg1">
+                    <a:lumMod val="65000"/>
+                  </a:schemeClr>
+                </a:solidFill>
+              </a:rPr>
+              <a:t>PyTorch</a:t>
+            </a:r>
+            <a:r>
+              <a:rPr lang="en-GB" dirty="0">
+                <a:solidFill>
+                  <a:schemeClr val="bg1">
+                    <a:lumMod val="65000"/>
+                  </a:schemeClr>
+                </a:solidFill>
+              </a:rPr>
+              <a:t>, and how does it use a </a:t>
+            </a:r>
+            <a:r>
+              <a:rPr lang="en-GB" b="1" dirty="0">
+                <a:solidFill>
+                  <a:schemeClr val="bg1">
+                    <a:lumMod val="65000"/>
+                  </a:schemeClr>
+                </a:solidFill>
+              </a:rPr>
+              <a:t>computational</a:t>
+            </a:r>
+            <a:r>
+              <a:rPr lang="en-GB" dirty="0">
+                <a:solidFill>
+                  <a:schemeClr val="bg1">
+                    <a:lumMod val="65000"/>
+                  </a:schemeClr>
+                </a:solidFill>
+              </a:rPr>
+              <a:t> </a:t>
+            </a:r>
+            <a:r>
+              <a:rPr lang="en-GB" b="1" dirty="0">
+                <a:solidFill>
+                  <a:schemeClr val="bg1">
+                    <a:lumMod val="65000"/>
+                  </a:schemeClr>
+                </a:solidFill>
+              </a:rPr>
+              <a:t>graph</a:t>
+            </a:r>
+            <a:r>
+              <a:rPr lang="en-GB" dirty="0">
+                <a:solidFill>
+                  <a:schemeClr val="bg1">
+                    <a:lumMod val="65000"/>
+                  </a:schemeClr>
+                </a:solidFill>
+              </a:rPr>
+              <a:t> to </a:t>
+            </a:r>
+            <a:r>
+              <a:rPr lang="en-GB" b="1" dirty="0">
+                <a:solidFill>
+                  <a:schemeClr val="bg1">
+                    <a:lumMod val="65000"/>
+                  </a:schemeClr>
+                </a:solidFill>
+              </a:rPr>
+              <a:t>compute</a:t>
+            </a:r>
+            <a:r>
+              <a:rPr lang="en-GB" dirty="0">
+                <a:solidFill>
+                  <a:schemeClr val="bg1">
+                    <a:lumMod val="65000"/>
+                  </a:schemeClr>
+                </a:solidFill>
+              </a:rPr>
+              <a:t> </a:t>
+            </a:r>
+            <a:r>
+              <a:rPr lang="en-GB" b="1" dirty="0">
+                <a:solidFill>
+                  <a:schemeClr val="bg1">
+                    <a:lumMod val="65000"/>
+                  </a:schemeClr>
+                </a:solidFill>
+              </a:rPr>
+              <a:t>all</a:t>
+            </a:r>
+            <a:r>
+              <a:rPr lang="en-GB" dirty="0">
+                <a:solidFill>
+                  <a:schemeClr val="bg1">
+                    <a:lumMod val="65000"/>
+                  </a:schemeClr>
+                </a:solidFill>
+              </a:rPr>
+              <a:t> </a:t>
+            </a:r>
+            <a:r>
+              <a:rPr lang="en-GB" b="1" dirty="0">
+                <a:solidFill>
+                  <a:schemeClr val="bg1">
+                    <a:lumMod val="65000"/>
+                  </a:schemeClr>
+                </a:solidFill>
+              </a:rPr>
+              <a:t>derivatives</a:t>
+            </a:r>
+            <a:r>
+              <a:rPr lang="en-GB" dirty="0">
+                <a:solidFill>
+                  <a:schemeClr val="bg1">
+                    <a:lumMod val="65000"/>
+                  </a:schemeClr>
+                </a:solidFill>
+              </a:rPr>
+              <a:t>? </a:t>
+            </a:r>
+          </a:p>
+          <a:p>
+            <a:pPr marL="514350" indent="-514350">
+              <a:buFont typeface="+mj-lt"/>
+              <a:buAutoNum type="arabicPeriod" startAt="9"/>
+            </a:pPr>
+            <a:r>
+              <a:rPr lang="en-GB" dirty="0">
+                <a:solidFill>
+                  <a:schemeClr val="bg1">
+                    <a:lumMod val="65000"/>
+                  </a:schemeClr>
+                </a:solidFill>
+              </a:rPr>
+              <a:t>How to use the </a:t>
+            </a:r>
+            <a:r>
+              <a:rPr lang="en-GB" b="1" dirty="0" err="1">
+                <a:solidFill>
+                  <a:schemeClr val="bg1">
+                    <a:lumMod val="65000"/>
+                  </a:schemeClr>
+                </a:solidFill>
+              </a:rPr>
+              <a:t>autograd</a:t>
+            </a:r>
+            <a:r>
+              <a:rPr lang="en-GB" dirty="0">
+                <a:solidFill>
+                  <a:schemeClr val="bg1">
+                    <a:lumMod val="65000"/>
+                  </a:schemeClr>
+                </a:solidFill>
+              </a:rPr>
+              <a:t> to implement </a:t>
+            </a:r>
+            <a:r>
+              <a:rPr lang="en-GB" b="1" dirty="0">
+                <a:solidFill>
+                  <a:schemeClr val="bg1">
+                    <a:lumMod val="65000"/>
+                  </a:schemeClr>
+                </a:solidFill>
+              </a:rPr>
+              <a:t>derivatives</a:t>
+            </a:r>
+            <a:r>
+              <a:rPr lang="en-GB" dirty="0">
+                <a:solidFill>
+                  <a:schemeClr val="bg1">
+                    <a:lumMod val="65000"/>
+                  </a:schemeClr>
+                </a:solidFill>
+              </a:rPr>
+              <a:t> and a </a:t>
+            </a:r>
+            <a:r>
+              <a:rPr lang="en-GB" b="1" dirty="0">
+                <a:solidFill>
+                  <a:schemeClr val="bg1">
+                    <a:lumMod val="65000"/>
+                  </a:schemeClr>
+                </a:solidFill>
+              </a:rPr>
+              <a:t>vanilla</a:t>
+            </a:r>
+            <a:r>
+              <a:rPr lang="en-GB" dirty="0">
+                <a:solidFill>
+                  <a:schemeClr val="bg1">
+                    <a:lumMod val="65000"/>
+                  </a:schemeClr>
+                </a:solidFill>
+              </a:rPr>
+              <a:t> </a:t>
+            </a:r>
+            <a:r>
+              <a:rPr lang="en-GB" b="1" dirty="0">
+                <a:solidFill>
+                  <a:schemeClr val="bg1">
+                    <a:lumMod val="65000"/>
+                  </a:schemeClr>
+                </a:solidFill>
+              </a:rPr>
+              <a:t>gradient</a:t>
+            </a:r>
+            <a:r>
+              <a:rPr lang="en-GB" dirty="0">
+                <a:solidFill>
+                  <a:schemeClr val="bg1">
+                    <a:lumMod val="65000"/>
+                  </a:schemeClr>
+                </a:solidFill>
+              </a:rPr>
+              <a:t> </a:t>
+            </a:r>
+            <a:r>
+              <a:rPr lang="en-GB" b="1" dirty="0">
+                <a:solidFill>
+                  <a:schemeClr val="bg1">
+                    <a:lumMod val="65000"/>
+                  </a:schemeClr>
+                </a:solidFill>
+              </a:rPr>
+              <a:t>descent</a:t>
+            </a:r>
+            <a:r>
+              <a:rPr lang="en-GB" dirty="0">
+                <a:solidFill>
+                  <a:schemeClr val="bg1">
+                    <a:lumMod val="65000"/>
+                  </a:schemeClr>
+                </a:solidFill>
+              </a:rPr>
+              <a:t>?</a:t>
+            </a:r>
+          </a:p>
+          <a:p>
+            <a:pPr marL="514350" indent="-514350">
+              <a:buFont typeface="+mj-lt"/>
+              <a:buAutoNum type="arabicPeriod" startAt="9"/>
+            </a:pPr>
+            <a:r>
+              <a:rPr lang="en-GB" dirty="0">
+                <a:solidFill>
+                  <a:schemeClr val="bg1">
+                    <a:lumMod val="65000"/>
+                  </a:schemeClr>
+                </a:solidFill>
+              </a:rPr>
+              <a:t>How to implement </a:t>
+            </a:r>
+            <a:r>
+              <a:rPr lang="en-GB" b="1" dirty="0">
+                <a:solidFill>
+                  <a:schemeClr val="bg1">
+                    <a:lumMod val="65000"/>
+                  </a:schemeClr>
+                </a:solidFill>
+              </a:rPr>
+              <a:t>backprop</a:t>
+            </a:r>
+            <a:r>
+              <a:rPr lang="en-GB" dirty="0">
+                <a:solidFill>
+                  <a:schemeClr val="bg1">
+                    <a:lumMod val="65000"/>
+                  </a:schemeClr>
+                </a:solidFill>
+              </a:rPr>
+              <a:t> in </a:t>
+            </a:r>
+            <a:r>
+              <a:rPr lang="en-GB" dirty="0" err="1">
+                <a:solidFill>
+                  <a:schemeClr val="bg1">
+                    <a:lumMod val="65000"/>
+                  </a:schemeClr>
+                </a:solidFill>
+              </a:rPr>
+              <a:t>PyTorch</a:t>
+            </a:r>
+            <a:r>
+              <a:rPr lang="en-GB" dirty="0">
+                <a:solidFill>
+                  <a:schemeClr val="bg1">
+                    <a:lumMod val="65000"/>
+                  </a:schemeClr>
+                </a:solidFill>
+              </a:rPr>
+              <a:t> for our </a:t>
+            </a:r>
+            <a:r>
+              <a:rPr lang="en-GB" b="1" dirty="0">
+                <a:solidFill>
+                  <a:schemeClr val="bg1">
+                    <a:lumMod val="65000"/>
+                  </a:schemeClr>
+                </a:solidFill>
+              </a:rPr>
+              <a:t>shallow</a:t>
+            </a:r>
+            <a:r>
+              <a:rPr lang="en-GB" dirty="0">
+                <a:solidFill>
+                  <a:schemeClr val="bg1">
+                    <a:lumMod val="65000"/>
+                  </a:schemeClr>
+                </a:solidFill>
+              </a:rPr>
+              <a:t> </a:t>
+            </a:r>
+            <a:r>
+              <a:rPr lang="en-GB" b="1" dirty="0">
+                <a:solidFill>
+                  <a:schemeClr val="bg1">
+                    <a:lumMod val="65000"/>
+                  </a:schemeClr>
+                </a:solidFill>
+              </a:rPr>
+              <a:t>Neural</a:t>
+            </a:r>
+            <a:r>
+              <a:rPr lang="en-GB" dirty="0">
+                <a:solidFill>
+                  <a:schemeClr val="bg1">
+                    <a:lumMod val="65000"/>
+                  </a:schemeClr>
+                </a:solidFill>
+              </a:rPr>
+              <a:t> </a:t>
+            </a:r>
+            <a:r>
+              <a:rPr lang="en-GB" b="1" dirty="0">
+                <a:solidFill>
+                  <a:schemeClr val="bg1">
+                    <a:lumMod val="65000"/>
+                  </a:schemeClr>
+                </a:solidFill>
+              </a:rPr>
+              <a:t>Network</a:t>
+            </a:r>
+            <a:r>
+              <a:rPr lang="en-GB" dirty="0">
+                <a:solidFill>
+                  <a:schemeClr val="bg1">
+                    <a:lumMod val="65000"/>
+                  </a:schemeClr>
+                </a:solidFill>
+              </a:rPr>
+              <a:t> class?</a:t>
+            </a:r>
+          </a:p>
+          <a:p>
+            <a:pPr marL="514350" indent="-514350">
+              <a:buFont typeface="+mj-lt"/>
+              <a:buAutoNum type="arabicPeriod" startAt="9"/>
+            </a:pPr>
+            <a:r>
+              <a:rPr lang="en-GB" dirty="0">
+                <a:solidFill>
+                  <a:schemeClr val="bg1">
+                    <a:lumMod val="65000"/>
+                  </a:schemeClr>
+                </a:solidFill>
+              </a:rPr>
+              <a:t>How to use </a:t>
+            </a:r>
+            <a:r>
+              <a:rPr lang="en-GB" b="1" dirty="0" err="1">
+                <a:solidFill>
+                  <a:schemeClr val="bg1">
+                    <a:lumMod val="65000"/>
+                  </a:schemeClr>
+                </a:solidFill>
+              </a:rPr>
+              <a:t>PyTorch</a:t>
+            </a:r>
+            <a:r>
+              <a:rPr lang="en-GB" dirty="0">
+                <a:solidFill>
+                  <a:schemeClr val="bg1">
+                    <a:lumMod val="65000"/>
+                  </a:schemeClr>
+                </a:solidFill>
+              </a:rPr>
+              <a:t> to implement </a:t>
+            </a:r>
+            <a:r>
+              <a:rPr lang="en-GB" b="1" dirty="0">
+                <a:solidFill>
+                  <a:schemeClr val="bg1">
+                    <a:lumMod val="65000"/>
+                  </a:schemeClr>
+                </a:solidFill>
+              </a:rPr>
+              <a:t>advanced</a:t>
+            </a:r>
+            <a:r>
+              <a:rPr lang="en-GB" dirty="0">
+                <a:solidFill>
+                  <a:schemeClr val="bg1">
+                    <a:lumMod val="65000"/>
+                  </a:schemeClr>
+                </a:solidFill>
+              </a:rPr>
+              <a:t> </a:t>
+            </a:r>
+            <a:r>
+              <a:rPr lang="en-GB" b="1" dirty="0">
+                <a:solidFill>
+                  <a:schemeClr val="bg1">
+                    <a:lumMod val="65000"/>
+                  </a:schemeClr>
+                </a:solidFill>
+              </a:rPr>
+              <a:t>optimizers</a:t>
+            </a:r>
+            <a:r>
+              <a:rPr lang="en-GB" dirty="0">
+                <a:solidFill>
+                  <a:schemeClr val="bg1">
+                    <a:lumMod val="65000"/>
+                  </a:schemeClr>
+                </a:solidFill>
+              </a:rPr>
+              <a:t>?</a:t>
+            </a:r>
+          </a:p>
+          <a:p>
+            <a:pPr marL="514350" indent="-514350">
+              <a:buFont typeface="+mj-lt"/>
+              <a:buAutoNum type="arabicPeriod" startAt="9"/>
+            </a:pPr>
+            <a:r>
+              <a:rPr lang="en-GB" dirty="0">
+                <a:solidFill>
+                  <a:schemeClr val="bg1">
+                    <a:lumMod val="65000"/>
+                  </a:schemeClr>
+                </a:solidFill>
+              </a:rPr>
+              <a:t>How to use </a:t>
+            </a:r>
+            <a:r>
+              <a:rPr lang="en-GB" b="1" dirty="0" err="1">
+                <a:solidFill>
+                  <a:schemeClr val="bg1">
+                    <a:lumMod val="65000"/>
+                  </a:schemeClr>
+                </a:solidFill>
+              </a:rPr>
+              <a:t>PyTorch</a:t>
+            </a:r>
+            <a:r>
+              <a:rPr lang="en-GB" dirty="0">
+                <a:solidFill>
+                  <a:schemeClr val="bg1">
+                    <a:lumMod val="65000"/>
+                  </a:schemeClr>
+                </a:solidFill>
+              </a:rPr>
+              <a:t> to implement </a:t>
+            </a:r>
+            <a:r>
+              <a:rPr lang="en-GB" b="1" dirty="0">
+                <a:solidFill>
+                  <a:schemeClr val="bg1">
+                    <a:lumMod val="65000"/>
+                  </a:schemeClr>
+                </a:solidFill>
+              </a:rPr>
+              <a:t>advanced</a:t>
+            </a:r>
+            <a:r>
+              <a:rPr lang="en-GB" dirty="0">
+                <a:solidFill>
+                  <a:schemeClr val="bg1">
+                    <a:lumMod val="65000"/>
+                  </a:schemeClr>
+                </a:solidFill>
+              </a:rPr>
+              <a:t> </a:t>
+            </a:r>
+            <a:r>
+              <a:rPr lang="en-GB" b="1" dirty="0">
+                <a:solidFill>
+                  <a:schemeClr val="bg1">
+                    <a:lumMod val="65000"/>
+                  </a:schemeClr>
+                </a:solidFill>
+              </a:rPr>
+              <a:t>initializers</a:t>
+            </a:r>
+            <a:r>
+              <a:rPr lang="en-GB" dirty="0">
+                <a:solidFill>
+                  <a:schemeClr val="bg1">
+                    <a:lumMod val="65000"/>
+                  </a:schemeClr>
+                </a:solidFill>
+              </a:rPr>
+              <a:t>?</a:t>
+            </a:r>
+          </a:p>
+          <a:p>
+            <a:pPr marL="514350" indent="-514350">
+              <a:buFont typeface="+mj-lt"/>
+              <a:buAutoNum type="arabicPeriod" startAt="9"/>
+            </a:pPr>
+            <a:r>
+              <a:rPr lang="en-GB" dirty="0">
+                <a:solidFill>
+                  <a:schemeClr val="bg1">
+                    <a:lumMod val="65000"/>
+                  </a:schemeClr>
+                </a:solidFill>
+              </a:rPr>
+              <a:t>How to use </a:t>
+            </a:r>
+            <a:r>
+              <a:rPr lang="en-GB" b="1" dirty="0" err="1">
+                <a:solidFill>
+                  <a:schemeClr val="bg1">
+                    <a:lumMod val="65000"/>
+                  </a:schemeClr>
+                </a:solidFill>
+              </a:rPr>
+              <a:t>PyTorch</a:t>
+            </a:r>
+            <a:r>
+              <a:rPr lang="en-GB" dirty="0">
+                <a:solidFill>
+                  <a:schemeClr val="bg1">
+                    <a:lumMod val="65000"/>
+                  </a:schemeClr>
+                </a:solidFill>
+              </a:rPr>
+              <a:t> to implement </a:t>
+            </a:r>
+            <a:r>
+              <a:rPr lang="en-GB" b="1" dirty="0">
+                <a:solidFill>
+                  <a:schemeClr val="bg1">
+                    <a:lumMod val="65000"/>
+                  </a:schemeClr>
+                </a:solidFill>
+              </a:rPr>
+              <a:t>regularization</a:t>
+            </a:r>
+            <a:r>
+              <a:rPr lang="en-GB" dirty="0">
+                <a:solidFill>
+                  <a:schemeClr val="bg1">
+                    <a:lumMod val="65000"/>
+                  </a:schemeClr>
+                </a:solidFill>
+              </a:rPr>
+              <a:t>?</a:t>
+            </a:r>
+          </a:p>
+          <a:p>
+            <a:pPr marL="514350" indent="-514350">
+              <a:buFont typeface="+mj-lt"/>
+              <a:buAutoNum type="arabicPeriod" startAt="9"/>
+            </a:pPr>
+            <a:r>
+              <a:rPr lang="en-GB" dirty="0">
+                <a:solidFill>
+                  <a:schemeClr val="bg1">
+                    <a:lumMod val="65000"/>
+                  </a:schemeClr>
+                </a:solidFill>
+              </a:rPr>
+              <a:t>How to finally revise our </a:t>
+            </a:r>
+            <a:r>
+              <a:rPr lang="en-GB" b="1" dirty="0">
+                <a:solidFill>
+                  <a:schemeClr val="bg1">
+                    <a:lumMod val="65000"/>
+                  </a:schemeClr>
+                </a:solidFill>
+              </a:rPr>
+              <a:t>trainer</a:t>
+            </a:r>
+            <a:r>
+              <a:rPr lang="en-GB" dirty="0">
+                <a:solidFill>
+                  <a:schemeClr val="bg1">
+                    <a:lumMod val="65000"/>
+                  </a:schemeClr>
+                </a:solidFill>
+              </a:rPr>
+              <a:t> function to obtain a minimal, yet complete Neural Network in </a:t>
+            </a:r>
+            <a:r>
+              <a:rPr lang="en-GB" dirty="0" err="1">
+                <a:solidFill>
+                  <a:schemeClr val="bg1">
+                    <a:lumMod val="65000"/>
+                  </a:schemeClr>
+                </a:solidFill>
+              </a:rPr>
+              <a:t>PyTorch</a:t>
+            </a:r>
+            <a:r>
+              <a:rPr lang="en-GB" dirty="0">
+                <a:solidFill>
+                  <a:schemeClr val="bg1">
+                    <a:lumMod val="65000"/>
+                  </a:schemeClr>
+                </a:solidFill>
+              </a:rPr>
+              <a:t>?</a:t>
+            </a:r>
+          </a:p>
+          <a:p>
+            <a:pPr marL="514350" indent="-514350">
+              <a:buFont typeface="+mj-lt"/>
+              <a:buAutoNum type="arabicPeriod" startAt="9"/>
+            </a:pPr>
+            <a:endParaRPr lang="en-SG" dirty="0"/>
+          </a:p>
+        </p:txBody>
+      </p:sp>
+    </p:spTree>
+    <p:extLst>
+      <p:ext uri="{BB962C8B-B14F-4D97-AF65-F5344CB8AC3E}">
+        <p14:creationId xmlns:p14="http://schemas.microsoft.com/office/powerpoint/2010/main" val="2670805330"/>
+      </p:ext>
+    </p:extLst>
+  </p:cSld>
+  <p:clrMapOvr>
+    <a:masterClrMapping/>
+  </p:clrMapOvr>
+</p:sld>
+</file>
+
+<file path=ppt/slides/slide30.xml><?xml version="1.0" encoding="utf-8"?>
 <p:sld xmlns:a="http://schemas.openxmlformats.org/drawingml/2006/main" xmlns:r="http://schemas.openxmlformats.org/officeDocument/2006/relationships" xmlns:p="http://schemas.openxmlformats.org/presentationml/2006/main">
   <p:cSld>
     <p:spTree>
@@ -16955,774 +18533,7 @@
 </p:sld>
 </file>
 
-<file path=ppt/slides/slide3.xml><?xml version="1.0" encoding="utf-8"?>
-<p:sld xmlns:a="http://schemas.openxmlformats.org/drawingml/2006/main" xmlns:r="http://schemas.openxmlformats.org/officeDocument/2006/relationships" xmlns:p="http://schemas.openxmlformats.org/presentationml/2006/main">
-  <p:cSld>
-    <p:spTree>
-      <p:nvGrpSpPr>
-        <p:cNvPr id="1" name=""/>
-        <p:cNvGrpSpPr/>
-        <p:nvPr/>
-      </p:nvGrpSpPr>
-      <p:grpSpPr>
-        <a:xfrm>
-          <a:off x="0" y="0"/>
-          <a:ext cx="0" cy="0"/>
-          <a:chOff x="0" y="0"/>
-          <a:chExt cx="0" cy="0"/>
-        </a:xfrm>
-      </p:grpSpPr>
-      <p:sp>
-        <p:nvSpPr>
-          <p:cNvPr id="2" name="Title 1">
-            <a:extLst>
-              <a:ext uri="{FF2B5EF4-FFF2-40B4-BE49-F238E27FC236}">
-                <a16:creationId xmlns:a16="http://schemas.microsoft.com/office/drawing/2014/main" id="{3F88AB3E-DF60-4411-7415-7A8708334829}"/>
-              </a:ext>
-            </a:extLst>
-          </p:cNvPr>
-          <p:cNvSpPr>
-            <a:spLocks noGrp="1"/>
-          </p:cNvSpPr>
-          <p:nvPr>
-            <p:ph type="title"/>
-          </p:nvPr>
-        </p:nvSpPr>
-        <p:spPr/>
-        <p:txBody>
-          <a:bodyPr/>
-          <a:lstStyle/>
-          <a:p>
-            <a:r>
-              <a:rPr lang="en-GB" dirty="0"/>
-              <a:t>Introduction (Week 3)</a:t>
-            </a:r>
-            <a:endParaRPr lang="en-SG" dirty="0"/>
-          </a:p>
-        </p:txBody>
-      </p:sp>
-      <p:sp>
-        <p:nvSpPr>
-          <p:cNvPr id="3" name="Content Placeholder 2">
-            <a:extLst>
-              <a:ext uri="{FF2B5EF4-FFF2-40B4-BE49-F238E27FC236}">
-                <a16:creationId xmlns:a16="http://schemas.microsoft.com/office/drawing/2014/main" id="{65B58308-C101-BC04-E972-00C74DE5080B}"/>
-              </a:ext>
-            </a:extLst>
-          </p:cNvPr>
-          <p:cNvSpPr>
-            <a:spLocks noGrp="1"/>
-          </p:cNvSpPr>
-          <p:nvPr>
-            <p:ph idx="1"/>
-          </p:nvPr>
-        </p:nvSpPr>
-        <p:spPr>
-          <a:xfrm>
-            <a:off x="838200" y="1825624"/>
-            <a:ext cx="10515600" cy="5032375"/>
-          </a:xfrm>
-        </p:spPr>
-        <p:txBody>
-          <a:bodyPr>
-            <a:normAutofit lnSpcReduction="10000"/>
-          </a:bodyPr>
-          <a:lstStyle/>
-          <a:p>
-            <a:pPr marL="514350" indent="-514350">
-              <a:buFont typeface="+mj-lt"/>
-              <a:buAutoNum type="arabicPeriod" startAt="9"/>
-            </a:pPr>
-            <a:r>
-              <a:rPr lang="en-GB" dirty="0">
-                <a:solidFill>
-                  <a:schemeClr val="bg1">
-                    <a:lumMod val="65000"/>
-                  </a:schemeClr>
-                </a:solidFill>
-              </a:rPr>
-              <a:t>What is the </a:t>
-            </a:r>
-            <a:r>
-              <a:rPr lang="en-GB" b="1" dirty="0" err="1">
-                <a:solidFill>
-                  <a:schemeClr val="bg1">
-                    <a:lumMod val="65000"/>
-                  </a:schemeClr>
-                </a:solidFill>
-              </a:rPr>
-              <a:t>autograd</a:t>
-            </a:r>
-            <a:r>
-              <a:rPr lang="en-GB" dirty="0">
-                <a:solidFill>
-                  <a:schemeClr val="bg1">
-                    <a:lumMod val="65000"/>
-                  </a:schemeClr>
-                </a:solidFill>
-              </a:rPr>
-              <a:t>/</a:t>
-            </a:r>
-            <a:r>
-              <a:rPr lang="en-GB" b="1" dirty="0">
-                <a:solidFill>
-                  <a:schemeClr val="bg1">
-                    <a:lumMod val="65000"/>
-                  </a:schemeClr>
-                </a:solidFill>
-              </a:rPr>
-              <a:t>backprop</a:t>
-            </a:r>
-            <a:r>
-              <a:rPr lang="en-GB" dirty="0">
-                <a:solidFill>
-                  <a:schemeClr val="bg1">
-                    <a:lumMod val="65000"/>
-                  </a:schemeClr>
-                </a:solidFill>
-              </a:rPr>
-              <a:t> module in </a:t>
-            </a:r>
-            <a:r>
-              <a:rPr lang="en-GB" dirty="0" err="1">
-                <a:solidFill>
-                  <a:schemeClr val="bg1">
-                    <a:lumMod val="65000"/>
-                  </a:schemeClr>
-                </a:solidFill>
-              </a:rPr>
-              <a:t>PyTorch</a:t>
-            </a:r>
-            <a:r>
-              <a:rPr lang="en-GB" dirty="0">
-                <a:solidFill>
-                  <a:schemeClr val="bg1">
-                    <a:lumMod val="65000"/>
-                  </a:schemeClr>
-                </a:solidFill>
-              </a:rPr>
-              <a:t>, and how does it use a </a:t>
-            </a:r>
-            <a:r>
-              <a:rPr lang="en-GB" b="1" dirty="0">
-                <a:solidFill>
-                  <a:schemeClr val="bg1">
-                    <a:lumMod val="65000"/>
-                  </a:schemeClr>
-                </a:solidFill>
-              </a:rPr>
-              <a:t>computational</a:t>
-            </a:r>
-            <a:r>
-              <a:rPr lang="en-GB" dirty="0">
-                <a:solidFill>
-                  <a:schemeClr val="bg1">
-                    <a:lumMod val="65000"/>
-                  </a:schemeClr>
-                </a:solidFill>
-              </a:rPr>
-              <a:t> </a:t>
-            </a:r>
-            <a:r>
-              <a:rPr lang="en-GB" b="1" dirty="0">
-                <a:solidFill>
-                  <a:schemeClr val="bg1">
-                    <a:lumMod val="65000"/>
-                  </a:schemeClr>
-                </a:solidFill>
-              </a:rPr>
-              <a:t>graph</a:t>
-            </a:r>
-            <a:r>
-              <a:rPr lang="en-GB" dirty="0">
-                <a:solidFill>
-                  <a:schemeClr val="bg1">
-                    <a:lumMod val="65000"/>
-                  </a:schemeClr>
-                </a:solidFill>
-              </a:rPr>
-              <a:t> to </a:t>
-            </a:r>
-            <a:r>
-              <a:rPr lang="en-GB" b="1" dirty="0">
-                <a:solidFill>
-                  <a:schemeClr val="bg1">
-                    <a:lumMod val="65000"/>
-                  </a:schemeClr>
-                </a:solidFill>
-              </a:rPr>
-              <a:t>compute</a:t>
-            </a:r>
-            <a:r>
-              <a:rPr lang="en-GB" dirty="0">
-                <a:solidFill>
-                  <a:schemeClr val="bg1">
-                    <a:lumMod val="65000"/>
-                  </a:schemeClr>
-                </a:solidFill>
-              </a:rPr>
-              <a:t> </a:t>
-            </a:r>
-            <a:r>
-              <a:rPr lang="en-GB" b="1" dirty="0">
-                <a:solidFill>
-                  <a:schemeClr val="bg1">
-                    <a:lumMod val="65000"/>
-                  </a:schemeClr>
-                </a:solidFill>
-              </a:rPr>
-              <a:t>all</a:t>
-            </a:r>
-            <a:r>
-              <a:rPr lang="en-GB" dirty="0">
-                <a:solidFill>
-                  <a:schemeClr val="bg1">
-                    <a:lumMod val="65000"/>
-                  </a:schemeClr>
-                </a:solidFill>
-              </a:rPr>
-              <a:t> </a:t>
-            </a:r>
-            <a:r>
-              <a:rPr lang="en-GB" b="1" dirty="0">
-                <a:solidFill>
-                  <a:schemeClr val="bg1">
-                    <a:lumMod val="65000"/>
-                  </a:schemeClr>
-                </a:solidFill>
-              </a:rPr>
-              <a:t>derivatives</a:t>
-            </a:r>
-            <a:r>
-              <a:rPr lang="en-GB" dirty="0">
-                <a:solidFill>
-                  <a:schemeClr val="bg1">
-                    <a:lumMod val="65000"/>
-                  </a:schemeClr>
-                </a:solidFill>
-              </a:rPr>
-              <a:t>? </a:t>
-            </a:r>
-          </a:p>
-          <a:p>
-            <a:pPr marL="514350" indent="-514350">
-              <a:buFont typeface="+mj-lt"/>
-              <a:buAutoNum type="arabicPeriod" startAt="9"/>
-            </a:pPr>
-            <a:r>
-              <a:rPr lang="en-GB" dirty="0">
-                <a:solidFill>
-                  <a:schemeClr val="bg1">
-                    <a:lumMod val="65000"/>
-                  </a:schemeClr>
-                </a:solidFill>
-              </a:rPr>
-              <a:t>How to use the </a:t>
-            </a:r>
-            <a:r>
-              <a:rPr lang="en-GB" b="1" dirty="0" err="1">
-                <a:solidFill>
-                  <a:schemeClr val="bg1">
-                    <a:lumMod val="65000"/>
-                  </a:schemeClr>
-                </a:solidFill>
-              </a:rPr>
-              <a:t>autograd</a:t>
-            </a:r>
-            <a:r>
-              <a:rPr lang="en-GB" dirty="0">
-                <a:solidFill>
-                  <a:schemeClr val="bg1">
-                    <a:lumMod val="65000"/>
-                  </a:schemeClr>
-                </a:solidFill>
-              </a:rPr>
-              <a:t> to implement </a:t>
-            </a:r>
-            <a:r>
-              <a:rPr lang="en-GB" b="1" dirty="0">
-                <a:solidFill>
-                  <a:schemeClr val="bg1">
-                    <a:lumMod val="65000"/>
-                  </a:schemeClr>
-                </a:solidFill>
-              </a:rPr>
-              <a:t>derivatives</a:t>
-            </a:r>
-            <a:r>
-              <a:rPr lang="en-GB" dirty="0">
-                <a:solidFill>
-                  <a:schemeClr val="bg1">
-                    <a:lumMod val="65000"/>
-                  </a:schemeClr>
-                </a:solidFill>
-              </a:rPr>
-              <a:t> and a </a:t>
-            </a:r>
-            <a:r>
-              <a:rPr lang="en-GB" b="1" dirty="0">
-                <a:solidFill>
-                  <a:schemeClr val="bg1">
-                    <a:lumMod val="65000"/>
-                  </a:schemeClr>
-                </a:solidFill>
-              </a:rPr>
-              <a:t>vanilla</a:t>
-            </a:r>
-            <a:r>
-              <a:rPr lang="en-GB" dirty="0">
-                <a:solidFill>
-                  <a:schemeClr val="bg1">
-                    <a:lumMod val="65000"/>
-                  </a:schemeClr>
-                </a:solidFill>
-              </a:rPr>
-              <a:t> </a:t>
-            </a:r>
-            <a:r>
-              <a:rPr lang="en-GB" b="1" dirty="0">
-                <a:solidFill>
-                  <a:schemeClr val="bg1">
-                    <a:lumMod val="65000"/>
-                  </a:schemeClr>
-                </a:solidFill>
-              </a:rPr>
-              <a:t>gradient</a:t>
-            </a:r>
-            <a:r>
-              <a:rPr lang="en-GB" dirty="0">
-                <a:solidFill>
-                  <a:schemeClr val="bg1">
-                    <a:lumMod val="65000"/>
-                  </a:schemeClr>
-                </a:solidFill>
-              </a:rPr>
-              <a:t> </a:t>
-            </a:r>
-            <a:r>
-              <a:rPr lang="en-GB" b="1" dirty="0">
-                <a:solidFill>
-                  <a:schemeClr val="bg1">
-                    <a:lumMod val="65000"/>
-                  </a:schemeClr>
-                </a:solidFill>
-              </a:rPr>
-              <a:t>descent</a:t>
-            </a:r>
-            <a:r>
-              <a:rPr lang="en-GB" dirty="0">
-                <a:solidFill>
-                  <a:schemeClr val="bg1">
-                    <a:lumMod val="65000"/>
-                  </a:schemeClr>
-                </a:solidFill>
-              </a:rPr>
-              <a:t>?</a:t>
-            </a:r>
-          </a:p>
-          <a:p>
-            <a:pPr marL="514350" indent="-514350">
-              <a:buFont typeface="+mj-lt"/>
-              <a:buAutoNum type="arabicPeriod" startAt="9"/>
-            </a:pPr>
-            <a:r>
-              <a:rPr lang="en-GB" dirty="0">
-                <a:solidFill>
-                  <a:schemeClr val="bg1">
-                    <a:lumMod val="65000"/>
-                  </a:schemeClr>
-                </a:solidFill>
-              </a:rPr>
-              <a:t>How to implement </a:t>
-            </a:r>
-            <a:r>
-              <a:rPr lang="en-GB" b="1" dirty="0">
-                <a:solidFill>
-                  <a:schemeClr val="bg1">
-                    <a:lumMod val="65000"/>
-                  </a:schemeClr>
-                </a:solidFill>
-              </a:rPr>
-              <a:t>backprop</a:t>
-            </a:r>
-            <a:r>
-              <a:rPr lang="en-GB" dirty="0">
-                <a:solidFill>
-                  <a:schemeClr val="bg1">
-                    <a:lumMod val="65000"/>
-                  </a:schemeClr>
-                </a:solidFill>
-              </a:rPr>
-              <a:t> in </a:t>
-            </a:r>
-            <a:r>
-              <a:rPr lang="en-GB" dirty="0" err="1">
-                <a:solidFill>
-                  <a:schemeClr val="bg1">
-                    <a:lumMod val="65000"/>
-                  </a:schemeClr>
-                </a:solidFill>
-              </a:rPr>
-              <a:t>PyTorch</a:t>
-            </a:r>
-            <a:r>
-              <a:rPr lang="en-GB" dirty="0">
-                <a:solidFill>
-                  <a:schemeClr val="bg1">
-                    <a:lumMod val="65000"/>
-                  </a:schemeClr>
-                </a:solidFill>
-              </a:rPr>
-              <a:t> for our </a:t>
-            </a:r>
-            <a:r>
-              <a:rPr lang="en-GB" b="1" dirty="0">
-                <a:solidFill>
-                  <a:schemeClr val="bg1">
-                    <a:lumMod val="65000"/>
-                  </a:schemeClr>
-                </a:solidFill>
-              </a:rPr>
-              <a:t>shallow</a:t>
-            </a:r>
-            <a:r>
-              <a:rPr lang="en-GB" dirty="0">
-                <a:solidFill>
-                  <a:schemeClr val="bg1">
-                    <a:lumMod val="65000"/>
-                  </a:schemeClr>
-                </a:solidFill>
-              </a:rPr>
-              <a:t> </a:t>
-            </a:r>
-            <a:r>
-              <a:rPr lang="en-GB" b="1" dirty="0">
-                <a:solidFill>
-                  <a:schemeClr val="bg1">
-                    <a:lumMod val="65000"/>
-                  </a:schemeClr>
-                </a:solidFill>
-              </a:rPr>
-              <a:t>Neural</a:t>
-            </a:r>
-            <a:r>
-              <a:rPr lang="en-GB" dirty="0">
-                <a:solidFill>
-                  <a:schemeClr val="bg1">
-                    <a:lumMod val="65000"/>
-                  </a:schemeClr>
-                </a:solidFill>
-              </a:rPr>
-              <a:t> </a:t>
-            </a:r>
-            <a:r>
-              <a:rPr lang="en-GB" b="1" dirty="0">
-                <a:solidFill>
-                  <a:schemeClr val="bg1">
-                    <a:lumMod val="65000"/>
-                  </a:schemeClr>
-                </a:solidFill>
-              </a:rPr>
-              <a:t>Network</a:t>
-            </a:r>
-            <a:r>
-              <a:rPr lang="en-GB" dirty="0">
-                <a:solidFill>
-                  <a:schemeClr val="bg1">
-                    <a:lumMod val="65000"/>
-                  </a:schemeClr>
-                </a:solidFill>
-              </a:rPr>
-              <a:t> class?</a:t>
-            </a:r>
-          </a:p>
-          <a:p>
-            <a:pPr marL="514350" indent="-514350">
-              <a:buFont typeface="+mj-lt"/>
-              <a:buAutoNum type="arabicPeriod" startAt="9"/>
-            </a:pPr>
-            <a:r>
-              <a:rPr lang="en-GB" dirty="0">
-                <a:solidFill>
-                  <a:schemeClr val="bg1">
-                    <a:lumMod val="65000"/>
-                  </a:schemeClr>
-                </a:solidFill>
-              </a:rPr>
-              <a:t>How to use </a:t>
-            </a:r>
-            <a:r>
-              <a:rPr lang="en-GB" b="1" dirty="0" err="1">
-                <a:solidFill>
-                  <a:schemeClr val="bg1">
-                    <a:lumMod val="65000"/>
-                  </a:schemeClr>
-                </a:solidFill>
-              </a:rPr>
-              <a:t>PyTorch</a:t>
-            </a:r>
-            <a:r>
-              <a:rPr lang="en-GB" dirty="0">
-                <a:solidFill>
-                  <a:schemeClr val="bg1">
-                    <a:lumMod val="65000"/>
-                  </a:schemeClr>
-                </a:solidFill>
-              </a:rPr>
-              <a:t> to implement </a:t>
-            </a:r>
-            <a:r>
-              <a:rPr lang="en-GB" b="1" dirty="0">
-                <a:solidFill>
-                  <a:schemeClr val="bg1">
-                    <a:lumMod val="65000"/>
-                  </a:schemeClr>
-                </a:solidFill>
-              </a:rPr>
-              <a:t>advanced</a:t>
-            </a:r>
-            <a:r>
-              <a:rPr lang="en-GB" dirty="0">
-                <a:solidFill>
-                  <a:schemeClr val="bg1">
-                    <a:lumMod val="65000"/>
-                  </a:schemeClr>
-                </a:solidFill>
-              </a:rPr>
-              <a:t> </a:t>
-            </a:r>
-            <a:r>
-              <a:rPr lang="en-GB" b="1" dirty="0">
-                <a:solidFill>
-                  <a:schemeClr val="bg1">
-                    <a:lumMod val="65000"/>
-                  </a:schemeClr>
-                </a:solidFill>
-              </a:rPr>
-              <a:t>optimizers</a:t>
-            </a:r>
-            <a:r>
-              <a:rPr lang="en-GB" dirty="0">
-                <a:solidFill>
-                  <a:schemeClr val="bg1">
-                    <a:lumMod val="65000"/>
-                  </a:schemeClr>
-                </a:solidFill>
-              </a:rPr>
-              <a:t>?</a:t>
-            </a:r>
-          </a:p>
-          <a:p>
-            <a:pPr marL="514350" indent="-514350">
-              <a:buFont typeface="+mj-lt"/>
-              <a:buAutoNum type="arabicPeriod" startAt="9"/>
-            </a:pPr>
-            <a:r>
-              <a:rPr lang="en-GB" dirty="0">
-                <a:solidFill>
-                  <a:schemeClr val="bg1">
-                    <a:lumMod val="65000"/>
-                  </a:schemeClr>
-                </a:solidFill>
-              </a:rPr>
-              <a:t>How to use </a:t>
-            </a:r>
-            <a:r>
-              <a:rPr lang="en-GB" b="1" dirty="0" err="1">
-                <a:solidFill>
-                  <a:schemeClr val="bg1">
-                    <a:lumMod val="65000"/>
-                  </a:schemeClr>
-                </a:solidFill>
-              </a:rPr>
-              <a:t>PyTorch</a:t>
-            </a:r>
-            <a:r>
-              <a:rPr lang="en-GB" dirty="0">
-                <a:solidFill>
-                  <a:schemeClr val="bg1">
-                    <a:lumMod val="65000"/>
-                  </a:schemeClr>
-                </a:solidFill>
-              </a:rPr>
-              <a:t> to implement </a:t>
-            </a:r>
-            <a:r>
-              <a:rPr lang="en-GB" b="1" dirty="0">
-                <a:solidFill>
-                  <a:schemeClr val="bg1">
-                    <a:lumMod val="65000"/>
-                  </a:schemeClr>
-                </a:solidFill>
-              </a:rPr>
-              <a:t>advanced</a:t>
-            </a:r>
-            <a:r>
-              <a:rPr lang="en-GB" dirty="0">
-                <a:solidFill>
-                  <a:schemeClr val="bg1">
-                    <a:lumMod val="65000"/>
-                  </a:schemeClr>
-                </a:solidFill>
-              </a:rPr>
-              <a:t> </a:t>
-            </a:r>
-            <a:r>
-              <a:rPr lang="en-GB" b="1" dirty="0">
-                <a:solidFill>
-                  <a:schemeClr val="bg1">
-                    <a:lumMod val="65000"/>
-                  </a:schemeClr>
-                </a:solidFill>
-              </a:rPr>
-              <a:t>initializers</a:t>
-            </a:r>
-            <a:r>
-              <a:rPr lang="en-GB" dirty="0">
-                <a:solidFill>
-                  <a:schemeClr val="bg1">
-                    <a:lumMod val="65000"/>
-                  </a:schemeClr>
-                </a:solidFill>
-              </a:rPr>
-              <a:t>?</a:t>
-            </a:r>
-          </a:p>
-          <a:p>
-            <a:pPr marL="514350" indent="-514350">
-              <a:buFont typeface="+mj-lt"/>
-              <a:buAutoNum type="arabicPeriod" startAt="9"/>
-            </a:pPr>
-            <a:r>
-              <a:rPr lang="en-GB" dirty="0">
-                <a:solidFill>
-                  <a:schemeClr val="bg1">
-                    <a:lumMod val="65000"/>
-                  </a:schemeClr>
-                </a:solidFill>
-              </a:rPr>
-              <a:t>How to use </a:t>
-            </a:r>
-            <a:r>
-              <a:rPr lang="en-GB" b="1" dirty="0" err="1">
-                <a:solidFill>
-                  <a:schemeClr val="bg1">
-                    <a:lumMod val="65000"/>
-                  </a:schemeClr>
-                </a:solidFill>
-              </a:rPr>
-              <a:t>PyTorch</a:t>
-            </a:r>
-            <a:r>
-              <a:rPr lang="en-GB" dirty="0">
-                <a:solidFill>
-                  <a:schemeClr val="bg1">
-                    <a:lumMod val="65000"/>
-                  </a:schemeClr>
-                </a:solidFill>
-              </a:rPr>
-              <a:t> to implement </a:t>
-            </a:r>
-            <a:r>
-              <a:rPr lang="en-GB" b="1" dirty="0">
-                <a:solidFill>
-                  <a:schemeClr val="bg1">
-                    <a:lumMod val="65000"/>
-                  </a:schemeClr>
-                </a:solidFill>
-              </a:rPr>
-              <a:t>regularization</a:t>
-            </a:r>
-            <a:r>
-              <a:rPr lang="en-GB" dirty="0">
-                <a:solidFill>
-                  <a:schemeClr val="bg1">
-                    <a:lumMod val="65000"/>
-                  </a:schemeClr>
-                </a:solidFill>
-              </a:rPr>
-              <a:t>?</a:t>
-            </a:r>
-          </a:p>
-          <a:p>
-            <a:pPr marL="514350" indent="-514350">
-              <a:buFont typeface="+mj-lt"/>
-              <a:buAutoNum type="arabicPeriod" startAt="9"/>
-            </a:pPr>
-            <a:r>
-              <a:rPr lang="en-GB" dirty="0">
-                <a:solidFill>
-                  <a:schemeClr val="bg1">
-                    <a:lumMod val="65000"/>
-                  </a:schemeClr>
-                </a:solidFill>
-              </a:rPr>
-              <a:t>How to finally revise our </a:t>
-            </a:r>
-            <a:r>
-              <a:rPr lang="en-GB" b="1" dirty="0">
-                <a:solidFill>
-                  <a:schemeClr val="bg1">
-                    <a:lumMod val="65000"/>
-                  </a:schemeClr>
-                </a:solidFill>
-              </a:rPr>
-              <a:t>trainer</a:t>
-            </a:r>
-            <a:r>
-              <a:rPr lang="en-GB" dirty="0">
-                <a:solidFill>
-                  <a:schemeClr val="bg1">
-                    <a:lumMod val="65000"/>
-                  </a:schemeClr>
-                </a:solidFill>
-              </a:rPr>
-              <a:t> function to obtain a minimal, yet complete Neural Network in </a:t>
-            </a:r>
-            <a:r>
-              <a:rPr lang="en-GB" dirty="0" err="1">
-                <a:solidFill>
-                  <a:schemeClr val="bg1">
-                    <a:lumMod val="65000"/>
-                  </a:schemeClr>
-                </a:solidFill>
-              </a:rPr>
-              <a:t>PyTorch</a:t>
-            </a:r>
-            <a:r>
-              <a:rPr lang="en-GB" dirty="0">
-                <a:solidFill>
-                  <a:schemeClr val="bg1">
-                    <a:lumMod val="65000"/>
-                  </a:schemeClr>
-                </a:solidFill>
-              </a:rPr>
-              <a:t>?</a:t>
-            </a:r>
-          </a:p>
-          <a:p>
-            <a:pPr marL="514350" indent="-514350">
-              <a:buFont typeface="+mj-lt"/>
-              <a:buAutoNum type="arabicPeriod" startAt="9"/>
-            </a:pPr>
-            <a:endParaRPr lang="en-SG" dirty="0"/>
-          </a:p>
-        </p:txBody>
-      </p:sp>
-    </p:spTree>
-    <p:extLst>
-      <p:ext uri="{BB962C8B-B14F-4D97-AF65-F5344CB8AC3E}">
-        <p14:creationId xmlns:p14="http://schemas.microsoft.com/office/powerpoint/2010/main" val="2670805330"/>
-      </p:ext>
-    </p:extLst>
-  </p:cSld>
-  <p:clrMapOvr>
-    <a:masterClrMapping/>
-  </p:clrMapOvr>
-</p:sld>
-</file>
-
-<file path=ppt/slides/slide30.xml><?xml version="1.0" encoding="utf-8"?>
+<file path=ppt/slides/slide31.xml><?xml version="1.0" encoding="utf-8"?>
 <p:sld xmlns:a="http://schemas.openxmlformats.org/drawingml/2006/main" xmlns:r="http://schemas.openxmlformats.org/officeDocument/2006/relationships" xmlns:p="http://schemas.openxmlformats.org/presentationml/2006/main">
   <p:cSld>
     <p:spTree>
@@ -17772,8 +18583,8 @@
           </a:p>
         </p:txBody>
       </p:sp>
-      <mc:AlternateContent xmlns:mc="http://schemas.openxmlformats.org/markup-compatibility/2006" xmlns:a14="http://schemas.microsoft.com/office/drawing/2010/main">
-        <mc:Choice Requires="a14">
+      <mc:AlternateContent xmlns:mc="http://schemas.openxmlformats.org/markup-compatibility/2006">
+        <mc:Choice xmlns:a14="http://schemas.microsoft.com/office/drawing/2010/main" Requires="a14">
           <p:sp>
             <p:nvSpPr>
               <p:cNvPr id="3" name="Content Placeholder 2">
@@ -17790,12 +18601,38 @@
                 <p:ph idx="1"/>
               </p:nvPr>
             </p:nvSpPr>
-            <p:spPr/>
+            <p:spPr>
+              <a:xfrm>
+                <a:off x="838200" y="1825624"/>
+                <a:ext cx="10515600" cy="5032375"/>
+              </a:xfrm>
+            </p:spPr>
             <p:txBody>
               <a:bodyPr>
                 <a:normAutofit/>
               </a:bodyPr>
               <a:lstStyle/>
+              <a:p>
+                <a:pPr marL="0" indent="0">
+                  <a:buNone/>
+                </a:pPr>
+                <a:r>
+                  <a:rPr lang="en-GB" b="1" dirty="0"/>
+                  <a:t>Definition (the </a:t>
+                </a:r>
+                <a:r>
+                  <a:rPr lang="en-GB" b="1" dirty="0" err="1">
+                    <a:solidFill>
+                      <a:srgbClr val="00B050"/>
+                    </a:solidFill>
+                  </a:rPr>
+                  <a:t>softmax</a:t>
+                </a:r>
+                <a:r>
+                  <a:rPr lang="en-GB" b="1" dirty="0"/>
+                  <a:t> function):</a:t>
+                </a:r>
+              </a:p>
               <a:p>
                 <a:pPr marL="0" indent="0">
                   <a:buNone/>
@@ -18568,7 +19405,7 @@
             </p:txBody>
           </p:sp>
         </mc:Choice>
-        <mc:Fallback xmlns="">
+        <mc:Fallback>
           <p:sp>
             <p:nvSpPr>
               <p:cNvPr id="3" name="Content Placeholder 2">
@@ -18586,10 +19423,14 @@
               </p:nvPr>
             </p:nvSpPr>
             <p:spPr>
+              <a:xfrm>
+                <a:off x="838200" y="1825624"/>
+                <a:ext cx="10515600" cy="5032375"/>
+              </a:xfrm>
               <a:blipFill>
                 <a:blip r:embed="rId2"/>
                 <a:stretch>
-                  <a:fillRect l="-1217" t="-2241"/>
+                  <a:fillRect l="-1217" t="-1937"/>
                 </a:stretch>
               </a:blipFill>
             </p:spPr>
@@ -18621,7 +19462,7 @@
 </p:sld>
 </file>
 
-<file path=ppt/slides/slide31.xml><?xml version="1.0" encoding="utf-8"?>
+<file path=ppt/slides/slide32.xml><?xml version="1.0" encoding="utf-8"?>
 <p:sld xmlns:a="http://schemas.openxmlformats.org/drawingml/2006/main" xmlns:r="http://schemas.openxmlformats.org/officeDocument/2006/relationships" xmlns:p="http://schemas.openxmlformats.org/presentationml/2006/main">
   <p:cSld>
     <p:spTree>
@@ -19259,7 +20100,7 @@
 </p:sld>
 </file>
 
-<file path=ppt/slides/slide32.xml><?xml version="1.0" encoding="utf-8"?>
+<file path=ppt/slides/slide33.xml><?xml version="1.0" encoding="utf-8"?>
 <p:sld xmlns:a="http://schemas.openxmlformats.org/drawingml/2006/main" xmlns:r="http://schemas.openxmlformats.org/officeDocument/2006/relationships" xmlns:p="http://schemas.openxmlformats.org/presentationml/2006/main">
   <p:cSld>
     <p:spTree>
@@ -19467,7 +20308,7 @@
 </p:sld>
 </file>
 
-<file path=ppt/slides/slide33.xml><?xml version="1.0" encoding="utf-8"?>
+<file path=ppt/slides/slide34.xml><?xml version="1.0" encoding="utf-8"?>
 <p:sld xmlns:a="http://schemas.openxmlformats.org/drawingml/2006/main" xmlns:r="http://schemas.openxmlformats.org/officeDocument/2006/relationships" xmlns:p="http://schemas.openxmlformats.org/presentationml/2006/main">
   <p:cSld>
     <p:spTree>
@@ -20036,7 +20877,7 @@
 </p:sld>
 </file>
 
-<file path=ppt/slides/slide34.xml><?xml version="1.0" encoding="utf-8"?>
+<file path=ppt/slides/slide35.xml><?xml version="1.0" encoding="utf-8"?>
 <p:sld xmlns:a="http://schemas.openxmlformats.org/drawingml/2006/main" xmlns:r="http://schemas.openxmlformats.org/officeDocument/2006/relationships" xmlns:p="http://schemas.openxmlformats.org/presentationml/2006/main">
   <p:cSld>
     <p:spTree>
@@ -20302,7 +21143,7 @@
 </p:sld>
 </file>
 
-<file path=ppt/slides/slide35.xml><?xml version="1.0" encoding="utf-8"?>
+<file path=ppt/slides/slide36.xml><?xml version="1.0" encoding="utf-8"?>
 <p:sld xmlns:a="http://schemas.openxmlformats.org/drawingml/2006/main" xmlns:r="http://schemas.openxmlformats.org/officeDocument/2006/relationships" xmlns:p="http://schemas.openxmlformats.org/presentationml/2006/main">
   <p:cSld>
     <p:spTree>
@@ -20366,8 +21207,8 @@
         </p:nvSpPr>
         <p:spPr>
           <a:xfrm>
-            <a:off x="838200" y="1825624"/>
-            <a:ext cx="5181600" cy="5032375"/>
+            <a:off x="550606" y="1825624"/>
+            <a:ext cx="5469194" cy="5032375"/>
           </a:xfrm>
         </p:spPr>
         <p:txBody>
@@ -20405,7 +21246,7 @@
             </a:r>
             <a:r>
               <a:rPr lang="en-GB" dirty="0"/>
-              <a:t>, eventually transferring the model to a device (CPU/CUDA).</a:t>
+              <a:t>, and transferring all the model parameters to a device (e.g. CUDA).</a:t>
             </a:r>
           </a:p>
           <a:p>
@@ -20497,7 +21338,7 @@
 </p:sld>
 </file>
 
-<file path=ppt/slides/slide36.xml><?xml version="1.0" encoding="utf-8"?>
+<file path=ppt/slides/slide37.xml><?xml version="1.0" encoding="utf-8"?>
 <p:sld xmlns:a="http://schemas.openxmlformats.org/drawingml/2006/main" xmlns:r="http://schemas.openxmlformats.org/officeDocument/2006/relationships" xmlns:p="http://schemas.openxmlformats.org/presentationml/2006/main">
   <p:cSld>
     <p:spTree>
@@ -20706,221 +21547,6 @@
     <p:extLst>
       <p:ext uri="{BB962C8B-B14F-4D97-AF65-F5344CB8AC3E}">
         <p14:creationId xmlns:p14="http://schemas.microsoft.com/office/powerpoint/2010/main" val="3415879044"/>
-      </p:ext>
-    </p:extLst>
-  </p:cSld>
-  <p:clrMapOvr>
-    <a:masterClrMapping/>
-  </p:clrMapOvr>
-</p:sld>
-</file>
-
-<file path=ppt/slides/slide37.xml><?xml version="1.0" encoding="utf-8"?>
-<p:sld xmlns:a="http://schemas.openxmlformats.org/drawingml/2006/main" xmlns:r="http://schemas.openxmlformats.org/officeDocument/2006/relationships" xmlns:p="http://schemas.openxmlformats.org/presentationml/2006/main">
-  <p:cSld>
-    <p:spTree>
-      <p:nvGrpSpPr>
-        <p:cNvPr id="1" name=""/>
-        <p:cNvGrpSpPr/>
-        <p:nvPr/>
-      </p:nvGrpSpPr>
-      <p:grpSpPr>
-        <a:xfrm>
-          <a:off x="0" y="0"/>
-          <a:ext cx="0" cy="0"/>
-          <a:chOff x="0" y="0"/>
-          <a:chExt cx="0" cy="0"/>
-        </a:xfrm>
-      </p:grpSpPr>
-      <p:sp>
-        <p:nvSpPr>
-          <p:cNvPr id="4" name="Title 3">
-            <a:extLst>
-              <a:ext uri="{FF2B5EF4-FFF2-40B4-BE49-F238E27FC236}">
-                <a16:creationId xmlns:a16="http://schemas.microsoft.com/office/drawing/2014/main" id="{84852659-0D91-C13B-6A9F-B688CF7A081D}"/>
-              </a:ext>
-            </a:extLst>
-          </p:cNvPr>
-          <p:cNvSpPr>
-            <a:spLocks noGrp="1"/>
-          </p:cNvSpPr>
-          <p:nvPr>
-            <p:ph type="title"/>
-          </p:nvPr>
-        </p:nvSpPr>
-        <p:spPr/>
-        <p:txBody>
-          <a:bodyPr/>
-          <a:lstStyle/>
-          <a:p>
-            <a:r>
-              <a:rPr lang="en-GB" dirty="0"/>
-              <a:t>Forward Implementation</a:t>
-            </a:r>
-            <a:endParaRPr lang="en-SG" dirty="0"/>
-          </a:p>
-        </p:txBody>
-      </p:sp>
-      <p:sp>
-        <p:nvSpPr>
-          <p:cNvPr id="5" name="Content Placeholder 4">
-            <a:extLst>
-              <a:ext uri="{FF2B5EF4-FFF2-40B4-BE49-F238E27FC236}">
-                <a16:creationId xmlns:a16="http://schemas.microsoft.com/office/drawing/2014/main" id="{0ABFA246-AA73-67B0-2D31-98CDFA32F1EB}"/>
-              </a:ext>
-            </a:extLst>
-          </p:cNvPr>
-          <p:cNvSpPr>
-            <a:spLocks noGrp="1"/>
-          </p:cNvSpPr>
-          <p:nvPr>
-            <p:ph sz="half" idx="1"/>
-          </p:nvPr>
-        </p:nvSpPr>
-        <p:spPr>
-          <a:xfrm>
-            <a:off x="838200" y="1825624"/>
-            <a:ext cx="5181600" cy="5032375"/>
-          </a:xfrm>
-        </p:spPr>
-        <p:txBody>
-          <a:bodyPr>
-            <a:normAutofit fontScale="92500"/>
-          </a:bodyPr>
-          <a:lstStyle/>
-          <a:p>
-            <a:pPr marL="0" indent="0">
-              <a:buNone/>
-            </a:pPr>
-            <a:r>
-              <a:rPr lang="en-GB" dirty="0"/>
-              <a:t>Our model is however implementing the same forward method as before.</a:t>
-            </a:r>
-          </a:p>
-          <a:p>
-            <a:endParaRPr lang="en-GB" dirty="0"/>
-          </a:p>
-          <a:p>
-            <a:pPr marL="0" indent="0" algn="ctr">
-              <a:buNone/>
-            </a:pPr>
-            <a:r>
-              <a:rPr lang="en-GB" b="1" u="sng" dirty="0">
-                <a:solidFill>
-                  <a:srgbClr val="7030A0"/>
-                </a:solidFill>
-              </a:rPr>
-              <a:t>In fact, we will not use the </a:t>
-            </a:r>
-            <a:r>
-              <a:rPr lang="en-GB" b="1" u="sng" dirty="0" err="1">
-                <a:solidFill>
-                  <a:srgbClr val="7030A0"/>
-                </a:solidFill>
-              </a:rPr>
-              <a:t>softmax</a:t>
-            </a:r>
-            <a:r>
-              <a:rPr lang="en-GB" b="1" u="sng" dirty="0">
-                <a:solidFill>
-                  <a:srgbClr val="7030A0"/>
-                </a:solidFill>
-              </a:rPr>
-              <a:t> operation as the final activation function in the forward method.</a:t>
-            </a:r>
-          </a:p>
-          <a:p>
-            <a:endParaRPr lang="en-GB" dirty="0"/>
-          </a:p>
-          <a:p>
-            <a:pPr marL="0" indent="0">
-              <a:buNone/>
-            </a:pPr>
-            <a:r>
-              <a:rPr lang="en-GB" dirty="0"/>
-              <a:t>This is normal as </a:t>
-            </a:r>
-            <a:r>
-              <a:rPr lang="en-GB" b="1" dirty="0"/>
-              <a:t>the </a:t>
-            </a:r>
-            <a:r>
-              <a:rPr lang="en-GB" b="1" dirty="0" err="1"/>
-              <a:t>softmax</a:t>
-            </a:r>
-            <a:r>
-              <a:rPr lang="en-GB" b="1" dirty="0"/>
-              <a:t> operation </a:t>
-            </a:r>
-            <a:r>
-              <a:rPr lang="en-GB" dirty="0"/>
-              <a:t>will be applied </a:t>
-            </a:r>
-            <a:r>
-              <a:rPr lang="en-GB" b="1" u="sng" dirty="0"/>
-              <a:t>in the loss function instead</a:t>
-            </a:r>
-            <a:r>
-              <a:rPr lang="en-GB" dirty="0"/>
-              <a:t>, that is the </a:t>
-            </a:r>
-            <a:r>
-              <a:rPr lang="en-GB" b="1" dirty="0" err="1"/>
-              <a:t>cross_entropy</a:t>
-            </a:r>
-            <a:r>
-              <a:rPr lang="en-GB" b="1" dirty="0"/>
-              <a:t>() function</a:t>
-            </a:r>
-            <a:r>
-              <a:rPr lang="en-GB" dirty="0"/>
-              <a:t>, which will be summoned in the </a:t>
-            </a:r>
-            <a:r>
-              <a:rPr lang="en-GB" b="1" dirty="0"/>
-              <a:t>trainer</a:t>
-            </a:r>
-            <a:r>
-              <a:rPr lang="en-GB" dirty="0"/>
-              <a:t>() later.</a:t>
-            </a:r>
-          </a:p>
-        </p:txBody>
-      </p:sp>
-      <p:pic>
-        <p:nvPicPr>
-          <p:cNvPr id="7" name="Picture 6">
-            <a:extLst>
-              <a:ext uri="{FF2B5EF4-FFF2-40B4-BE49-F238E27FC236}">
-                <a16:creationId xmlns:a16="http://schemas.microsoft.com/office/drawing/2014/main" id="{C455250B-5390-28A6-504E-461FA80121B1}"/>
-              </a:ext>
-            </a:extLst>
-          </p:cNvPr>
-          <p:cNvPicPr>
-            <a:picLocks noChangeAspect="1"/>
-          </p:cNvPicPr>
-          <p:nvPr/>
-        </p:nvPicPr>
-        <p:blipFill>
-          <a:blip r:embed="rId2"/>
-          <a:stretch>
-            <a:fillRect/>
-          </a:stretch>
-        </p:blipFill>
-        <p:spPr>
-          <a:xfrm>
-            <a:off x="6096000" y="2154467"/>
-            <a:ext cx="6030167" cy="3705742"/>
-          </a:xfrm>
-          <a:prstGeom prst="rect">
-            <a:avLst/>
-          </a:prstGeom>
-        </p:spPr>
-      </p:pic>
-    </p:spTree>
-    <p:extLst>
-      <p:ext uri="{BB962C8B-B14F-4D97-AF65-F5344CB8AC3E}">
-        <p14:creationId xmlns:p14="http://schemas.microsoft.com/office/powerpoint/2010/main" val="2804082923"/>
       </p:ext>
     </p:extLst>
   </p:cSld>
@@ -20970,14 +21596,229 @@
           <a:p>
             <a:r>
               <a:rPr lang="en-GB" dirty="0"/>
-              <a:t>From binary cross entropy…</a:t>
+              <a:t>Forward Implementation</a:t>
             </a:r>
             <a:endParaRPr lang="en-SG" dirty="0"/>
           </a:p>
         </p:txBody>
       </p:sp>
-      <mc:AlternateContent xmlns:mc="http://schemas.openxmlformats.org/markup-compatibility/2006" xmlns:a14="http://schemas.microsoft.com/office/drawing/2010/main">
-        <mc:Choice Requires="a14">
+      <p:sp>
+        <p:nvSpPr>
+          <p:cNvPr id="5" name="Content Placeholder 4">
+            <a:extLst>
+              <a:ext uri="{FF2B5EF4-FFF2-40B4-BE49-F238E27FC236}">
+                <a16:creationId xmlns:a16="http://schemas.microsoft.com/office/drawing/2014/main" id="{0ABFA246-AA73-67B0-2D31-98CDFA32F1EB}"/>
+              </a:ext>
+            </a:extLst>
+          </p:cNvPr>
+          <p:cNvSpPr>
+            <a:spLocks noGrp="1"/>
+          </p:cNvSpPr>
+          <p:nvPr>
+            <p:ph sz="half" idx="1"/>
+          </p:nvPr>
+        </p:nvSpPr>
+        <p:spPr>
+          <a:xfrm>
+            <a:off x="838200" y="1825624"/>
+            <a:ext cx="5181600" cy="5032375"/>
+          </a:xfrm>
+        </p:spPr>
+        <p:txBody>
+          <a:bodyPr>
+            <a:normAutofit fontScale="92500"/>
+          </a:bodyPr>
+          <a:lstStyle/>
+          <a:p>
+            <a:pPr marL="0" indent="0">
+              <a:buNone/>
+            </a:pPr>
+            <a:r>
+              <a:rPr lang="en-GB" dirty="0"/>
+              <a:t>Our model is however implementing the same forward method as before.</a:t>
+            </a:r>
+          </a:p>
+          <a:p>
+            <a:endParaRPr lang="en-GB" dirty="0"/>
+          </a:p>
+          <a:p>
+            <a:pPr marL="0" indent="0" algn="ctr">
+              <a:buNone/>
+            </a:pPr>
+            <a:r>
+              <a:rPr lang="en-GB" b="1" u="sng" dirty="0">
+                <a:solidFill>
+                  <a:srgbClr val="7030A0"/>
+                </a:solidFill>
+              </a:rPr>
+              <a:t>In fact, we will not use the </a:t>
+            </a:r>
+            <a:r>
+              <a:rPr lang="en-GB" b="1" u="sng" dirty="0" err="1">
+                <a:solidFill>
+                  <a:srgbClr val="7030A0"/>
+                </a:solidFill>
+              </a:rPr>
+              <a:t>softmax</a:t>
+            </a:r>
+            <a:r>
+              <a:rPr lang="en-GB" b="1" u="sng" dirty="0">
+                <a:solidFill>
+                  <a:srgbClr val="7030A0"/>
+                </a:solidFill>
+              </a:rPr>
+              <a:t> operation as the final activation function in the forward method.</a:t>
+            </a:r>
+          </a:p>
+          <a:p>
+            <a:endParaRPr lang="en-GB" dirty="0"/>
+          </a:p>
+          <a:p>
+            <a:pPr marL="0" indent="0">
+              <a:buNone/>
+            </a:pPr>
+            <a:r>
+              <a:rPr lang="en-GB" dirty="0"/>
+              <a:t>This is normal as </a:t>
+            </a:r>
+            <a:r>
+              <a:rPr lang="en-GB" b="1" dirty="0"/>
+              <a:t>the </a:t>
+            </a:r>
+            <a:r>
+              <a:rPr lang="en-GB" b="1" dirty="0" err="1"/>
+              <a:t>softmax</a:t>
+            </a:r>
+            <a:r>
+              <a:rPr lang="en-GB" b="1" dirty="0"/>
+              <a:t> operation </a:t>
+            </a:r>
+            <a:r>
+              <a:rPr lang="en-GB" dirty="0"/>
+              <a:t>will be applied </a:t>
+            </a:r>
+            <a:r>
+              <a:rPr lang="en-GB" b="1" u="sng" dirty="0"/>
+              <a:t>in the loss function instead</a:t>
+            </a:r>
+            <a:r>
+              <a:rPr lang="en-GB" dirty="0"/>
+              <a:t>, that is the </a:t>
+            </a:r>
+            <a:r>
+              <a:rPr lang="en-GB" b="1" dirty="0" err="1"/>
+              <a:t>cross_entropy</a:t>
+            </a:r>
+            <a:r>
+              <a:rPr lang="en-GB" b="1" dirty="0"/>
+              <a:t>() function</a:t>
+            </a:r>
+            <a:r>
+              <a:rPr lang="en-GB" dirty="0"/>
+              <a:t>, which will be summoned in the </a:t>
+            </a:r>
+            <a:r>
+              <a:rPr lang="en-GB" b="1" dirty="0"/>
+              <a:t>trainer</a:t>
+            </a:r>
+            <a:r>
+              <a:rPr lang="en-GB" dirty="0"/>
+              <a:t>() later.</a:t>
+            </a:r>
+          </a:p>
+        </p:txBody>
+      </p:sp>
+      <p:pic>
+        <p:nvPicPr>
+          <p:cNvPr id="7" name="Picture 6">
+            <a:extLst>
+              <a:ext uri="{FF2B5EF4-FFF2-40B4-BE49-F238E27FC236}">
+                <a16:creationId xmlns:a16="http://schemas.microsoft.com/office/drawing/2014/main" id="{C455250B-5390-28A6-504E-461FA80121B1}"/>
+              </a:ext>
+            </a:extLst>
+          </p:cNvPr>
+          <p:cNvPicPr>
+            <a:picLocks noChangeAspect="1"/>
+          </p:cNvPicPr>
+          <p:nvPr/>
+        </p:nvPicPr>
+        <p:blipFill>
+          <a:blip r:embed="rId2"/>
+          <a:stretch>
+            <a:fillRect/>
+          </a:stretch>
+        </p:blipFill>
+        <p:spPr>
+          <a:xfrm>
+            <a:off x="6096000" y="2154467"/>
+            <a:ext cx="6030167" cy="3705742"/>
+          </a:xfrm>
+          <a:prstGeom prst="rect">
+            <a:avLst/>
+          </a:prstGeom>
+        </p:spPr>
+      </p:pic>
+    </p:spTree>
+    <p:extLst>
+      <p:ext uri="{BB962C8B-B14F-4D97-AF65-F5344CB8AC3E}">
+        <p14:creationId xmlns:p14="http://schemas.microsoft.com/office/powerpoint/2010/main" val="2804082923"/>
+      </p:ext>
+    </p:extLst>
+  </p:cSld>
+  <p:clrMapOvr>
+    <a:masterClrMapping/>
+  </p:clrMapOvr>
+</p:sld>
+</file>
+
+<file path=ppt/slides/slide39.xml><?xml version="1.0" encoding="utf-8"?>
+<p:sld xmlns:a="http://schemas.openxmlformats.org/drawingml/2006/main" xmlns:r="http://schemas.openxmlformats.org/officeDocument/2006/relationships" xmlns:p="http://schemas.openxmlformats.org/presentationml/2006/main">
+  <p:cSld>
+    <p:spTree>
+      <p:nvGrpSpPr>
+        <p:cNvPr id="1" name=""/>
+        <p:cNvGrpSpPr/>
+        <p:nvPr/>
+      </p:nvGrpSpPr>
+      <p:grpSpPr>
+        <a:xfrm>
+          <a:off x="0" y="0"/>
+          <a:ext cx="0" cy="0"/>
+          <a:chOff x="0" y="0"/>
+          <a:chExt cx="0" cy="0"/>
+        </a:xfrm>
+      </p:grpSpPr>
+      <p:sp>
+        <p:nvSpPr>
+          <p:cNvPr id="4" name="Title 3">
+            <a:extLst>
+              <a:ext uri="{FF2B5EF4-FFF2-40B4-BE49-F238E27FC236}">
+                <a16:creationId xmlns:a16="http://schemas.microsoft.com/office/drawing/2014/main" id="{84852659-0D91-C13B-6A9F-B688CF7A081D}"/>
+              </a:ext>
+            </a:extLst>
+          </p:cNvPr>
+          <p:cNvSpPr>
+            <a:spLocks noGrp="1"/>
+          </p:cNvSpPr>
+          <p:nvPr>
+            <p:ph type="title"/>
+          </p:nvPr>
+        </p:nvSpPr>
+        <p:spPr/>
+        <p:txBody>
+          <a:bodyPr/>
+          <a:lstStyle/>
+          <a:p>
+            <a:r>
+              <a:rPr lang="en-GB" dirty="0"/>
+              <a:t>From binary cross entropy…</a:t>
+            </a:r>
+            <a:endParaRPr lang="en-SG" dirty="0"/>
+          </a:p>
+        </p:txBody>
+      </p:sp>
+      <mc:AlternateContent xmlns:mc="http://schemas.openxmlformats.org/markup-compatibility/2006">
+        <mc:Choice xmlns:a14="http://schemas.microsoft.com/office/drawing/2010/main" Requires="a14">
           <p:sp>
             <p:nvSpPr>
               <p:cNvPr id="5" name="Content Placeholder 4">
@@ -21028,12 +21869,9 @@
                 </a:r>
                 <a:r>
                   <a:rPr lang="en-GB" b="1" dirty="0"/>
-                  <a:t>log-likelihood function</a:t>
+                  <a:t>log-likelihood binary cross entropy function.</a:t>
                 </a:r>
-                <a:r>
-                  <a:rPr lang="en-GB" dirty="0"/>
-                  <a:t>.</a:t>
-                </a:r>
+                <a:endParaRPr lang="en-GB" dirty="0"/>
               </a:p>
               <a:p>
                 <a:pPr marL="0" indent="0">
@@ -21443,7 +22281,7 @@
             </p:txBody>
           </p:sp>
         </mc:Choice>
-        <mc:Fallback xmlns="">
+        <mc:Fallback>
           <p:sp>
             <p:nvSpPr>
               <p:cNvPr id="5" name="Content Placeholder 4">
@@ -21477,7 +22315,7 @@
               <a:lstStyle/>
               <a:p>
                 <a:r>
-                  <a:rPr lang="en-SG">
+                  <a:rPr lang="en-GB">
                     <a:noFill/>
                   </a:rPr>
                   <a:t> </a:t>
@@ -21500,7 +22338,357 @@
 </p:sld>
 </file>
 
-<file path=ppt/slides/slide39.xml><?xml version="1.0" encoding="utf-8"?>
+<file path=ppt/slides/slide4.xml><?xml version="1.0" encoding="utf-8"?>
+<p:sld xmlns:a="http://schemas.openxmlformats.org/drawingml/2006/main" xmlns:r="http://schemas.openxmlformats.org/officeDocument/2006/relationships" xmlns:p="http://schemas.openxmlformats.org/presentationml/2006/main">
+  <p:cSld>
+    <p:spTree>
+      <p:nvGrpSpPr>
+        <p:cNvPr id="1" name=""/>
+        <p:cNvGrpSpPr/>
+        <p:nvPr/>
+      </p:nvGrpSpPr>
+      <p:grpSpPr>
+        <a:xfrm>
+          <a:off x="0" y="0"/>
+          <a:ext cx="0" cy="0"/>
+          <a:chOff x="0" y="0"/>
+          <a:chExt cx="0" cy="0"/>
+        </a:xfrm>
+      </p:grpSpPr>
+      <p:sp>
+        <p:nvSpPr>
+          <p:cNvPr id="2" name="Title 1">
+            <a:extLst>
+              <a:ext uri="{FF2B5EF4-FFF2-40B4-BE49-F238E27FC236}">
+                <a16:creationId xmlns:a16="http://schemas.microsoft.com/office/drawing/2014/main" id="{3F88AB3E-DF60-4411-7415-7A8708334829}"/>
+              </a:ext>
+            </a:extLst>
+          </p:cNvPr>
+          <p:cNvSpPr>
+            <a:spLocks noGrp="1"/>
+          </p:cNvSpPr>
+          <p:nvPr>
+            <p:ph type="title"/>
+          </p:nvPr>
+        </p:nvSpPr>
+        <p:spPr/>
+        <p:txBody>
+          <a:bodyPr/>
+          <a:lstStyle/>
+          <a:p>
+            <a:r>
+              <a:rPr lang="en-GB" dirty="0"/>
+              <a:t>Introduction (Week 3)</a:t>
+            </a:r>
+            <a:endParaRPr lang="en-SG" dirty="0"/>
+          </a:p>
+        </p:txBody>
+      </p:sp>
+      <p:sp>
+        <p:nvSpPr>
+          <p:cNvPr id="3" name="Content Placeholder 2">
+            <a:extLst>
+              <a:ext uri="{FF2B5EF4-FFF2-40B4-BE49-F238E27FC236}">
+                <a16:creationId xmlns:a16="http://schemas.microsoft.com/office/drawing/2014/main" id="{65B58308-C101-BC04-E972-00C74DE5080B}"/>
+              </a:ext>
+            </a:extLst>
+          </p:cNvPr>
+          <p:cNvSpPr>
+            <a:spLocks noGrp="1"/>
+          </p:cNvSpPr>
+          <p:nvPr>
+            <p:ph idx="1"/>
+          </p:nvPr>
+        </p:nvSpPr>
+        <p:spPr>
+          <a:xfrm>
+            <a:off x="838200" y="1825624"/>
+            <a:ext cx="10515600" cy="5032375"/>
+          </a:xfrm>
+        </p:spPr>
+        <p:txBody>
+          <a:bodyPr/>
+          <a:lstStyle/>
+          <a:p>
+            <a:pPr marL="514350" indent="-514350">
+              <a:buFont typeface="+mj-lt"/>
+              <a:buAutoNum type="arabicPeriod" startAt="16"/>
+            </a:pPr>
+            <a:r>
+              <a:rPr lang="en-GB" dirty="0"/>
+              <a:t>What are the </a:t>
+            </a:r>
+            <a:r>
+              <a:rPr lang="en-GB" b="1" dirty="0"/>
+              <a:t>Dataset</a:t>
+            </a:r>
+            <a:r>
+              <a:rPr lang="en-GB" dirty="0"/>
+              <a:t> and </a:t>
+            </a:r>
+            <a:r>
+              <a:rPr lang="en-GB" b="1" dirty="0" err="1"/>
+              <a:t>Dataloader</a:t>
+            </a:r>
+            <a:r>
+              <a:rPr lang="en-GB" dirty="0"/>
+              <a:t> objects in </a:t>
+            </a:r>
+            <a:r>
+              <a:rPr lang="en-GB" b="1" dirty="0" err="1"/>
+              <a:t>PyTorch</a:t>
+            </a:r>
+            <a:r>
+              <a:rPr lang="en-GB" dirty="0"/>
+              <a:t>?</a:t>
+            </a:r>
+          </a:p>
+          <a:p>
+            <a:pPr marL="514350" indent="-514350">
+              <a:buFont typeface="+mj-lt"/>
+              <a:buAutoNum type="arabicPeriod" startAt="16"/>
+            </a:pPr>
+            <a:r>
+              <a:rPr lang="en-GB" dirty="0"/>
+              <a:t>How to implement a custom </a:t>
+            </a:r>
+            <a:r>
+              <a:rPr lang="en-GB" b="1" dirty="0" err="1"/>
+              <a:t>Dataloader</a:t>
+            </a:r>
+            <a:r>
+              <a:rPr lang="en-GB" dirty="0"/>
+              <a:t> and </a:t>
+            </a:r>
+            <a:r>
+              <a:rPr lang="en-GB" b="1" dirty="0"/>
+              <a:t>Dataset</a:t>
+            </a:r>
+            <a:r>
+              <a:rPr lang="en-GB" dirty="0"/>
+              <a:t> object in </a:t>
+            </a:r>
+            <a:r>
+              <a:rPr lang="en-GB" dirty="0" err="1"/>
+              <a:t>PyTorch</a:t>
+            </a:r>
+            <a:r>
+              <a:rPr lang="en-GB" dirty="0"/>
+              <a:t>?</a:t>
+            </a:r>
+          </a:p>
+          <a:p>
+            <a:pPr marL="514350" indent="-514350">
+              <a:buFont typeface="+mj-lt"/>
+              <a:buAutoNum type="arabicPeriod" startAt="16"/>
+            </a:pPr>
+            <a:r>
+              <a:rPr lang="en-GB" dirty="0"/>
+              <a:t>How to move from binary classification to </a:t>
+            </a:r>
+            <a:r>
+              <a:rPr lang="en-GB" b="1" dirty="0"/>
+              <a:t>multi-class</a:t>
+            </a:r>
+            <a:r>
+              <a:rPr lang="en-GB" dirty="0"/>
+              <a:t> </a:t>
+            </a:r>
+            <a:r>
+              <a:rPr lang="en-GB" b="1" dirty="0"/>
+              <a:t>classification</a:t>
+            </a:r>
+            <a:r>
+              <a:rPr lang="en-GB" dirty="0"/>
+              <a:t>?</a:t>
+            </a:r>
+          </a:p>
+          <a:p>
+            <a:pPr marL="514350" indent="-514350">
+              <a:buFont typeface="+mj-lt"/>
+              <a:buAutoNum type="arabicPeriod" startAt="16"/>
+            </a:pPr>
+            <a:r>
+              <a:rPr lang="en-GB" dirty="0"/>
+              <a:t>How to adjust output probabilities using the </a:t>
+            </a:r>
+            <a:r>
+              <a:rPr lang="en-GB" b="1" dirty="0" err="1"/>
+              <a:t>softmax</a:t>
+            </a:r>
+            <a:r>
+              <a:rPr lang="en-GB" dirty="0"/>
+              <a:t> function?</a:t>
+            </a:r>
+          </a:p>
+          <a:p>
+            <a:pPr marL="514350" indent="-514350">
+              <a:buFont typeface="+mj-lt"/>
+              <a:buAutoNum type="arabicPeriod" startAt="16"/>
+            </a:pPr>
+            <a:r>
+              <a:rPr lang="en-SG" dirty="0"/>
+              <a:t>How to change the </a:t>
+            </a:r>
+            <a:r>
+              <a:rPr lang="en-SG" b="1" dirty="0"/>
+              <a:t>cross-entropy</a:t>
+            </a:r>
+            <a:r>
+              <a:rPr lang="en-SG" dirty="0"/>
+              <a:t> </a:t>
+            </a:r>
+            <a:r>
+              <a:rPr lang="en-SG" b="1" dirty="0"/>
+              <a:t>loss</a:t>
+            </a:r>
+            <a:r>
+              <a:rPr lang="en-SG" dirty="0"/>
+              <a:t> so it works in </a:t>
+            </a:r>
+            <a:r>
+              <a:rPr lang="en-SG" b="1" dirty="0"/>
+              <a:t>multi-class</a:t>
+            </a:r>
+            <a:r>
+              <a:rPr lang="en-SG" dirty="0"/>
+              <a:t> </a:t>
+            </a:r>
+            <a:r>
+              <a:rPr lang="en-SG" b="1" dirty="0"/>
+              <a:t>classification</a:t>
+            </a:r>
+            <a:r>
+              <a:rPr lang="en-SG" dirty="0"/>
+              <a:t>?</a:t>
+            </a:r>
+          </a:p>
+          <a:p>
+            <a:pPr marL="514350" indent="-514350">
+              <a:buFont typeface="+mj-lt"/>
+              <a:buAutoNum type="arabicPeriod" startAt="16"/>
+            </a:pPr>
+            <a:r>
+              <a:rPr lang="en-SG" dirty="0"/>
+              <a:t>How to implement </a:t>
+            </a:r>
+            <a:r>
+              <a:rPr lang="en-SG" b="1" dirty="0"/>
+              <a:t>building</a:t>
+            </a:r>
+            <a:r>
+              <a:rPr lang="en-SG" dirty="0"/>
+              <a:t> </a:t>
+            </a:r>
+            <a:r>
+              <a:rPr lang="en-SG" b="1" dirty="0"/>
+              <a:t>blocks</a:t>
+            </a:r>
+            <a:r>
+              <a:rPr lang="en-SG" dirty="0"/>
+              <a:t> in </a:t>
+            </a:r>
+            <a:r>
+              <a:rPr lang="en-SG" dirty="0" err="1"/>
+              <a:t>PyTorch</a:t>
+            </a:r>
+            <a:r>
+              <a:rPr lang="en-SG" dirty="0"/>
+              <a:t>?</a:t>
+            </a:r>
+          </a:p>
+          <a:p>
+            <a:pPr marL="514350" indent="-514350">
+              <a:buFont typeface="+mj-lt"/>
+              <a:buAutoNum type="arabicPeriod" startAt="16"/>
+            </a:pPr>
+            <a:r>
+              <a:rPr lang="en-SG" dirty="0"/>
+              <a:t>How to implement and train our first </a:t>
+            </a:r>
+            <a:r>
+              <a:rPr lang="en-SG" b="1" dirty="0"/>
+              <a:t>Deep</a:t>
+            </a:r>
+            <a:r>
+              <a:rPr lang="en-SG" dirty="0"/>
+              <a:t> </a:t>
+            </a:r>
+            <a:r>
+              <a:rPr lang="en-SG" b="1" dirty="0"/>
+              <a:t>Neural</a:t>
+            </a:r>
+            <a:r>
+              <a:rPr lang="en-SG" dirty="0"/>
+              <a:t> </a:t>
+            </a:r>
+            <a:r>
+              <a:rPr lang="en-SG" b="1" dirty="0"/>
+              <a:t>Network</a:t>
+            </a:r>
+            <a:r>
+              <a:rPr lang="en-SG" dirty="0"/>
+              <a:t>?</a:t>
+            </a:r>
+          </a:p>
+          <a:p>
+            <a:pPr marL="514350" indent="-514350">
+              <a:buFont typeface="+mj-lt"/>
+              <a:buAutoNum type="arabicPeriod" startAt="16"/>
+            </a:pPr>
+            <a:r>
+              <a:rPr lang="en-SG" dirty="0"/>
+              <a:t>What are </a:t>
+            </a:r>
+            <a:r>
+              <a:rPr lang="en-SG" b="1" dirty="0"/>
+              <a:t>additional</a:t>
+            </a:r>
+            <a:r>
+              <a:rPr lang="en-SG" dirty="0"/>
+              <a:t> </a:t>
+            </a:r>
+            <a:r>
+              <a:rPr lang="en-SG" b="1" dirty="0"/>
+              <a:t>good</a:t>
+            </a:r>
+            <a:r>
+              <a:rPr lang="en-SG" dirty="0"/>
+              <a:t> </a:t>
+            </a:r>
+            <a:r>
+              <a:rPr lang="en-SG" b="1" dirty="0"/>
+              <a:t>practices</a:t>
+            </a:r>
+            <a:r>
+              <a:rPr lang="en-SG" dirty="0"/>
+              <a:t> in </a:t>
+            </a:r>
+            <a:r>
+              <a:rPr lang="en-SG" dirty="0" err="1"/>
+              <a:t>PyTorch</a:t>
+            </a:r>
+            <a:r>
+              <a:rPr lang="en-SG" dirty="0"/>
+              <a:t>?</a:t>
+            </a:r>
+          </a:p>
+        </p:txBody>
+      </p:sp>
+    </p:spTree>
+    <p:extLst>
+      <p:ext uri="{BB962C8B-B14F-4D97-AF65-F5344CB8AC3E}">
+        <p14:creationId xmlns:p14="http://schemas.microsoft.com/office/powerpoint/2010/main" val="636279122"/>
+      </p:ext>
+    </p:extLst>
+  </p:cSld>
+  <p:clrMapOvr>
+    <a:masterClrMapping/>
+  </p:clrMapOvr>
+</p:sld>
+</file>
+
+<file path=ppt/slides/slide40.xml><?xml version="1.0" encoding="utf-8"?>
 <p:sld xmlns:a="http://schemas.openxmlformats.org/drawingml/2006/main" xmlns:r="http://schemas.openxmlformats.org/officeDocument/2006/relationships" xmlns:p="http://schemas.openxmlformats.org/presentationml/2006/main">
   <p:cSld>
     <p:spTree>
@@ -21546,8 +22734,8 @@
           </a:p>
         </p:txBody>
       </p:sp>
-      <mc:AlternateContent xmlns:mc="http://schemas.openxmlformats.org/markup-compatibility/2006" xmlns:a14="http://schemas.microsoft.com/office/drawing/2010/main">
-        <mc:Choice Requires="a14">
+      <mc:AlternateContent xmlns:mc="http://schemas.openxmlformats.org/markup-compatibility/2006">
+        <mc:Choice xmlns:a14="http://schemas.microsoft.com/office/drawing/2010/main" Requires="a14">
           <p:sp>
             <p:nvSpPr>
               <p:cNvPr id="3" name="Content Placeholder 2">
@@ -21585,12 +22773,24 @@
                 </a:r>
                 <a:r>
                   <a:rPr lang="en-GB" b="1" dirty="0"/>
+                  <a:t>log-likelihood</a:t>
+                </a:r>
+                <a:r>
+                  <a:rPr lang="en-GB" dirty="0"/>
+                  <a:t> </a:t>
+                </a:r>
+                <a:r>
+                  <a:rPr lang="en-GB" b="1" dirty="0"/>
                   <a:t>multi-class cross-entropy loss function </a:t>
                 </a:r>
                 <a:r>
                   <a:rPr lang="en-GB" dirty="0"/>
                   <a:t>simply rewrites as shown below:</a:t>
                 </a:r>
+                <a:br>
+                  <a:rPr lang="en-GB" dirty="0"/>
+                </a:br>
+                <a:endParaRPr lang="en-GB" dirty="0"/>
               </a:p>
               <a:p>
                 <a:pPr marL="0" indent="0">
@@ -21993,7 +23193,7 @@
                 </a14:m>
                 <a:r>
                   <a:rPr lang="en-GB" b="1" dirty="0"/>
-                  <a:t>of being of class </a:t>
+                  <a:t>of being of being predicted as class </a:t>
                 </a:r>
                 <a14:m>
                   <m:oMath xmlns:m="http://schemas.openxmlformats.org/officeDocument/2006/math">
@@ -22007,7 +23207,7 @@
                 </a14:m>
                 <a:r>
                   <a:rPr lang="en-GB" dirty="0"/>
-                  <a:t>.</a:t>
+                  <a:t>, according to our model.</a:t>
                 </a:r>
               </a:p>
               <a:p>
@@ -22129,7 +23329,7 @@
             </p:txBody>
           </p:sp>
         </mc:Choice>
-        <mc:Fallback xmlns="">
+        <mc:Fallback>
           <p:sp>
             <p:nvSpPr>
               <p:cNvPr id="3" name="Content Placeholder 2">
@@ -22154,7 +23354,7 @@
               <a:blipFill>
                 <a:blip r:embed="rId2"/>
                 <a:stretch>
-                  <a:fillRect l="-1217" t="-1937" r="-1391"/>
+                  <a:fillRect l="-1217" t="-1937" r="-1391" b="-2906"/>
                 </a:stretch>
               </a:blipFill>
             </p:spPr>
@@ -22163,7 +23363,7 @@
               <a:lstStyle/>
               <a:p>
                 <a:r>
-                  <a:rPr lang="en-SG">
+                  <a:rPr lang="en-GB">
                     <a:noFill/>
                   </a:rPr>
                   <a:t> </a:t>
@@ -22186,357 +23386,7 @@
 </p:sld>
 </file>
 
-<file path=ppt/slides/slide4.xml><?xml version="1.0" encoding="utf-8"?>
-<p:sld xmlns:a="http://schemas.openxmlformats.org/drawingml/2006/main" xmlns:r="http://schemas.openxmlformats.org/officeDocument/2006/relationships" xmlns:p="http://schemas.openxmlformats.org/presentationml/2006/main">
-  <p:cSld>
-    <p:spTree>
-      <p:nvGrpSpPr>
-        <p:cNvPr id="1" name=""/>
-        <p:cNvGrpSpPr/>
-        <p:nvPr/>
-      </p:nvGrpSpPr>
-      <p:grpSpPr>
-        <a:xfrm>
-          <a:off x="0" y="0"/>
-          <a:ext cx="0" cy="0"/>
-          <a:chOff x="0" y="0"/>
-          <a:chExt cx="0" cy="0"/>
-        </a:xfrm>
-      </p:grpSpPr>
-      <p:sp>
-        <p:nvSpPr>
-          <p:cNvPr id="2" name="Title 1">
-            <a:extLst>
-              <a:ext uri="{FF2B5EF4-FFF2-40B4-BE49-F238E27FC236}">
-                <a16:creationId xmlns:a16="http://schemas.microsoft.com/office/drawing/2014/main" id="{3F88AB3E-DF60-4411-7415-7A8708334829}"/>
-              </a:ext>
-            </a:extLst>
-          </p:cNvPr>
-          <p:cNvSpPr>
-            <a:spLocks noGrp="1"/>
-          </p:cNvSpPr>
-          <p:nvPr>
-            <p:ph type="title"/>
-          </p:nvPr>
-        </p:nvSpPr>
-        <p:spPr/>
-        <p:txBody>
-          <a:bodyPr/>
-          <a:lstStyle/>
-          <a:p>
-            <a:r>
-              <a:rPr lang="en-GB" dirty="0"/>
-              <a:t>Introduction (Week 3)</a:t>
-            </a:r>
-            <a:endParaRPr lang="en-SG" dirty="0"/>
-          </a:p>
-        </p:txBody>
-      </p:sp>
-      <p:sp>
-        <p:nvSpPr>
-          <p:cNvPr id="3" name="Content Placeholder 2">
-            <a:extLst>
-              <a:ext uri="{FF2B5EF4-FFF2-40B4-BE49-F238E27FC236}">
-                <a16:creationId xmlns:a16="http://schemas.microsoft.com/office/drawing/2014/main" id="{65B58308-C101-BC04-E972-00C74DE5080B}"/>
-              </a:ext>
-            </a:extLst>
-          </p:cNvPr>
-          <p:cNvSpPr>
-            <a:spLocks noGrp="1"/>
-          </p:cNvSpPr>
-          <p:nvPr>
-            <p:ph idx="1"/>
-          </p:nvPr>
-        </p:nvSpPr>
-        <p:spPr>
-          <a:xfrm>
-            <a:off x="838200" y="1825624"/>
-            <a:ext cx="10515600" cy="5032375"/>
-          </a:xfrm>
-        </p:spPr>
-        <p:txBody>
-          <a:bodyPr/>
-          <a:lstStyle/>
-          <a:p>
-            <a:pPr marL="514350" indent="-514350">
-              <a:buFont typeface="+mj-lt"/>
-              <a:buAutoNum type="arabicPeriod" startAt="16"/>
-            </a:pPr>
-            <a:r>
-              <a:rPr lang="en-GB" dirty="0"/>
-              <a:t>What are the </a:t>
-            </a:r>
-            <a:r>
-              <a:rPr lang="en-GB" b="1" dirty="0"/>
-              <a:t>Dataset</a:t>
-            </a:r>
-            <a:r>
-              <a:rPr lang="en-GB" dirty="0"/>
-              <a:t> and </a:t>
-            </a:r>
-            <a:r>
-              <a:rPr lang="en-GB" b="1" dirty="0" err="1"/>
-              <a:t>Dataloader</a:t>
-            </a:r>
-            <a:r>
-              <a:rPr lang="en-GB" dirty="0"/>
-              <a:t> objects in </a:t>
-            </a:r>
-            <a:r>
-              <a:rPr lang="en-GB" b="1" dirty="0" err="1"/>
-              <a:t>PyTorch</a:t>
-            </a:r>
-            <a:r>
-              <a:rPr lang="en-GB" dirty="0"/>
-              <a:t>?</a:t>
-            </a:r>
-          </a:p>
-          <a:p>
-            <a:pPr marL="514350" indent="-514350">
-              <a:buFont typeface="+mj-lt"/>
-              <a:buAutoNum type="arabicPeriod" startAt="16"/>
-            </a:pPr>
-            <a:r>
-              <a:rPr lang="en-GB" dirty="0"/>
-              <a:t>How to implement a custom </a:t>
-            </a:r>
-            <a:r>
-              <a:rPr lang="en-GB" b="1" dirty="0" err="1"/>
-              <a:t>Dataloader</a:t>
-            </a:r>
-            <a:r>
-              <a:rPr lang="en-GB" dirty="0"/>
-              <a:t> and </a:t>
-            </a:r>
-            <a:r>
-              <a:rPr lang="en-GB" b="1" dirty="0"/>
-              <a:t>Dataset</a:t>
-            </a:r>
-            <a:r>
-              <a:rPr lang="en-GB" dirty="0"/>
-              <a:t> object in </a:t>
-            </a:r>
-            <a:r>
-              <a:rPr lang="en-GB" dirty="0" err="1"/>
-              <a:t>PyTorch</a:t>
-            </a:r>
-            <a:r>
-              <a:rPr lang="en-GB" dirty="0"/>
-              <a:t>?</a:t>
-            </a:r>
-          </a:p>
-          <a:p>
-            <a:pPr marL="514350" indent="-514350">
-              <a:buFont typeface="+mj-lt"/>
-              <a:buAutoNum type="arabicPeriod" startAt="16"/>
-            </a:pPr>
-            <a:r>
-              <a:rPr lang="en-GB" dirty="0"/>
-              <a:t>How to move from binary classification to </a:t>
-            </a:r>
-            <a:r>
-              <a:rPr lang="en-GB" b="1" dirty="0"/>
-              <a:t>multi-class</a:t>
-            </a:r>
-            <a:r>
-              <a:rPr lang="en-GB" dirty="0"/>
-              <a:t> </a:t>
-            </a:r>
-            <a:r>
-              <a:rPr lang="en-GB" b="1" dirty="0"/>
-              <a:t>classification</a:t>
-            </a:r>
-            <a:r>
-              <a:rPr lang="en-GB" dirty="0"/>
-              <a:t>?</a:t>
-            </a:r>
-          </a:p>
-          <a:p>
-            <a:pPr marL="514350" indent="-514350">
-              <a:buFont typeface="+mj-lt"/>
-              <a:buAutoNum type="arabicPeriod" startAt="16"/>
-            </a:pPr>
-            <a:r>
-              <a:rPr lang="en-GB" dirty="0"/>
-              <a:t>How to adjust output probabilities using the </a:t>
-            </a:r>
-            <a:r>
-              <a:rPr lang="en-GB" b="1" dirty="0" err="1"/>
-              <a:t>softmax</a:t>
-            </a:r>
-            <a:r>
-              <a:rPr lang="en-GB" dirty="0"/>
-              <a:t> function?</a:t>
-            </a:r>
-          </a:p>
-          <a:p>
-            <a:pPr marL="514350" indent="-514350">
-              <a:buFont typeface="+mj-lt"/>
-              <a:buAutoNum type="arabicPeriod" startAt="16"/>
-            </a:pPr>
-            <a:r>
-              <a:rPr lang="en-SG" dirty="0"/>
-              <a:t>How to change the </a:t>
-            </a:r>
-            <a:r>
-              <a:rPr lang="en-SG" b="1" dirty="0"/>
-              <a:t>cross-entropy</a:t>
-            </a:r>
-            <a:r>
-              <a:rPr lang="en-SG" dirty="0"/>
-              <a:t> </a:t>
-            </a:r>
-            <a:r>
-              <a:rPr lang="en-SG" b="1" dirty="0"/>
-              <a:t>loss</a:t>
-            </a:r>
-            <a:r>
-              <a:rPr lang="en-SG" dirty="0"/>
-              <a:t> so it works in </a:t>
-            </a:r>
-            <a:r>
-              <a:rPr lang="en-SG" b="1" dirty="0"/>
-              <a:t>multi-class</a:t>
-            </a:r>
-            <a:r>
-              <a:rPr lang="en-SG" dirty="0"/>
-              <a:t> </a:t>
-            </a:r>
-            <a:r>
-              <a:rPr lang="en-SG" b="1" dirty="0"/>
-              <a:t>classification</a:t>
-            </a:r>
-            <a:r>
-              <a:rPr lang="en-SG" dirty="0"/>
-              <a:t>?</a:t>
-            </a:r>
-          </a:p>
-          <a:p>
-            <a:pPr marL="514350" indent="-514350">
-              <a:buFont typeface="+mj-lt"/>
-              <a:buAutoNum type="arabicPeriod" startAt="16"/>
-            </a:pPr>
-            <a:r>
-              <a:rPr lang="en-SG" dirty="0"/>
-              <a:t>How to implement </a:t>
-            </a:r>
-            <a:r>
-              <a:rPr lang="en-SG" b="1" dirty="0"/>
-              <a:t>building</a:t>
-            </a:r>
-            <a:r>
-              <a:rPr lang="en-SG" dirty="0"/>
-              <a:t> </a:t>
-            </a:r>
-            <a:r>
-              <a:rPr lang="en-SG" b="1" dirty="0"/>
-              <a:t>blocks</a:t>
-            </a:r>
-            <a:r>
-              <a:rPr lang="en-SG" dirty="0"/>
-              <a:t> in </a:t>
-            </a:r>
-            <a:r>
-              <a:rPr lang="en-SG" dirty="0" err="1"/>
-              <a:t>PyTorch</a:t>
-            </a:r>
-            <a:r>
-              <a:rPr lang="en-SG" dirty="0"/>
-              <a:t>?</a:t>
-            </a:r>
-          </a:p>
-          <a:p>
-            <a:pPr marL="514350" indent="-514350">
-              <a:buFont typeface="+mj-lt"/>
-              <a:buAutoNum type="arabicPeriod" startAt="16"/>
-            </a:pPr>
-            <a:r>
-              <a:rPr lang="en-SG" dirty="0"/>
-              <a:t>How to implement and train our first </a:t>
-            </a:r>
-            <a:r>
-              <a:rPr lang="en-SG" b="1" dirty="0"/>
-              <a:t>Deep</a:t>
-            </a:r>
-            <a:r>
-              <a:rPr lang="en-SG" dirty="0"/>
-              <a:t> </a:t>
-            </a:r>
-            <a:r>
-              <a:rPr lang="en-SG" b="1" dirty="0"/>
-              <a:t>Neural</a:t>
-            </a:r>
-            <a:r>
-              <a:rPr lang="en-SG" dirty="0"/>
-              <a:t> </a:t>
-            </a:r>
-            <a:r>
-              <a:rPr lang="en-SG" b="1" dirty="0"/>
-              <a:t>Network</a:t>
-            </a:r>
-            <a:r>
-              <a:rPr lang="en-SG" dirty="0"/>
-              <a:t>?</a:t>
-            </a:r>
-          </a:p>
-          <a:p>
-            <a:pPr marL="514350" indent="-514350">
-              <a:buFont typeface="+mj-lt"/>
-              <a:buAutoNum type="arabicPeriod" startAt="16"/>
-            </a:pPr>
-            <a:r>
-              <a:rPr lang="en-SG" dirty="0"/>
-              <a:t>What are </a:t>
-            </a:r>
-            <a:r>
-              <a:rPr lang="en-SG" b="1" dirty="0"/>
-              <a:t>additional</a:t>
-            </a:r>
-            <a:r>
-              <a:rPr lang="en-SG" dirty="0"/>
-              <a:t> </a:t>
-            </a:r>
-            <a:r>
-              <a:rPr lang="en-SG" b="1" dirty="0"/>
-              <a:t>good</a:t>
-            </a:r>
-            <a:r>
-              <a:rPr lang="en-SG" dirty="0"/>
-              <a:t> </a:t>
-            </a:r>
-            <a:r>
-              <a:rPr lang="en-SG" b="1" dirty="0"/>
-              <a:t>practices</a:t>
-            </a:r>
-            <a:r>
-              <a:rPr lang="en-SG" dirty="0"/>
-              <a:t> in </a:t>
-            </a:r>
-            <a:r>
-              <a:rPr lang="en-SG" dirty="0" err="1"/>
-              <a:t>PyTorch</a:t>
-            </a:r>
-            <a:r>
-              <a:rPr lang="en-SG" dirty="0"/>
-              <a:t>?</a:t>
-            </a:r>
-          </a:p>
-        </p:txBody>
-      </p:sp>
-    </p:spTree>
-    <p:extLst>
-      <p:ext uri="{BB962C8B-B14F-4D97-AF65-F5344CB8AC3E}">
-        <p14:creationId xmlns:p14="http://schemas.microsoft.com/office/powerpoint/2010/main" val="636279122"/>
-      </p:ext>
-    </p:extLst>
-  </p:cSld>
-  <p:clrMapOvr>
-    <a:masterClrMapping/>
-  </p:clrMapOvr>
-</p:sld>
-</file>
-
-<file path=ppt/slides/slide40.xml><?xml version="1.0" encoding="utf-8"?>
+<file path=ppt/slides/slide41.xml><?xml version="1.0" encoding="utf-8"?>
 <p:sld xmlns:a="http://schemas.openxmlformats.org/drawingml/2006/main" xmlns:r="http://schemas.openxmlformats.org/officeDocument/2006/relationships" xmlns:p="http://schemas.openxmlformats.org/presentationml/2006/main">
   <p:cSld>
     <p:spTree>
@@ -22582,8 +23432,8 @@
           </a:p>
         </p:txBody>
       </p:sp>
-      <mc:AlternateContent xmlns:mc="http://schemas.openxmlformats.org/markup-compatibility/2006" xmlns:a14="http://schemas.microsoft.com/office/drawing/2010/main">
-        <mc:Choice Requires="a14">
+      <mc:AlternateContent xmlns:mc="http://schemas.openxmlformats.org/markup-compatibility/2006">
+        <mc:Choice xmlns:a14="http://schemas.microsoft.com/office/drawing/2010/main" Requires="a14">
           <p:sp>
             <p:nvSpPr>
               <p:cNvPr id="3" name="Content Placeholder 2">
@@ -22608,7 +23458,7 @@
             </p:spPr>
             <p:txBody>
               <a:bodyPr>
-                <a:normAutofit lnSpcReduction="10000"/>
+                <a:normAutofit/>
               </a:bodyPr>
               <a:lstStyle/>
               <a:p>
@@ -22617,16 +23467,12 @@
                 </a:pPr>
                 <a:r>
                   <a:rPr lang="en-GB" dirty="0"/>
-                  <a:t>The adjustment is actually quite simple, and the </a:t>
+                  <a:t>Recall the function in the previous slide:</a:t>
                 </a:r>
-                <a:r>
-                  <a:rPr lang="en-GB" b="1" dirty="0"/>
-                  <a:t>multi-class cross-entropy loss function </a:t>
-                </a:r>
-                <a:r>
+                <a:br>
                   <a:rPr lang="en-GB" dirty="0"/>
-                  <a:t>simply rewrites as shown below:</a:t>
-                </a:r>
+                </a:br>
+                <a:endParaRPr lang="en-GB" dirty="0"/>
               </a:p>
               <a:p>
                 <a:pPr marL="0" indent="0">
@@ -22908,15 +23754,9 @@
                 <a:pPr marL="0" indent="0">
                   <a:buNone/>
                 </a:pPr>
-                <a:endParaRPr lang="en-GB" dirty="0"/>
-              </a:p>
-              <a:p>
-                <a:pPr marL="0" indent="0">
-                  <a:buNone/>
-                </a:pPr>
                 <a:r>
                   <a:rPr lang="en-GB" dirty="0"/>
-                  <a:t>Similarly, the value </a:t>
+                  <a:t>Similarly, we will define the value </a:t>
                 </a:r>
                 <a14:m>
                   <m:oMath xmlns:m="http://schemas.openxmlformats.org/officeDocument/2006/math">
@@ -22957,7 +23797,7 @@
                 </a14:m>
                 <a:r>
                   <a:rPr lang="en-GB" dirty="0"/>
-                  <a:t> is the ground truth value for the probability of being of class </a:t>
+                  <a:t> as the ground truth value for the probability of being of class </a:t>
                 </a:r>
                 <a14:m>
                   <m:oMath xmlns:m="http://schemas.openxmlformats.org/officeDocument/2006/math">
@@ -23103,7 +23943,7 @@
                 </a14:m>
                 <a:r>
                   <a:rPr lang="en-GB" dirty="0"/>
-                  <a:t>, we have:</a:t>
+                  <a:t>, we define:</a:t>
                 </a:r>
                 <a:br>
                   <a:rPr lang="en-GB" dirty="0"/>
@@ -23425,7 +24265,7 @@
             </p:txBody>
           </p:sp>
         </mc:Choice>
-        <mc:Fallback xmlns="">
+        <mc:Fallback>
           <p:sp>
             <p:nvSpPr>
               <p:cNvPr id="3" name="Content Placeholder 2">
@@ -23450,7 +24290,7 @@
               <a:blipFill>
                 <a:blip r:embed="rId2"/>
                 <a:stretch>
-                  <a:fillRect l="-1217" t="-2663"/>
+                  <a:fillRect l="-1217" t="-1937"/>
                 </a:stretch>
               </a:blipFill>
             </p:spPr>
@@ -23459,7 +24299,7 @@
               <a:lstStyle/>
               <a:p>
                 <a:r>
-                  <a:rPr lang="en-SG">
+                  <a:rPr lang="en-GB">
                     <a:noFill/>
                   </a:rPr>
                   <a:t> </a:t>
@@ -23482,7 +24322,7 @@
 </p:sld>
 </file>
 
-<file path=ppt/slides/slide41.xml><?xml version="1.0" encoding="utf-8"?>
+<file path=ppt/slides/slide42.xml><?xml version="1.0" encoding="utf-8"?>
 <p:sld xmlns:a="http://schemas.openxmlformats.org/drawingml/2006/main" xmlns:r="http://schemas.openxmlformats.org/officeDocument/2006/relationships" xmlns:p="http://schemas.openxmlformats.org/presentationml/2006/main">
   <p:cSld>
     <p:spTree>
@@ -23558,7 +24398,7 @@
             </a:r>
             <a:r>
               <a:rPr lang="en-GB" dirty="0"/>
-              <a:t>some operations (layers, activations, etc.) in forward will have </a:t>
+              <a:t>some operations (layers, activations, etc.) in the forward method will have </a:t>
             </a:r>
             <a:r>
               <a:rPr lang="en-GB" b="1" dirty="0"/>
@@ -23570,7 +24410,7 @@
             </a:r>
             <a:r>
               <a:rPr lang="en-GB" dirty="0"/>
-              <a:t> depending on whether</a:t>
+              <a:t> depending whether</a:t>
             </a:r>
           </a:p>
           <a:p>
@@ -23672,95 +24512,6 @@
     <p:extLst>
       <p:ext uri="{BB962C8B-B14F-4D97-AF65-F5344CB8AC3E}">
         <p14:creationId xmlns:p14="http://schemas.microsoft.com/office/powerpoint/2010/main" val="2163984957"/>
-      </p:ext>
-    </p:extLst>
-  </p:cSld>
-  <p:clrMapOvr>
-    <a:masterClrMapping/>
-  </p:clrMapOvr>
-</p:sld>
-</file>
-
-<file path=ppt/slides/slide42.xml><?xml version="1.0" encoding="utf-8"?>
-<p:sld xmlns:a="http://schemas.openxmlformats.org/drawingml/2006/main" xmlns:r="http://schemas.openxmlformats.org/officeDocument/2006/relationships" xmlns:p="http://schemas.openxmlformats.org/presentationml/2006/main">
-  <p:cSld>
-    <p:spTree>
-      <p:nvGrpSpPr>
-        <p:cNvPr id="1" name=""/>
-        <p:cNvGrpSpPr/>
-        <p:nvPr/>
-      </p:nvGrpSpPr>
-      <p:grpSpPr>
-        <a:xfrm>
-          <a:off x="0" y="0"/>
-          <a:ext cx="0" cy="0"/>
-          <a:chOff x="0" y="0"/>
-          <a:chExt cx="0" cy="0"/>
-        </a:xfrm>
-      </p:grpSpPr>
-      <p:sp>
-        <p:nvSpPr>
-          <p:cNvPr id="2" name="Title 1">
-            <a:extLst>
-              <a:ext uri="{FF2B5EF4-FFF2-40B4-BE49-F238E27FC236}">
-                <a16:creationId xmlns:a16="http://schemas.microsoft.com/office/drawing/2014/main" id="{37CAD06D-BD00-566A-9A00-21671B708034}"/>
-              </a:ext>
-            </a:extLst>
-          </p:cNvPr>
-          <p:cNvSpPr>
-            <a:spLocks noGrp="1"/>
-          </p:cNvSpPr>
-          <p:nvPr>
-            <p:ph type="title"/>
-          </p:nvPr>
-        </p:nvSpPr>
-        <p:spPr/>
-        <p:txBody>
-          <a:bodyPr/>
-          <a:lstStyle/>
-          <a:p>
-            <a:r>
-              <a:rPr lang="en-GB" dirty="0"/>
-              <a:t>Training our model with Adam GD, as before</a:t>
-            </a:r>
-            <a:endParaRPr lang="en-SG" dirty="0"/>
-          </a:p>
-        </p:txBody>
-      </p:sp>
-      <p:pic>
-        <p:nvPicPr>
-          <p:cNvPr id="9" name="Picture 8">
-            <a:extLst>
-              <a:ext uri="{FF2B5EF4-FFF2-40B4-BE49-F238E27FC236}">
-                <a16:creationId xmlns:a16="http://schemas.microsoft.com/office/drawing/2014/main" id="{A82D4A35-E555-1F2A-6430-5DE46FFA85EA}"/>
-              </a:ext>
-            </a:extLst>
-          </p:cNvPr>
-          <p:cNvPicPr>
-            <a:picLocks noChangeAspect="1"/>
-          </p:cNvPicPr>
-          <p:nvPr/>
-        </p:nvPicPr>
-        <p:blipFill>
-          <a:blip r:embed="rId2"/>
-          <a:stretch>
-            <a:fillRect/>
-          </a:stretch>
-        </p:blipFill>
-        <p:spPr>
-          <a:xfrm>
-            <a:off x="1429365" y="1436468"/>
-            <a:ext cx="9333270" cy="5421532"/>
-          </a:xfrm>
-          <a:prstGeom prst="rect">
-            <a:avLst/>
-          </a:prstGeom>
-        </p:spPr>
-      </p:pic>
-    </p:spTree>
-    <p:extLst>
-      <p:ext uri="{BB962C8B-B14F-4D97-AF65-F5344CB8AC3E}">
-        <p14:creationId xmlns:p14="http://schemas.microsoft.com/office/powerpoint/2010/main" val="1677488890"/>
       </p:ext>
     </p:extLst>
   </p:cSld>
@@ -23810,6 +24561,95 @@
           <a:p>
             <a:r>
               <a:rPr lang="en-GB" dirty="0"/>
+              <a:t>Training our model with Adam GD, as before</a:t>
+            </a:r>
+            <a:endParaRPr lang="en-SG" dirty="0"/>
+          </a:p>
+        </p:txBody>
+      </p:sp>
+      <p:pic>
+        <p:nvPicPr>
+          <p:cNvPr id="9" name="Picture 8">
+            <a:extLst>
+              <a:ext uri="{FF2B5EF4-FFF2-40B4-BE49-F238E27FC236}">
+                <a16:creationId xmlns:a16="http://schemas.microsoft.com/office/drawing/2014/main" id="{A82D4A35-E555-1F2A-6430-5DE46FFA85EA}"/>
+              </a:ext>
+            </a:extLst>
+          </p:cNvPr>
+          <p:cNvPicPr>
+            <a:picLocks noChangeAspect="1"/>
+          </p:cNvPicPr>
+          <p:nvPr/>
+        </p:nvPicPr>
+        <p:blipFill>
+          <a:blip r:embed="rId2"/>
+          <a:stretch>
+            <a:fillRect/>
+          </a:stretch>
+        </p:blipFill>
+        <p:spPr>
+          <a:xfrm>
+            <a:off x="1429365" y="1436468"/>
+            <a:ext cx="9333270" cy="5421532"/>
+          </a:xfrm>
+          <a:prstGeom prst="rect">
+            <a:avLst/>
+          </a:prstGeom>
+        </p:spPr>
+      </p:pic>
+    </p:spTree>
+    <p:extLst>
+      <p:ext uri="{BB962C8B-B14F-4D97-AF65-F5344CB8AC3E}">
+        <p14:creationId xmlns:p14="http://schemas.microsoft.com/office/powerpoint/2010/main" val="1677488890"/>
+      </p:ext>
+    </p:extLst>
+  </p:cSld>
+  <p:clrMapOvr>
+    <a:masterClrMapping/>
+  </p:clrMapOvr>
+</p:sld>
+</file>
+
+<file path=ppt/slides/slide44.xml><?xml version="1.0" encoding="utf-8"?>
+<p:sld xmlns:a="http://schemas.openxmlformats.org/drawingml/2006/main" xmlns:r="http://schemas.openxmlformats.org/officeDocument/2006/relationships" xmlns:p="http://schemas.openxmlformats.org/presentationml/2006/main">
+  <p:cSld>
+    <p:spTree>
+      <p:nvGrpSpPr>
+        <p:cNvPr id="1" name=""/>
+        <p:cNvGrpSpPr/>
+        <p:nvPr/>
+      </p:nvGrpSpPr>
+      <p:grpSpPr>
+        <a:xfrm>
+          <a:off x="0" y="0"/>
+          <a:ext cx="0" cy="0"/>
+          <a:chOff x="0" y="0"/>
+          <a:chExt cx="0" cy="0"/>
+        </a:xfrm>
+      </p:grpSpPr>
+      <p:sp>
+        <p:nvSpPr>
+          <p:cNvPr id="2" name="Title 1">
+            <a:extLst>
+              <a:ext uri="{FF2B5EF4-FFF2-40B4-BE49-F238E27FC236}">
+                <a16:creationId xmlns:a16="http://schemas.microsoft.com/office/drawing/2014/main" id="{37CAD06D-BD00-566A-9A00-21671B708034}"/>
+              </a:ext>
+            </a:extLst>
+          </p:cNvPr>
+          <p:cNvSpPr>
+            <a:spLocks noGrp="1"/>
+          </p:cNvSpPr>
+          <p:nvPr>
+            <p:ph type="title"/>
+          </p:nvPr>
+        </p:nvSpPr>
+        <p:spPr/>
+        <p:txBody>
+          <a:bodyPr/>
+          <a:lstStyle/>
+          <a:p>
+            <a:r>
+              <a:rPr lang="en-GB" dirty="0"/>
               <a:t>Eval mode and accuracy after training</a:t>
             </a:r>
             <a:endParaRPr lang="en-SG" dirty="0"/>
@@ -23849,7 +24689,7 @@
             </a:pPr>
             <a:r>
               <a:rPr lang="en-GB" dirty="0"/>
-              <a:t>After training, we will evaluate our trained model to check its accuracy on test set.</a:t>
+              <a:t>After training, we will evaluate our trained model to check its accuracy on the test set.</a:t>
             </a:r>
           </a:p>
           <a:p>
@@ -23963,7 +24803,7 @@
 </p:sld>
 </file>
 
-<file path=ppt/slides/slide44.xml><?xml version="1.0" encoding="utf-8"?>
+<file path=ppt/slides/slide45.xml><?xml version="1.0" encoding="utf-8"?>
 <p:sld xmlns:a="http://schemas.openxmlformats.org/drawingml/2006/main" xmlns:r="http://schemas.openxmlformats.org/officeDocument/2006/relationships" xmlns:p="http://schemas.openxmlformats.org/presentationml/2006/main">
   <p:cSld>
     <p:spTree>
@@ -24042,7 +24882,7 @@
             </a:pPr>
             <a:r>
               <a:rPr lang="en-GB" dirty="0"/>
-              <a:t>It is now time for us to define and train our first </a:t>
+              <a:t>It is now time for us to define and train a </a:t>
             </a:r>
             <a:r>
               <a:rPr lang="en-GB" b="1" dirty="0">
@@ -24267,7 +25107,7 @@
 </p:sld>
 </file>
 
-<file path=ppt/slides/slide45.xml><?xml version="1.0" encoding="utf-8"?>
+<file path=ppt/slides/slide46.xml><?xml version="1.0" encoding="utf-8"?>
 <p:sld xmlns:a="http://schemas.openxmlformats.org/drawingml/2006/main" xmlns:r="http://schemas.openxmlformats.org/officeDocument/2006/relationships" xmlns:p="http://schemas.openxmlformats.org/presentationml/2006/main">
   <p:cSld>
     <p:spTree>
@@ -24642,7 +25482,7 @@
 </p:sld>
 </file>
 
-<file path=ppt/slides/slide46.xml><?xml version="1.0" encoding="utf-8"?>
+<file path=ppt/slides/slide47.xml><?xml version="1.0" encoding="utf-8"?>
 <p:sld xmlns:a="http://schemas.openxmlformats.org/drawingml/2006/main" xmlns:r="http://schemas.openxmlformats.org/officeDocument/2006/relationships" xmlns:p="http://schemas.openxmlformats.org/presentationml/2006/main">
   <p:cSld>
     <p:spTree>
@@ -24906,7 +25746,7 @@
 </p:sld>
 </file>
 
-<file path=ppt/slides/slide47.xml><?xml version="1.0" encoding="utf-8"?>
+<file path=ppt/slides/slide48.xml><?xml version="1.0" encoding="utf-8"?>
 <p:sld xmlns:a="http://schemas.openxmlformats.org/drawingml/2006/main" xmlns:r="http://schemas.openxmlformats.org/officeDocument/2006/relationships" xmlns:p="http://schemas.openxmlformats.org/presentationml/2006/main">
   <p:cSld>
     <p:spTree>
@@ -25141,7 +25981,7 @@
 </p:sld>
 </file>
 
-<file path=ppt/slides/slide48.xml><?xml version="1.0" encoding="utf-8"?>
+<file path=ppt/slides/slide49.xml><?xml version="1.0" encoding="utf-8"?>
 <p:sld xmlns:a="http://schemas.openxmlformats.org/drawingml/2006/main" xmlns:r="http://schemas.openxmlformats.org/officeDocument/2006/relationships" xmlns:p="http://schemas.openxmlformats.org/presentationml/2006/main">
   <p:cSld>
     <p:spTree>
@@ -25310,7 +26150,190 @@
 </p:sld>
 </file>
 
-<file path=ppt/slides/slide49.xml><?xml version="1.0" encoding="utf-8"?>
+<file path=ppt/slides/slide5.xml><?xml version="1.0" encoding="utf-8"?>
+<p:sld xmlns:a="http://schemas.openxmlformats.org/drawingml/2006/main" xmlns:r="http://schemas.openxmlformats.org/officeDocument/2006/relationships" xmlns:p="http://schemas.openxmlformats.org/presentationml/2006/main">
+  <p:cSld>
+    <p:spTree>
+      <p:nvGrpSpPr>
+        <p:cNvPr id="1" name=""/>
+        <p:cNvGrpSpPr/>
+        <p:nvPr/>
+      </p:nvGrpSpPr>
+      <p:grpSpPr>
+        <a:xfrm>
+          <a:off x="0" y="0"/>
+          <a:ext cx="0" cy="0"/>
+          <a:chOff x="0" y="0"/>
+          <a:chExt cx="0" cy="0"/>
+        </a:xfrm>
+      </p:grpSpPr>
+      <p:sp>
+        <p:nvSpPr>
+          <p:cNvPr id="5" name="Title 4">
+            <a:extLst>
+              <a:ext uri="{FF2B5EF4-FFF2-40B4-BE49-F238E27FC236}">
+                <a16:creationId xmlns:a16="http://schemas.microsoft.com/office/drawing/2014/main" id="{FD86860C-A975-6A1D-2657-944DB1F94C8A}"/>
+              </a:ext>
+            </a:extLst>
+          </p:cNvPr>
+          <p:cNvSpPr>
+            <a:spLocks noGrp="1"/>
+          </p:cNvSpPr>
+          <p:nvPr>
+            <p:ph type="title"/>
+          </p:nvPr>
+        </p:nvSpPr>
+        <p:spPr/>
+        <p:txBody>
+          <a:bodyPr/>
+          <a:lstStyle/>
+          <a:p>
+            <a:r>
+              <a:rPr lang="en-GB" dirty="0"/>
+              <a:t>To summarize (last two sessions)</a:t>
+            </a:r>
+            <a:endParaRPr lang="en-SG" dirty="0"/>
+          </a:p>
+        </p:txBody>
+      </p:sp>
+      <p:sp>
+        <p:nvSpPr>
+          <p:cNvPr id="6" name="Text Placeholder 5">
+            <a:extLst>
+              <a:ext uri="{FF2B5EF4-FFF2-40B4-BE49-F238E27FC236}">
+                <a16:creationId xmlns:a16="http://schemas.microsoft.com/office/drawing/2014/main" id="{5282BC02-8C8A-BDB1-A192-B4E530ACD8B1}"/>
+              </a:ext>
+            </a:extLst>
+          </p:cNvPr>
+          <p:cNvSpPr>
+            <a:spLocks noGrp="1"/>
+          </p:cNvSpPr>
+          <p:nvPr>
+            <p:ph idx="1"/>
+          </p:nvPr>
+        </p:nvSpPr>
+        <p:spPr>
+          <a:xfrm>
+            <a:off x="838200" y="1825624"/>
+            <a:ext cx="10515600" cy="5032375"/>
+          </a:xfrm>
+        </p:spPr>
+        <p:txBody>
+          <a:bodyPr>
+            <a:normAutofit lnSpcReduction="10000"/>
+          </a:bodyPr>
+          <a:lstStyle/>
+          <a:p>
+            <a:pPr marL="0" indent="0">
+              <a:buNone/>
+            </a:pPr>
+            <a:r>
+              <a:rPr lang="en-GB" dirty="0"/>
+              <a:t>We now have a full Neural Network class, in </a:t>
+            </a:r>
+            <a:r>
+              <a:rPr lang="en-GB" dirty="0" err="1"/>
+              <a:t>PyTorch</a:t>
+            </a:r>
+            <a:r>
+              <a:rPr lang="en-GB" dirty="0"/>
+              <a:t>, with:</a:t>
+            </a:r>
+          </a:p>
+          <a:p>
+            <a:r>
+              <a:rPr lang="en-GB" dirty="0"/>
+              <a:t>2 linear layers, sigmoid activation functions,</a:t>
+            </a:r>
+          </a:p>
+          <a:p>
+            <a:r>
+              <a:rPr lang="en-GB" dirty="0"/>
+              <a:t>Xavier uniform initialization on trainable parameters,</a:t>
+            </a:r>
+          </a:p>
+          <a:p>
+            <a:r>
+              <a:rPr lang="en-SG" dirty="0"/>
+              <a:t>Forward pass method,</a:t>
+            </a:r>
+          </a:p>
+          <a:p>
+            <a:r>
+              <a:rPr lang="en-SG" dirty="0" err="1"/>
+              <a:t>Autograd</a:t>
+            </a:r>
+            <a:r>
+              <a:rPr lang="en-SG" dirty="0"/>
+              <a:t> backpropagation and trainer method,</a:t>
+            </a:r>
+          </a:p>
+          <a:p>
+            <a:r>
+              <a:rPr lang="en-SG" dirty="0"/>
+              <a:t>Adam optimizer,</a:t>
+            </a:r>
+          </a:p>
+          <a:p>
+            <a:r>
+              <a:rPr lang="en-SG" dirty="0" err="1"/>
+              <a:t>Dataloader</a:t>
+            </a:r>
+            <a:r>
+              <a:rPr lang="en-SG" dirty="0"/>
+              <a:t> allowing for stochastic mini-batches,</a:t>
+            </a:r>
+          </a:p>
+          <a:p>
+            <a:r>
+              <a:rPr lang="en-SG" dirty="0"/>
+              <a:t>Cross entropy loss and accuracies,</a:t>
+            </a:r>
+          </a:p>
+          <a:p>
+            <a:r>
+              <a:rPr lang="en-SG" dirty="0"/>
+              <a:t>L1 regularization.</a:t>
+            </a:r>
+          </a:p>
+          <a:p>
+            <a:pPr marL="0" indent="0">
+              <a:buNone/>
+            </a:pPr>
+            <a:r>
+              <a:rPr lang="en-SG" dirty="0"/>
+              <a:t>And </a:t>
+            </a:r>
+            <a:r>
+              <a:rPr lang="en-SG"/>
+              <a:t>it runs/trains </a:t>
+            </a:r>
+            <a:r>
+              <a:rPr lang="en-SG" dirty="0"/>
+              <a:t>at the speed of light (</a:t>
+            </a:r>
+            <a:r>
+              <a:rPr lang="en-SG"/>
+              <a:t>almost…) on GPU!</a:t>
+            </a:r>
+            <a:endParaRPr lang="en-SG" dirty="0"/>
+          </a:p>
+        </p:txBody>
+      </p:sp>
+    </p:spTree>
+    <p:extLst>
+      <p:ext uri="{BB962C8B-B14F-4D97-AF65-F5344CB8AC3E}">
+        <p14:creationId xmlns:p14="http://schemas.microsoft.com/office/powerpoint/2010/main" val="278531271"/>
+      </p:ext>
+    </p:extLst>
+  </p:cSld>
+  <p:clrMapOvr>
+    <a:masterClrMapping/>
+  </p:clrMapOvr>
+</p:sld>
+</file>
+
+<file path=ppt/slides/slide50.xml><?xml version="1.0" encoding="utf-8"?>
 <p:sld xmlns:a="http://schemas.openxmlformats.org/drawingml/2006/main" xmlns:r="http://schemas.openxmlformats.org/officeDocument/2006/relationships" xmlns:p="http://schemas.openxmlformats.org/presentationml/2006/main">
   <p:cSld>
     <p:spTree>
@@ -25422,7 +26445,7 @@
             </a:pPr>
             <a:r>
               <a:rPr lang="en-GB" dirty="0"/>
-              <a:t>is very common and convenient, especially when the architectures are very heavy and include many layers. It helps to organize</a:t>
+              <a:t>Is very common and convenient, especially when the architectures are very heavy and include many layers. It helps to organize</a:t>
             </a:r>
             <a:br>
               <a:rPr lang="en-GB" dirty="0"/>
@@ -25507,190 +26530,7 @@
 </p:sld>
 </file>
 
-<file path=ppt/slides/slide5.xml><?xml version="1.0" encoding="utf-8"?>
-<p:sld xmlns:a="http://schemas.openxmlformats.org/drawingml/2006/main" xmlns:r="http://schemas.openxmlformats.org/officeDocument/2006/relationships" xmlns:p="http://schemas.openxmlformats.org/presentationml/2006/main">
-  <p:cSld>
-    <p:spTree>
-      <p:nvGrpSpPr>
-        <p:cNvPr id="1" name=""/>
-        <p:cNvGrpSpPr/>
-        <p:nvPr/>
-      </p:nvGrpSpPr>
-      <p:grpSpPr>
-        <a:xfrm>
-          <a:off x="0" y="0"/>
-          <a:ext cx="0" cy="0"/>
-          <a:chOff x="0" y="0"/>
-          <a:chExt cx="0" cy="0"/>
-        </a:xfrm>
-      </p:grpSpPr>
-      <p:sp>
-        <p:nvSpPr>
-          <p:cNvPr id="5" name="Title 4">
-            <a:extLst>
-              <a:ext uri="{FF2B5EF4-FFF2-40B4-BE49-F238E27FC236}">
-                <a16:creationId xmlns:a16="http://schemas.microsoft.com/office/drawing/2014/main" id="{FD86860C-A975-6A1D-2657-944DB1F94C8A}"/>
-              </a:ext>
-            </a:extLst>
-          </p:cNvPr>
-          <p:cNvSpPr>
-            <a:spLocks noGrp="1"/>
-          </p:cNvSpPr>
-          <p:nvPr>
-            <p:ph type="title"/>
-          </p:nvPr>
-        </p:nvSpPr>
-        <p:spPr/>
-        <p:txBody>
-          <a:bodyPr/>
-          <a:lstStyle/>
-          <a:p>
-            <a:r>
-              <a:rPr lang="en-GB" dirty="0"/>
-              <a:t>To summarize (last two sessions)</a:t>
-            </a:r>
-            <a:endParaRPr lang="en-SG" dirty="0"/>
-          </a:p>
-        </p:txBody>
-      </p:sp>
-      <p:sp>
-        <p:nvSpPr>
-          <p:cNvPr id="6" name="Text Placeholder 5">
-            <a:extLst>
-              <a:ext uri="{FF2B5EF4-FFF2-40B4-BE49-F238E27FC236}">
-                <a16:creationId xmlns:a16="http://schemas.microsoft.com/office/drawing/2014/main" id="{5282BC02-8C8A-BDB1-A192-B4E530ACD8B1}"/>
-              </a:ext>
-            </a:extLst>
-          </p:cNvPr>
-          <p:cNvSpPr>
-            <a:spLocks noGrp="1"/>
-          </p:cNvSpPr>
-          <p:nvPr>
-            <p:ph idx="1"/>
-          </p:nvPr>
-        </p:nvSpPr>
-        <p:spPr>
-          <a:xfrm>
-            <a:off x="838200" y="1825624"/>
-            <a:ext cx="10515600" cy="5032375"/>
-          </a:xfrm>
-        </p:spPr>
-        <p:txBody>
-          <a:bodyPr>
-            <a:normAutofit lnSpcReduction="10000"/>
-          </a:bodyPr>
-          <a:lstStyle/>
-          <a:p>
-            <a:pPr marL="0" indent="0">
-              <a:buNone/>
-            </a:pPr>
-            <a:r>
-              <a:rPr lang="en-GB" dirty="0"/>
-              <a:t>We now have a full Neural Network class, in </a:t>
-            </a:r>
-            <a:r>
-              <a:rPr lang="en-GB" dirty="0" err="1"/>
-              <a:t>PyTorch</a:t>
-            </a:r>
-            <a:r>
-              <a:rPr lang="en-GB" dirty="0"/>
-              <a:t>, with:</a:t>
-            </a:r>
-          </a:p>
-          <a:p>
-            <a:r>
-              <a:rPr lang="en-GB" dirty="0"/>
-              <a:t>2 linear layers, sigmoid activation functions,</a:t>
-            </a:r>
-          </a:p>
-          <a:p>
-            <a:r>
-              <a:rPr lang="en-GB" dirty="0"/>
-              <a:t>Xavier uniform initialization on trainable parameters,</a:t>
-            </a:r>
-          </a:p>
-          <a:p>
-            <a:r>
-              <a:rPr lang="en-SG" dirty="0"/>
-              <a:t>Forward pass method,</a:t>
-            </a:r>
-          </a:p>
-          <a:p>
-            <a:r>
-              <a:rPr lang="en-SG" dirty="0" err="1"/>
-              <a:t>Autograd</a:t>
-            </a:r>
-            <a:r>
-              <a:rPr lang="en-SG" dirty="0"/>
-              <a:t> backpropagation and trainer method,</a:t>
-            </a:r>
-          </a:p>
-          <a:p>
-            <a:r>
-              <a:rPr lang="en-SG" dirty="0"/>
-              <a:t>Adam optimizer,</a:t>
-            </a:r>
-          </a:p>
-          <a:p>
-            <a:r>
-              <a:rPr lang="en-SG" dirty="0" err="1"/>
-              <a:t>Dataloader</a:t>
-            </a:r>
-            <a:r>
-              <a:rPr lang="en-SG" dirty="0"/>
-              <a:t> allowing for stochastic mini-batches,</a:t>
-            </a:r>
-          </a:p>
-          <a:p>
-            <a:r>
-              <a:rPr lang="en-SG" dirty="0"/>
-              <a:t>Cross entropy loss and accuracies,</a:t>
-            </a:r>
-          </a:p>
-          <a:p>
-            <a:r>
-              <a:rPr lang="en-SG" dirty="0"/>
-              <a:t>L1 regularization.</a:t>
-            </a:r>
-          </a:p>
-          <a:p>
-            <a:pPr marL="0" indent="0">
-              <a:buNone/>
-            </a:pPr>
-            <a:r>
-              <a:rPr lang="en-SG" dirty="0"/>
-              <a:t>And </a:t>
-            </a:r>
-            <a:r>
-              <a:rPr lang="en-SG"/>
-              <a:t>it runs/trains </a:t>
-            </a:r>
-            <a:r>
-              <a:rPr lang="en-SG" dirty="0"/>
-              <a:t>at the speed of light (</a:t>
-            </a:r>
-            <a:r>
-              <a:rPr lang="en-SG"/>
-              <a:t>almost…) on GPU!</a:t>
-            </a:r>
-            <a:endParaRPr lang="en-SG" dirty="0"/>
-          </a:p>
-        </p:txBody>
-      </p:sp>
-    </p:spTree>
-    <p:extLst>
-      <p:ext uri="{BB962C8B-B14F-4D97-AF65-F5344CB8AC3E}">
-        <p14:creationId xmlns:p14="http://schemas.microsoft.com/office/powerpoint/2010/main" val="278531271"/>
-      </p:ext>
-    </p:extLst>
-  </p:cSld>
-  <p:clrMapOvr>
-    <a:masterClrMapping/>
-  </p:clrMapOvr>
-</p:sld>
-</file>
-
-<file path=ppt/slides/slide50.xml><?xml version="1.0" encoding="utf-8"?>
+<file path=ppt/slides/slide51.xml><?xml version="1.0" encoding="utf-8"?>
 <p:sld xmlns:a="http://schemas.openxmlformats.org/drawingml/2006/main" xmlns:r="http://schemas.openxmlformats.org/officeDocument/2006/relationships" xmlns:p="http://schemas.openxmlformats.org/presentationml/2006/main">
   <p:cSld>
     <p:spTree>
@@ -25779,305 +26619,7 @@
 </p:sld>
 </file>
 
-<file path=ppt/slides/slide51.xml><?xml version="1.0" encoding="utf-8"?>
-<p:sld xmlns:a="http://schemas.openxmlformats.org/drawingml/2006/main" xmlns:r="http://schemas.openxmlformats.org/officeDocument/2006/relationships" xmlns:p="http://schemas.openxmlformats.org/presentationml/2006/main">
-  <p:cSld>
-    <p:spTree>
-      <p:nvGrpSpPr>
-        <p:cNvPr id="1" name=""/>
-        <p:cNvGrpSpPr/>
-        <p:nvPr/>
-      </p:nvGrpSpPr>
-      <p:grpSpPr>
-        <a:xfrm>
-          <a:off x="0" y="0"/>
-          <a:ext cx="0" cy="0"/>
-          <a:chOff x="0" y="0"/>
-          <a:chExt cx="0" cy="0"/>
-        </a:xfrm>
-      </p:grpSpPr>
-      <p:sp>
-        <p:nvSpPr>
-          <p:cNvPr id="2" name="Title 1">
-            <a:extLst>
-              <a:ext uri="{FF2B5EF4-FFF2-40B4-BE49-F238E27FC236}">
-                <a16:creationId xmlns:a16="http://schemas.microsoft.com/office/drawing/2014/main" id="{6B379AFD-C750-A12B-B155-F8426594D91F}"/>
-              </a:ext>
-            </a:extLst>
-          </p:cNvPr>
-          <p:cNvSpPr>
-            <a:spLocks noGrp="1"/>
-          </p:cNvSpPr>
-          <p:nvPr>
-            <p:ph type="title"/>
-          </p:nvPr>
-        </p:nvSpPr>
-        <p:spPr/>
-        <p:txBody>
-          <a:bodyPr/>
-          <a:lstStyle/>
-          <a:p>
-            <a:r>
-              <a:rPr lang="en-GB" dirty="0"/>
-              <a:t>On Deep Neural Networks complexity</a:t>
-            </a:r>
-            <a:endParaRPr lang="en-SG" dirty="0"/>
-          </a:p>
-        </p:txBody>
-      </p:sp>
-      <p:sp>
-        <p:nvSpPr>
-          <p:cNvPr id="3" name="Content Placeholder 2">
-            <a:extLst>
-              <a:ext uri="{FF2B5EF4-FFF2-40B4-BE49-F238E27FC236}">
-                <a16:creationId xmlns:a16="http://schemas.microsoft.com/office/drawing/2014/main" id="{593B6C32-2754-00A2-7A8E-EF46AD4E3535}"/>
-              </a:ext>
-            </a:extLst>
-          </p:cNvPr>
-          <p:cNvSpPr>
-            <a:spLocks noGrp="1"/>
-          </p:cNvSpPr>
-          <p:nvPr>
-            <p:ph idx="1"/>
-          </p:nvPr>
-        </p:nvSpPr>
-        <p:spPr>
-          <a:xfrm>
-            <a:off x="838200" y="1825624"/>
-            <a:ext cx="10515600" cy="5032375"/>
-          </a:xfrm>
-        </p:spPr>
-        <p:txBody>
-          <a:bodyPr>
-            <a:normAutofit/>
-          </a:bodyPr>
-          <a:lstStyle/>
-          <a:p>
-            <a:pPr marL="0" indent="0">
-              <a:buNone/>
-            </a:pPr>
-            <a:r>
-              <a:rPr lang="en-GB" dirty="0"/>
-              <a:t>We can therefore raise a </a:t>
-            </a:r>
-            <a:r>
-              <a:rPr lang="en-GB" b="1" dirty="0"/>
-              <a:t>fairly important question</a:t>
-            </a:r>
-            <a:r>
-              <a:rPr lang="en-GB" dirty="0"/>
-              <a:t>:</a:t>
-            </a:r>
-          </a:p>
-          <a:p>
-            <a:pPr marL="0" indent="0" algn="ctr">
-              <a:buNone/>
-            </a:pPr>
-            <a:r>
-              <a:rPr lang="en-GB" b="1" dirty="0">
-                <a:solidFill>
-                  <a:srgbClr val="7030A0"/>
-                </a:solidFill>
-              </a:rPr>
-              <a:t>What is the appropriate number of layers to use and how many neurons should we use on each layer?</a:t>
-            </a:r>
-            <a:endParaRPr lang="en-GB" dirty="0"/>
-          </a:p>
-          <a:p>
-            <a:r>
-              <a:rPr lang="en-GB" dirty="0"/>
-              <a:t>We established in Week 2 – Notebook 8, that there is no fixed rule for how many layers should be used in a deep neural network.</a:t>
-            </a:r>
-          </a:p>
-          <a:p>
-            <a:r>
-              <a:rPr lang="en-GB" dirty="0"/>
-              <a:t>Instead, the number of layers, as well as the number of neurons in each layer, should be chosen based on the complexity of the task and the amount of available data in the dataset.</a:t>
-            </a:r>
-          </a:p>
-          <a:p>
-            <a:r>
-              <a:rPr lang="en-GB" dirty="0"/>
-              <a:t>In general, deep neural networks with many layers (tens or even hundreds) can learn very complex patterns in data, but they will require a large amount of data and computational resources to train.</a:t>
-            </a:r>
-          </a:p>
-        </p:txBody>
-      </p:sp>
-    </p:spTree>
-    <p:extLst>
-      <p:ext uri="{BB962C8B-B14F-4D97-AF65-F5344CB8AC3E}">
-        <p14:creationId xmlns:p14="http://schemas.microsoft.com/office/powerpoint/2010/main" val="101927766"/>
-      </p:ext>
-    </p:extLst>
-  </p:cSld>
-  <p:clrMapOvr>
-    <a:masterClrMapping/>
-  </p:clrMapOvr>
-</p:sld>
-</file>
-
 <file path=ppt/slides/slide52.xml><?xml version="1.0" encoding="utf-8"?>
-<p:sld xmlns:a="http://schemas.openxmlformats.org/drawingml/2006/main" xmlns:r="http://schemas.openxmlformats.org/officeDocument/2006/relationships" xmlns:p="http://schemas.openxmlformats.org/presentationml/2006/main">
-  <p:cSld>
-    <p:spTree>
-      <p:nvGrpSpPr>
-        <p:cNvPr id="1" name=""/>
-        <p:cNvGrpSpPr/>
-        <p:nvPr/>
-      </p:nvGrpSpPr>
-      <p:grpSpPr>
-        <a:xfrm>
-          <a:off x="0" y="0"/>
-          <a:ext cx="0" cy="0"/>
-          <a:chOff x="0" y="0"/>
-          <a:chExt cx="0" cy="0"/>
-        </a:xfrm>
-      </p:grpSpPr>
-      <p:sp>
-        <p:nvSpPr>
-          <p:cNvPr id="2" name="Title 1">
-            <a:extLst>
-              <a:ext uri="{FF2B5EF4-FFF2-40B4-BE49-F238E27FC236}">
-                <a16:creationId xmlns:a16="http://schemas.microsoft.com/office/drawing/2014/main" id="{6B379AFD-C750-A12B-B155-F8426594D91F}"/>
-              </a:ext>
-            </a:extLst>
-          </p:cNvPr>
-          <p:cNvSpPr>
-            <a:spLocks noGrp="1"/>
-          </p:cNvSpPr>
-          <p:nvPr>
-            <p:ph type="title"/>
-          </p:nvPr>
-        </p:nvSpPr>
-        <p:spPr/>
-        <p:txBody>
-          <a:bodyPr/>
-          <a:lstStyle/>
-          <a:p>
-            <a:r>
-              <a:rPr lang="en-GB" dirty="0"/>
-              <a:t>On Deep Neural Networks complexity</a:t>
-            </a:r>
-            <a:endParaRPr lang="en-SG" dirty="0"/>
-          </a:p>
-        </p:txBody>
-      </p:sp>
-      <p:sp>
-        <p:nvSpPr>
-          <p:cNvPr id="3" name="Content Placeholder 2">
-            <a:extLst>
-              <a:ext uri="{FF2B5EF4-FFF2-40B4-BE49-F238E27FC236}">
-                <a16:creationId xmlns:a16="http://schemas.microsoft.com/office/drawing/2014/main" id="{593B6C32-2754-00A2-7A8E-EF46AD4E3535}"/>
-              </a:ext>
-            </a:extLst>
-          </p:cNvPr>
-          <p:cNvSpPr>
-            <a:spLocks noGrp="1"/>
-          </p:cNvSpPr>
-          <p:nvPr>
-            <p:ph idx="1"/>
-          </p:nvPr>
-        </p:nvSpPr>
-        <p:spPr>
-          <a:xfrm>
-            <a:off x="838200" y="1825624"/>
-            <a:ext cx="10515600" cy="5032375"/>
-          </a:xfrm>
-        </p:spPr>
-        <p:txBody>
-          <a:bodyPr>
-            <a:normAutofit/>
-          </a:bodyPr>
-          <a:lstStyle/>
-          <a:p>
-            <a:r>
-              <a:rPr lang="en-GB" dirty="0"/>
-              <a:t>More importantly, if the network is </a:t>
-            </a:r>
-            <a:r>
-              <a:rPr lang="en-GB" b="1" dirty="0"/>
-              <a:t>too deep</a:t>
-            </a:r>
-            <a:r>
-              <a:rPr lang="en-GB" dirty="0"/>
-              <a:t>, it may also be prone to </a:t>
-            </a:r>
-            <a:r>
-              <a:rPr lang="en-GB" b="1" dirty="0"/>
-              <a:t>overfitting</a:t>
-            </a:r>
-            <a:r>
-              <a:rPr lang="en-GB" dirty="0"/>
-              <a:t>, which can hinder its generalization performance on unseen data.</a:t>
-            </a:r>
-          </a:p>
-          <a:p>
-            <a:r>
-              <a:rPr lang="en-GB" dirty="0"/>
-              <a:t>On the other hand, </a:t>
-            </a:r>
-            <a:r>
-              <a:rPr lang="en-GB" b="1" dirty="0"/>
-              <a:t>shallow</a:t>
-            </a:r>
-            <a:r>
-              <a:rPr lang="en-GB" dirty="0"/>
-              <a:t> </a:t>
-            </a:r>
-            <a:r>
-              <a:rPr lang="en-GB" b="1" dirty="0"/>
-              <a:t>networks</a:t>
-            </a:r>
-            <a:r>
-              <a:rPr lang="en-GB" dirty="0"/>
-              <a:t> with fewer layers may be easier to train and require less data, but </a:t>
-            </a:r>
-            <a:r>
-              <a:rPr lang="en-GB" b="1" dirty="0"/>
-              <a:t>they may not be able to learn as complex patterns</a:t>
-            </a:r>
-            <a:r>
-              <a:rPr lang="en-GB" dirty="0"/>
-              <a:t>.</a:t>
-            </a:r>
-          </a:p>
-          <a:p>
-            <a:endParaRPr lang="en-GB" dirty="0"/>
-          </a:p>
-          <a:p>
-            <a:pPr marL="0" indent="0">
-              <a:buNone/>
-            </a:pPr>
-            <a:r>
-              <a:rPr lang="en-GB" b="1" dirty="0">
-                <a:solidFill>
-                  <a:srgbClr val="7030A0"/>
-                </a:solidFill>
-              </a:rPr>
-              <a:t>Another No Free Lunch (NFL): Finding the optimal number of layers and the optimal architecture of a deep neural network is often a trade-off between model complexity, computational resources, and performance. It requires some experimentation and model selection.</a:t>
-            </a:r>
-            <a:endParaRPr lang="en-SG" b="1" dirty="0">
-              <a:solidFill>
-                <a:srgbClr val="7030A0"/>
-              </a:solidFill>
-            </a:endParaRPr>
-          </a:p>
-        </p:txBody>
-      </p:sp>
-    </p:spTree>
-    <p:extLst>
-      <p:ext uri="{BB962C8B-B14F-4D97-AF65-F5344CB8AC3E}">
-        <p14:creationId xmlns:p14="http://schemas.microsoft.com/office/powerpoint/2010/main" val="336555302"/>
-      </p:ext>
-    </p:extLst>
-  </p:cSld>
-  <p:clrMapOvr>
-    <a:masterClrMapping/>
-  </p:clrMapOvr>
-</p:sld>
-</file>
-
-<file path=ppt/slides/slide53.xml><?xml version="1.0" encoding="utf-8"?>
 <p:sld xmlns:a="http://schemas.openxmlformats.org/drawingml/2006/main" xmlns:r="http://schemas.openxmlformats.org/officeDocument/2006/relationships" xmlns:p="http://schemas.openxmlformats.org/presentationml/2006/main">
   <p:cSld>
     <p:spTree>
@@ -26117,7 +26659,7 @@
           <a:p>
             <a:r>
               <a:rPr lang="en-GB" dirty="0"/>
-              <a:t>In fact, our DNN is overfitting at the moment!</a:t>
+              <a:t>Careful: Deeper does not mean better!</a:t>
             </a:r>
             <a:endParaRPr lang="en-SG" dirty="0"/>
           </a:p>
@@ -26276,7 +26818,7 @@
 </p:sld>
 </file>
 
-<file path=ppt/slides/slide54.xml><?xml version="1.0" encoding="utf-8"?>
+<file path=ppt/slides/slide53.xml><?xml version="1.0" encoding="utf-8"?>
 <p:sld xmlns:a="http://schemas.openxmlformats.org/drawingml/2006/main" xmlns:r="http://schemas.openxmlformats.org/officeDocument/2006/relationships" xmlns:p="http://schemas.openxmlformats.org/presentationml/2006/main">
   <p:cSld>
     <p:spTree>
@@ -26628,8 +27170,8 @@
         </p:nvSpPr>
         <p:spPr>
           <a:xfrm>
-            <a:off x="5911660" y="5661878"/>
-            <a:ext cx="6194322" cy="830997"/>
+            <a:off x="5911660" y="5573387"/>
+            <a:ext cx="6194322" cy="1200329"/>
           </a:xfrm>
           <a:prstGeom prst="rect">
             <a:avLst/>
@@ -26649,6 +27191,21 @@
                 </a:solidFill>
               </a:rPr>
               <a:t>Important lesson: Larger and deeper network does not necessarily mean better performance!</a:t>
+            </a:r>
+            <a:br>
+              <a:rPr lang="en-GB" sz="2400" b="1" dirty="0">
+                <a:solidFill>
+                  <a:srgbClr val="7030A0"/>
+                </a:solidFill>
+              </a:rPr>
+            </a:br>
+            <a:r>
+              <a:rPr lang="en-GB" sz="2400" b="1" dirty="0">
+                <a:solidFill>
+                  <a:srgbClr val="7030A0"/>
+                </a:solidFill>
+              </a:rPr>
+              <a:t>(Deeper and larger models could overfit!)</a:t>
             </a:r>
             <a:endParaRPr lang="en-SG" sz="2400" b="1" dirty="0">
               <a:solidFill>
@@ -26671,1143 +27228,7 @@
 </p:sld>
 </file>
 
-<file path=ppt/slides/slide55.xml><?xml version="1.0" encoding="utf-8"?>
-<p:sld xmlns:a="http://schemas.openxmlformats.org/drawingml/2006/main" xmlns:r="http://schemas.openxmlformats.org/officeDocument/2006/relationships" xmlns:p="http://schemas.openxmlformats.org/presentationml/2006/main">
-  <p:cSld>
-    <p:spTree>
-      <p:nvGrpSpPr>
-        <p:cNvPr id="1" name=""/>
-        <p:cNvGrpSpPr/>
-        <p:nvPr/>
-      </p:nvGrpSpPr>
-      <p:grpSpPr>
-        <a:xfrm>
-          <a:off x="0" y="0"/>
-          <a:ext cx="0" cy="0"/>
-          <a:chOff x="0" y="0"/>
-          <a:chExt cx="0" cy="0"/>
-        </a:xfrm>
-      </p:grpSpPr>
-      <p:sp>
-        <p:nvSpPr>
-          <p:cNvPr id="2" name="Title 1">
-            <a:extLst>
-              <a:ext uri="{FF2B5EF4-FFF2-40B4-BE49-F238E27FC236}">
-                <a16:creationId xmlns:a16="http://schemas.microsoft.com/office/drawing/2014/main" id="{3F88AB3E-DF60-4411-7415-7A8708334829}"/>
-              </a:ext>
-            </a:extLst>
-          </p:cNvPr>
-          <p:cNvSpPr>
-            <a:spLocks noGrp="1"/>
-          </p:cNvSpPr>
-          <p:nvPr>
-            <p:ph type="title"/>
-          </p:nvPr>
-        </p:nvSpPr>
-        <p:spPr/>
-        <p:txBody>
-          <a:bodyPr/>
-          <a:lstStyle/>
-          <a:p>
-            <a:r>
-              <a:rPr lang="en-GB" dirty="0"/>
-              <a:t>Introduction (Week 3)</a:t>
-            </a:r>
-            <a:endParaRPr lang="en-SG" dirty="0"/>
-          </a:p>
-        </p:txBody>
-      </p:sp>
-      <p:sp>
-        <p:nvSpPr>
-          <p:cNvPr id="3" name="Content Placeholder 2">
-            <a:extLst>
-              <a:ext uri="{FF2B5EF4-FFF2-40B4-BE49-F238E27FC236}">
-                <a16:creationId xmlns:a16="http://schemas.microsoft.com/office/drawing/2014/main" id="{65B58308-C101-BC04-E972-00C74DE5080B}"/>
-              </a:ext>
-            </a:extLst>
-          </p:cNvPr>
-          <p:cNvSpPr>
-            <a:spLocks noGrp="1"/>
-          </p:cNvSpPr>
-          <p:nvPr>
-            <p:ph idx="1"/>
-          </p:nvPr>
-        </p:nvSpPr>
-        <p:spPr>
-          <a:xfrm>
-            <a:off x="838200" y="1825624"/>
-            <a:ext cx="10515600" cy="5032375"/>
-          </a:xfrm>
-        </p:spPr>
-        <p:txBody>
-          <a:bodyPr/>
-          <a:lstStyle/>
-          <a:p>
-            <a:pPr marL="514350" indent="-514350">
-              <a:buFont typeface="+mj-lt"/>
-              <a:buAutoNum type="arabicPeriod"/>
-            </a:pPr>
-            <a:r>
-              <a:rPr lang="en-GB" dirty="0"/>
-              <a:t>What is the </a:t>
-            </a:r>
-            <a:r>
-              <a:rPr lang="en-GB" b="1" dirty="0" err="1"/>
-              <a:t>PyTorch</a:t>
-            </a:r>
-            <a:r>
-              <a:rPr lang="en-GB" dirty="0"/>
-              <a:t> </a:t>
-            </a:r>
-            <a:r>
-              <a:rPr lang="en-GB" b="1" dirty="0"/>
-              <a:t>library</a:t>
-            </a:r>
-            <a:r>
-              <a:rPr lang="en-GB" dirty="0"/>
-              <a:t> and its </a:t>
-            </a:r>
-            <a:r>
-              <a:rPr lang="en-GB" b="1" dirty="0"/>
-              <a:t>benefits</a:t>
-            </a:r>
-            <a:r>
-              <a:rPr lang="en-GB" dirty="0"/>
-              <a:t>?</a:t>
-            </a:r>
-          </a:p>
-          <a:p>
-            <a:pPr marL="514350" indent="-514350">
-              <a:buFont typeface="+mj-lt"/>
-              <a:buAutoNum type="arabicPeriod"/>
-            </a:pPr>
-            <a:r>
-              <a:rPr lang="en-GB" dirty="0"/>
-              <a:t>What is a </a:t>
-            </a:r>
-            <a:r>
-              <a:rPr lang="en-GB" b="1" dirty="0" err="1"/>
-              <a:t>PyTorch</a:t>
-            </a:r>
-            <a:r>
-              <a:rPr lang="en-GB" dirty="0"/>
-              <a:t> </a:t>
-            </a:r>
-            <a:r>
-              <a:rPr lang="en-GB" b="1" dirty="0"/>
-              <a:t>tensor</a:t>
-            </a:r>
-            <a:r>
-              <a:rPr lang="en-GB" dirty="0"/>
-              <a:t> </a:t>
-            </a:r>
-            <a:r>
-              <a:rPr lang="en-GB" b="1" dirty="0"/>
-              <a:t>object</a:t>
-            </a:r>
-            <a:r>
-              <a:rPr lang="en-GB" dirty="0"/>
-              <a:t> and its typical </a:t>
-            </a:r>
-            <a:r>
-              <a:rPr lang="en-GB" b="1" dirty="0"/>
-              <a:t>attributes</a:t>
-            </a:r>
-            <a:r>
-              <a:rPr lang="en-GB" dirty="0"/>
-              <a:t>?</a:t>
-            </a:r>
-          </a:p>
-          <a:p>
-            <a:pPr marL="514350" indent="-514350">
-              <a:buFont typeface="+mj-lt"/>
-              <a:buAutoNum type="arabicPeriod"/>
-            </a:pPr>
-            <a:r>
-              <a:rPr lang="en-GB" dirty="0"/>
-              <a:t>How to implement some typical </a:t>
-            </a:r>
-            <a:r>
-              <a:rPr lang="en-GB" b="1" dirty="0"/>
-              <a:t>tensor</a:t>
-            </a:r>
-            <a:r>
-              <a:rPr lang="en-GB" dirty="0"/>
-              <a:t> </a:t>
-            </a:r>
-            <a:r>
-              <a:rPr lang="en-GB" b="1" dirty="0"/>
-              <a:t>operations</a:t>
-            </a:r>
-            <a:r>
-              <a:rPr lang="en-GB" dirty="0"/>
-              <a:t>?</a:t>
-            </a:r>
-          </a:p>
-          <a:p>
-            <a:pPr marL="514350" indent="-514350">
-              <a:buFont typeface="+mj-lt"/>
-              <a:buAutoNum type="arabicPeriod"/>
-            </a:pPr>
-            <a:r>
-              <a:rPr lang="en-GB" dirty="0"/>
-              <a:t>What is </a:t>
-            </a:r>
-            <a:r>
-              <a:rPr lang="en-GB" b="1" dirty="0"/>
-              <a:t>broadcasting</a:t>
-            </a:r>
-            <a:r>
-              <a:rPr lang="en-GB" dirty="0"/>
-              <a:t> on tensors?</a:t>
-            </a:r>
-          </a:p>
-          <a:p>
-            <a:pPr marL="514350" indent="-514350">
-              <a:buFont typeface="+mj-lt"/>
-              <a:buAutoNum type="arabicPeriod"/>
-            </a:pPr>
-            <a:r>
-              <a:rPr lang="en-GB" dirty="0"/>
-              <a:t>What are </a:t>
-            </a:r>
-            <a:r>
-              <a:rPr lang="en-GB" b="1" dirty="0"/>
-              <a:t>tensor</a:t>
-            </a:r>
-            <a:r>
-              <a:rPr lang="en-GB" dirty="0"/>
-              <a:t> </a:t>
-            </a:r>
-            <a:r>
-              <a:rPr lang="en-GB" b="1" dirty="0"/>
-              <a:t>locations</a:t>
-            </a:r>
-            <a:r>
-              <a:rPr lang="en-GB" dirty="0"/>
-              <a:t> in terms of computation?</a:t>
-            </a:r>
-          </a:p>
-          <a:p>
-            <a:pPr marL="514350" indent="-514350">
-              <a:buFont typeface="+mj-lt"/>
-              <a:buAutoNum type="arabicPeriod"/>
-            </a:pPr>
-            <a:r>
-              <a:rPr lang="en-GB" dirty="0"/>
-              <a:t>How to </a:t>
-            </a:r>
-            <a:r>
-              <a:rPr lang="en-GB" b="1" dirty="0"/>
-              <a:t>transform</a:t>
-            </a:r>
-            <a:r>
-              <a:rPr lang="en-GB" dirty="0"/>
-              <a:t> </a:t>
-            </a:r>
-            <a:r>
-              <a:rPr lang="en-GB" b="1" dirty="0"/>
-              <a:t>our</a:t>
-            </a:r>
-            <a:r>
-              <a:rPr lang="en-GB" dirty="0"/>
-              <a:t> </a:t>
-            </a:r>
-            <a:r>
-              <a:rPr lang="en-GB" b="1" dirty="0"/>
-              <a:t>original</a:t>
-            </a:r>
-            <a:r>
-              <a:rPr lang="en-GB" dirty="0"/>
-              <a:t> </a:t>
-            </a:r>
-            <a:r>
-              <a:rPr lang="en-GB" b="1" dirty="0"/>
-              <a:t>NumPy</a:t>
-            </a:r>
-            <a:r>
-              <a:rPr lang="en-GB" dirty="0"/>
-              <a:t> </a:t>
-            </a:r>
-            <a:r>
-              <a:rPr lang="en-GB" b="1" dirty="0"/>
-              <a:t>shallow</a:t>
-            </a:r>
-            <a:r>
-              <a:rPr lang="en-GB" dirty="0"/>
-              <a:t> </a:t>
-            </a:r>
-            <a:r>
-              <a:rPr lang="en-GB" b="1" dirty="0"/>
-              <a:t>Neural</a:t>
-            </a:r>
-            <a:r>
-              <a:rPr lang="en-GB" dirty="0"/>
-              <a:t> </a:t>
-            </a:r>
-            <a:r>
-              <a:rPr lang="en-GB" b="1" dirty="0"/>
-              <a:t>Network</a:t>
-            </a:r>
-            <a:r>
-              <a:rPr lang="en-GB" dirty="0"/>
-              <a:t> class so it uses </a:t>
-            </a:r>
-            <a:r>
-              <a:rPr lang="en-GB" b="1" dirty="0" err="1"/>
-              <a:t>PyTorch</a:t>
-            </a:r>
-            <a:r>
-              <a:rPr lang="en-GB" dirty="0"/>
-              <a:t> now instead?</a:t>
-            </a:r>
-          </a:p>
-          <a:p>
-            <a:pPr marL="514350" indent="-514350">
-              <a:buFont typeface="+mj-lt"/>
-              <a:buAutoNum type="arabicPeriod"/>
-            </a:pPr>
-            <a:r>
-              <a:rPr lang="en-GB" dirty="0"/>
-              <a:t>How to implement a </a:t>
-            </a:r>
-            <a:r>
-              <a:rPr lang="en-GB" b="1" dirty="0"/>
-              <a:t>forward</a:t>
-            </a:r>
-            <a:r>
-              <a:rPr lang="en-GB" dirty="0"/>
-              <a:t>, </a:t>
-            </a:r>
-            <a:r>
-              <a:rPr lang="en-GB" b="1" dirty="0"/>
-              <a:t>loss</a:t>
-            </a:r>
-            <a:r>
-              <a:rPr lang="en-GB" dirty="0"/>
-              <a:t> and </a:t>
-            </a:r>
-            <a:r>
-              <a:rPr lang="en-GB" b="1" dirty="0"/>
-              <a:t>accuracy</a:t>
-            </a:r>
-            <a:r>
-              <a:rPr lang="en-GB" dirty="0"/>
-              <a:t> metric in </a:t>
-            </a:r>
-            <a:r>
-              <a:rPr lang="en-GB" dirty="0" err="1"/>
-              <a:t>PyTorch</a:t>
-            </a:r>
-            <a:r>
-              <a:rPr lang="en-GB" dirty="0"/>
-              <a:t>?</a:t>
-            </a:r>
-          </a:p>
-          <a:p>
-            <a:pPr marL="514350" indent="-514350">
-              <a:buFont typeface="+mj-lt"/>
-              <a:buAutoNum type="arabicPeriod"/>
-            </a:pPr>
-            <a:r>
-              <a:rPr lang="en-GB" dirty="0"/>
-              <a:t>What are some measurable </a:t>
-            </a:r>
-            <a:r>
-              <a:rPr lang="en-GB" b="1" dirty="0"/>
-              <a:t>performance</a:t>
-            </a:r>
-            <a:r>
-              <a:rPr lang="en-GB" dirty="0"/>
-              <a:t> </a:t>
-            </a:r>
-            <a:r>
-              <a:rPr lang="en-GB" b="1" dirty="0"/>
-              <a:t>benefits</a:t>
-            </a:r>
-            <a:r>
-              <a:rPr lang="en-GB" dirty="0"/>
-              <a:t> of using </a:t>
-            </a:r>
-            <a:r>
-              <a:rPr lang="en-GB" b="1" dirty="0" err="1"/>
-              <a:t>PyTorch</a:t>
-            </a:r>
-            <a:r>
-              <a:rPr lang="en-GB" dirty="0"/>
-              <a:t> over NumPy and </a:t>
-            </a:r>
-            <a:r>
-              <a:rPr lang="en-GB" b="1" dirty="0"/>
-              <a:t>GPUs</a:t>
-            </a:r>
-            <a:r>
-              <a:rPr lang="en-GB" dirty="0"/>
-              <a:t> over CPUs?</a:t>
-            </a:r>
-          </a:p>
-          <a:p>
-            <a:pPr marL="514350" indent="-514350">
-              <a:buFont typeface="+mj-lt"/>
-              <a:buAutoNum type="arabicPeriod"/>
-            </a:pPr>
-            <a:endParaRPr lang="en-SG" dirty="0"/>
-          </a:p>
-        </p:txBody>
-      </p:sp>
-    </p:spTree>
-    <p:extLst>
-      <p:ext uri="{BB962C8B-B14F-4D97-AF65-F5344CB8AC3E}">
-        <p14:creationId xmlns:p14="http://schemas.microsoft.com/office/powerpoint/2010/main" val="2532925431"/>
-      </p:ext>
-    </p:extLst>
-  </p:cSld>
-  <p:clrMapOvr>
-    <a:masterClrMapping/>
-  </p:clrMapOvr>
-</p:sld>
-</file>
-
-<file path=ppt/slides/slide56.xml><?xml version="1.0" encoding="utf-8"?>
-<p:sld xmlns:a="http://schemas.openxmlformats.org/drawingml/2006/main" xmlns:r="http://schemas.openxmlformats.org/officeDocument/2006/relationships" xmlns:p="http://schemas.openxmlformats.org/presentationml/2006/main">
-  <p:cSld>
-    <p:spTree>
-      <p:nvGrpSpPr>
-        <p:cNvPr id="1" name=""/>
-        <p:cNvGrpSpPr/>
-        <p:nvPr/>
-      </p:nvGrpSpPr>
-      <p:grpSpPr>
-        <a:xfrm>
-          <a:off x="0" y="0"/>
-          <a:ext cx="0" cy="0"/>
-          <a:chOff x="0" y="0"/>
-          <a:chExt cx="0" cy="0"/>
-        </a:xfrm>
-      </p:grpSpPr>
-      <p:sp>
-        <p:nvSpPr>
-          <p:cNvPr id="2" name="Title 1">
-            <a:extLst>
-              <a:ext uri="{FF2B5EF4-FFF2-40B4-BE49-F238E27FC236}">
-                <a16:creationId xmlns:a16="http://schemas.microsoft.com/office/drawing/2014/main" id="{3F88AB3E-DF60-4411-7415-7A8708334829}"/>
-              </a:ext>
-            </a:extLst>
-          </p:cNvPr>
-          <p:cNvSpPr>
-            <a:spLocks noGrp="1"/>
-          </p:cNvSpPr>
-          <p:nvPr>
-            <p:ph type="title"/>
-          </p:nvPr>
-        </p:nvSpPr>
-        <p:spPr/>
-        <p:txBody>
-          <a:bodyPr/>
-          <a:lstStyle/>
-          <a:p>
-            <a:r>
-              <a:rPr lang="en-GB" dirty="0"/>
-              <a:t>Introduction (Week 3)</a:t>
-            </a:r>
-            <a:endParaRPr lang="en-SG" dirty="0"/>
-          </a:p>
-        </p:txBody>
-      </p:sp>
-      <p:sp>
-        <p:nvSpPr>
-          <p:cNvPr id="3" name="Content Placeholder 2">
-            <a:extLst>
-              <a:ext uri="{FF2B5EF4-FFF2-40B4-BE49-F238E27FC236}">
-                <a16:creationId xmlns:a16="http://schemas.microsoft.com/office/drawing/2014/main" id="{65B58308-C101-BC04-E972-00C74DE5080B}"/>
-              </a:ext>
-            </a:extLst>
-          </p:cNvPr>
-          <p:cNvSpPr>
-            <a:spLocks noGrp="1"/>
-          </p:cNvSpPr>
-          <p:nvPr>
-            <p:ph idx="1"/>
-          </p:nvPr>
-        </p:nvSpPr>
-        <p:spPr>
-          <a:xfrm>
-            <a:off x="838200" y="1825624"/>
-            <a:ext cx="10515600" cy="5032375"/>
-          </a:xfrm>
-        </p:spPr>
-        <p:txBody>
-          <a:bodyPr>
-            <a:normAutofit lnSpcReduction="10000"/>
-          </a:bodyPr>
-          <a:lstStyle/>
-          <a:p>
-            <a:pPr marL="514350" indent="-514350">
-              <a:buFont typeface="+mj-lt"/>
-              <a:buAutoNum type="arabicPeriod" startAt="9"/>
-            </a:pPr>
-            <a:r>
-              <a:rPr lang="en-GB" dirty="0"/>
-              <a:t>What is the </a:t>
-            </a:r>
-            <a:r>
-              <a:rPr lang="en-GB" b="1" dirty="0" err="1"/>
-              <a:t>autograd</a:t>
-            </a:r>
-            <a:r>
-              <a:rPr lang="en-GB" dirty="0"/>
-              <a:t>/</a:t>
-            </a:r>
-            <a:r>
-              <a:rPr lang="en-GB" b="1" dirty="0"/>
-              <a:t>backprop</a:t>
-            </a:r>
-            <a:r>
-              <a:rPr lang="en-GB" dirty="0"/>
-              <a:t> module in </a:t>
-            </a:r>
-            <a:r>
-              <a:rPr lang="en-GB" dirty="0" err="1"/>
-              <a:t>PyTorch</a:t>
-            </a:r>
-            <a:r>
-              <a:rPr lang="en-GB" dirty="0"/>
-              <a:t>, and how does it use a </a:t>
-            </a:r>
-            <a:r>
-              <a:rPr lang="en-GB" b="1" dirty="0"/>
-              <a:t>computational</a:t>
-            </a:r>
-            <a:r>
-              <a:rPr lang="en-GB" dirty="0"/>
-              <a:t> </a:t>
-            </a:r>
-            <a:r>
-              <a:rPr lang="en-GB" b="1" dirty="0"/>
-              <a:t>graph</a:t>
-            </a:r>
-            <a:r>
-              <a:rPr lang="en-GB" dirty="0"/>
-              <a:t> to </a:t>
-            </a:r>
-            <a:r>
-              <a:rPr lang="en-GB" b="1" dirty="0"/>
-              <a:t>compute</a:t>
-            </a:r>
-            <a:r>
-              <a:rPr lang="en-GB" dirty="0"/>
-              <a:t> </a:t>
-            </a:r>
-            <a:r>
-              <a:rPr lang="en-GB" b="1" dirty="0"/>
-              <a:t>all</a:t>
-            </a:r>
-            <a:r>
-              <a:rPr lang="en-GB" dirty="0"/>
-              <a:t> </a:t>
-            </a:r>
-            <a:r>
-              <a:rPr lang="en-GB" b="1" dirty="0"/>
-              <a:t>derivatives</a:t>
-            </a:r>
-            <a:r>
-              <a:rPr lang="en-GB" dirty="0"/>
-              <a:t>? </a:t>
-            </a:r>
-          </a:p>
-          <a:p>
-            <a:pPr marL="514350" indent="-514350">
-              <a:buFont typeface="+mj-lt"/>
-              <a:buAutoNum type="arabicPeriod" startAt="9"/>
-            </a:pPr>
-            <a:r>
-              <a:rPr lang="en-GB" dirty="0"/>
-              <a:t>How to use the </a:t>
-            </a:r>
-            <a:r>
-              <a:rPr lang="en-GB" b="1" dirty="0" err="1"/>
-              <a:t>autograd</a:t>
-            </a:r>
-            <a:r>
-              <a:rPr lang="en-GB" dirty="0"/>
-              <a:t> to implement </a:t>
-            </a:r>
-            <a:r>
-              <a:rPr lang="en-GB" b="1" dirty="0"/>
-              <a:t>derivatives</a:t>
-            </a:r>
-            <a:r>
-              <a:rPr lang="en-GB" dirty="0"/>
-              <a:t> and a </a:t>
-            </a:r>
-            <a:r>
-              <a:rPr lang="en-GB" b="1" dirty="0"/>
-              <a:t>vanilla</a:t>
-            </a:r>
-            <a:r>
-              <a:rPr lang="en-GB" dirty="0"/>
-              <a:t> </a:t>
-            </a:r>
-            <a:r>
-              <a:rPr lang="en-GB" b="1" dirty="0"/>
-              <a:t>gradient</a:t>
-            </a:r>
-            <a:r>
-              <a:rPr lang="en-GB" dirty="0"/>
-              <a:t> </a:t>
-            </a:r>
-            <a:r>
-              <a:rPr lang="en-GB" b="1" dirty="0"/>
-              <a:t>descent</a:t>
-            </a:r>
-            <a:r>
-              <a:rPr lang="en-GB" dirty="0"/>
-              <a:t>?</a:t>
-            </a:r>
-          </a:p>
-          <a:p>
-            <a:pPr marL="514350" indent="-514350">
-              <a:buFont typeface="+mj-lt"/>
-              <a:buAutoNum type="arabicPeriod" startAt="9"/>
-            </a:pPr>
-            <a:r>
-              <a:rPr lang="en-GB" dirty="0"/>
-              <a:t>How to implement </a:t>
-            </a:r>
-            <a:r>
-              <a:rPr lang="en-GB" b="1" dirty="0"/>
-              <a:t>backprop</a:t>
-            </a:r>
-            <a:r>
-              <a:rPr lang="en-GB" dirty="0"/>
-              <a:t> in </a:t>
-            </a:r>
-            <a:r>
-              <a:rPr lang="en-GB" dirty="0" err="1"/>
-              <a:t>PyTorch</a:t>
-            </a:r>
-            <a:r>
-              <a:rPr lang="en-GB" dirty="0"/>
-              <a:t> for our </a:t>
-            </a:r>
-            <a:r>
-              <a:rPr lang="en-GB" b="1" dirty="0"/>
-              <a:t>shallow</a:t>
-            </a:r>
-            <a:r>
-              <a:rPr lang="en-GB" dirty="0"/>
-              <a:t> </a:t>
-            </a:r>
-            <a:r>
-              <a:rPr lang="en-GB" b="1" dirty="0"/>
-              <a:t>Neural</a:t>
-            </a:r>
-            <a:r>
-              <a:rPr lang="en-GB" dirty="0"/>
-              <a:t> </a:t>
-            </a:r>
-            <a:r>
-              <a:rPr lang="en-GB" b="1" dirty="0"/>
-              <a:t>Network</a:t>
-            </a:r>
-            <a:r>
-              <a:rPr lang="en-GB" dirty="0"/>
-              <a:t> class?</a:t>
-            </a:r>
-          </a:p>
-          <a:p>
-            <a:pPr marL="514350" indent="-514350">
-              <a:buFont typeface="+mj-lt"/>
-              <a:buAutoNum type="arabicPeriod" startAt="9"/>
-            </a:pPr>
-            <a:r>
-              <a:rPr lang="en-GB" dirty="0"/>
-              <a:t>How to use </a:t>
-            </a:r>
-            <a:r>
-              <a:rPr lang="en-GB" b="1" dirty="0" err="1"/>
-              <a:t>PyTorch</a:t>
-            </a:r>
-            <a:r>
-              <a:rPr lang="en-GB" dirty="0"/>
-              <a:t> to implement </a:t>
-            </a:r>
-            <a:r>
-              <a:rPr lang="en-GB" b="1" dirty="0"/>
-              <a:t>advanced</a:t>
-            </a:r>
-            <a:r>
-              <a:rPr lang="en-GB" dirty="0"/>
-              <a:t> </a:t>
-            </a:r>
-            <a:r>
-              <a:rPr lang="en-GB" b="1" dirty="0"/>
-              <a:t>optimizers</a:t>
-            </a:r>
-            <a:r>
-              <a:rPr lang="en-GB" dirty="0"/>
-              <a:t>?</a:t>
-            </a:r>
-          </a:p>
-          <a:p>
-            <a:pPr marL="514350" indent="-514350">
-              <a:buFont typeface="+mj-lt"/>
-              <a:buAutoNum type="arabicPeriod" startAt="9"/>
-            </a:pPr>
-            <a:r>
-              <a:rPr lang="en-GB" dirty="0"/>
-              <a:t>How to use </a:t>
-            </a:r>
-            <a:r>
-              <a:rPr lang="en-GB" b="1" dirty="0" err="1"/>
-              <a:t>PyTorch</a:t>
-            </a:r>
-            <a:r>
-              <a:rPr lang="en-GB" dirty="0"/>
-              <a:t> to implement </a:t>
-            </a:r>
-            <a:r>
-              <a:rPr lang="en-GB" b="1" dirty="0"/>
-              <a:t>advanced</a:t>
-            </a:r>
-            <a:r>
-              <a:rPr lang="en-GB" dirty="0"/>
-              <a:t> </a:t>
-            </a:r>
-            <a:r>
-              <a:rPr lang="en-GB" b="1" dirty="0"/>
-              <a:t>initializers</a:t>
-            </a:r>
-            <a:r>
-              <a:rPr lang="en-GB" dirty="0"/>
-              <a:t>?</a:t>
-            </a:r>
-          </a:p>
-          <a:p>
-            <a:pPr marL="514350" indent="-514350">
-              <a:buFont typeface="+mj-lt"/>
-              <a:buAutoNum type="arabicPeriod" startAt="9"/>
-            </a:pPr>
-            <a:r>
-              <a:rPr lang="en-GB" dirty="0"/>
-              <a:t>How to use </a:t>
-            </a:r>
-            <a:r>
-              <a:rPr lang="en-GB" b="1" dirty="0" err="1"/>
-              <a:t>PyTorch</a:t>
-            </a:r>
-            <a:r>
-              <a:rPr lang="en-GB" dirty="0"/>
-              <a:t> to implement </a:t>
-            </a:r>
-            <a:r>
-              <a:rPr lang="en-GB" b="1" dirty="0"/>
-              <a:t>regularization</a:t>
-            </a:r>
-            <a:r>
-              <a:rPr lang="en-GB" dirty="0"/>
-              <a:t>?</a:t>
-            </a:r>
-          </a:p>
-          <a:p>
-            <a:pPr marL="514350" indent="-514350">
-              <a:buFont typeface="+mj-lt"/>
-              <a:buAutoNum type="arabicPeriod" startAt="9"/>
-            </a:pPr>
-            <a:r>
-              <a:rPr lang="en-GB" dirty="0"/>
-              <a:t>How to finally revise our </a:t>
-            </a:r>
-            <a:r>
-              <a:rPr lang="en-GB" b="1" dirty="0"/>
-              <a:t>trainer</a:t>
-            </a:r>
-            <a:r>
-              <a:rPr lang="en-GB" dirty="0"/>
-              <a:t> function to obtain a minimal, yet complete Neural Network in </a:t>
-            </a:r>
-            <a:r>
-              <a:rPr lang="en-GB" dirty="0" err="1"/>
-              <a:t>PyTorch</a:t>
-            </a:r>
-            <a:r>
-              <a:rPr lang="en-GB" dirty="0"/>
-              <a:t>?</a:t>
-            </a:r>
-          </a:p>
-          <a:p>
-            <a:pPr marL="514350" indent="-514350">
-              <a:buFont typeface="+mj-lt"/>
-              <a:buAutoNum type="arabicPeriod" startAt="9"/>
-            </a:pPr>
-            <a:endParaRPr lang="en-SG" dirty="0"/>
-          </a:p>
-        </p:txBody>
-      </p:sp>
-    </p:spTree>
-    <p:extLst>
-      <p:ext uri="{BB962C8B-B14F-4D97-AF65-F5344CB8AC3E}">
-        <p14:creationId xmlns:p14="http://schemas.microsoft.com/office/powerpoint/2010/main" val="1198396189"/>
-      </p:ext>
-    </p:extLst>
-  </p:cSld>
-  <p:clrMapOvr>
-    <a:masterClrMapping/>
-  </p:clrMapOvr>
-</p:sld>
-</file>
-
-<file path=ppt/slides/slide57.xml><?xml version="1.0" encoding="utf-8"?>
-<p:sld xmlns:a="http://schemas.openxmlformats.org/drawingml/2006/main" xmlns:r="http://schemas.openxmlformats.org/officeDocument/2006/relationships" xmlns:p="http://schemas.openxmlformats.org/presentationml/2006/main">
-  <p:cSld>
-    <p:spTree>
-      <p:nvGrpSpPr>
-        <p:cNvPr id="1" name=""/>
-        <p:cNvGrpSpPr/>
-        <p:nvPr/>
-      </p:nvGrpSpPr>
-      <p:grpSpPr>
-        <a:xfrm>
-          <a:off x="0" y="0"/>
-          <a:ext cx="0" cy="0"/>
-          <a:chOff x="0" y="0"/>
-          <a:chExt cx="0" cy="0"/>
-        </a:xfrm>
-      </p:grpSpPr>
-      <p:sp>
-        <p:nvSpPr>
-          <p:cNvPr id="2" name="Title 1">
-            <a:extLst>
-              <a:ext uri="{FF2B5EF4-FFF2-40B4-BE49-F238E27FC236}">
-                <a16:creationId xmlns:a16="http://schemas.microsoft.com/office/drawing/2014/main" id="{3F88AB3E-DF60-4411-7415-7A8708334829}"/>
-              </a:ext>
-            </a:extLst>
-          </p:cNvPr>
-          <p:cNvSpPr>
-            <a:spLocks noGrp="1"/>
-          </p:cNvSpPr>
-          <p:nvPr>
-            <p:ph type="title"/>
-          </p:nvPr>
-        </p:nvSpPr>
-        <p:spPr/>
-        <p:txBody>
-          <a:bodyPr/>
-          <a:lstStyle/>
-          <a:p>
-            <a:r>
-              <a:rPr lang="en-GB" dirty="0"/>
-              <a:t>Introduction (Week 3)</a:t>
-            </a:r>
-            <a:endParaRPr lang="en-SG" dirty="0"/>
-          </a:p>
-        </p:txBody>
-      </p:sp>
-      <p:sp>
-        <p:nvSpPr>
-          <p:cNvPr id="3" name="Content Placeholder 2">
-            <a:extLst>
-              <a:ext uri="{FF2B5EF4-FFF2-40B4-BE49-F238E27FC236}">
-                <a16:creationId xmlns:a16="http://schemas.microsoft.com/office/drawing/2014/main" id="{65B58308-C101-BC04-E972-00C74DE5080B}"/>
-              </a:ext>
-            </a:extLst>
-          </p:cNvPr>
-          <p:cNvSpPr>
-            <a:spLocks noGrp="1"/>
-          </p:cNvSpPr>
-          <p:nvPr>
-            <p:ph idx="1"/>
-          </p:nvPr>
-        </p:nvSpPr>
-        <p:spPr>
-          <a:xfrm>
-            <a:off x="838200" y="1825624"/>
-            <a:ext cx="10515600" cy="5032375"/>
-          </a:xfrm>
-        </p:spPr>
-        <p:txBody>
-          <a:bodyPr/>
-          <a:lstStyle/>
-          <a:p>
-            <a:pPr marL="514350" indent="-514350">
-              <a:buFont typeface="+mj-lt"/>
-              <a:buAutoNum type="arabicPeriod" startAt="16"/>
-            </a:pPr>
-            <a:r>
-              <a:rPr lang="en-GB" dirty="0"/>
-              <a:t>What are the </a:t>
-            </a:r>
-            <a:r>
-              <a:rPr lang="en-GB" b="1" dirty="0"/>
-              <a:t>Dataset</a:t>
-            </a:r>
-            <a:r>
-              <a:rPr lang="en-GB" dirty="0"/>
-              <a:t> and </a:t>
-            </a:r>
-            <a:r>
-              <a:rPr lang="en-GB" b="1" dirty="0" err="1"/>
-              <a:t>Dataloader</a:t>
-            </a:r>
-            <a:r>
-              <a:rPr lang="en-GB" dirty="0"/>
-              <a:t> objects in </a:t>
-            </a:r>
-            <a:r>
-              <a:rPr lang="en-GB" b="1" dirty="0" err="1"/>
-              <a:t>PyTorch</a:t>
-            </a:r>
-            <a:r>
-              <a:rPr lang="en-GB" dirty="0"/>
-              <a:t>?</a:t>
-            </a:r>
-          </a:p>
-          <a:p>
-            <a:pPr marL="514350" indent="-514350">
-              <a:buFont typeface="+mj-lt"/>
-              <a:buAutoNum type="arabicPeriod" startAt="16"/>
-            </a:pPr>
-            <a:r>
-              <a:rPr lang="en-GB" dirty="0"/>
-              <a:t>How to implement a custom </a:t>
-            </a:r>
-            <a:r>
-              <a:rPr lang="en-GB" b="1" dirty="0" err="1"/>
-              <a:t>Dataloader</a:t>
-            </a:r>
-            <a:r>
-              <a:rPr lang="en-GB" dirty="0"/>
-              <a:t> and </a:t>
-            </a:r>
-            <a:r>
-              <a:rPr lang="en-GB" b="1" dirty="0"/>
-              <a:t>Dataset</a:t>
-            </a:r>
-            <a:r>
-              <a:rPr lang="en-GB" dirty="0"/>
-              <a:t> object in </a:t>
-            </a:r>
-            <a:r>
-              <a:rPr lang="en-GB" dirty="0" err="1"/>
-              <a:t>PyTorch</a:t>
-            </a:r>
-            <a:r>
-              <a:rPr lang="en-GB" dirty="0"/>
-              <a:t>?</a:t>
-            </a:r>
-          </a:p>
-          <a:p>
-            <a:pPr marL="514350" indent="-514350">
-              <a:buFont typeface="+mj-lt"/>
-              <a:buAutoNum type="arabicPeriod" startAt="16"/>
-            </a:pPr>
-            <a:r>
-              <a:rPr lang="en-GB" dirty="0"/>
-              <a:t>How to move from binary classification to </a:t>
-            </a:r>
-            <a:r>
-              <a:rPr lang="en-GB" b="1" dirty="0"/>
-              <a:t>multi-class</a:t>
-            </a:r>
-            <a:r>
-              <a:rPr lang="en-GB" dirty="0"/>
-              <a:t> </a:t>
-            </a:r>
-            <a:r>
-              <a:rPr lang="en-GB" b="1" dirty="0"/>
-              <a:t>classification</a:t>
-            </a:r>
-            <a:r>
-              <a:rPr lang="en-GB" dirty="0"/>
-              <a:t>?</a:t>
-            </a:r>
-          </a:p>
-          <a:p>
-            <a:pPr marL="514350" indent="-514350">
-              <a:buFont typeface="+mj-lt"/>
-              <a:buAutoNum type="arabicPeriod" startAt="16"/>
-            </a:pPr>
-            <a:r>
-              <a:rPr lang="en-GB" dirty="0"/>
-              <a:t>How to adjust output probabilities using the </a:t>
-            </a:r>
-            <a:r>
-              <a:rPr lang="en-GB" b="1" dirty="0" err="1"/>
-              <a:t>softmax</a:t>
-            </a:r>
-            <a:r>
-              <a:rPr lang="en-GB" dirty="0"/>
-              <a:t> function?</a:t>
-            </a:r>
-          </a:p>
-          <a:p>
-            <a:pPr marL="514350" indent="-514350">
-              <a:buFont typeface="+mj-lt"/>
-              <a:buAutoNum type="arabicPeriod" startAt="16"/>
-            </a:pPr>
-            <a:r>
-              <a:rPr lang="en-SG" dirty="0"/>
-              <a:t>How to change the </a:t>
-            </a:r>
-            <a:r>
-              <a:rPr lang="en-SG" b="1" dirty="0"/>
-              <a:t>cross-entropy</a:t>
-            </a:r>
-            <a:r>
-              <a:rPr lang="en-SG" dirty="0"/>
-              <a:t> </a:t>
-            </a:r>
-            <a:r>
-              <a:rPr lang="en-SG" b="1" dirty="0"/>
-              <a:t>loss</a:t>
-            </a:r>
-            <a:r>
-              <a:rPr lang="en-SG" dirty="0"/>
-              <a:t> so it works in </a:t>
-            </a:r>
-            <a:r>
-              <a:rPr lang="en-SG" b="1" dirty="0"/>
-              <a:t>multi-class</a:t>
-            </a:r>
-            <a:r>
-              <a:rPr lang="en-SG" dirty="0"/>
-              <a:t> </a:t>
-            </a:r>
-            <a:r>
-              <a:rPr lang="en-SG" b="1" dirty="0"/>
-              <a:t>classification</a:t>
-            </a:r>
-            <a:r>
-              <a:rPr lang="en-SG" dirty="0"/>
-              <a:t>?</a:t>
-            </a:r>
-          </a:p>
-          <a:p>
-            <a:pPr marL="514350" indent="-514350">
-              <a:buFont typeface="+mj-lt"/>
-              <a:buAutoNum type="arabicPeriod" startAt="16"/>
-            </a:pPr>
-            <a:r>
-              <a:rPr lang="en-SG" dirty="0"/>
-              <a:t>How to implement </a:t>
-            </a:r>
-            <a:r>
-              <a:rPr lang="en-SG" b="1" dirty="0"/>
-              <a:t>building</a:t>
-            </a:r>
-            <a:r>
-              <a:rPr lang="en-SG" dirty="0"/>
-              <a:t> </a:t>
-            </a:r>
-            <a:r>
-              <a:rPr lang="en-SG" b="1" dirty="0"/>
-              <a:t>blocks</a:t>
-            </a:r>
-            <a:r>
-              <a:rPr lang="en-SG" dirty="0"/>
-              <a:t> in </a:t>
-            </a:r>
-            <a:r>
-              <a:rPr lang="en-SG" dirty="0" err="1"/>
-              <a:t>PyTorch</a:t>
-            </a:r>
-            <a:r>
-              <a:rPr lang="en-SG" dirty="0"/>
-              <a:t>?</a:t>
-            </a:r>
-          </a:p>
-          <a:p>
-            <a:pPr marL="514350" indent="-514350">
-              <a:buFont typeface="+mj-lt"/>
-              <a:buAutoNum type="arabicPeriod" startAt="16"/>
-            </a:pPr>
-            <a:r>
-              <a:rPr lang="en-SG" dirty="0"/>
-              <a:t>How to implement and train our first </a:t>
-            </a:r>
-            <a:r>
-              <a:rPr lang="en-SG" b="1" dirty="0"/>
-              <a:t>Deep</a:t>
-            </a:r>
-            <a:r>
-              <a:rPr lang="en-SG" dirty="0"/>
-              <a:t> </a:t>
-            </a:r>
-            <a:r>
-              <a:rPr lang="en-SG" b="1" dirty="0"/>
-              <a:t>Neural</a:t>
-            </a:r>
-            <a:r>
-              <a:rPr lang="en-SG" dirty="0"/>
-              <a:t> </a:t>
-            </a:r>
-            <a:r>
-              <a:rPr lang="en-SG" b="1" dirty="0"/>
-              <a:t>Network</a:t>
-            </a:r>
-            <a:r>
-              <a:rPr lang="en-SG" dirty="0"/>
-              <a:t>?</a:t>
-            </a:r>
-          </a:p>
-          <a:p>
-            <a:pPr marL="514350" indent="-514350">
-              <a:buFont typeface="+mj-lt"/>
-              <a:buAutoNum type="arabicPeriod" startAt="16"/>
-            </a:pPr>
-            <a:r>
-              <a:rPr lang="en-SG" dirty="0"/>
-              <a:t>What are </a:t>
-            </a:r>
-            <a:r>
-              <a:rPr lang="en-SG" b="1" dirty="0"/>
-              <a:t>additional</a:t>
-            </a:r>
-            <a:r>
-              <a:rPr lang="en-SG" dirty="0"/>
-              <a:t> </a:t>
-            </a:r>
-            <a:r>
-              <a:rPr lang="en-SG" b="1" dirty="0"/>
-              <a:t>good</a:t>
-            </a:r>
-            <a:r>
-              <a:rPr lang="en-SG" dirty="0"/>
-              <a:t> </a:t>
-            </a:r>
-            <a:r>
-              <a:rPr lang="en-SG" b="1" dirty="0"/>
-              <a:t>practices</a:t>
-            </a:r>
-            <a:r>
-              <a:rPr lang="en-SG" dirty="0"/>
-              <a:t> in </a:t>
-            </a:r>
-            <a:r>
-              <a:rPr lang="en-SG" dirty="0" err="1"/>
-              <a:t>PyTorch</a:t>
-            </a:r>
-            <a:r>
-              <a:rPr lang="en-SG" dirty="0"/>
-              <a:t>?</a:t>
-            </a:r>
-          </a:p>
-        </p:txBody>
-      </p:sp>
-    </p:spTree>
-    <p:extLst>
-      <p:ext uri="{BB962C8B-B14F-4D97-AF65-F5344CB8AC3E}">
-        <p14:creationId xmlns:p14="http://schemas.microsoft.com/office/powerpoint/2010/main" val="1581268848"/>
-      </p:ext>
-    </p:extLst>
-  </p:cSld>
-  <p:clrMapOvr>
-    <a:masterClrMapping/>
-  </p:clrMapOvr>
-</p:sld>
-</file>
-
-<file path=ppt/slides/slide58.xml><?xml version="1.0" encoding="utf-8"?>
+<file path=ppt/slides/slide54.xml><?xml version="1.0" encoding="utf-8"?>
 <p:sld xmlns:a="http://schemas.openxmlformats.org/drawingml/2006/main" xmlns:r="http://schemas.openxmlformats.org/officeDocument/2006/relationships" xmlns:p="http://schemas.openxmlformats.org/presentationml/2006/main">
   <p:cSld>
     <p:spTree>
@@ -28081,7 +27502,7 @@
 </p:sld>
 </file>
 
-<file path=ppt/slides/slide59.xml><?xml version="1.0" encoding="utf-8"?>
+<file path=ppt/slides/slide55.xml><?xml version="1.0" encoding="utf-8"?>
 <p:sld xmlns:a="http://schemas.openxmlformats.org/drawingml/2006/main" xmlns:r="http://schemas.openxmlformats.org/officeDocument/2006/relationships" xmlns:p="http://schemas.openxmlformats.org/presentationml/2006/main">
   <p:cSld>
     <p:spTree>
@@ -28120,12 +27541,16 @@
           <a:lstStyle/>
           <a:p>
             <a:r>
+              <a:rPr lang="en-GB" dirty="0"/>
+              <a:t>Project </a:t>
+            </a:r>
+            <a:r>
               <a:rPr lang="en-GB"/>
-              <a:t>Project </a:t>
-            </a:r>
-            <a:r>
-              <a:rPr lang="en-GB" dirty="0"/>
-              <a:t>announcement!</a:t>
+              <a:t>and HW announcement</a:t>
+            </a:r>
+            <a:r>
+              <a:rPr lang="en-GB" dirty="0"/>
+              <a:t>!</a:t>
             </a:r>
             <a:endParaRPr lang="en-SG" dirty="0"/>
           </a:p>
@@ -28196,10 +27621,10 @@
       </p:grpSpPr>
       <p:pic>
         <p:nvPicPr>
-          <p:cNvPr id="5" name="Picture 4">
+          <p:cNvPr id="2" name="Picture 1">
             <a:extLst>
               <a:ext uri="{FF2B5EF4-FFF2-40B4-BE49-F238E27FC236}">
-                <a16:creationId xmlns:a16="http://schemas.microsoft.com/office/drawing/2014/main" id="{3E023E11-7496-BE2E-7A45-955789BC0F1F}"/>
+                <a16:creationId xmlns:a16="http://schemas.microsoft.com/office/drawing/2014/main" id="{41209175-2F79-40CD-60DF-B91C765666F6}"/>
               </a:ext>
             </a:extLst>
           </p:cNvPr>
@@ -28216,8 +27641,8 @@
         </p:blipFill>
         <p:spPr>
           <a:xfrm>
-            <a:off x="1473593" y="0"/>
-            <a:ext cx="9244814" cy="6858000"/>
+            <a:off x="1480493" y="209100"/>
+            <a:ext cx="9231013" cy="6439799"/>
           </a:xfrm>
           <a:prstGeom prst="rect">
             <a:avLst/>
@@ -28259,7 +27684,7 @@
           <p:cNvPr id="2" name="Title 1">
             <a:extLst>
               <a:ext uri="{FF2B5EF4-FFF2-40B4-BE49-F238E27FC236}">
-                <a16:creationId xmlns:a16="http://schemas.microsoft.com/office/drawing/2014/main" id="{AB0F840A-9158-1C9B-1451-026D2AA9FE34}"/>
+                <a16:creationId xmlns:a16="http://schemas.microsoft.com/office/drawing/2014/main" id="{E28D0FA9-852F-88EB-13B7-0F25F1E909EF}"/>
               </a:ext>
             </a:extLst>
           </p:cNvPr>
@@ -28277,11 +27702,8 @@
           <a:p>
             <a:r>
               <a:rPr lang="en-GB" dirty="0"/>
-              <a:t>Built-in datasets</a:t>
-            </a:r>
-            <a:br>
-              <a:rPr lang="en-GB" dirty="0"/>
-            </a:br>
+              <a:t>Writing a custom Dataset object</a:t>
+            </a:r>
             <a:endParaRPr lang="en-SG" dirty="0"/>
           </a:p>
         </p:txBody>
@@ -28291,7 +27713,7 @@
           <p:cNvPr id="3" name="Content Placeholder 2">
             <a:extLst>
               <a:ext uri="{FF2B5EF4-FFF2-40B4-BE49-F238E27FC236}">
-                <a16:creationId xmlns:a16="http://schemas.microsoft.com/office/drawing/2014/main" id="{54C2D511-85EE-1F9B-89D9-7815B51B2B8B}"/>
+                <a16:creationId xmlns:a16="http://schemas.microsoft.com/office/drawing/2014/main" id="{BA2A0416-0B18-CDD3-9A37-B441AE8FAEC0}"/>
               </a:ext>
             </a:extLst>
           </p:cNvPr>
@@ -28302,7 +27724,12 @@
             <p:ph idx="1"/>
           </p:nvPr>
         </p:nvSpPr>
-        <p:spPr/>
+        <p:spPr>
+          <a:xfrm>
+            <a:off x="838200" y="1825624"/>
+            <a:ext cx="10515600" cy="5032375"/>
+          </a:xfrm>
+        </p:spPr>
         <p:txBody>
           <a:bodyPr>
             <a:normAutofit/>
@@ -28313,12 +27740,8 @@
               <a:buNone/>
             </a:pPr>
             <a:r>
-              <a:rPr lang="en-GB" dirty="0" err="1"/>
-              <a:t>Pytorch</a:t>
-            </a:r>
-            <a:r>
-              <a:rPr lang="en-GB" dirty="0"/>
-              <a:t> has a few </a:t>
+              <a:rPr lang="en-GB" dirty="0"/>
+              <a:t>Most of the time, when demonstrating concepts, we will rely on a "simple" </a:t>
             </a:r>
             <a:r>
               <a:rPr lang="en-GB" b="1" dirty="0"/>
@@ -28330,31 +27753,20 @@
             </a:r>
             <a:r>
               <a:rPr lang="en-GB" b="1" dirty="0"/>
-              <a:t>datasets</a:t>
-            </a:r>
-            <a:r>
-              <a:rPr lang="en-GB" dirty="0"/>
-              <a:t>, ready to be downloaded and used on models: typically, the most common ones that have been used in research to demonstrate concepts, such as </a:t>
-            </a:r>
-            <a:r>
-              <a:rPr lang="en-GB" b="1" dirty="0"/>
-              <a:t>MNIST</a:t>
-            </a:r>
-            <a:r>
-              <a:rPr lang="en-GB" dirty="0"/>
-              <a:t> or </a:t>
-            </a:r>
-            <a:r>
-              <a:rPr lang="en-GB" b="1" dirty="0"/>
-              <a:t>CIFAR-10</a:t>
-            </a:r>
-            <a:r>
-              <a:rPr lang="en-GB" dirty="0"/>
-              <a:t>.</a:t>
-            </a:r>
-          </a:p>
-          <a:p>
-            <a:endParaRPr lang="en-GB" dirty="0"/>
+              <a:t>dataset</a:t>
+            </a:r>
+            <a:r>
+              <a:rPr lang="en-GB" dirty="0"/>
+              <a:t>, available in the </a:t>
+            </a:r>
+            <a:r>
+              <a:rPr lang="en-GB" dirty="0" err="1"/>
+              <a:t>PyTorch</a:t>
+            </a:r>
+            <a:r>
+              <a:rPr lang="en-GB" dirty="0"/>
+              <a:t> library.</a:t>
+            </a:r>
           </a:p>
           <a:p>
             <a:pPr marL="0" indent="0">
@@ -28362,11 +27774,11 @@
             </a:pPr>
             <a:r>
               <a:rPr lang="en-GB" dirty="0"/>
-              <a:t>For more details on the available </a:t>
+              <a:t>In practice, and more specifically in your project, you will often play with a </a:t>
             </a:r>
             <a:r>
               <a:rPr lang="en-GB" b="1" dirty="0"/>
-              <a:t>built-in</a:t>
+              <a:t>custom</a:t>
             </a:r>
             <a:r>
               <a:rPr lang="en-GB" dirty="0"/>
@@ -28374,37 +27786,97 @@
             </a:r>
             <a:r>
               <a:rPr lang="en-GB" b="1" dirty="0"/>
-              <a:t>datasets</a:t>
-            </a:r>
-            <a:r>
-              <a:rPr lang="en-GB" dirty="0"/>
-              <a:t> in </a:t>
-            </a:r>
-            <a:r>
-              <a:rPr lang="en-GB" dirty="0" err="1"/>
-              <a:t>Pytorch</a:t>
-            </a:r>
-            <a:r>
-              <a:rPr lang="en-GB" dirty="0"/>
-              <a:t>, have a look at the following page: </a:t>
+              <a:t>dataset</a:t>
+            </a:r>
+            <a:r>
+              <a:rPr lang="en-GB" dirty="0"/>
+              <a:t>, fitting your needs.</a:t>
+            </a:r>
+          </a:p>
+          <a:p>
+            <a:r>
+              <a:rPr lang="en-GB" dirty="0"/>
+              <a:t>Most datasets will be provided by your company, or can be found on dataset search engines, such as </a:t>
+            </a:r>
+            <a:r>
+              <a:rPr lang="en-GB" b="1" dirty="0"/>
+              <a:t>Kaggle</a:t>
+            </a:r>
+            <a:r>
+              <a:rPr lang="en-GB" dirty="0"/>
+              <a:t>, </a:t>
+            </a:r>
+            <a:r>
+              <a:rPr lang="en-GB" b="1" dirty="0"/>
+              <a:t>Google</a:t>
+            </a:r>
+            <a:r>
+              <a:rPr lang="en-GB" dirty="0"/>
+              <a:t> </a:t>
+            </a:r>
+            <a:r>
+              <a:rPr lang="en-GB" b="1" dirty="0"/>
+              <a:t>Dataset</a:t>
+            </a:r>
+            <a:r>
+              <a:rPr lang="en-GB" dirty="0"/>
+              <a:t> </a:t>
+            </a:r>
+            <a:r>
+              <a:rPr lang="en-GB" b="1" dirty="0"/>
+              <a:t>Search</a:t>
+            </a:r>
+            <a:r>
+              <a:rPr lang="en-GB" dirty="0"/>
+              <a:t>, etc.</a:t>
+            </a:r>
+          </a:p>
+          <a:p>
+            <a:r>
+              <a:rPr lang="en-GB" dirty="0"/>
+              <a:t>Today, we will play with a simplified version of the </a:t>
+            </a:r>
+            <a:r>
+              <a:rPr lang="en-GB" b="1" dirty="0"/>
+              <a:t>Ames</a:t>
+            </a:r>
+            <a:r>
+              <a:rPr lang="en-GB" dirty="0"/>
+              <a:t> </a:t>
+            </a:r>
+            <a:r>
+              <a:rPr lang="en-GB" b="1" dirty="0"/>
+              <a:t>Housing</a:t>
+            </a:r>
+            <a:r>
+              <a:rPr lang="en-GB" dirty="0"/>
+              <a:t> </a:t>
+            </a:r>
+            <a:r>
+              <a:rPr lang="en-GB" b="1" dirty="0"/>
+              <a:t>Dataset</a:t>
+            </a:r>
+            <a:r>
+              <a:rPr lang="en-GB" dirty="0"/>
+              <a:t>, which can be found online, here: </a:t>
             </a:r>
             <a:r>
               <a:rPr lang="en-GB" dirty="0">
                 <a:hlinkClick r:id="rId2"/>
               </a:rPr>
-              <a:t>https://pytorch.org/vision/stable/datasets.html</a:t>
-            </a:r>
-            <a:r>
-              <a:rPr lang="en-GB" dirty="0"/>
-              <a:t>.</a:t>
-            </a:r>
+              <a:t>https://www.kaggle.com/datasets/prevek18/ames-housing-dataset?resource=download</a:t>
+            </a:r>
+            <a:endParaRPr lang="en-GB" dirty="0"/>
+          </a:p>
+          <a:p>
+            <a:endParaRPr lang="en-GB" dirty="0"/>
           </a:p>
         </p:txBody>
       </p:sp>
     </p:spTree>
     <p:extLst>
       <p:ext uri="{BB962C8B-B14F-4D97-AF65-F5344CB8AC3E}">
-        <p14:creationId xmlns:p14="http://schemas.microsoft.com/office/powerpoint/2010/main" val="1458730680"/>
+        <p14:creationId xmlns:p14="http://schemas.microsoft.com/office/powerpoint/2010/main" val="1451434589"/>
       </p:ext>
     </p:extLst>
   </p:cSld>
@@ -28431,12 +27903,41 @@
           <a:chExt cx="0" cy="0"/>
         </a:xfrm>
       </p:grpSpPr>
+      <p:pic>
+        <p:nvPicPr>
+          <p:cNvPr id="5" name="Picture 4">
+            <a:extLst>
+              <a:ext uri="{FF2B5EF4-FFF2-40B4-BE49-F238E27FC236}">
+                <a16:creationId xmlns:a16="http://schemas.microsoft.com/office/drawing/2014/main" id="{05E37773-793F-F9CF-20C7-080A12533352}"/>
+              </a:ext>
+            </a:extLst>
+          </p:cNvPr>
+          <p:cNvPicPr>
+            <a:picLocks noChangeAspect="1"/>
+          </p:cNvPicPr>
+          <p:nvPr/>
+        </p:nvPicPr>
+        <p:blipFill rotWithShape="1">
+          <a:blip r:embed="rId2"/>
+          <a:srcRect t="16501" r="66293" b="43462"/>
+          <a:stretch/>
+        </p:blipFill>
+        <p:spPr>
+          <a:xfrm>
+            <a:off x="215319" y="1848463"/>
+            <a:ext cx="11761361" cy="4365523"/>
+          </a:xfrm>
+          <a:prstGeom prst="rect">
+            <a:avLst/>
+          </a:prstGeom>
+        </p:spPr>
+      </p:pic>
       <p:sp>
         <p:nvSpPr>
           <p:cNvPr id="2" name="Title 1">
             <a:extLst>
               <a:ext uri="{FF2B5EF4-FFF2-40B4-BE49-F238E27FC236}">
-                <a16:creationId xmlns:a16="http://schemas.microsoft.com/office/drawing/2014/main" id="{A1F5DED8-1848-0002-E469-F5D37BAA3656}"/>
+                <a16:creationId xmlns:a16="http://schemas.microsoft.com/office/drawing/2014/main" id="{B91EA25B-9659-1DC6-A4D1-D0A5BE37D4F7}"/>
               </a:ext>
             </a:extLst>
           </p:cNvPr>
@@ -28454,141 +27955,16 @@
           <a:p>
             <a:r>
               <a:rPr lang="en-GB" dirty="0"/>
-              <a:t>Built-in datasets</a:t>
+              <a:t>A look at our dataset Excel file</a:t>
             </a:r>
             <a:endParaRPr lang="en-SG" dirty="0"/>
           </a:p>
         </p:txBody>
       </p:sp>
-      <p:sp>
-        <p:nvSpPr>
-          <p:cNvPr id="8" name="Content Placeholder 7">
-            <a:extLst>
-              <a:ext uri="{FF2B5EF4-FFF2-40B4-BE49-F238E27FC236}">
-                <a16:creationId xmlns:a16="http://schemas.microsoft.com/office/drawing/2014/main" id="{668F32F8-5E46-06D2-D714-2FC1D4FB60B1}"/>
-              </a:ext>
-            </a:extLst>
-          </p:cNvPr>
-          <p:cNvSpPr>
-            <a:spLocks noGrp="1"/>
-          </p:cNvSpPr>
-          <p:nvPr>
-            <p:ph sz="half" idx="1"/>
-          </p:nvPr>
-        </p:nvSpPr>
-        <p:spPr>
-          <a:xfrm>
-            <a:off x="515816" y="1825625"/>
-            <a:ext cx="5181599" cy="5020376"/>
-          </a:xfrm>
-        </p:spPr>
-        <p:txBody>
-          <a:bodyPr>
-            <a:normAutofit fontScale="92500" lnSpcReduction="10000"/>
-          </a:bodyPr>
-          <a:lstStyle/>
-          <a:p>
-            <a:pPr marL="0" indent="0">
-              <a:buNone/>
-            </a:pPr>
-            <a:r>
-              <a:rPr lang="en-GB" dirty="0"/>
-              <a:t>Let us demonstrate using the </a:t>
-            </a:r>
-            <a:r>
-              <a:rPr lang="en-GB" b="1" dirty="0" err="1"/>
-              <a:t>FashionMNIST</a:t>
-            </a:r>
-            <a:r>
-              <a:rPr lang="en-GB" dirty="0"/>
-              <a:t> dataset.</a:t>
-            </a:r>
-          </a:p>
-          <a:p>
-            <a:r>
-              <a:rPr lang="en-GB" dirty="0"/>
-              <a:t>This dataset consists of 28 by 28 greyscale images.</a:t>
-            </a:r>
-          </a:p>
-          <a:p>
-            <a:r>
-              <a:rPr lang="en-GB" dirty="0"/>
-              <a:t>It is typically used to design image classification models (i.e. models that receive images as inputs) and attempt to predict what is in the image in question. </a:t>
-            </a:r>
-          </a:p>
-          <a:p>
-            <a:r>
-              <a:rPr lang="en-GB" dirty="0"/>
-              <a:t>The 10 output classes (bag, shirt, etc.) are indexed with 0-9 values, corresponding to the 10 types of fashion objects found in the dataset.</a:t>
-            </a:r>
-            <a:endParaRPr lang="en-SG" dirty="0"/>
-          </a:p>
-          <a:p>
-            <a:endParaRPr lang="en-SG" dirty="0"/>
-          </a:p>
-        </p:txBody>
-      </p:sp>
-      <p:sp>
-        <p:nvSpPr>
-          <p:cNvPr id="9" name="Content Placeholder 8">
-            <a:extLst>
-              <a:ext uri="{FF2B5EF4-FFF2-40B4-BE49-F238E27FC236}">
-                <a16:creationId xmlns:a16="http://schemas.microsoft.com/office/drawing/2014/main" id="{D1FCD4B3-93A8-4B52-6945-EBC375EB5059}"/>
-              </a:ext>
-            </a:extLst>
-          </p:cNvPr>
-          <p:cNvSpPr>
-            <a:spLocks noGrp="1"/>
-          </p:cNvSpPr>
-          <p:nvPr>
-            <p:ph sz="half" idx="2"/>
-          </p:nvPr>
-        </p:nvSpPr>
-        <p:spPr/>
-        <p:txBody>
-          <a:bodyPr>
-            <a:normAutofit fontScale="92500" lnSpcReduction="10000"/>
-          </a:bodyPr>
-          <a:lstStyle/>
-          <a:p>
-            <a:endParaRPr lang="en-SG"/>
-          </a:p>
-        </p:txBody>
-      </p:sp>
-      <p:pic>
-        <p:nvPicPr>
-          <p:cNvPr id="5" name="Picture 4">
-            <a:extLst>
-              <a:ext uri="{FF2B5EF4-FFF2-40B4-BE49-F238E27FC236}">
-                <a16:creationId xmlns:a16="http://schemas.microsoft.com/office/drawing/2014/main" id="{83CB5528-7C51-5308-DBB6-1E1FA3308F70}"/>
-              </a:ext>
-            </a:extLst>
-          </p:cNvPr>
-          <p:cNvPicPr>
-            <a:picLocks noChangeAspect="1"/>
-          </p:cNvPicPr>
-          <p:nvPr/>
-        </p:nvPicPr>
-        <p:blipFill>
-          <a:blip r:embed="rId2"/>
-          <a:stretch>
-            <a:fillRect/>
-          </a:stretch>
-        </p:blipFill>
-        <p:spPr>
-          <a:xfrm>
-            <a:off x="5990360" y="1122012"/>
-            <a:ext cx="6201640" cy="5020376"/>
-          </a:xfrm>
-          <a:prstGeom prst="rect">
-            <a:avLst/>
-          </a:prstGeom>
-        </p:spPr>
-      </p:pic>
     </p:spTree>
     <p:extLst>
       <p:ext uri="{BB962C8B-B14F-4D97-AF65-F5344CB8AC3E}">
-        <p14:creationId xmlns:p14="http://schemas.microsoft.com/office/powerpoint/2010/main" val="2278534749"/>
+        <p14:creationId xmlns:p14="http://schemas.microsoft.com/office/powerpoint/2010/main" val="592329134"/>
       </p:ext>
     </p:extLst>
   </p:cSld>
@@ -28620,7 +27996,7 @@
           <p:cNvPr id="2" name="Title 1">
             <a:extLst>
               <a:ext uri="{FF2B5EF4-FFF2-40B4-BE49-F238E27FC236}">
-                <a16:creationId xmlns:a16="http://schemas.microsoft.com/office/drawing/2014/main" id="{A1F5DED8-1848-0002-E469-F5D37BAA3656}"/>
+                <a16:creationId xmlns:a16="http://schemas.microsoft.com/office/drawing/2014/main" id="{E28D0FA9-852F-88EB-13B7-0F25F1E909EF}"/>
               </a:ext>
             </a:extLst>
           </p:cNvPr>
@@ -28638,48 +28014,18 @@
           <a:p>
             <a:r>
               <a:rPr lang="en-GB" dirty="0"/>
-              <a:t>Built-in datasets</a:t>
+              <a:t>Writing a custom Dataset object</a:t>
             </a:r>
             <a:endParaRPr lang="en-SG" dirty="0"/>
           </a:p>
         </p:txBody>
       </p:sp>
-      <p:pic>
-        <p:nvPicPr>
-          <p:cNvPr id="4" name="Picture 3">
+      <p:sp>
+        <p:nvSpPr>
+          <p:cNvPr id="3" name="Content Placeholder 2">
             <a:extLst>
               <a:ext uri="{FF2B5EF4-FFF2-40B4-BE49-F238E27FC236}">
-                <a16:creationId xmlns:a16="http://schemas.microsoft.com/office/drawing/2014/main" id="{790F151B-791F-EF2F-32AC-195B46831CA1}"/>
-              </a:ext>
-            </a:extLst>
-          </p:cNvPr>
-          <p:cNvPicPr>
-            <a:picLocks noChangeAspect="1"/>
-          </p:cNvPicPr>
-          <p:nvPr/>
-        </p:nvPicPr>
-        <p:blipFill>
-          <a:blip r:embed="rId2"/>
-          <a:stretch>
-            <a:fillRect/>
-          </a:stretch>
-        </p:blipFill>
-        <p:spPr>
-          <a:xfrm>
-            <a:off x="6626908" y="0"/>
-            <a:ext cx="5159229" cy="6858000"/>
-          </a:xfrm>
-          <a:prstGeom prst="rect">
-            <a:avLst/>
-          </a:prstGeom>
-        </p:spPr>
-      </p:pic>
-      <p:sp>
-        <p:nvSpPr>
-          <p:cNvPr id="6" name="Content Placeholder 7">
-            <a:extLst>
-              <a:ext uri="{FF2B5EF4-FFF2-40B4-BE49-F238E27FC236}">
-                <a16:creationId xmlns:a16="http://schemas.microsoft.com/office/drawing/2014/main" id="{6ADF10B0-270B-D179-CA19-BD51C0F97E62}"/>
+                <a16:creationId xmlns:a16="http://schemas.microsoft.com/office/drawing/2014/main" id="{BA2A0416-0B18-CDD3-9A37-B441AE8FAEC0}"/>
               </a:ext>
             </a:extLst>
           </p:cNvPr>
@@ -28687,18 +28033,18 @@
             <a:spLocks noGrp="1"/>
           </p:cNvSpPr>
           <p:nvPr>
-            <p:ph sz="half" idx="1"/>
+            <p:ph idx="1"/>
           </p:nvPr>
         </p:nvSpPr>
         <p:spPr>
           <a:xfrm>
-            <a:off x="515816" y="1825625"/>
-            <a:ext cx="5181599" cy="5020376"/>
+            <a:off x="838200" y="1825624"/>
+            <a:ext cx="10515600" cy="5032375"/>
           </a:xfrm>
         </p:spPr>
         <p:txBody>
           <a:bodyPr>
-            <a:normAutofit fontScale="92500" lnSpcReduction="10000"/>
+            <a:normAutofit/>
           </a:bodyPr>
           <a:lstStyle/>
           <a:p>
@@ -28707,45 +28053,41 @@
             </a:pPr>
             <a:r>
               <a:rPr lang="en-GB" dirty="0"/>
-              <a:t>Let us demonstrate using the </a:t>
-            </a:r>
-            <a:r>
-              <a:rPr lang="en-GB" b="1" dirty="0" err="1"/>
-              <a:t>FashionMNIST</a:t>
-            </a:r>
-            <a:r>
-              <a:rPr lang="en-GB" dirty="0"/>
-              <a:t> dataset.</a:t>
-            </a:r>
-          </a:p>
-          <a:p>
-            <a:r>
-              <a:rPr lang="en-GB" dirty="0"/>
-              <a:t>This dataset consists of 28 by 28 greyscale images.</a:t>
-            </a:r>
-          </a:p>
-          <a:p>
-            <a:r>
-              <a:rPr lang="en-GB" dirty="0"/>
-              <a:t>It is typically used to design image classification models (i.e. models that receive images as inputs) and attempt to predict what is in the image in question. </a:t>
-            </a:r>
-          </a:p>
-          <a:p>
-            <a:r>
-              <a:rPr lang="en-GB" dirty="0"/>
-              <a:t>The 10 output classes (bag, shirt, etc.) are indexed with 0-9 values, corresponding to the 10 types of fashion objects found in the dataset.</a:t>
-            </a:r>
-            <a:endParaRPr lang="en-SG" dirty="0"/>
-          </a:p>
-          <a:p>
-            <a:endParaRPr lang="en-SG" dirty="0"/>
+              <a:t>The Ames dataset includes a variety of features for approximately 2,800 houses in Ames, Iowa.</a:t>
+            </a:r>
+          </a:p>
+          <a:p>
+            <a:r>
+              <a:rPr lang="en-GB" dirty="0"/>
+              <a:t>Features include the size of the house (in square feet), the number of bedrooms and bathrooms, and many more. It also includes the sale price for each house.</a:t>
+            </a:r>
+          </a:p>
+          <a:p>
+            <a:r>
+              <a:rPr lang="en-GB" dirty="0"/>
+              <a:t>The Ames Housing Dataset is a popular choice for machine learning projects, and it has been used to build AI models for predicting house prices, based on various house features.</a:t>
+            </a:r>
+          </a:p>
+          <a:p>
+            <a:r>
+              <a:rPr lang="en-GB" dirty="0"/>
+              <a:t>It consists of an Excel file (AmesHousing.xlsx) stored in the ./</a:t>
+            </a:r>
+            <a:r>
+              <a:rPr lang="en-GB" dirty="0" err="1"/>
+              <a:t>ames</a:t>
+            </a:r>
+            <a:r>
+              <a:rPr lang="en-GB" dirty="0"/>
+              <a:t>/ folder. The original dataset can be found in the  AmesHousing.csv file, but we have simplified it by removing some of its features.</a:t>
+            </a:r>
           </a:p>
         </p:txBody>
       </p:sp>
     </p:spTree>
     <p:extLst>
       <p:ext uri="{BB962C8B-B14F-4D97-AF65-F5344CB8AC3E}">
-        <p14:creationId xmlns:p14="http://schemas.microsoft.com/office/powerpoint/2010/main" val="3381120192"/>
+        <p14:creationId xmlns:p14="http://schemas.microsoft.com/office/powerpoint/2010/main" val="473408429"/>
       </p:ext>
     </p:extLst>
   </p:cSld>

--- a/W3/3. W3S3 final/W3S3.pptx
+++ b/W3/3. W3S3 final/W3S3.pptx
@@ -5697,7 +5697,7 @@
   <pc:docChgLst>
     <pc:chgData name="Matthieu De Mari" userId="dfb708c9-d8dc-439f-9a3b-c772bf4a311c" providerId="ADAL" clId="{C2A075CF-C4D9-45BF-A2F4-9F4744A685AF}"/>
     <pc:docChg chg="undo custSel addSld delSld modSld sldOrd delSection modSection">
-      <pc:chgData name="Matthieu De Mari" userId="dfb708c9-d8dc-439f-9a3b-c772bf4a311c" providerId="ADAL" clId="{C2A075CF-C4D9-45BF-A2F4-9F4744A685AF}" dt="2024-02-07T03:19:11.498" v="1540" actId="20577"/>
+      <pc:chgData name="Matthieu De Mari" userId="dfb708c9-d8dc-439f-9a3b-c772bf4a311c" providerId="ADAL" clId="{C2A075CF-C4D9-45BF-A2F4-9F4744A685AF}" dt="2024-02-08T05:36:40.966" v="1722" actId="27636"/>
       <pc:docMkLst>
         <pc:docMk/>
       </pc:docMkLst>
@@ -5950,7 +5950,7 @@
         </pc:spChg>
       </pc:sldChg>
       <pc:sldChg chg="delSp modSp mod modClrScheme chgLayout">
-        <pc:chgData name="Matthieu De Mari" userId="dfb708c9-d8dc-439f-9a3b-c772bf4a311c" providerId="ADAL" clId="{C2A075CF-C4D9-45BF-A2F4-9F4744A685AF}" dt="2024-02-06T09:21:52.671" v="365" actId="20577"/>
+        <pc:chgData name="Matthieu De Mari" userId="dfb708c9-d8dc-439f-9a3b-c772bf4a311c" providerId="ADAL" clId="{C2A075CF-C4D9-45BF-A2F4-9F4744A685AF}" dt="2024-02-08T05:31:40.399" v="1610" actId="20577"/>
         <pc:sldMkLst>
           <pc:docMk/>
           <pc:sldMk cId="2530178653" sldId="791"/>
@@ -5964,7 +5964,7 @@
           </ac:spMkLst>
         </pc:spChg>
         <pc:spChg chg="mod ord">
-          <ac:chgData name="Matthieu De Mari" userId="dfb708c9-d8dc-439f-9a3b-c772bf4a311c" providerId="ADAL" clId="{C2A075CF-C4D9-45BF-A2F4-9F4744A685AF}" dt="2024-02-06T09:21:52.671" v="365" actId="20577"/>
+          <ac:chgData name="Matthieu De Mari" userId="dfb708c9-d8dc-439f-9a3b-c772bf4a311c" providerId="ADAL" clId="{C2A075CF-C4D9-45BF-A2F4-9F4744A685AF}" dt="2024-02-08T05:31:40.399" v="1610" actId="20577"/>
           <ac:spMkLst>
             <pc:docMk/>
             <pc:sldMk cId="2530178653" sldId="791"/>
@@ -6042,6 +6042,21 @@
         </pc:spChg>
       </pc:sldChg>
       <pc:sldChg chg="modSp mod">
+        <pc:chgData name="Matthieu De Mari" userId="dfb708c9-d8dc-439f-9a3b-c772bf4a311c" providerId="ADAL" clId="{C2A075CF-C4D9-45BF-A2F4-9F4744A685AF}" dt="2024-02-08T05:32:21.469" v="1611" actId="113"/>
+        <pc:sldMkLst>
+          <pc:docMk/>
+          <pc:sldMk cId="1414932605" sldId="796"/>
+        </pc:sldMkLst>
+        <pc:spChg chg="mod">
+          <ac:chgData name="Matthieu De Mari" userId="dfb708c9-d8dc-439f-9a3b-c772bf4a311c" providerId="ADAL" clId="{C2A075CF-C4D9-45BF-A2F4-9F4744A685AF}" dt="2024-02-08T05:32:21.469" v="1611" actId="113"/>
+          <ac:spMkLst>
+            <pc:docMk/>
+            <pc:sldMk cId="1414932605" sldId="796"/>
+            <ac:spMk id="3" creationId="{77496A95-7961-91A1-EB76-E57510055A38}"/>
+          </ac:spMkLst>
+        </pc:spChg>
+      </pc:sldChg>
+      <pc:sldChg chg="modSp mod">
         <pc:chgData name="Matthieu De Mari" userId="dfb708c9-d8dc-439f-9a3b-c772bf4a311c" providerId="ADAL" clId="{C2A075CF-C4D9-45BF-A2F4-9F4744A685AF}" dt="2024-02-07T03:09:21.279" v="1098"/>
         <pc:sldMkLst>
           <pc:docMk/>
@@ -6057,11 +6072,19 @@
         </pc:spChg>
       </pc:sldChg>
       <pc:sldChg chg="modSp mod">
-        <pc:chgData name="Matthieu De Mari" userId="dfb708c9-d8dc-439f-9a3b-c772bf4a311c" providerId="ADAL" clId="{C2A075CF-C4D9-45BF-A2F4-9F4744A685AF}" dt="2024-02-07T03:10:11.474" v="1121" actId="20577"/>
+        <pc:chgData name="Matthieu De Mari" userId="dfb708c9-d8dc-439f-9a3b-c772bf4a311c" providerId="ADAL" clId="{C2A075CF-C4D9-45BF-A2F4-9F4744A685AF}" dt="2024-02-08T05:33:03.456" v="1666" actId="20577"/>
         <pc:sldMkLst>
           <pc:docMk/>
           <pc:sldMk cId="253262496" sldId="802"/>
         </pc:sldMkLst>
+        <pc:spChg chg="mod">
+          <ac:chgData name="Matthieu De Mari" userId="dfb708c9-d8dc-439f-9a3b-c772bf4a311c" providerId="ADAL" clId="{C2A075CF-C4D9-45BF-A2F4-9F4744A685AF}" dt="2024-02-08T05:33:03.456" v="1666" actId="20577"/>
+          <ac:spMkLst>
+            <pc:docMk/>
+            <pc:sldMk cId="253262496" sldId="802"/>
+            <ac:spMk id="2" creationId="{A8C99902-2A36-9C91-5F2C-9819DE23FB0C}"/>
+          </ac:spMkLst>
+        </pc:spChg>
         <pc:spChg chg="mod">
           <ac:chgData name="Matthieu De Mari" userId="dfb708c9-d8dc-439f-9a3b-c772bf4a311c" providerId="ADAL" clId="{C2A075CF-C4D9-45BF-A2F4-9F4744A685AF}" dt="2024-02-07T03:10:11.474" v="1121" actId="20577"/>
           <ac:spMkLst>
@@ -6285,13 +6308,13 @@
         </pc:spChg>
       </pc:sldChg>
       <pc:sldChg chg="modSp mod">
-        <pc:chgData name="Matthieu De Mari" userId="dfb708c9-d8dc-439f-9a3b-c772bf4a311c" providerId="ADAL" clId="{C2A075CF-C4D9-45BF-A2F4-9F4744A685AF}" dt="2023-09-06T11:09:34.920" v="3" actId="20577"/>
+        <pc:chgData name="Matthieu De Mari" userId="dfb708c9-d8dc-439f-9a3b-c772bf4a311c" providerId="ADAL" clId="{C2A075CF-C4D9-45BF-A2F4-9F4744A685AF}" dt="2024-02-08T05:35:09.874" v="1671" actId="20577"/>
         <pc:sldMkLst>
           <pc:docMk/>
           <pc:sldMk cId="1946753280" sldId="816"/>
         </pc:sldMkLst>
         <pc:spChg chg="mod">
-          <ac:chgData name="Matthieu De Mari" userId="dfb708c9-d8dc-439f-9a3b-c772bf4a311c" providerId="ADAL" clId="{C2A075CF-C4D9-45BF-A2F4-9F4744A685AF}" dt="2023-09-06T11:09:34.920" v="3" actId="20577"/>
+          <ac:chgData name="Matthieu De Mari" userId="dfb708c9-d8dc-439f-9a3b-c772bf4a311c" providerId="ADAL" clId="{C2A075CF-C4D9-45BF-A2F4-9F4744A685AF}" dt="2024-02-08T05:35:09.874" v="1671" actId="20577"/>
           <ac:spMkLst>
             <pc:docMk/>
             <pc:sldMk cId="1946753280" sldId="816"/>
@@ -6299,6 +6322,36 @@
           </ac:spMkLst>
         </pc:spChg>
       </pc:sldChg>
+      <pc:sldChg chg="modSp mod">
+        <pc:chgData name="Matthieu De Mari" userId="dfb708c9-d8dc-439f-9a3b-c772bf4a311c" providerId="ADAL" clId="{C2A075CF-C4D9-45BF-A2F4-9F4744A685AF}" dt="2024-02-08T05:35:20.113" v="1683" actId="20577"/>
+        <pc:sldMkLst>
+          <pc:docMk/>
+          <pc:sldMk cId="4233116706" sldId="817"/>
+        </pc:sldMkLst>
+        <pc:spChg chg="mod">
+          <ac:chgData name="Matthieu De Mari" userId="dfb708c9-d8dc-439f-9a3b-c772bf4a311c" providerId="ADAL" clId="{C2A075CF-C4D9-45BF-A2F4-9F4744A685AF}" dt="2024-02-08T05:35:20.113" v="1683" actId="20577"/>
+          <ac:spMkLst>
+            <pc:docMk/>
+            <pc:sldMk cId="4233116706" sldId="817"/>
+            <ac:spMk id="3" creationId="{63E638E1-0E19-7F02-7FE0-49EBCE47EBFA}"/>
+          </ac:spMkLst>
+        </pc:spChg>
+      </pc:sldChg>
+      <pc:sldChg chg="modSp mod">
+        <pc:chgData name="Matthieu De Mari" userId="dfb708c9-d8dc-439f-9a3b-c772bf4a311c" providerId="ADAL" clId="{C2A075CF-C4D9-45BF-A2F4-9F4744A685AF}" dt="2024-02-08T05:35:41.604" v="1687" actId="20577"/>
+        <pc:sldMkLst>
+          <pc:docMk/>
+          <pc:sldMk cId="182983479" sldId="818"/>
+        </pc:sldMkLst>
+        <pc:spChg chg="mod">
+          <ac:chgData name="Matthieu De Mari" userId="dfb708c9-d8dc-439f-9a3b-c772bf4a311c" providerId="ADAL" clId="{C2A075CF-C4D9-45BF-A2F4-9F4744A685AF}" dt="2024-02-08T05:35:41.604" v="1687" actId="20577"/>
+          <ac:spMkLst>
+            <pc:docMk/>
+            <pc:sldMk cId="182983479" sldId="818"/>
+            <ac:spMk id="3" creationId="{63E638E1-0E19-7F02-7FE0-49EBCE47EBFA}"/>
+          </ac:spMkLst>
+        </pc:spChg>
+      </pc:sldChg>
       <pc:sldChg chg="modSp del mod">
         <pc:chgData name="Matthieu De Mari" userId="dfb708c9-d8dc-439f-9a3b-c772bf4a311c" providerId="ADAL" clId="{C2A075CF-C4D9-45BF-A2F4-9F4744A685AF}" dt="2024-02-07T03:17:53.286" v="1409" actId="47"/>
         <pc:sldMkLst>
@@ -6315,7 +6368,7 @@
         </pc:spChg>
       </pc:sldChg>
       <pc:sldChg chg="modSp mod">
-        <pc:chgData name="Matthieu De Mari" userId="dfb708c9-d8dc-439f-9a3b-c772bf4a311c" providerId="ADAL" clId="{C2A075CF-C4D9-45BF-A2F4-9F4744A685AF}" dt="2024-02-07T03:18:15.647" v="1450" actId="20577"/>
+        <pc:chgData name="Matthieu De Mari" userId="dfb708c9-d8dc-439f-9a3b-c772bf4a311c" providerId="ADAL" clId="{C2A075CF-C4D9-45BF-A2F4-9F4744A685AF}" dt="2024-02-08T05:36:40.966" v="1722" actId="27636"/>
         <pc:sldMkLst>
           <pc:docMk/>
           <pc:sldMk cId="986128993" sldId="821"/>
@@ -6329,7 +6382,7 @@
           </ac:spMkLst>
         </pc:spChg>
         <pc:spChg chg="mod">
-          <ac:chgData name="Matthieu De Mari" userId="dfb708c9-d8dc-439f-9a3b-c772bf4a311c" providerId="ADAL" clId="{C2A075CF-C4D9-45BF-A2F4-9F4744A685AF}" dt="2024-01-21T10:26:28.841" v="277" actId="20577"/>
+          <ac:chgData name="Matthieu De Mari" userId="dfb708c9-d8dc-439f-9a3b-c772bf4a311c" providerId="ADAL" clId="{C2A075CF-C4D9-45BF-A2F4-9F4744A685AF}" dt="2024-02-08T05:36:40.965" v="1721" actId="27636"/>
           <ac:spMkLst>
             <pc:docMk/>
             <pc:sldMk cId="986128993" sldId="821"/>
@@ -6337,7 +6390,7 @@
           </ac:spMkLst>
         </pc:spChg>
         <pc:spChg chg="mod">
-          <ac:chgData name="Matthieu De Mari" userId="dfb708c9-d8dc-439f-9a3b-c772bf4a311c" providerId="ADAL" clId="{C2A075CF-C4D9-45BF-A2F4-9F4744A685AF}" dt="2024-01-21T10:26:30.052" v="278" actId="20577"/>
+          <ac:chgData name="Matthieu De Mari" userId="dfb708c9-d8dc-439f-9a3b-c772bf4a311c" providerId="ADAL" clId="{C2A075CF-C4D9-45BF-A2F4-9F4744A685AF}" dt="2024-02-08T05:36:40.966" v="1722" actId="27636"/>
           <ac:spMkLst>
             <pc:docMk/>
             <pc:sldMk cId="986128993" sldId="821"/>
@@ -7883,7 +7936,7 @@
           <a:p>
             <a:fld id="{61478373-EB31-4867-8CF0-FA31364748A5}" type="datetimeFigureOut">
               <a:rPr lang="en-GB" smtClean="0"/>
-              <a:t>07/02/2024</a:t>
+              <a:t>08/02/2024</a:t>
             </a:fld>
             <a:endParaRPr lang="en-GB"/>
           </a:p>
@@ -8300,7 +8353,7 @@
           <a:p>
             <a:fld id="{E85DF616-B21E-4EF6-A6A5-95E2FB3EB1A1}" type="datetimeFigureOut">
               <a:rPr lang="en-GB" smtClean="0"/>
-              <a:t>07/02/2024</a:t>
+              <a:t>08/02/2024</a:t>
             </a:fld>
             <a:endParaRPr lang="en-GB"/>
           </a:p>
@@ -8500,7 +8553,7 @@
           <a:p>
             <a:fld id="{E85DF616-B21E-4EF6-A6A5-95E2FB3EB1A1}" type="datetimeFigureOut">
               <a:rPr lang="en-GB" smtClean="0"/>
-              <a:t>07/02/2024</a:t>
+              <a:t>08/02/2024</a:t>
             </a:fld>
             <a:endParaRPr lang="en-GB"/>
           </a:p>
@@ -8710,7 +8763,7 @@
           <a:p>
             <a:fld id="{E85DF616-B21E-4EF6-A6A5-95E2FB3EB1A1}" type="datetimeFigureOut">
               <a:rPr lang="en-GB" smtClean="0"/>
-              <a:t>07/02/2024</a:t>
+              <a:t>08/02/2024</a:t>
             </a:fld>
             <a:endParaRPr lang="en-GB"/>
           </a:p>
@@ -8910,7 +8963,7 @@
           <a:p>
             <a:fld id="{E85DF616-B21E-4EF6-A6A5-95E2FB3EB1A1}" type="datetimeFigureOut">
               <a:rPr lang="en-GB" smtClean="0"/>
-              <a:t>07/02/2024</a:t>
+              <a:t>08/02/2024</a:t>
             </a:fld>
             <a:endParaRPr lang="en-GB"/>
           </a:p>
@@ -9186,7 +9239,7 @@
           <a:p>
             <a:fld id="{E85DF616-B21E-4EF6-A6A5-95E2FB3EB1A1}" type="datetimeFigureOut">
               <a:rPr lang="en-GB" smtClean="0"/>
-              <a:t>07/02/2024</a:t>
+              <a:t>08/02/2024</a:t>
             </a:fld>
             <a:endParaRPr lang="en-GB"/>
           </a:p>
@@ -9454,7 +9507,7 @@
           <a:p>
             <a:fld id="{E85DF616-B21E-4EF6-A6A5-95E2FB3EB1A1}" type="datetimeFigureOut">
               <a:rPr lang="en-GB" smtClean="0"/>
-              <a:t>07/02/2024</a:t>
+              <a:t>08/02/2024</a:t>
             </a:fld>
             <a:endParaRPr lang="en-GB"/>
           </a:p>
@@ -9869,7 +9922,7 @@
           <a:p>
             <a:fld id="{E85DF616-B21E-4EF6-A6A5-95E2FB3EB1A1}" type="datetimeFigureOut">
               <a:rPr lang="en-GB" smtClean="0"/>
-              <a:t>07/02/2024</a:t>
+              <a:t>08/02/2024</a:t>
             </a:fld>
             <a:endParaRPr lang="en-GB"/>
           </a:p>
@@ -10011,7 +10064,7 @@
           <a:p>
             <a:fld id="{E85DF616-B21E-4EF6-A6A5-95E2FB3EB1A1}" type="datetimeFigureOut">
               <a:rPr lang="en-GB" smtClean="0"/>
-              <a:t>07/02/2024</a:t>
+              <a:t>08/02/2024</a:t>
             </a:fld>
             <a:endParaRPr lang="en-GB"/>
           </a:p>
@@ -10124,7 +10177,7 @@
           <a:p>
             <a:fld id="{E85DF616-B21E-4EF6-A6A5-95E2FB3EB1A1}" type="datetimeFigureOut">
               <a:rPr lang="en-GB" smtClean="0"/>
-              <a:t>07/02/2024</a:t>
+              <a:t>08/02/2024</a:t>
             </a:fld>
             <a:endParaRPr lang="en-GB"/>
           </a:p>
@@ -10437,7 +10490,7 @@
           <a:p>
             <a:fld id="{E85DF616-B21E-4EF6-A6A5-95E2FB3EB1A1}" type="datetimeFigureOut">
               <a:rPr lang="en-GB" smtClean="0"/>
-              <a:t>07/02/2024</a:t>
+              <a:t>08/02/2024</a:t>
             </a:fld>
             <a:endParaRPr lang="en-GB"/>
           </a:p>
@@ -10726,7 +10779,7 @@
           <a:p>
             <a:fld id="{E85DF616-B21E-4EF6-A6A5-95E2FB3EB1A1}" type="datetimeFigureOut">
               <a:rPr lang="en-GB" smtClean="0"/>
-              <a:t>07/02/2024</a:t>
+              <a:t>08/02/2024</a:t>
             </a:fld>
             <a:endParaRPr lang="en-GB"/>
           </a:p>
@@ -10969,7 +11022,7 @@
           <a:p>
             <a:fld id="{E85DF616-B21E-4EF6-A6A5-95E2FB3EB1A1}" type="datetimeFigureOut">
               <a:rPr lang="en-GB" smtClean="0"/>
-              <a:t>07/02/2024</a:t>
+              <a:t>08/02/2024</a:t>
             </a:fld>
             <a:endParaRPr lang="en-GB"/>
           </a:p>
@@ -11682,7 +11735,12 @@
             <p:ph idx="1"/>
           </p:nvPr>
         </p:nvSpPr>
-        <p:spPr/>
+        <p:spPr>
+          <a:xfrm>
+            <a:off x="838200" y="1825624"/>
+            <a:ext cx="10515600" cy="5032375"/>
+          </a:xfrm>
+        </p:spPr>
         <p:txBody>
           <a:bodyPr>
             <a:normAutofit/>
@@ -11803,6 +11861,12 @@
             <a:r>
               <a:rPr lang="en-GB" dirty="0"/>
               <a:t>And many more features! (not describing all of them)</a:t>
+            </a:r>
+          </a:p>
+          <a:p>
+            <a:r>
+              <a:rPr lang="en-GB" dirty="0"/>
+              <a:t>The last column is the selling price, which is our output.</a:t>
             </a:r>
           </a:p>
         </p:txBody>
@@ -13445,7 +13509,15 @@
             </a:r>
             <a:r>
               <a:rPr lang="en-GB" dirty="0"/>
-              <a:t> loop, to generate mini-batches of samples.</a:t>
+              <a:t> </a:t>
+            </a:r>
+            <a:r>
+              <a:rPr lang="en-GB" b="1" dirty="0"/>
+              <a:t>loop</a:t>
+            </a:r>
+            <a:r>
+              <a:rPr lang="en-GB" dirty="0"/>
+              <a:t>, to generate mini-batches of samples.</a:t>
             </a:r>
           </a:p>
           <a:p>
@@ -15980,7 +16052,7 @@
           <a:p>
             <a:r>
               <a:rPr lang="en-GB" dirty="0"/>
-              <a:t>Introducing the MNIST dataset</a:t>
+              <a:t>Quick parenthesis: normalizing input data</a:t>
             </a:r>
             <a:endParaRPr lang="en-SG" dirty="0"/>
           </a:p>
@@ -18583,8 +18655,8 @@
           </a:p>
         </p:txBody>
       </p:sp>
-      <mc:AlternateContent xmlns:mc="http://schemas.openxmlformats.org/markup-compatibility/2006">
-        <mc:Choice xmlns:a14="http://schemas.microsoft.com/office/drawing/2010/main" Requires="a14">
+      <mc:AlternateContent xmlns:mc="http://schemas.openxmlformats.org/markup-compatibility/2006" xmlns:a14="http://schemas.microsoft.com/office/drawing/2010/main">
+        <mc:Choice Requires="a14">
           <p:sp>
             <p:nvSpPr>
               <p:cNvPr id="3" name="Content Placeholder 2">
@@ -19405,7 +19477,7 @@
             </p:txBody>
           </p:sp>
         </mc:Choice>
-        <mc:Fallback>
+        <mc:Fallback xmlns="">
           <p:sp>
             <p:nvSpPr>
               <p:cNvPr id="3" name="Content Placeholder 2">
@@ -21817,8 +21889,8 @@
           </a:p>
         </p:txBody>
       </p:sp>
-      <mc:AlternateContent xmlns:mc="http://schemas.openxmlformats.org/markup-compatibility/2006">
-        <mc:Choice xmlns:a14="http://schemas.microsoft.com/office/drawing/2010/main" Requires="a14">
+      <mc:AlternateContent xmlns:mc="http://schemas.openxmlformats.org/markup-compatibility/2006" xmlns:a14="http://schemas.microsoft.com/office/drawing/2010/main">
+        <mc:Choice Requires="a14">
           <p:sp>
             <p:nvSpPr>
               <p:cNvPr id="5" name="Content Placeholder 4">
@@ -22281,7 +22353,7 @@
             </p:txBody>
           </p:sp>
         </mc:Choice>
-        <mc:Fallback>
+        <mc:Fallback xmlns="">
           <p:sp>
             <p:nvSpPr>
               <p:cNvPr id="5" name="Content Placeholder 4">
@@ -22734,8 +22806,8 @@
           </a:p>
         </p:txBody>
       </p:sp>
-      <mc:AlternateContent xmlns:mc="http://schemas.openxmlformats.org/markup-compatibility/2006">
-        <mc:Choice xmlns:a14="http://schemas.microsoft.com/office/drawing/2010/main" Requires="a14">
+      <mc:AlternateContent xmlns:mc="http://schemas.openxmlformats.org/markup-compatibility/2006" xmlns:a14="http://schemas.microsoft.com/office/drawing/2010/main">
+        <mc:Choice Requires="a14">
           <p:sp>
             <p:nvSpPr>
               <p:cNvPr id="3" name="Content Placeholder 2">
@@ -23329,7 +23401,7 @@
             </p:txBody>
           </p:sp>
         </mc:Choice>
-        <mc:Fallback>
+        <mc:Fallback xmlns="">
           <p:sp>
             <p:nvSpPr>
               <p:cNvPr id="3" name="Content Placeholder 2">
@@ -23432,8 +23504,8 @@
           </a:p>
         </p:txBody>
       </p:sp>
-      <mc:AlternateContent xmlns:mc="http://schemas.openxmlformats.org/markup-compatibility/2006">
-        <mc:Choice xmlns:a14="http://schemas.microsoft.com/office/drawing/2010/main" Requires="a14">
+      <mc:AlternateContent xmlns:mc="http://schemas.openxmlformats.org/markup-compatibility/2006" xmlns:a14="http://schemas.microsoft.com/office/drawing/2010/main">
+        <mc:Choice Requires="a14">
           <p:sp>
             <p:nvSpPr>
               <p:cNvPr id="3" name="Content Placeholder 2">
@@ -24265,7 +24337,7 @@
             </p:txBody>
           </p:sp>
         </mc:Choice>
-        <mc:Fallback>
+        <mc:Fallback xmlns="">
           <p:sp>
             <p:nvSpPr>
               <p:cNvPr id="3" name="Content Placeholder 2">
@@ -25698,7 +25770,7 @@
             </a:r>
             <a:r>
               <a:rPr lang="en-GB" dirty="0"/>
-              <a:t> as final activation, for the same reasons as before.</a:t>
+              <a:t> as final activation here, for the same reasons as before.</a:t>
             </a:r>
           </a:p>
         </p:txBody>
@@ -25883,7 +25955,7 @@
             </a:pPr>
             <a:r>
               <a:rPr lang="en-GB" dirty="0"/>
-              <a:t>It then combines them into a single </a:t>
+              <a:t>It then combines all blocks into a single </a:t>
             </a:r>
             <a:r>
               <a:rPr lang="en-GB" dirty="0" err="1"/>
@@ -26072,7 +26144,7 @@
           <a:p>
             <a:r>
               <a:rPr lang="en-GB" dirty="0"/>
-              <a:t>It is then passed through the combined layers/blocks we have assembled in Sequential().</a:t>
+              <a:t>It is then passed through the combined layers/blocks we have assembled in the Sequential().</a:t>
             </a:r>
           </a:p>
         </p:txBody>
@@ -26697,7 +26769,7 @@
             </a:br>
             <a:r>
               <a:rPr lang="en-GB" dirty="0"/>
-              <a:t>(not too bad)</a:t>
+              <a:t>(not too bad in terms of acc.)</a:t>
             </a:r>
             <a:endParaRPr lang="en-SG" dirty="0"/>
           </a:p>
@@ -26719,7 +26791,12 @@
             <p:ph type="body" sz="quarter" idx="3"/>
           </p:nvPr>
         </p:nvSpPr>
-        <p:spPr/>
+        <p:spPr>
+          <a:xfrm>
+            <a:off x="6172200" y="1681163"/>
+            <a:ext cx="5780748" cy="823912"/>
+          </a:xfrm>
+        </p:spPr>
         <p:txBody>
           <a:bodyPr>
             <a:normAutofit fontScale="92500"/>
@@ -26728,18 +26805,14 @@
           <a:p>
             <a:r>
               <a:rPr lang="en-GB" dirty="0"/>
-              <a:t>Deep Neural Net: 93.7% </a:t>
-            </a:r>
-            <a:r>
-              <a:rPr lang="en-GB"/>
-              <a:t>test acc.</a:t>
+              <a:t>Deep Neural Net: 93.7% test acc.</a:t>
             </a:r>
             <a:br>
               <a:rPr lang="en-GB" dirty="0"/>
             </a:br>
             <a:r>
               <a:rPr lang="en-GB" dirty="0"/>
-              <a:t>(lower, even though we had a lower loss!)</a:t>
+              <a:t>(lower acc., even though we had a lower loss?!)</a:t>
             </a:r>
             <a:endParaRPr lang="en-SG" dirty="0"/>
           </a:p>
